--- a/Project Proposal Präsi Draft .pptx
+++ b/Project Proposal Präsi Draft .pptx
@@ -4,10 +4,15 @@
   <p:sldMasterIdLst>
     <p:sldMasterId id="2147483648" r:id="rId1"/>
   </p:sldMasterIdLst>
+  <p:notesMasterIdLst>
+    <p:notesMasterId r:id="rId7"/>
+  </p:notesMasterIdLst>
   <p:sldIdLst>
     <p:sldId id="257" r:id="rId2"/>
     <p:sldId id="258" r:id="rId3"/>
     <p:sldId id="259" r:id="rId4"/>
+    <p:sldId id="260" r:id="rId5"/>
+    <p:sldId id="261" r:id="rId6"/>
   </p:sldIdLst>
   <p:sldSz cx="12192000" cy="6858000"/>
   <p:notesSz cx="6858000" cy="9144000"/>
@@ -106,6 +111,11 @@
       </a:defRPr>
     </a:lvl9pPr>
   </p:defaultTextStyle>
+  <p:extLst>
+    <p:ext uri="{EFAFB233-063F-42B5-8137-9DF3F51BA10A}">
+      <p15:sldGuideLst xmlns:p15="http://schemas.microsoft.com/office/powerpoint/2012/main"/>
+    </p:ext>
+  </p:extLst>
 </p:presentation>
 </file>
 
@@ -2654,6 +2664,588 @@
 </dgm:styleDef>
 </file>
 
+<file path=ppt/notesMasters/notesMaster1.xml><?xml version="1.0" encoding="utf-8"?>
+<p:notesMaster xmlns:a="http://schemas.openxmlformats.org/drawingml/2006/main" xmlns:r="http://schemas.openxmlformats.org/officeDocument/2006/relationships" xmlns:p="http://schemas.openxmlformats.org/presentationml/2006/main">
+  <p:cSld>
+    <p:bg>
+      <p:bgRef idx="1001">
+        <a:schemeClr val="bg1"/>
+      </p:bgRef>
+    </p:bg>
+    <p:spTree>
+      <p:nvGrpSpPr>
+        <p:cNvPr id="1" name=""/>
+        <p:cNvGrpSpPr/>
+        <p:nvPr/>
+      </p:nvGrpSpPr>
+      <p:grpSpPr>
+        <a:xfrm>
+          <a:off x="0" y="0"/>
+          <a:ext cx="0" cy="0"/>
+          <a:chOff x="0" y="0"/>
+          <a:chExt cx="0" cy="0"/>
+        </a:xfrm>
+      </p:grpSpPr>
+      <p:sp>
+        <p:nvSpPr>
+          <p:cNvPr id="2" name="Kopfzeilenplatzhalter 1"/>
+          <p:cNvSpPr>
+            <a:spLocks noGrp="1"/>
+          </p:cNvSpPr>
+          <p:nvPr>
+            <p:ph type="hdr" sz="quarter"/>
+          </p:nvPr>
+        </p:nvSpPr>
+        <p:spPr>
+          <a:xfrm>
+            <a:off x="0" y="0"/>
+            <a:ext cx="2971800" cy="458788"/>
+          </a:xfrm>
+          <a:prstGeom prst="rect">
+            <a:avLst/>
+          </a:prstGeom>
+        </p:spPr>
+        <p:txBody>
+          <a:bodyPr vert="horz" lIns="91440" tIns="45720" rIns="91440" bIns="45720" rtlCol="0"/>
+          <a:lstStyle>
+            <a:lvl1pPr algn="l">
+              <a:defRPr sz="1200"/>
+            </a:lvl1pPr>
+          </a:lstStyle>
+          <a:p>
+            <a:endParaRPr lang="de-DE"/>
+          </a:p>
+        </p:txBody>
+      </p:sp>
+      <p:sp>
+        <p:nvSpPr>
+          <p:cNvPr id="3" name="Datumsplatzhalter 2"/>
+          <p:cNvSpPr>
+            <a:spLocks noGrp="1"/>
+          </p:cNvSpPr>
+          <p:nvPr>
+            <p:ph type="dt" idx="1"/>
+          </p:nvPr>
+        </p:nvSpPr>
+        <p:spPr>
+          <a:xfrm>
+            <a:off x="3884613" y="0"/>
+            <a:ext cx="2971800" cy="458788"/>
+          </a:xfrm>
+          <a:prstGeom prst="rect">
+            <a:avLst/>
+          </a:prstGeom>
+        </p:spPr>
+        <p:txBody>
+          <a:bodyPr vert="horz" lIns="91440" tIns="45720" rIns="91440" bIns="45720" rtlCol="0"/>
+          <a:lstStyle>
+            <a:lvl1pPr algn="r">
+              <a:defRPr sz="1200"/>
+            </a:lvl1pPr>
+          </a:lstStyle>
+          <a:p>
+            <a:fld id="{B1EDDCE5-D48E-DA43-B444-DDF71E7751E7}" type="datetimeFigureOut">
+              <a:rPr lang="de-DE" smtClean="0"/>
+              <a:t>15.05.23</a:t>
+            </a:fld>
+            <a:endParaRPr lang="de-DE"/>
+          </a:p>
+        </p:txBody>
+      </p:sp>
+      <p:sp>
+        <p:nvSpPr>
+          <p:cNvPr id="4" name="Folienbildplatzhalter 3"/>
+          <p:cNvSpPr>
+            <a:spLocks noGrp="1" noRot="1" noChangeAspect="1"/>
+          </p:cNvSpPr>
+          <p:nvPr>
+            <p:ph type="sldImg" idx="2"/>
+          </p:nvPr>
+        </p:nvSpPr>
+        <p:spPr>
+          <a:xfrm>
+            <a:off x="685800" y="1143000"/>
+            <a:ext cx="5486400" cy="3086100"/>
+          </a:xfrm>
+          <a:prstGeom prst="rect">
+            <a:avLst/>
+          </a:prstGeom>
+          <a:noFill/>
+          <a:ln w="12700">
+            <a:solidFill>
+              <a:prstClr val="black"/>
+            </a:solidFill>
+          </a:ln>
+        </p:spPr>
+        <p:txBody>
+          <a:bodyPr vert="horz" lIns="91440" tIns="45720" rIns="91440" bIns="45720" rtlCol="0" anchor="ctr"/>
+          <a:lstStyle/>
+          <a:p>
+            <a:endParaRPr lang="de-DE"/>
+          </a:p>
+        </p:txBody>
+      </p:sp>
+      <p:sp>
+        <p:nvSpPr>
+          <p:cNvPr id="5" name="Notizenplatzhalter 4"/>
+          <p:cNvSpPr>
+            <a:spLocks noGrp="1"/>
+          </p:cNvSpPr>
+          <p:nvPr>
+            <p:ph type="body" sz="quarter" idx="3"/>
+          </p:nvPr>
+        </p:nvSpPr>
+        <p:spPr>
+          <a:xfrm>
+            <a:off x="685800" y="4400550"/>
+            <a:ext cx="5486400" cy="3600450"/>
+          </a:xfrm>
+          <a:prstGeom prst="rect">
+            <a:avLst/>
+          </a:prstGeom>
+        </p:spPr>
+        <p:txBody>
+          <a:bodyPr vert="horz" lIns="91440" tIns="45720" rIns="91440" bIns="45720" rtlCol="0"/>
+          <a:lstStyle/>
+          <a:p>
+            <a:pPr lvl="0"/>
+            <a:r>
+              <a:rPr lang="de-DE"/>
+              <a:t>Mastertextformat bearbeiten</a:t>
+            </a:r>
+          </a:p>
+          <a:p>
+            <a:pPr lvl="1"/>
+            <a:r>
+              <a:rPr lang="de-DE"/>
+              <a:t>Zweite Ebene</a:t>
+            </a:r>
+          </a:p>
+          <a:p>
+            <a:pPr lvl="2"/>
+            <a:r>
+              <a:rPr lang="de-DE"/>
+              <a:t>Dritte Ebene</a:t>
+            </a:r>
+          </a:p>
+          <a:p>
+            <a:pPr lvl="3"/>
+            <a:r>
+              <a:rPr lang="de-DE"/>
+              <a:t>Vierte Ebene</a:t>
+            </a:r>
+          </a:p>
+          <a:p>
+            <a:pPr lvl="4"/>
+            <a:r>
+              <a:rPr lang="de-DE"/>
+              <a:t>Fünfte Ebene</a:t>
+            </a:r>
+          </a:p>
+        </p:txBody>
+      </p:sp>
+      <p:sp>
+        <p:nvSpPr>
+          <p:cNvPr id="6" name="Fußzeilenplatzhalter 5"/>
+          <p:cNvSpPr>
+            <a:spLocks noGrp="1"/>
+          </p:cNvSpPr>
+          <p:nvPr>
+            <p:ph type="ftr" sz="quarter" idx="4"/>
+          </p:nvPr>
+        </p:nvSpPr>
+        <p:spPr>
+          <a:xfrm>
+            <a:off x="0" y="8685213"/>
+            <a:ext cx="2971800" cy="458787"/>
+          </a:xfrm>
+          <a:prstGeom prst="rect">
+            <a:avLst/>
+          </a:prstGeom>
+        </p:spPr>
+        <p:txBody>
+          <a:bodyPr vert="horz" lIns="91440" tIns="45720" rIns="91440" bIns="45720" rtlCol="0" anchor="b"/>
+          <a:lstStyle>
+            <a:lvl1pPr algn="l">
+              <a:defRPr sz="1200"/>
+            </a:lvl1pPr>
+          </a:lstStyle>
+          <a:p>
+            <a:endParaRPr lang="de-DE"/>
+          </a:p>
+        </p:txBody>
+      </p:sp>
+      <p:sp>
+        <p:nvSpPr>
+          <p:cNvPr id="7" name="Foliennummernplatzhalter 6"/>
+          <p:cNvSpPr>
+            <a:spLocks noGrp="1"/>
+          </p:cNvSpPr>
+          <p:nvPr>
+            <p:ph type="sldNum" sz="quarter" idx="5"/>
+          </p:nvPr>
+        </p:nvSpPr>
+        <p:spPr>
+          <a:xfrm>
+            <a:off x="3884613" y="8685213"/>
+            <a:ext cx="2971800" cy="458787"/>
+          </a:xfrm>
+          <a:prstGeom prst="rect">
+            <a:avLst/>
+          </a:prstGeom>
+        </p:spPr>
+        <p:txBody>
+          <a:bodyPr vert="horz" lIns="91440" tIns="45720" rIns="91440" bIns="45720" rtlCol="0" anchor="b"/>
+          <a:lstStyle>
+            <a:lvl1pPr algn="r">
+              <a:defRPr sz="1200"/>
+            </a:lvl1pPr>
+          </a:lstStyle>
+          <a:p>
+            <a:fld id="{C32FFBED-32DA-134C-988D-9B5AF231614C}" type="slidenum">
+              <a:rPr lang="de-DE" smtClean="0"/>
+              <a:t>‹Nr.›</a:t>
+            </a:fld>
+            <a:endParaRPr lang="de-DE"/>
+          </a:p>
+        </p:txBody>
+      </p:sp>
+    </p:spTree>
+    <p:extLst>
+      <p:ext uri="{BB962C8B-B14F-4D97-AF65-F5344CB8AC3E}">
+        <p14:creationId xmlns:p14="http://schemas.microsoft.com/office/powerpoint/2010/main" val="3488536102"/>
+      </p:ext>
+    </p:extLst>
+  </p:cSld>
+  <p:clrMap bg1="lt1" tx1="dk1" bg2="lt2" tx2="dk2" accent1="accent1" accent2="accent2" accent3="accent3" accent4="accent4" accent5="accent5" accent6="accent6" hlink="hlink" folHlink="folHlink"/>
+  <p:notesStyle>
+    <a:lvl1pPr marL="0" algn="l" defTabSz="914400" rtl="0" eaLnBrk="1" latinLnBrk="0" hangingPunct="1">
+      <a:defRPr sz="1200" kern="1200">
+        <a:solidFill>
+          <a:schemeClr val="tx1"/>
+        </a:solidFill>
+        <a:latin typeface="+mn-lt"/>
+        <a:ea typeface="+mn-ea"/>
+        <a:cs typeface="+mn-cs"/>
+      </a:defRPr>
+    </a:lvl1pPr>
+    <a:lvl2pPr marL="457200" algn="l" defTabSz="914400" rtl="0" eaLnBrk="1" latinLnBrk="0" hangingPunct="1">
+      <a:defRPr sz="1200" kern="1200">
+        <a:solidFill>
+          <a:schemeClr val="tx1"/>
+        </a:solidFill>
+        <a:latin typeface="+mn-lt"/>
+        <a:ea typeface="+mn-ea"/>
+        <a:cs typeface="+mn-cs"/>
+      </a:defRPr>
+    </a:lvl2pPr>
+    <a:lvl3pPr marL="914400" algn="l" defTabSz="914400" rtl="0" eaLnBrk="1" latinLnBrk="0" hangingPunct="1">
+      <a:defRPr sz="1200" kern="1200">
+        <a:solidFill>
+          <a:schemeClr val="tx1"/>
+        </a:solidFill>
+        <a:latin typeface="+mn-lt"/>
+        <a:ea typeface="+mn-ea"/>
+        <a:cs typeface="+mn-cs"/>
+      </a:defRPr>
+    </a:lvl3pPr>
+    <a:lvl4pPr marL="1371600" algn="l" defTabSz="914400" rtl="0" eaLnBrk="1" latinLnBrk="0" hangingPunct="1">
+      <a:defRPr sz="1200" kern="1200">
+        <a:solidFill>
+          <a:schemeClr val="tx1"/>
+        </a:solidFill>
+        <a:latin typeface="+mn-lt"/>
+        <a:ea typeface="+mn-ea"/>
+        <a:cs typeface="+mn-cs"/>
+      </a:defRPr>
+    </a:lvl4pPr>
+    <a:lvl5pPr marL="1828800" algn="l" defTabSz="914400" rtl="0" eaLnBrk="1" latinLnBrk="0" hangingPunct="1">
+      <a:defRPr sz="1200" kern="1200">
+        <a:solidFill>
+          <a:schemeClr val="tx1"/>
+        </a:solidFill>
+        <a:latin typeface="+mn-lt"/>
+        <a:ea typeface="+mn-ea"/>
+        <a:cs typeface="+mn-cs"/>
+      </a:defRPr>
+    </a:lvl5pPr>
+    <a:lvl6pPr marL="2286000" algn="l" defTabSz="914400" rtl="0" eaLnBrk="1" latinLnBrk="0" hangingPunct="1">
+      <a:defRPr sz="1200" kern="1200">
+        <a:solidFill>
+          <a:schemeClr val="tx1"/>
+        </a:solidFill>
+        <a:latin typeface="+mn-lt"/>
+        <a:ea typeface="+mn-ea"/>
+        <a:cs typeface="+mn-cs"/>
+      </a:defRPr>
+    </a:lvl6pPr>
+    <a:lvl7pPr marL="2743200" algn="l" defTabSz="914400" rtl="0" eaLnBrk="1" latinLnBrk="0" hangingPunct="1">
+      <a:defRPr sz="1200" kern="1200">
+        <a:solidFill>
+          <a:schemeClr val="tx1"/>
+        </a:solidFill>
+        <a:latin typeface="+mn-lt"/>
+        <a:ea typeface="+mn-ea"/>
+        <a:cs typeface="+mn-cs"/>
+      </a:defRPr>
+    </a:lvl7pPr>
+    <a:lvl8pPr marL="3200400" algn="l" defTabSz="914400" rtl="0" eaLnBrk="1" latinLnBrk="0" hangingPunct="1">
+      <a:defRPr sz="1200" kern="1200">
+        <a:solidFill>
+          <a:schemeClr val="tx1"/>
+        </a:solidFill>
+        <a:latin typeface="+mn-lt"/>
+        <a:ea typeface="+mn-ea"/>
+        <a:cs typeface="+mn-cs"/>
+      </a:defRPr>
+    </a:lvl8pPr>
+    <a:lvl9pPr marL="3657600" algn="l" defTabSz="914400" rtl="0" eaLnBrk="1" latinLnBrk="0" hangingPunct="1">
+      <a:defRPr sz="1200" kern="1200">
+        <a:solidFill>
+          <a:schemeClr val="tx1"/>
+        </a:solidFill>
+        <a:latin typeface="+mn-lt"/>
+        <a:ea typeface="+mn-ea"/>
+        <a:cs typeface="+mn-cs"/>
+      </a:defRPr>
+    </a:lvl9pPr>
+  </p:notesStyle>
+</p:notesMaster>
+</file>
+
+<file path=ppt/notesSlides/notesSlide1.xml><?xml version="1.0" encoding="utf-8"?>
+<p:notes xmlns:a="http://schemas.openxmlformats.org/drawingml/2006/main" xmlns:r="http://schemas.openxmlformats.org/officeDocument/2006/relationships" xmlns:p="http://schemas.openxmlformats.org/presentationml/2006/main">
+  <p:cSld>
+    <p:spTree>
+      <p:nvGrpSpPr>
+        <p:cNvPr id="1" name=""/>
+        <p:cNvGrpSpPr/>
+        <p:nvPr/>
+      </p:nvGrpSpPr>
+      <p:grpSpPr>
+        <a:xfrm>
+          <a:off x="0" y="0"/>
+          <a:ext cx="0" cy="0"/>
+          <a:chOff x="0" y="0"/>
+          <a:chExt cx="0" cy="0"/>
+        </a:xfrm>
+      </p:grpSpPr>
+      <p:sp>
+        <p:nvSpPr>
+          <p:cNvPr id="2" name="Folienbildplatzhalter 1"/>
+          <p:cNvSpPr>
+            <a:spLocks noGrp="1" noRot="1" noChangeAspect="1"/>
+          </p:cNvSpPr>
+          <p:nvPr>
+            <p:ph type="sldImg"/>
+          </p:nvPr>
+        </p:nvSpPr>
+        <p:spPr/>
+      </p:sp>
+      <p:sp>
+        <p:nvSpPr>
+          <p:cNvPr id="3" name="Notizenplatzhalter 2"/>
+          <p:cNvSpPr>
+            <a:spLocks noGrp="1"/>
+          </p:cNvSpPr>
+          <p:nvPr>
+            <p:ph type="body" idx="1"/>
+          </p:nvPr>
+        </p:nvSpPr>
+        <p:spPr/>
+        <p:txBody>
+          <a:bodyPr/>
+          <a:lstStyle/>
+          <a:p>
+            <a:endParaRPr lang="de-DE" dirty="0"/>
+          </a:p>
+          <a:p>
+            <a:r>
+              <a:rPr lang="de-DE" dirty="0"/>
+              <a:t>ERA5 Data: </a:t>
+            </a:r>
+          </a:p>
+          <a:p>
+            <a:r>
+              <a:rPr lang="de-DE" dirty="0" err="1"/>
+              <a:t>measurements</a:t>
+            </a:r>
+            <a:r>
+              <a:rPr lang="de-DE" dirty="0"/>
+              <a:t>, </a:t>
+            </a:r>
+            <a:r>
+              <a:rPr lang="de-DE" dirty="0" err="1"/>
+              <a:t>reanalysis</a:t>
+            </a:r>
+            <a:r>
+              <a:rPr lang="de-DE" dirty="0"/>
+              <a:t> </a:t>
+            </a:r>
+            <a:r>
+              <a:rPr lang="de-DE" dirty="0" err="1"/>
+              <a:t>of</a:t>
+            </a:r>
+            <a:r>
+              <a:rPr lang="de-DE" dirty="0"/>
+              <a:t> </a:t>
+            </a:r>
+            <a:r>
+              <a:rPr lang="de-DE" dirty="0" err="1"/>
+              <a:t>climate</a:t>
+            </a:r>
+            <a:r>
+              <a:rPr lang="de-DE" dirty="0"/>
+              <a:t> </a:t>
+            </a:r>
+            <a:r>
+              <a:rPr lang="de-DE" dirty="0" err="1"/>
+              <a:t>data</a:t>
+            </a:r>
+            <a:r>
+              <a:rPr lang="de-DE" dirty="0"/>
+              <a:t> </a:t>
+            </a:r>
+            <a:r>
+              <a:rPr lang="de-DE" dirty="0" err="1"/>
+              <a:t>since</a:t>
+            </a:r>
+            <a:r>
+              <a:rPr lang="de-DE" dirty="0"/>
+              <a:t> 1959 (</a:t>
+            </a:r>
+            <a:r>
+              <a:rPr lang="de-DE" dirty="0" err="1"/>
+              <a:t>hourly</a:t>
+            </a:r>
+            <a:r>
+              <a:rPr lang="de-DE" dirty="0"/>
+              <a:t>, 0,25°x 0,25° </a:t>
+            </a:r>
+            <a:r>
+              <a:rPr lang="de-DE" dirty="0" err="1"/>
+              <a:t>spatial</a:t>
+            </a:r>
+            <a:r>
+              <a:rPr lang="de-DE" dirty="0"/>
+              <a:t> </a:t>
+            </a:r>
+            <a:r>
+              <a:rPr lang="de-DE" dirty="0" err="1"/>
+              <a:t>resolution</a:t>
+            </a:r>
+            <a:r>
+              <a:rPr lang="de-DE" dirty="0"/>
+              <a:t>, 137 </a:t>
+            </a:r>
+            <a:r>
+              <a:rPr lang="de-DE" dirty="0" err="1"/>
+              <a:t>altitude</a:t>
+            </a:r>
+            <a:r>
+              <a:rPr lang="de-DE" dirty="0"/>
+              <a:t> </a:t>
+            </a:r>
+            <a:r>
+              <a:rPr lang="de-DE" dirty="0" err="1"/>
+              <a:t>levels</a:t>
+            </a:r>
+            <a:r>
+              <a:rPr lang="de-DE" dirty="0"/>
+              <a:t> (max. 80 km)</a:t>
+            </a:r>
+          </a:p>
+          <a:p>
+            <a:r>
+              <a:rPr lang="de-DE" dirty="0" err="1"/>
+              <a:t>Extraction</a:t>
+            </a:r>
+            <a:r>
+              <a:rPr lang="de-DE" dirty="0"/>
+              <a:t> </a:t>
+            </a:r>
+            <a:r>
+              <a:rPr lang="de-DE" dirty="0" err="1"/>
+              <a:t>of</a:t>
+            </a:r>
+            <a:r>
+              <a:rPr lang="de-DE" dirty="0"/>
+              <a:t> </a:t>
+            </a:r>
+            <a:r>
+              <a:rPr lang="de-DE" dirty="0" err="1"/>
+              <a:t>monthly</a:t>
+            </a:r>
+            <a:r>
+              <a:rPr lang="de-DE" dirty="0"/>
+              <a:t> 2m </a:t>
+            </a:r>
+            <a:r>
+              <a:rPr lang="de-DE" dirty="0" err="1"/>
+              <a:t>temperature</a:t>
+            </a:r>
+            <a:r>
+              <a:rPr lang="de-DE" dirty="0"/>
+              <a:t> </a:t>
+            </a:r>
+            <a:r>
+              <a:rPr lang="de-DE" dirty="0" err="1"/>
+              <a:t>data</a:t>
+            </a:r>
+            <a:r>
+              <a:rPr lang="de-DE" dirty="0"/>
+              <a:t> </a:t>
+            </a:r>
+            <a:r>
+              <a:rPr lang="de-DE" dirty="0" err="1"/>
+              <a:t>from</a:t>
+            </a:r>
+            <a:r>
+              <a:rPr lang="de-DE" dirty="0"/>
+              <a:t> 2006 - 2022</a:t>
+            </a:r>
+          </a:p>
+          <a:p>
+            <a:endParaRPr lang="de-DE" dirty="0"/>
+          </a:p>
+        </p:txBody>
+      </p:sp>
+      <p:sp>
+        <p:nvSpPr>
+          <p:cNvPr id="4" name="Foliennummernplatzhalter 3"/>
+          <p:cNvSpPr>
+            <a:spLocks noGrp="1"/>
+          </p:cNvSpPr>
+          <p:nvPr>
+            <p:ph type="sldNum" sz="quarter" idx="5"/>
+          </p:nvPr>
+        </p:nvSpPr>
+        <p:spPr/>
+        <p:txBody>
+          <a:bodyPr/>
+          <a:lstStyle/>
+          <a:p>
+            <a:fld id="{C32FFBED-32DA-134C-988D-9B5AF231614C}" type="slidenum">
+              <a:rPr lang="de-DE" smtClean="0"/>
+              <a:t>3</a:t>
+            </a:fld>
+            <a:endParaRPr lang="de-DE"/>
+          </a:p>
+        </p:txBody>
+      </p:sp>
+    </p:spTree>
+    <p:extLst>
+      <p:ext uri="{BB962C8B-B14F-4D97-AF65-F5344CB8AC3E}">
+        <p14:creationId xmlns:p14="http://schemas.microsoft.com/office/powerpoint/2010/main" val="2162853048"/>
+      </p:ext>
+    </p:extLst>
+  </p:cSld>
+  <p:clrMapOvr>
+    <a:masterClrMapping/>
+  </p:clrMapOvr>
+</p:notes>
+</file>
+
 <file path=ppt/slideLayouts/slideLayout1.xml><?xml version="1.0" encoding="utf-8"?>
 <p:sldLayout xmlns:a="http://schemas.openxmlformats.org/drawingml/2006/main" xmlns:r="http://schemas.openxmlformats.org/officeDocument/2006/relationships" xmlns:p="http://schemas.openxmlformats.org/presentationml/2006/main" type="title" preserve="1">
   <p:cSld name="Titelfolie">
@@ -2801,7 +3393,7 @@
           <a:p>
             <a:fld id="{F03D0D1F-6BF6-194C-A78C-DBDDA79CC997}" type="datetimeFigureOut">
               <a:rPr lang="de-DE" smtClean="0"/>
-              <a:t>11.05.23</a:t>
+              <a:t>15.05.23</a:t>
             </a:fld>
             <a:endParaRPr lang="de-DE"/>
           </a:p>
@@ -2999,7 +3591,7 @@
           <a:p>
             <a:fld id="{F03D0D1F-6BF6-194C-A78C-DBDDA79CC997}" type="datetimeFigureOut">
               <a:rPr lang="de-DE" smtClean="0"/>
-              <a:t>11.05.23</a:t>
+              <a:t>15.05.23</a:t>
             </a:fld>
             <a:endParaRPr lang="de-DE"/>
           </a:p>
@@ -3207,7 +3799,7 @@
           <a:p>
             <a:fld id="{F03D0D1F-6BF6-194C-A78C-DBDDA79CC997}" type="datetimeFigureOut">
               <a:rPr lang="de-DE" smtClean="0"/>
-              <a:t>11.05.23</a:t>
+              <a:t>15.05.23</a:t>
             </a:fld>
             <a:endParaRPr lang="de-DE"/>
           </a:p>
@@ -3405,7 +3997,7 @@
           <a:p>
             <a:fld id="{F03D0D1F-6BF6-194C-A78C-DBDDA79CC997}" type="datetimeFigureOut">
               <a:rPr lang="de-DE" smtClean="0"/>
-              <a:t>11.05.23</a:t>
+              <a:t>15.05.23</a:t>
             </a:fld>
             <a:endParaRPr lang="de-DE"/>
           </a:p>
@@ -3680,7 +4272,7 @@
           <a:p>
             <a:fld id="{F03D0D1F-6BF6-194C-A78C-DBDDA79CC997}" type="datetimeFigureOut">
               <a:rPr lang="de-DE" smtClean="0"/>
-              <a:t>11.05.23</a:t>
+              <a:t>15.05.23</a:t>
             </a:fld>
             <a:endParaRPr lang="de-DE"/>
           </a:p>
@@ -3945,7 +4537,7 @@
           <a:p>
             <a:fld id="{F03D0D1F-6BF6-194C-A78C-DBDDA79CC997}" type="datetimeFigureOut">
               <a:rPr lang="de-DE" smtClean="0"/>
-              <a:t>11.05.23</a:t>
+              <a:t>15.05.23</a:t>
             </a:fld>
             <a:endParaRPr lang="de-DE"/>
           </a:p>
@@ -4357,7 +4949,7 @@
           <a:p>
             <a:fld id="{F03D0D1F-6BF6-194C-A78C-DBDDA79CC997}" type="datetimeFigureOut">
               <a:rPr lang="de-DE" smtClean="0"/>
-              <a:t>11.05.23</a:t>
+              <a:t>15.05.23</a:t>
             </a:fld>
             <a:endParaRPr lang="de-DE"/>
           </a:p>
@@ -4498,7 +5090,7 @@
           <a:p>
             <a:fld id="{F03D0D1F-6BF6-194C-A78C-DBDDA79CC997}" type="datetimeFigureOut">
               <a:rPr lang="de-DE" smtClean="0"/>
-              <a:t>11.05.23</a:t>
+              <a:t>15.05.23</a:t>
             </a:fld>
             <a:endParaRPr lang="de-DE"/>
           </a:p>
@@ -4611,7 +5203,7 @@
           <a:p>
             <a:fld id="{F03D0D1F-6BF6-194C-A78C-DBDDA79CC997}" type="datetimeFigureOut">
               <a:rPr lang="de-DE" smtClean="0"/>
-              <a:t>11.05.23</a:t>
+              <a:t>15.05.23</a:t>
             </a:fld>
             <a:endParaRPr lang="de-DE"/>
           </a:p>
@@ -4922,7 +5514,7 @@
           <a:p>
             <a:fld id="{F03D0D1F-6BF6-194C-A78C-DBDDA79CC997}" type="datetimeFigureOut">
               <a:rPr lang="de-DE" smtClean="0"/>
-              <a:t>11.05.23</a:t>
+              <a:t>15.05.23</a:t>
             </a:fld>
             <a:endParaRPr lang="de-DE"/>
           </a:p>
@@ -5210,7 +5802,7 @@
           <a:p>
             <a:fld id="{F03D0D1F-6BF6-194C-A78C-DBDDA79CC997}" type="datetimeFigureOut">
               <a:rPr lang="de-DE" smtClean="0"/>
-              <a:t>11.05.23</a:t>
+              <a:t>15.05.23</a:t>
             </a:fld>
             <a:endParaRPr lang="de-DE"/>
           </a:p>
@@ -5451,7 +6043,7 @@
           <a:p>
             <a:fld id="{F03D0D1F-6BF6-194C-A78C-DBDDA79CC997}" type="datetimeFigureOut">
               <a:rPr lang="de-DE" smtClean="0"/>
-              <a:t>11.05.23</a:t>
+              <a:t>15.05.23</a:t>
             </a:fld>
             <a:endParaRPr lang="de-DE"/>
           </a:p>
@@ -6524,7 +7116,9 @@
           <a:lstStyle/>
           <a:p>
             <a:r>
-              <a:rPr lang="de-DE" dirty="0"/>
+              <a:rPr lang="de-DE" dirty="0">
+                <a:latin typeface="Cambria" panose="02040503050406030204" pitchFamily="18" charset="0"/>
+              </a:rPr>
               <a:t>Datasets </a:t>
             </a:r>
           </a:p>
@@ -6546,12 +7140,635 @@
             <p:ph idx="1"/>
           </p:nvPr>
         </p:nvSpPr>
-        <p:spPr/>
+        <p:spPr>
+          <a:xfrm>
+            <a:off x="838200" y="1825624"/>
+            <a:ext cx="2894556" cy="4487493"/>
+          </a:xfrm>
+          <a:solidFill>
+            <a:schemeClr val="tx1"/>
+          </a:solidFill>
+        </p:spPr>
         <p:txBody>
           <a:bodyPr/>
           <a:lstStyle/>
           <a:p>
-            <a:endParaRPr lang="de-DE"/>
+            <a:pPr marL="0" indent="0">
+              <a:buNone/>
+            </a:pPr>
+            <a:r>
+              <a:rPr lang="de-DE" b="1" dirty="0">
+                <a:solidFill>
+                  <a:schemeClr val="bg1"/>
+                </a:solidFill>
+                <a:latin typeface="Cambria" panose="02040503050406030204" pitchFamily="18" charset="0"/>
+              </a:rPr>
+              <a:t>TEMPERATURE</a:t>
+            </a:r>
+          </a:p>
+          <a:p>
+            <a:pPr>
+              <a:buFont typeface="Wingdings" pitchFamily="2" charset="2"/>
+              <a:buChar char="Ø"/>
+            </a:pPr>
+            <a:endParaRPr lang="de-DE" dirty="0">
+              <a:solidFill>
+                <a:schemeClr val="bg1"/>
+              </a:solidFill>
+              <a:latin typeface="Cambria" panose="02040503050406030204" pitchFamily="18" charset="0"/>
+            </a:endParaRPr>
+          </a:p>
+          <a:p>
+            <a:pPr>
+              <a:buFont typeface="Wingdings" pitchFamily="2" charset="2"/>
+              <a:buChar char="Ø"/>
+            </a:pPr>
+            <a:r>
+              <a:rPr lang="de-DE" dirty="0">
+                <a:solidFill>
+                  <a:schemeClr val="bg1"/>
+                </a:solidFill>
+                <a:latin typeface="Cambria" panose="02040503050406030204" pitchFamily="18" charset="0"/>
+              </a:rPr>
+              <a:t>ERA5 </a:t>
+            </a:r>
+            <a:r>
+              <a:rPr lang="de-DE" dirty="0" err="1">
+                <a:solidFill>
+                  <a:schemeClr val="bg1"/>
+                </a:solidFill>
+                <a:latin typeface="Cambria" panose="02040503050406030204" pitchFamily="18" charset="0"/>
+              </a:rPr>
+              <a:t>database</a:t>
+            </a:r>
+            <a:endParaRPr lang="de-DE" dirty="0">
+              <a:solidFill>
+                <a:schemeClr val="bg1"/>
+              </a:solidFill>
+              <a:latin typeface="Cambria" panose="02040503050406030204" pitchFamily="18" charset="0"/>
+            </a:endParaRPr>
+          </a:p>
+          <a:p>
+            <a:pPr>
+              <a:buFont typeface="Wingdings" pitchFamily="2" charset="2"/>
+              <a:buChar char="Ø"/>
+            </a:pPr>
+            <a:r>
+              <a:rPr lang="de-DE" dirty="0">
+                <a:solidFill>
+                  <a:schemeClr val="bg1"/>
+                </a:solidFill>
+                <a:latin typeface="Cambria" panose="02040503050406030204" pitchFamily="18" charset="0"/>
+              </a:rPr>
+              <a:t>Monthly 2m </a:t>
+            </a:r>
+            <a:r>
+              <a:rPr lang="de-DE" dirty="0" err="1">
+                <a:solidFill>
+                  <a:schemeClr val="bg1"/>
+                </a:solidFill>
+                <a:latin typeface="Cambria" panose="02040503050406030204" pitchFamily="18" charset="0"/>
+              </a:rPr>
+              <a:t>temperature</a:t>
+            </a:r>
+            <a:endParaRPr lang="de-DE" dirty="0">
+              <a:solidFill>
+                <a:schemeClr val="bg1"/>
+              </a:solidFill>
+              <a:latin typeface="Cambria" panose="02040503050406030204" pitchFamily="18" charset="0"/>
+            </a:endParaRPr>
+          </a:p>
+          <a:p>
+            <a:pPr>
+              <a:buFont typeface="Wingdings" pitchFamily="2" charset="2"/>
+              <a:buChar char="Ø"/>
+            </a:pPr>
+            <a:r>
+              <a:rPr lang="de-DE" dirty="0">
+                <a:solidFill>
+                  <a:schemeClr val="bg1"/>
+                </a:solidFill>
+                <a:latin typeface="Cambria" panose="02040503050406030204" pitchFamily="18" charset="0"/>
+              </a:rPr>
+              <a:t>2006 - 2022 </a:t>
+            </a:r>
+          </a:p>
+        </p:txBody>
+      </p:sp>
+      <p:sp>
+        <p:nvSpPr>
+          <p:cNvPr id="4" name="Inhaltsplatzhalter 2">
+            <a:extLst>
+              <a:ext uri="{FF2B5EF4-FFF2-40B4-BE49-F238E27FC236}">
+                <a16:creationId xmlns:a16="http://schemas.microsoft.com/office/drawing/2014/main" id="{FCDCF0CB-FB2F-C459-14AF-F9A25DB72CD5}"/>
+              </a:ext>
+            </a:extLst>
+          </p:cNvPr>
+          <p:cNvSpPr txBox="1">
+            <a:spLocks/>
+          </p:cNvSpPr>
+          <p:nvPr/>
+        </p:nvSpPr>
+        <p:spPr>
+          <a:xfrm>
+            <a:off x="4465529" y="1825623"/>
+            <a:ext cx="2894556" cy="4487493"/>
+          </a:xfrm>
+          <a:prstGeom prst="rect">
+            <a:avLst/>
+          </a:prstGeom>
+          <a:solidFill>
+            <a:schemeClr val="tx1"/>
+          </a:solidFill>
+        </p:spPr>
+        <p:txBody>
+          <a:bodyPr vert="horz" lIns="91440" tIns="45720" rIns="91440" bIns="45720" rtlCol="0">
+            <a:normAutofit/>
+          </a:bodyPr>
+          <a:lstStyle>
+            <a:lvl1pPr marL="228600" indent="-228600" algn="l" defTabSz="914400" rtl="0" eaLnBrk="1" latinLnBrk="0" hangingPunct="1">
+              <a:lnSpc>
+                <a:spcPct val="90000"/>
+              </a:lnSpc>
+              <a:spcBef>
+                <a:spcPts val="1000"/>
+              </a:spcBef>
+              <a:buFont typeface="Arial" panose="020B0604020202020204" pitchFamily="34" charset="0"/>
+              <a:buChar char="•"/>
+              <a:defRPr sz="2800" kern="1200">
+                <a:solidFill>
+                  <a:schemeClr val="tx1"/>
+                </a:solidFill>
+                <a:latin typeface="+mn-lt"/>
+                <a:ea typeface="+mn-ea"/>
+                <a:cs typeface="+mn-cs"/>
+              </a:defRPr>
+            </a:lvl1pPr>
+            <a:lvl2pPr marL="685800" indent="-228600" algn="l" defTabSz="914400" rtl="0" eaLnBrk="1" latinLnBrk="0" hangingPunct="1">
+              <a:lnSpc>
+                <a:spcPct val="90000"/>
+              </a:lnSpc>
+              <a:spcBef>
+                <a:spcPts val="500"/>
+              </a:spcBef>
+              <a:buFont typeface="Arial" panose="020B0604020202020204" pitchFamily="34" charset="0"/>
+              <a:buChar char="•"/>
+              <a:defRPr sz="2400" kern="1200">
+                <a:solidFill>
+                  <a:schemeClr val="tx1"/>
+                </a:solidFill>
+                <a:latin typeface="+mn-lt"/>
+                <a:ea typeface="+mn-ea"/>
+                <a:cs typeface="+mn-cs"/>
+              </a:defRPr>
+            </a:lvl2pPr>
+            <a:lvl3pPr marL="1143000" indent="-228600" algn="l" defTabSz="914400" rtl="0" eaLnBrk="1" latinLnBrk="0" hangingPunct="1">
+              <a:lnSpc>
+                <a:spcPct val="90000"/>
+              </a:lnSpc>
+              <a:spcBef>
+                <a:spcPts val="500"/>
+              </a:spcBef>
+              <a:buFont typeface="Arial" panose="020B0604020202020204" pitchFamily="34" charset="0"/>
+              <a:buChar char="•"/>
+              <a:defRPr sz="2000" kern="1200">
+                <a:solidFill>
+                  <a:schemeClr val="tx1"/>
+                </a:solidFill>
+                <a:latin typeface="+mn-lt"/>
+                <a:ea typeface="+mn-ea"/>
+                <a:cs typeface="+mn-cs"/>
+              </a:defRPr>
+            </a:lvl3pPr>
+            <a:lvl4pPr marL="1600200" indent="-228600" algn="l" defTabSz="914400" rtl="0" eaLnBrk="1" latinLnBrk="0" hangingPunct="1">
+              <a:lnSpc>
+                <a:spcPct val="90000"/>
+              </a:lnSpc>
+              <a:spcBef>
+                <a:spcPts val="500"/>
+              </a:spcBef>
+              <a:buFont typeface="Arial" panose="020B0604020202020204" pitchFamily="34" charset="0"/>
+              <a:buChar char="•"/>
+              <a:defRPr sz="1800" kern="1200">
+                <a:solidFill>
+                  <a:schemeClr val="tx1"/>
+                </a:solidFill>
+                <a:latin typeface="+mn-lt"/>
+                <a:ea typeface="+mn-ea"/>
+                <a:cs typeface="+mn-cs"/>
+              </a:defRPr>
+            </a:lvl4pPr>
+            <a:lvl5pPr marL="2057400" indent="-228600" algn="l" defTabSz="914400" rtl="0" eaLnBrk="1" latinLnBrk="0" hangingPunct="1">
+              <a:lnSpc>
+                <a:spcPct val="90000"/>
+              </a:lnSpc>
+              <a:spcBef>
+                <a:spcPts val="500"/>
+              </a:spcBef>
+              <a:buFont typeface="Arial" panose="020B0604020202020204" pitchFamily="34" charset="0"/>
+              <a:buChar char="•"/>
+              <a:defRPr sz="1800" kern="1200">
+                <a:solidFill>
+                  <a:schemeClr val="tx1"/>
+                </a:solidFill>
+                <a:latin typeface="+mn-lt"/>
+                <a:ea typeface="+mn-ea"/>
+                <a:cs typeface="+mn-cs"/>
+              </a:defRPr>
+            </a:lvl5pPr>
+            <a:lvl6pPr marL="2514600" indent="-228600" algn="l" defTabSz="914400" rtl="0" eaLnBrk="1" latinLnBrk="0" hangingPunct="1">
+              <a:lnSpc>
+                <a:spcPct val="90000"/>
+              </a:lnSpc>
+              <a:spcBef>
+                <a:spcPts val="500"/>
+              </a:spcBef>
+              <a:buFont typeface="Arial" panose="020B0604020202020204" pitchFamily="34" charset="0"/>
+              <a:buChar char="•"/>
+              <a:defRPr sz="1800" kern="1200">
+                <a:solidFill>
+                  <a:schemeClr val="tx1"/>
+                </a:solidFill>
+                <a:latin typeface="+mn-lt"/>
+                <a:ea typeface="+mn-ea"/>
+                <a:cs typeface="+mn-cs"/>
+              </a:defRPr>
+            </a:lvl6pPr>
+            <a:lvl7pPr marL="2971800" indent="-228600" algn="l" defTabSz="914400" rtl="0" eaLnBrk="1" latinLnBrk="0" hangingPunct="1">
+              <a:lnSpc>
+                <a:spcPct val="90000"/>
+              </a:lnSpc>
+              <a:spcBef>
+                <a:spcPts val="500"/>
+              </a:spcBef>
+              <a:buFont typeface="Arial" panose="020B0604020202020204" pitchFamily="34" charset="0"/>
+              <a:buChar char="•"/>
+              <a:defRPr sz="1800" kern="1200">
+                <a:solidFill>
+                  <a:schemeClr val="tx1"/>
+                </a:solidFill>
+                <a:latin typeface="+mn-lt"/>
+                <a:ea typeface="+mn-ea"/>
+                <a:cs typeface="+mn-cs"/>
+              </a:defRPr>
+            </a:lvl7pPr>
+            <a:lvl8pPr marL="3429000" indent="-228600" algn="l" defTabSz="914400" rtl="0" eaLnBrk="1" latinLnBrk="0" hangingPunct="1">
+              <a:lnSpc>
+                <a:spcPct val="90000"/>
+              </a:lnSpc>
+              <a:spcBef>
+                <a:spcPts val="500"/>
+              </a:spcBef>
+              <a:buFont typeface="Arial" panose="020B0604020202020204" pitchFamily="34" charset="0"/>
+              <a:buChar char="•"/>
+              <a:defRPr sz="1800" kern="1200">
+                <a:solidFill>
+                  <a:schemeClr val="tx1"/>
+                </a:solidFill>
+                <a:latin typeface="+mn-lt"/>
+                <a:ea typeface="+mn-ea"/>
+                <a:cs typeface="+mn-cs"/>
+              </a:defRPr>
+            </a:lvl8pPr>
+            <a:lvl9pPr marL="3886200" indent="-228600" algn="l" defTabSz="914400" rtl="0" eaLnBrk="1" latinLnBrk="0" hangingPunct="1">
+              <a:lnSpc>
+                <a:spcPct val="90000"/>
+              </a:lnSpc>
+              <a:spcBef>
+                <a:spcPts val="500"/>
+              </a:spcBef>
+              <a:buFont typeface="Arial" panose="020B0604020202020204" pitchFamily="34" charset="0"/>
+              <a:buChar char="•"/>
+              <a:defRPr sz="1800" kern="1200">
+                <a:solidFill>
+                  <a:schemeClr val="tx1"/>
+                </a:solidFill>
+                <a:latin typeface="+mn-lt"/>
+                <a:ea typeface="+mn-ea"/>
+                <a:cs typeface="+mn-cs"/>
+              </a:defRPr>
+            </a:lvl9pPr>
+          </a:lstStyle>
+          <a:p>
+            <a:pPr marL="0" indent="0">
+              <a:buFont typeface="Arial" panose="020B0604020202020204" pitchFamily="34" charset="0"/>
+              <a:buNone/>
+            </a:pPr>
+            <a:r>
+              <a:rPr lang="de-DE" b="1" dirty="0">
+                <a:solidFill>
+                  <a:schemeClr val="bg1"/>
+                </a:solidFill>
+                <a:latin typeface="Cambria" panose="02040503050406030204" pitchFamily="18" charset="0"/>
+              </a:rPr>
+              <a:t>DENGUE</a:t>
+            </a:r>
+          </a:p>
+          <a:p>
+            <a:pPr marL="0" indent="0">
+              <a:buNone/>
+            </a:pPr>
+            <a:endParaRPr lang="de-DE" dirty="0">
+              <a:solidFill>
+                <a:schemeClr val="bg1"/>
+              </a:solidFill>
+              <a:latin typeface="Cambria" panose="02040503050406030204" pitchFamily="18" charset="0"/>
+            </a:endParaRPr>
+          </a:p>
+          <a:p>
+            <a:pPr>
+              <a:buFont typeface="Wingdings" pitchFamily="2" charset="2"/>
+              <a:buChar char="Ø"/>
+            </a:pPr>
+            <a:r>
+              <a:rPr lang="de-DE" dirty="0">
+                <a:solidFill>
+                  <a:schemeClr val="bg1"/>
+                </a:solidFill>
+                <a:latin typeface="Cambria" panose="02040503050406030204" pitchFamily="18" charset="0"/>
+              </a:rPr>
+              <a:t>*Database* </a:t>
+            </a:r>
+          </a:p>
+          <a:p>
+            <a:pPr>
+              <a:buFont typeface="Wingdings" pitchFamily="2" charset="2"/>
+              <a:buChar char="Ø"/>
+            </a:pPr>
+            <a:r>
+              <a:rPr lang="de-DE" dirty="0">
+                <a:solidFill>
+                  <a:schemeClr val="bg1"/>
+                </a:solidFill>
+                <a:latin typeface="Cambria" panose="02040503050406030204" pitchFamily="18" charset="0"/>
+              </a:rPr>
+              <a:t>Total </a:t>
+            </a:r>
+            <a:r>
+              <a:rPr lang="de-DE" dirty="0" err="1">
+                <a:solidFill>
+                  <a:schemeClr val="bg1"/>
+                </a:solidFill>
+                <a:latin typeface="Cambria" panose="02040503050406030204" pitchFamily="18" charset="0"/>
+              </a:rPr>
+              <a:t>monthly</a:t>
+            </a:r>
+            <a:r>
+              <a:rPr lang="de-DE" dirty="0">
+                <a:solidFill>
+                  <a:schemeClr val="bg1"/>
+                </a:solidFill>
+                <a:latin typeface="Cambria" panose="02040503050406030204" pitchFamily="18" charset="0"/>
+              </a:rPr>
+              <a:t> </a:t>
+            </a:r>
+            <a:r>
+              <a:rPr lang="de-DE" dirty="0" err="1">
+                <a:solidFill>
+                  <a:schemeClr val="bg1"/>
+                </a:solidFill>
+                <a:latin typeface="Cambria" panose="02040503050406030204" pitchFamily="18" charset="0"/>
+              </a:rPr>
+              <a:t>infections</a:t>
+            </a:r>
+            <a:r>
+              <a:rPr lang="de-DE" dirty="0">
+                <a:solidFill>
+                  <a:schemeClr val="bg1"/>
+                </a:solidFill>
+                <a:latin typeface="Cambria" panose="02040503050406030204" pitchFamily="18" charset="0"/>
+              </a:rPr>
+              <a:t>  per </a:t>
+            </a:r>
+            <a:r>
+              <a:rPr lang="de-DE" dirty="0" err="1">
+                <a:solidFill>
+                  <a:schemeClr val="bg1"/>
+                </a:solidFill>
+                <a:latin typeface="Cambria" panose="02040503050406030204" pitchFamily="18" charset="0"/>
+              </a:rPr>
+              <a:t>district</a:t>
+            </a:r>
+            <a:r>
+              <a:rPr lang="de-DE" dirty="0">
+                <a:solidFill>
+                  <a:schemeClr val="bg1"/>
+                </a:solidFill>
+                <a:latin typeface="Cambria" panose="02040503050406030204" pitchFamily="18" charset="0"/>
+              </a:rPr>
+              <a:t> </a:t>
+            </a:r>
+          </a:p>
+        </p:txBody>
+      </p:sp>
+      <p:sp>
+        <p:nvSpPr>
+          <p:cNvPr id="5" name="Inhaltsplatzhalter 2">
+            <a:extLst>
+              <a:ext uri="{FF2B5EF4-FFF2-40B4-BE49-F238E27FC236}">
+                <a16:creationId xmlns:a16="http://schemas.microsoft.com/office/drawing/2014/main" id="{1C88E83E-224F-D8F1-4CFE-BF9BF30FC80B}"/>
+              </a:ext>
+            </a:extLst>
+          </p:cNvPr>
+          <p:cNvSpPr txBox="1">
+            <a:spLocks/>
+          </p:cNvSpPr>
+          <p:nvPr/>
+        </p:nvSpPr>
+        <p:spPr>
+          <a:xfrm>
+            <a:off x="8092858" y="1825624"/>
+            <a:ext cx="2894556" cy="4487493"/>
+          </a:xfrm>
+          <a:prstGeom prst="rect">
+            <a:avLst/>
+          </a:prstGeom>
+          <a:solidFill>
+            <a:schemeClr val="tx1"/>
+          </a:solidFill>
+        </p:spPr>
+        <p:txBody>
+          <a:bodyPr vert="horz" lIns="91440" tIns="45720" rIns="91440" bIns="45720" rtlCol="0">
+            <a:normAutofit/>
+          </a:bodyPr>
+          <a:lstStyle>
+            <a:lvl1pPr marL="228600" indent="-228600" algn="l" defTabSz="914400" rtl="0" eaLnBrk="1" latinLnBrk="0" hangingPunct="1">
+              <a:lnSpc>
+                <a:spcPct val="90000"/>
+              </a:lnSpc>
+              <a:spcBef>
+                <a:spcPts val="1000"/>
+              </a:spcBef>
+              <a:buFont typeface="Arial" panose="020B0604020202020204" pitchFamily="34" charset="0"/>
+              <a:buChar char="•"/>
+              <a:defRPr sz="2800" kern="1200">
+                <a:solidFill>
+                  <a:schemeClr val="tx1"/>
+                </a:solidFill>
+                <a:latin typeface="+mn-lt"/>
+                <a:ea typeface="+mn-ea"/>
+                <a:cs typeface="+mn-cs"/>
+              </a:defRPr>
+            </a:lvl1pPr>
+            <a:lvl2pPr marL="685800" indent="-228600" algn="l" defTabSz="914400" rtl="0" eaLnBrk="1" latinLnBrk="0" hangingPunct="1">
+              <a:lnSpc>
+                <a:spcPct val="90000"/>
+              </a:lnSpc>
+              <a:spcBef>
+                <a:spcPts val="500"/>
+              </a:spcBef>
+              <a:buFont typeface="Arial" panose="020B0604020202020204" pitchFamily="34" charset="0"/>
+              <a:buChar char="•"/>
+              <a:defRPr sz="2400" kern="1200">
+                <a:solidFill>
+                  <a:schemeClr val="tx1"/>
+                </a:solidFill>
+                <a:latin typeface="+mn-lt"/>
+                <a:ea typeface="+mn-ea"/>
+                <a:cs typeface="+mn-cs"/>
+              </a:defRPr>
+            </a:lvl2pPr>
+            <a:lvl3pPr marL="1143000" indent="-228600" algn="l" defTabSz="914400" rtl="0" eaLnBrk="1" latinLnBrk="0" hangingPunct="1">
+              <a:lnSpc>
+                <a:spcPct val="90000"/>
+              </a:lnSpc>
+              <a:spcBef>
+                <a:spcPts val="500"/>
+              </a:spcBef>
+              <a:buFont typeface="Arial" panose="020B0604020202020204" pitchFamily="34" charset="0"/>
+              <a:buChar char="•"/>
+              <a:defRPr sz="2000" kern="1200">
+                <a:solidFill>
+                  <a:schemeClr val="tx1"/>
+                </a:solidFill>
+                <a:latin typeface="+mn-lt"/>
+                <a:ea typeface="+mn-ea"/>
+                <a:cs typeface="+mn-cs"/>
+              </a:defRPr>
+            </a:lvl3pPr>
+            <a:lvl4pPr marL="1600200" indent="-228600" algn="l" defTabSz="914400" rtl="0" eaLnBrk="1" latinLnBrk="0" hangingPunct="1">
+              <a:lnSpc>
+                <a:spcPct val="90000"/>
+              </a:lnSpc>
+              <a:spcBef>
+                <a:spcPts val="500"/>
+              </a:spcBef>
+              <a:buFont typeface="Arial" panose="020B0604020202020204" pitchFamily="34" charset="0"/>
+              <a:buChar char="•"/>
+              <a:defRPr sz="1800" kern="1200">
+                <a:solidFill>
+                  <a:schemeClr val="tx1"/>
+                </a:solidFill>
+                <a:latin typeface="+mn-lt"/>
+                <a:ea typeface="+mn-ea"/>
+                <a:cs typeface="+mn-cs"/>
+              </a:defRPr>
+            </a:lvl4pPr>
+            <a:lvl5pPr marL="2057400" indent="-228600" algn="l" defTabSz="914400" rtl="0" eaLnBrk="1" latinLnBrk="0" hangingPunct="1">
+              <a:lnSpc>
+                <a:spcPct val="90000"/>
+              </a:lnSpc>
+              <a:spcBef>
+                <a:spcPts val="500"/>
+              </a:spcBef>
+              <a:buFont typeface="Arial" panose="020B0604020202020204" pitchFamily="34" charset="0"/>
+              <a:buChar char="•"/>
+              <a:defRPr sz="1800" kern="1200">
+                <a:solidFill>
+                  <a:schemeClr val="tx1"/>
+                </a:solidFill>
+                <a:latin typeface="+mn-lt"/>
+                <a:ea typeface="+mn-ea"/>
+                <a:cs typeface="+mn-cs"/>
+              </a:defRPr>
+            </a:lvl5pPr>
+            <a:lvl6pPr marL="2514600" indent="-228600" algn="l" defTabSz="914400" rtl="0" eaLnBrk="1" latinLnBrk="0" hangingPunct="1">
+              <a:lnSpc>
+                <a:spcPct val="90000"/>
+              </a:lnSpc>
+              <a:spcBef>
+                <a:spcPts val="500"/>
+              </a:spcBef>
+              <a:buFont typeface="Arial" panose="020B0604020202020204" pitchFamily="34" charset="0"/>
+              <a:buChar char="•"/>
+              <a:defRPr sz="1800" kern="1200">
+                <a:solidFill>
+                  <a:schemeClr val="tx1"/>
+                </a:solidFill>
+                <a:latin typeface="+mn-lt"/>
+                <a:ea typeface="+mn-ea"/>
+                <a:cs typeface="+mn-cs"/>
+              </a:defRPr>
+            </a:lvl6pPr>
+            <a:lvl7pPr marL="2971800" indent="-228600" algn="l" defTabSz="914400" rtl="0" eaLnBrk="1" latinLnBrk="0" hangingPunct="1">
+              <a:lnSpc>
+                <a:spcPct val="90000"/>
+              </a:lnSpc>
+              <a:spcBef>
+                <a:spcPts val="500"/>
+              </a:spcBef>
+              <a:buFont typeface="Arial" panose="020B0604020202020204" pitchFamily="34" charset="0"/>
+              <a:buChar char="•"/>
+              <a:defRPr sz="1800" kern="1200">
+                <a:solidFill>
+                  <a:schemeClr val="tx1"/>
+                </a:solidFill>
+                <a:latin typeface="+mn-lt"/>
+                <a:ea typeface="+mn-ea"/>
+                <a:cs typeface="+mn-cs"/>
+              </a:defRPr>
+            </a:lvl7pPr>
+            <a:lvl8pPr marL="3429000" indent="-228600" algn="l" defTabSz="914400" rtl="0" eaLnBrk="1" latinLnBrk="0" hangingPunct="1">
+              <a:lnSpc>
+                <a:spcPct val="90000"/>
+              </a:lnSpc>
+              <a:spcBef>
+                <a:spcPts val="500"/>
+              </a:spcBef>
+              <a:buFont typeface="Arial" panose="020B0604020202020204" pitchFamily="34" charset="0"/>
+              <a:buChar char="•"/>
+              <a:defRPr sz="1800" kern="1200">
+                <a:solidFill>
+                  <a:schemeClr val="tx1"/>
+                </a:solidFill>
+                <a:latin typeface="+mn-lt"/>
+                <a:ea typeface="+mn-ea"/>
+                <a:cs typeface="+mn-cs"/>
+              </a:defRPr>
+            </a:lvl8pPr>
+            <a:lvl9pPr marL="3886200" indent="-228600" algn="l" defTabSz="914400" rtl="0" eaLnBrk="1" latinLnBrk="0" hangingPunct="1">
+              <a:lnSpc>
+                <a:spcPct val="90000"/>
+              </a:lnSpc>
+              <a:spcBef>
+                <a:spcPts val="500"/>
+              </a:spcBef>
+              <a:buFont typeface="Arial" panose="020B0604020202020204" pitchFamily="34" charset="0"/>
+              <a:buChar char="•"/>
+              <a:defRPr sz="1800" kern="1200">
+                <a:solidFill>
+                  <a:schemeClr val="tx1"/>
+                </a:solidFill>
+                <a:latin typeface="+mn-lt"/>
+                <a:ea typeface="+mn-ea"/>
+                <a:cs typeface="+mn-cs"/>
+              </a:defRPr>
+            </a:lvl9pPr>
+          </a:lstStyle>
+          <a:p>
+            <a:pPr marL="0" indent="0">
+              <a:buFont typeface="Arial" panose="020B0604020202020204" pitchFamily="34" charset="0"/>
+              <a:buNone/>
+            </a:pPr>
+            <a:r>
+              <a:rPr lang="de-DE" b="1" dirty="0">
+                <a:solidFill>
+                  <a:schemeClr val="bg1"/>
+                </a:solidFill>
+                <a:latin typeface="Cambria" panose="02040503050406030204" pitchFamily="18" charset="0"/>
+              </a:rPr>
+              <a:t>POPULATION</a:t>
+            </a:r>
           </a:p>
         </p:txBody>
       </p:sp>
@@ -6559,6 +7776,269 @@
     <p:extLst>
       <p:ext uri="{BB962C8B-B14F-4D97-AF65-F5344CB8AC3E}">
         <p14:creationId xmlns:p14="http://schemas.microsoft.com/office/powerpoint/2010/main" val="1700252365"/>
+      </p:ext>
+    </p:extLst>
+  </p:cSld>
+  <p:clrMapOvr>
+    <a:masterClrMapping/>
+  </p:clrMapOvr>
+</p:sld>
+</file>
+
+<file path=ppt/slides/slide4.xml><?xml version="1.0" encoding="utf-8"?>
+<p:sld xmlns:a="http://schemas.openxmlformats.org/drawingml/2006/main" xmlns:r="http://schemas.openxmlformats.org/officeDocument/2006/relationships" xmlns:p="http://schemas.openxmlformats.org/presentationml/2006/main">
+  <p:cSld>
+    <p:spTree>
+      <p:nvGrpSpPr>
+        <p:cNvPr id="1" name=""/>
+        <p:cNvGrpSpPr/>
+        <p:nvPr/>
+      </p:nvGrpSpPr>
+      <p:grpSpPr>
+        <a:xfrm>
+          <a:off x="0" y="0"/>
+          <a:ext cx="0" cy="0"/>
+          <a:chOff x="0" y="0"/>
+          <a:chExt cx="0" cy="0"/>
+        </a:xfrm>
+      </p:grpSpPr>
+      <p:sp>
+        <p:nvSpPr>
+          <p:cNvPr id="2" name="Titel 1">
+            <a:extLst>
+              <a:ext uri="{FF2B5EF4-FFF2-40B4-BE49-F238E27FC236}">
+                <a16:creationId xmlns:a16="http://schemas.microsoft.com/office/drawing/2014/main" id="{1672F52A-860A-3F9C-A902-1F380A99323F}"/>
+              </a:ext>
+            </a:extLst>
+          </p:cNvPr>
+          <p:cNvSpPr>
+            <a:spLocks noGrp="1"/>
+          </p:cNvSpPr>
+          <p:nvPr>
+            <p:ph type="title"/>
+          </p:nvPr>
+        </p:nvSpPr>
+        <p:spPr/>
+        <p:txBody>
+          <a:bodyPr/>
+          <a:lstStyle/>
+          <a:p>
+            <a:r>
+              <a:rPr lang="de-DE" dirty="0"/>
+              <a:t>Climate </a:t>
+            </a:r>
+          </a:p>
+        </p:txBody>
+      </p:sp>
+      <p:sp>
+        <p:nvSpPr>
+          <p:cNvPr id="3" name="Inhaltsplatzhalter 2">
+            <a:extLst>
+              <a:ext uri="{FF2B5EF4-FFF2-40B4-BE49-F238E27FC236}">
+                <a16:creationId xmlns:a16="http://schemas.microsoft.com/office/drawing/2014/main" id="{535E2006-9631-B460-9AC0-7A5760803ED8}"/>
+              </a:ext>
+            </a:extLst>
+          </p:cNvPr>
+          <p:cNvSpPr>
+            <a:spLocks noGrp="1"/>
+          </p:cNvSpPr>
+          <p:nvPr>
+            <p:ph idx="1"/>
+          </p:nvPr>
+        </p:nvSpPr>
+        <p:spPr/>
+        <p:txBody>
+          <a:bodyPr/>
+          <a:lstStyle/>
+          <a:p>
+            <a:pPr>
+              <a:buFont typeface="Wingdings" pitchFamily="2" charset="2"/>
+              <a:buChar char="§"/>
+            </a:pPr>
+            <a:r>
+              <a:rPr lang="de-DE" dirty="0"/>
+              <a:t>Seasons: (</a:t>
+            </a:r>
+            <a:r>
+              <a:rPr lang="de-DE" dirty="0" err="1"/>
+              <a:t>monsoon</a:t>
+            </a:r>
+            <a:r>
+              <a:rPr lang="de-DE" dirty="0"/>
+              <a:t> </a:t>
+            </a:r>
+            <a:r>
+              <a:rPr lang="de-DE" dirty="0" err="1"/>
+              <a:t>may-oct</a:t>
+            </a:r>
+            <a:r>
+              <a:rPr lang="de-DE" dirty="0"/>
+              <a:t>, dry winters)</a:t>
+            </a:r>
+          </a:p>
+          <a:p>
+            <a:pPr>
+              <a:buFont typeface="Wingdings" pitchFamily="2" charset="2"/>
+              <a:buChar char="§"/>
+            </a:pPr>
+            <a:r>
+              <a:rPr lang="de-DE" dirty="0"/>
+              <a:t>Trends: </a:t>
+            </a:r>
+            <a:r>
+              <a:rPr lang="de-DE" dirty="0" err="1"/>
+              <a:t>rising</a:t>
+            </a:r>
+            <a:r>
+              <a:rPr lang="de-DE" dirty="0"/>
+              <a:t> min and </a:t>
+            </a:r>
+            <a:r>
+              <a:rPr lang="de-DE" dirty="0" err="1"/>
+              <a:t>max</a:t>
+            </a:r>
+            <a:r>
+              <a:rPr lang="de-DE" dirty="0"/>
+              <a:t> </a:t>
+            </a:r>
+            <a:r>
+              <a:rPr lang="de-DE" dirty="0" err="1"/>
+              <a:t>temperature</a:t>
+            </a:r>
+            <a:r>
+              <a:rPr lang="de-DE" dirty="0"/>
+              <a:t> in northern </a:t>
+            </a:r>
+            <a:r>
+              <a:rPr lang="de-DE" dirty="0" err="1"/>
+              <a:t>thailand</a:t>
+            </a:r>
+            <a:r>
+              <a:rPr lang="de-DE" dirty="0"/>
+              <a:t>, </a:t>
+            </a:r>
+            <a:r>
+              <a:rPr lang="de-DE" dirty="0" err="1"/>
+              <a:t>no</a:t>
+            </a:r>
+            <a:r>
+              <a:rPr lang="de-DE" dirty="0"/>
+              <a:t> </a:t>
+            </a:r>
+            <a:r>
+              <a:rPr lang="de-DE" dirty="0" err="1"/>
+              <a:t>significant</a:t>
+            </a:r>
+            <a:r>
+              <a:rPr lang="de-DE" dirty="0"/>
+              <a:t> </a:t>
+            </a:r>
+            <a:r>
+              <a:rPr lang="de-DE" dirty="0" err="1"/>
+              <a:t>rise</a:t>
+            </a:r>
+            <a:r>
+              <a:rPr lang="de-DE" dirty="0"/>
+              <a:t> in </a:t>
+            </a:r>
+            <a:r>
+              <a:rPr lang="de-DE" dirty="0" err="1"/>
+              <a:t>max</a:t>
+            </a:r>
+            <a:r>
+              <a:rPr lang="de-DE" dirty="0"/>
+              <a:t> in spring (Masud et al.)</a:t>
+            </a:r>
+          </a:p>
+        </p:txBody>
+      </p:sp>
+    </p:spTree>
+    <p:extLst>
+      <p:ext uri="{BB962C8B-B14F-4D97-AF65-F5344CB8AC3E}">
+        <p14:creationId xmlns:p14="http://schemas.microsoft.com/office/powerpoint/2010/main" val="2297822234"/>
+      </p:ext>
+    </p:extLst>
+  </p:cSld>
+  <p:clrMapOvr>
+    <a:masterClrMapping/>
+  </p:clrMapOvr>
+</p:sld>
+</file>
+
+<file path=ppt/slides/slide5.xml><?xml version="1.0" encoding="utf-8"?>
+<p:sld xmlns:a="http://schemas.openxmlformats.org/drawingml/2006/main" xmlns:r="http://schemas.openxmlformats.org/officeDocument/2006/relationships" xmlns:p="http://schemas.openxmlformats.org/presentationml/2006/main">
+  <p:cSld>
+    <p:spTree>
+      <p:nvGrpSpPr>
+        <p:cNvPr id="1" name=""/>
+        <p:cNvGrpSpPr/>
+        <p:nvPr/>
+      </p:nvGrpSpPr>
+      <p:grpSpPr>
+        <a:xfrm>
+          <a:off x="0" y="0"/>
+          <a:ext cx="0" cy="0"/>
+          <a:chOff x="0" y="0"/>
+          <a:chExt cx="0" cy="0"/>
+        </a:xfrm>
+      </p:grpSpPr>
+      <p:sp>
+        <p:nvSpPr>
+          <p:cNvPr id="2" name="Titel 1">
+            <a:extLst>
+              <a:ext uri="{FF2B5EF4-FFF2-40B4-BE49-F238E27FC236}">
+                <a16:creationId xmlns:a16="http://schemas.microsoft.com/office/drawing/2014/main" id="{51869768-F163-65EB-9C87-29362BEE2FB0}"/>
+              </a:ext>
+            </a:extLst>
+          </p:cNvPr>
+          <p:cNvSpPr>
+            <a:spLocks noGrp="1"/>
+          </p:cNvSpPr>
+          <p:nvPr>
+            <p:ph type="title"/>
+          </p:nvPr>
+        </p:nvSpPr>
+        <p:spPr/>
+        <p:txBody>
+          <a:bodyPr/>
+          <a:lstStyle/>
+          <a:p>
+            <a:r>
+              <a:rPr lang="de-DE" dirty="0"/>
+              <a:t>Dengue </a:t>
+            </a:r>
+          </a:p>
+        </p:txBody>
+      </p:sp>
+      <p:sp>
+        <p:nvSpPr>
+          <p:cNvPr id="3" name="Inhaltsplatzhalter 2">
+            <a:extLst>
+              <a:ext uri="{FF2B5EF4-FFF2-40B4-BE49-F238E27FC236}">
+                <a16:creationId xmlns:a16="http://schemas.microsoft.com/office/drawing/2014/main" id="{5DE0BF4F-0298-067A-9F94-D71CBA67BCA6}"/>
+              </a:ext>
+            </a:extLst>
+          </p:cNvPr>
+          <p:cNvSpPr>
+            <a:spLocks noGrp="1"/>
+          </p:cNvSpPr>
+          <p:nvPr>
+            <p:ph idx="1"/>
+          </p:nvPr>
+        </p:nvSpPr>
+        <p:spPr/>
+        <p:txBody>
+          <a:bodyPr/>
+          <a:lstStyle/>
+          <a:p>
+            <a:endParaRPr lang="de-DE"/>
+          </a:p>
+        </p:txBody>
+      </p:sp>
+    </p:spTree>
+    <p:extLst>
+      <p:ext uri="{BB962C8B-B14F-4D97-AF65-F5344CB8AC3E}">
+        <p14:creationId xmlns:p14="http://schemas.microsoft.com/office/powerpoint/2010/main" val="4067808208"/>
       </p:ext>
     </p:extLst>
   </p:cSld>
@@ -6861,4 +8341,299 @@
     </a:ext>
   </a:extLst>
 </a:theme>
+</file>
+
+<file path=ppt/theme/theme2.xml><?xml version="1.0" encoding="utf-8"?>
+<a:theme xmlns:a="http://schemas.openxmlformats.org/drawingml/2006/main" name="Office">
+  <a:themeElements>
+    <a:clrScheme name="Office">
+      <a:dk1>
+        <a:sysClr val="windowText" lastClr="000000"/>
+      </a:dk1>
+      <a:lt1>
+        <a:sysClr val="window" lastClr="FFFFFF"/>
+      </a:lt1>
+      <a:dk2>
+        <a:srgbClr val="44546A"/>
+      </a:dk2>
+      <a:lt2>
+        <a:srgbClr val="E7E6E6"/>
+      </a:lt2>
+      <a:accent1>
+        <a:srgbClr val="4472C4"/>
+      </a:accent1>
+      <a:accent2>
+        <a:srgbClr val="ED7D31"/>
+      </a:accent2>
+      <a:accent3>
+        <a:srgbClr val="A5A5A5"/>
+      </a:accent3>
+      <a:accent4>
+        <a:srgbClr val="FFC000"/>
+      </a:accent4>
+      <a:accent5>
+        <a:srgbClr val="5B9BD5"/>
+      </a:accent5>
+      <a:accent6>
+        <a:srgbClr val="70AD47"/>
+      </a:accent6>
+      <a:hlink>
+        <a:srgbClr val="0563C1"/>
+      </a:hlink>
+      <a:folHlink>
+        <a:srgbClr val="954F72"/>
+      </a:folHlink>
+    </a:clrScheme>
+    <a:fontScheme name="Office">
+      <a:majorFont>
+        <a:latin typeface="Calibri Light" panose="020F0302020204030204"/>
+        <a:ea typeface=""/>
+        <a:cs typeface=""/>
+        <a:font script="Jpan" typeface="游ゴシック Light"/>
+        <a:font script="Hang" typeface="맑은 고딕"/>
+        <a:font script="Hans" typeface="等线 Light"/>
+        <a:font script="Hant" typeface="新細明體"/>
+        <a:font script="Arab" typeface="Times New Roman"/>
+        <a:font script="Hebr" typeface="Times New Roman"/>
+        <a:font script="Thai" typeface="Angsana New"/>
+        <a:font script="Ethi" typeface="Nyala"/>
+        <a:font script="Beng" typeface="Vrinda"/>
+        <a:font script="Gujr" typeface="Shruti"/>
+        <a:font script="Khmr" typeface="MoolBoran"/>
+        <a:font script="Knda" typeface="Tunga"/>
+        <a:font script="Guru" typeface="Raavi"/>
+        <a:font script="Cans" typeface="Euphemia"/>
+        <a:font script="Cher" typeface="Plantagenet Cherokee"/>
+        <a:font script="Yiii" typeface="Microsoft Yi Baiti"/>
+        <a:font script="Tibt" typeface="Microsoft Himalaya"/>
+        <a:font script="Thaa" typeface="MV Boli"/>
+        <a:font script="Deva" typeface="Mangal"/>
+        <a:font script="Telu" typeface="Gautami"/>
+        <a:font script="Taml" typeface="Latha"/>
+        <a:font script="Syrc" typeface="Estrangelo Edessa"/>
+        <a:font script="Orya" typeface="Kalinga"/>
+        <a:font script="Mlym" typeface="Kartika"/>
+        <a:font script="Laoo" typeface="DokChampa"/>
+        <a:font script="Sinh" typeface="Iskoola Pota"/>
+        <a:font script="Mong" typeface="Mongolian Baiti"/>
+        <a:font script="Viet" typeface="Times New Roman"/>
+        <a:font script="Uigh" typeface="Microsoft Uighur"/>
+        <a:font script="Geor" typeface="Sylfaen"/>
+        <a:font script="Armn" typeface="Arial"/>
+        <a:font script="Bugi" typeface="Leelawadee UI"/>
+        <a:font script="Bopo" typeface="Microsoft JhengHei"/>
+        <a:font script="Java" typeface="Javanese Text"/>
+        <a:font script="Lisu" typeface="Segoe UI"/>
+        <a:font script="Mymr" typeface="Myanmar Text"/>
+        <a:font script="Nkoo" typeface="Ebrima"/>
+        <a:font script="Olck" typeface="Nirmala UI"/>
+        <a:font script="Osma" typeface="Ebrima"/>
+        <a:font script="Phag" typeface="Phagspa"/>
+        <a:font script="Syrn" typeface="Estrangelo Edessa"/>
+        <a:font script="Syrj" typeface="Estrangelo Edessa"/>
+        <a:font script="Syre" typeface="Estrangelo Edessa"/>
+        <a:font script="Sora" typeface="Nirmala UI"/>
+        <a:font script="Tale" typeface="Microsoft Tai Le"/>
+        <a:font script="Talu" typeface="Microsoft New Tai Lue"/>
+        <a:font script="Tfng" typeface="Ebrima"/>
+      </a:majorFont>
+      <a:minorFont>
+        <a:latin typeface="Calibri" panose="020F0502020204030204"/>
+        <a:ea typeface=""/>
+        <a:cs typeface=""/>
+        <a:font script="Jpan" typeface="游ゴシック"/>
+        <a:font script="Hang" typeface="맑은 고딕"/>
+        <a:font script="Hans" typeface="等线"/>
+        <a:font script="Hant" typeface="新細明體"/>
+        <a:font script="Arab" typeface="Arial"/>
+        <a:font script="Hebr" typeface="Arial"/>
+        <a:font script="Thai" typeface="Cordia New"/>
+        <a:font script="Ethi" typeface="Nyala"/>
+        <a:font script="Beng" typeface="Vrinda"/>
+        <a:font script="Gujr" typeface="Shruti"/>
+        <a:font script="Khmr" typeface="DaunPenh"/>
+        <a:font script="Knda" typeface="Tunga"/>
+        <a:font script="Guru" typeface="Raavi"/>
+        <a:font script="Cans" typeface="Euphemia"/>
+        <a:font script="Cher" typeface="Plantagenet Cherokee"/>
+        <a:font script="Yiii" typeface="Microsoft Yi Baiti"/>
+        <a:font script="Tibt" typeface="Microsoft Himalaya"/>
+        <a:font script="Thaa" typeface="MV Boli"/>
+        <a:font script="Deva" typeface="Mangal"/>
+        <a:font script="Telu" typeface="Gautami"/>
+        <a:font script="Taml" typeface="Latha"/>
+        <a:font script="Syrc" typeface="Estrangelo Edessa"/>
+        <a:font script="Orya" typeface="Kalinga"/>
+        <a:font script="Mlym" typeface="Kartika"/>
+        <a:font script="Laoo" typeface="DokChampa"/>
+        <a:font script="Sinh" typeface="Iskoola Pota"/>
+        <a:font script="Mong" typeface="Mongolian Baiti"/>
+        <a:font script="Viet" typeface="Arial"/>
+        <a:font script="Uigh" typeface="Microsoft Uighur"/>
+        <a:font script="Geor" typeface="Sylfaen"/>
+        <a:font script="Armn" typeface="Arial"/>
+        <a:font script="Bugi" typeface="Leelawadee UI"/>
+        <a:font script="Bopo" typeface="Microsoft JhengHei"/>
+        <a:font script="Java" typeface="Javanese Text"/>
+        <a:font script="Lisu" typeface="Segoe UI"/>
+        <a:font script="Mymr" typeface="Myanmar Text"/>
+        <a:font script="Nkoo" typeface="Ebrima"/>
+        <a:font script="Olck" typeface="Nirmala UI"/>
+        <a:font script="Osma" typeface="Ebrima"/>
+        <a:font script="Phag" typeface="Phagspa"/>
+        <a:font script="Syrn" typeface="Estrangelo Edessa"/>
+        <a:font script="Syrj" typeface="Estrangelo Edessa"/>
+        <a:font script="Syre" typeface="Estrangelo Edessa"/>
+        <a:font script="Sora" typeface="Nirmala UI"/>
+        <a:font script="Tale" typeface="Microsoft Tai Le"/>
+        <a:font script="Talu" typeface="Microsoft New Tai Lue"/>
+        <a:font script="Tfng" typeface="Ebrima"/>
+      </a:minorFont>
+    </a:fontScheme>
+    <a:fmtScheme name="Office">
+      <a:fillStyleLst>
+        <a:solidFill>
+          <a:schemeClr val="phClr"/>
+        </a:solidFill>
+        <a:gradFill rotWithShape="1">
+          <a:gsLst>
+            <a:gs pos="0">
+              <a:schemeClr val="phClr">
+                <a:lumMod val="110000"/>
+                <a:satMod val="105000"/>
+                <a:tint val="67000"/>
+              </a:schemeClr>
+            </a:gs>
+            <a:gs pos="50000">
+              <a:schemeClr val="phClr">
+                <a:lumMod val="105000"/>
+                <a:satMod val="103000"/>
+                <a:tint val="73000"/>
+              </a:schemeClr>
+            </a:gs>
+            <a:gs pos="100000">
+              <a:schemeClr val="phClr">
+                <a:lumMod val="105000"/>
+                <a:satMod val="109000"/>
+                <a:tint val="81000"/>
+              </a:schemeClr>
+            </a:gs>
+          </a:gsLst>
+          <a:lin ang="5400000" scaled="0"/>
+        </a:gradFill>
+        <a:gradFill rotWithShape="1">
+          <a:gsLst>
+            <a:gs pos="0">
+              <a:schemeClr val="phClr">
+                <a:satMod val="103000"/>
+                <a:lumMod val="102000"/>
+                <a:tint val="94000"/>
+              </a:schemeClr>
+            </a:gs>
+            <a:gs pos="50000">
+              <a:schemeClr val="phClr">
+                <a:satMod val="110000"/>
+                <a:lumMod val="100000"/>
+                <a:shade val="100000"/>
+              </a:schemeClr>
+            </a:gs>
+            <a:gs pos="100000">
+              <a:schemeClr val="phClr">
+                <a:lumMod val="99000"/>
+                <a:satMod val="120000"/>
+                <a:shade val="78000"/>
+              </a:schemeClr>
+            </a:gs>
+          </a:gsLst>
+          <a:lin ang="5400000" scaled="0"/>
+        </a:gradFill>
+      </a:fillStyleLst>
+      <a:lnStyleLst>
+        <a:ln w="6350" cap="flat" cmpd="sng" algn="ctr">
+          <a:solidFill>
+            <a:schemeClr val="phClr"/>
+          </a:solidFill>
+          <a:prstDash val="solid"/>
+          <a:miter lim="800000"/>
+        </a:ln>
+        <a:ln w="12700" cap="flat" cmpd="sng" algn="ctr">
+          <a:solidFill>
+            <a:schemeClr val="phClr"/>
+          </a:solidFill>
+          <a:prstDash val="solid"/>
+          <a:miter lim="800000"/>
+        </a:ln>
+        <a:ln w="19050" cap="flat" cmpd="sng" algn="ctr">
+          <a:solidFill>
+            <a:schemeClr val="phClr"/>
+          </a:solidFill>
+          <a:prstDash val="solid"/>
+          <a:miter lim="800000"/>
+        </a:ln>
+      </a:lnStyleLst>
+      <a:effectStyleLst>
+        <a:effectStyle>
+          <a:effectLst/>
+        </a:effectStyle>
+        <a:effectStyle>
+          <a:effectLst/>
+        </a:effectStyle>
+        <a:effectStyle>
+          <a:effectLst>
+            <a:outerShdw blurRad="57150" dist="19050" dir="5400000" algn="ctr" rotWithShape="0">
+              <a:srgbClr val="000000">
+                <a:alpha val="63000"/>
+              </a:srgbClr>
+            </a:outerShdw>
+          </a:effectLst>
+        </a:effectStyle>
+      </a:effectStyleLst>
+      <a:bgFillStyleLst>
+        <a:solidFill>
+          <a:schemeClr val="phClr"/>
+        </a:solidFill>
+        <a:solidFill>
+          <a:schemeClr val="phClr">
+            <a:tint val="95000"/>
+            <a:satMod val="170000"/>
+          </a:schemeClr>
+        </a:solidFill>
+        <a:gradFill rotWithShape="1">
+          <a:gsLst>
+            <a:gs pos="0">
+              <a:schemeClr val="phClr">
+                <a:tint val="93000"/>
+                <a:satMod val="150000"/>
+                <a:shade val="98000"/>
+                <a:lumMod val="102000"/>
+              </a:schemeClr>
+            </a:gs>
+            <a:gs pos="50000">
+              <a:schemeClr val="phClr">
+                <a:tint val="98000"/>
+                <a:satMod val="130000"/>
+                <a:shade val="90000"/>
+                <a:lumMod val="103000"/>
+              </a:schemeClr>
+            </a:gs>
+            <a:gs pos="100000">
+              <a:schemeClr val="phClr">
+                <a:shade val="63000"/>
+                <a:satMod val="120000"/>
+              </a:schemeClr>
+            </a:gs>
+          </a:gsLst>
+          <a:lin ang="5400000" scaled="0"/>
+        </a:gradFill>
+      </a:bgFillStyleLst>
+    </a:fmtScheme>
+  </a:themeElements>
+  <a:objectDefaults/>
+  <a:extraClrSchemeLst/>
+  <a:extLst>
+    <a:ext uri="{05A4C25C-085E-4340-85A3-A5531E510DB2}">
+      <thm15:themeFamily xmlns:thm15="http://schemas.microsoft.com/office/thememl/2012/main" name="Office Theme" id="{62F939B6-93AF-4DB8-9C6B-D6C7DFDC589F}" vid="{4A3C46E8-61CC-4603-A589-7422A47A8E4A}"/>
+    </a:ext>
+  </a:extLst>
+</a:theme>
 </file>
--- a/Project Proposal Präsi Draft .pptx
+++ b/Project Proposal Präsi Draft .pptx
@@ -7869,7 +7869,11 @@
             </a:r>
             <a:r>
               <a:rPr lang="de-DE" dirty="0" err="1"/>
-              <a:t>may-oct</a:t>
+              <a:t>may</a:t>
+            </a:r>
+            <a:r>
+              <a:rPr lang="de-DE"/>
+              <a:t> - oct</a:t>
             </a:r>
             <a:r>
               <a:rPr lang="de-DE" dirty="0"/>

--- a/Project Proposal Präsi Draft .pptx
+++ b/Project Proposal Präsi Draft .pptx
@@ -2746,7 +2746,7 @@
           <a:p>
             <a:fld id="{B1EDDCE5-D48E-DA43-B444-DDF71E7751E7}" type="datetimeFigureOut">
               <a:rPr lang="de-DE" smtClean="0"/>
-              <a:t>15.05.23</a:t>
+              <a:t>16.05.23</a:t>
             </a:fld>
             <a:endParaRPr lang="de-DE"/>
           </a:p>
@@ -3393,7 +3393,7 @@
           <a:p>
             <a:fld id="{F03D0D1F-6BF6-194C-A78C-DBDDA79CC997}" type="datetimeFigureOut">
               <a:rPr lang="de-DE" smtClean="0"/>
-              <a:t>15.05.23</a:t>
+              <a:t>16.05.23</a:t>
             </a:fld>
             <a:endParaRPr lang="de-DE"/>
           </a:p>
@@ -3591,7 +3591,7 @@
           <a:p>
             <a:fld id="{F03D0D1F-6BF6-194C-A78C-DBDDA79CC997}" type="datetimeFigureOut">
               <a:rPr lang="de-DE" smtClean="0"/>
-              <a:t>15.05.23</a:t>
+              <a:t>16.05.23</a:t>
             </a:fld>
             <a:endParaRPr lang="de-DE"/>
           </a:p>
@@ -3799,7 +3799,7 @@
           <a:p>
             <a:fld id="{F03D0D1F-6BF6-194C-A78C-DBDDA79CC997}" type="datetimeFigureOut">
               <a:rPr lang="de-DE" smtClean="0"/>
-              <a:t>15.05.23</a:t>
+              <a:t>16.05.23</a:t>
             </a:fld>
             <a:endParaRPr lang="de-DE"/>
           </a:p>
@@ -3997,7 +3997,7 @@
           <a:p>
             <a:fld id="{F03D0D1F-6BF6-194C-A78C-DBDDA79CC997}" type="datetimeFigureOut">
               <a:rPr lang="de-DE" smtClean="0"/>
-              <a:t>15.05.23</a:t>
+              <a:t>16.05.23</a:t>
             </a:fld>
             <a:endParaRPr lang="de-DE"/>
           </a:p>
@@ -4272,7 +4272,7 @@
           <a:p>
             <a:fld id="{F03D0D1F-6BF6-194C-A78C-DBDDA79CC997}" type="datetimeFigureOut">
               <a:rPr lang="de-DE" smtClean="0"/>
-              <a:t>15.05.23</a:t>
+              <a:t>16.05.23</a:t>
             </a:fld>
             <a:endParaRPr lang="de-DE"/>
           </a:p>
@@ -4537,7 +4537,7 @@
           <a:p>
             <a:fld id="{F03D0D1F-6BF6-194C-A78C-DBDDA79CC997}" type="datetimeFigureOut">
               <a:rPr lang="de-DE" smtClean="0"/>
-              <a:t>15.05.23</a:t>
+              <a:t>16.05.23</a:t>
             </a:fld>
             <a:endParaRPr lang="de-DE"/>
           </a:p>
@@ -4949,7 +4949,7 @@
           <a:p>
             <a:fld id="{F03D0D1F-6BF6-194C-A78C-DBDDA79CC997}" type="datetimeFigureOut">
               <a:rPr lang="de-DE" smtClean="0"/>
-              <a:t>15.05.23</a:t>
+              <a:t>16.05.23</a:t>
             </a:fld>
             <a:endParaRPr lang="de-DE"/>
           </a:p>
@@ -5090,7 +5090,7 @@
           <a:p>
             <a:fld id="{F03D0D1F-6BF6-194C-A78C-DBDDA79CC997}" type="datetimeFigureOut">
               <a:rPr lang="de-DE" smtClean="0"/>
-              <a:t>15.05.23</a:t>
+              <a:t>16.05.23</a:t>
             </a:fld>
             <a:endParaRPr lang="de-DE"/>
           </a:p>
@@ -5203,7 +5203,7 @@
           <a:p>
             <a:fld id="{F03D0D1F-6BF6-194C-A78C-DBDDA79CC997}" type="datetimeFigureOut">
               <a:rPr lang="de-DE" smtClean="0"/>
-              <a:t>15.05.23</a:t>
+              <a:t>16.05.23</a:t>
             </a:fld>
             <a:endParaRPr lang="de-DE"/>
           </a:p>
@@ -5514,7 +5514,7 @@
           <a:p>
             <a:fld id="{F03D0D1F-6BF6-194C-A78C-DBDDA79CC997}" type="datetimeFigureOut">
               <a:rPr lang="de-DE" smtClean="0"/>
-              <a:t>15.05.23</a:t>
+              <a:t>16.05.23</a:t>
             </a:fld>
             <a:endParaRPr lang="de-DE"/>
           </a:p>
@@ -5802,7 +5802,7 @@
           <a:p>
             <a:fld id="{F03D0D1F-6BF6-194C-A78C-DBDDA79CC997}" type="datetimeFigureOut">
               <a:rPr lang="de-DE" smtClean="0"/>
-              <a:t>15.05.23</a:t>
+              <a:t>16.05.23</a:t>
             </a:fld>
             <a:endParaRPr lang="de-DE"/>
           </a:p>
@@ -6043,7 +6043,7 @@
           <a:p>
             <a:fld id="{F03D0D1F-6BF6-194C-A78C-DBDDA79CC997}" type="datetimeFigureOut">
               <a:rPr lang="de-DE" smtClean="0"/>
-              <a:t>15.05.23</a:t>
+              <a:t>16.05.23</a:t>
             </a:fld>
             <a:endParaRPr lang="de-DE"/>
           </a:p>
@@ -7157,7 +7157,7 @@
               <a:buNone/>
             </a:pPr>
             <a:r>
-              <a:rPr lang="de-DE" b="1" dirty="0">
+              <a:rPr lang="de-DE" dirty="0">
                 <a:solidFill>
                   <a:schemeClr val="bg1"/>
                 </a:solidFill>
@@ -7455,7 +7455,7 @@
               <a:buNone/>
             </a:pPr>
             <a:r>
-              <a:rPr lang="de-DE" b="1" dirty="0">
+              <a:rPr lang="de-DE" dirty="0">
                 <a:solidFill>
                   <a:schemeClr val="bg1"/>
                 </a:solidFill>
@@ -7761,7 +7761,7 @@
               <a:buNone/>
             </a:pPr>
             <a:r>
-              <a:rPr lang="de-DE" b="1" dirty="0">
+              <a:rPr lang="de-DE" dirty="0">
                 <a:solidFill>
                   <a:schemeClr val="bg1"/>
                 </a:solidFill>

--- a/Project Proposal Präsi Draft .pptx
+++ b/Project Proposal Präsi Draft .pptx
@@ -116,6 +116,9 @@
   <p:extLst>
     <p:ext uri="{EFAFB233-063F-42B5-8137-9DF3F51BA10A}">
       <p15:sldGuideLst xmlns:p15="http://schemas.microsoft.com/office/powerpoint/2012/main"/>
+    </p:ext>
+    <p:ext uri="{2D200454-40CA-4A62-9FC3-DE9A4176ACB9}">
+      <p15:notesGuideLst xmlns:p15="http://schemas.microsoft.com/office/powerpoint/2012/main"/>
     </p:ext>
   </p:extLst>
 </p:presentation>
@@ -3821,18 +3824,7 @@
               </a:solidFill>
               <a:latin typeface="Cambria" panose="02040503050406030204" pitchFamily="18" charset="0"/>
             </a:rPr>
-            <a:t>Background</a:t>
-          </a:r>
-        </a:p>
-        <a:p>
-          <a:r>
-            <a:rPr lang="de-DE" dirty="0">
-              <a:solidFill>
-                <a:schemeClr val="tx1"/>
-              </a:solidFill>
-              <a:latin typeface="Cambria" panose="02040503050406030204" pitchFamily="18" charset="0"/>
-            </a:rPr>
-            <a:t>Data</a:t>
+            <a:t>Background Data</a:t>
           </a:r>
         </a:p>
       </dgm:t>
@@ -4904,30 +4896,7 @@
               </a:solidFill>
               <a:latin typeface="Cambria" panose="02040503050406030204" pitchFamily="18" charset="0"/>
             </a:rPr>
-            <a:t>Background</a:t>
-          </a:r>
-        </a:p>
-        <a:p>
-          <a:pPr marL="0" lvl="0" indent="0" algn="ctr" defTabSz="1644650">
-            <a:lnSpc>
-              <a:spcPct val="90000"/>
-            </a:lnSpc>
-            <a:spcBef>
-              <a:spcPct val="0"/>
-            </a:spcBef>
-            <a:spcAft>
-              <a:spcPct val="35000"/>
-            </a:spcAft>
-            <a:buNone/>
-          </a:pPr>
-          <a:r>
-            <a:rPr lang="de-DE" sz="3700" kern="1200" dirty="0">
-              <a:solidFill>
-                <a:schemeClr val="tx1"/>
-              </a:solidFill>
-              <a:latin typeface="Cambria" panose="02040503050406030204" pitchFamily="18" charset="0"/>
-            </a:rPr>
-            <a:t>Data</a:t>
+            <a:t>Background Data</a:t>
           </a:r>
         </a:p>
       </dsp:txBody>
@@ -10417,7 +10386,7 @@
           <a:p>
             <a:fld id="{B1EDDCE5-D48E-DA43-B444-DDF71E7751E7}" type="datetimeFigureOut">
               <a:rPr lang="de-DE" smtClean="0"/>
-              <a:t>16.05.23</a:t>
+              <a:t>17.05.23</a:t>
             </a:fld>
             <a:endParaRPr lang="de-DE"/>
           </a:p>
@@ -10728,6 +10697,239 @@
           <a:bodyPr/>
           <a:lstStyle/>
           <a:p>
+            <a:pPr marL="0" marR="0" lvl="0" indent="0" algn="l" defTabSz="914400" rtl="0" eaLnBrk="1" fontAlgn="auto" latinLnBrk="0" hangingPunct="1">
+              <a:lnSpc>
+                <a:spcPct val="100000"/>
+              </a:lnSpc>
+              <a:spcBef>
+                <a:spcPts val="0"/>
+              </a:spcBef>
+              <a:spcAft>
+                <a:spcPts val="0"/>
+              </a:spcAft>
+              <a:buClrTx/>
+              <a:buSzTx/>
+              <a:buFontTx/>
+              <a:buNone/>
+              <a:tabLst/>
+              <a:defRPr/>
+            </a:pPr>
+            <a:r>
+              <a:rPr lang="de-DE" dirty="0"/>
+              <a:t>Masud et al. </a:t>
+            </a:r>
+            <a:r>
+              <a:rPr lang="de-DE" dirty="0" err="1"/>
+              <a:t>Investigated</a:t>
+            </a:r>
+            <a:r>
+              <a:rPr lang="de-DE" dirty="0"/>
+              <a:t> </a:t>
+            </a:r>
+            <a:r>
+              <a:rPr lang="de-DE" dirty="0" err="1"/>
+              <a:t>climate</a:t>
+            </a:r>
+            <a:r>
+              <a:rPr lang="de-DE" dirty="0"/>
+              <a:t> in northern </a:t>
+            </a:r>
+            <a:r>
+              <a:rPr lang="de-DE" dirty="0" err="1"/>
+              <a:t>thailand</a:t>
+            </a:r>
+            <a:r>
+              <a:rPr lang="de-DE" dirty="0"/>
+              <a:t> -&gt; </a:t>
+            </a:r>
+            <a:r>
+              <a:rPr lang="de-DE" dirty="0">
+                <a:latin typeface="Cambria" panose="02040503050406030204" pitchFamily="18" charset="0"/>
+              </a:rPr>
+              <a:t>Trends: </a:t>
+            </a:r>
+            <a:r>
+              <a:rPr lang="de-DE" dirty="0" err="1">
+                <a:latin typeface="Cambria" panose="02040503050406030204" pitchFamily="18" charset="0"/>
+              </a:rPr>
+              <a:t>rising</a:t>
+            </a:r>
+            <a:r>
+              <a:rPr lang="de-DE" dirty="0">
+                <a:latin typeface="Cambria" panose="02040503050406030204" pitchFamily="18" charset="0"/>
+              </a:rPr>
+              <a:t> min and </a:t>
+            </a:r>
+            <a:r>
+              <a:rPr lang="de-DE" dirty="0" err="1">
+                <a:latin typeface="Cambria" panose="02040503050406030204" pitchFamily="18" charset="0"/>
+              </a:rPr>
+              <a:t>max</a:t>
+            </a:r>
+            <a:r>
+              <a:rPr lang="de-DE" dirty="0">
+                <a:latin typeface="Cambria" panose="02040503050406030204" pitchFamily="18" charset="0"/>
+              </a:rPr>
+              <a:t> </a:t>
+            </a:r>
+            <a:r>
+              <a:rPr lang="de-DE" dirty="0" err="1">
+                <a:latin typeface="Cambria" panose="02040503050406030204" pitchFamily="18" charset="0"/>
+              </a:rPr>
+              <a:t>temperature</a:t>
+            </a:r>
+            <a:r>
+              <a:rPr lang="de-DE" dirty="0">
+                <a:latin typeface="Cambria" panose="02040503050406030204" pitchFamily="18" charset="0"/>
+              </a:rPr>
+              <a:t> in northern </a:t>
+            </a:r>
+            <a:r>
+              <a:rPr lang="de-DE" dirty="0" err="1">
+                <a:latin typeface="Cambria" panose="02040503050406030204" pitchFamily="18" charset="0"/>
+              </a:rPr>
+              <a:t>thailand</a:t>
+            </a:r>
+            <a:r>
+              <a:rPr lang="de-DE" dirty="0">
+                <a:latin typeface="Cambria" panose="02040503050406030204" pitchFamily="18" charset="0"/>
+              </a:rPr>
+              <a:t>, </a:t>
+            </a:r>
+            <a:r>
+              <a:rPr lang="de-DE" dirty="0" err="1">
+                <a:latin typeface="Cambria" panose="02040503050406030204" pitchFamily="18" charset="0"/>
+              </a:rPr>
+              <a:t>no</a:t>
+            </a:r>
+            <a:r>
+              <a:rPr lang="de-DE" dirty="0">
+                <a:latin typeface="Cambria" panose="02040503050406030204" pitchFamily="18" charset="0"/>
+              </a:rPr>
+              <a:t> </a:t>
+            </a:r>
+            <a:r>
+              <a:rPr lang="de-DE" dirty="0" err="1">
+                <a:latin typeface="Cambria" panose="02040503050406030204" pitchFamily="18" charset="0"/>
+              </a:rPr>
+              <a:t>significant</a:t>
+            </a:r>
+            <a:r>
+              <a:rPr lang="de-DE" dirty="0">
+                <a:latin typeface="Cambria" panose="02040503050406030204" pitchFamily="18" charset="0"/>
+              </a:rPr>
+              <a:t> </a:t>
+            </a:r>
+            <a:r>
+              <a:rPr lang="de-DE" dirty="0" err="1">
+                <a:latin typeface="Cambria" panose="02040503050406030204" pitchFamily="18" charset="0"/>
+              </a:rPr>
+              <a:t>rise</a:t>
+            </a:r>
+            <a:r>
+              <a:rPr lang="de-DE" dirty="0">
+                <a:latin typeface="Cambria" panose="02040503050406030204" pitchFamily="18" charset="0"/>
+              </a:rPr>
+              <a:t> in </a:t>
+            </a:r>
+            <a:r>
+              <a:rPr lang="de-DE" dirty="0" err="1">
+                <a:latin typeface="Cambria" panose="02040503050406030204" pitchFamily="18" charset="0"/>
+              </a:rPr>
+              <a:t>max</a:t>
+            </a:r>
+            <a:r>
+              <a:rPr lang="de-DE" dirty="0">
+                <a:latin typeface="Cambria" panose="02040503050406030204" pitchFamily="18" charset="0"/>
+              </a:rPr>
+              <a:t> in spring</a:t>
+            </a:r>
+          </a:p>
+          <a:p>
+            <a:endParaRPr lang="de-DE" dirty="0"/>
+          </a:p>
+        </p:txBody>
+      </p:sp>
+      <p:sp>
+        <p:nvSpPr>
+          <p:cNvPr id="4" name="Foliennummernplatzhalter 3"/>
+          <p:cNvSpPr>
+            <a:spLocks noGrp="1"/>
+          </p:cNvSpPr>
+          <p:nvPr>
+            <p:ph type="sldNum" sz="quarter" idx="5"/>
+          </p:nvPr>
+        </p:nvSpPr>
+        <p:spPr/>
+        <p:txBody>
+          <a:bodyPr/>
+          <a:lstStyle/>
+          <a:p>
+            <a:fld id="{C32FFBED-32DA-134C-988D-9B5AF231614C}" type="slidenum">
+              <a:rPr lang="de-DE" smtClean="0"/>
+              <a:t>3</a:t>
+            </a:fld>
+            <a:endParaRPr lang="de-DE"/>
+          </a:p>
+        </p:txBody>
+      </p:sp>
+    </p:spTree>
+    <p:extLst>
+      <p:ext uri="{BB962C8B-B14F-4D97-AF65-F5344CB8AC3E}">
+        <p14:creationId xmlns:p14="http://schemas.microsoft.com/office/powerpoint/2010/main" val="2478302668"/>
+      </p:ext>
+    </p:extLst>
+  </p:cSld>
+  <p:clrMapOvr>
+    <a:masterClrMapping/>
+  </p:clrMapOvr>
+</p:notes>
+</file>
+
+<file path=ppt/notesSlides/notesSlide2.xml><?xml version="1.0" encoding="utf-8"?>
+<p:notes xmlns:a="http://schemas.openxmlformats.org/drawingml/2006/main" xmlns:r="http://schemas.openxmlformats.org/officeDocument/2006/relationships" xmlns:p="http://schemas.openxmlformats.org/presentationml/2006/main">
+  <p:cSld>
+    <p:spTree>
+      <p:nvGrpSpPr>
+        <p:cNvPr id="1" name=""/>
+        <p:cNvGrpSpPr/>
+        <p:nvPr/>
+      </p:nvGrpSpPr>
+      <p:grpSpPr>
+        <a:xfrm>
+          <a:off x="0" y="0"/>
+          <a:ext cx="0" cy="0"/>
+          <a:chOff x="0" y="0"/>
+          <a:chExt cx="0" cy="0"/>
+        </a:xfrm>
+      </p:grpSpPr>
+      <p:sp>
+        <p:nvSpPr>
+          <p:cNvPr id="2" name="Folienbildplatzhalter 1"/>
+          <p:cNvSpPr>
+            <a:spLocks noGrp="1" noRot="1" noChangeAspect="1"/>
+          </p:cNvSpPr>
+          <p:nvPr>
+            <p:ph type="sldImg"/>
+          </p:nvPr>
+        </p:nvSpPr>
+        <p:spPr/>
+      </p:sp>
+      <p:sp>
+        <p:nvSpPr>
+          <p:cNvPr id="3" name="Notizenplatzhalter 2"/>
+          <p:cNvSpPr>
+            <a:spLocks noGrp="1"/>
+          </p:cNvSpPr>
+          <p:nvPr>
+            <p:ph type="body" idx="1"/>
+          </p:nvPr>
+        </p:nvSpPr>
+        <p:spPr/>
+        <p:txBody>
+          <a:bodyPr/>
+          <a:lstStyle/>
+          <a:p>
             <a:endParaRPr lang="de-DE" dirty="0"/>
           </a:p>
           <a:p>
@@ -11141,7 +11343,7 @@
           <a:p>
             <a:fld id="{F03D0D1F-6BF6-194C-A78C-DBDDA79CC997}" type="datetimeFigureOut">
               <a:rPr lang="de-DE" smtClean="0"/>
-              <a:t>16.05.23</a:t>
+              <a:t>17.05.23</a:t>
             </a:fld>
             <a:endParaRPr lang="de-DE"/>
           </a:p>
@@ -11254,7 +11456,7 @@
           <a:p>
             <a:fld id="{F03D0D1F-6BF6-194C-A78C-DBDDA79CC997}" type="datetimeFigureOut">
               <a:rPr lang="de-DE" smtClean="0"/>
-              <a:t>16.05.23</a:t>
+              <a:t>17.05.23</a:t>
             </a:fld>
             <a:endParaRPr lang="de-DE"/>
           </a:p>
@@ -11565,7 +11767,7 @@
           <a:p>
             <a:fld id="{F03D0D1F-6BF6-194C-A78C-DBDDA79CC997}" type="datetimeFigureOut">
               <a:rPr lang="de-DE" smtClean="0"/>
-              <a:t>16.05.23</a:t>
+              <a:t>17.05.23</a:t>
             </a:fld>
             <a:endParaRPr lang="de-DE"/>
           </a:p>
@@ -11706,7 +11908,7 @@
           <a:p>
             <a:fld id="{F03D0D1F-6BF6-194C-A78C-DBDDA79CC997}" type="datetimeFigureOut">
               <a:rPr lang="de-DE" smtClean="0"/>
-              <a:t>16.05.23</a:t>
+              <a:t>17.05.23</a:t>
             </a:fld>
             <a:endParaRPr lang="de-DE"/>
           </a:p>
@@ -11994,7 +12196,7 @@
           <a:p>
             <a:fld id="{F03D0D1F-6BF6-194C-A78C-DBDDA79CC997}" type="datetimeFigureOut">
               <a:rPr lang="de-DE" smtClean="0"/>
-              <a:t>16.05.23</a:t>
+              <a:t>17.05.23</a:t>
             </a:fld>
             <a:endParaRPr lang="de-DE"/>
           </a:p>
@@ -12192,7 +12394,7 @@
           <a:p>
             <a:fld id="{F03D0D1F-6BF6-194C-A78C-DBDDA79CC997}" type="datetimeFigureOut">
               <a:rPr lang="de-DE" smtClean="0"/>
-              <a:t>16.05.23</a:t>
+              <a:t>17.05.23</a:t>
             </a:fld>
             <a:endParaRPr lang="de-DE"/>
           </a:p>
@@ -12400,7 +12602,7 @@
           <a:p>
             <a:fld id="{F03D0D1F-6BF6-194C-A78C-DBDDA79CC997}" type="datetimeFigureOut">
               <a:rPr lang="de-DE" smtClean="0"/>
-              <a:t>16.05.23</a:t>
+              <a:t>17.05.23</a:t>
             </a:fld>
             <a:endParaRPr lang="de-DE"/>
           </a:p>
@@ -12546,7 +12748,7 @@
           <a:p>
             <a:fld id="{F03D0D1F-6BF6-194C-A78C-DBDDA79CC997}" type="datetimeFigureOut">
               <a:rPr lang="de-DE" smtClean="0"/>
-              <a:t>16.05.23</a:t>
+              <a:t>17.05.23</a:t>
             </a:fld>
             <a:endParaRPr lang="de-DE"/>
           </a:p>
@@ -12784,7 +12986,7 @@
           <a:p>
             <a:fld id="{F03D0D1F-6BF6-194C-A78C-DBDDA79CC997}" type="datetimeFigureOut">
               <a:rPr lang="de-DE" smtClean="0"/>
-              <a:t>16.05.23</a:t>
+              <a:t>17.05.23</a:t>
             </a:fld>
             <a:endParaRPr lang="de-DE"/>
           </a:p>
@@ -13076,7 +13278,7 @@
           <a:p>
             <a:fld id="{F03D0D1F-6BF6-194C-A78C-DBDDA79CC997}" type="datetimeFigureOut">
               <a:rPr lang="de-DE" smtClean="0"/>
-              <a:t>16.05.23</a:t>
+              <a:t>17.05.23</a:t>
             </a:fld>
             <a:endParaRPr lang="de-DE"/>
           </a:p>
@@ -13247,7 +13449,7 @@
           <a:p>
             <a:fld id="{F03D0D1F-6BF6-194C-A78C-DBDDA79CC997}" type="datetimeFigureOut">
               <a:rPr lang="de-DE" smtClean="0"/>
-              <a:t>16.05.23</a:t>
+              <a:t>17.05.23</a:t>
             </a:fld>
             <a:endParaRPr lang="de-DE"/>
           </a:p>
@@ -13584,7 +13786,7 @@
           <a:p>
             <a:fld id="{F03D0D1F-6BF6-194C-A78C-DBDDA79CC997}" type="datetimeFigureOut">
               <a:rPr lang="de-DE" smtClean="0"/>
-              <a:t>16.05.23</a:t>
+              <a:t>17.05.23</a:t>
             </a:fld>
             <a:endParaRPr lang="de-DE"/>
           </a:p>
@@ -13849,7 +14051,7 @@
           <a:p>
             <a:fld id="{F03D0D1F-6BF6-194C-A78C-DBDDA79CC997}" type="datetimeFigureOut">
               <a:rPr lang="de-DE" smtClean="0"/>
-              <a:t>16.05.23</a:t>
+              <a:t>17.05.23</a:t>
             </a:fld>
             <a:endParaRPr lang="de-DE"/>
           </a:p>
@@ -14261,7 +14463,7 @@
           <a:p>
             <a:fld id="{F03D0D1F-6BF6-194C-A78C-DBDDA79CC997}" type="datetimeFigureOut">
               <a:rPr lang="de-DE" smtClean="0"/>
-              <a:t>16.05.23</a:t>
+              <a:t>17.05.23</a:t>
             </a:fld>
             <a:endParaRPr lang="de-DE"/>
           </a:p>
@@ -14402,7 +14604,7 @@
           <a:p>
             <a:fld id="{F03D0D1F-6BF6-194C-A78C-DBDDA79CC997}" type="datetimeFigureOut">
               <a:rPr lang="de-DE" smtClean="0"/>
-              <a:t>16.05.23</a:t>
+              <a:t>17.05.23</a:t>
             </a:fld>
             <a:endParaRPr lang="de-DE"/>
           </a:p>
@@ -14643,7 +14845,7 @@
           <a:p>
             <a:fld id="{F03D0D1F-6BF6-194C-A78C-DBDDA79CC997}" type="datetimeFigureOut">
               <a:rPr lang="de-DE" smtClean="0"/>
-              <a:t>16.05.23</a:t>
+              <a:t>17.05.23</a:t>
             </a:fld>
             <a:endParaRPr lang="de-DE"/>
           </a:p>
@@ -15653,7 +15855,7 @@
             <p:ph idx="1"/>
             <p:extLst>
               <p:ext uri="{D42A27DB-BD31-4B8C-83A1-F6EECF244321}">
-                <p14:modId xmlns:p14="http://schemas.microsoft.com/office/powerpoint/2010/main" val="3735858867"/>
+                <p14:modId xmlns:p14="http://schemas.microsoft.com/office/powerpoint/2010/main" val="1765650911"/>
               </p:ext>
             </p:extLst>
           </p:nvPr>
@@ -15720,8 +15922,14 @@
           <a:lstStyle/>
           <a:p>
             <a:r>
+              <a:rPr lang="de-DE" dirty="0">
+                <a:latin typeface="Cambria" panose="02040503050406030204" pitchFamily="18" charset="0"/>
+              </a:rPr>
+              <a:t>Climate</a:t>
+            </a:r>
+            <a:r>
               <a:rPr lang="de-DE" dirty="0"/>
-              <a:t>Climate </a:t>
+              <a:t> </a:t>
             </a:r>
           </a:p>
         </p:txBody>
@@ -15747,107 +15955,550 @@
           <a:bodyPr/>
           <a:lstStyle/>
           <a:p>
-            <a:pPr>
-              <a:buFont typeface="Wingdings" pitchFamily="2" charset="2"/>
-              <a:buChar char="§"/>
+            <a:pPr marL="0" indent="0">
+              <a:buNone/>
             </a:pPr>
-            <a:r>
-              <a:rPr lang="de-DE" dirty="0"/>
-              <a:t>Seasons: (</a:t>
-            </a:r>
-            <a:r>
-              <a:rPr lang="de-DE" dirty="0" err="1"/>
-              <a:t>monsoon</a:t>
+            <a:endParaRPr lang="de-DE" dirty="0">
+              <a:latin typeface="Cambria" panose="02040503050406030204" pitchFamily="18" charset="0"/>
+            </a:endParaRPr>
+          </a:p>
+          <a:p>
+            <a:pPr marL="0" indent="0">
+              <a:buNone/>
+            </a:pPr>
+            <a:endParaRPr lang="de-DE" dirty="0">
+              <a:latin typeface="Cambria" panose="02040503050406030204" pitchFamily="18" charset="0"/>
+            </a:endParaRPr>
+          </a:p>
+          <a:p>
+            <a:pPr marL="0" indent="0">
+              <a:buNone/>
+            </a:pPr>
+            <a:endParaRPr lang="de-DE" dirty="0">
+              <a:latin typeface="Cambria" panose="02040503050406030204" pitchFamily="18" charset="0"/>
+            </a:endParaRPr>
+          </a:p>
+          <a:p>
+            <a:pPr marL="0" indent="0">
+              <a:buNone/>
+            </a:pPr>
+            <a:endParaRPr lang="de-DE" dirty="0">
+              <a:latin typeface="Cambria" panose="02040503050406030204" pitchFamily="18" charset="0"/>
+            </a:endParaRPr>
+          </a:p>
+        </p:txBody>
+      </p:sp>
+      <p:cxnSp>
+        <p:nvCxnSpPr>
+          <p:cNvPr id="6" name="Gerade Verbindung mit Pfeil 5">
+            <a:extLst>
+              <a:ext uri="{FF2B5EF4-FFF2-40B4-BE49-F238E27FC236}">
+                <a16:creationId xmlns:a16="http://schemas.microsoft.com/office/drawing/2014/main" id="{8A84E718-2FC6-0AFE-9219-D189CC7C755A}"/>
+              </a:ext>
+            </a:extLst>
+          </p:cNvPr>
+          <p:cNvCxnSpPr>
+            <a:cxnSpLocks/>
+          </p:cNvCxnSpPr>
+          <p:nvPr/>
+        </p:nvCxnSpPr>
+        <p:spPr>
+          <a:xfrm>
+            <a:off x="990599" y="2479589"/>
+            <a:ext cx="9401433" cy="0"/>
+          </a:xfrm>
+          <a:prstGeom prst="straightConnector1">
+            <a:avLst/>
+          </a:prstGeom>
+          <a:ln w="28575">
+            <a:tailEnd type="triangle"/>
+          </a:ln>
+        </p:spPr>
+        <p:style>
+          <a:lnRef idx="1">
+            <a:schemeClr val="dk1"/>
+          </a:lnRef>
+          <a:fillRef idx="0">
+            <a:schemeClr val="dk1"/>
+          </a:fillRef>
+          <a:effectRef idx="0">
+            <a:schemeClr val="dk1"/>
+          </a:effectRef>
+          <a:fontRef idx="minor">
+            <a:schemeClr val="tx1"/>
+          </a:fontRef>
+        </p:style>
+      </p:cxnSp>
+      <p:sp>
+        <p:nvSpPr>
+          <p:cNvPr id="8" name="Oval 7">
+            <a:extLst>
+              <a:ext uri="{FF2B5EF4-FFF2-40B4-BE49-F238E27FC236}">
+                <a16:creationId xmlns:a16="http://schemas.microsoft.com/office/drawing/2014/main" id="{ADA3098D-35B1-B1A2-7F0A-D4412400B493}"/>
+              </a:ext>
+            </a:extLst>
+          </p:cNvPr>
+          <p:cNvSpPr/>
+          <p:nvPr/>
+        </p:nvSpPr>
+        <p:spPr>
+          <a:xfrm>
+            <a:off x="3867664" y="2393092"/>
+            <a:ext cx="172994" cy="172994"/>
+          </a:xfrm>
+          <a:prstGeom prst="ellipse">
+            <a:avLst/>
+          </a:prstGeom>
+        </p:spPr>
+        <p:style>
+          <a:lnRef idx="2">
+            <a:schemeClr val="accent1">
+              <a:shade val="50000"/>
+            </a:schemeClr>
+          </a:lnRef>
+          <a:fillRef idx="1">
+            <a:schemeClr val="accent1"/>
+          </a:fillRef>
+          <a:effectRef idx="0">
+            <a:schemeClr val="accent1"/>
+          </a:effectRef>
+          <a:fontRef idx="minor">
+            <a:schemeClr val="lt1"/>
+          </a:fontRef>
+        </p:style>
+        <p:txBody>
+          <a:bodyPr rtlCol="0" anchor="ctr"/>
+          <a:lstStyle/>
+          <a:p>
+            <a:pPr algn="ctr"/>
+            <a:endParaRPr lang="de-DE"/>
+          </a:p>
+        </p:txBody>
+      </p:sp>
+      <p:sp>
+        <p:nvSpPr>
+          <p:cNvPr id="9" name="Oval 8">
+            <a:extLst>
+              <a:ext uri="{FF2B5EF4-FFF2-40B4-BE49-F238E27FC236}">
+                <a16:creationId xmlns:a16="http://schemas.microsoft.com/office/drawing/2014/main" id="{FE76874E-AC79-7BAE-7E01-04EB6B00E405}"/>
+              </a:ext>
+            </a:extLst>
+          </p:cNvPr>
+          <p:cNvSpPr/>
+          <p:nvPr/>
+        </p:nvSpPr>
+        <p:spPr>
+          <a:xfrm>
+            <a:off x="7437738" y="2393092"/>
+            <a:ext cx="172994" cy="172994"/>
+          </a:xfrm>
+          <a:prstGeom prst="ellipse">
+            <a:avLst/>
+          </a:prstGeom>
+        </p:spPr>
+        <p:style>
+          <a:lnRef idx="2">
+            <a:schemeClr val="accent1">
+              <a:shade val="50000"/>
+            </a:schemeClr>
+          </a:lnRef>
+          <a:fillRef idx="1">
+            <a:schemeClr val="accent1"/>
+          </a:fillRef>
+          <a:effectRef idx="0">
+            <a:schemeClr val="accent1"/>
+          </a:effectRef>
+          <a:fontRef idx="minor">
+            <a:schemeClr val="lt1"/>
+          </a:fontRef>
+        </p:style>
+        <p:txBody>
+          <a:bodyPr rtlCol="0" anchor="ctr"/>
+          <a:lstStyle/>
+          <a:p>
+            <a:pPr algn="ctr"/>
+            <a:endParaRPr lang="de-DE"/>
+          </a:p>
+        </p:txBody>
+      </p:sp>
+      <p:cxnSp>
+        <p:nvCxnSpPr>
+          <p:cNvPr id="11" name="Gerade Verbindung 10">
+            <a:extLst>
+              <a:ext uri="{FF2B5EF4-FFF2-40B4-BE49-F238E27FC236}">
+                <a16:creationId xmlns:a16="http://schemas.microsoft.com/office/drawing/2014/main" id="{7A0E1CF4-7B9B-C87D-C25E-6748EBB4AE40}"/>
+              </a:ext>
+            </a:extLst>
+          </p:cNvPr>
+          <p:cNvCxnSpPr/>
+          <p:nvPr/>
+        </p:nvCxnSpPr>
+        <p:spPr>
+          <a:xfrm>
+            <a:off x="3954161" y="2249069"/>
+            <a:ext cx="3657600" cy="0"/>
+          </a:xfrm>
+          <a:prstGeom prst="line">
+            <a:avLst/>
+          </a:prstGeom>
+          <a:ln w="19050"/>
+        </p:spPr>
+        <p:style>
+          <a:lnRef idx="1">
+            <a:schemeClr val="accent1"/>
+          </a:lnRef>
+          <a:fillRef idx="0">
+            <a:schemeClr val="accent1"/>
+          </a:fillRef>
+          <a:effectRef idx="0">
+            <a:schemeClr val="accent1"/>
+          </a:effectRef>
+          <a:fontRef idx="minor">
+            <a:schemeClr val="tx1"/>
+          </a:fontRef>
+        </p:style>
+      </p:cxnSp>
+      <p:cxnSp>
+        <p:nvCxnSpPr>
+          <p:cNvPr id="13" name="Gerade Verbindung 12">
+            <a:extLst>
+              <a:ext uri="{FF2B5EF4-FFF2-40B4-BE49-F238E27FC236}">
+                <a16:creationId xmlns:a16="http://schemas.microsoft.com/office/drawing/2014/main" id="{B11B8DCD-76AF-EAA0-C668-95FA21407A53}"/>
+              </a:ext>
+            </a:extLst>
+          </p:cNvPr>
+          <p:cNvCxnSpPr/>
+          <p:nvPr/>
+        </p:nvCxnSpPr>
+        <p:spPr>
+          <a:xfrm>
+            <a:off x="990600" y="2249069"/>
+            <a:ext cx="2963562" cy="0"/>
+          </a:xfrm>
+          <a:prstGeom prst="line">
+            <a:avLst/>
+          </a:prstGeom>
+          <a:ln w="19050">
+            <a:solidFill>
+              <a:schemeClr val="accent2">
+                <a:lumMod val="75000"/>
+              </a:schemeClr>
+            </a:solidFill>
+          </a:ln>
+        </p:spPr>
+        <p:style>
+          <a:lnRef idx="1">
+            <a:schemeClr val="accent1"/>
+          </a:lnRef>
+          <a:fillRef idx="0">
+            <a:schemeClr val="accent1"/>
+          </a:fillRef>
+          <a:effectRef idx="0">
+            <a:schemeClr val="accent1"/>
+          </a:effectRef>
+          <a:fontRef idx="minor">
+            <a:schemeClr val="tx1"/>
+          </a:fontRef>
+        </p:style>
+      </p:cxnSp>
+      <p:cxnSp>
+        <p:nvCxnSpPr>
+          <p:cNvPr id="15" name="Gerade Verbindung 14">
+            <a:extLst>
+              <a:ext uri="{FF2B5EF4-FFF2-40B4-BE49-F238E27FC236}">
+                <a16:creationId xmlns:a16="http://schemas.microsoft.com/office/drawing/2014/main" id="{A1B750FA-FF62-86AE-8F66-8B98A2C8F8A3}"/>
+              </a:ext>
+            </a:extLst>
+          </p:cNvPr>
+          <p:cNvCxnSpPr/>
+          <p:nvPr/>
+        </p:nvCxnSpPr>
+        <p:spPr>
+          <a:xfrm>
+            <a:off x="7611761" y="2249069"/>
+            <a:ext cx="2579988" cy="0"/>
+          </a:xfrm>
+          <a:prstGeom prst="line">
+            <a:avLst/>
+          </a:prstGeom>
+          <a:ln w="19050">
+            <a:solidFill>
+              <a:schemeClr val="accent2">
+                <a:lumMod val="75000"/>
+              </a:schemeClr>
+            </a:solidFill>
+          </a:ln>
+        </p:spPr>
+        <p:style>
+          <a:lnRef idx="1">
+            <a:schemeClr val="accent1"/>
+          </a:lnRef>
+          <a:fillRef idx="0">
+            <a:schemeClr val="accent1"/>
+          </a:fillRef>
+          <a:effectRef idx="0">
+            <a:schemeClr val="accent1"/>
+          </a:effectRef>
+          <a:fontRef idx="minor">
+            <a:schemeClr val="tx1"/>
+          </a:fontRef>
+        </p:style>
+      </p:cxnSp>
+      <p:sp>
+        <p:nvSpPr>
+          <p:cNvPr id="16" name="Textfeld 15">
+            <a:extLst>
+              <a:ext uri="{FF2B5EF4-FFF2-40B4-BE49-F238E27FC236}">
+                <a16:creationId xmlns:a16="http://schemas.microsoft.com/office/drawing/2014/main" id="{9732246A-8FAC-4471-0030-9CBB43588B84}"/>
+              </a:ext>
+            </a:extLst>
+          </p:cNvPr>
+          <p:cNvSpPr txBox="1"/>
+          <p:nvPr/>
+        </p:nvSpPr>
+        <p:spPr>
+          <a:xfrm>
+            <a:off x="3642153" y="2581151"/>
+            <a:ext cx="624016" cy="369332"/>
+          </a:xfrm>
+          <a:prstGeom prst="rect">
+            <a:avLst/>
+          </a:prstGeom>
+          <a:noFill/>
+        </p:spPr>
+        <p:txBody>
+          <a:bodyPr wrap="square" rtlCol="0">
+            <a:spAutoFit/>
+          </a:bodyPr>
+          <a:lstStyle/>
+          <a:p>
+            <a:r>
+              <a:rPr lang="de-DE" dirty="0">
+                <a:latin typeface="Cambria" panose="02040503050406030204" pitchFamily="18" charset="0"/>
+              </a:rPr>
+              <a:t>May</a:t>
             </a:r>
             <a:r>
               <a:rPr lang="de-DE" dirty="0"/>
               <a:t> </a:t>
             </a:r>
-            <a:r>
-              <a:rPr lang="de-DE" dirty="0" err="1"/>
-              <a:t>may</a:t>
-            </a:r>
-            <a:r>
-              <a:rPr lang="de-DE"/>
-              <a:t> - oct</a:t>
-            </a:r>
-            <a:r>
-              <a:rPr lang="de-DE" dirty="0"/>
-              <a:t>, dry winters)</a:t>
-            </a:r>
-          </a:p>
-          <a:p>
-            <a:pPr>
-              <a:buFont typeface="Wingdings" pitchFamily="2" charset="2"/>
-              <a:buChar char="§"/>
-            </a:pPr>
-            <a:r>
-              <a:rPr lang="de-DE" dirty="0"/>
-              <a:t>Trends: </a:t>
-            </a:r>
-            <a:r>
-              <a:rPr lang="de-DE" dirty="0" err="1"/>
-              <a:t>rising</a:t>
-            </a:r>
-            <a:r>
-              <a:rPr lang="de-DE" dirty="0"/>
-              <a:t> min and </a:t>
-            </a:r>
-            <a:r>
-              <a:rPr lang="de-DE" dirty="0" err="1"/>
-              <a:t>max</a:t>
+          </a:p>
+        </p:txBody>
+      </p:sp>
+      <p:sp>
+        <p:nvSpPr>
+          <p:cNvPr id="18" name="Textfeld 17">
+            <a:extLst>
+              <a:ext uri="{FF2B5EF4-FFF2-40B4-BE49-F238E27FC236}">
+                <a16:creationId xmlns:a16="http://schemas.microsoft.com/office/drawing/2014/main" id="{6397C8E6-B9EB-6709-B553-DC69FE55AFB8}"/>
+              </a:ext>
+            </a:extLst>
+          </p:cNvPr>
+          <p:cNvSpPr txBox="1"/>
+          <p:nvPr/>
+        </p:nvSpPr>
+        <p:spPr>
+          <a:xfrm>
+            <a:off x="7083510" y="2581366"/>
+            <a:ext cx="1056503" cy="369332"/>
+          </a:xfrm>
+          <a:prstGeom prst="rect">
+            <a:avLst/>
+          </a:prstGeom>
+          <a:noFill/>
+        </p:spPr>
+        <p:txBody>
+          <a:bodyPr wrap="square" rtlCol="0">
+            <a:spAutoFit/>
+          </a:bodyPr>
+          <a:lstStyle/>
+          <a:p>
+            <a:r>
+              <a:rPr lang="de-DE" dirty="0" err="1">
+                <a:latin typeface="Cambria" panose="02040503050406030204" pitchFamily="18" charset="0"/>
+              </a:rPr>
+              <a:t>October</a:t>
             </a:r>
             <a:r>
               <a:rPr lang="de-DE" dirty="0"/>
               <a:t> </a:t>
             </a:r>
-            <a:r>
-              <a:rPr lang="de-DE" dirty="0" err="1"/>
-              <a:t>temperature</a:t>
-            </a:r>
-            <a:r>
-              <a:rPr lang="de-DE" dirty="0"/>
-              <a:t> in northern </a:t>
-            </a:r>
-            <a:r>
-              <a:rPr lang="de-DE" dirty="0" err="1"/>
-              <a:t>thailand</a:t>
-            </a:r>
-            <a:r>
-              <a:rPr lang="de-DE" dirty="0"/>
-              <a:t>, </a:t>
-            </a:r>
-            <a:r>
-              <a:rPr lang="de-DE" dirty="0" err="1"/>
-              <a:t>no</a:t>
-            </a:r>
-            <a:r>
-              <a:rPr lang="de-DE" dirty="0"/>
+          </a:p>
+        </p:txBody>
+      </p:sp>
+      <p:sp>
+        <p:nvSpPr>
+          <p:cNvPr id="19" name="Textfeld 18">
+            <a:extLst>
+              <a:ext uri="{FF2B5EF4-FFF2-40B4-BE49-F238E27FC236}">
+                <a16:creationId xmlns:a16="http://schemas.microsoft.com/office/drawing/2014/main" id="{585598EA-199A-01A5-C3FA-6873D4D9CE35}"/>
+              </a:ext>
+            </a:extLst>
+          </p:cNvPr>
+          <p:cNvSpPr txBox="1"/>
+          <p:nvPr/>
+        </p:nvSpPr>
+        <p:spPr>
+          <a:xfrm>
+            <a:off x="5171431" y="1843175"/>
+            <a:ext cx="1223062" cy="369332"/>
+          </a:xfrm>
+          <a:prstGeom prst="rect">
+            <a:avLst/>
+          </a:prstGeom>
+          <a:noFill/>
+        </p:spPr>
+        <p:txBody>
+          <a:bodyPr wrap="square" rtlCol="0">
+            <a:spAutoFit/>
+          </a:bodyPr>
+          <a:lstStyle/>
+          <a:p>
+            <a:r>
+              <a:rPr lang="de-DE" dirty="0" err="1">
+                <a:solidFill>
+                  <a:schemeClr val="accent1"/>
+                </a:solidFill>
+                <a:latin typeface="Cambria" panose="02040503050406030204" pitchFamily="18" charset="0"/>
+              </a:rPr>
+              <a:t>Monsoon</a:t>
+            </a:r>
+            <a:endParaRPr lang="de-DE" dirty="0">
+              <a:solidFill>
+                <a:schemeClr val="accent1"/>
+              </a:solidFill>
+              <a:latin typeface="Cambria" panose="02040503050406030204" pitchFamily="18" charset="0"/>
+            </a:endParaRPr>
+          </a:p>
+        </p:txBody>
+      </p:sp>
+      <p:sp>
+        <p:nvSpPr>
+          <p:cNvPr id="20" name="Textfeld 19">
+            <a:extLst>
+              <a:ext uri="{FF2B5EF4-FFF2-40B4-BE49-F238E27FC236}">
+                <a16:creationId xmlns:a16="http://schemas.microsoft.com/office/drawing/2014/main" id="{3497D54F-9C39-5031-A4E9-EB9193E339C8}"/>
+              </a:ext>
+            </a:extLst>
+          </p:cNvPr>
+          <p:cNvSpPr txBox="1"/>
+          <p:nvPr/>
+        </p:nvSpPr>
+        <p:spPr>
+          <a:xfrm>
+            <a:off x="1618799" y="1826012"/>
+            <a:ext cx="1707164" cy="369332"/>
+          </a:xfrm>
+          <a:prstGeom prst="rect">
+            <a:avLst/>
+          </a:prstGeom>
+          <a:noFill/>
+        </p:spPr>
+        <p:txBody>
+          <a:bodyPr wrap="square" rtlCol="0">
+            <a:spAutoFit/>
+          </a:bodyPr>
+          <a:lstStyle/>
+          <a:p>
+            <a:r>
+              <a:rPr lang="de-DE" dirty="0">
+                <a:solidFill>
+                  <a:schemeClr val="accent2">
+                    <a:lumMod val="75000"/>
+                  </a:schemeClr>
+                </a:solidFill>
+                <a:latin typeface="Cambria" panose="02040503050406030204" pitchFamily="18" charset="0"/>
+              </a:rPr>
+              <a:t>Dry </a:t>
+            </a:r>
+            <a:r>
+              <a:rPr lang="de-DE" dirty="0" err="1">
+                <a:solidFill>
+                  <a:schemeClr val="accent2">
+                    <a:lumMod val="75000"/>
+                  </a:schemeClr>
+                </a:solidFill>
+                <a:latin typeface="Cambria" panose="02040503050406030204" pitchFamily="18" charset="0"/>
+              </a:rPr>
+              <a:t>winter</a:t>
+            </a:r>
+            <a:r>
+              <a:rPr lang="de-DE" dirty="0">
+                <a:solidFill>
+                  <a:schemeClr val="accent2">
+                    <a:lumMod val="75000"/>
+                  </a:schemeClr>
+                </a:solidFill>
+                <a:latin typeface="Cambria" panose="02040503050406030204" pitchFamily="18" charset="0"/>
+              </a:rPr>
               <a:t> </a:t>
             </a:r>
-            <a:r>
-              <a:rPr lang="de-DE" dirty="0" err="1"/>
-              <a:t>significant</a:t>
-            </a:r>
-            <a:r>
-              <a:rPr lang="de-DE" dirty="0"/>
+          </a:p>
+        </p:txBody>
+      </p:sp>
+      <p:sp>
+        <p:nvSpPr>
+          <p:cNvPr id="21" name="Textfeld 20">
+            <a:extLst>
+              <a:ext uri="{FF2B5EF4-FFF2-40B4-BE49-F238E27FC236}">
+                <a16:creationId xmlns:a16="http://schemas.microsoft.com/office/drawing/2014/main" id="{586D48FB-CE20-ACC1-FC07-A9895403FE45}"/>
+              </a:ext>
+            </a:extLst>
+          </p:cNvPr>
+          <p:cNvSpPr txBox="1"/>
+          <p:nvPr/>
+        </p:nvSpPr>
+        <p:spPr>
+          <a:xfrm>
+            <a:off x="8140013" y="1826012"/>
+            <a:ext cx="1707164" cy="369332"/>
+          </a:xfrm>
+          <a:prstGeom prst="rect">
+            <a:avLst/>
+          </a:prstGeom>
+          <a:noFill/>
+          <a:ln>
+            <a:noFill/>
+          </a:ln>
+        </p:spPr>
+        <p:txBody>
+          <a:bodyPr wrap="square" rtlCol="0">
+            <a:spAutoFit/>
+          </a:bodyPr>
+          <a:lstStyle/>
+          <a:p>
+            <a:r>
+              <a:rPr lang="de-DE" dirty="0">
+                <a:solidFill>
+                  <a:schemeClr val="accent2">
+                    <a:lumMod val="75000"/>
+                  </a:schemeClr>
+                </a:solidFill>
+                <a:latin typeface="Cambria" panose="02040503050406030204" pitchFamily="18" charset="0"/>
+              </a:rPr>
+              <a:t>Dry </a:t>
+            </a:r>
+            <a:r>
+              <a:rPr lang="de-DE" dirty="0" err="1">
+                <a:solidFill>
+                  <a:schemeClr val="accent2">
+                    <a:lumMod val="75000"/>
+                  </a:schemeClr>
+                </a:solidFill>
+                <a:latin typeface="Cambria" panose="02040503050406030204" pitchFamily="18" charset="0"/>
+              </a:rPr>
+              <a:t>winter</a:t>
+            </a:r>
+            <a:r>
+              <a:rPr lang="de-DE" dirty="0">
+                <a:solidFill>
+                  <a:schemeClr val="accent2">
+                    <a:lumMod val="75000"/>
+                  </a:schemeClr>
+                </a:solidFill>
+                <a:latin typeface="Cambria" panose="02040503050406030204" pitchFamily="18" charset="0"/>
+              </a:rPr>
               <a:t> </a:t>
-            </a:r>
-            <a:r>
-              <a:rPr lang="de-DE" dirty="0" err="1"/>
-              <a:t>rise</a:t>
-            </a:r>
-            <a:r>
-              <a:rPr lang="de-DE" dirty="0"/>
-              <a:t> in </a:t>
-            </a:r>
-            <a:r>
-              <a:rPr lang="de-DE" dirty="0" err="1"/>
-              <a:t>max</a:t>
-            </a:r>
-            <a:r>
-              <a:rPr lang="de-DE" dirty="0"/>
-              <a:t> in spring (Masud et al.)</a:t>
             </a:r>
           </a:p>
         </p:txBody>
@@ -15904,8 +16555,14 @@
           <a:lstStyle/>
           <a:p>
             <a:r>
+              <a:rPr lang="de-DE" dirty="0">
+                <a:latin typeface="Cambria" panose="02040503050406030204" pitchFamily="18" charset="0"/>
+              </a:rPr>
+              <a:t>Dengue</a:t>
+            </a:r>
+            <a:r>
               <a:rPr lang="de-DE" dirty="0"/>
-              <a:t>Dengue </a:t>
+              <a:t> </a:t>
             </a:r>
           </a:p>
         </p:txBody>
@@ -16737,23 +17394,33 @@
           <a:lstStyle/>
           <a:p>
             <a:r>
-              <a:rPr lang="de-DE" dirty="0"/>
+              <a:rPr lang="de-DE" dirty="0">
+                <a:latin typeface="Cambria" panose="02040503050406030204" pitchFamily="18" charset="0"/>
+              </a:rPr>
               <a:t>Further </a:t>
             </a:r>
             <a:r>
-              <a:rPr lang="de-DE" dirty="0" err="1"/>
+              <a:rPr lang="de-DE" dirty="0" err="1">
+                <a:latin typeface="Cambria" panose="02040503050406030204" pitchFamily="18" charset="0"/>
+              </a:rPr>
               <a:t>investigation</a:t>
             </a:r>
             <a:r>
-              <a:rPr lang="de-DE" dirty="0"/>
+              <a:rPr lang="de-DE" dirty="0">
+                <a:latin typeface="Cambria" panose="02040503050406030204" pitchFamily="18" charset="0"/>
+              </a:rPr>
               <a:t> </a:t>
             </a:r>
             <a:r>
-              <a:rPr lang="de-DE" dirty="0" err="1"/>
+              <a:rPr lang="de-DE" dirty="0" err="1">
+                <a:latin typeface="Cambria" panose="02040503050406030204" pitchFamily="18" charset="0"/>
+              </a:rPr>
               <a:t>ideas</a:t>
             </a:r>
             <a:r>
-              <a:rPr lang="de-DE" dirty="0"/>
+              <a:rPr lang="de-DE" dirty="0">
+                <a:latin typeface="Cambria" panose="02040503050406030204" pitchFamily="18" charset="0"/>
+              </a:rPr>
               <a:t> </a:t>
             </a:r>
           </a:p>
@@ -16781,101 +17448,149 @@
           <a:lstStyle/>
           <a:p>
             <a:r>
-              <a:rPr lang="de-DE" dirty="0" err="1"/>
+              <a:rPr lang="de-DE" dirty="0" err="1">
+                <a:latin typeface="Cambria" panose="02040503050406030204" pitchFamily="18" charset="0"/>
+              </a:rPr>
               <a:t>How</a:t>
             </a:r>
             <a:r>
-              <a:rPr lang="de-DE" dirty="0"/>
+              <a:rPr lang="de-DE" dirty="0">
+                <a:latin typeface="Cambria" panose="02040503050406030204" pitchFamily="18" charset="0"/>
+              </a:rPr>
               <a:t> </a:t>
             </a:r>
             <a:r>
-              <a:rPr lang="de-DE" dirty="0" err="1"/>
+              <a:rPr lang="de-DE" dirty="0" err="1">
+                <a:latin typeface="Cambria" panose="02040503050406030204" pitchFamily="18" charset="0"/>
+              </a:rPr>
               <a:t>does</a:t>
             </a:r>
             <a:r>
-              <a:rPr lang="de-DE" dirty="0"/>
+              <a:rPr lang="de-DE" dirty="0">
+                <a:latin typeface="Cambria" panose="02040503050406030204" pitchFamily="18" charset="0"/>
+              </a:rPr>
               <a:t> </a:t>
             </a:r>
             <a:r>
-              <a:rPr lang="de-DE" dirty="0" err="1"/>
+              <a:rPr lang="de-DE" dirty="0" err="1">
+                <a:latin typeface="Cambria" panose="02040503050406030204" pitchFamily="18" charset="0"/>
+              </a:rPr>
               <a:t>temperature</a:t>
             </a:r>
             <a:r>
-              <a:rPr lang="de-DE" dirty="0"/>
+              <a:rPr lang="de-DE" dirty="0">
+                <a:latin typeface="Cambria" panose="02040503050406030204" pitchFamily="18" charset="0"/>
+              </a:rPr>
               <a:t> </a:t>
             </a:r>
             <a:r>
-              <a:rPr lang="de-DE" dirty="0" err="1"/>
+              <a:rPr lang="de-DE" dirty="0" err="1">
+                <a:latin typeface="Cambria" panose="02040503050406030204" pitchFamily="18" charset="0"/>
+              </a:rPr>
               <a:t>affect</a:t>
             </a:r>
             <a:r>
-              <a:rPr lang="de-DE" dirty="0"/>
+              <a:rPr lang="de-DE" dirty="0">
+                <a:latin typeface="Cambria" panose="02040503050406030204" pitchFamily="18" charset="0"/>
+              </a:rPr>
               <a:t> </a:t>
             </a:r>
             <a:r>
-              <a:rPr lang="de-DE" dirty="0" err="1"/>
+              <a:rPr lang="de-DE" dirty="0" err="1">
+                <a:latin typeface="Cambria" panose="02040503050406030204" pitchFamily="18" charset="0"/>
+              </a:rPr>
               <a:t>dengue</a:t>
             </a:r>
             <a:r>
-              <a:rPr lang="de-DE" dirty="0"/>
+              <a:rPr lang="de-DE" dirty="0">
+                <a:latin typeface="Cambria" panose="02040503050406030204" pitchFamily="18" charset="0"/>
+              </a:rPr>
               <a:t> </a:t>
             </a:r>
             <a:r>
-              <a:rPr lang="de-DE" dirty="0" err="1"/>
+              <a:rPr lang="de-DE" dirty="0" err="1">
+                <a:latin typeface="Cambria" panose="02040503050406030204" pitchFamily="18" charset="0"/>
+              </a:rPr>
               <a:t>mortality</a:t>
             </a:r>
             <a:r>
-              <a:rPr lang="de-DE" dirty="0"/>
+              <a:rPr lang="de-DE" dirty="0">
+                <a:latin typeface="Cambria" panose="02040503050406030204" pitchFamily="18" charset="0"/>
+              </a:rPr>
               <a:t>?</a:t>
             </a:r>
           </a:p>
           <a:p>
             <a:r>
-              <a:rPr lang="de-DE" dirty="0" err="1"/>
+              <a:rPr lang="de-DE" dirty="0" err="1">
+                <a:latin typeface="Cambria" panose="02040503050406030204" pitchFamily="18" charset="0"/>
+              </a:rPr>
               <a:t>How</a:t>
             </a:r>
             <a:r>
-              <a:rPr lang="de-DE" dirty="0"/>
+              <a:rPr lang="de-DE" dirty="0">
+                <a:latin typeface="Cambria" panose="02040503050406030204" pitchFamily="18" charset="0"/>
+              </a:rPr>
               <a:t> do </a:t>
             </a:r>
             <a:r>
-              <a:rPr lang="de-DE" dirty="0" err="1"/>
+              <a:rPr lang="de-DE" dirty="0" err="1">
+                <a:latin typeface="Cambria" panose="02040503050406030204" pitchFamily="18" charset="0"/>
+              </a:rPr>
               <a:t>urbanized</a:t>
             </a:r>
             <a:r>
-              <a:rPr lang="de-DE" dirty="0"/>
+              <a:rPr lang="de-DE" dirty="0">
+                <a:latin typeface="Cambria" panose="02040503050406030204" pitchFamily="18" charset="0"/>
+              </a:rPr>
               <a:t> </a:t>
             </a:r>
             <a:r>
-              <a:rPr lang="de-DE" dirty="0" err="1"/>
+              <a:rPr lang="de-DE" dirty="0" err="1">
+                <a:latin typeface="Cambria" panose="02040503050406030204" pitchFamily="18" charset="0"/>
+              </a:rPr>
               <a:t>areas</a:t>
             </a:r>
             <a:r>
-              <a:rPr lang="de-DE" dirty="0"/>
+              <a:rPr lang="de-DE" dirty="0">
+                <a:latin typeface="Cambria" panose="02040503050406030204" pitchFamily="18" charset="0"/>
+              </a:rPr>
               <a:t> </a:t>
             </a:r>
             <a:r>
-              <a:rPr lang="de-DE" dirty="0" err="1"/>
+              <a:rPr lang="de-DE" dirty="0" err="1">
+                <a:latin typeface="Cambria" panose="02040503050406030204" pitchFamily="18" charset="0"/>
+              </a:rPr>
               <a:t>affect</a:t>
             </a:r>
             <a:r>
-              <a:rPr lang="de-DE" dirty="0"/>
+              <a:rPr lang="de-DE" dirty="0">
+                <a:latin typeface="Cambria" panose="02040503050406030204" pitchFamily="18" charset="0"/>
+              </a:rPr>
               <a:t> </a:t>
             </a:r>
             <a:r>
-              <a:rPr lang="de-DE" dirty="0" err="1"/>
+              <a:rPr lang="de-DE" dirty="0" err="1">
+                <a:latin typeface="Cambria" panose="02040503050406030204" pitchFamily="18" charset="0"/>
+              </a:rPr>
               <a:t>infection</a:t>
             </a:r>
             <a:r>
-              <a:rPr lang="de-DE" dirty="0"/>
+              <a:rPr lang="de-DE" dirty="0">
+                <a:latin typeface="Cambria" panose="02040503050406030204" pitchFamily="18" charset="0"/>
+              </a:rPr>
               <a:t> </a:t>
             </a:r>
             <a:r>
-              <a:rPr lang="de-DE" dirty="0" err="1"/>
+              <a:rPr lang="de-DE" dirty="0" err="1">
+                <a:latin typeface="Cambria" panose="02040503050406030204" pitchFamily="18" charset="0"/>
+              </a:rPr>
               <a:t>rates</a:t>
             </a:r>
             <a:r>
-              <a:rPr lang="de-DE" dirty="0"/>
+              <a:rPr lang="de-DE" dirty="0">
+                <a:latin typeface="Cambria" panose="02040503050406030204" pitchFamily="18" charset="0"/>
+              </a:rPr>
               <a:t> </a:t>
             </a:r>
           </a:p>

--- a/Project Proposal Präsi Draft .pptx
+++ b/Project Proposal Präsi Draft .pptx
@@ -15934,60 +15934,6 @@
           </a:p>
         </p:txBody>
       </p:sp>
-      <p:sp>
-        <p:nvSpPr>
-          <p:cNvPr id="3" name="Inhaltsplatzhalter 2">
-            <a:extLst>
-              <a:ext uri="{FF2B5EF4-FFF2-40B4-BE49-F238E27FC236}">
-                <a16:creationId xmlns:a16="http://schemas.microsoft.com/office/drawing/2014/main" id="{535E2006-9631-B460-9AC0-7A5760803ED8}"/>
-              </a:ext>
-            </a:extLst>
-          </p:cNvPr>
-          <p:cNvSpPr>
-            <a:spLocks noGrp="1"/>
-          </p:cNvSpPr>
-          <p:nvPr>
-            <p:ph idx="1"/>
-          </p:nvPr>
-        </p:nvSpPr>
-        <p:spPr/>
-        <p:txBody>
-          <a:bodyPr/>
-          <a:lstStyle/>
-          <a:p>
-            <a:pPr marL="0" indent="0">
-              <a:buNone/>
-            </a:pPr>
-            <a:endParaRPr lang="de-DE" dirty="0">
-              <a:latin typeface="Cambria" panose="02040503050406030204" pitchFamily="18" charset="0"/>
-            </a:endParaRPr>
-          </a:p>
-          <a:p>
-            <a:pPr marL="0" indent="0">
-              <a:buNone/>
-            </a:pPr>
-            <a:endParaRPr lang="de-DE" dirty="0">
-              <a:latin typeface="Cambria" panose="02040503050406030204" pitchFamily="18" charset="0"/>
-            </a:endParaRPr>
-          </a:p>
-          <a:p>
-            <a:pPr marL="0" indent="0">
-              <a:buNone/>
-            </a:pPr>
-            <a:endParaRPr lang="de-DE" dirty="0">
-              <a:latin typeface="Cambria" panose="02040503050406030204" pitchFamily="18" charset="0"/>
-            </a:endParaRPr>
-          </a:p>
-          <a:p>
-            <a:pPr marL="0" indent="0">
-              <a:buNone/>
-            </a:pPr>
-            <a:endParaRPr lang="de-DE" dirty="0">
-              <a:latin typeface="Cambria" panose="02040503050406030204" pitchFamily="18" charset="0"/>
-            </a:endParaRPr>
-          </a:p>
-        </p:txBody>
-      </p:sp>
       <p:cxnSp>
         <p:nvCxnSpPr>
           <p:cNvPr id="6" name="Gerade Verbindung mit Pfeil 5">
@@ -16503,6 +16449,34 @@
           </a:p>
         </p:txBody>
       </p:sp>
+      <p:pic>
+        <p:nvPicPr>
+          <p:cNvPr id="30" name="Inhaltsplatzhalter 29" descr="Ein Bild, das Text, Schrift, Reihe, Diagramm enthält.&#10;&#10;Automatisch generierte Beschreibung">
+            <a:extLst>
+              <a:ext uri="{FF2B5EF4-FFF2-40B4-BE49-F238E27FC236}">
+                <a16:creationId xmlns:a16="http://schemas.microsoft.com/office/drawing/2014/main" id="{C6997150-95B0-86AA-8D25-FF06EF67A733}"/>
+              </a:ext>
+            </a:extLst>
+          </p:cNvPr>
+          <p:cNvPicPr>
+            <a:picLocks noGrp="1" noChangeAspect="1"/>
+          </p:cNvPicPr>
+          <p:nvPr>
+            <p:ph idx="1"/>
+          </p:nvPr>
+        </p:nvPicPr>
+        <p:blipFill rotWithShape="1">
+          <a:blip r:embed="rId3"/>
+          <a:srcRect l="794" t="8497"/>
+          <a:stretch/>
+        </p:blipFill>
+        <p:spPr>
+          <a:xfrm>
+            <a:off x="2892202" y="3338670"/>
+            <a:ext cx="5598225" cy="3190221"/>
+          </a:xfrm>
+        </p:spPr>
+      </p:pic>
     </p:spTree>
     <p:extLst>
       <p:ext uri="{BB962C8B-B14F-4D97-AF65-F5344CB8AC3E}">

--- a/Project Proposal Präsi Draft .pptx
+++ b/Project Proposal Präsi Draft .pptx
@@ -5,16 +5,18 @@
     <p:sldMasterId id="2147483648" r:id="rId1"/>
   </p:sldMasterIdLst>
   <p:notesMasterIdLst>
-    <p:notesMasterId r:id="rId9"/>
+    <p:notesMasterId r:id="rId11"/>
   </p:notesMasterIdLst>
   <p:sldIdLst>
     <p:sldId id="257" r:id="rId2"/>
     <p:sldId id="258" r:id="rId3"/>
-    <p:sldId id="260" r:id="rId4"/>
-    <p:sldId id="261" r:id="rId5"/>
-    <p:sldId id="259" r:id="rId6"/>
-    <p:sldId id="262" r:id="rId7"/>
-    <p:sldId id="263" r:id="rId8"/>
+    <p:sldId id="264" r:id="rId4"/>
+    <p:sldId id="260" r:id="rId5"/>
+    <p:sldId id="261" r:id="rId6"/>
+    <p:sldId id="259" r:id="rId7"/>
+    <p:sldId id="262" r:id="rId8"/>
+    <p:sldId id="263" r:id="rId9"/>
+    <p:sldId id="265" r:id="rId10"/>
   </p:sldIdLst>
   <p:sldSz cx="12192000" cy="6858000"/>
   <p:notesSz cx="6858000" cy="9144000"/>
@@ -10697,6 +10699,136 @@
           <a:bodyPr/>
           <a:lstStyle/>
           <a:p>
+            <a:r>
+              <a:rPr lang="de-DE" dirty="0"/>
+              <a:t>Always warm in </a:t>
+            </a:r>
+            <a:r>
+              <a:rPr lang="de-DE" dirty="0" err="1"/>
+              <a:t>comparison</a:t>
+            </a:r>
+            <a:r>
+              <a:rPr lang="de-DE" dirty="0"/>
+              <a:t> </a:t>
+            </a:r>
+            <a:r>
+              <a:rPr lang="de-DE" dirty="0" err="1"/>
+              <a:t>to</a:t>
+            </a:r>
+            <a:r>
+              <a:rPr lang="de-DE" dirty="0"/>
+              <a:t> </a:t>
+            </a:r>
+            <a:r>
+              <a:rPr lang="de-DE" dirty="0" err="1"/>
+              <a:t>rest</a:t>
+            </a:r>
+            <a:r>
+              <a:rPr lang="de-DE" dirty="0"/>
+              <a:t> </a:t>
+            </a:r>
+            <a:r>
+              <a:rPr lang="de-DE" dirty="0" err="1"/>
+              <a:t>of</a:t>
+            </a:r>
+            <a:r>
+              <a:rPr lang="de-DE" dirty="0"/>
+              <a:t> </a:t>
+            </a:r>
+            <a:r>
+              <a:rPr lang="de-DE" dirty="0" err="1"/>
+              <a:t>world</a:t>
+            </a:r>
+            <a:r>
+              <a:rPr lang="de-DE" dirty="0"/>
+              <a:t> </a:t>
+            </a:r>
+          </a:p>
+          <a:p>
+            <a:endParaRPr lang="de-DE" dirty="0"/>
+          </a:p>
+          <a:p>
+            <a:r>
+              <a:rPr lang="de-DE" dirty="0"/>
+              <a:t>Dry </a:t>
+            </a:r>
+            <a:r>
+              <a:rPr lang="de-DE" dirty="0" err="1"/>
+              <a:t>season</a:t>
+            </a:r>
+            <a:r>
+              <a:rPr lang="de-DE" dirty="0"/>
+              <a:t>: </a:t>
+            </a:r>
+            <a:r>
+              <a:rPr lang="de-DE" dirty="0" err="1"/>
+              <a:t>winter</a:t>
+            </a:r>
+            <a:r>
+              <a:rPr lang="de-DE" dirty="0"/>
+              <a:t> </a:t>
+            </a:r>
+            <a:r>
+              <a:rPr lang="de-DE" dirty="0" err="1"/>
+              <a:t>months</a:t>
+            </a:r>
+            <a:r>
+              <a:rPr lang="de-DE" dirty="0"/>
+              <a:t> </a:t>
+            </a:r>
+            <a:r>
+              <a:rPr lang="de-DE" dirty="0" err="1"/>
+              <a:t>are</a:t>
+            </a:r>
+            <a:r>
+              <a:rPr lang="de-DE" dirty="0"/>
+              <a:t> </a:t>
+            </a:r>
+            <a:r>
+              <a:rPr lang="de-DE" dirty="0" err="1"/>
+              <a:t>colder</a:t>
+            </a:r>
+            <a:r>
+              <a:rPr lang="de-DE" dirty="0"/>
+              <a:t>, </a:t>
+            </a:r>
+            <a:r>
+              <a:rPr lang="de-DE" dirty="0" err="1"/>
+              <a:t>march</a:t>
+            </a:r>
+            <a:r>
+              <a:rPr lang="de-DE" dirty="0"/>
+              <a:t> </a:t>
+            </a:r>
+            <a:r>
+              <a:rPr lang="de-DE" dirty="0" err="1"/>
+              <a:t>to</a:t>
+            </a:r>
+            <a:r>
+              <a:rPr lang="de-DE" dirty="0"/>
+              <a:t> </a:t>
+            </a:r>
+            <a:r>
+              <a:rPr lang="de-DE" dirty="0" err="1"/>
+              <a:t>may</a:t>
+            </a:r>
+            <a:r>
+              <a:rPr lang="de-DE" dirty="0"/>
+              <a:t> hottest </a:t>
+            </a:r>
+            <a:r>
+              <a:rPr lang="de-DE" dirty="0" err="1"/>
+              <a:t>months</a:t>
+            </a:r>
+            <a:r>
+              <a:rPr lang="de-DE" dirty="0"/>
+              <a:t> </a:t>
+            </a:r>
+          </a:p>
+          <a:p>
+            <a:endParaRPr lang="de-DE" dirty="0"/>
+          </a:p>
+          <a:p>
             <a:pPr marL="0" marR="0" lvl="0" indent="0" algn="l" defTabSz="914400" rtl="0" eaLnBrk="1" fontAlgn="auto" latinLnBrk="0" hangingPunct="1">
               <a:lnSpc>
                 <a:spcPct val="100000"/>
@@ -10715,12 +10847,16 @@
               <a:defRPr/>
             </a:pPr>
             <a:r>
+              <a:rPr lang="de-DE" dirty="0" err="1"/>
+              <a:t>Monsoon</a:t>
+            </a:r>
+            <a:r>
               <a:rPr lang="de-DE" dirty="0"/>
-              <a:t>Masud et al. </a:t>
+              <a:t>: </a:t>
             </a:r>
             <a:r>
               <a:rPr lang="de-DE" dirty="0" err="1"/>
-              <a:t>Investigated</a:t>
+              <a:t>may</a:t>
             </a:r>
             <a:r>
               <a:rPr lang="de-DE" dirty="0"/>
@@ -10728,122 +10864,47 @@
             </a:r>
             <a:r>
               <a:rPr lang="de-DE" dirty="0" err="1"/>
-              <a:t>climate</a:t>
+              <a:t>to</a:t>
             </a:r>
             <a:r>
               <a:rPr lang="de-DE" dirty="0"/>
-              <a:t> in northern </a:t>
+              <a:t> </a:t>
             </a:r>
             <a:r>
               <a:rPr lang="de-DE" dirty="0" err="1"/>
-              <a:t>thailand</a:t>
+              <a:t>oct</a:t>
             </a:r>
             <a:r>
               <a:rPr lang="de-DE" dirty="0"/>
-              <a:t> -&gt; </a:t>
-            </a:r>
-            <a:r>
-              <a:rPr lang="de-DE" dirty="0">
-                <a:latin typeface="Cambria" panose="02040503050406030204" pitchFamily="18" charset="0"/>
-              </a:rPr>
-              <a:t>Trends: </a:t>
-            </a:r>
-            <a:r>
-              <a:rPr lang="de-DE" dirty="0" err="1">
-                <a:latin typeface="Cambria" panose="02040503050406030204" pitchFamily="18" charset="0"/>
-              </a:rPr>
-              <a:t>rising</a:t>
-            </a:r>
-            <a:r>
-              <a:rPr lang="de-DE" dirty="0">
-                <a:latin typeface="Cambria" panose="02040503050406030204" pitchFamily="18" charset="0"/>
-              </a:rPr>
-              <a:t> min and </a:t>
-            </a:r>
-            <a:r>
-              <a:rPr lang="de-DE" dirty="0" err="1">
-                <a:latin typeface="Cambria" panose="02040503050406030204" pitchFamily="18" charset="0"/>
-              </a:rPr>
-              <a:t>max</a:t>
-            </a:r>
-            <a:r>
-              <a:rPr lang="de-DE" dirty="0">
-                <a:latin typeface="Cambria" panose="02040503050406030204" pitchFamily="18" charset="0"/>
-              </a:rPr>
+              <a:t>, heavy </a:t>
+            </a:r>
+            <a:r>
+              <a:rPr lang="de-DE" dirty="0" err="1"/>
+              <a:t>rains</a:t>
+            </a:r>
+            <a:r>
+              <a:rPr lang="de-DE" dirty="0"/>
+              <a:t>, warm but </a:t>
+            </a:r>
+            <a:r>
+              <a:rPr lang="de-DE" dirty="0" err="1"/>
+              <a:t>decreasing</a:t>
+            </a:r>
+            <a:r>
+              <a:rPr lang="de-DE" dirty="0"/>
               <a:t> </a:t>
             </a:r>
             <a:r>
-              <a:rPr lang="de-DE" dirty="0" err="1">
-                <a:latin typeface="Cambria" panose="02040503050406030204" pitchFamily="18" charset="0"/>
-              </a:rPr>
+              <a:rPr lang="de-DE" dirty="0" err="1"/>
               <a:t>temperature</a:t>
             </a:r>
-            <a:r>
-              <a:rPr lang="de-DE" dirty="0">
-                <a:latin typeface="Cambria" panose="02040503050406030204" pitchFamily="18" charset="0"/>
-              </a:rPr>
-              <a:t> in northern </a:t>
-            </a:r>
-            <a:r>
-              <a:rPr lang="de-DE" dirty="0" err="1">
-                <a:latin typeface="Cambria" panose="02040503050406030204" pitchFamily="18" charset="0"/>
-              </a:rPr>
-              <a:t>thailand</a:t>
-            </a:r>
-            <a:r>
-              <a:rPr lang="de-DE" dirty="0">
-                <a:latin typeface="Cambria" panose="02040503050406030204" pitchFamily="18" charset="0"/>
-              </a:rPr>
-              <a:t>, </a:t>
-            </a:r>
-            <a:r>
-              <a:rPr lang="de-DE" dirty="0" err="1">
-                <a:latin typeface="Cambria" panose="02040503050406030204" pitchFamily="18" charset="0"/>
-              </a:rPr>
-              <a:t>no</a:t>
-            </a:r>
-            <a:r>
-              <a:rPr lang="de-DE" dirty="0">
-                <a:latin typeface="Cambria" panose="02040503050406030204" pitchFamily="18" charset="0"/>
-              </a:rPr>
-              <a:t> </a:t>
-            </a:r>
-            <a:r>
-              <a:rPr lang="de-DE" dirty="0" err="1">
-                <a:latin typeface="Cambria" panose="02040503050406030204" pitchFamily="18" charset="0"/>
-              </a:rPr>
-              <a:t>significant</a:t>
-            </a:r>
-            <a:r>
-              <a:rPr lang="de-DE" dirty="0">
-                <a:latin typeface="Cambria" panose="02040503050406030204" pitchFamily="18" charset="0"/>
-              </a:rPr>
-              <a:t> </a:t>
-            </a:r>
-            <a:r>
-              <a:rPr lang="de-DE" dirty="0" err="1">
-                <a:latin typeface="Cambria" panose="02040503050406030204" pitchFamily="18" charset="0"/>
-              </a:rPr>
-              <a:t>rise</a:t>
-            </a:r>
-            <a:r>
-              <a:rPr lang="de-DE" dirty="0">
-                <a:latin typeface="Cambria" panose="02040503050406030204" pitchFamily="18" charset="0"/>
-              </a:rPr>
-              <a:t> in </a:t>
-            </a:r>
-            <a:r>
-              <a:rPr lang="de-DE" dirty="0" err="1">
-                <a:latin typeface="Cambria" panose="02040503050406030204" pitchFamily="18" charset="0"/>
-              </a:rPr>
-              <a:t>max</a:t>
-            </a:r>
-            <a:r>
-              <a:rPr lang="de-DE" dirty="0">
-                <a:latin typeface="Cambria" panose="02040503050406030204" pitchFamily="18" charset="0"/>
-              </a:rPr>
-              <a:t> in spring</a:t>
-            </a:r>
+            <a:endParaRPr lang="de-DE" dirty="0"/>
+          </a:p>
+          <a:p>
+            <a:endParaRPr lang="de-DE" dirty="0"/>
+          </a:p>
+          <a:p>
+            <a:endParaRPr lang="de-DE" dirty="0"/>
           </a:p>
           <a:p>
             <a:endParaRPr lang="de-DE" dirty="0"/>
@@ -10876,7 +10937,7 @@
     </p:spTree>
     <p:extLst>
       <p:ext uri="{BB962C8B-B14F-4D97-AF65-F5344CB8AC3E}">
-        <p14:creationId xmlns:p14="http://schemas.microsoft.com/office/powerpoint/2010/main" val="2478302668"/>
+        <p14:creationId xmlns:p14="http://schemas.microsoft.com/office/powerpoint/2010/main" val="144792732"/>
       </p:ext>
     </p:extLst>
   </p:cSld>
@@ -10930,26 +10991,30 @@
           <a:bodyPr/>
           <a:lstStyle/>
           <a:p>
-            <a:endParaRPr lang="de-DE" dirty="0"/>
-          </a:p>
-          <a:p>
+            <a:pPr marL="0" marR="0" lvl="0" indent="0" algn="l" defTabSz="914400" rtl="0" eaLnBrk="1" fontAlgn="auto" latinLnBrk="0" hangingPunct="1">
+              <a:lnSpc>
+                <a:spcPct val="100000"/>
+              </a:lnSpc>
+              <a:spcBef>
+                <a:spcPts val="0"/>
+              </a:spcBef>
+              <a:spcAft>
+                <a:spcPts val="0"/>
+              </a:spcAft>
+              <a:buClrTx/>
+              <a:buSzTx/>
+              <a:buFontTx/>
+              <a:buNone/>
+              <a:tabLst/>
+              <a:defRPr/>
+            </a:pPr>
             <a:r>
               <a:rPr lang="de-DE" dirty="0"/>
-              <a:t>ERA5 Data: </a:t>
-            </a:r>
-          </a:p>
-          <a:p>
+              <a:t>Masud et al. </a:t>
+            </a:r>
             <a:r>
               <a:rPr lang="de-DE" dirty="0" err="1"/>
-              <a:t>measurements</a:t>
-            </a:r>
-            <a:r>
-              <a:rPr lang="de-DE" dirty="0"/>
-              <a:t>, </a:t>
-            </a:r>
-            <a:r>
-              <a:rPr lang="de-DE" dirty="0" err="1"/>
-              <a:t>reanalysis</a:t>
+              <a:t>Investigated</a:t>
             </a:r>
             <a:r>
               <a:rPr lang="de-DE" dirty="0"/>
@@ -10957,7 +11022,15 @@
             </a:r>
             <a:r>
               <a:rPr lang="de-DE" dirty="0" err="1"/>
-              <a:t>of</a:t>
+              <a:t>climate</a:t>
+            </a:r>
+            <a:r>
+              <a:rPr lang="de-DE" dirty="0"/>
+              <a:t> in </a:t>
+            </a:r>
+            <a:r>
+              <a:rPr lang="de-DE" b="1" dirty="0"/>
+              <a:t>northern</a:t>
             </a:r>
             <a:r>
               <a:rPr lang="de-DE" dirty="0"/>
@@ -10965,7 +11038,322 @@
             </a:r>
             <a:r>
               <a:rPr lang="de-DE" dirty="0" err="1"/>
-              <a:t>climate</a:t>
+              <a:t>thailand</a:t>
+            </a:r>
+            <a:r>
+              <a:rPr lang="de-DE" dirty="0"/>
+              <a:t> -&gt; </a:t>
+            </a:r>
+            <a:r>
+              <a:rPr lang="de-DE" dirty="0">
+                <a:latin typeface="Cambria" panose="02040503050406030204" pitchFamily="18" charset="0"/>
+              </a:rPr>
+              <a:t>Trends: </a:t>
+            </a:r>
+            <a:r>
+              <a:rPr lang="de-DE" dirty="0" err="1">
+                <a:latin typeface="Cambria" panose="02040503050406030204" pitchFamily="18" charset="0"/>
+              </a:rPr>
+              <a:t>rising</a:t>
+            </a:r>
+            <a:r>
+              <a:rPr lang="de-DE" dirty="0">
+                <a:latin typeface="Cambria" panose="02040503050406030204" pitchFamily="18" charset="0"/>
+              </a:rPr>
+              <a:t> min and </a:t>
+            </a:r>
+            <a:r>
+              <a:rPr lang="de-DE" dirty="0" err="1">
+                <a:latin typeface="Cambria" panose="02040503050406030204" pitchFamily="18" charset="0"/>
+              </a:rPr>
+              <a:t>max</a:t>
+            </a:r>
+            <a:r>
+              <a:rPr lang="de-DE" dirty="0">
+                <a:latin typeface="Cambria" panose="02040503050406030204" pitchFamily="18" charset="0"/>
+              </a:rPr>
+              <a:t> </a:t>
+            </a:r>
+            <a:r>
+              <a:rPr lang="de-DE" dirty="0" err="1">
+                <a:latin typeface="Cambria" panose="02040503050406030204" pitchFamily="18" charset="0"/>
+              </a:rPr>
+              <a:t>temperature</a:t>
+            </a:r>
+            <a:r>
+              <a:rPr lang="de-DE" dirty="0">
+                <a:latin typeface="Cambria" panose="02040503050406030204" pitchFamily="18" charset="0"/>
+              </a:rPr>
+              <a:t> in northern </a:t>
+            </a:r>
+            <a:r>
+              <a:rPr lang="de-DE" dirty="0" err="1">
+                <a:latin typeface="Cambria" panose="02040503050406030204" pitchFamily="18" charset="0"/>
+              </a:rPr>
+              <a:t>thailand</a:t>
+            </a:r>
+            <a:r>
+              <a:rPr lang="de-DE" dirty="0">
+                <a:latin typeface="Cambria" panose="02040503050406030204" pitchFamily="18" charset="0"/>
+              </a:rPr>
+              <a:t>, </a:t>
+            </a:r>
+            <a:r>
+              <a:rPr lang="de-DE" dirty="0" err="1">
+                <a:latin typeface="Cambria" panose="02040503050406030204" pitchFamily="18" charset="0"/>
+              </a:rPr>
+              <a:t>no</a:t>
+            </a:r>
+            <a:r>
+              <a:rPr lang="de-DE" dirty="0">
+                <a:latin typeface="Cambria" panose="02040503050406030204" pitchFamily="18" charset="0"/>
+              </a:rPr>
+              <a:t> </a:t>
+            </a:r>
+            <a:r>
+              <a:rPr lang="de-DE" dirty="0" err="1">
+                <a:latin typeface="Cambria" panose="02040503050406030204" pitchFamily="18" charset="0"/>
+              </a:rPr>
+              <a:t>significant</a:t>
+            </a:r>
+            <a:r>
+              <a:rPr lang="de-DE" dirty="0">
+                <a:latin typeface="Cambria" panose="02040503050406030204" pitchFamily="18" charset="0"/>
+              </a:rPr>
+              <a:t> </a:t>
+            </a:r>
+            <a:r>
+              <a:rPr lang="de-DE" dirty="0" err="1">
+                <a:latin typeface="Cambria" panose="02040503050406030204" pitchFamily="18" charset="0"/>
+              </a:rPr>
+              <a:t>rise</a:t>
+            </a:r>
+            <a:r>
+              <a:rPr lang="de-DE" dirty="0">
+                <a:latin typeface="Cambria" panose="02040503050406030204" pitchFamily="18" charset="0"/>
+              </a:rPr>
+              <a:t> in </a:t>
+            </a:r>
+            <a:r>
+              <a:rPr lang="de-DE" dirty="0" err="1">
+                <a:latin typeface="Cambria" panose="02040503050406030204" pitchFamily="18" charset="0"/>
+              </a:rPr>
+              <a:t>max</a:t>
+            </a:r>
+            <a:r>
+              <a:rPr lang="de-DE" dirty="0">
+                <a:latin typeface="Cambria" panose="02040503050406030204" pitchFamily="18" charset="0"/>
+              </a:rPr>
+              <a:t> in spring</a:t>
+            </a:r>
+          </a:p>
+          <a:p>
+            <a:pPr marL="0" marR="0" lvl="0" indent="0" algn="l" defTabSz="914400" rtl="0" eaLnBrk="1" fontAlgn="auto" latinLnBrk="0" hangingPunct="1">
+              <a:lnSpc>
+                <a:spcPct val="100000"/>
+              </a:lnSpc>
+              <a:spcBef>
+                <a:spcPts val="0"/>
+              </a:spcBef>
+              <a:spcAft>
+                <a:spcPts val="0"/>
+              </a:spcAft>
+              <a:buClrTx/>
+              <a:buSzTx/>
+              <a:buFontTx/>
+              <a:buNone/>
+              <a:tabLst/>
+              <a:defRPr/>
+            </a:pPr>
+            <a:r>
+              <a:rPr lang="de-DE" dirty="0" err="1">
+                <a:latin typeface="Cambria" panose="02040503050406030204" pitchFamily="18" charset="0"/>
+              </a:rPr>
+              <a:t>We</a:t>
+            </a:r>
+            <a:r>
+              <a:rPr lang="de-DE" dirty="0">
+                <a:latin typeface="Cambria" panose="02040503050406030204" pitchFamily="18" charset="0"/>
+              </a:rPr>
+              <a:t> </a:t>
+            </a:r>
+            <a:r>
+              <a:rPr lang="de-DE" dirty="0" err="1">
+                <a:latin typeface="Cambria" panose="02040503050406030204" pitchFamily="18" charset="0"/>
+              </a:rPr>
+              <a:t>look</a:t>
+            </a:r>
+            <a:r>
+              <a:rPr lang="de-DE" dirty="0">
+                <a:latin typeface="Cambria" panose="02040503050406030204" pitchFamily="18" charset="0"/>
+              </a:rPr>
+              <a:t> at </a:t>
+            </a:r>
+            <a:r>
+              <a:rPr lang="de-DE" dirty="0" err="1">
+                <a:latin typeface="Cambria" panose="02040503050406030204" pitchFamily="18" charset="0"/>
+              </a:rPr>
+              <a:t>the</a:t>
+            </a:r>
+            <a:r>
+              <a:rPr lang="de-DE" dirty="0">
+                <a:latin typeface="Cambria" panose="02040503050406030204" pitchFamily="18" charset="0"/>
+              </a:rPr>
+              <a:t> </a:t>
+            </a:r>
+            <a:r>
+              <a:rPr lang="de-DE" dirty="0" err="1">
+                <a:latin typeface="Cambria" panose="02040503050406030204" pitchFamily="18" charset="0"/>
+              </a:rPr>
+              <a:t>whole</a:t>
+            </a:r>
+            <a:r>
+              <a:rPr lang="de-DE" dirty="0">
+                <a:latin typeface="Cambria" panose="02040503050406030204" pitchFamily="18" charset="0"/>
+              </a:rPr>
+              <a:t> </a:t>
+            </a:r>
+            <a:r>
+              <a:rPr lang="de-DE" dirty="0" err="1">
+                <a:latin typeface="Cambria" panose="02040503050406030204" pitchFamily="18" charset="0"/>
+              </a:rPr>
+              <a:t>country</a:t>
+            </a:r>
+            <a:r>
+              <a:rPr lang="de-DE" dirty="0">
+                <a:latin typeface="Cambria" panose="02040503050406030204" pitchFamily="18" charset="0"/>
+              </a:rPr>
+              <a:t>: </a:t>
+            </a:r>
+            <a:r>
+              <a:rPr lang="de-DE" dirty="0" err="1">
+                <a:latin typeface="Cambria" panose="02040503050406030204" pitchFamily="18" charset="0"/>
+              </a:rPr>
+              <a:t>slightr</a:t>
+            </a:r>
+            <a:r>
+              <a:rPr lang="de-DE" dirty="0">
+                <a:latin typeface="Cambria" panose="02040503050406030204" pitchFamily="18" charset="0"/>
+              </a:rPr>
+              <a:t> </a:t>
+            </a:r>
+            <a:r>
+              <a:rPr lang="de-DE" dirty="0" err="1">
+                <a:latin typeface="Cambria" panose="02040503050406030204" pitchFamily="18" charset="0"/>
+              </a:rPr>
+              <a:t>riding</a:t>
+            </a:r>
+            <a:r>
+              <a:rPr lang="de-DE" dirty="0">
+                <a:latin typeface="Cambria" panose="02040503050406030204" pitchFamily="18" charset="0"/>
+              </a:rPr>
+              <a:t> </a:t>
+            </a:r>
+            <a:r>
+              <a:rPr lang="de-DE" dirty="0" err="1">
+                <a:latin typeface="Cambria" panose="02040503050406030204" pitchFamily="18" charset="0"/>
+              </a:rPr>
+              <a:t>trend</a:t>
+            </a:r>
+            <a:r>
+              <a:rPr lang="de-DE" dirty="0">
+                <a:latin typeface="Cambria" panose="02040503050406030204" pitchFamily="18" charset="0"/>
+              </a:rPr>
+              <a:t>, check </a:t>
+            </a:r>
+            <a:r>
+              <a:rPr lang="de-DE" dirty="0" err="1">
+                <a:latin typeface="Cambria" panose="02040503050406030204" pitchFamily="18" charset="0"/>
+              </a:rPr>
+              <a:t>significance</a:t>
+            </a:r>
+            <a:r>
+              <a:rPr lang="de-DE" dirty="0">
+                <a:latin typeface="Cambria" panose="02040503050406030204" pitchFamily="18" charset="0"/>
+              </a:rPr>
+              <a:t> </a:t>
+            </a:r>
+            <a:r>
+              <a:rPr lang="de-DE" dirty="0" err="1">
+                <a:latin typeface="Cambria" panose="02040503050406030204" pitchFamily="18" charset="0"/>
+              </a:rPr>
+              <a:t>for</a:t>
+            </a:r>
+            <a:r>
+              <a:rPr lang="de-DE" dirty="0">
+                <a:latin typeface="Cambria" panose="02040503050406030204" pitchFamily="18" charset="0"/>
+              </a:rPr>
+              <a:t> </a:t>
+            </a:r>
+            <a:r>
+              <a:rPr lang="de-DE" dirty="0" err="1">
+                <a:latin typeface="Cambria" panose="02040503050406030204" pitchFamily="18" charset="0"/>
+              </a:rPr>
+              <a:t>distinct</a:t>
+            </a:r>
+            <a:r>
+              <a:rPr lang="de-DE" dirty="0">
+                <a:latin typeface="Cambria" panose="02040503050406030204" pitchFamily="18" charset="0"/>
+              </a:rPr>
+              <a:t> </a:t>
+            </a:r>
+            <a:r>
+              <a:rPr lang="de-DE" dirty="0" err="1">
+                <a:latin typeface="Cambria" panose="02040503050406030204" pitchFamily="18" charset="0"/>
+              </a:rPr>
+              <a:t>seasons</a:t>
+            </a:r>
+            <a:r>
+              <a:rPr lang="de-DE" dirty="0">
+                <a:latin typeface="Cambria" panose="02040503050406030204" pitchFamily="18" charset="0"/>
+              </a:rPr>
+              <a:t> </a:t>
+            </a:r>
+          </a:p>
+          <a:p>
+            <a:pPr marL="0" marR="0" lvl="0" indent="0" algn="l" defTabSz="914400" rtl="0" eaLnBrk="1" fontAlgn="auto" latinLnBrk="0" hangingPunct="1">
+              <a:lnSpc>
+                <a:spcPct val="100000"/>
+              </a:lnSpc>
+              <a:spcBef>
+                <a:spcPts val="0"/>
+              </a:spcBef>
+              <a:spcAft>
+                <a:spcPts val="0"/>
+              </a:spcAft>
+              <a:buClrTx/>
+              <a:buSzTx/>
+              <a:buFontTx/>
+              <a:buNone/>
+              <a:tabLst/>
+              <a:defRPr/>
+            </a:pPr>
+            <a:endParaRPr lang="de-DE" dirty="0"/>
+          </a:p>
+          <a:p>
+            <a:r>
+              <a:rPr lang="de-DE" dirty="0"/>
+              <a:t>Minimum </a:t>
+            </a:r>
+            <a:r>
+              <a:rPr lang="de-DE" dirty="0" err="1"/>
+              <a:t>temperature</a:t>
+            </a:r>
+            <a:r>
+              <a:rPr lang="de-DE" dirty="0"/>
+              <a:t> in </a:t>
+            </a:r>
+            <a:r>
+              <a:rPr lang="de-DE" dirty="0" err="1"/>
+              <a:t>december</a:t>
+            </a:r>
+            <a:r>
+              <a:rPr lang="de-DE" dirty="0"/>
+              <a:t> 2013 -&gt; </a:t>
+            </a:r>
+            <a:r>
+              <a:rPr lang="de-DE" dirty="0" err="1"/>
+              <a:t>thailand</a:t>
             </a:r>
             <a:r>
               <a:rPr lang="de-DE" dirty="0"/>
@@ -10973,7 +11361,37 @@
             </a:r>
             <a:r>
               <a:rPr lang="de-DE" dirty="0" err="1"/>
-              <a:t>data</a:t>
+              <a:t>mean</a:t>
+            </a:r>
+            <a:r>
+              <a:rPr lang="de-DE" dirty="0"/>
+              <a:t> = 22 °C</a:t>
+            </a:r>
+          </a:p>
+          <a:p>
+            <a:r>
+              <a:rPr lang="de-DE" dirty="0"/>
+              <a:t>Maximum </a:t>
+            </a:r>
+            <a:r>
+              <a:rPr lang="de-DE" dirty="0" err="1"/>
+              <a:t>temperature</a:t>
+            </a:r>
+            <a:r>
+              <a:rPr lang="de-DE" dirty="0"/>
+              <a:t> in </a:t>
+            </a:r>
+            <a:r>
+              <a:rPr lang="de-DE" dirty="0" err="1"/>
+              <a:t>april</a:t>
+            </a:r>
+            <a:r>
+              <a:rPr lang="de-DE" dirty="0"/>
+              <a:t> 2016 -&gt; </a:t>
+            </a:r>
+            <a:r>
+              <a:rPr lang="de-DE" dirty="0" err="1"/>
+              <a:t>thailand</a:t>
             </a:r>
             <a:r>
               <a:rPr lang="de-DE" dirty="0"/>
@@ -10981,23 +11399,40 @@
             </a:r>
             <a:r>
               <a:rPr lang="de-DE" dirty="0" err="1"/>
-              <a:t>since</a:t>
+              <a:t>mean</a:t>
             </a:r>
             <a:r>
               <a:rPr lang="de-DE" dirty="0"/>
-              <a:t> 1959 (</a:t>
+              <a:t> = 31 °C</a:t>
+            </a:r>
+          </a:p>
+          <a:p>
+            <a:endParaRPr lang="de-DE" dirty="0"/>
+          </a:p>
+          <a:p>
+            <a:r>
+              <a:rPr lang="de-DE" dirty="0"/>
+              <a:t>Every 5-6 </a:t>
             </a:r>
             <a:r>
               <a:rPr lang="de-DE" dirty="0" err="1"/>
-              <a:t>hourly</a:t>
+              <a:t>years</a:t>
             </a:r>
             <a:r>
               <a:rPr lang="de-DE" dirty="0"/>
-              <a:t>, 0,25°x 0,25° </a:t>
+              <a:t> an extreme </a:t>
             </a:r>
             <a:r>
               <a:rPr lang="de-DE" dirty="0" err="1"/>
-              <a:t>spatial</a:t>
+              <a:t>low</a:t>
+            </a:r>
+            <a:r>
+              <a:rPr lang="de-DE" dirty="0"/>
+              <a:t>/ high </a:t>
+            </a:r>
+            <a:r>
+              <a:rPr lang="de-DE" dirty="0" err="1"/>
+              <a:t>temperature</a:t>
             </a:r>
             <a:r>
               <a:rPr lang="de-DE" dirty="0"/>
@@ -11005,15 +11440,7 @@
             </a:r>
             <a:r>
               <a:rPr lang="de-DE" dirty="0" err="1"/>
-              <a:t>resolution</a:t>
-            </a:r>
-            <a:r>
-              <a:rPr lang="de-DE" dirty="0"/>
-              <a:t>, 137 </a:t>
-            </a:r>
-            <a:r>
-              <a:rPr lang="de-DE" dirty="0" err="1"/>
-              <a:t>altitude</a:t>
+              <a:t>is</a:t>
             </a:r>
             <a:r>
               <a:rPr lang="de-DE" dirty="0"/>
@@ -11021,17 +11448,15 @@
             </a:r>
             <a:r>
               <a:rPr lang="de-DE" dirty="0" err="1"/>
-              <a:t>levels</a:t>
+              <a:t>hit</a:t>
             </a:r>
             <a:r>
               <a:rPr lang="de-DE" dirty="0"/>
-              <a:t> (max. 80 km)</a:t>
-            </a:r>
-          </a:p>
-          <a:p>
+              <a:t> -&gt; </a:t>
+            </a:r>
             <a:r>
               <a:rPr lang="de-DE" dirty="0" err="1"/>
-              <a:t>Extraction</a:t>
+              <a:t>interesting</a:t>
             </a:r>
             <a:r>
               <a:rPr lang="de-DE" dirty="0"/>
@@ -11039,7 +11464,7 @@
             </a:r>
             <a:r>
               <a:rPr lang="de-DE" dirty="0" err="1"/>
-              <a:t>of</a:t>
+              <a:t>to</a:t>
             </a:r>
             <a:r>
               <a:rPr lang="de-DE" dirty="0"/>
@@ -11047,15 +11472,7 @@
             </a:r>
             <a:r>
               <a:rPr lang="de-DE" dirty="0" err="1"/>
-              <a:t>monthly</a:t>
-            </a:r>
-            <a:r>
-              <a:rPr lang="de-DE" dirty="0"/>
-              <a:t> 2m </a:t>
-            </a:r>
-            <a:r>
-              <a:rPr lang="de-DE" dirty="0" err="1"/>
-              <a:t>temperature</a:t>
+              <a:t>investigate</a:t>
             </a:r>
             <a:r>
               <a:rPr lang="de-DE" dirty="0"/>
@@ -11063,7 +11480,7 @@
             </a:r>
             <a:r>
               <a:rPr lang="de-DE" dirty="0" err="1"/>
-              <a:t>data</a:t>
+              <a:t>if</a:t>
             </a:r>
             <a:r>
               <a:rPr lang="de-DE" dirty="0"/>
@@ -11071,20 +11488,43 @@
             </a:r>
             <a:r>
               <a:rPr lang="de-DE" dirty="0" err="1"/>
-              <a:t>from</a:t>
+              <a:t>there</a:t>
             </a:r>
             <a:r>
               <a:rPr lang="de-DE" dirty="0"/>
-              <a:t> 2006 – 2022</a:t>
-            </a:r>
-          </a:p>
-          <a:p>
-            <a:endParaRPr lang="de-DE" dirty="0"/>
-          </a:p>
-          <a:p>
+              <a:t> </a:t>
+            </a:r>
+            <a:r>
+              <a:rPr lang="de-DE" dirty="0" err="1"/>
+              <a:t>is</a:t>
+            </a:r>
             <a:r>
               <a:rPr lang="de-DE" dirty="0"/>
-              <a:t>Dengue </a:t>
+              <a:t> </a:t>
+            </a:r>
+            <a:r>
+              <a:rPr lang="de-DE" dirty="0" err="1"/>
+              <a:t>correlation</a:t>
+            </a:r>
+            <a:r>
+              <a:rPr lang="de-DE" dirty="0"/>
+              <a:t> </a:t>
+            </a:r>
+            <a:r>
+              <a:rPr lang="de-DE" dirty="0" err="1"/>
+              <a:t>to</a:t>
+            </a:r>
+            <a:r>
+              <a:rPr lang="de-DE" dirty="0"/>
+              <a:t> </a:t>
+            </a:r>
+            <a:r>
+              <a:rPr lang="de-DE" dirty="0" err="1"/>
+              <a:t>dengue</a:t>
+            </a:r>
+            <a:r>
+              <a:rPr lang="de-DE" dirty="0"/>
+              <a:t> </a:t>
             </a:r>
             <a:r>
               <a:rPr lang="de-DE" dirty="0" err="1"/>
@@ -11092,67 +11532,7 @@
             </a:r>
             <a:r>
               <a:rPr lang="de-DE" dirty="0"/>
-              <a:t>:</a:t>
-            </a:r>
-          </a:p>
-          <a:p>
-            <a:r>
-              <a:rPr lang="de-DE" dirty="0"/>
-              <a:t>Dengue </a:t>
-            </a:r>
-            <a:r>
-              <a:rPr lang="de-DE" dirty="0" err="1"/>
-              <a:t>hemmorhagic</a:t>
-            </a:r>
-            <a:r>
-              <a:rPr lang="de-DE" dirty="0"/>
               <a:t> </a:t>
-            </a:r>
-            <a:r>
-              <a:rPr lang="de-DE" dirty="0" err="1"/>
-              <a:t>fever</a:t>
-            </a:r>
-            <a:r>
-              <a:rPr lang="de-DE" dirty="0"/>
-              <a:t> </a:t>
-            </a:r>
-          </a:p>
-          <a:p>
-            <a:r>
-              <a:rPr lang="de-DE" dirty="0"/>
-              <a:t>Monthly </a:t>
-            </a:r>
-            <a:r>
-              <a:rPr lang="de-DE" dirty="0" err="1"/>
-              <a:t>infections</a:t>
-            </a:r>
-            <a:r>
-              <a:rPr lang="de-DE" dirty="0"/>
-              <a:t> in </a:t>
-            </a:r>
-            <a:r>
-              <a:rPr lang="de-DE" dirty="0" err="1"/>
-              <a:t>every</a:t>
-            </a:r>
-            <a:r>
-              <a:rPr lang="de-DE" dirty="0"/>
-              <a:t> </a:t>
-            </a:r>
-            <a:r>
-              <a:rPr lang="de-DE" dirty="0" err="1"/>
-              <a:t>thailand</a:t>
-            </a:r>
-            <a:r>
-              <a:rPr lang="de-DE" dirty="0"/>
-              <a:t> </a:t>
-            </a:r>
-            <a:r>
-              <a:rPr lang="de-DE" dirty="0" err="1"/>
-              <a:t>province</a:t>
-            </a:r>
-            <a:r>
-              <a:rPr lang="de-DE" dirty="0"/>
-              <a:t> (77)</a:t>
             </a:r>
           </a:p>
           <a:p>
@@ -11177,7 +11557,788 @@
           <a:p>
             <a:fld id="{C32FFBED-32DA-134C-988D-9B5AF231614C}" type="slidenum">
               <a:rPr lang="de-DE" smtClean="0"/>
+              <a:t>4</a:t>
+            </a:fld>
+            <a:endParaRPr lang="de-DE"/>
+          </a:p>
+        </p:txBody>
+      </p:sp>
+    </p:spTree>
+    <p:extLst>
+      <p:ext uri="{BB962C8B-B14F-4D97-AF65-F5344CB8AC3E}">
+        <p14:creationId xmlns:p14="http://schemas.microsoft.com/office/powerpoint/2010/main" val="2478302668"/>
+      </p:ext>
+    </p:extLst>
+  </p:cSld>
+  <p:clrMapOvr>
+    <a:masterClrMapping/>
+  </p:clrMapOvr>
+</p:notes>
+</file>
+
+<file path=ppt/notesSlides/notesSlide3.xml><?xml version="1.0" encoding="utf-8"?>
+<p:notes xmlns:a="http://schemas.openxmlformats.org/drawingml/2006/main" xmlns:r="http://schemas.openxmlformats.org/officeDocument/2006/relationships" xmlns:p="http://schemas.openxmlformats.org/presentationml/2006/main">
+  <p:cSld>
+    <p:spTree>
+      <p:nvGrpSpPr>
+        <p:cNvPr id="1" name=""/>
+        <p:cNvGrpSpPr/>
+        <p:nvPr/>
+      </p:nvGrpSpPr>
+      <p:grpSpPr>
+        <a:xfrm>
+          <a:off x="0" y="0"/>
+          <a:ext cx="0" cy="0"/>
+          <a:chOff x="0" y="0"/>
+          <a:chExt cx="0" cy="0"/>
+        </a:xfrm>
+      </p:grpSpPr>
+      <p:sp>
+        <p:nvSpPr>
+          <p:cNvPr id="2" name="Folienbildplatzhalter 1"/>
+          <p:cNvSpPr>
+            <a:spLocks noGrp="1" noRot="1" noChangeAspect="1"/>
+          </p:cNvSpPr>
+          <p:nvPr>
+            <p:ph type="sldImg"/>
+          </p:nvPr>
+        </p:nvSpPr>
+        <p:spPr/>
+      </p:sp>
+      <p:sp>
+        <p:nvSpPr>
+          <p:cNvPr id="3" name="Notizenplatzhalter 2"/>
+          <p:cNvSpPr>
+            <a:spLocks noGrp="1"/>
+          </p:cNvSpPr>
+          <p:nvPr>
+            <p:ph type="body" idx="1"/>
+          </p:nvPr>
+        </p:nvSpPr>
+        <p:spPr/>
+        <p:txBody>
+          <a:bodyPr/>
+          <a:lstStyle/>
+          <a:p>
+            <a:r>
+              <a:rPr lang="de-DE" dirty="0"/>
+              <a:t>Dengue </a:t>
+            </a:r>
+            <a:r>
+              <a:rPr lang="de-DE" dirty="0" err="1"/>
+              <a:t>fever</a:t>
+            </a:r>
+            <a:r>
+              <a:rPr lang="de-DE" dirty="0"/>
+              <a:t> </a:t>
+            </a:r>
+            <a:r>
+              <a:rPr lang="de-DE" dirty="0" err="1"/>
+              <a:t>is</a:t>
+            </a:r>
+            <a:r>
+              <a:rPr lang="de-DE" dirty="0"/>
+              <a:t> </a:t>
+            </a:r>
+            <a:r>
+              <a:rPr lang="de-DE" dirty="0" err="1"/>
+              <a:t>caused</a:t>
+            </a:r>
+            <a:r>
+              <a:rPr lang="de-DE" dirty="0"/>
+              <a:t> </a:t>
+            </a:r>
+            <a:r>
+              <a:rPr lang="de-DE" dirty="0" err="1"/>
+              <a:t>by</a:t>
+            </a:r>
+            <a:r>
+              <a:rPr lang="de-DE" dirty="0"/>
+              <a:t> </a:t>
+            </a:r>
+            <a:r>
+              <a:rPr lang="de-DE" dirty="0" err="1"/>
+              <a:t>dengue</a:t>
+            </a:r>
+            <a:r>
+              <a:rPr lang="de-DE" dirty="0"/>
+              <a:t> </a:t>
+            </a:r>
+            <a:r>
+              <a:rPr lang="de-DE" dirty="0" err="1"/>
+              <a:t>virus</a:t>
+            </a:r>
+            <a:r>
+              <a:rPr lang="de-DE" dirty="0"/>
+              <a:t> (</a:t>
+            </a:r>
+            <a:r>
+              <a:rPr lang="de-DE" dirty="0" err="1"/>
+              <a:t>four</a:t>
+            </a:r>
+            <a:r>
+              <a:rPr lang="de-DE" dirty="0"/>
+              <a:t> </a:t>
+            </a:r>
+            <a:r>
+              <a:rPr lang="de-DE" dirty="0" err="1"/>
+              <a:t>serotypes</a:t>
+            </a:r>
+            <a:r>
+              <a:rPr lang="de-DE" dirty="0"/>
+              <a:t>)</a:t>
+            </a:r>
+          </a:p>
+          <a:p>
+            <a:r>
+              <a:rPr lang="de-DE" dirty="0"/>
+              <a:t>Vector </a:t>
+            </a:r>
+            <a:r>
+              <a:rPr lang="de-DE" dirty="0" err="1"/>
+              <a:t>borne</a:t>
+            </a:r>
+            <a:r>
+              <a:rPr lang="de-DE" dirty="0"/>
+              <a:t> -&gt; </a:t>
+            </a:r>
+            <a:r>
+              <a:rPr lang="de-DE" dirty="0" err="1"/>
+              <a:t>transmitted</a:t>
+            </a:r>
+            <a:r>
+              <a:rPr lang="de-DE" dirty="0"/>
+              <a:t> </a:t>
+            </a:r>
+            <a:r>
+              <a:rPr lang="de-DE" dirty="0" err="1"/>
+              <a:t>by</a:t>
+            </a:r>
+            <a:r>
+              <a:rPr lang="de-DE" dirty="0"/>
+              <a:t> </a:t>
+            </a:r>
+            <a:r>
+              <a:rPr lang="de-DE" dirty="0" err="1"/>
+              <a:t>aedes</a:t>
+            </a:r>
+            <a:r>
+              <a:rPr lang="de-DE" dirty="0"/>
+              <a:t> </a:t>
+            </a:r>
+            <a:r>
+              <a:rPr lang="de-DE" dirty="0" err="1"/>
+              <a:t>mosquitoes</a:t>
+            </a:r>
+            <a:r>
+              <a:rPr lang="de-DE" dirty="0"/>
+              <a:t>, </a:t>
+            </a:r>
+            <a:r>
+              <a:rPr lang="de-DE" dirty="0" err="1"/>
+              <a:t>two</a:t>
+            </a:r>
+            <a:r>
+              <a:rPr lang="de-DE" dirty="0"/>
+              <a:t> </a:t>
+            </a:r>
+            <a:r>
+              <a:rPr lang="de-DE" dirty="0" err="1"/>
+              <a:t>types</a:t>
+            </a:r>
+            <a:r>
+              <a:rPr lang="de-DE" dirty="0"/>
+              <a:t> not </a:t>
+            </a:r>
+            <a:r>
+              <a:rPr lang="de-DE" dirty="0" err="1"/>
+              <a:t>distinguished</a:t>
+            </a:r>
+            <a:r>
+              <a:rPr lang="de-DE" dirty="0"/>
+              <a:t> in </a:t>
+            </a:r>
+            <a:r>
+              <a:rPr lang="de-DE" dirty="0" err="1"/>
+              <a:t>our</a:t>
+            </a:r>
+            <a:r>
+              <a:rPr lang="de-DE" dirty="0"/>
+              <a:t> </a:t>
+            </a:r>
+            <a:r>
+              <a:rPr lang="de-DE" dirty="0" err="1"/>
+              <a:t>study</a:t>
+            </a:r>
+            <a:r>
+              <a:rPr lang="de-DE" dirty="0"/>
+              <a:t> </a:t>
+            </a:r>
+          </a:p>
+          <a:p>
+            <a:endParaRPr lang="de-DE" dirty="0"/>
+          </a:p>
+          <a:p>
+            <a:r>
+              <a:rPr lang="de-DE" dirty="0"/>
+              <a:t>Dengue </a:t>
+            </a:r>
+            <a:r>
+              <a:rPr lang="de-DE" dirty="0" err="1"/>
+              <a:t>hemmorhagic</a:t>
+            </a:r>
+            <a:r>
+              <a:rPr lang="de-DE" dirty="0"/>
+              <a:t> </a:t>
+            </a:r>
+            <a:r>
+              <a:rPr lang="de-DE" dirty="0" err="1"/>
+              <a:t>fever</a:t>
+            </a:r>
+            <a:r>
+              <a:rPr lang="de-DE" dirty="0"/>
+              <a:t> </a:t>
+            </a:r>
+            <a:r>
+              <a:rPr lang="de-DE" dirty="0" err="1"/>
+              <a:t>is</a:t>
+            </a:r>
+            <a:r>
+              <a:rPr lang="de-DE" dirty="0"/>
+              <a:t> </a:t>
+            </a:r>
+            <a:r>
+              <a:rPr lang="de-DE" dirty="0" err="1"/>
+              <a:t>characterized</a:t>
+            </a:r>
+            <a:r>
+              <a:rPr lang="de-DE" dirty="0"/>
+              <a:t> </a:t>
+            </a:r>
+            <a:r>
+              <a:rPr lang="de-DE" dirty="0" err="1"/>
+              <a:t>by</a:t>
+            </a:r>
+            <a:r>
+              <a:rPr lang="de-DE" dirty="0"/>
+              <a:t> </a:t>
+            </a:r>
+            <a:r>
+              <a:rPr lang="de-DE" dirty="0" err="1"/>
+              <a:t>fever</a:t>
+            </a:r>
+            <a:r>
+              <a:rPr lang="de-DE" dirty="0"/>
+              <a:t>, </a:t>
+            </a:r>
+            <a:r>
+              <a:rPr lang="de-DE" dirty="0" err="1"/>
+              <a:t>headache</a:t>
+            </a:r>
+            <a:r>
+              <a:rPr lang="de-DE" dirty="0"/>
+              <a:t>, </a:t>
+            </a:r>
+            <a:r>
+              <a:rPr lang="de-DE" dirty="0" err="1"/>
+              <a:t>bleeding</a:t>
+            </a:r>
+            <a:r>
+              <a:rPr lang="de-DE" dirty="0"/>
+              <a:t>/ </a:t>
+            </a:r>
+            <a:r>
+              <a:rPr lang="de-DE" dirty="0" err="1"/>
+              <a:t>bruising</a:t>
+            </a:r>
+            <a:r>
+              <a:rPr lang="de-DE" dirty="0"/>
+              <a:t>, </a:t>
+            </a:r>
+            <a:r>
+              <a:rPr lang="de-DE" dirty="0" err="1"/>
+              <a:t>joint</a:t>
+            </a:r>
+            <a:r>
+              <a:rPr lang="de-DE" dirty="0"/>
+              <a:t>/ </a:t>
+            </a:r>
+            <a:r>
+              <a:rPr lang="de-DE" dirty="0" err="1"/>
+              <a:t>muscle</a:t>
+            </a:r>
+            <a:r>
+              <a:rPr lang="de-DE" dirty="0"/>
+              <a:t> </a:t>
+            </a:r>
+            <a:r>
+              <a:rPr lang="de-DE" dirty="0" err="1"/>
+              <a:t>pain</a:t>
+            </a:r>
+            <a:r>
+              <a:rPr lang="de-DE" dirty="0"/>
+              <a:t> </a:t>
+            </a:r>
+          </a:p>
+          <a:p>
+            <a:endParaRPr lang="de-DE" dirty="0"/>
+          </a:p>
+          <a:p>
+            <a:r>
+              <a:rPr lang="de-DE" dirty="0"/>
+              <a:t>WHO: 100 – 400 </a:t>
+            </a:r>
+            <a:r>
+              <a:rPr lang="de-DE" dirty="0" err="1"/>
+              <a:t>milllion</a:t>
+            </a:r>
+            <a:r>
+              <a:rPr lang="de-DE" dirty="0"/>
+              <a:t> </a:t>
+            </a:r>
+            <a:r>
+              <a:rPr lang="de-DE" dirty="0" err="1"/>
+              <a:t>infections</a:t>
+            </a:r>
+            <a:r>
+              <a:rPr lang="de-DE" dirty="0"/>
+              <a:t> </a:t>
+            </a:r>
+            <a:r>
+              <a:rPr lang="de-DE" dirty="0" err="1"/>
+              <a:t>worldwide</a:t>
+            </a:r>
+            <a:r>
+              <a:rPr lang="de-DE" dirty="0"/>
+              <a:t> / </a:t>
+            </a:r>
+            <a:r>
+              <a:rPr lang="de-DE" dirty="0" err="1"/>
+              <a:t>year</a:t>
+            </a:r>
+            <a:r>
+              <a:rPr lang="de-DE" dirty="0"/>
+              <a:t> (</a:t>
+            </a:r>
+            <a:r>
+              <a:rPr lang="de-DE" dirty="0" err="1"/>
+              <a:t>asia</a:t>
+            </a:r>
+            <a:r>
+              <a:rPr lang="de-DE" dirty="0"/>
+              <a:t>, </a:t>
+            </a:r>
+            <a:r>
+              <a:rPr lang="de-DE" dirty="0" err="1"/>
+              <a:t>africa</a:t>
+            </a:r>
+            <a:r>
+              <a:rPr lang="de-DE" dirty="0"/>
+              <a:t>, </a:t>
+            </a:r>
+            <a:r>
+              <a:rPr lang="de-DE" dirty="0" err="1"/>
+              <a:t>america</a:t>
+            </a:r>
+            <a:r>
+              <a:rPr lang="de-DE" dirty="0"/>
+              <a:t>) </a:t>
+            </a:r>
+          </a:p>
+          <a:p>
+            <a:r>
+              <a:rPr lang="de-DE" dirty="0" err="1"/>
+              <a:t>No</a:t>
+            </a:r>
+            <a:r>
+              <a:rPr lang="de-DE" dirty="0"/>
+              <a:t> </a:t>
+            </a:r>
+            <a:r>
+              <a:rPr lang="de-DE" dirty="0" err="1"/>
+              <a:t>specific</a:t>
+            </a:r>
+            <a:r>
+              <a:rPr lang="de-DE" dirty="0"/>
+              <a:t> </a:t>
+            </a:r>
+            <a:r>
+              <a:rPr lang="de-DE" dirty="0" err="1"/>
+              <a:t>treatment</a:t>
+            </a:r>
+            <a:r>
+              <a:rPr lang="de-DE" dirty="0"/>
+              <a:t> -&gt; </a:t>
+            </a:r>
+            <a:r>
+              <a:rPr lang="de-DE" dirty="0" err="1"/>
+              <a:t>major</a:t>
+            </a:r>
+            <a:r>
+              <a:rPr lang="de-DE" dirty="0"/>
+              <a:t> </a:t>
+            </a:r>
+            <a:r>
+              <a:rPr lang="de-DE" dirty="0" err="1"/>
+              <a:t>public</a:t>
+            </a:r>
+            <a:r>
+              <a:rPr lang="de-DE" dirty="0"/>
+              <a:t> </a:t>
+            </a:r>
+            <a:r>
+              <a:rPr lang="de-DE" dirty="0" err="1"/>
+              <a:t>health</a:t>
+            </a:r>
+            <a:r>
+              <a:rPr lang="de-DE" dirty="0"/>
+              <a:t> </a:t>
+            </a:r>
+            <a:r>
+              <a:rPr lang="de-DE" dirty="0" err="1"/>
+              <a:t>issue</a:t>
+            </a:r>
+            <a:r>
+              <a:rPr lang="de-DE" dirty="0"/>
+              <a:t> </a:t>
+            </a:r>
+          </a:p>
+          <a:p>
+            <a:endParaRPr lang="de-DE" dirty="0"/>
+          </a:p>
+          <a:p>
+            <a:endParaRPr lang="de-DE" dirty="0"/>
+          </a:p>
+        </p:txBody>
+      </p:sp>
+      <p:sp>
+        <p:nvSpPr>
+          <p:cNvPr id="4" name="Foliennummernplatzhalter 3"/>
+          <p:cNvSpPr>
+            <a:spLocks noGrp="1"/>
+          </p:cNvSpPr>
+          <p:nvPr>
+            <p:ph type="sldNum" sz="quarter" idx="5"/>
+          </p:nvPr>
+        </p:nvSpPr>
+        <p:spPr/>
+        <p:txBody>
+          <a:bodyPr/>
+          <a:lstStyle/>
+          <a:p>
+            <a:fld id="{C32FFBED-32DA-134C-988D-9B5AF231614C}" type="slidenum">
+              <a:rPr lang="de-DE" smtClean="0"/>
               <a:t>5</a:t>
+            </a:fld>
+            <a:endParaRPr lang="de-DE"/>
+          </a:p>
+        </p:txBody>
+      </p:sp>
+    </p:spTree>
+    <p:extLst>
+      <p:ext uri="{BB962C8B-B14F-4D97-AF65-F5344CB8AC3E}">
+        <p14:creationId xmlns:p14="http://schemas.microsoft.com/office/powerpoint/2010/main" val="4039982922"/>
+      </p:ext>
+    </p:extLst>
+  </p:cSld>
+  <p:clrMapOvr>
+    <a:masterClrMapping/>
+  </p:clrMapOvr>
+</p:notes>
+</file>
+
+<file path=ppt/notesSlides/notesSlide4.xml><?xml version="1.0" encoding="utf-8"?>
+<p:notes xmlns:a="http://schemas.openxmlformats.org/drawingml/2006/main" xmlns:r="http://schemas.openxmlformats.org/officeDocument/2006/relationships" xmlns:p="http://schemas.openxmlformats.org/presentationml/2006/main">
+  <p:cSld>
+    <p:spTree>
+      <p:nvGrpSpPr>
+        <p:cNvPr id="1" name=""/>
+        <p:cNvGrpSpPr/>
+        <p:nvPr/>
+      </p:nvGrpSpPr>
+      <p:grpSpPr>
+        <a:xfrm>
+          <a:off x="0" y="0"/>
+          <a:ext cx="0" cy="0"/>
+          <a:chOff x="0" y="0"/>
+          <a:chExt cx="0" cy="0"/>
+        </a:xfrm>
+      </p:grpSpPr>
+      <p:sp>
+        <p:nvSpPr>
+          <p:cNvPr id="2" name="Folienbildplatzhalter 1"/>
+          <p:cNvSpPr>
+            <a:spLocks noGrp="1" noRot="1" noChangeAspect="1"/>
+          </p:cNvSpPr>
+          <p:nvPr>
+            <p:ph type="sldImg"/>
+          </p:nvPr>
+        </p:nvSpPr>
+        <p:spPr/>
+      </p:sp>
+      <p:sp>
+        <p:nvSpPr>
+          <p:cNvPr id="3" name="Notizenplatzhalter 2"/>
+          <p:cNvSpPr>
+            <a:spLocks noGrp="1"/>
+          </p:cNvSpPr>
+          <p:nvPr>
+            <p:ph type="body" idx="1"/>
+          </p:nvPr>
+        </p:nvSpPr>
+        <p:spPr/>
+        <p:txBody>
+          <a:bodyPr/>
+          <a:lstStyle/>
+          <a:p>
+            <a:endParaRPr lang="de-DE" dirty="0"/>
+          </a:p>
+          <a:p>
+            <a:r>
+              <a:rPr lang="de-DE" dirty="0"/>
+              <a:t>ERA5 Data: </a:t>
+            </a:r>
+          </a:p>
+          <a:p>
+            <a:r>
+              <a:rPr lang="de-DE" dirty="0" err="1"/>
+              <a:t>measurements</a:t>
+            </a:r>
+            <a:r>
+              <a:rPr lang="de-DE" dirty="0"/>
+              <a:t>, </a:t>
+            </a:r>
+            <a:r>
+              <a:rPr lang="de-DE" dirty="0" err="1"/>
+              <a:t>reanalysis</a:t>
+            </a:r>
+            <a:r>
+              <a:rPr lang="de-DE" dirty="0"/>
+              <a:t> </a:t>
+            </a:r>
+            <a:r>
+              <a:rPr lang="de-DE" dirty="0" err="1"/>
+              <a:t>of</a:t>
+            </a:r>
+            <a:r>
+              <a:rPr lang="de-DE" dirty="0"/>
+              <a:t> </a:t>
+            </a:r>
+            <a:r>
+              <a:rPr lang="de-DE" dirty="0" err="1"/>
+              <a:t>climate</a:t>
+            </a:r>
+            <a:r>
+              <a:rPr lang="de-DE" dirty="0"/>
+              <a:t> </a:t>
+            </a:r>
+            <a:r>
+              <a:rPr lang="de-DE" dirty="0" err="1"/>
+              <a:t>data</a:t>
+            </a:r>
+            <a:r>
+              <a:rPr lang="de-DE" dirty="0"/>
+              <a:t> </a:t>
+            </a:r>
+            <a:r>
+              <a:rPr lang="de-DE" dirty="0" err="1"/>
+              <a:t>since</a:t>
+            </a:r>
+            <a:r>
+              <a:rPr lang="de-DE" dirty="0"/>
+              <a:t> 1959 (</a:t>
+            </a:r>
+            <a:r>
+              <a:rPr lang="de-DE" dirty="0" err="1"/>
+              <a:t>hourly</a:t>
+            </a:r>
+            <a:r>
+              <a:rPr lang="de-DE" dirty="0"/>
+              <a:t>, 0,25°x 0,25° </a:t>
+            </a:r>
+            <a:r>
+              <a:rPr lang="de-DE" dirty="0" err="1"/>
+              <a:t>spatial</a:t>
+            </a:r>
+            <a:r>
+              <a:rPr lang="de-DE" dirty="0"/>
+              <a:t> </a:t>
+            </a:r>
+            <a:r>
+              <a:rPr lang="de-DE" dirty="0" err="1"/>
+              <a:t>resolution</a:t>
+            </a:r>
+            <a:r>
+              <a:rPr lang="de-DE" dirty="0"/>
+              <a:t>, 137 </a:t>
+            </a:r>
+            <a:r>
+              <a:rPr lang="de-DE" dirty="0" err="1"/>
+              <a:t>altitude</a:t>
+            </a:r>
+            <a:r>
+              <a:rPr lang="de-DE" dirty="0"/>
+              <a:t> </a:t>
+            </a:r>
+            <a:r>
+              <a:rPr lang="de-DE" dirty="0" err="1"/>
+              <a:t>levels</a:t>
+            </a:r>
+            <a:r>
+              <a:rPr lang="de-DE" dirty="0"/>
+              <a:t> (max. 80 km)</a:t>
+            </a:r>
+          </a:p>
+          <a:p>
+            <a:r>
+              <a:rPr lang="de-DE" dirty="0" err="1"/>
+              <a:t>Extraction</a:t>
+            </a:r>
+            <a:r>
+              <a:rPr lang="de-DE" dirty="0"/>
+              <a:t> </a:t>
+            </a:r>
+            <a:r>
+              <a:rPr lang="de-DE" dirty="0" err="1"/>
+              <a:t>of</a:t>
+            </a:r>
+            <a:r>
+              <a:rPr lang="de-DE" dirty="0"/>
+              <a:t> </a:t>
+            </a:r>
+            <a:r>
+              <a:rPr lang="de-DE" dirty="0" err="1"/>
+              <a:t>monthly</a:t>
+            </a:r>
+            <a:r>
+              <a:rPr lang="de-DE" dirty="0"/>
+              <a:t> 2m </a:t>
+            </a:r>
+            <a:r>
+              <a:rPr lang="de-DE" dirty="0" err="1"/>
+              <a:t>temperature</a:t>
+            </a:r>
+            <a:r>
+              <a:rPr lang="de-DE" dirty="0"/>
+              <a:t> </a:t>
+            </a:r>
+            <a:r>
+              <a:rPr lang="de-DE" dirty="0" err="1"/>
+              <a:t>data</a:t>
+            </a:r>
+            <a:r>
+              <a:rPr lang="de-DE" dirty="0"/>
+              <a:t> </a:t>
+            </a:r>
+            <a:r>
+              <a:rPr lang="de-DE" dirty="0" err="1"/>
+              <a:t>from</a:t>
+            </a:r>
+            <a:r>
+              <a:rPr lang="de-DE" dirty="0"/>
+              <a:t> 2006 – 2022</a:t>
+            </a:r>
+          </a:p>
+          <a:p>
+            <a:endParaRPr lang="de-DE" dirty="0"/>
+          </a:p>
+          <a:p>
+            <a:r>
+              <a:rPr lang="de-DE" dirty="0"/>
+              <a:t>Dengue </a:t>
+            </a:r>
+            <a:r>
+              <a:rPr lang="de-DE" dirty="0" err="1"/>
+              <a:t>data</a:t>
+            </a:r>
+            <a:r>
+              <a:rPr lang="de-DE" dirty="0"/>
+              <a:t>:</a:t>
+            </a:r>
+          </a:p>
+          <a:p>
+            <a:r>
+              <a:rPr lang="de-DE" dirty="0"/>
+              <a:t>Dengue </a:t>
+            </a:r>
+            <a:r>
+              <a:rPr lang="de-DE" dirty="0" err="1"/>
+              <a:t>hemmorhagic</a:t>
+            </a:r>
+            <a:r>
+              <a:rPr lang="de-DE" dirty="0"/>
+              <a:t> </a:t>
+            </a:r>
+            <a:r>
+              <a:rPr lang="de-DE" dirty="0" err="1"/>
+              <a:t>fever</a:t>
+            </a:r>
+            <a:r>
+              <a:rPr lang="de-DE" dirty="0"/>
+              <a:t> </a:t>
+            </a:r>
+          </a:p>
+          <a:p>
+            <a:r>
+              <a:rPr lang="de-DE" dirty="0"/>
+              <a:t>Monthly </a:t>
+            </a:r>
+            <a:r>
+              <a:rPr lang="de-DE" dirty="0" err="1"/>
+              <a:t>infections</a:t>
+            </a:r>
+            <a:r>
+              <a:rPr lang="de-DE" dirty="0"/>
+              <a:t> in </a:t>
+            </a:r>
+            <a:r>
+              <a:rPr lang="de-DE" dirty="0" err="1"/>
+              <a:t>every</a:t>
+            </a:r>
+            <a:r>
+              <a:rPr lang="de-DE" dirty="0"/>
+              <a:t> </a:t>
+            </a:r>
+            <a:r>
+              <a:rPr lang="de-DE" dirty="0" err="1"/>
+              <a:t>thailand</a:t>
+            </a:r>
+            <a:r>
+              <a:rPr lang="de-DE" dirty="0"/>
+              <a:t> </a:t>
+            </a:r>
+            <a:r>
+              <a:rPr lang="de-DE" dirty="0" err="1"/>
+              <a:t>province</a:t>
+            </a:r>
+            <a:r>
+              <a:rPr lang="de-DE" dirty="0"/>
+              <a:t> (77)</a:t>
+            </a:r>
+          </a:p>
+          <a:p>
+            <a:endParaRPr lang="de-DE" dirty="0"/>
+          </a:p>
+        </p:txBody>
+      </p:sp>
+      <p:sp>
+        <p:nvSpPr>
+          <p:cNvPr id="4" name="Foliennummernplatzhalter 3"/>
+          <p:cNvSpPr>
+            <a:spLocks noGrp="1"/>
+          </p:cNvSpPr>
+          <p:nvPr>
+            <p:ph type="sldNum" sz="quarter" idx="5"/>
+          </p:nvPr>
+        </p:nvSpPr>
+        <p:spPr/>
+        <p:txBody>
+          <a:bodyPr/>
+          <a:lstStyle/>
+          <a:p>
+            <a:fld id="{C32FFBED-32DA-134C-988D-9B5AF231614C}" type="slidenum">
+              <a:rPr lang="de-DE" smtClean="0"/>
+              <a:t>6</a:t>
             </a:fld>
             <a:endParaRPr lang="de-DE"/>
           </a:p>
@@ -11187,6 +12348,90 @@
     <p:extLst>
       <p:ext uri="{BB962C8B-B14F-4D97-AF65-F5344CB8AC3E}">
         <p14:creationId xmlns:p14="http://schemas.microsoft.com/office/powerpoint/2010/main" val="2162853048"/>
+      </p:ext>
+    </p:extLst>
+  </p:cSld>
+  <p:clrMapOvr>
+    <a:masterClrMapping/>
+  </p:clrMapOvr>
+</p:notes>
+</file>
+
+<file path=ppt/notesSlides/notesSlide5.xml><?xml version="1.0" encoding="utf-8"?>
+<p:notes xmlns:a="http://schemas.openxmlformats.org/drawingml/2006/main" xmlns:r="http://schemas.openxmlformats.org/officeDocument/2006/relationships" xmlns:p="http://schemas.openxmlformats.org/presentationml/2006/main">
+  <p:cSld>
+    <p:spTree>
+      <p:nvGrpSpPr>
+        <p:cNvPr id="1" name=""/>
+        <p:cNvGrpSpPr/>
+        <p:nvPr/>
+      </p:nvGrpSpPr>
+      <p:grpSpPr>
+        <a:xfrm>
+          <a:off x="0" y="0"/>
+          <a:ext cx="0" cy="0"/>
+          <a:chOff x="0" y="0"/>
+          <a:chExt cx="0" cy="0"/>
+        </a:xfrm>
+      </p:grpSpPr>
+      <p:sp>
+        <p:nvSpPr>
+          <p:cNvPr id="2" name="Folienbildplatzhalter 1"/>
+          <p:cNvSpPr>
+            <a:spLocks noGrp="1" noRot="1" noChangeAspect="1"/>
+          </p:cNvSpPr>
+          <p:nvPr>
+            <p:ph type="sldImg"/>
+          </p:nvPr>
+        </p:nvSpPr>
+        <p:spPr/>
+      </p:sp>
+      <p:sp>
+        <p:nvSpPr>
+          <p:cNvPr id="3" name="Notizenplatzhalter 2"/>
+          <p:cNvSpPr>
+            <a:spLocks noGrp="1"/>
+          </p:cNvSpPr>
+          <p:nvPr>
+            <p:ph type="body" idx="1"/>
+          </p:nvPr>
+        </p:nvSpPr>
+        <p:spPr/>
+        <p:txBody>
+          <a:bodyPr/>
+          <a:lstStyle/>
+          <a:p>
+            <a:endParaRPr lang="de-DE" dirty="0"/>
+          </a:p>
+        </p:txBody>
+      </p:sp>
+      <p:sp>
+        <p:nvSpPr>
+          <p:cNvPr id="4" name="Foliennummernplatzhalter 3"/>
+          <p:cNvSpPr>
+            <a:spLocks noGrp="1"/>
+          </p:cNvSpPr>
+          <p:nvPr>
+            <p:ph type="sldNum" sz="quarter" idx="5"/>
+          </p:nvPr>
+        </p:nvSpPr>
+        <p:spPr/>
+        <p:txBody>
+          <a:bodyPr/>
+          <a:lstStyle/>
+          <a:p>
+            <a:fld id="{C32FFBED-32DA-134C-988D-9B5AF231614C}" type="slidenum">
+              <a:rPr lang="de-DE" smtClean="0"/>
+              <a:t>7</a:t>
+            </a:fld>
+            <a:endParaRPr lang="de-DE"/>
+          </a:p>
+        </p:txBody>
+      </p:sp>
+    </p:spTree>
+    <p:extLst>
+      <p:ext uri="{BB962C8B-B14F-4D97-AF65-F5344CB8AC3E}">
+        <p14:creationId xmlns:p14="http://schemas.microsoft.com/office/powerpoint/2010/main" val="1175480812"/>
       </p:ext>
     </p:extLst>
   </p:cSld>
@@ -15927,534 +17172,16 @@
               </a:rPr>
               <a:t>Climate</a:t>
             </a:r>
-            <a:r>
-              <a:rPr lang="de-DE" dirty="0"/>
-              <a:t> </a:t>
-            </a:r>
-          </a:p>
-        </p:txBody>
-      </p:sp>
-      <p:cxnSp>
-        <p:nvCxnSpPr>
-          <p:cNvPr id="6" name="Gerade Verbindung mit Pfeil 5">
-            <a:extLst>
-              <a:ext uri="{FF2B5EF4-FFF2-40B4-BE49-F238E27FC236}">
-                <a16:creationId xmlns:a16="http://schemas.microsoft.com/office/drawing/2014/main" id="{8A84E718-2FC6-0AFE-9219-D189CC7C755A}"/>
-              </a:ext>
-            </a:extLst>
-          </p:cNvPr>
-          <p:cNvCxnSpPr>
-            <a:cxnSpLocks/>
-          </p:cNvCxnSpPr>
-          <p:nvPr/>
-        </p:nvCxnSpPr>
-        <p:spPr>
-          <a:xfrm>
-            <a:off x="990599" y="2479589"/>
-            <a:ext cx="9401433" cy="0"/>
-          </a:xfrm>
-          <a:prstGeom prst="straightConnector1">
-            <a:avLst/>
-          </a:prstGeom>
-          <a:ln w="28575">
-            <a:tailEnd type="triangle"/>
-          </a:ln>
-        </p:spPr>
-        <p:style>
-          <a:lnRef idx="1">
-            <a:schemeClr val="dk1"/>
-          </a:lnRef>
-          <a:fillRef idx="0">
-            <a:schemeClr val="dk1"/>
-          </a:fillRef>
-          <a:effectRef idx="0">
-            <a:schemeClr val="dk1"/>
-          </a:effectRef>
-          <a:fontRef idx="minor">
-            <a:schemeClr val="tx1"/>
-          </a:fontRef>
-        </p:style>
-      </p:cxnSp>
-      <p:sp>
-        <p:nvSpPr>
-          <p:cNvPr id="8" name="Oval 7">
-            <a:extLst>
-              <a:ext uri="{FF2B5EF4-FFF2-40B4-BE49-F238E27FC236}">
-                <a16:creationId xmlns:a16="http://schemas.microsoft.com/office/drawing/2014/main" id="{ADA3098D-35B1-B1A2-7F0A-D4412400B493}"/>
-              </a:ext>
-            </a:extLst>
-          </p:cNvPr>
-          <p:cNvSpPr/>
-          <p:nvPr/>
-        </p:nvSpPr>
-        <p:spPr>
-          <a:xfrm>
-            <a:off x="3867664" y="2393092"/>
-            <a:ext cx="172994" cy="172994"/>
-          </a:xfrm>
-          <a:prstGeom prst="ellipse">
-            <a:avLst/>
-          </a:prstGeom>
-        </p:spPr>
-        <p:style>
-          <a:lnRef idx="2">
-            <a:schemeClr val="accent1">
-              <a:shade val="50000"/>
-            </a:schemeClr>
-          </a:lnRef>
-          <a:fillRef idx="1">
-            <a:schemeClr val="accent1"/>
-          </a:fillRef>
-          <a:effectRef idx="0">
-            <a:schemeClr val="accent1"/>
-          </a:effectRef>
-          <a:fontRef idx="minor">
-            <a:schemeClr val="lt1"/>
-          </a:fontRef>
-        </p:style>
-        <p:txBody>
-          <a:bodyPr rtlCol="0" anchor="ctr"/>
-          <a:lstStyle/>
-          <a:p>
-            <a:pPr algn="ctr"/>
-            <a:endParaRPr lang="de-DE"/>
-          </a:p>
-        </p:txBody>
-      </p:sp>
-      <p:sp>
-        <p:nvSpPr>
-          <p:cNvPr id="9" name="Oval 8">
-            <a:extLst>
-              <a:ext uri="{FF2B5EF4-FFF2-40B4-BE49-F238E27FC236}">
-                <a16:creationId xmlns:a16="http://schemas.microsoft.com/office/drawing/2014/main" id="{FE76874E-AC79-7BAE-7E01-04EB6B00E405}"/>
-              </a:ext>
-            </a:extLst>
-          </p:cNvPr>
-          <p:cNvSpPr/>
-          <p:nvPr/>
-        </p:nvSpPr>
-        <p:spPr>
-          <a:xfrm>
-            <a:off x="7437738" y="2393092"/>
-            <a:ext cx="172994" cy="172994"/>
-          </a:xfrm>
-          <a:prstGeom prst="ellipse">
-            <a:avLst/>
-          </a:prstGeom>
-        </p:spPr>
-        <p:style>
-          <a:lnRef idx="2">
-            <a:schemeClr val="accent1">
-              <a:shade val="50000"/>
-            </a:schemeClr>
-          </a:lnRef>
-          <a:fillRef idx="1">
-            <a:schemeClr val="accent1"/>
-          </a:fillRef>
-          <a:effectRef idx="0">
-            <a:schemeClr val="accent1"/>
-          </a:effectRef>
-          <a:fontRef idx="minor">
-            <a:schemeClr val="lt1"/>
-          </a:fontRef>
-        </p:style>
-        <p:txBody>
-          <a:bodyPr rtlCol="0" anchor="ctr"/>
-          <a:lstStyle/>
-          <a:p>
-            <a:pPr algn="ctr"/>
-            <a:endParaRPr lang="de-DE"/>
-          </a:p>
-        </p:txBody>
-      </p:sp>
-      <p:cxnSp>
-        <p:nvCxnSpPr>
-          <p:cNvPr id="11" name="Gerade Verbindung 10">
-            <a:extLst>
-              <a:ext uri="{FF2B5EF4-FFF2-40B4-BE49-F238E27FC236}">
-                <a16:creationId xmlns:a16="http://schemas.microsoft.com/office/drawing/2014/main" id="{7A0E1CF4-7B9B-C87D-C25E-6748EBB4AE40}"/>
-              </a:ext>
-            </a:extLst>
-          </p:cNvPr>
-          <p:cNvCxnSpPr/>
-          <p:nvPr/>
-        </p:nvCxnSpPr>
-        <p:spPr>
-          <a:xfrm>
-            <a:off x="3954161" y="2249069"/>
-            <a:ext cx="3657600" cy="0"/>
-          </a:xfrm>
-          <a:prstGeom prst="line">
-            <a:avLst/>
-          </a:prstGeom>
-          <a:ln w="19050"/>
-        </p:spPr>
-        <p:style>
-          <a:lnRef idx="1">
-            <a:schemeClr val="accent1"/>
-          </a:lnRef>
-          <a:fillRef idx="0">
-            <a:schemeClr val="accent1"/>
-          </a:fillRef>
-          <a:effectRef idx="0">
-            <a:schemeClr val="accent1"/>
-          </a:effectRef>
-          <a:fontRef idx="minor">
-            <a:schemeClr val="tx1"/>
-          </a:fontRef>
-        </p:style>
-      </p:cxnSp>
-      <p:cxnSp>
-        <p:nvCxnSpPr>
-          <p:cNvPr id="13" name="Gerade Verbindung 12">
-            <a:extLst>
-              <a:ext uri="{FF2B5EF4-FFF2-40B4-BE49-F238E27FC236}">
-                <a16:creationId xmlns:a16="http://schemas.microsoft.com/office/drawing/2014/main" id="{B11B8DCD-76AF-EAA0-C668-95FA21407A53}"/>
-              </a:ext>
-            </a:extLst>
-          </p:cNvPr>
-          <p:cNvCxnSpPr/>
-          <p:nvPr/>
-        </p:nvCxnSpPr>
-        <p:spPr>
-          <a:xfrm>
-            <a:off x="990600" y="2249069"/>
-            <a:ext cx="2963562" cy="0"/>
-          </a:xfrm>
-          <a:prstGeom prst="line">
-            <a:avLst/>
-          </a:prstGeom>
-          <a:ln w="19050">
-            <a:solidFill>
-              <a:schemeClr val="accent2">
-                <a:lumMod val="75000"/>
-              </a:schemeClr>
-            </a:solidFill>
-          </a:ln>
-        </p:spPr>
-        <p:style>
-          <a:lnRef idx="1">
-            <a:schemeClr val="accent1"/>
-          </a:lnRef>
-          <a:fillRef idx="0">
-            <a:schemeClr val="accent1"/>
-          </a:fillRef>
-          <a:effectRef idx="0">
-            <a:schemeClr val="accent1"/>
-          </a:effectRef>
-          <a:fontRef idx="minor">
-            <a:schemeClr val="tx1"/>
-          </a:fontRef>
-        </p:style>
-      </p:cxnSp>
-      <p:cxnSp>
-        <p:nvCxnSpPr>
-          <p:cNvPr id="15" name="Gerade Verbindung 14">
-            <a:extLst>
-              <a:ext uri="{FF2B5EF4-FFF2-40B4-BE49-F238E27FC236}">
-                <a16:creationId xmlns:a16="http://schemas.microsoft.com/office/drawing/2014/main" id="{A1B750FA-FF62-86AE-8F66-8B98A2C8F8A3}"/>
-              </a:ext>
-            </a:extLst>
-          </p:cNvPr>
-          <p:cNvCxnSpPr/>
-          <p:nvPr/>
-        </p:nvCxnSpPr>
-        <p:spPr>
-          <a:xfrm>
-            <a:off x="7611761" y="2249069"/>
-            <a:ext cx="2579988" cy="0"/>
-          </a:xfrm>
-          <a:prstGeom prst="line">
-            <a:avLst/>
-          </a:prstGeom>
-          <a:ln w="19050">
-            <a:solidFill>
-              <a:schemeClr val="accent2">
-                <a:lumMod val="75000"/>
-              </a:schemeClr>
-            </a:solidFill>
-          </a:ln>
-        </p:spPr>
-        <p:style>
-          <a:lnRef idx="1">
-            <a:schemeClr val="accent1"/>
-          </a:lnRef>
-          <a:fillRef idx="0">
-            <a:schemeClr val="accent1"/>
-          </a:fillRef>
-          <a:effectRef idx="0">
-            <a:schemeClr val="accent1"/>
-          </a:effectRef>
-          <a:fontRef idx="minor">
-            <a:schemeClr val="tx1"/>
-          </a:fontRef>
-        </p:style>
-      </p:cxnSp>
-      <p:sp>
-        <p:nvSpPr>
-          <p:cNvPr id="16" name="Textfeld 15">
-            <a:extLst>
-              <a:ext uri="{FF2B5EF4-FFF2-40B4-BE49-F238E27FC236}">
-                <a16:creationId xmlns:a16="http://schemas.microsoft.com/office/drawing/2014/main" id="{9732246A-8FAC-4471-0030-9CBB43588B84}"/>
-              </a:ext>
-            </a:extLst>
-          </p:cNvPr>
-          <p:cNvSpPr txBox="1"/>
-          <p:nvPr/>
-        </p:nvSpPr>
-        <p:spPr>
-          <a:xfrm>
-            <a:off x="3642153" y="2581151"/>
-            <a:ext cx="624016" cy="369332"/>
-          </a:xfrm>
-          <a:prstGeom prst="rect">
-            <a:avLst/>
-          </a:prstGeom>
-          <a:noFill/>
-        </p:spPr>
-        <p:txBody>
-          <a:bodyPr wrap="square" rtlCol="0">
-            <a:spAutoFit/>
-          </a:bodyPr>
-          <a:lstStyle/>
-          <a:p>
-            <a:r>
-              <a:rPr lang="de-DE" dirty="0">
-                <a:latin typeface="Cambria" panose="02040503050406030204" pitchFamily="18" charset="0"/>
-              </a:rPr>
-              <a:t>May</a:t>
-            </a:r>
-            <a:r>
-              <a:rPr lang="de-DE" dirty="0"/>
-              <a:t> </a:t>
-            </a:r>
-          </a:p>
-        </p:txBody>
-      </p:sp>
-      <p:sp>
-        <p:nvSpPr>
-          <p:cNvPr id="18" name="Textfeld 17">
-            <a:extLst>
-              <a:ext uri="{FF2B5EF4-FFF2-40B4-BE49-F238E27FC236}">
-                <a16:creationId xmlns:a16="http://schemas.microsoft.com/office/drawing/2014/main" id="{6397C8E6-B9EB-6709-B553-DC69FE55AFB8}"/>
-              </a:ext>
-            </a:extLst>
-          </p:cNvPr>
-          <p:cNvSpPr txBox="1"/>
-          <p:nvPr/>
-        </p:nvSpPr>
-        <p:spPr>
-          <a:xfrm>
-            <a:off x="7083510" y="2581366"/>
-            <a:ext cx="1056503" cy="369332"/>
-          </a:xfrm>
-          <a:prstGeom prst="rect">
-            <a:avLst/>
-          </a:prstGeom>
-          <a:noFill/>
-        </p:spPr>
-        <p:txBody>
-          <a:bodyPr wrap="square" rtlCol="0">
-            <a:spAutoFit/>
-          </a:bodyPr>
-          <a:lstStyle/>
-          <a:p>
-            <a:r>
-              <a:rPr lang="de-DE" dirty="0" err="1">
-                <a:latin typeface="Cambria" panose="02040503050406030204" pitchFamily="18" charset="0"/>
-              </a:rPr>
-              <a:t>October</a:t>
-            </a:r>
-            <a:r>
-              <a:rPr lang="de-DE" dirty="0"/>
-              <a:t> </a:t>
-            </a:r>
-          </a:p>
-        </p:txBody>
-      </p:sp>
-      <p:sp>
-        <p:nvSpPr>
-          <p:cNvPr id="19" name="Textfeld 18">
-            <a:extLst>
-              <a:ext uri="{FF2B5EF4-FFF2-40B4-BE49-F238E27FC236}">
-                <a16:creationId xmlns:a16="http://schemas.microsoft.com/office/drawing/2014/main" id="{585598EA-199A-01A5-C3FA-6873D4D9CE35}"/>
-              </a:ext>
-            </a:extLst>
-          </p:cNvPr>
-          <p:cNvSpPr txBox="1"/>
-          <p:nvPr/>
-        </p:nvSpPr>
-        <p:spPr>
-          <a:xfrm>
-            <a:off x="5171431" y="1843175"/>
-            <a:ext cx="1223062" cy="369332"/>
-          </a:xfrm>
-          <a:prstGeom prst="rect">
-            <a:avLst/>
-          </a:prstGeom>
-          <a:noFill/>
-        </p:spPr>
-        <p:txBody>
-          <a:bodyPr wrap="square" rtlCol="0">
-            <a:spAutoFit/>
-          </a:bodyPr>
-          <a:lstStyle/>
-          <a:p>
-            <a:r>
-              <a:rPr lang="de-DE" dirty="0" err="1">
-                <a:solidFill>
-                  <a:schemeClr val="accent1"/>
-                </a:solidFill>
-                <a:latin typeface="Cambria" panose="02040503050406030204" pitchFamily="18" charset="0"/>
-              </a:rPr>
-              <a:t>Monsoon</a:t>
-            </a:r>
-            <a:endParaRPr lang="de-DE" dirty="0">
-              <a:solidFill>
-                <a:schemeClr val="accent1"/>
-              </a:solidFill>
-              <a:latin typeface="Cambria" panose="02040503050406030204" pitchFamily="18" charset="0"/>
-            </a:endParaRPr>
-          </a:p>
-        </p:txBody>
-      </p:sp>
-      <p:sp>
-        <p:nvSpPr>
-          <p:cNvPr id="20" name="Textfeld 19">
-            <a:extLst>
-              <a:ext uri="{FF2B5EF4-FFF2-40B4-BE49-F238E27FC236}">
-                <a16:creationId xmlns:a16="http://schemas.microsoft.com/office/drawing/2014/main" id="{3497D54F-9C39-5031-A4E9-EB9193E339C8}"/>
-              </a:ext>
-            </a:extLst>
-          </p:cNvPr>
-          <p:cNvSpPr txBox="1"/>
-          <p:nvPr/>
-        </p:nvSpPr>
-        <p:spPr>
-          <a:xfrm>
-            <a:off x="1618799" y="1826012"/>
-            <a:ext cx="1707164" cy="369332"/>
-          </a:xfrm>
-          <a:prstGeom prst="rect">
-            <a:avLst/>
-          </a:prstGeom>
-          <a:noFill/>
-        </p:spPr>
-        <p:txBody>
-          <a:bodyPr wrap="square" rtlCol="0">
-            <a:spAutoFit/>
-          </a:bodyPr>
-          <a:lstStyle/>
-          <a:p>
-            <a:r>
-              <a:rPr lang="de-DE" dirty="0">
-                <a:solidFill>
-                  <a:schemeClr val="accent2">
-                    <a:lumMod val="75000"/>
-                  </a:schemeClr>
-                </a:solidFill>
-                <a:latin typeface="Cambria" panose="02040503050406030204" pitchFamily="18" charset="0"/>
-              </a:rPr>
-              <a:t>Dry </a:t>
-            </a:r>
-            <a:r>
-              <a:rPr lang="de-DE" dirty="0" err="1">
-                <a:solidFill>
-                  <a:schemeClr val="accent2">
-                    <a:lumMod val="75000"/>
-                  </a:schemeClr>
-                </a:solidFill>
-                <a:latin typeface="Cambria" panose="02040503050406030204" pitchFamily="18" charset="0"/>
-              </a:rPr>
-              <a:t>winter</a:t>
-            </a:r>
-            <a:r>
-              <a:rPr lang="de-DE" dirty="0">
-                <a:solidFill>
-                  <a:schemeClr val="accent2">
-                    <a:lumMod val="75000"/>
-                  </a:schemeClr>
-                </a:solidFill>
-                <a:latin typeface="Cambria" panose="02040503050406030204" pitchFamily="18" charset="0"/>
-              </a:rPr>
-              <a:t> </a:t>
-            </a:r>
-          </a:p>
-        </p:txBody>
-      </p:sp>
-      <p:sp>
-        <p:nvSpPr>
-          <p:cNvPr id="21" name="Textfeld 20">
-            <a:extLst>
-              <a:ext uri="{FF2B5EF4-FFF2-40B4-BE49-F238E27FC236}">
-                <a16:creationId xmlns:a16="http://schemas.microsoft.com/office/drawing/2014/main" id="{586D48FB-CE20-ACC1-FC07-A9895403FE45}"/>
-              </a:ext>
-            </a:extLst>
-          </p:cNvPr>
-          <p:cNvSpPr txBox="1"/>
-          <p:nvPr/>
-        </p:nvSpPr>
-        <p:spPr>
-          <a:xfrm>
-            <a:off x="8140013" y="1826012"/>
-            <a:ext cx="1707164" cy="369332"/>
-          </a:xfrm>
-          <a:prstGeom prst="rect">
-            <a:avLst/>
-          </a:prstGeom>
-          <a:noFill/>
-          <a:ln>
-            <a:noFill/>
-          </a:ln>
-        </p:spPr>
-        <p:txBody>
-          <a:bodyPr wrap="square" rtlCol="0">
-            <a:spAutoFit/>
-          </a:bodyPr>
-          <a:lstStyle/>
-          <a:p>
-            <a:r>
-              <a:rPr lang="de-DE" dirty="0">
-                <a:solidFill>
-                  <a:schemeClr val="accent2">
-                    <a:lumMod val="75000"/>
-                  </a:schemeClr>
-                </a:solidFill>
-                <a:latin typeface="Cambria" panose="02040503050406030204" pitchFamily="18" charset="0"/>
-              </a:rPr>
-              <a:t>Dry </a:t>
-            </a:r>
-            <a:r>
-              <a:rPr lang="de-DE" dirty="0" err="1">
-                <a:solidFill>
-                  <a:schemeClr val="accent2">
-                    <a:lumMod val="75000"/>
-                  </a:schemeClr>
-                </a:solidFill>
-                <a:latin typeface="Cambria" panose="02040503050406030204" pitchFamily="18" charset="0"/>
-              </a:rPr>
-              <a:t>winter</a:t>
-            </a:r>
-            <a:r>
-              <a:rPr lang="de-DE" dirty="0">
-                <a:solidFill>
-                  <a:schemeClr val="accent2">
-                    <a:lumMod val="75000"/>
-                  </a:schemeClr>
-                </a:solidFill>
-                <a:latin typeface="Cambria" panose="02040503050406030204" pitchFamily="18" charset="0"/>
-              </a:rPr>
-              <a:t> </a:t>
-            </a:r>
+            <a:endParaRPr lang="de-DE" dirty="0"/>
           </a:p>
         </p:txBody>
       </p:sp>
       <p:pic>
         <p:nvPicPr>
-          <p:cNvPr id="30" name="Inhaltsplatzhalter 29" descr="Ein Bild, das Text, Schrift, Reihe, Diagramm enthält.&#10;&#10;Automatisch generierte Beschreibung">
+          <p:cNvPr id="7" name="Inhaltsplatzhalter 6" descr="Ein Bild, das Text, Diagramm, Reihe, Screenshot enthält.&#10;&#10;Automatisch generierte Beschreibung">
             <a:extLst>
               <a:ext uri="{FF2B5EF4-FFF2-40B4-BE49-F238E27FC236}">
-                <a16:creationId xmlns:a16="http://schemas.microsoft.com/office/drawing/2014/main" id="{C6997150-95B0-86AA-8D25-FF06EF67A733}"/>
+                <a16:creationId xmlns:a16="http://schemas.microsoft.com/office/drawing/2014/main" id="{FE4AAAD3-5B49-CFA6-1731-7B8ACE781B21}"/>
               </a:ext>
             </a:extLst>
           </p:cNvPr>
@@ -16465,15 +17192,214 @@
             <p:ph idx="1"/>
           </p:nvPr>
         </p:nvPicPr>
-        <p:blipFill rotWithShape="1">
+        <p:blipFill>
           <a:blip r:embed="rId3"/>
-          <a:srcRect l="794" t="8497"/>
-          <a:stretch/>
+          <a:stretch>
+            <a:fillRect/>
+          </a:stretch>
         </p:blipFill>
         <p:spPr>
           <a:xfrm>
-            <a:off x="2892202" y="3338670"/>
-            <a:ext cx="5598225" cy="3190221"/>
+            <a:off x="2536979" y="2812454"/>
+            <a:ext cx="6256294" cy="3865354"/>
+          </a:xfrm>
+        </p:spPr>
+      </p:pic>
+      <p:pic>
+        <p:nvPicPr>
+          <p:cNvPr id="10" name="Grafik 9">
+            <a:extLst>
+              <a:ext uri="{FF2B5EF4-FFF2-40B4-BE49-F238E27FC236}">
+                <a16:creationId xmlns:a16="http://schemas.microsoft.com/office/drawing/2014/main" id="{99DB00CB-6B3C-CA8B-9198-E610592D85F9}"/>
+              </a:ext>
+            </a:extLst>
+          </p:cNvPr>
+          <p:cNvPicPr>
+            <a:picLocks noChangeAspect="1"/>
+          </p:cNvPicPr>
+          <p:nvPr/>
+        </p:nvPicPr>
+        <p:blipFill>
+          <a:blip r:embed="rId4"/>
+          <a:stretch>
+            <a:fillRect/>
+          </a:stretch>
+        </p:blipFill>
+        <p:spPr>
+          <a:xfrm>
+            <a:off x="1479936" y="1652241"/>
+            <a:ext cx="9232127" cy="1085281"/>
+          </a:xfrm>
+          <a:prstGeom prst="rect">
+            <a:avLst/>
+          </a:prstGeom>
+        </p:spPr>
+      </p:pic>
+    </p:spTree>
+    <p:extLst>
+      <p:ext uri="{BB962C8B-B14F-4D97-AF65-F5344CB8AC3E}">
+        <p14:creationId xmlns:p14="http://schemas.microsoft.com/office/powerpoint/2010/main" val="4288478750"/>
+      </p:ext>
+    </p:extLst>
+  </p:cSld>
+  <p:clrMapOvr>
+    <a:masterClrMapping/>
+  </p:clrMapOvr>
+  <p:timing>
+    <p:tnLst>
+      <p:par>
+        <p:cTn id="1" dur="indefinite" restart="never" nodeType="tmRoot">
+          <p:childTnLst>
+            <p:seq concurrent="1" nextAc="seek">
+              <p:cTn id="2" dur="indefinite" nodeType="mainSeq">
+                <p:childTnLst>
+                  <p:par>
+                    <p:cTn id="3" fill="hold">
+                      <p:stCondLst>
+                        <p:cond delay="indefinite"/>
+                      </p:stCondLst>
+                      <p:childTnLst>
+                        <p:par>
+                          <p:cTn id="4" fill="hold">
+                            <p:stCondLst>
+                              <p:cond delay="0"/>
+                            </p:stCondLst>
+                            <p:childTnLst>
+                              <p:par>
+                                <p:cTn id="5" presetID="1" presetClass="entr" presetSubtype="0" fill="hold" nodeType="clickEffect">
+                                  <p:stCondLst>
+                                    <p:cond delay="0"/>
+                                  </p:stCondLst>
+                                  <p:childTnLst>
+                                    <p:set>
+                                      <p:cBhvr>
+                                        <p:cTn id="6" dur="1" fill="hold">
+                                          <p:stCondLst>
+                                            <p:cond delay="0"/>
+                                          </p:stCondLst>
+                                        </p:cTn>
+                                        <p:tgtEl>
+                                          <p:spTgt spid="7"/>
+                                        </p:tgtEl>
+                                        <p:attrNameLst>
+                                          <p:attrName>style.visibility</p:attrName>
+                                        </p:attrNameLst>
+                                      </p:cBhvr>
+                                      <p:to>
+                                        <p:strVal val="visible"/>
+                                      </p:to>
+                                    </p:set>
+                                  </p:childTnLst>
+                                </p:cTn>
+                              </p:par>
+                            </p:childTnLst>
+                          </p:cTn>
+                        </p:par>
+                      </p:childTnLst>
+                    </p:cTn>
+                  </p:par>
+                </p:childTnLst>
+              </p:cTn>
+              <p:prevCondLst>
+                <p:cond evt="onPrev" delay="0">
+                  <p:tgtEl>
+                    <p:sldTgt/>
+                  </p:tgtEl>
+                </p:cond>
+              </p:prevCondLst>
+              <p:nextCondLst>
+                <p:cond evt="onNext" delay="0">
+                  <p:tgtEl>
+                    <p:sldTgt/>
+                  </p:tgtEl>
+                </p:cond>
+              </p:nextCondLst>
+            </p:seq>
+          </p:childTnLst>
+        </p:cTn>
+      </p:par>
+    </p:tnLst>
+  </p:timing>
+</p:sld>
+</file>
+
+<file path=ppt/slides/slide4.xml><?xml version="1.0" encoding="utf-8"?>
+<p:sld xmlns:a="http://schemas.openxmlformats.org/drawingml/2006/main" xmlns:r="http://schemas.openxmlformats.org/officeDocument/2006/relationships" xmlns:p="http://schemas.openxmlformats.org/presentationml/2006/main">
+  <p:cSld>
+    <p:spTree>
+      <p:nvGrpSpPr>
+        <p:cNvPr id="1" name=""/>
+        <p:cNvGrpSpPr/>
+        <p:nvPr/>
+      </p:nvGrpSpPr>
+      <p:grpSpPr>
+        <a:xfrm>
+          <a:off x="0" y="0"/>
+          <a:ext cx="0" cy="0"/>
+          <a:chOff x="0" y="0"/>
+          <a:chExt cx="0" cy="0"/>
+        </a:xfrm>
+      </p:grpSpPr>
+      <p:sp>
+        <p:nvSpPr>
+          <p:cNvPr id="2" name="Titel 1">
+            <a:extLst>
+              <a:ext uri="{FF2B5EF4-FFF2-40B4-BE49-F238E27FC236}">
+                <a16:creationId xmlns:a16="http://schemas.microsoft.com/office/drawing/2014/main" id="{1672F52A-860A-3F9C-A902-1F380A99323F}"/>
+              </a:ext>
+            </a:extLst>
+          </p:cNvPr>
+          <p:cNvSpPr>
+            <a:spLocks noGrp="1"/>
+          </p:cNvSpPr>
+          <p:nvPr>
+            <p:ph type="title"/>
+          </p:nvPr>
+        </p:nvSpPr>
+        <p:spPr/>
+        <p:txBody>
+          <a:bodyPr/>
+          <a:lstStyle/>
+          <a:p>
+            <a:r>
+              <a:rPr lang="de-DE" dirty="0">
+                <a:latin typeface="Cambria" panose="02040503050406030204" pitchFamily="18" charset="0"/>
+              </a:rPr>
+              <a:t>Climate</a:t>
+            </a:r>
+            <a:r>
+              <a:rPr lang="de-DE" dirty="0"/>
+              <a:t> </a:t>
+            </a:r>
+          </a:p>
+        </p:txBody>
+      </p:sp>
+      <p:pic>
+        <p:nvPicPr>
+          <p:cNvPr id="34" name="Inhaltsplatzhalter 33" descr="Ein Bild, das Text, Reihe, Schrift, Diagramm enthält.&#10;&#10;Automatisch generierte Beschreibung">
+            <a:extLst>
+              <a:ext uri="{FF2B5EF4-FFF2-40B4-BE49-F238E27FC236}">
+                <a16:creationId xmlns:a16="http://schemas.microsoft.com/office/drawing/2014/main" id="{E1B00D42-55E8-1E3C-5C46-2A3BEB81D3C7}"/>
+              </a:ext>
+            </a:extLst>
+          </p:cNvPr>
+          <p:cNvPicPr>
+            <a:picLocks noGrp="1" noChangeAspect="1"/>
+          </p:cNvPicPr>
+          <p:nvPr>
+            <p:ph idx="1"/>
+          </p:nvPr>
+        </p:nvPicPr>
+        <p:blipFill>
+          <a:blip r:embed="rId3"/>
+          <a:stretch>
+            <a:fillRect/>
+          </a:stretch>
+        </p:blipFill>
+        <p:spPr>
+          <a:xfrm>
+            <a:off x="2004164" y="1473216"/>
+            <a:ext cx="8117490" cy="5015265"/>
           </a:xfrm>
         </p:spPr>
       </p:pic>
@@ -16490,7 +17416,7 @@
 </p:sld>
 </file>
 
-<file path=ppt/slides/slide4.xml><?xml version="1.0" encoding="utf-8"?>
+<file path=ppt/slides/slide5.xml><?xml version="1.0" encoding="utf-8"?>
 <p:sld xmlns:a="http://schemas.openxmlformats.org/drawingml/2006/main" xmlns:r="http://schemas.openxmlformats.org/officeDocument/2006/relationships" xmlns:p="http://schemas.openxmlformats.org/presentationml/2006/main">
   <p:cSld>
     <p:spTree>
@@ -16541,28 +17467,503 @@
           </a:p>
         </p:txBody>
       </p:sp>
-      <p:sp>
-        <p:nvSpPr>
-          <p:cNvPr id="4" name="Inhaltsplatzhalter 3">
+      <p:pic>
+        <p:nvPicPr>
+          <p:cNvPr id="3074" name="Picture 2" descr="Dengue virus, computer model – Bild kaufen – 13405951 ❘ Science Photo  Library">
             <a:extLst>
               <a:ext uri="{FF2B5EF4-FFF2-40B4-BE49-F238E27FC236}">
-                <a16:creationId xmlns:a16="http://schemas.microsoft.com/office/drawing/2014/main" id="{0335E4C7-1A86-B129-5AD2-2F3DAE041C7C}"/>
+                <a16:creationId xmlns:a16="http://schemas.microsoft.com/office/drawing/2014/main" id="{18BB0095-121C-7F48-0CC5-0AACC2982FBB}"/>
               </a:ext>
             </a:extLst>
           </p:cNvPr>
-          <p:cNvSpPr>
-            <a:spLocks noGrp="1"/>
-          </p:cNvSpPr>
+          <p:cNvPicPr>
+            <a:picLocks noGrp="1" noChangeAspect="1" noChangeArrowheads="1"/>
+          </p:cNvPicPr>
           <p:nvPr>
             <p:ph idx="1"/>
           </p:nvPr>
+        </p:nvPicPr>
+        <p:blipFill>
+          <a:blip r:embed="rId3">
+            <a:extLst>
+              <a:ext uri="{28A0092B-C50C-407E-A947-70E740481C1C}">
+                <a14:useLocalDpi xmlns:a14="http://schemas.microsoft.com/office/drawing/2010/main" val="0"/>
+              </a:ext>
+            </a:extLst>
+          </a:blip>
+          <a:srcRect/>
+          <a:stretch>
+            <a:fillRect/>
+          </a:stretch>
+        </p:blipFill>
+        <p:spPr bwMode="auto">
+          <a:xfrm>
+            <a:off x="1239283" y="2067537"/>
+            <a:ext cx="1864876" cy="1510550"/>
+          </a:xfrm>
+          <a:prstGeom prst="rect">
+            <a:avLst/>
+          </a:prstGeom>
+          <a:noFill/>
+          <a:extLst>
+            <a:ext uri="{909E8E84-426E-40DD-AFC4-6F175D3DCCD1}">
+              <a14:hiddenFill xmlns:a14="http://schemas.microsoft.com/office/drawing/2010/main">
+                <a:solidFill>
+                  <a:srgbClr val="FFFFFF"/>
+                </a:solidFill>
+              </a14:hiddenFill>
+            </a:ext>
+          </a:extLst>
+        </p:spPr>
+      </p:pic>
+      <p:sp>
+        <p:nvSpPr>
+          <p:cNvPr id="5" name="Textfeld 4">
+            <a:extLst>
+              <a:ext uri="{FF2B5EF4-FFF2-40B4-BE49-F238E27FC236}">
+                <a16:creationId xmlns:a16="http://schemas.microsoft.com/office/drawing/2014/main" id="{D017F4AE-1EE3-F48B-B6FB-B89A774D9C1D}"/>
+              </a:ext>
+            </a:extLst>
+          </p:cNvPr>
+          <p:cNvSpPr txBox="1"/>
+          <p:nvPr/>
         </p:nvSpPr>
-        <p:spPr/>
+        <p:spPr>
+          <a:xfrm>
+            <a:off x="1239283" y="3578087"/>
+            <a:ext cx="1864876" cy="369332"/>
+          </a:xfrm>
+          <a:prstGeom prst="rect">
+            <a:avLst/>
+          </a:prstGeom>
+          <a:noFill/>
+        </p:spPr>
         <p:txBody>
-          <a:bodyPr/>
+          <a:bodyPr wrap="square">
+            <a:spAutoFit/>
+          </a:bodyPr>
           <a:lstStyle/>
           <a:p>
-            <a:endParaRPr lang="de-DE"/>
+            <a:r>
+              <a:rPr lang="de-DE" sz="600" dirty="0">
+                <a:latin typeface="Cambria" panose="02040503050406030204" pitchFamily="18" charset="0"/>
+              </a:rPr>
+              <a:t>https://media02.stockfood.com/</a:t>
+            </a:r>
+            <a:r>
+              <a:rPr lang="de-DE" sz="600" dirty="0" err="1">
+                <a:latin typeface="Cambria" panose="02040503050406030204" pitchFamily="18" charset="0"/>
+              </a:rPr>
+              <a:t>largepreviews</a:t>
+            </a:r>
+            <a:r>
+              <a:rPr lang="de-DE" sz="600" dirty="0">
+                <a:latin typeface="Cambria" panose="02040503050406030204" pitchFamily="18" charset="0"/>
+              </a:rPr>
+              <a:t>/NDE1NTg0NDgx/13405951-Dengue-virus-computer-model.jpg</a:t>
+            </a:r>
+          </a:p>
+        </p:txBody>
+      </p:sp>
+      <p:pic>
+        <p:nvPicPr>
+          <p:cNvPr id="3076" name="Picture 4" descr="Aedes Aegypti Mosquito Pernilongo Mit Weißen Flecken Und Weißem Hintergrund  Stockfoto und mehr Bilder von Dengue-Fieber - iStock">
+            <a:extLst>
+              <a:ext uri="{FF2B5EF4-FFF2-40B4-BE49-F238E27FC236}">
+                <a16:creationId xmlns:a16="http://schemas.microsoft.com/office/drawing/2014/main" id="{39F636DD-D161-870C-657B-0F1E4993ED92}"/>
+              </a:ext>
+            </a:extLst>
+          </p:cNvPr>
+          <p:cNvPicPr>
+            <a:picLocks noChangeAspect="1" noChangeArrowheads="1"/>
+          </p:cNvPicPr>
+          <p:nvPr/>
+        </p:nvPicPr>
+        <p:blipFill>
+          <a:blip r:embed="rId4">
+            <a:extLst>
+              <a:ext uri="{28A0092B-C50C-407E-A947-70E740481C1C}">
+                <a14:useLocalDpi xmlns:a14="http://schemas.microsoft.com/office/drawing/2010/main" val="0"/>
+              </a:ext>
+            </a:extLst>
+          </a:blip>
+          <a:srcRect/>
+          <a:stretch>
+            <a:fillRect/>
+          </a:stretch>
+        </p:blipFill>
+        <p:spPr bwMode="auto">
+          <a:xfrm>
+            <a:off x="4579289" y="2015181"/>
+            <a:ext cx="2560983" cy="1615261"/>
+          </a:xfrm>
+          <a:prstGeom prst="rect">
+            <a:avLst/>
+          </a:prstGeom>
+          <a:noFill/>
+          <a:extLst>
+            <a:ext uri="{909E8E84-426E-40DD-AFC4-6F175D3DCCD1}">
+              <a14:hiddenFill xmlns:a14="http://schemas.microsoft.com/office/drawing/2010/main">
+                <a:solidFill>
+                  <a:srgbClr val="FFFFFF"/>
+                </a:solidFill>
+              </a14:hiddenFill>
+            </a:ext>
+          </a:extLst>
+        </p:spPr>
+      </p:pic>
+      <p:sp>
+        <p:nvSpPr>
+          <p:cNvPr id="6" name="Pfeil nach rechts 5">
+            <a:extLst>
+              <a:ext uri="{FF2B5EF4-FFF2-40B4-BE49-F238E27FC236}">
+                <a16:creationId xmlns:a16="http://schemas.microsoft.com/office/drawing/2014/main" id="{45A33A3C-A1CE-5680-1D63-621F52BD2853}"/>
+              </a:ext>
+            </a:extLst>
+          </p:cNvPr>
+          <p:cNvSpPr/>
+          <p:nvPr/>
+        </p:nvSpPr>
+        <p:spPr>
+          <a:xfrm>
+            <a:off x="3427012" y="2822811"/>
+            <a:ext cx="946205" cy="150977"/>
+          </a:xfrm>
+          <a:prstGeom prst="rightArrow">
+            <a:avLst/>
+          </a:prstGeom>
+          <a:solidFill>
+            <a:schemeClr val="tx1"/>
+          </a:solidFill>
+          <a:ln>
+            <a:solidFill>
+              <a:schemeClr val="tx1"/>
+            </a:solidFill>
+          </a:ln>
+        </p:spPr>
+        <p:style>
+          <a:lnRef idx="2">
+            <a:schemeClr val="accent1">
+              <a:shade val="50000"/>
+            </a:schemeClr>
+          </a:lnRef>
+          <a:fillRef idx="1">
+            <a:schemeClr val="accent1"/>
+          </a:fillRef>
+          <a:effectRef idx="0">
+            <a:schemeClr val="accent1"/>
+          </a:effectRef>
+          <a:fontRef idx="minor">
+            <a:schemeClr val="lt1"/>
+          </a:fontRef>
+        </p:style>
+        <p:txBody>
+          <a:bodyPr rtlCol="0" anchor="ctr"/>
+          <a:lstStyle/>
+          <a:p>
+            <a:pPr algn="ctr"/>
+            <a:endParaRPr lang="de-DE">
+              <a:ln>
+                <a:solidFill>
+                  <a:sysClr val="windowText" lastClr="000000"/>
+                </a:solidFill>
+              </a:ln>
+            </a:endParaRPr>
+          </a:p>
+        </p:txBody>
+      </p:sp>
+      <p:sp>
+        <p:nvSpPr>
+          <p:cNvPr id="8" name="Textfeld 7">
+            <a:extLst>
+              <a:ext uri="{FF2B5EF4-FFF2-40B4-BE49-F238E27FC236}">
+                <a16:creationId xmlns:a16="http://schemas.microsoft.com/office/drawing/2014/main" id="{A0E25E64-70F3-846D-6B93-C347312F386A}"/>
+              </a:ext>
+            </a:extLst>
+          </p:cNvPr>
+          <p:cNvSpPr txBox="1"/>
+          <p:nvPr/>
+        </p:nvSpPr>
+        <p:spPr>
+          <a:xfrm>
+            <a:off x="4579289" y="3578087"/>
+            <a:ext cx="2282025" cy="630942"/>
+          </a:xfrm>
+          <a:prstGeom prst="rect">
+            <a:avLst/>
+          </a:prstGeom>
+          <a:noFill/>
+        </p:spPr>
+        <p:txBody>
+          <a:bodyPr wrap="square">
+            <a:spAutoFit/>
+          </a:bodyPr>
+          <a:lstStyle/>
+          <a:p>
+            <a:r>
+              <a:rPr lang="de-DE" sz="700" dirty="0">
+                <a:latin typeface="Cambria" panose="02040503050406030204" pitchFamily="18" charset="0"/>
+              </a:rPr>
+              <a:t>https://</a:t>
+            </a:r>
+            <a:r>
+              <a:rPr lang="de-DE" sz="700" dirty="0" err="1">
+                <a:latin typeface="Cambria" panose="02040503050406030204" pitchFamily="18" charset="0"/>
+              </a:rPr>
+              <a:t>media.istockphoto.com</a:t>
+            </a:r>
+            <a:r>
+              <a:rPr lang="de-DE" sz="700" dirty="0">
+                <a:latin typeface="Cambria" panose="02040503050406030204" pitchFamily="18" charset="0"/>
+              </a:rPr>
+              <a:t>/</a:t>
+            </a:r>
+            <a:r>
+              <a:rPr lang="de-DE" sz="700" dirty="0" err="1">
+                <a:latin typeface="Cambria" panose="02040503050406030204" pitchFamily="18" charset="0"/>
+              </a:rPr>
+              <a:t>id</a:t>
+            </a:r>
+            <a:r>
+              <a:rPr lang="de-DE" sz="700" dirty="0">
+                <a:latin typeface="Cambria" panose="02040503050406030204" pitchFamily="18" charset="0"/>
+              </a:rPr>
+              <a:t>/1263464608/de/</a:t>
+            </a:r>
+            <a:r>
+              <a:rPr lang="de-DE" sz="700" dirty="0" err="1">
+                <a:latin typeface="Cambria" panose="02040503050406030204" pitchFamily="18" charset="0"/>
+              </a:rPr>
+              <a:t>foto</a:t>
+            </a:r>
+            <a:r>
+              <a:rPr lang="de-DE" sz="700" dirty="0">
+                <a:latin typeface="Cambria" panose="02040503050406030204" pitchFamily="18" charset="0"/>
+              </a:rPr>
+              <a:t>/aedes-aegypti-mosquito-pernilongo-mit-wei%C3%9Fen-flecken-und-wei%C3%9Fem-hintergrund.jpg?s=612x612&amp;w=0&amp;k=20&amp;c=C3-vCzQG5kHMUMrfRKB1z1k5V7tmJkI6HpfEVtO6Hes=</a:t>
+            </a:r>
+          </a:p>
+        </p:txBody>
+      </p:sp>
+      <p:pic>
+        <p:nvPicPr>
+          <p:cNvPr id="10" name="Grafik 9" descr="Gruppe von Personen mit einfarbiger Füllung">
+            <a:extLst>
+              <a:ext uri="{FF2B5EF4-FFF2-40B4-BE49-F238E27FC236}">
+                <a16:creationId xmlns:a16="http://schemas.microsoft.com/office/drawing/2014/main" id="{FB938136-D51A-55C9-1018-E75714175401}"/>
+              </a:ext>
+            </a:extLst>
+          </p:cNvPr>
+          <p:cNvPicPr>
+            <a:picLocks noChangeAspect="1"/>
+          </p:cNvPicPr>
+          <p:nvPr/>
+        </p:nvPicPr>
+        <p:blipFill>
+          <a:blip r:embed="rId5">
+            <a:extLst>
+              <a:ext uri="{96DAC541-7B7A-43D3-8B79-37D633B846F1}">
+                <asvg:svgBlip xmlns:asvg="http://schemas.microsoft.com/office/drawing/2016/SVG/main" r:embed="rId6"/>
+              </a:ext>
+            </a:extLst>
+          </a:blip>
+          <a:stretch>
+            <a:fillRect/>
+          </a:stretch>
+        </p:blipFill>
+        <p:spPr>
+          <a:xfrm>
+            <a:off x="9137374" y="1996490"/>
+            <a:ext cx="1693628" cy="1693628"/>
+          </a:xfrm>
+          <a:prstGeom prst="rect">
+            <a:avLst/>
+          </a:prstGeom>
+        </p:spPr>
+      </p:pic>
+      <p:sp>
+        <p:nvSpPr>
+          <p:cNvPr id="12" name="Pfeil nach rechts 11">
+            <a:extLst>
+              <a:ext uri="{FF2B5EF4-FFF2-40B4-BE49-F238E27FC236}">
+                <a16:creationId xmlns:a16="http://schemas.microsoft.com/office/drawing/2014/main" id="{080C3A68-08E1-20DC-42CC-002FF2850937}"/>
+              </a:ext>
+            </a:extLst>
+          </p:cNvPr>
+          <p:cNvSpPr/>
+          <p:nvPr/>
+        </p:nvSpPr>
+        <p:spPr>
+          <a:xfrm>
+            <a:off x="7745896" y="2822811"/>
+            <a:ext cx="946205" cy="150977"/>
+          </a:xfrm>
+          <a:prstGeom prst="rightArrow">
+            <a:avLst/>
+          </a:prstGeom>
+          <a:solidFill>
+            <a:schemeClr val="tx1"/>
+          </a:solidFill>
+          <a:ln>
+            <a:solidFill>
+              <a:schemeClr val="tx1"/>
+            </a:solidFill>
+          </a:ln>
+        </p:spPr>
+        <p:style>
+          <a:lnRef idx="2">
+            <a:schemeClr val="accent1">
+              <a:shade val="50000"/>
+            </a:schemeClr>
+          </a:lnRef>
+          <a:fillRef idx="1">
+            <a:schemeClr val="accent1"/>
+          </a:fillRef>
+          <a:effectRef idx="0">
+            <a:schemeClr val="accent1"/>
+          </a:effectRef>
+          <a:fontRef idx="minor">
+            <a:schemeClr val="lt1"/>
+          </a:fontRef>
+        </p:style>
+        <p:txBody>
+          <a:bodyPr rtlCol="0" anchor="ctr"/>
+          <a:lstStyle/>
+          <a:p>
+            <a:pPr algn="ctr"/>
+            <a:endParaRPr lang="de-DE">
+              <a:ln>
+                <a:solidFill>
+                  <a:sysClr val="windowText" lastClr="000000"/>
+                </a:solidFill>
+              </a:ln>
+            </a:endParaRPr>
+          </a:p>
+        </p:txBody>
+      </p:sp>
+      <p:sp>
+        <p:nvSpPr>
+          <p:cNvPr id="15" name="Textfeld 14">
+            <a:extLst>
+              <a:ext uri="{FF2B5EF4-FFF2-40B4-BE49-F238E27FC236}">
+                <a16:creationId xmlns:a16="http://schemas.microsoft.com/office/drawing/2014/main" id="{D0B168F4-5605-3A3C-F3A2-63011503F585}"/>
+              </a:ext>
+            </a:extLst>
+          </p:cNvPr>
+          <p:cNvSpPr txBox="1"/>
+          <p:nvPr/>
+        </p:nvSpPr>
+        <p:spPr>
+          <a:xfrm>
+            <a:off x="1160891" y="4297277"/>
+            <a:ext cx="1798441" cy="954107"/>
+          </a:xfrm>
+          <a:prstGeom prst="rect">
+            <a:avLst/>
+          </a:prstGeom>
+          <a:noFill/>
+        </p:spPr>
+        <p:txBody>
+          <a:bodyPr wrap="none" rtlCol="0">
+            <a:spAutoFit/>
+          </a:bodyPr>
+          <a:lstStyle/>
+          <a:p>
+            <a:r>
+              <a:rPr lang="de-DE" sz="2800" dirty="0" err="1">
+                <a:latin typeface="Cambria" panose="02040503050406030204" pitchFamily="18" charset="0"/>
+              </a:rPr>
+              <a:t>Serotypes</a:t>
+            </a:r>
+            <a:r>
+              <a:rPr lang="de-DE" sz="2800" dirty="0">
+                <a:latin typeface="Cambria" panose="02040503050406030204" pitchFamily="18" charset="0"/>
+              </a:rPr>
+              <a:t>:</a:t>
+            </a:r>
+          </a:p>
+          <a:p>
+            <a:r>
+              <a:rPr lang="de-DE" sz="2800" dirty="0">
+                <a:latin typeface="Cambria" panose="02040503050406030204" pitchFamily="18" charset="0"/>
+              </a:rPr>
+              <a:t>DENV 1-4</a:t>
+            </a:r>
+          </a:p>
+        </p:txBody>
+      </p:sp>
+      <p:sp>
+        <p:nvSpPr>
+          <p:cNvPr id="16" name="Textfeld 15">
+            <a:extLst>
+              <a:ext uri="{FF2B5EF4-FFF2-40B4-BE49-F238E27FC236}">
+                <a16:creationId xmlns:a16="http://schemas.microsoft.com/office/drawing/2014/main" id="{1F0F964D-D751-568B-5149-B30ADA088FD8}"/>
+              </a:ext>
+            </a:extLst>
+          </p:cNvPr>
+          <p:cNvSpPr txBox="1"/>
+          <p:nvPr/>
+        </p:nvSpPr>
+        <p:spPr>
+          <a:xfrm>
+            <a:off x="4579289" y="4301656"/>
+            <a:ext cx="2780313" cy="954107"/>
+          </a:xfrm>
+          <a:prstGeom prst="rect">
+            <a:avLst/>
+          </a:prstGeom>
+          <a:noFill/>
+        </p:spPr>
+        <p:txBody>
+          <a:bodyPr wrap="none" rtlCol="0">
+            <a:spAutoFit/>
+          </a:bodyPr>
+          <a:lstStyle/>
+          <a:p>
+            <a:r>
+              <a:rPr lang="de-DE" sz="2800" dirty="0" err="1">
+                <a:latin typeface="Cambria" panose="02040503050406030204" pitchFamily="18" charset="0"/>
+              </a:rPr>
+              <a:t>Aedes</a:t>
+            </a:r>
+            <a:r>
+              <a:rPr lang="de-DE" sz="2800" dirty="0">
+                <a:latin typeface="Cambria" panose="02040503050406030204" pitchFamily="18" charset="0"/>
+              </a:rPr>
+              <a:t> </a:t>
+            </a:r>
+            <a:r>
+              <a:rPr lang="de-DE" sz="2800" dirty="0" err="1">
+                <a:latin typeface="Cambria" panose="02040503050406030204" pitchFamily="18" charset="0"/>
+              </a:rPr>
+              <a:t>albopictus</a:t>
+            </a:r>
+            <a:endParaRPr lang="de-DE" sz="2800" dirty="0">
+              <a:latin typeface="Cambria" panose="02040503050406030204" pitchFamily="18" charset="0"/>
+            </a:endParaRPr>
+          </a:p>
+          <a:p>
+            <a:r>
+              <a:rPr lang="de-DE" sz="2800" dirty="0" err="1">
+                <a:latin typeface="Cambria" panose="02040503050406030204" pitchFamily="18" charset="0"/>
+              </a:rPr>
+              <a:t>Aedes</a:t>
+            </a:r>
+            <a:r>
+              <a:rPr lang="de-DE" sz="2800" dirty="0">
+                <a:latin typeface="Cambria" panose="02040503050406030204" pitchFamily="18" charset="0"/>
+              </a:rPr>
+              <a:t> </a:t>
+            </a:r>
+            <a:r>
+              <a:rPr lang="de-DE" sz="2800" dirty="0" err="1">
+                <a:latin typeface="Cambria" panose="02040503050406030204" pitchFamily="18" charset="0"/>
+              </a:rPr>
+              <a:t>aegypti</a:t>
+            </a:r>
+            <a:endParaRPr lang="de-DE" sz="2800" dirty="0">
+              <a:latin typeface="Cambria" panose="02040503050406030204" pitchFamily="18" charset="0"/>
+            </a:endParaRPr>
           </a:p>
         </p:txBody>
       </p:sp>
@@ -16579,7 +17980,7 @@
 </p:sld>
 </file>
 
-<file path=ppt/slides/slide5.xml><?xml version="1.0" encoding="utf-8"?>
+<file path=ppt/slides/slide6.xml><?xml version="1.0" encoding="utf-8"?>
 <p:sld xmlns:a="http://schemas.openxmlformats.org/drawingml/2006/main" xmlns:r="http://schemas.openxmlformats.org/officeDocument/2006/relationships" xmlns:p="http://schemas.openxmlformats.org/presentationml/2006/main">
   <p:cSld>
     <p:spTree>
@@ -16669,9 +18070,8 @@
             </a:r>
           </a:p>
           <a:p>
-            <a:pPr>
-              <a:buFont typeface="Wingdings" pitchFamily="2" charset="2"/>
-              <a:buChar char="Ø"/>
+            <a:pPr marL="0" indent="0">
+              <a:buNone/>
             </a:pPr>
             <a:endParaRPr lang="de-DE" dirty="0">
               <a:solidFill>
@@ -16682,9 +18082,21 @@
           </a:p>
           <a:p>
             <a:pPr>
+              <a:lnSpc>
+                <a:spcPct val="100000"/>
+              </a:lnSpc>
               <a:buFont typeface="Wingdings" pitchFamily="2" charset="2"/>
               <a:buChar char="Ø"/>
             </a:pPr>
+            <a:r>
+              <a:rPr lang="de-DE" b="1" dirty="0">
+                <a:solidFill>
+                  <a:schemeClr val="bg1"/>
+                </a:solidFill>
+                <a:latin typeface="Cambria" panose="02040503050406030204" pitchFamily="18" charset="0"/>
+              </a:rPr>
+              <a:t>ERA5</a:t>
+            </a:r>
             <a:r>
               <a:rPr lang="de-DE" dirty="0">
                 <a:solidFill>
@@ -16692,7 +18104,7 @@
                 </a:solidFill>
                 <a:latin typeface="Cambria" panose="02040503050406030204" pitchFamily="18" charset="0"/>
               </a:rPr>
-              <a:t>ERA5 </a:t>
+              <a:t> </a:t>
             </a:r>
             <a:r>
               <a:rPr lang="de-DE" dirty="0" err="1">
@@ -16712,6 +18124,9 @@
           </a:p>
           <a:p>
             <a:pPr>
+              <a:lnSpc>
+                <a:spcPct val="100000"/>
+              </a:lnSpc>
               <a:buFont typeface="Wingdings" pitchFamily="2" charset="2"/>
               <a:buChar char="Ø"/>
             </a:pPr>
@@ -16742,6 +18157,9 @@
           </a:p>
           <a:p>
             <a:pPr>
+              <a:lnSpc>
+                <a:spcPct val="100000"/>
+              </a:lnSpc>
               <a:buFont typeface="Wingdings" pitchFamily="2" charset="2"/>
               <a:buChar char="Ø"/>
             </a:pPr>
@@ -16983,13 +18401,22 @@
               <a:buChar char="Ø"/>
             </a:pPr>
             <a:r>
+              <a:rPr lang="de-DE" b="1" dirty="0">
+                <a:solidFill>
+                  <a:schemeClr val="bg1"/>
+                </a:solidFill>
+                <a:latin typeface="Cambria" panose="02040503050406030204" pitchFamily="18" charset="0"/>
+              </a:rPr>
+              <a:t>DHF</a:t>
+            </a:r>
+            <a:r>
               <a:rPr lang="de-DE" dirty="0">
                 <a:solidFill>
                   <a:schemeClr val="bg1"/>
                 </a:solidFill>
                 <a:latin typeface="Cambria" panose="02040503050406030204" pitchFamily="18" charset="0"/>
               </a:rPr>
-              <a:t>DHF </a:t>
+              <a:t> </a:t>
             </a:r>
             <a:r>
               <a:rPr lang="de-DE" dirty="0" err="1">
@@ -17307,12 +18734,111 @@
               <a:buFont typeface="Wingdings" pitchFamily="2" charset="2"/>
               <a:buChar char="Ø"/>
             </a:pPr>
-            <a:endParaRPr lang="de-DE" dirty="0">
-              <a:solidFill>
-                <a:schemeClr val="bg1"/>
-              </a:solidFill>
-              <a:latin typeface="Cambria" panose="02040503050406030204" pitchFamily="18" charset="0"/>
-            </a:endParaRPr>
+            <a:r>
+              <a:rPr lang="de-DE" dirty="0">
+                <a:solidFill>
+                  <a:schemeClr val="bg1"/>
+                </a:solidFill>
+                <a:latin typeface="Cambria" panose="02040503050406030204" pitchFamily="18" charset="0"/>
+              </a:rPr>
+              <a:t>Data </a:t>
+            </a:r>
+            <a:r>
+              <a:rPr lang="de-DE" dirty="0" err="1">
+                <a:solidFill>
+                  <a:schemeClr val="bg1"/>
+                </a:solidFill>
+                <a:latin typeface="Cambria" panose="02040503050406030204" pitchFamily="18" charset="0"/>
+              </a:rPr>
+              <a:t>from</a:t>
+            </a:r>
+            <a:r>
+              <a:rPr lang="de-DE" dirty="0">
+                <a:solidFill>
+                  <a:schemeClr val="bg1"/>
+                </a:solidFill>
+                <a:latin typeface="Cambria" panose="02040503050406030204" pitchFamily="18" charset="0"/>
+              </a:rPr>
+              <a:t> 2012 – 2020</a:t>
+            </a:r>
+          </a:p>
+          <a:p>
+            <a:pPr>
+              <a:buFont typeface="Wingdings" pitchFamily="2" charset="2"/>
+              <a:buChar char="Ø"/>
+            </a:pPr>
+            <a:r>
+              <a:rPr lang="de-DE" dirty="0" err="1">
+                <a:solidFill>
+                  <a:schemeClr val="bg1"/>
+                </a:solidFill>
+                <a:latin typeface="Cambria" panose="02040503050406030204" pitchFamily="18" charset="0"/>
+              </a:rPr>
+              <a:t>Estimates</a:t>
+            </a:r>
+            <a:r>
+              <a:rPr lang="de-DE" dirty="0">
+                <a:solidFill>
+                  <a:schemeClr val="bg1"/>
+                </a:solidFill>
+                <a:latin typeface="Cambria" panose="02040503050406030204" pitchFamily="18" charset="0"/>
+              </a:rPr>
+              <a:t> </a:t>
+            </a:r>
+            <a:r>
+              <a:rPr lang="de-DE" dirty="0" err="1">
+                <a:solidFill>
+                  <a:schemeClr val="bg1"/>
+                </a:solidFill>
+                <a:latin typeface="Cambria" panose="02040503050406030204" pitchFamily="18" charset="0"/>
+              </a:rPr>
+              <a:t>for</a:t>
+            </a:r>
+            <a:r>
+              <a:rPr lang="de-DE" dirty="0">
+                <a:solidFill>
+                  <a:schemeClr val="bg1"/>
+                </a:solidFill>
+                <a:latin typeface="Cambria" panose="02040503050406030204" pitchFamily="18" charset="0"/>
+              </a:rPr>
+              <a:t> 2006 – 2011 (linear </a:t>
+            </a:r>
+            <a:r>
+              <a:rPr lang="de-DE" dirty="0" err="1">
+                <a:solidFill>
+                  <a:schemeClr val="bg1"/>
+                </a:solidFill>
+                <a:latin typeface="Cambria" panose="02040503050406030204" pitchFamily="18" charset="0"/>
+              </a:rPr>
+              <a:t>regression</a:t>
+            </a:r>
+            <a:r>
+              <a:rPr lang="de-DE" dirty="0">
+                <a:solidFill>
+                  <a:schemeClr val="bg1"/>
+                </a:solidFill>
+                <a:latin typeface="Cambria" panose="02040503050406030204" pitchFamily="18" charset="0"/>
+              </a:rPr>
+              <a:t> </a:t>
+            </a:r>
+            <a:r>
+              <a:rPr lang="de-DE" dirty="0" err="1">
+                <a:solidFill>
+                  <a:schemeClr val="bg1"/>
+                </a:solidFill>
+                <a:latin typeface="Cambria" panose="02040503050406030204" pitchFamily="18" charset="0"/>
+              </a:rPr>
+              <a:t>model</a:t>
+            </a:r>
+            <a:r>
+              <a:rPr lang="de-DE" dirty="0">
+                <a:solidFill>
+                  <a:schemeClr val="bg1"/>
+                </a:solidFill>
+                <a:latin typeface="Cambria" panose="02040503050406030204" pitchFamily="18" charset="0"/>
+              </a:rPr>
+              <a:t>) </a:t>
+            </a:r>
           </a:p>
         </p:txBody>
       </p:sp>
@@ -17329,7 +18855,7 @@
 </p:sld>
 </file>
 
-<file path=ppt/slides/slide6.xml><?xml version="1.0" encoding="utf-8"?>
+<file path=ppt/slides/slide7.xml><?xml version="1.0" encoding="utf-8"?>
 <p:sld xmlns:a="http://schemas.openxmlformats.org/drawingml/2006/main" xmlns:r="http://schemas.openxmlformats.org/officeDocument/2006/relationships" xmlns:p="http://schemas.openxmlformats.org/presentationml/2006/main">
   <p:cSld>
     <p:spTree>
@@ -17565,7 +19091,7 @@
               <a:rPr lang="de-DE" dirty="0">
                 <a:latin typeface="Cambria" panose="02040503050406030204" pitchFamily="18" charset="0"/>
               </a:rPr>
-              <a:t> </a:t>
+              <a:t>?</a:t>
             </a:r>
           </a:p>
           <a:p>
@@ -17586,7 +19112,7 @@
 </p:sld>
 </file>
 
-<file path=ppt/slides/slide7.xml><?xml version="1.0" encoding="utf-8"?>
+<file path=ppt/slides/slide8.xml><?xml version="1.0" encoding="utf-8"?>
 <p:sld xmlns:a="http://schemas.openxmlformats.org/drawingml/2006/main" xmlns:r="http://schemas.openxmlformats.org/officeDocument/2006/relationships" xmlns:p="http://schemas.openxmlformats.org/presentationml/2006/main">
   <p:cSld>
     <p:spTree>
@@ -17706,7 +19232,18 @@
             </a:r>
           </a:p>
           <a:p>
-            <a:endParaRPr lang="de-DE" dirty="0"/>
+            <a:r>
+              <a:rPr lang="de-DE" dirty="0"/>
+              <a:t>*</a:t>
+            </a:r>
+            <a:r>
+              <a:rPr lang="de-DE" dirty="0" err="1"/>
+              <a:t>dengue</a:t>
+            </a:r>
+            <a:r>
+              <a:rPr lang="de-DE" dirty="0"/>
+              <a:t> source*</a:t>
+            </a:r>
           </a:p>
         </p:txBody>
       </p:sp>
@@ -17714,6 +19251,86 @@
     <p:extLst>
       <p:ext uri="{BB962C8B-B14F-4D97-AF65-F5344CB8AC3E}">
         <p14:creationId xmlns:p14="http://schemas.microsoft.com/office/powerpoint/2010/main" val="1500306745"/>
+      </p:ext>
+    </p:extLst>
+  </p:cSld>
+  <p:clrMapOvr>
+    <a:masterClrMapping/>
+  </p:clrMapOvr>
+</p:sld>
+</file>
+
+<file path=ppt/slides/slide9.xml><?xml version="1.0" encoding="utf-8"?>
+<p:sld xmlns:a="http://schemas.openxmlformats.org/drawingml/2006/main" xmlns:r="http://schemas.openxmlformats.org/officeDocument/2006/relationships" xmlns:p="http://schemas.openxmlformats.org/presentationml/2006/main">
+  <p:cSld>
+    <p:spTree>
+      <p:nvGrpSpPr>
+        <p:cNvPr id="1" name=""/>
+        <p:cNvGrpSpPr/>
+        <p:nvPr/>
+      </p:nvGrpSpPr>
+      <p:grpSpPr>
+        <a:xfrm>
+          <a:off x="0" y="0"/>
+          <a:ext cx="0" cy="0"/>
+          <a:chOff x="0" y="0"/>
+          <a:chExt cx="0" cy="0"/>
+        </a:xfrm>
+      </p:grpSpPr>
+      <p:sp>
+        <p:nvSpPr>
+          <p:cNvPr id="2" name="Titel 1">
+            <a:extLst>
+              <a:ext uri="{FF2B5EF4-FFF2-40B4-BE49-F238E27FC236}">
+                <a16:creationId xmlns:a16="http://schemas.microsoft.com/office/drawing/2014/main" id="{18D19EAC-00EA-9987-976D-52A7A7DC0171}"/>
+              </a:ext>
+            </a:extLst>
+          </p:cNvPr>
+          <p:cNvSpPr>
+            <a:spLocks noGrp="1"/>
+          </p:cNvSpPr>
+          <p:nvPr>
+            <p:ph type="title"/>
+          </p:nvPr>
+        </p:nvSpPr>
+        <p:spPr/>
+        <p:txBody>
+          <a:bodyPr/>
+          <a:lstStyle/>
+          <a:p>
+            <a:endParaRPr lang="de-DE"/>
+          </a:p>
+        </p:txBody>
+      </p:sp>
+      <p:sp>
+        <p:nvSpPr>
+          <p:cNvPr id="6" name="Inhaltsplatzhalter 5">
+            <a:extLst>
+              <a:ext uri="{FF2B5EF4-FFF2-40B4-BE49-F238E27FC236}">
+                <a16:creationId xmlns:a16="http://schemas.microsoft.com/office/drawing/2014/main" id="{266937A2-A8CA-9C35-ADD4-F43D500DDC7F}"/>
+              </a:ext>
+            </a:extLst>
+          </p:cNvPr>
+          <p:cNvSpPr>
+            <a:spLocks noGrp="1"/>
+          </p:cNvSpPr>
+          <p:nvPr>
+            <p:ph idx="1"/>
+          </p:nvPr>
+        </p:nvSpPr>
+        <p:spPr/>
+        <p:txBody>
+          <a:bodyPr/>
+          <a:lstStyle/>
+          <a:p>
+            <a:endParaRPr lang="de-DE"/>
+          </a:p>
+        </p:txBody>
+      </p:sp>
+    </p:spTree>
+    <p:extLst>
+      <p:ext uri="{BB962C8B-B14F-4D97-AF65-F5344CB8AC3E}">
+        <p14:creationId xmlns:p14="http://schemas.microsoft.com/office/powerpoint/2010/main" val="3568912412"/>
       </p:ext>
     </p:extLst>
   </p:cSld>

--- a/Project Proposal Präsi Draft .pptx
+++ b/Project Proposal Präsi Draft .pptx
@@ -5,7 +5,7 @@
     <p:sldMasterId id="2147483648" r:id="rId1"/>
   </p:sldMasterIdLst>
   <p:notesMasterIdLst>
-    <p:notesMasterId r:id="rId11"/>
+    <p:notesMasterId r:id="rId16"/>
   </p:notesMasterIdLst>
   <p:sldIdLst>
     <p:sldId id="257" r:id="rId2"/>
@@ -13,10 +13,15 @@
     <p:sldId id="264" r:id="rId4"/>
     <p:sldId id="260" r:id="rId5"/>
     <p:sldId id="261" r:id="rId6"/>
-    <p:sldId id="259" r:id="rId7"/>
-    <p:sldId id="262" r:id="rId8"/>
-    <p:sldId id="263" r:id="rId9"/>
-    <p:sldId id="265" r:id="rId10"/>
+    <p:sldId id="266" r:id="rId7"/>
+    <p:sldId id="267" r:id="rId8"/>
+    <p:sldId id="259" r:id="rId9"/>
+    <p:sldId id="262" r:id="rId10"/>
+    <p:sldId id="263" r:id="rId11"/>
+    <p:sldId id="268" r:id="rId12"/>
+    <p:sldId id="269" r:id="rId13"/>
+    <p:sldId id="270" r:id="rId14"/>
+    <p:sldId id="265" r:id="rId15"/>
   </p:sldIdLst>
   <p:sldSz cx="12192000" cy="6858000"/>
   <p:notesSz cx="6858000" cy="9144000"/>
@@ -3290,6 +3295,13 @@
         </dgm:presLayoutVars>
       </dgm:prSet>
       <dgm:spPr/>
+      <dgm:t>
+        <a:bodyPr/>
+        <a:lstStyle/>
+        <a:p>
+          <a:endParaRPr lang="de-DE"/>
+        </a:p>
+      </dgm:t>
     </dgm:pt>
     <dgm:pt modelId="{D96F0753-DE29-7544-BAAD-F7A55CE59D0E}" type="pres">
       <dgm:prSet presAssocID="{B0395B3E-1C91-184B-A2B7-A21EBF345B36}" presName="parSpace" presStyleCnt="0"/>
@@ -3302,6 +3314,13 @@
         </dgm:presLayoutVars>
       </dgm:prSet>
       <dgm:spPr/>
+      <dgm:t>
+        <a:bodyPr/>
+        <a:lstStyle/>
+        <a:p>
+          <a:endParaRPr lang="de-DE"/>
+        </a:p>
+      </dgm:t>
     </dgm:pt>
     <dgm:pt modelId="{FFE8A8E0-F6B2-FB4D-8C98-4B23F2C658BE}" type="pres">
       <dgm:prSet presAssocID="{3C16356A-4759-7040-9B0B-3A916135148C}" presName="parSpace" presStyleCnt="0"/>
@@ -3314,15 +3333,22 @@
         </dgm:presLayoutVars>
       </dgm:prSet>
       <dgm:spPr/>
+      <dgm:t>
+        <a:bodyPr/>
+        <a:lstStyle/>
+        <a:p>
+          <a:endParaRPr lang="de-DE"/>
+        </a:p>
+      </dgm:t>
     </dgm:pt>
   </dgm:ptLst>
   <dgm:cxnLst>
+    <dgm:cxn modelId="{69FE4692-CFB3-D243-AE1B-5F173150E8A0}" srcId="{2ACAFF71-1A1E-4241-B375-2D08DF064159}" destId="{3813E2BE-F2C8-0E49-8721-1E3C7B2092D8}" srcOrd="2" destOrd="0" parTransId="{5F975D2A-84ED-D94C-AD6C-A189023707D9}" sibTransId="{1C4A5959-9D7F-8544-BAAF-1E6C4DD92B3A}"/>
     <dgm:cxn modelId="{B2FF2F39-5095-D445-86BC-86332B47E8EB}" type="presOf" srcId="{559E56A3-EAAB-2049-B980-B20F0AA188EA}" destId="{B0830E66-601B-804E-A6E1-810DACB50B77}" srcOrd="0" destOrd="0" presId="urn:microsoft.com/office/officeart/2005/8/layout/hChevron3"/>
-    <dgm:cxn modelId="{69FE4692-CFB3-D243-AE1B-5F173150E8A0}" srcId="{2ACAFF71-1A1E-4241-B375-2D08DF064159}" destId="{3813E2BE-F2C8-0E49-8721-1E3C7B2092D8}" srcOrd="2" destOrd="0" parTransId="{5F975D2A-84ED-D94C-AD6C-A189023707D9}" sibTransId="{1C4A5959-9D7F-8544-BAAF-1E6C4DD92B3A}"/>
     <dgm:cxn modelId="{79DEB692-DBB1-CB4F-B33C-5501B80D297F}" type="presOf" srcId="{3813E2BE-F2C8-0E49-8721-1E3C7B2092D8}" destId="{B56A004B-C0E0-FF42-9574-0EC427394100}" srcOrd="0" destOrd="0" presId="urn:microsoft.com/office/officeart/2005/8/layout/hChevron3"/>
+    <dgm:cxn modelId="{15833AD4-856C-364C-8F74-A41D300A26FB}" srcId="{2ACAFF71-1A1E-4241-B375-2D08DF064159}" destId="{6E8A2133-0457-FA4F-A8B0-7E215DDA3E08}" srcOrd="0" destOrd="0" parTransId="{65E65161-4587-EA47-B4AB-4952C3495394}" sibTransId="{B0395B3E-1C91-184B-A2B7-A21EBF345B36}"/>
+    <dgm:cxn modelId="{02C62CD4-63EB-0342-9CDB-E3681D3F2463}" type="presOf" srcId="{6E8A2133-0457-FA4F-A8B0-7E215DDA3E08}" destId="{52CA5D5C-A339-9F44-8752-99E0140043DD}" srcOrd="0" destOrd="0" presId="urn:microsoft.com/office/officeart/2005/8/layout/hChevron3"/>
     <dgm:cxn modelId="{A5123DCB-1647-6642-80D9-CF9AD4C099E6}" type="presOf" srcId="{2ACAFF71-1A1E-4241-B375-2D08DF064159}" destId="{A30AF579-8DBD-3F42-B950-836C9F373015}" srcOrd="0" destOrd="0" presId="urn:microsoft.com/office/officeart/2005/8/layout/hChevron3"/>
-    <dgm:cxn modelId="{02C62CD4-63EB-0342-9CDB-E3681D3F2463}" type="presOf" srcId="{6E8A2133-0457-FA4F-A8B0-7E215DDA3E08}" destId="{52CA5D5C-A339-9F44-8752-99E0140043DD}" srcOrd="0" destOrd="0" presId="urn:microsoft.com/office/officeart/2005/8/layout/hChevron3"/>
-    <dgm:cxn modelId="{15833AD4-856C-364C-8F74-A41D300A26FB}" srcId="{2ACAFF71-1A1E-4241-B375-2D08DF064159}" destId="{6E8A2133-0457-FA4F-A8B0-7E215DDA3E08}" srcOrd="0" destOrd="0" parTransId="{65E65161-4587-EA47-B4AB-4952C3495394}" sibTransId="{B0395B3E-1C91-184B-A2B7-A21EBF345B36}"/>
     <dgm:cxn modelId="{12C87DFB-707A-F448-8940-CAB509A109AB}" srcId="{2ACAFF71-1A1E-4241-B375-2D08DF064159}" destId="{559E56A3-EAAB-2049-B980-B20F0AA188EA}" srcOrd="1" destOrd="0" parTransId="{638D9D63-A6C2-284F-849F-1078B420529D}" sibTransId="{3C16356A-4759-7040-9B0B-3A916135148C}"/>
     <dgm:cxn modelId="{4092E794-0AC3-D84D-AE18-B3D9B94FE466}" type="presParOf" srcId="{A30AF579-8DBD-3F42-B950-836C9F373015}" destId="{52CA5D5C-A339-9F44-8752-99E0140043DD}" srcOrd="0" destOrd="0" presId="urn:microsoft.com/office/officeart/2005/8/layout/hChevron3"/>
     <dgm:cxn modelId="{31F06698-08B0-964E-8189-E4EFBE478308}" type="presParOf" srcId="{A30AF579-8DBD-3F42-B950-836C9F373015}" destId="{D96F0753-DE29-7544-BAAD-F7A55CE59D0E}" srcOrd="1" destOrd="0" presId="urn:microsoft.com/office/officeart/2005/8/layout/hChevron3"/>
@@ -3518,6 +3544,13 @@
         </dgm:presLayoutVars>
       </dgm:prSet>
       <dgm:spPr/>
+      <dgm:t>
+        <a:bodyPr/>
+        <a:lstStyle/>
+        <a:p>
+          <a:endParaRPr lang="de-DE"/>
+        </a:p>
+      </dgm:t>
     </dgm:pt>
     <dgm:pt modelId="{D96F0753-DE29-7544-BAAD-F7A55CE59D0E}" type="pres">
       <dgm:prSet presAssocID="{B0395B3E-1C91-184B-A2B7-A21EBF345B36}" presName="parSpace" presStyleCnt="0"/>
@@ -3530,6 +3563,13 @@
         </dgm:presLayoutVars>
       </dgm:prSet>
       <dgm:spPr/>
+      <dgm:t>
+        <a:bodyPr/>
+        <a:lstStyle/>
+        <a:p>
+          <a:endParaRPr lang="de-DE"/>
+        </a:p>
+      </dgm:t>
     </dgm:pt>
     <dgm:pt modelId="{FFE8A8E0-F6B2-FB4D-8C98-4B23F2C658BE}" type="pres">
       <dgm:prSet presAssocID="{3C16356A-4759-7040-9B0B-3A916135148C}" presName="parSpace" presStyleCnt="0"/>
@@ -3542,15 +3582,22 @@
         </dgm:presLayoutVars>
       </dgm:prSet>
       <dgm:spPr/>
+      <dgm:t>
+        <a:bodyPr/>
+        <a:lstStyle/>
+        <a:p>
+          <a:endParaRPr lang="de-DE"/>
+        </a:p>
+      </dgm:t>
     </dgm:pt>
   </dgm:ptLst>
   <dgm:cxnLst>
+    <dgm:cxn modelId="{69FE4692-CFB3-D243-AE1B-5F173150E8A0}" srcId="{2ACAFF71-1A1E-4241-B375-2D08DF064159}" destId="{3813E2BE-F2C8-0E49-8721-1E3C7B2092D8}" srcOrd="2" destOrd="0" parTransId="{5F975D2A-84ED-D94C-AD6C-A189023707D9}" sibTransId="{1C4A5959-9D7F-8544-BAAF-1E6C4DD92B3A}"/>
     <dgm:cxn modelId="{B2FF2F39-5095-D445-86BC-86332B47E8EB}" type="presOf" srcId="{559E56A3-EAAB-2049-B980-B20F0AA188EA}" destId="{B0830E66-601B-804E-A6E1-810DACB50B77}" srcOrd="0" destOrd="0" presId="urn:microsoft.com/office/officeart/2005/8/layout/hChevron3"/>
-    <dgm:cxn modelId="{69FE4692-CFB3-D243-AE1B-5F173150E8A0}" srcId="{2ACAFF71-1A1E-4241-B375-2D08DF064159}" destId="{3813E2BE-F2C8-0E49-8721-1E3C7B2092D8}" srcOrd="2" destOrd="0" parTransId="{5F975D2A-84ED-D94C-AD6C-A189023707D9}" sibTransId="{1C4A5959-9D7F-8544-BAAF-1E6C4DD92B3A}"/>
     <dgm:cxn modelId="{79DEB692-DBB1-CB4F-B33C-5501B80D297F}" type="presOf" srcId="{3813E2BE-F2C8-0E49-8721-1E3C7B2092D8}" destId="{B56A004B-C0E0-FF42-9574-0EC427394100}" srcOrd="0" destOrd="0" presId="urn:microsoft.com/office/officeart/2005/8/layout/hChevron3"/>
+    <dgm:cxn modelId="{15833AD4-856C-364C-8F74-A41D300A26FB}" srcId="{2ACAFF71-1A1E-4241-B375-2D08DF064159}" destId="{6E8A2133-0457-FA4F-A8B0-7E215DDA3E08}" srcOrd="0" destOrd="0" parTransId="{65E65161-4587-EA47-B4AB-4952C3495394}" sibTransId="{B0395B3E-1C91-184B-A2B7-A21EBF345B36}"/>
+    <dgm:cxn modelId="{02C62CD4-63EB-0342-9CDB-E3681D3F2463}" type="presOf" srcId="{6E8A2133-0457-FA4F-A8B0-7E215DDA3E08}" destId="{52CA5D5C-A339-9F44-8752-99E0140043DD}" srcOrd="0" destOrd="0" presId="urn:microsoft.com/office/officeart/2005/8/layout/hChevron3"/>
     <dgm:cxn modelId="{A5123DCB-1647-6642-80D9-CF9AD4C099E6}" type="presOf" srcId="{2ACAFF71-1A1E-4241-B375-2D08DF064159}" destId="{A30AF579-8DBD-3F42-B950-836C9F373015}" srcOrd="0" destOrd="0" presId="urn:microsoft.com/office/officeart/2005/8/layout/hChevron3"/>
-    <dgm:cxn modelId="{02C62CD4-63EB-0342-9CDB-E3681D3F2463}" type="presOf" srcId="{6E8A2133-0457-FA4F-A8B0-7E215DDA3E08}" destId="{52CA5D5C-A339-9F44-8752-99E0140043DD}" srcOrd="0" destOrd="0" presId="urn:microsoft.com/office/officeart/2005/8/layout/hChevron3"/>
-    <dgm:cxn modelId="{15833AD4-856C-364C-8F74-A41D300A26FB}" srcId="{2ACAFF71-1A1E-4241-B375-2D08DF064159}" destId="{6E8A2133-0457-FA4F-A8B0-7E215DDA3E08}" srcOrd="0" destOrd="0" parTransId="{65E65161-4587-EA47-B4AB-4952C3495394}" sibTransId="{B0395B3E-1C91-184B-A2B7-A21EBF345B36}"/>
     <dgm:cxn modelId="{12C87DFB-707A-F448-8940-CAB509A109AB}" srcId="{2ACAFF71-1A1E-4241-B375-2D08DF064159}" destId="{559E56A3-EAAB-2049-B980-B20F0AA188EA}" srcOrd="1" destOrd="0" parTransId="{638D9D63-A6C2-284F-849F-1078B420529D}" sibTransId="{3C16356A-4759-7040-9B0B-3A916135148C}"/>
     <dgm:cxn modelId="{4092E794-0AC3-D84D-AE18-B3D9B94FE466}" type="presParOf" srcId="{A30AF579-8DBD-3F42-B950-836C9F373015}" destId="{52CA5D5C-A339-9F44-8752-99E0140043DD}" srcOrd="0" destOrd="0" presId="urn:microsoft.com/office/officeart/2005/8/layout/hChevron3"/>
     <dgm:cxn modelId="{31F06698-08B0-964E-8189-E4EFBE478308}" type="presParOf" srcId="{A30AF579-8DBD-3F42-B950-836C9F373015}" destId="{D96F0753-DE29-7544-BAAD-F7A55CE59D0E}" srcOrd="1" destOrd="0" presId="urn:microsoft.com/office/officeart/2005/8/layout/hChevron3"/>
@@ -3746,6 +3793,13 @@
         </dgm:presLayoutVars>
       </dgm:prSet>
       <dgm:spPr/>
+      <dgm:t>
+        <a:bodyPr/>
+        <a:lstStyle/>
+        <a:p>
+          <a:endParaRPr lang="de-DE"/>
+        </a:p>
+      </dgm:t>
     </dgm:pt>
     <dgm:pt modelId="{D96F0753-DE29-7544-BAAD-F7A55CE59D0E}" type="pres">
       <dgm:prSet presAssocID="{B0395B3E-1C91-184B-A2B7-A21EBF345B36}" presName="parSpace" presStyleCnt="0"/>
@@ -3758,6 +3812,13 @@
         </dgm:presLayoutVars>
       </dgm:prSet>
       <dgm:spPr/>
+      <dgm:t>
+        <a:bodyPr/>
+        <a:lstStyle/>
+        <a:p>
+          <a:endParaRPr lang="de-DE"/>
+        </a:p>
+      </dgm:t>
     </dgm:pt>
     <dgm:pt modelId="{FFE8A8E0-F6B2-FB4D-8C98-4B23F2C658BE}" type="pres">
       <dgm:prSet presAssocID="{3C16356A-4759-7040-9B0B-3A916135148C}" presName="parSpace" presStyleCnt="0"/>
@@ -3770,15 +3831,22 @@
         </dgm:presLayoutVars>
       </dgm:prSet>
       <dgm:spPr/>
+      <dgm:t>
+        <a:bodyPr/>
+        <a:lstStyle/>
+        <a:p>
+          <a:endParaRPr lang="de-DE"/>
+        </a:p>
+      </dgm:t>
     </dgm:pt>
   </dgm:ptLst>
   <dgm:cxnLst>
+    <dgm:cxn modelId="{69FE4692-CFB3-D243-AE1B-5F173150E8A0}" srcId="{2ACAFF71-1A1E-4241-B375-2D08DF064159}" destId="{3813E2BE-F2C8-0E49-8721-1E3C7B2092D8}" srcOrd="2" destOrd="0" parTransId="{5F975D2A-84ED-D94C-AD6C-A189023707D9}" sibTransId="{1C4A5959-9D7F-8544-BAAF-1E6C4DD92B3A}"/>
     <dgm:cxn modelId="{B2FF2F39-5095-D445-86BC-86332B47E8EB}" type="presOf" srcId="{559E56A3-EAAB-2049-B980-B20F0AA188EA}" destId="{B0830E66-601B-804E-A6E1-810DACB50B77}" srcOrd="0" destOrd="0" presId="urn:microsoft.com/office/officeart/2005/8/layout/hChevron3"/>
-    <dgm:cxn modelId="{69FE4692-CFB3-D243-AE1B-5F173150E8A0}" srcId="{2ACAFF71-1A1E-4241-B375-2D08DF064159}" destId="{3813E2BE-F2C8-0E49-8721-1E3C7B2092D8}" srcOrd="2" destOrd="0" parTransId="{5F975D2A-84ED-D94C-AD6C-A189023707D9}" sibTransId="{1C4A5959-9D7F-8544-BAAF-1E6C4DD92B3A}"/>
     <dgm:cxn modelId="{79DEB692-DBB1-CB4F-B33C-5501B80D297F}" type="presOf" srcId="{3813E2BE-F2C8-0E49-8721-1E3C7B2092D8}" destId="{B56A004B-C0E0-FF42-9574-0EC427394100}" srcOrd="0" destOrd="0" presId="urn:microsoft.com/office/officeart/2005/8/layout/hChevron3"/>
+    <dgm:cxn modelId="{15833AD4-856C-364C-8F74-A41D300A26FB}" srcId="{2ACAFF71-1A1E-4241-B375-2D08DF064159}" destId="{6E8A2133-0457-FA4F-A8B0-7E215DDA3E08}" srcOrd="0" destOrd="0" parTransId="{65E65161-4587-EA47-B4AB-4952C3495394}" sibTransId="{B0395B3E-1C91-184B-A2B7-A21EBF345B36}"/>
+    <dgm:cxn modelId="{02C62CD4-63EB-0342-9CDB-E3681D3F2463}" type="presOf" srcId="{6E8A2133-0457-FA4F-A8B0-7E215DDA3E08}" destId="{52CA5D5C-A339-9F44-8752-99E0140043DD}" srcOrd="0" destOrd="0" presId="urn:microsoft.com/office/officeart/2005/8/layout/hChevron3"/>
     <dgm:cxn modelId="{A5123DCB-1647-6642-80D9-CF9AD4C099E6}" type="presOf" srcId="{2ACAFF71-1A1E-4241-B375-2D08DF064159}" destId="{A30AF579-8DBD-3F42-B950-836C9F373015}" srcOrd="0" destOrd="0" presId="urn:microsoft.com/office/officeart/2005/8/layout/hChevron3"/>
-    <dgm:cxn modelId="{02C62CD4-63EB-0342-9CDB-E3681D3F2463}" type="presOf" srcId="{6E8A2133-0457-FA4F-A8B0-7E215DDA3E08}" destId="{52CA5D5C-A339-9F44-8752-99E0140043DD}" srcOrd="0" destOrd="0" presId="urn:microsoft.com/office/officeart/2005/8/layout/hChevron3"/>
-    <dgm:cxn modelId="{15833AD4-856C-364C-8F74-A41D300A26FB}" srcId="{2ACAFF71-1A1E-4241-B375-2D08DF064159}" destId="{6E8A2133-0457-FA4F-A8B0-7E215DDA3E08}" srcOrd="0" destOrd="0" parTransId="{65E65161-4587-EA47-B4AB-4952C3495394}" sibTransId="{B0395B3E-1C91-184B-A2B7-A21EBF345B36}"/>
     <dgm:cxn modelId="{12C87DFB-707A-F448-8940-CAB509A109AB}" srcId="{2ACAFF71-1A1E-4241-B375-2D08DF064159}" destId="{559E56A3-EAAB-2049-B980-B20F0AA188EA}" srcOrd="1" destOrd="0" parTransId="{638D9D63-A6C2-284F-849F-1078B420529D}" sibTransId="{3C16356A-4759-7040-9B0B-3A916135148C}"/>
     <dgm:cxn modelId="{4092E794-0AC3-D84D-AE18-B3D9B94FE466}" type="presParOf" srcId="{A30AF579-8DBD-3F42-B950-836C9F373015}" destId="{52CA5D5C-A339-9F44-8752-99E0140043DD}" srcOrd="0" destOrd="0" presId="urn:microsoft.com/office/officeart/2005/8/layout/hChevron3"/>
     <dgm:cxn modelId="{31F06698-08B0-964E-8189-E4EFBE478308}" type="presParOf" srcId="{A30AF579-8DBD-3F42-B950-836C9F373015}" destId="{D96F0753-DE29-7544-BAAD-F7A55CE59D0E}" srcOrd="1" destOrd="0" presId="urn:microsoft.com/office/officeart/2005/8/layout/hChevron3"/>
@@ -3974,6 +4042,13 @@
         </dgm:presLayoutVars>
       </dgm:prSet>
       <dgm:spPr/>
+      <dgm:t>
+        <a:bodyPr/>
+        <a:lstStyle/>
+        <a:p>
+          <a:endParaRPr lang="de-DE"/>
+        </a:p>
+      </dgm:t>
     </dgm:pt>
     <dgm:pt modelId="{D96F0753-DE29-7544-BAAD-F7A55CE59D0E}" type="pres">
       <dgm:prSet presAssocID="{B0395B3E-1C91-184B-A2B7-A21EBF345B36}" presName="parSpace" presStyleCnt="0"/>
@@ -3986,6 +4061,13 @@
         </dgm:presLayoutVars>
       </dgm:prSet>
       <dgm:spPr/>
+      <dgm:t>
+        <a:bodyPr/>
+        <a:lstStyle/>
+        <a:p>
+          <a:endParaRPr lang="de-DE"/>
+        </a:p>
+      </dgm:t>
     </dgm:pt>
     <dgm:pt modelId="{FFE8A8E0-F6B2-FB4D-8C98-4B23F2C658BE}" type="pres">
       <dgm:prSet presAssocID="{3C16356A-4759-7040-9B0B-3A916135148C}" presName="parSpace" presStyleCnt="0"/>
@@ -3998,15 +4080,22 @@
         </dgm:presLayoutVars>
       </dgm:prSet>
       <dgm:spPr/>
+      <dgm:t>
+        <a:bodyPr/>
+        <a:lstStyle/>
+        <a:p>
+          <a:endParaRPr lang="de-DE"/>
+        </a:p>
+      </dgm:t>
     </dgm:pt>
   </dgm:ptLst>
   <dgm:cxnLst>
+    <dgm:cxn modelId="{69FE4692-CFB3-D243-AE1B-5F173150E8A0}" srcId="{2ACAFF71-1A1E-4241-B375-2D08DF064159}" destId="{3813E2BE-F2C8-0E49-8721-1E3C7B2092D8}" srcOrd="2" destOrd="0" parTransId="{5F975D2A-84ED-D94C-AD6C-A189023707D9}" sibTransId="{1C4A5959-9D7F-8544-BAAF-1E6C4DD92B3A}"/>
     <dgm:cxn modelId="{B2FF2F39-5095-D445-86BC-86332B47E8EB}" type="presOf" srcId="{559E56A3-EAAB-2049-B980-B20F0AA188EA}" destId="{B0830E66-601B-804E-A6E1-810DACB50B77}" srcOrd="0" destOrd="0" presId="urn:microsoft.com/office/officeart/2005/8/layout/hChevron3"/>
-    <dgm:cxn modelId="{69FE4692-CFB3-D243-AE1B-5F173150E8A0}" srcId="{2ACAFF71-1A1E-4241-B375-2D08DF064159}" destId="{3813E2BE-F2C8-0E49-8721-1E3C7B2092D8}" srcOrd="2" destOrd="0" parTransId="{5F975D2A-84ED-D94C-AD6C-A189023707D9}" sibTransId="{1C4A5959-9D7F-8544-BAAF-1E6C4DD92B3A}"/>
     <dgm:cxn modelId="{79DEB692-DBB1-CB4F-B33C-5501B80D297F}" type="presOf" srcId="{3813E2BE-F2C8-0E49-8721-1E3C7B2092D8}" destId="{B56A004B-C0E0-FF42-9574-0EC427394100}" srcOrd="0" destOrd="0" presId="urn:microsoft.com/office/officeart/2005/8/layout/hChevron3"/>
+    <dgm:cxn modelId="{15833AD4-856C-364C-8F74-A41D300A26FB}" srcId="{2ACAFF71-1A1E-4241-B375-2D08DF064159}" destId="{6E8A2133-0457-FA4F-A8B0-7E215DDA3E08}" srcOrd="0" destOrd="0" parTransId="{65E65161-4587-EA47-B4AB-4952C3495394}" sibTransId="{B0395B3E-1C91-184B-A2B7-A21EBF345B36}"/>
+    <dgm:cxn modelId="{02C62CD4-63EB-0342-9CDB-E3681D3F2463}" type="presOf" srcId="{6E8A2133-0457-FA4F-A8B0-7E215DDA3E08}" destId="{52CA5D5C-A339-9F44-8752-99E0140043DD}" srcOrd="0" destOrd="0" presId="urn:microsoft.com/office/officeart/2005/8/layout/hChevron3"/>
     <dgm:cxn modelId="{A5123DCB-1647-6642-80D9-CF9AD4C099E6}" type="presOf" srcId="{2ACAFF71-1A1E-4241-B375-2D08DF064159}" destId="{A30AF579-8DBD-3F42-B950-836C9F373015}" srcOrd="0" destOrd="0" presId="urn:microsoft.com/office/officeart/2005/8/layout/hChevron3"/>
-    <dgm:cxn modelId="{02C62CD4-63EB-0342-9CDB-E3681D3F2463}" type="presOf" srcId="{6E8A2133-0457-FA4F-A8B0-7E215DDA3E08}" destId="{52CA5D5C-A339-9F44-8752-99E0140043DD}" srcOrd="0" destOrd="0" presId="urn:microsoft.com/office/officeart/2005/8/layout/hChevron3"/>
-    <dgm:cxn modelId="{15833AD4-856C-364C-8F74-A41D300A26FB}" srcId="{2ACAFF71-1A1E-4241-B375-2D08DF064159}" destId="{6E8A2133-0457-FA4F-A8B0-7E215DDA3E08}" srcOrd="0" destOrd="0" parTransId="{65E65161-4587-EA47-B4AB-4952C3495394}" sibTransId="{B0395B3E-1C91-184B-A2B7-A21EBF345B36}"/>
     <dgm:cxn modelId="{12C87DFB-707A-F448-8940-CAB509A109AB}" srcId="{2ACAFF71-1A1E-4241-B375-2D08DF064159}" destId="{559E56A3-EAAB-2049-B980-B20F0AA188EA}" srcOrd="1" destOrd="0" parTransId="{638D9D63-A6C2-284F-849F-1078B420529D}" sibTransId="{3C16356A-4759-7040-9B0B-3A916135148C}"/>
     <dgm:cxn modelId="{4092E794-0AC3-D84D-AE18-B3D9B94FE466}" type="presParOf" srcId="{A30AF579-8DBD-3F42-B950-836C9F373015}" destId="{52CA5D5C-A339-9F44-8752-99E0140043DD}" srcOrd="0" destOrd="0" presId="urn:microsoft.com/office/officeart/2005/8/layout/hChevron3"/>
     <dgm:cxn modelId="{31F06698-08B0-964E-8189-E4EFBE478308}" type="presParOf" srcId="{A30AF579-8DBD-3F42-B950-836C9F373015}" destId="{D96F0753-DE29-7544-BAAD-F7A55CE59D0E}" srcOrd="1" destOrd="0" presId="urn:microsoft.com/office/officeart/2005/8/layout/hChevron3"/>
@@ -4087,7 +4176,7 @@
         </a:bodyPr>
         <a:lstStyle/>
         <a:p>
-          <a:pPr marL="0" lvl="0" indent="0" algn="ctr" defTabSz="1155700">
+          <a:pPr lvl="0" algn="ctr" defTabSz="1155700">
             <a:lnSpc>
               <a:spcPct val="90000"/>
             </a:lnSpc>
@@ -4097,7 +4186,6 @@
             <a:spcAft>
               <a:spcPct val="35000"/>
             </a:spcAft>
-            <a:buNone/>
           </a:pPr>
           <a:r>
             <a:rPr lang="de-DE" sz="2600" kern="1200" dirty="0">
@@ -4168,7 +4256,7 @@
         </a:bodyPr>
         <a:lstStyle/>
         <a:p>
-          <a:pPr marL="0" lvl="0" indent="0" algn="ctr" defTabSz="1155700">
+          <a:pPr lvl="0" algn="ctr" defTabSz="1155700">
             <a:lnSpc>
               <a:spcPct val="90000"/>
             </a:lnSpc>
@@ -4178,7 +4266,6 @@
             <a:spcAft>
               <a:spcPct val="35000"/>
             </a:spcAft>
-            <a:buNone/>
           </a:pPr>
           <a:r>
             <a:rPr lang="de-DE" sz="2600" kern="1200" dirty="0">
@@ -4249,7 +4336,7 @@
         </a:bodyPr>
         <a:lstStyle/>
         <a:p>
-          <a:pPr marL="0" lvl="0" indent="0" algn="ctr" defTabSz="1155700">
+          <a:pPr lvl="0" algn="ctr" defTabSz="1155700">
             <a:lnSpc>
               <a:spcPct val="90000"/>
             </a:lnSpc>
@@ -4259,7 +4346,6 @@
             <a:spcAft>
               <a:spcPct val="35000"/>
             </a:spcAft>
-            <a:buNone/>
           </a:pPr>
           <a:r>
             <a:rPr lang="de-DE" sz="2600" kern="1200" dirty="0" err="1">
@@ -4298,258 +4384,6 @@
       <dsp:cNvGrpSpPr/>
     </dsp:nvGrpSpPr>
     <dsp:grpSpPr/>
-    <dsp:sp modelId="{52CA5D5C-A339-9F44-8752-99E0140043DD}">
-      <dsp:nvSpPr>
-        <dsp:cNvPr id="0" name=""/>
-        <dsp:cNvSpPr/>
-      </dsp:nvSpPr>
-      <dsp:spPr>
-        <a:xfrm>
-          <a:off x="1715" y="0"/>
-          <a:ext cx="3938039" cy="497161"/>
-        </a:xfrm>
-        <a:prstGeom prst="homePlate">
-          <a:avLst/>
-        </a:prstGeom>
-        <a:solidFill>
-          <a:schemeClr val="accent2">
-            <a:lumMod val="40000"/>
-            <a:lumOff val="60000"/>
-          </a:schemeClr>
-        </a:solidFill>
-        <a:ln w="12700" cap="flat" cmpd="sng" algn="ctr">
-          <a:solidFill>
-            <a:schemeClr val="lt1">
-              <a:hueOff val="0"/>
-              <a:satOff val="0"/>
-              <a:lumOff val="0"/>
-              <a:alphaOff val="0"/>
-            </a:schemeClr>
-          </a:solidFill>
-          <a:prstDash val="solid"/>
-          <a:miter lim="800000"/>
-        </a:ln>
-        <a:effectLst/>
-      </dsp:spPr>
-      <dsp:style>
-        <a:lnRef idx="2">
-          <a:scrgbClr r="0" g="0" b="0"/>
-        </a:lnRef>
-        <a:fillRef idx="1">
-          <a:scrgbClr r="0" g="0" b="0"/>
-        </a:fillRef>
-        <a:effectRef idx="0">
-          <a:scrgbClr r="0" g="0" b="0"/>
-        </a:effectRef>
-        <a:fontRef idx="minor">
-          <a:schemeClr val="lt1"/>
-        </a:fontRef>
-      </dsp:style>
-      <dsp:txBody>
-        <a:bodyPr spcFirstLastPara="0" vert="horz" wrap="square" lIns="0" tIns="69342" rIns="468000" bIns="69342" numCol="1" spcCol="1270" anchor="ctr" anchorCtr="0">
-          <a:noAutofit/>
-        </a:bodyPr>
-        <a:lstStyle/>
-        <a:p>
-          <a:pPr marL="0" lvl="0" indent="0" algn="ctr" defTabSz="1155700">
-            <a:lnSpc>
-              <a:spcPct val="90000"/>
-            </a:lnSpc>
-            <a:spcBef>
-              <a:spcPct val="0"/>
-            </a:spcBef>
-            <a:spcAft>
-              <a:spcPct val="35000"/>
-            </a:spcAft>
-            <a:buNone/>
-          </a:pPr>
-          <a:r>
-            <a:rPr lang="de-DE" sz="2600" kern="1200" dirty="0">
-              <a:solidFill>
-                <a:schemeClr val="tx1"/>
-              </a:solidFill>
-              <a:latin typeface="Cambria" panose="02040503050406030204" pitchFamily="18" charset="0"/>
-            </a:rPr>
-            <a:t>Background - Data</a:t>
-          </a:r>
-        </a:p>
-      </dsp:txBody>
-      <dsp:txXfrm>
-        <a:off x="1715" y="0"/>
-        <a:ext cx="3813749" cy="497161"/>
-      </dsp:txXfrm>
-    </dsp:sp>
-    <dsp:sp modelId="{B0830E66-601B-804E-A6E1-810DACB50B77}">
-      <dsp:nvSpPr>
-        <dsp:cNvPr id="0" name=""/>
-        <dsp:cNvSpPr/>
-      </dsp:nvSpPr>
-      <dsp:spPr>
-        <a:xfrm>
-          <a:off x="3088636" y="0"/>
-          <a:ext cx="4695874" cy="497161"/>
-        </a:xfrm>
-        <a:prstGeom prst="chevron">
-          <a:avLst/>
-        </a:prstGeom>
-        <a:solidFill>
-          <a:schemeClr val="accent2">
-            <a:lumMod val="75000"/>
-            <a:alpha val="70000"/>
-          </a:schemeClr>
-        </a:solidFill>
-        <a:ln w="12700" cap="flat" cmpd="sng" algn="ctr">
-          <a:solidFill>
-            <a:schemeClr val="lt1">
-              <a:hueOff val="0"/>
-              <a:satOff val="0"/>
-              <a:lumOff val="0"/>
-              <a:alphaOff val="0"/>
-            </a:schemeClr>
-          </a:solidFill>
-          <a:prstDash val="solid"/>
-          <a:miter lim="800000"/>
-        </a:ln>
-        <a:effectLst/>
-      </dsp:spPr>
-      <dsp:style>
-        <a:lnRef idx="2">
-          <a:scrgbClr r="0" g="0" b="0"/>
-        </a:lnRef>
-        <a:fillRef idx="1">
-          <a:scrgbClr r="0" g="0" b="0"/>
-        </a:fillRef>
-        <a:effectRef idx="0">
-          <a:scrgbClr r="0" g="0" b="0"/>
-        </a:effectRef>
-        <a:fontRef idx="minor">
-          <a:schemeClr val="lt1"/>
-        </a:fontRef>
-      </dsp:style>
-      <dsp:txBody>
-        <a:bodyPr spcFirstLastPara="0" vert="horz" wrap="square" lIns="0" tIns="69342" rIns="468000" bIns="69342" numCol="1" spcCol="1270" anchor="ctr" anchorCtr="0">
-          <a:noAutofit/>
-        </a:bodyPr>
-        <a:lstStyle/>
-        <a:p>
-          <a:pPr marL="0" lvl="0" indent="0" algn="ctr" defTabSz="1155700">
-            <a:lnSpc>
-              <a:spcPct val="90000"/>
-            </a:lnSpc>
-            <a:spcBef>
-              <a:spcPct val="0"/>
-            </a:spcBef>
-            <a:spcAft>
-              <a:spcPct val="35000"/>
-            </a:spcAft>
-            <a:buNone/>
-          </a:pPr>
-          <a:r>
-            <a:rPr lang="de-DE" sz="2600" kern="1200" dirty="0">
-              <a:solidFill>
-                <a:schemeClr val="tx1"/>
-              </a:solidFill>
-              <a:latin typeface="Cambria" panose="02040503050406030204" pitchFamily="18" charset="0"/>
-            </a:rPr>
-            <a:t>Methods - Milestones</a:t>
-          </a:r>
-        </a:p>
-      </dsp:txBody>
-      <dsp:txXfrm>
-        <a:off x="3337217" y="0"/>
-        <a:ext cx="4198713" cy="497161"/>
-      </dsp:txXfrm>
-    </dsp:sp>
-    <dsp:sp modelId="{B56A004B-C0E0-FF42-9574-0EC427394100}">
-      <dsp:nvSpPr>
-        <dsp:cNvPr id="0" name=""/>
-        <dsp:cNvSpPr/>
-      </dsp:nvSpPr>
-      <dsp:spPr>
-        <a:xfrm>
-          <a:off x="6933392" y="0"/>
-          <a:ext cx="3428091" cy="497161"/>
-        </a:xfrm>
-        <a:prstGeom prst="chevron">
-          <a:avLst/>
-        </a:prstGeom>
-        <a:solidFill>
-          <a:schemeClr val="accent2">
-            <a:lumMod val="40000"/>
-            <a:lumOff val="60000"/>
-          </a:schemeClr>
-        </a:solidFill>
-        <a:ln w="12700" cap="flat" cmpd="sng" algn="ctr">
-          <a:solidFill>
-            <a:schemeClr val="lt1">
-              <a:hueOff val="0"/>
-              <a:satOff val="0"/>
-              <a:lumOff val="0"/>
-              <a:alphaOff val="0"/>
-            </a:schemeClr>
-          </a:solidFill>
-          <a:prstDash val="solid"/>
-          <a:miter lim="800000"/>
-        </a:ln>
-        <a:effectLst/>
-      </dsp:spPr>
-      <dsp:style>
-        <a:lnRef idx="2">
-          <a:scrgbClr r="0" g="0" b="0"/>
-        </a:lnRef>
-        <a:fillRef idx="1">
-          <a:scrgbClr r="0" g="0" b="0"/>
-        </a:fillRef>
-        <a:effectRef idx="0">
-          <a:scrgbClr r="0" g="0" b="0"/>
-        </a:effectRef>
-        <a:fontRef idx="minor">
-          <a:schemeClr val="lt1"/>
-        </a:fontRef>
-      </dsp:style>
-      <dsp:txBody>
-        <a:bodyPr spcFirstLastPara="0" vert="horz" wrap="square" lIns="104013" tIns="69342" rIns="34671" bIns="69342" numCol="1" spcCol="1270" anchor="ctr" anchorCtr="0">
-          <a:noAutofit/>
-        </a:bodyPr>
-        <a:lstStyle/>
-        <a:p>
-          <a:pPr marL="0" lvl="0" indent="0" algn="ctr" defTabSz="1155700">
-            <a:lnSpc>
-              <a:spcPct val="90000"/>
-            </a:lnSpc>
-            <a:spcBef>
-              <a:spcPct val="0"/>
-            </a:spcBef>
-            <a:spcAft>
-              <a:spcPct val="35000"/>
-            </a:spcAft>
-            <a:buNone/>
-          </a:pPr>
-          <a:r>
-            <a:rPr lang="de-DE" sz="2600" kern="1200" dirty="0" err="1">
-              <a:solidFill>
-                <a:schemeClr val="tx1"/>
-              </a:solidFill>
-              <a:latin typeface="Cambria" panose="02040503050406030204" pitchFamily="18" charset="0"/>
-            </a:rPr>
-            <a:t>Ideas</a:t>
-          </a:r>
-          <a:r>
-            <a:rPr lang="de-DE" sz="2600" kern="1200" dirty="0">
-              <a:solidFill>
-                <a:schemeClr val="tx1"/>
-              </a:solidFill>
-              <a:latin typeface="Cambria" panose="02040503050406030204" pitchFamily="18" charset="0"/>
-            </a:rPr>
-            <a:t> - Timeline </a:t>
-          </a:r>
-        </a:p>
-      </dsp:txBody>
-      <dsp:txXfrm>
-        <a:off x="7181973" y="0"/>
-        <a:ext cx="2930930" cy="497161"/>
-      </dsp:txXfrm>
-    </dsp:sp>
   </dsp:spTree>
 </dsp:drawing>
 </file>
@@ -4615,7 +4449,7 @@
         </a:bodyPr>
         <a:lstStyle/>
         <a:p>
-          <a:pPr marL="0" lvl="0" indent="0" algn="ctr" defTabSz="1155700">
+          <a:pPr lvl="0" algn="ctr" defTabSz="1155700">
             <a:lnSpc>
               <a:spcPct val="90000"/>
             </a:lnSpc>
@@ -4625,7 +4459,6 @@
             <a:spcAft>
               <a:spcPct val="35000"/>
             </a:spcAft>
-            <a:buNone/>
           </a:pPr>
           <a:r>
             <a:rPr lang="de-DE" sz="2600" kern="1200" dirty="0">
@@ -4696,7 +4529,7 @@
         </a:bodyPr>
         <a:lstStyle/>
         <a:p>
-          <a:pPr marL="0" lvl="0" indent="0" algn="ctr" defTabSz="1155700">
+          <a:pPr lvl="0" algn="ctr" defTabSz="1155700">
             <a:lnSpc>
               <a:spcPct val="90000"/>
             </a:lnSpc>
@@ -4706,7 +4539,6 @@
             <a:spcAft>
               <a:spcPct val="35000"/>
             </a:spcAft>
-            <a:buNone/>
           </a:pPr>
           <a:r>
             <a:rPr lang="de-DE" sz="2600" kern="1200" dirty="0">
@@ -4777,7 +4609,7 @@
         </a:bodyPr>
         <a:lstStyle/>
         <a:p>
-          <a:pPr marL="0" lvl="0" indent="0" algn="ctr" defTabSz="1155700">
+          <a:pPr lvl="0" algn="ctr" defTabSz="1155700">
             <a:lnSpc>
               <a:spcPct val="90000"/>
             </a:lnSpc>
@@ -4787,7 +4619,6 @@
             <a:spcAft>
               <a:spcPct val="35000"/>
             </a:spcAft>
-            <a:buNone/>
           </a:pPr>
           <a:r>
             <a:rPr lang="de-DE" sz="2600" kern="1200" dirty="0" err="1">
@@ -4879,7 +4710,7 @@
         </a:bodyPr>
         <a:lstStyle/>
         <a:p>
-          <a:pPr marL="0" lvl="0" indent="0" algn="ctr" defTabSz="1644650">
+          <a:pPr lvl="0" algn="ctr" defTabSz="1644650">
             <a:lnSpc>
               <a:spcPct val="90000"/>
             </a:lnSpc>
@@ -4889,7 +4720,6 @@
             <a:spcAft>
               <a:spcPct val="35000"/>
             </a:spcAft>
-            <a:buNone/>
           </a:pPr>
           <a:r>
             <a:rPr lang="de-DE" sz="3700" kern="1200" dirty="0">
@@ -4960,7 +4790,7 @@
         </a:bodyPr>
         <a:lstStyle/>
         <a:p>
-          <a:pPr marL="0" lvl="0" indent="0" algn="ctr" defTabSz="1644650">
+          <a:pPr lvl="0" algn="ctr" defTabSz="1644650">
             <a:lnSpc>
               <a:spcPct val="90000"/>
             </a:lnSpc>
@@ -4970,7 +4800,6 @@
             <a:spcAft>
               <a:spcPct val="35000"/>
             </a:spcAft>
-            <a:buNone/>
           </a:pPr>
           <a:r>
             <a:rPr lang="de-DE" sz="3700" kern="1200" dirty="0">
@@ -5041,7 +4870,7 @@
         </a:bodyPr>
         <a:lstStyle/>
         <a:p>
-          <a:pPr marL="0" lvl="0" indent="0" algn="ctr" defTabSz="1644650">
+          <a:pPr lvl="0" algn="ctr" defTabSz="1644650">
             <a:lnSpc>
               <a:spcPct val="90000"/>
             </a:lnSpc>
@@ -5051,7 +4880,6 @@
             <a:spcAft>
               <a:spcPct val="35000"/>
             </a:spcAft>
-            <a:buNone/>
           </a:pPr>
           <a:r>
             <a:rPr lang="de-DE" sz="3700" kern="1200" dirty="0" err="1">
@@ -10388,7 +10216,7 @@
           <a:p>
             <a:fld id="{B1EDDCE5-D48E-DA43-B444-DDF71E7751E7}" type="datetimeFigureOut">
               <a:rPr lang="de-DE" smtClean="0"/>
-              <a:t>17.05.23</a:t>
+              <a:t>18.05.2023</a:t>
             </a:fld>
             <a:endParaRPr lang="de-DE"/>
           </a:p>
@@ -10947,6 +10775,90 @@
 </p:notes>
 </file>
 
+<file path=ppt/notesSlides/notesSlide10.xml><?xml version="1.0" encoding="utf-8"?>
+<p:notes xmlns:a="http://schemas.openxmlformats.org/drawingml/2006/main" xmlns:r="http://schemas.openxmlformats.org/officeDocument/2006/relationships" xmlns:p="http://schemas.openxmlformats.org/presentationml/2006/main">
+  <p:cSld>
+    <p:spTree>
+      <p:nvGrpSpPr>
+        <p:cNvPr id="1" name=""/>
+        <p:cNvGrpSpPr/>
+        <p:nvPr/>
+      </p:nvGrpSpPr>
+      <p:grpSpPr>
+        <a:xfrm>
+          <a:off x="0" y="0"/>
+          <a:ext cx="0" cy="0"/>
+          <a:chOff x="0" y="0"/>
+          <a:chExt cx="0" cy="0"/>
+        </a:xfrm>
+      </p:grpSpPr>
+      <p:sp>
+        <p:nvSpPr>
+          <p:cNvPr id="2" name="Folienbildplatzhalter 1"/>
+          <p:cNvSpPr>
+            <a:spLocks noGrp="1" noRot="1" noChangeAspect="1"/>
+          </p:cNvSpPr>
+          <p:nvPr>
+            <p:ph type="sldImg"/>
+          </p:nvPr>
+        </p:nvSpPr>
+        <p:spPr/>
+      </p:sp>
+      <p:sp>
+        <p:nvSpPr>
+          <p:cNvPr id="3" name="Notizenplatzhalter 2"/>
+          <p:cNvSpPr>
+            <a:spLocks noGrp="1"/>
+          </p:cNvSpPr>
+          <p:nvPr>
+            <p:ph type="body" idx="1"/>
+          </p:nvPr>
+        </p:nvSpPr>
+        <p:spPr/>
+        <p:txBody>
+          <a:bodyPr/>
+          <a:lstStyle/>
+          <a:p>
+            <a:endParaRPr lang="de-DE"/>
+          </a:p>
+        </p:txBody>
+      </p:sp>
+      <p:sp>
+        <p:nvSpPr>
+          <p:cNvPr id="4" name="Foliennummernplatzhalter 3"/>
+          <p:cNvSpPr>
+            <a:spLocks noGrp="1"/>
+          </p:cNvSpPr>
+          <p:nvPr>
+            <p:ph type="sldNum" sz="quarter" idx="10"/>
+          </p:nvPr>
+        </p:nvSpPr>
+        <p:spPr/>
+        <p:txBody>
+          <a:bodyPr/>
+          <a:lstStyle/>
+          <a:p>
+            <a:fld id="{C32FFBED-32DA-134C-988D-9B5AF231614C}" type="slidenum">
+              <a:rPr lang="de-DE" smtClean="0"/>
+              <a:t>13</a:t>
+            </a:fld>
+            <a:endParaRPr lang="de-DE"/>
+          </a:p>
+        </p:txBody>
+      </p:sp>
+    </p:spTree>
+    <p:extLst>
+      <p:ext uri="{BB962C8B-B14F-4D97-AF65-F5344CB8AC3E}">
+        <p14:creationId xmlns:p14="http://schemas.microsoft.com/office/powerpoint/2010/main" val="1406280784"/>
+      </p:ext>
+    </p:extLst>
+  </p:cSld>
+  <p:clrMapOvr>
+    <a:masterClrMapping/>
+  </p:clrMapOvr>
+</p:notes>
+</file>
+
 <file path=ppt/notesSlides/notesSlide2.xml><?xml version="1.0" encoding="utf-8"?>
 <p:notes xmlns:a="http://schemas.openxmlformats.org/drawingml/2006/main" xmlns:r="http://schemas.openxmlformats.org/officeDocument/2006/relationships" xmlns:p="http://schemas.openxmlformats.org/presentationml/2006/main">
   <p:cSld>
@@ -12091,233 +12003,7 @@
           <a:bodyPr/>
           <a:lstStyle/>
           <a:p>
-            <a:endParaRPr lang="de-DE" dirty="0"/>
-          </a:p>
-          <a:p>
-            <a:r>
-              <a:rPr lang="de-DE" dirty="0"/>
-              <a:t>ERA5 Data: </a:t>
-            </a:r>
-          </a:p>
-          <a:p>
-            <a:r>
-              <a:rPr lang="de-DE" dirty="0" err="1"/>
-              <a:t>measurements</a:t>
-            </a:r>
-            <a:r>
-              <a:rPr lang="de-DE" dirty="0"/>
-              <a:t>, </a:t>
-            </a:r>
-            <a:r>
-              <a:rPr lang="de-DE" dirty="0" err="1"/>
-              <a:t>reanalysis</a:t>
-            </a:r>
-            <a:r>
-              <a:rPr lang="de-DE" dirty="0"/>
-              <a:t> </a:t>
-            </a:r>
-            <a:r>
-              <a:rPr lang="de-DE" dirty="0" err="1"/>
-              <a:t>of</a:t>
-            </a:r>
-            <a:r>
-              <a:rPr lang="de-DE" dirty="0"/>
-              <a:t> </a:t>
-            </a:r>
-            <a:r>
-              <a:rPr lang="de-DE" dirty="0" err="1"/>
-              <a:t>climate</a:t>
-            </a:r>
-            <a:r>
-              <a:rPr lang="de-DE" dirty="0"/>
-              <a:t> </a:t>
-            </a:r>
-            <a:r>
-              <a:rPr lang="de-DE" dirty="0" err="1"/>
-              <a:t>data</a:t>
-            </a:r>
-            <a:r>
-              <a:rPr lang="de-DE" dirty="0"/>
-              <a:t> </a:t>
-            </a:r>
-            <a:r>
-              <a:rPr lang="de-DE" dirty="0" err="1"/>
-              <a:t>since</a:t>
-            </a:r>
-            <a:r>
-              <a:rPr lang="de-DE" dirty="0"/>
-              <a:t> 1959 (</a:t>
-            </a:r>
-            <a:r>
-              <a:rPr lang="de-DE" dirty="0" err="1"/>
-              <a:t>hourly</a:t>
-            </a:r>
-            <a:r>
-              <a:rPr lang="de-DE" dirty="0"/>
-              <a:t>, 0,25°x 0,25° </a:t>
-            </a:r>
-            <a:r>
-              <a:rPr lang="de-DE" dirty="0" err="1"/>
-              <a:t>spatial</a:t>
-            </a:r>
-            <a:r>
-              <a:rPr lang="de-DE" dirty="0"/>
-              <a:t> </a:t>
-            </a:r>
-            <a:r>
-              <a:rPr lang="de-DE" dirty="0" err="1"/>
-              <a:t>resolution</a:t>
-            </a:r>
-            <a:r>
-              <a:rPr lang="de-DE" dirty="0"/>
-              <a:t>, 137 </a:t>
-            </a:r>
-            <a:r>
-              <a:rPr lang="de-DE" dirty="0" err="1"/>
-              <a:t>altitude</a:t>
-            </a:r>
-            <a:r>
-              <a:rPr lang="de-DE" dirty="0"/>
-              <a:t> </a:t>
-            </a:r>
-            <a:r>
-              <a:rPr lang="de-DE" dirty="0" err="1"/>
-              <a:t>levels</a:t>
-            </a:r>
-            <a:r>
-              <a:rPr lang="de-DE" dirty="0"/>
-              <a:t> (max. 80 km)</a:t>
-            </a:r>
-          </a:p>
-          <a:p>
-            <a:r>
-              <a:rPr lang="de-DE" dirty="0" err="1"/>
-              <a:t>Extraction</a:t>
-            </a:r>
-            <a:r>
-              <a:rPr lang="de-DE" dirty="0"/>
-              <a:t> </a:t>
-            </a:r>
-            <a:r>
-              <a:rPr lang="de-DE" dirty="0" err="1"/>
-              <a:t>of</a:t>
-            </a:r>
-            <a:r>
-              <a:rPr lang="de-DE" dirty="0"/>
-              <a:t> </a:t>
-            </a:r>
-            <a:r>
-              <a:rPr lang="de-DE" dirty="0" err="1"/>
-              <a:t>monthly</a:t>
-            </a:r>
-            <a:r>
-              <a:rPr lang="de-DE" dirty="0"/>
-              <a:t> 2m </a:t>
-            </a:r>
-            <a:r>
-              <a:rPr lang="de-DE" dirty="0" err="1"/>
-              <a:t>temperature</a:t>
-            </a:r>
-            <a:r>
-              <a:rPr lang="de-DE" dirty="0"/>
-              <a:t> </a:t>
-            </a:r>
-            <a:r>
-              <a:rPr lang="de-DE" dirty="0" err="1"/>
-              <a:t>data</a:t>
-            </a:r>
-            <a:r>
-              <a:rPr lang="de-DE" dirty="0"/>
-              <a:t> </a:t>
-            </a:r>
-            <a:r>
-              <a:rPr lang="de-DE" dirty="0" err="1"/>
-              <a:t>from</a:t>
-            </a:r>
-            <a:r>
-              <a:rPr lang="de-DE" dirty="0"/>
-              <a:t> 2006 – 2022</a:t>
-            </a:r>
-          </a:p>
-          <a:p>
-            <a:endParaRPr lang="de-DE" dirty="0"/>
-          </a:p>
-          <a:p>
-            <a:r>
-              <a:rPr lang="de-DE" dirty="0"/>
-              <a:t>Dengue </a:t>
-            </a:r>
-            <a:r>
-              <a:rPr lang="de-DE" dirty="0" err="1"/>
-              <a:t>data</a:t>
-            </a:r>
-            <a:r>
-              <a:rPr lang="de-DE" dirty="0"/>
-              <a:t>:</a:t>
-            </a:r>
-          </a:p>
-          <a:p>
-            <a:r>
-              <a:rPr lang="de-DE" dirty="0"/>
-              <a:t>Dengue </a:t>
-            </a:r>
-            <a:r>
-              <a:rPr lang="de-DE" dirty="0" err="1"/>
-              <a:t>hemmorhagic</a:t>
-            </a:r>
-            <a:r>
-              <a:rPr lang="de-DE" dirty="0"/>
-              <a:t> </a:t>
-            </a:r>
-            <a:r>
-              <a:rPr lang="de-DE" dirty="0" err="1"/>
-              <a:t>fever</a:t>
-            </a:r>
-            <a:r>
-              <a:rPr lang="de-DE" dirty="0"/>
-              <a:t> </a:t>
-            </a:r>
-          </a:p>
-          <a:p>
-            <a:r>
-              <a:rPr lang="de-DE" dirty="0"/>
-              <a:t>Monthly </a:t>
-            </a:r>
-            <a:r>
-              <a:rPr lang="de-DE" dirty="0" err="1"/>
-              <a:t>infections</a:t>
-            </a:r>
-            <a:r>
-              <a:rPr lang="de-DE" dirty="0"/>
-              <a:t> in </a:t>
-            </a:r>
-            <a:r>
-              <a:rPr lang="de-DE" dirty="0" err="1"/>
-              <a:t>every</a:t>
-            </a:r>
-            <a:r>
-              <a:rPr lang="de-DE" dirty="0"/>
-              <a:t> </a:t>
-            </a:r>
-            <a:r>
-              <a:rPr lang="de-DE" dirty="0" err="1"/>
-              <a:t>thailand</a:t>
-            </a:r>
-            <a:r>
-              <a:rPr lang="de-DE" dirty="0"/>
-              <a:t> </a:t>
-            </a:r>
-            <a:r>
-              <a:rPr lang="de-DE" dirty="0" err="1"/>
-              <a:t>province</a:t>
-            </a:r>
-            <a:r>
-              <a:rPr lang="de-DE" dirty="0"/>
-              <a:t> (77)</a:t>
-            </a:r>
-          </a:p>
-          <a:p>
-            <a:endParaRPr lang="de-DE" dirty="0"/>
+            <a:endParaRPr lang="de-DE"/>
           </a:p>
         </p:txBody>
       </p:sp>
@@ -12328,7 +12014,7 @@
             <a:spLocks noGrp="1"/>
           </p:cNvSpPr>
           <p:nvPr>
-            <p:ph type="sldNum" sz="quarter" idx="5"/>
+            <p:ph type="sldNum" sz="quarter" idx="10"/>
           </p:nvPr>
         </p:nvSpPr>
         <p:spPr/>
@@ -12347,7 +12033,7 @@
     </p:spTree>
     <p:extLst>
       <p:ext uri="{BB962C8B-B14F-4D97-AF65-F5344CB8AC3E}">
-        <p14:creationId xmlns:p14="http://schemas.microsoft.com/office/powerpoint/2010/main" val="2162853048"/>
+        <p14:creationId xmlns:p14="http://schemas.microsoft.com/office/powerpoint/2010/main" val="4016056263"/>
       </p:ext>
     </p:extLst>
   </p:cSld>
@@ -12412,6 +12098,316 @@
             <a:spLocks noGrp="1"/>
           </p:cNvSpPr>
           <p:nvPr>
+            <p:ph type="sldNum" sz="quarter" idx="10"/>
+          </p:nvPr>
+        </p:nvSpPr>
+        <p:spPr/>
+        <p:txBody>
+          <a:bodyPr/>
+          <a:lstStyle/>
+          <a:p>
+            <a:fld id="{C32FFBED-32DA-134C-988D-9B5AF231614C}" type="slidenum">
+              <a:rPr lang="de-DE" smtClean="0"/>
+              <a:t>7</a:t>
+            </a:fld>
+            <a:endParaRPr lang="de-DE"/>
+          </a:p>
+        </p:txBody>
+      </p:sp>
+    </p:spTree>
+    <p:extLst>
+      <p:ext uri="{BB962C8B-B14F-4D97-AF65-F5344CB8AC3E}">
+        <p14:creationId xmlns:p14="http://schemas.microsoft.com/office/powerpoint/2010/main" val="3223128454"/>
+      </p:ext>
+    </p:extLst>
+  </p:cSld>
+  <p:clrMapOvr>
+    <a:masterClrMapping/>
+  </p:clrMapOvr>
+</p:notes>
+</file>
+
+<file path=ppt/notesSlides/notesSlide6.xml><?xml version="1.0" encoding="utf-8"?>
+<p:notes xmlns:a="http://schemas.openxmlformats.org/drawingml/2006/main" xmlns:r="http://schemas.openxmlformats.org/officeDocument/2006/relationships" xmlns:p="http://schemas.openxmlformats.org/presentationml/2006/main">
+  <p:cSld>
+    <p:spTree>
+      <p:nvGrpSpPr>
+        <p:cNvPr id="1" name=""/>
+        <p:cNvGrpSpPr/>
+        <p:nvPr/>
+      </p:nvGrpSpPr>
+      <p:grpSpPr>
+        <a:xfrm>
+          <a:off x="0" y="0"/>
+          <a:ext cx="0" cy="0"/>
+          <a:chOff x="0" y="0"/>
+          <a:chExt cx="0" cy="0"/>
+        </a:xfrm>
+      </p:grpSpPr>
+      <p:sp>
+        <p:nvSpPr>
+          <p:cNvPr id="2" name="Folienbildplatzhalter 1"/>
+          <p:cNvSpPr>
+            <a:spLocks noGrp="1" noRot="1" noChangeAspect="1"/>
+          </p:cNvSpPr>
+          <p:nvPr>
+            <p:ph type="sldImg"/>
+          </p:nvPr>
+        </p:nvSpPr>
+        <p:spPr/>
+      </p:sp>
+      <p:sp>
+        <p:nvSpPr>
+          <p:cNvPr id="3" name="Notizenplatzhalter 2"/>
+          <p:cNvSpPr>
+            <a:spLocks noGrp="1"/>
+          </p:cNvSpPr>
+          <p:nvPr>
+            <p:ph type="body" idx="1"/>
+          </p:nvPr>
+        </p:nvSpPr>
+        <p:spPr/>
+        <p:txBody>
+          <a:bodyPr/>
+          <a:lstStyle/>
+          <a:p>
+            <a:endParaRPr lang="de-DE" dirty="0"/>
+          </a:p>
+          <a:p>
+            <a:r>
+              <a:rPr lang="de-DE" dirty="0"/>
+              <a:t>ERA5 Data: </a:t>
+            </a:r>
+          </a:p>
+          <a:p>
+            <a:r>
+              <a:rPr lang="de-DE" dirty="0" err="1"/>
+              <a:t>measurements</a:t>
+            </a:r>
+            <a:r>
+              <a:rPr lang="de-DE" dirty="0"/>
+              <a:t>, </a:t>
+            </a:r>
+            <a:r>
+              <a:rPr lang="de-DE" dirty="0" err="1"/>
+              <a:t>reanalysis</a:t>
+            </a:r>
+            <a:r>
+              <a:rPr lang="de-DE" dirty="0"/>
+              <a:t> </a:t>
+            </a:r>
+            <a:r>
+              <a:rPr lang="de-DE" dirty="0" err="1"/>
+              <a:t>of</a:t>
+            </a:r>
+            <a:r>
+              <a:rPr lang="de-DE" dirty="0"/>
+              <a:t> </a:t>
+            </a:r>
+            <a:r>
+              <a:rPr lang="de-DE" dirty="0" err="1"/>
+              <a:t>climate</a:t>
+            </a:r>
+            <a:r>
+              <a:rPr lang="de-DE" dirty="0"/>
+              <a:t> </a:t>
+            </a:r>
+            <a:r>
+              <a:rPr lang="de-DE" dirty="0" err="1"/>
+              <a:t>data</a:t>
+            </a:r>
+            <a:r>
+              <a:rPr lang="de-DE" dirty="0"/>
+              <a:t> </a:t>
+            </a:r>
+            <a:r>
+              <a:rPr lang="de-DE" dirty="0" err="1"/>
+              <a:t>since</a:t>
+            </a:r>
+            <a:r>
+              <a:rPr lang="de-DE" dirty="0"/>
+              <a:t> 1959 (</a:t>
+            </a:r>
+            <a:r>
+              <a:rPr lang="de-DE" dirty="0" err="1"/>
+              <a:t>hourly</a:t>
+            </a:r>
+            <a:r>
+              <a:rPr lang="de-DE" dirty="0"/>
+              <a:t>, 0,25°x 0,25° </a:t>
+            </a:r>
+            <a:r>
+              <a:rPr lang="de-DE" dirty="0" err="1"/>
+              <a:t>spatial</a:t>
+            </a:r>
+            <a:r>
+              <a:rPr lang="de-DE" dirty="0"/>
+              <a:t> </a:t>
+            </a:r>
+            <a:r>
+              <a:rPr lang="de-DE" dirty="0" err="1"/>
+              <a:t>resolution</a:t>
+            </a:r>
+            <a:r>
+              <a:rPr lang="de-DE" dirty="0"/>
+              <a:t>, 137 </a:t>
+            </a:r>
+            <a:r>
+              <a:rPr lang="de-DE" dirty="0" err="1"/>
+              <a:t>altitude</a:t>
+            </a:r>
+            <a:r>
+              <a:rPr lang="de-DE" dirty="0"/>
+              <a:t> </a:t>
+            </a:r>
+            <a:r>
+              <a:rPr lang="de-DE" dirty="0" err="1"/>
+              <a:t>levels</a:t>
+            </a:r>
+            <a:r>
+              <a:rPr lang="de-DE" dirty="0"/>
+              <a:t> (max. 80 km)</a:t>
+            </a:r>
+          </a:p>
+          <a:p>
+            <a:r>
+              <a:rPr lang="de-DE" dirty="0" err="1"/>
+              <a:t>Extraction</a:t>
+            </a:r>
+            <a:r>
+              <a:rPr lang="de-DE" dirty="0"/>
+              <a:t> </a:t>
+            </a:r>
+            <a:r>
+              <a:rPr lang="de-DE" dirty="0" err="1"/>
+              <a:t>of</a:t>
+            </a:r>
+            <a:r>
+              <a:rPr lang="de-DE" dirty="0"/>
+              <a:t> </a:t>
+            </a:r>
+            <a:r>
+              <a:rPr lang="de-DE" dirty="0" err="1"/>
+              <a:t>monthly</a:t>
+            </a:r>
+            <a:r>
+              <a:rPr lang="de-DE" dirty="0"/>
+              <a:t> 2m </a:t>
+            </a:r>
+            <a:r>
+              <a:rPr lang="de-DE" dirty="0" err="1"/>
+              <a:t>temperature</a:t>
+            </a:r>
+            <a:r>
+              <a:rPr lang="de-DE" dirty="0"/>
+              <a:t> </a:t>
+            </a:r>
+            <a:r>
+              <a:rPr lang="de-DE" dirty="0" err="1"/>
+              <a:t>data</a:t>
+            </a:r>
+            <a:r>
+              <a:rPr lang="de-DE" dirty="0"/>
+              <a:t> </a:t>
+            </a:r>
+            <a:r>
+              <a:rPr lang="de-DE" dirty="0" err="1"/>
+              <a:t>from</a:t>
+            </a:r>
+            <a:r>
+              <a:rPr lang="de-DE" dirty="0"/>
+              <a:t> 2006 – 2022</a:t>
+            </a:r>
+          </a:p>
+          <a:p>
+            <a:endParaRPr lang="de-DE" dirty="0"/>
+          </a:p>
+          <a:p>
+            <a:r>
+              <a:rPr lang="de-DE" dirty="0"/>
+              <a:t>Dengue </a:t>
+            </a:r>
+            <a:r>
+              <a:rPr lang="de-DE" dirty="0" err="1"/>
+              <a:t>data</a:t>
+            </a:r>
+            <a:r>
+              <a:rPr lang="de-DE" dirty="0"/>
+              <a:t>:</a:t>
+            </a:r>
+          </a:p>
+          <a:p>
+            <a:r>
+              <a:rPr lang="de-DE" dirty="0"/>
+              <a:t>Dengue </a:t>
+            </a:r>
+            <a:r>
+              <a:rPr lang="de-DE" dirty="0" err="1"/>
+              <a:t>hemmorhagic</a:t>
+            </a:r>
+            <a:r>
+              <a:rPr lang="de-DE" dirty="0"/>
+              <a:t> </a:t>
+            </a:r>
+            <a:r>
+              <a:rPr lang="de-DE" dirty="0" err="1"/>
+              <a:t>fever</a:t>
+            </a:r>
+            <a:r>
+              <a:rPr lang="de-DE" dirty="0"/>
+              <a:t> </a:t>
+            </a:r>
+          </a:p>
+          <a:p>
+            <a:r>
+              <a:rPr lang="de-DE" dirty="0"/>
+              <a:t>Monthly </a:t>
+            </a:r>
+            <a:r>
+              <a:rPr lang="de-DE" dirty="0" err="1"/>
+              <a:t>infections</a:t>
+            </a:r>
+            <a:r>
+              <a:rPr lang="de-DE" dirty="0"/>
+              <a:t> in </a:t>
+            </a:r>
+            <a:r>
+              <a:rPr lang="de-DE" dirty="0" err="1"/>
+              <a:t>every</a:t>
+            </a:r>
+            <a:r>
+              <a:rPr lang="de-DE" dirty="0"/>
+              <a:t> </a:t>
+            </a:r>
+            <a:r>
+              <a:rPr lang="de-DE" dirty="0" err="1"/>
+              <a:t>thailand</a:t>
+            </a:r>
+            <a:r>
+              <a:rPr lang="de-DE" dirty="0"/>
+              <a:t> </a:t>
+            </a:r>
+            <a:r>
+              <a:rPr lang="de-DE" dirty="0" err="1"/>
+              <a:t>province</a:t>
+            </a:r>
+            <a:r>
+              <a:rPr lang="de-DE" dirty="0"/>
+              <a:t> (77)</a:t>
+            </a:r>
+          </a:p>
+          <a:p>
+            <a:endParaRPr lang="de-DE" dirty="0"/>
+          </a:p>
+        </p:txBody>
+      </p:sp>
+      <p:sp>
+        <p:nvSpPr>
+          <p:cNvPr id="4" name="Foliennummernplatzhalter 3"/>
+          <p:cNvSpPr>
+            <a:spLocks noGrp="1"/>
+          </p:cNvSpPr>
+          <p:nvPr>
             <p:ph type="sldNum" sz="quarter" idx="5"/>
           </p:nvPr>
         </p:nvSpPr>
@@ -12422,7 +12418,91 @@
           <a:p>
             <a:fld id="{C32FFBED-32DA-134C-988D-9B5AF231614C}" type="slidenum">
               <a:rPr lang="de-DE" smtClean="0"/>
-              <a:t>7</a:t>
+              <a:t>8</a:t>
+            </a:fld>
+            <a:endParaRPr lang="de-DE"/>
+          </a:p>
+        </p:txBody>
+      </p:sp>
+    </p:spTree>
+    <p:extLst>
+      <p:ext uri="{BB962C8B-B14F-4D97-AF65-F5344CB8AC3E}">
+        <p14:creationId xmlns:p14="http://schemas.microsoft.com/office/powerpoint/2010/main" val="2162853048"/>
+      </p:ext>
+    </p:extLst>
+  </p:cSld>
+  <p:clrMapOvr>
+    <a:masterClrMapping/>
+  </p:clrMapOvr>
+</p:notes>
+</file>
+
+<file path=ppt/notesSlides/notesSlide7.xml><?xml version="1.0" encoding="utf-8"?>
+<p:notes xmlns:a="http://schemas.openxmlformats.org/drawingml/2006/main" xmlns:r="http://schemas.openxmlformats.org/officeDocument/2006/relationships" xmlns:p="http://schemas.openxmlformats.org/presentationml/2006/main">
+  <p:cSld>
+    <p:spTree>
+      <p:nvGrpSpPr>
+        <p:cNvPr id="1" name=""/>
+        <p:cNvGrpSpPr/>
+        <p:nvPr/>
+      </p:nvGrpSpPr>
+      <p:grpSpPr>
+        <a:xfrm>
+          <a:off x="0" y="0"/>
+          <a:ext cx="0" cy="0"/>
+          <a:chOff x="0" y="0"/>
+          <a:chExt cx="0" cy="0"/>
+        </a:xfrm>
+      </p:grpSpPr>
+      <p:sp>
+        <p:nvSpPr>
+          <p:cNvPr id="2" name="Folienbildplatzhalter 1"/>
+          <p:cNvSpPr>
+            <a:spLocks noGrp="1" noRot="1" noChangeAspect="1"/>
+          </p:cNvSpPr>
+          <p:nvPr>
+            <p:ph type="sldImg"/>
+          </p:nvPr>
+        </p:nvSpPr>
+        <p:spPr/>
+      </p:sp>
+      <p:sp>
+        <p:nvSpPr>
+          <p:cNvPr id="3" name="Notizenplatzhalter 2"/>
+          <p:cNvSpPr>
+            <a:spLocks noGrp="1"/>
+          </p:cNvSpPr>
+          <p:nvPr>
+            <p:ph type="body" idx="1"/>
+          </p:nvPr>
+        </p:nvSpPr>
+        <p:spPr/>
+        <p:txBody>
+          <a:bodyPr/>
+          <a:lstStyle/>
+          <a:p>
+            <a:endParaRPr lang="de-DE" dirty="0"/>
+          </a:p>
+        </p:txBody>
+      </p:sp>
+      <p:sp>
+        <p:nvSpPr>
+          <p:cNvPr id="4" name="Foliennummernplatzhalter 3"/>
+          <p:cNvSpPr>
+            <a:spLocks noGrp="1"/>
+          </p:cNvSpPr>
+          <p:nvPr>
+            <p:ph type="sldNum" sz="quarter" idx="5"/>
+          </p:nvPr>
+        </p:nvSpPr>
+        <p:spPr/>
+        <p:txBody>
+          <a:bodyPr/>
+          <a:lstStyle/>
+          <a:p>
+            <a:fld id="{C32FFBED-32DA-134C-988D-9B5AF231614C}" type="slidenum">
+              <a:rPr lang="de-DE" smtClean="0"/>
+              <a:t>9</a:t>
             </a:fld>
             <a:endParaRPr lang="de-DE"/>
           </a:p>
@@ -12432,6 +12512,174 @@
     <p:extLst>
       <p:ext uri="{BB962C8B-B14F-4D97-AF65-F5344CB8AC3E}">
         <p14:creationId xmlns:p14="http://schemas.microsoft.com/office/powerpoint/2010/main" val="1175480812"/>
+      </p:ext>
+    </p:extLst>
+  </p:cSld>
+  <p:clrMapOvr>
+    <a:masterClrMapping/>
+  </p:clrMapOvr>
+</p:notes>
+</file>
+
+<file path=ppt/notesSlides/notesSlide8.xml><?xml version="1.0" encoding="utf-8"?>
+<p:notes xmlns:a="http://schemas.openxmlformats.org/drawingml/2006/main" xmlns:r="http://schemas.openxmlformats.org/officeDocument/2006/relationships" xmlns:p="http://schemas.openxmlformats.org/presentationml/2006/main">
+  <p:cSld>
+    <p:spTree>
+      <p:nvGrpSpPr>
+        <p:cNvPr id="1" name=""/>
+        <p:cNvGrpSpPr/>
+        <p:nvPr/>
+      </p:nvGrpSpPr>
+      <p:grpSpPr>
+        <a:xfrm>
+          <a:off x="0" y="0"/>
+          <a:ext cx="0" cy="0"/>
+          <a:chOff x="0" y="0"/>
+          <a:chExt cx="0" cy="0"/>
+        </a:xfrm>
+      </p:grpSpPr>
+      <p:sp>
+        <p:nvSpPr>
+          <p:cNvPr id="2" name="Folienbildplatzhalter 1"/>
+          <p:cNvSpPr>
+            <a:spLocks noGrp="1" noRot="1" noChangeAspect="1"/>
+          </p:cNvSpPr>
+          <p:nvPr>
+            <p:ph type="sldImg"/>
+          </p:nvPr>
+        </p:nvSpPr>
+        <p:spPr/>
+      </p:sp>
+      <p:sp>
+        <p:nvSpPr>
+          <p:cNvPr id="3" name="Notizenplatzhalter 2"/>
+          <p:cNvSpPr>
+            <a:spLocks noGrp="1"/>
+          </p:cNvSpPr>
+          <p:nvPr>
+            <p:ph type="body" idx="1"/>
+          </p:nvPr>
+        </p:nvSpPr>
+        <p:spPr/>
+        <p:txBody>
+          <a:bodyPr/>
+          <a:lstStyle/>
+          <a:p>
+            <a:endParaRPr lang="de-DE"/>
+          </a:p>
+        </p:txBody>
+      </p:sp>
+      <p:sp>
+        <p:nvSpPr>
+          <p:cNvPr id="4" name="Foliennummernplatzhalter 3"/>
+          <p:cNvSpPr>
+            <a:spLocks noGrp="1"/>
+          </p:cNvSpPr>
+          <p:nvPr>
+            <p:ph type="sldNum" sz="quarter" idx="10"/>
+          </p:nvPr>
+        </p:nvSpPr>
+        <p:spPr/>
+        <p:txBody>
+          <a:bodyPr/>
+          <a:lstStyle/>
+          <a:p>
+            <a:fld id="{C32FFBED-32DA-134C-988D-9B5AF231614C}" type="slidenum">
+              <a:rPr lang="de-DE" smtClean="0"/>
+              <a:t>11</a:t>
+            </a:fld>
+            <a:endParaRPr lang="de-DE"/>
+          </a:p>
+        </p:txBody>
+      </p:sp>
+    </p:spTree>
+    <p:extLst>
+      <p:ext uri="{BB962C8B-B14F-4D97-AF65-F5344CB8AC3E}">
+        <p14:creationId xmlns:p14="http://schemas.microsoft.com/office/powerpoint/2010/main" val="3098403723"/>
+      </p:ext>
+    </p:extLst>
+  </p:cSld>
+  <p:clrMapOvr>
+    <a:masterClrMapping/>
+  </p:clrMapOvr>
+</p:notes>
+</file>
+
+<file path=ppt/notesSlides/notesSlide9.xml><?xml version="1.0" encoding="utf-8"?>
+<p:notes xmlns:a="http://schemas.openxmlformats.org/drawingml/2006/main" xmlns:r="http://schemas.openxmlformats.org/officeDocument/2006/relationships" xmlns:p="http://schemas.openxmlformats.org/presentationml/2006/main">
+  <p:cSld>
+    <p:spTree>
+      <p:nvGrpSpPr>
+        <p:cNvPr id="1" name=""/>
+        <p:cNvGrpSpPr/>
+        <p:nvPr/>
+      </p:nvGrpSpPr>
+      <p:grpSpPr>
+        <a:xfrm>
+          <a:off x="0" y="0"/>
+          <a:ext cx="0" cy="0"/>
+          <a:chOff x="0" y="0"/>
+          <a:chExt cx="0" cy="0"/>
+        </a:xfrm>
+      </p:grpSpPr>
+      <p:sp>
+        <p:nvSpPr>
+          <p:cNvPr id="2" name="Folienbildplatzhalter 1"/>
+          <p:cNvSpPr>
+            <a:spLocks noGrp="1" noRot="1" noChangeAspect="1"/>
+          </p:cNvSpPr>
+          <p:nvPr>
+            <p:ph type="sldImg"/>
+          </p:nvPr>
+        </p:nvSpPr>
+        <p:spPr/>
+      </p:sp>
+      <p:sp>
+        <p:nvSpPr>
+          <p:cNvPr id="3" name="Notizenplatzhalter 2"/>
+          <p:cNvSpPr>
+            <a:spLocks noGrp="1"/>
+          </p:cNvSpPr>
+          <p:nvPr>
+            <p:ph type="body" idx="1"/>
+          </p:nvPr>
+        </p:nvSpPr>
+        <p:spPr/>
+        <p:txBody>
+          <a:bodyPr/>
+          <a:lstStyle/>
+          <a:p>
+            <a:endParaRPr lang="de-DE"/>
+          </a:p>
+        </p:txBody>
+      </p:sp>
+      <p:sp>
+        <p:nvSpPr>
+          <p:cNvPr id="4" name="Foliennummernplatzhalter 3"/>
+          <p:cNvSpPr>
+            <a:spLocks noGrp="1"/>
+          </p:cNvSpPr>
+          <p:nvPr>
+            <p:ph type="sldNum" sz="quarter" idx="10"/>
+          </p:nvPr>
+        </p:nvSpPr>
+        <p:spPr/>
+        <p:txBody>
+          <a:bodyPr/>
+          <a:lstStyle/>
+          <a:p>
+            <a:fld id="{C32FFBED-32DA-134C-988D-9B5AF231614C}" type="slidenum">
+              <a:rPr lang="de-DE" smtClean="0"/>
+              <a:t>12</a:t>
+            </a:fld>
+            <a:endParaRPr lang="de-DE"/>
+          </a:p>
+        </p:txBody>
+      </p:sp>
+    </p:spTree>
+    <p:extLst>
+      <p:ext uri="{BB962C8B-B14F-4D97-AF65-F5344CB8AC3E}">
+        <p14:creationId xmlns:p14="http://schemas.microsoft.com/office/powerpoint/2010/main" val="2825583154"/>
       </p:ext>
     </p:extLst>
   </p:cSld>
@@ -12463,7 +12711,7 @@
           <p:cNvPr id="2" name="Titel 1">
             <a:extLst>
               <a:ext uri="{FF2B5EF4-FFF2-40B4-BE49-F238E27FC236}">
-                <a16:creationId xmlns:a16="http://schemas.microsoft.com/office/drawing/2014/main" id="{9E07E9B3-8D7A-BC71-F322-64E8471D5847}"/>
+                <a16:creationId xmlns:a16="http://schemas.microsoft.com/office/drawing/2014/main" xmlns="" id="{9E07E9B3-8D7A-BC71-F322-64E8471D5847}"/>
               </a:ext>
             </a:extLst>
           </p:cNvPr>
@@ -12500,7 +12748,7 @@
           <p:cNvPr id="3" name="Untertitel 2">
             <a:extLst>
               <a:ext uri="{FF2B5EF4-FFF2-40B4-BE49-F238E27FC236}">
-                <a16:creationId xmlns:a16="http://schemas.microsoft.com/office/drawing/2014/main" id="{B068E73B-A2D0-294B-1EEB-829302E24E8E}"/>
+                <a16:creationId xmlns:a16="http://schemas.microsoft.com/office/drawing/2014/main" xmlns="" id="{B068E73B-A2D0-294B-1EEB-829302E24E8E}"/>
               </a:ext>
             </a:extLst>
           </p:cNvPr>
@@ -12570,7 +12818,7 @@
           <p:cNvPr id="4" name="Datumsplatzhalter 3">
             <a:extLst>
               <a:ext uri="{FF2B5EF4-FFF2-40B4-BE49-F238E27FC236}">
-                <a16:creationId xmlns:a16="http://schemas.microsoft.com/office/drawing/2014/main" id="{9C545160-51ED-3015-D5EB-D89839ACAED3}"/>
+                <a16:creationId xmlns:a16="http://schemas.microsoft.com/office/drawing/2014/main" xmlns="" id="{9C545160-51ED-3015-D5EB-D89839ACAED3}"/>
               </a:ext>
             </a:extLst>
           </p:cNvPr>
@@ -12588,7 +12836,7 @@
           <a:p>
             <a:fld id="{F03D0D1F-6BF6-194C-A78C-DBDDA79CC997}" type="datetimeFigureOut">
               <a:rPr lang="de-DE" smtClean="0"/>
-              <a:t>17.05.23</a:t>
+              <a:t>18.05.2023</a:t>
             </a:fld>
             <a:endParaRPr lang="de-DE"/>
           </a:p>
@@ -12599,7 +12847,7 @@
           <p:cNvPr id="5" name="Fußzeilenplatzhalter 4">
             <a:extLst>
               <a:ext uri="{FF2B5EF4-FFF2-40B4-BE49-F238E27FC236}">
-                <a16:creationId xmlns:a16="http://schemas.microsoft.com/office/drawing/2014/main" id="{BA301125-7792-B616-48AB-17D41A049564}"/>
+                <a16:creationId xmlns:a16="http://schemas.microsoft.com/office/drawing/2014/main" xmlns="" id="{BA301125-7792-B616-48AB-17D41A049564}"/>
               </a:ext>
             </a:extLst>
           </p:cNvPr>
@@ -12624,7 +12872,7 @@
           <p:cNvPr id="6" name="Foliennummernplatzhalter 5">
             <a:extLst>
               <a:ext uri="{FF2B5EF4-FFF2-40B4-BE49-F238E27FC236}">
-                <a16:creationId xmlns:a16="http://schemas.microsoft.com/office/drawing/2014/main" id="{D795B80E-A97C-47BF-83D8-C73A59569818}"/>
+                <a16:creationId xmlns:a16="http://schemas.microsoft.com/office/drawing/2014/main" xmlns="" id="{D795B80E-A97C-47BF-83D8-C73A59569818}"/>
               </a:ext>
             </a:extLst>
           </p:cNvPr>
@@ -12683,7 +12931,7 @@
           <p:cNvPr id="2" name="Datumsplatzhalter 1">
             <a:extLst>
               <a:ext uri="{FF2B5EF4-FFF2-40B4-BE49-F238E27FC236}">
-                <a16:creationId xmlns:a16="http://schemas.microsoft.com/office/drawing/2014/main" id="{313C70D2-80D7-24EC-2E4E-30AE5ACA3CB3}"/>
+                <a16:creationId xmlns:a16="http://schemas.microsoft.com/office/drawing/2014/main" xmlns="" id="{313C70D2-80D7-24EC-2E4E-30AE5ACA3CB3}"/>
               </a:ext>
             </a:extLst>
           </p:cNvPr>
@@ -12701,7 +12949,7 @@
           <a:p>
             <a:fld id="{F03D0D1F-6BF6-194C-A78C-DBDDA79CC997}" type="datetimeFigureOut">
               <a:rPr lang="de-DE" smtClean="0"/>
-              <a:t>17.05.23</a:t>
+              <a:t>18.05.2023</a:t>
             </a:fld>
             <a:endParaRPr lang="de-DE"/>
           </a:p>
@@ -12712,7 +12960,7 @@
           <p:cNvPr id="3" name="Fußzeilenplatzhalter 2">
             <a:extLst>
               <a:ext uri="{FF2B5EF4-FFF2-40B4-BE49-F238E27FC236}">
-                <a16:creationId xmlns:a16="http://schemas.microsoft.com/office/drawing/2014/main" id="{7489BF8B-E59C-F4DB-66AD-ECC9A7A8A4B2}"/>
+                <a16:creationId xmlns:a16="http://schemas.microsoft.com/office/drawing/2014/main" xmlns="" id="{7489BF8B-E59C-F4DB-66AD-ECC9A7A8A4B2}"/>
               </a:ext>
             </a:extLst>
           </p:cNvPr>
@@ -12737,7 +12985,7 @@
           <p:cNvPr id="4" name="Foliennummernplatzhalter 3">
             <a:extLst>
               <a:ext uri="{FF2B5EF4-FFF2-40B4-BE49-F238E27FC236}">
-                <a16:creationId xmlns:a16="http://schemas.microsoft.com/office/drawing/2014/main" id="{96D23938-A85B-18AD-0103-294E6F7AAC09}"/>
+                <a16:creationId xmlns:a16="http://schemas.microsoft.com/office/drawing/2014/main" xmlns="" id="{96D23938-A85B-18AD-0103-294E6F7AAC09}"/>
               </a:ext>
             </a:extLst>
           </p:cNvPr>
@@ -12796,7 +13044,7 @@
           <p:cNvPr id="2" name="Titel 1">
             <a:extLst>
               <a:ext uri="{FF2B5EF4-FFF2-40B4-BE49-F238E27FC236}">
-                <a16:creationId xmlns:a16="http://schemas.microsoft.com/office/drawing/2014/main" id="{78754D34-992B-46B6-0ECF-4E87766D2731}"/>
+                <a16:creationId xmlns:a16="http://schemas.microsoft.com/office/drawing/2014/main" xmlns="" id="{78754D34-992B-46B6-0ECF-4E87766D2731}"/>
               </a:ext>
             </a:extLst>
           </p:cNvPr>
@@ -12833,7 +13081,7 @@
           <p:cNvPr id="3" name="Inhaltsplatzhalter 2">
             <a:extLst>
               <a:ext uri="{FF2B5EF4-FFF2-40B4-BE49-F238E27FC236}">
-                <a16:creationId xmlns:a16="http://schemas.microsoft.com/office/drawing/2014/main" id="{9BE32B21-1E4E-B765-1DEB-45A0483D035A}"/>
+                <a16:creationId xmlns:a16="http://schemas.microsoft.com/office/drawing/2014/main" xmlns="" id="{9BE32B21-1E4E-B765-1DEB-45A0483D035A}"/>
               </a:ext>
             </a:extLst>
           </p:cNvPr>
@@ -12923,7 +13171,7 @@
           <p:cNvPr id="4" name="Textplatzhalter 3">
             <a:extLst>
               <a:ext uri="{FF2B5EF4-FFF2-40B4-BE49-F238E27FC236}">
-                <a16:creationId xmlns:a16="http://schemas.microsoft.com/office/drawing/2014/main" id="{FD05CB68-3CE3-5424-22CD-76360466241D}"/>
+                <a16:creationId xmlns:a16="http://schemas.microsoft.com/office/drawing/2014/main" xmlns="" id="{FD05CB68-3CE3-5424-22CD-76360466241D}"/>
               </a:ext>
             </a:extLst>
           </p:cNvPr>
@@ -12994,7 +13242,7 @@
           <p:cNvPr id="5" name="Datumsplatzhalter 4">
             <a:extLst>
               <a:ext uri="{FF2B5EF4-FFF2-40B4-BE49-F238E27FC236}">
-                <a16:creationId xmlns:a16="http://schemas.microsoft.com/office/drawing/2014/main" id="{141E9F53-1B2D-1EE8-1EBD-FAC26197DBA3}"/>
+                <a16:creationId xmlns:a16="http://schemas.microsoft.com/office/drawing/2014/main" xmlns="" id="{141E9F53-1B2D-1EE8-1EBD-FAC26197DBA3}"/>
               </a:ext>
             </a:extLst>
           </p:cNvPr>
@@ -13012,7 +13260,7 @@
           <a:p>
             <a:fld id="{F03D0D1F-6BF6-194C-A78C-DBDDA79CC997}" type="datetimeFigureOut">
               <a:rPr lang="de-DE" smtClean="0"/>
-              <a:t>17.05.23</a:t>
+              <a:t>18.05.2023</a:t>
             </a:fld>
             <a:endParaRPr lang="de-DE"/>
           </a:p>
@@ -13023,7 +13271,7 @@
           <p:cNvPr id="6" name="Fußzeilenplatzhalter 5">
             <a:extLst>
               <a:ext uri="{FF2B5EF4-FFF2-40B4-BE49-F238E27FC236}">
-                <a16:creationId xmlns:a16="http://schemas.microsoft.com/office/drawing/2014/main" id="{C14F7377-8092-F925-5861-6942800A7A63}"/>
+                <a16:creationId xmlns:a16="http://schemas.microsoft.com/office/drawing/2014/main" xmlns="" id="{C14F7377-8092-F925-5861-6942800A7A63}"/>
               </a:ext>
             </a:extLst>
           </p:cNvPr>
@@ -13048,7 +13296,7 @@
           <p:cNvPr id="7" name="Foliennummernplatzhalter 6">
             <a:extLst>
               <a:ext uri="{FF2B5EF4-FFF2-40B4-BE49-F238E27FC236}">
-                <a16:creationId xmlns:a16="http://schemas.microsoft.com/office/drawing/2014/main" id="{F1CB426B-75B9-60D9-8B78-7FDB2E6FAB6D}"/>
+                <a16:creationId xmlns:a16="http://schemas.microsoft.com/office/drawing/2014/main" xmlns="" id="{F1CB426B-75B9-60D9-8B78-7FDB2E6FAB6D}"/>
               </a:ext>
             </a:extLst>
           </p:cNvPr>
@@ -13107,7 +13355,7 @@
           <p:cNvPr id="2" name="Titel 1">
             <a:extLst>
               <a:ext uri="{FF2B5EF4-FFF2-40B4-BE49-F238E27FC236}">
-                <a16:creationId xmlns:a16="http://schemas.microsoft.com/office/drawing/2014/main" id="{E2AFFE69-A1D0-6B41-FAB9-23564A602A81}"/>
+                <a16:creationId xmlns:a16="http://schemas.microsoft.com/office/drawing/2014/main" xmlns="" id="{E2AFFE69-A1D0-6B41-FAB9-23564A602A81}"/>
               </a:ext>
             </a:extLst>
           </p:cNvPr>
@@ -13135,7 +13383,7 @@
           <p:cNvPr id="3" name="Datumsplatzhalter 2">
             <a:extLst>
               <a:ext uri="{FF2B5EF4-FFF2-40B4-BE49-F238E27FC236}">
-                <a16:creationId xmlns:a16="http://schemas.microsoft.com/office/drawing/2014/main" id="{96554CDC-DB55-9220-8F53-E1AE7928F666}"/>
+                <a16:creationId xmlns:a16="http://schemas.microsoft.com/office/drawing/2014/main" xmlns="" id="{96554CDC-DB55-9220-8F53-E1AE7928F666}"/>
               </a:ext>
             </a:extLst>
           </p:cNvPr>
@@ -13153,7 +13401,7 @@
           <a:p>
             <a:fld id="{F03D0D1F-6BF6-194C-A78C-DBDDA79CC997}" type="datetimeFigureOut">
               <a:rPr lang="de-DE" smtClean="0"/>
-              <a:t>17.05.23</a:t>
+              <a:t>18.05.2023</a:t>
             </a:fld>
             <a:endParaRPr lang="de-DE"/>
           </a:p>
@@ -13164,7 +13412,7 @@
           <p:cNvPr id="4" name="Fußzeilenplatzhalter 3">
             <a:extLst>
               <a:ext uri="{FF2B5EF4-FFF2-40B4-BE49-F238E27FC236}">
-                <a16:creationId xmlns:a16="http://schemas.microsoft.com/office/drawing/2014/main" id="{C21EDFD0-53D1-5AE2-8665-7CFD708AA5EB}"/>
+                <a16:creationId xmlns:a16="http://schemas.microsoft.com/office/drawing/2014/main" xmlns="" id="{C21EDFD0-53D1-5AE2-8665-7CFD708AA5EB}"/>
               </a:ext>
             </a:extLst>
           </p:cNvPr>
@@ -13189,7 +13437,7 @@
           <p:cNvPr id="5" name="Foliennummernplatzhalter 4">
             <a:extLst>
               <a:ext uri="{FF2B5EF4-FFF2-40B4-BE49-F238E27FC236}">
-                <a16:creationId xmlns:a16="http://schemas.microsoft.com/office/drawing/2014/main" id="{4F5906FB-D3E7-15FE-E01B-3E2C36C6BBB3}"/>
+                <a16:creationId xmlns:a16="http://schemas.microsoft.com/office/drawing/2014/main" xmlns="" id="{4F5906FB-D3E7-15FE-E01B-3E2C36C6BBB3}"/>
               </a:ext>
             </a:extLst>
           </p:cNvPr>
@@ -13248,7 +13496,7 @@
           <p:cNvPr id="2" name="Titel 1">
             <a:extLst>
               <a:ext uri="{FF2B5EF4-FFF2-40B4-BE49-F238E27FC236}">
-                <a16:creationId xmlns:a16="http://schemas.microsoft.com/office/drawing/2014/main" id="{9785D6DB-3694-6F32-89F2-A2008FDF99DD}"/>
+                <a16:creationId xmlns:a16="http://schemas.microsoft.com/office/drawing/2014/main" xmlns="" id="{9785D6DB-3694-6F32-89F2-A2008FDF99DD}"/>
               </a:ext>
             </a:extLst>
           </p:cNvPr>
@@ -13285,7 +13533,7 @@
           <p:cNvPr id="3" name="Bildplatzhalter 2">
             <a:extLst>
               <a:ext uri="{FF2B5EF4-FFF2-40B4-BE49-F238E27FC236}">
-                <a16:creationId xmlns:a16="http://schemas.microsoft.com/office/drawing/2014/main" id="{23B60CA8-DC8B-A7FA-BD5D-0E3A2AAFFBEB}"/>
+                <a16:creationId xmlns:a16="http://schemas.microsoft.com/office/drawing/2014/main" xmlns="" id="{23B60CA8-DC8B-A7FA-BD5D-0E3A2AAFFBEB}"/>
               </a:ext>
             </a:extLst>
           </p:cNvPr>
@@ -13352,7 +13600,7 @@
           <p:cNvPr id="4" name="Textplatzhalter 3">
             <a:extLst>
               <a:ext uri="{FF2B5EF4-FFF2-40B4-BE49-F238E27FC236}">
-                <a16:creationId xmlns:a16="http://schemas.microsoft.com/office/drawing/2014/main" id="{B0E3B6E7-35CA-ED9E-0DD6-4CC12BCBB650}"/>
+                <a16:creationId xmlns:a16="http://schemas.microsoft.com/office/drawing/2014/main" xmlns="" id="{B0E3B6E7-35CA-ED9E-0DD6-4CC12BCBB650}"/>
               </a:ext>
             </a:extLst>
           </p:cNvPr>
@@ -13423,7 +13671,7 @@
           <p:cNvPr id="5" name="Datumsplatzhalter 4">
             <a:extLst>
               <a:ext uri="{FF2B5EF4-FFF2-40B4-BE49-F238E27FC236}">
-                <a16:creationId xmlns:a16="http://schemas.microsoft.com/office/drawing/2014/main" id="{415944CF-2D45-DA7F-5185-9C08CCB3AB13}"/>
+                <a16:creationId xmlns:a16="http://schemas.microsoft.com/office/drawing/2014/main" xmlns="" id="{415944CF-2D45-DA7F-5185-9C08CCB3AB13}"/>
               </a:ext>
             </a:extLst>
           </p:cNvPr>
@@ -13441,7 +13689,7 @@
           <a:p>
             <a:fld id="{F03D0D1F-6BF6-194C-A78C-DBDDA79CC997}" type="datetimeFigureOut">
               <a:rPr lang="de-DE" smtClean="0"/>
-              <a:t>17.05.23</a:t>
+              <a:t>18.05.2023</a:t>
             </a:fld>
             <a:endParaRPr lang="de-DE"/>
           </a:p>
@@ -13452,7 +13700,7 @@
           <p:cNvPr id="6" name="Fußzeilenplatzhalter 5">
             <a:extLst>
               <a:ext uri="{FF2B5EF4-FFF2-40B4-BE49-F238E27FC236}">
-                <a16:creationId xmlns:a16="http://schemas.microsoft.com/office/drawing/2014/main" id="{D069C07B-89A0-5A5A-4C1E-744F07CA7C7D}"/>
+                <a16:creationId xmlns:a16="http://schemas.microsoft.com/office/drawing/2014/main" xmlns="" id="{D069C07B-89A0-5A5A-4C1E-744F07CA7C7D}"/>
               </a:ext>
             </a:extLst>
           </p:cNvPr>
@@ -13477,7 +13725,7 @@
           <p:cNvPr id="7" name="Foliennummernplatzhalter 6">
             <a:extLst>
               <a:ext uri="{FF2B5EF4-FFF2-40B4-BE49-F238E27FC236}">
-                <a16:creationId xmlns:a16="http://schemas.microsoft.com/office/drawing/2014/main" id="{73901B34-83EC-612A-1635-0F2636E19297}"/>
+                <a16:creationId xmlns:a16="http://schemas.microsoft.com/office/drawing/2014/main" xmlns="" id="{73901B34-83EC-612A-1635-0F2636E19297}"/>
               </a:ext>
             </a:extLst>
           </p:cNvPr>
@@ -13536,7 +13784,7 @@
           <p:cNvPr id="2" name="Titel 1">
             <a:extLst>
               <a:ext uri="{FF2B5EF4-FFF2-40B4-BE49-F238E27FC236}">
-                <a16:creationId xmlns:a16="http://schemas.microsoft.com/office/drawing/2014/main" id="{BC3A4750-E319-6B92-61CC-043C7BF06E8F}"/>
+                <a16:creationId xmlns:a16="http://schemas.microsoft.com/office/drawing/2014/main" xmlns="" id="{BC3A4750-E319-6B92-61CC-043C7BF06E8F}"/>
               </a:ext>
             </a:extLst>
           </p:cNvPr>
@@ -13564,7 +13812,7 @@
           <p:cNvPr id="3" name="Vertikaler Textplatzhalter 2">
             <a:extLst>
               <a:ext uri="{FF2B5EF4-FFF2-40B4-BE49-F238E27FC236}">
-                <a16:creationId xmlns:a16="http://schemas.microsoft.com/office/drawing/2014/main" id="{DD7B306A-F384-3524-342F-16E4A349B3F5}"/>
+                <a16:creationId xmlns:a16="http://schemas.microsoft.com/office/drawing/2014/main" xmlns="" id="{DD7B306A-F384-3524-342F-16E4A349B3F5}"/>
               </a:ext>
             </a:extLst>
           </p:cNvPr>
@@ -13621,7 +13869,7 @@
           <p:cNvPr id="4" name="Datumsplatzhalter 3">
             <a:extLst>
               <a:ext uri="{FF2B5EF4-FFF2-40B4-BE49-F238E27FC236}">
-                <a16:creationId xmlns:a16="http://schemas.microsoft.com/office/drawing/2014/main" id="{903256F9-4EEC-0221-6E57-EF6E14C2AB47}"/>
+                <a16:creationId xmlns:a16="http://schemas.microsoft.com/office/drawing/2014/main" xmlns="" id="{903256F9-4EEC-0221-6E57-EF6E14C2AB47}"/>
               </a:ext>
             </a:extLst>
           </p:cNvPr>
@@ -13639,7 +13887,7 @@
           <a:p>
             <a:fld id="{F03D0D1F-6BF6-194C-A78C-DBDDA79CC997}" type="datetimeFigureOut">
               <a:rPr lang="de-DE" smtClean="0"/>
-              <a:t>17.05.23</a:t>
+              <a:t>18.05.2023</a:t>
             </a:fld>
             <a:endParaRPr lang="de-DE"/>
           </a:p>
@@ -13650,7 +13898,7 @@
           <p:cNvPr id="5" name="Fußzeilenplatzhalter 4">
             <a:extLst>
               <a:ext uri="{FF2B5EF4-FFF2-40B4-BE49-F238E27FC236}">
-                <a16:creationId xmlns:a16="http://schemas.microsoft.com/office/drawing/2014/main" id="{47135F8E-140C-DB11-D5B5-1F9B72A52198}"/>
+                <a16:creationId xmlns:a16="http://schemas.microsoft.com/office/drawing/2014/main" xmlns="" id="{47135F8E-140C-DB11-D5B5-1F9B72A52198}"/>
               </a:ext>
             </a:extLst>
           </p:cNvPr>
@@ -13675,7 +13923,7 @@
           <p:cNvPr id="6" name="Foliennummernplatzhalter 5">
             <a:extLst>
               <a:ext uri="{FF2B5EF4-FFF2-40B4-BE49-F238E27FC236}">
-                <a16:creationId xmlns:a16="http://schemas.microsoft.com/office/drawing/2014/main" id="{B6CFE336-3710-1B9D-98AA-68B9F48F5FD7}"/>
+                <a16:creationId xmlns:a16="http://schemas.microsoft.com/office/drawing/2014/main" xmlns="" id="{B6CFE336-3710-1B9D-98AA-68B9F48F5FD7}"/>
               </a:ext>
             </a:extLst>
           </p:cNvPr>
@@ -13734,7 +13982,7 @@
           <p:cNvPr id="2" name="Vertikaler Titel 1">
             <a:extLst>
               <a:ext uri="{FF2B5EF4-FFF2-40B4-BE49-F238E27FC236}">
-                <a16:creationId xmlns:a16="http://schemas.microsoft.com/office/drawing/2014/main" id="{F92D2908-A4DD-9CB5-2CF7-4CE6CB2B1A54}"/>
+                <a16:creationId xmlns:a16="http://schemas.microsoft.com/office/drawing/2014/main" xmlns="" id="{F92D2908-A4DD-9CB5-2CF7-4CE6CB2B1A54}"/>
               </a:ext>
             </a:extLst>
           </p:cNvPr>
@@ -13767,7 +14015,7 @@
           <p:cNvPr id="3" name="Vertikaler Textplatzhalter 2">
             <a:extLst>
               <a:ext uri="{FF2B5EF4-FFF2-40B4-BE49-F238E27FC236}">
-                <a16:creationId xmlns:a16="http://schemas.microsoft.com/office/drawing/2014/main" id="{043A22B6-F7A6-2B8A-945C-043E273109B4}"/>
+                <a16:creationId xmlns:a16="http://schemas.microsoft.com/office/drawing/2014/main" xmlns="" id="{043A22B6-F7A6-2B8A-945C-043E273109B4}"/>
               </a:ext>
             </a:extLst>
           </p:cNvPr>
@@ -13829,7 +14077,7 @@
           <p:cNvPr id="4" name="Datumsplatzhalter 3">
             <a:extLst>
               <a:ext uri="{FF2B5EF4-FFF2-40B4-BE49-F238E27FC236}">
-                <a16:creationId xmlns:a16="http://schemas.microsoft.com/office/drawing/2014/main" id="{5D2E3E6C-D9EE-D89F-1B27-7865F151C4FA}"/>
+                <a16:creationId xmlns:a16="http://schemas.microsoft.com/office/drawing/2014/main" xmlns="" id="{5D2E3E6C-D9EE-D89F-1B27-7865F151C4FA}"/>
               </a:ext>
             </a:extLst>
           </p:cNvPr>
@@ -13847,7 +14095,7 @@
           <a:p>
             <a:fld id="{F03D0D1F-6BF6-194C-A78C-DBDDA79CC997}" type="datetimeFigureOut">
               <a:rPr lang="de-DE" smtClean="0"/>
-              <a:t>17.05.23</a:t>
+              <a:t>18.05.2023</a:t>
             </a:fld>
             <a:endParaRPr lang="de-DE"/>
           </a:p>
@@ -13858,7 +14106,7 @@
           <p:cNvPr id="5" name="Fußzeilenplatzhalter 4">
             <a:extLst>
               <a:ext uri="{FF2B5EF4-FFF2-40B4-BE49-F238E27FC236}">
-                <a16:creationId xmlns:a16="http://schemas.microsoft.com/office/drawing/2014/main" id="{8F692D83-AF5C-0BBC-4BE6-339171087BCF}"/>
+                <a16:creationId xmlns:a16="http://schemas.microsoft.com/office/drawing/2014/main" xmlns="" id="{8F692D83-AF5C-0BBC-4BE6-339171087BCF}"/>
               </a:ext>
             </a:extLst>
           </p:cNvPr>
@@ -13883,7 +14131,7 @@
           <p:cNvPr id="6" name="Foliennummernplatzhalter 5">
             <a:extLst>
               <a:ext uri="{FF2B5EF4-FFF2-40B4-BE49-F238E27FC236}">
-                <a16:creationId xmlns:a16="http://schemas.microsoft.com/office/drawing/2014/main" id="{0B5F080F-01BA-F769-1C5D-609E14C297B8}"/>
+                <a16:creationId xmlns:a16="http://schemas.microsoft.com/office/drawing/2014/main" xmlns="" id="{0B5F080F-01BA-F769-1C5D-609E14C297B8}"/>
               </a:ext>
             </a:extLst>
           </p:cNvPr>
@@ -13942,7 +14190,7 @@
           <p:cNvPr id="2" name="Titel 1">
             <a:extLst>
               <a:ext uri="{FF2B5EF4-FFF2-40B4-BE49-F238E27FC236}">
-                <a16:creationId xmlns:a16="http://schemas.microsoft.com/office/drawing/2014/main" id="{5B67D4A3-1460-3908-415C-EB0935795040}"/>
+                <a16:creationId xmlns:a16="http://schemas.microsoft.com/office/drawing/2014/main" xmlns="" id="{5B67D4A3-1460-3908-415C-EB0935795040}"/>
               </a:ext>
             </a:extLst>
           </p:cNvPr>
@@ -13975,7 +14223,7 @@
           <p:cNvPr id="3" name="Datumsplatzhalter 2">
             <a:extLst>
               <a:ext uri="{FF2B5EF4-FFF2-40B4-BE49-F238E27FC236}">
-                <a16:creationId xmlns:a16="http://schemas.microsoft.com/office/drawing/2014/main" id="{F9FB4A3D-7EAB-B0EB-8956-5D2036AA327D}"/>
+                <a16:creationId xmlns:a16="http://schemas.microsoft.com/office/drawing/2014/main" xmlns="" id="{F9FB4A3D-7EAB-B0EB-8956-5D2036AA327D}"/>
               </a:ext>
             </a:extLst>
           </p:cNvPr>
@@ -13993,7 +14241,7 @@
           <a:p>
             <a:fld id="{F03D0D1F-6BF6-194C-A78C-DBDDA79CC997}" type="datetimeFigureOut">
               <a:rPr lang="de-DE" smtClean="0"/>
-              <a:t>17.05.23</a:t>
+              <a:t>18.05.2023</a:t>
             </a:fld>
             <a:endParaRPr lang="de-DE"/>
           </a:p>
@@ -14004,7 +14252,7 @@
           <p:cNvPr id="4" name="Fußzeilenplatzhalter 3">
             <a:extLst>
               <a:ext uri="{FF2B5EF4-FFF2-40B4-BE49-F238E27FC236}">
-                <a16:creationId xmlns:a16="http://schemas.microsoft.com/office/drawing/2014/main" id="{56F6577F-27CE-91D4-EAE0-569A5A176D6A}"/>
+                <a16:creationId xmlns:a16="http://schemas.microsoft.com/office/drawing/2014/main" xmlns="" id="{56F6577F-27CE-91D4-EAE0-569A5A176D6A}"/>
               </a:ext>
             </a:extLst>
           </p:cNvPr>
@@ -14029,7 +14277,7 @@
           <p:cNvPr id="5" name="Foliennummernplatzhalter 4">
             <a:extLst>
               <a:ext uri="{FF2B5EF4-FFF2-40B4-BE49-F238E27FC236}">
-                <a16:creationId xmlns:a16="http://schemas.microsoft.com/office/drawing/2014/main" id="{2B32AF0D-EE62-4FEA-5B46-CD604E1A7128}"/>
+                <a16:creationId xmlns:a16="http://schemas.microsoft.com/office/drawing/2014/main" xmlns="" id="{2B32AF0D-EE62-4FEA-5B46-CD604E1A7128}"/>
               </a:ext>
             </a:extLst>
           </p:cNvPr>
@@ -14058,7 +14306,7 @@
           <p:cNvPr id="6" name="Inhaltsplatzhalter 6">
             <a:extLst>
               <a:ext uri="{FF2B5EF4-FFF2-40B4-BE49-F238E27FC236}">
-                <a16:creationId xmlns:a16="http://schemas.microsoft.com/office/drawing/2014/main" id="{9E3337DF-516D-6CE6-7534-348E22023BE7}"/>
+                <a16:creationId xmlns:a16="http://schemas.microsoft.com/office/drawing/2014/main" xmlns="" id="{9E3337DF-516D-6CE6-7534-348E22023BE7}"/>
               </a:ext>
             </a:extLst>
           </p:cNvPr>
@@ -14088,7 +14336,7 @@
           <p:cNvPr id="7" name="Inhaltsplatzhalter 2">
             <a:extLst>
               <a:ext uri="{FF2B5EF4-FFF2-40B4-BE49-F238E27FC236}">
-                <a16:creationId xmlns:a16="http://schemas.microsoft.com/office/drawing/2014/main" id="{F944BB47-6677-4C0A-3861-801654F8A390}"/>
+                <a16:creationId xmlns:a16="http://schemas.microsoft.com/office/drawing/2014/main" xmlns="" id="{F944BB47-6677-4C0A-3861-801654F8A390}"/>
               </a:ext>
             </a:extLst>
           </p:cNvPr>
@@ -14180,7 +14428,7 @@
           <p:cNvPr id="2" name="Titel 1">
             <a:extLst>
               <a:ext uri="{FF2B5EF4-FFF2-40B4-BE49-F238E27FC236}">
-                <a16:creationId xmlns:a16="http://schemas.microsoft.com/office/drawing/2014/main" id="{F3BDEED3-8CD8-5B91-D67A-42AA9D89F53B}"/>
+                <a16:creationId xmlns:a16="http://schemas.microsoft.com/office/drawing/2014/main" xmlns="" id="{F3BDEED3-8CD8-5B91-D67A-42AA9D89F53B}"/>
               </a:ext>
             </a:extLst>
           </p:cNvPr>
@@ -14213,7 +14461,7 @@
           <p:cNvPr id="3" name="Datumsplatzhalter 2">
             <a:extLst>
               <a:ext uri="{FF2B5EF4-FFF2-40B4-BE49-F238E27FC236}">
-                <a16:creationId xmlns:a16="http://schemas.microsoft.com/office/drawing/2014/main" id="{37820136-C2DB-536E-C7FC-D29F5281ED26}"/>
+                <a16:creationId xmlns:a16="http://schemas.microsoft.com/office/drawing/2014/main" xmlns="" id="{37820136-C2DB-536E-C7FC-D29F5281ED26}"/>
               </a:ext>
             </a:extLst>
           </p:cNvPr>
@@ -14231,7 +14479,7 @@
           <a:p>
             <a:fld id="{F03D0D1F-6BF6-194C-A78C-DBDDA79CC997}" type="datetimeFigureOut">
               <a:rPr lang="de-DE" smtClean="0"/>
-              <a:t>17.05.23</a:t>
+              <a:t>18.05.2023</a:t>
             </a:fld>
             <a:endParaRPr lang="de-DE"/>
           </a:p>
@@ -14242,7 +14490,7 @@
           <p:cNvPr id="4" name="Fußzeilenplatzhalter 3">
             <a:extLst>
               <a:ext uri="{FF2B5EF4-FFF2-40B4-BE49-F238E27FC236}">
-                <a16:creationId xmlns:a16="http://schemas.microsoft.com/office/drawing/2014/main" id="{0DDC2953-A841-0CA8-FADB-10E18F0A9BAD}"/>
+                <a16:creationId xmlns:a16="http://schemas.microsoft.com/office/drawing/2014/main" xmlns="" id="{0DDC2953-A841-0CA8-FADB-10E18F0A9BAD}"/>
               </a:ext>
             </a:extLst>
           </p:cNvPr>
@@ -14267,7 +14515,7 @@
           <p:cNvPr id="5" name="Foliennummernplatzhalter 4">
             <a:extLst>
               <a:ext uri="{FF2B5EF4-FFF2-40B4-BE49-F238E27FC236}">
-                <a16:creationId xmlns:a16="http://schemas.microsoft.com/office/drawing/2014/main" id="{01A99753-CDA4-2EFC-3C37-D666A637A8D5}"/>
+                <a16:creationId xmlns:a16="http://schemas.microsoft.com/office/drawing/2014/main" xmlns="" id="{01A99753-CDA4-2EFC-3C37-D666A637A8D5}"/>
               </a:ext>
             </a:extLst>
           </p:cNvPr>
@@ -14296,7 +14544,7 @@
           <p:cNvPr id="6" name="Inhaltsplatzhalter 2">
             <a:extLst>
               <a:ext uri="{FF2B5EF4-FFF2-40B4-BE49-F238E27FC236}">
-                <a16:creationId xmlns:a16="http://schemas.microsoft.com/office/drawing/2014/main" id="{C4C0D8F5-8DA2-7FA2-F044-10D4E8CF0913}"/>
+                <a16:creationId xmlns:a16="http://schemas.microsoft.com/office/drawing/2014/main" xmlns="" id="{C4C0D8F5-8DA2-7FA2-F044-10D4E8CF0913}"/>
               </a:ext>
             </a:extLst>
           </p:cNvPr>
@@ -14358,7 +14606,7 @@
           <p:cNvPr id="8" name="Inhaltsplatzhalter 6">
             <a:extLst>
               <a:ext uri="{FF2B5EF4-FFF2-40B4-BE49-F238E27FC236}">
-                <a16:creationId xmlns:a16="http://schemas.microsoft.com/office/drawing/2014/main" id="{21BEBC3B-D4D9-261D-758F-4285E36EE46F}"/>
+                <a16:creationId xmlns:a16="http://schemas.microsoft.com/office/drawing/2014/main" xmlns="" id="{21BEBC3B-D4D9-261D-758F-4285E36EE46F}"/>
               </a:ext>
             </a:extLst>
           </p:cNvPr>
@@ -14418,7 +14666,7 @@
           <p:cNvPr id="2" name="Titel 1">
             <a:extLst>
               <a:ext uri="{FF2B5EF4-FFF2-40B4-BE49-F238E27FC236}">
-                <a16:creationId xmlns:a16="http://schemas.microsoft.com/office/drawing/2014/main" id="{3341EE4B-0F36-0441-ECA0-F60BBB112F61}"/>
+                <a16:creationId xmlns:a16="http://schemas.microsoft.com/office/drawing/2014/main" xmlns="" id="{3341EE4B-0F36-0441-ECA0-F60BBB112F61}"/>
               </a:ext>
             </a:extLst>
           </p:cNvPr>
@@ -14448,7 +14696,7 @@
           <p:cNvPr id="3" name="Inhaltsplatzhalter 2">
             <a:extLst>
               <a:ext uri="{FF2B5EF4-FFF2-40B4-BE49-F238E27FC236}">
-                <a16:creationId xmlns:a16="http://schemas.microsoft.com/office/drawing/2014/main" id="{12B4D63C-2F45-23DF-A8C9-F4C9E36BAD2B}"/>
+                <a16:creationId xmlns:a16="http://schemas.microsoft.com/office/drawing/2014/main" xmlns="" id="{12B4D63C-2F45-23DF-A8C9-F4C9E36BAD2B}"/>
               </a:ext>
             </a:extLst>
           </p:cNvPr>
@@ -14505,7 +14753,7 @@
           <p:cNvPr id="4" name="Datumsplatzhalter 3">
             <a:extLst>
               <a:ext uri="{FF2B5EF4-FFF2-40B4-BE49-F238E27FC236}">
-                <a16:creationId xmlns:a16="http://schemas.microsoft.com/office/drawing/2014/main" id="{D96ED817-55A4-9E80-EAC2-F97B16863CA8}"/>
+                <a16:creationId xmlns:a16="http://schemas.microsoft.com/office/drawing/2014/main" xmlns="" id="{D96ED817-55A4-9E80-EAC2-F97B16863CA8}"/>
               </a:ext>
             </a:extLst>
           </p:cNvPr>
@@ -14523,7 +14771,7 @@
           <a:p>
             <a:fld id="{F03D0D1F-6BF6-194C-A78C-DBDDA79CC997}" type="datetimeFigureOut">
               <a:rPr lang="de-DE" smtClean="0"/>
-              <a:t>17.05.23</a:t>
+              <a:t>18.05.2023</a:t>
             </a:fld>
             <a:endParaRPr lang="de-DE"/>
           </a:p>
@@ -14534,7 +14782,7 @@
           <p:cNvPr id="5" name="Fußzeilenplatzhalter 4">
             <a:extLst>
               <a:ext uri="{FF2B5EF4-FFF2-40B4-BE49-F238E27FC236}">
-                <a16:creationId xmlns:a16="http://schemas.microsoft.com/office/drawing/2014/main" id="{FF5BD91D-5D49-84CB-759F-90078B40660F}"/>
+                <a16:creationId xmlns:a16="http://schemas.microsoft.com/office/drawing/2014/main" xmlns="" id="{FF5BD91D-5D49-84CB-759F-90078B40660F}"/>
               </a:ext>
             </a:extLst>
           </p:cNvPr>
@@ -14559,7 +14807,7 @@
           <p:cNvPr id="6" name="Foliennummernplatzhalter 5">
             <a:extLst>
               <a:ext uri="{FF2B5EF4-FFF2-40B4-BE49-F238E27FC236}">
-                <a16:creationId xmlns:a16="http://schemas.microsoft.com/office/drawing/2014/main" id="{E45C4B59-E437-E60D-504F-9A9499B1EF53}"/>
+                <a16:creationId xmlns:a16="http://schemas.microsoft.com/office/drawing/2014/main" xmlns="" id="{E45C4B59-E437-E60D-504F-9A9499B1EF53}"/>
               </a:ext>
             </a:extLst>
           </p:cNvPr>
@@ -14588,7 +14836,7 @@
           <p:cNvPr id="7" name="Inhaltsplatzhalter 6">
             <a:extLst>
               <a:ext uri="{FF2B5EF4-FFF2-40B4-BE49-F238E27FC236}">
-                <a16:creationId xmlns:a16="http://schemas.microsoft.com/office/drawing/2014/main" id="{EC413063-6C97-5F94-2966-644422F98BA4}"/>
+                <a16:creationId xmlns:a16="http://schemas.microsoft.com/office/drawing/2014/main" xmlns="" id="{EC413063-6C97-5F94-2966-644422F98BA4}"/>
               </a:ext>
             </a:extLst>
           </p:cNvPr>
@@ -14648,7 +14896,7 @@
           <p:cNvPr id="2" name="Titel 1">
             <a:extLst>
               <a:ext uri="{FF2B5EF4-FFF2-40B4-BE49-F238E27FC236}">
-                <a16:creationId xmlns:a16="http://schemas.microsoft.com/office/drawing/2014/main" id="{9D2B3A20-3E81-1734-A4D6-0196ABE1C40F}"/>
+                <a16:creationId xmlns:a16="http://schemas.microsoft.com/office/drawing/2014/main" xmlns="" id="{9D2B3A20-3E81-1734-A4D6-0196ABE1C40F}"/>
               </a:ext>
             </a:extLst>
           </p:cNvPr>
@@ -14676,7 +14924,7 @@
           <p:cNvPr id="3" name="Datumsplatzhalter 2">
             <a:extLst>
               <a:ext uri="{FF2B5EF4-FFF2-40B4-BE49-F238E27FC236}">
-                <a16:creationId xmlns:a16="http://schemas.microsoft.com/office/drawing/2014/main" id="{A9F20C6F-DE6C-AC78-0D84-44996E175BA2}"/>
+                <a16:creationId xmlns:a16="http://schemas.microsoft.com/office/drawing/2014/main" xmlns="" id="{A9F20C6F-DE6C-AC78-0D84-44996E175BA2}"/>
               </a:ext>
             </a:extLst>
           </p:cNvPr>
@@ -14694,7 +14942,7 @@
           <a:p>
             <a:fld id="{F03D0D1F-6BF6-194C-A78C-DBDDA79CC997}" type="datetimeFigureOut">
               <a:rPr lang="de-DE" smtClean="0"/>
-              <a:t>17.05.23</a:t>
+              <a:t>18.05.2023</a:t>
             </a:fld>
             <a:endParaRPr lang="de-DE"/>
           </a:p>
@@ -14705,7 +14953,7 @@
           <p:cNvPr id="4" name="Fußzeilenplatzhalter 3">
             <a:extLst>
               <a:ext uri="{FF2B5EF4-FFF2-40B4-BE49-F238E27FC236}">
-                <a16:creationId xmlns:a16="http://schemas.microsoft.com/office/drawing/2014/main" id="{48561E24-EF53-1BB2-C4C4-DCD631174547}"/>
+                <a16:creationId xmlns:a16="http://schemas.microsoft.com/office/drawing/2014/main" xmlns="" id="{48561E24-EF53-1BB2-C4C4-DCD631174547}"/>
               </a:ext>
             </a:extLst>
           </p:cNvPr>
@@ -14730,7 +14978,7 @@
           <p:cNvPr id="5" name="Foliennummernplatzhalter 4">
             <a:extLst>
               <a:ext uri="{FF2B5EF4-FFF2-40B4-BE49-F238E27FC236}">
-                <a16:creationId xmlns:a16="http://schemas.microsoft.com/office/drawing/2014/main" id="{3D6CE1C6-B041-3F05-67AD-479C13A5204C}"/>
+                <a16:creationId xmlns:a16="http://schemas.microsoft.com/office/drawing/2014/main" xmlns="" id="{3D6CE1C6-B041-3F05-67AD-479C13A5204C}"/>
               </a:ext>
             </a:extLst>
           </p:cNvPr>
@@ -14759,7 +15007,7 @@
           <p:cNvPr id="6" name="Inhaltsplatzhalter 2">
             <a:extLst>
               <a:ext uri="{FF2B5EF4-FFF2-40B4-BE49-F238E27FC236}">
-                <a16:creationId xmlns:a16="http://schemas.microsoft.com/office/drawing/2014/main" id="{A15637F4-AF2A-E031-676A-E16164A5C9A1}"/>
+                <a16:creationId xmlns:a16="http://schemas.microsoft.com/office/drawing/2014/main" xmlns="" id="{A15637F4-AF2A-E031-676A-E16164A5C9A1}"/>
               </a:ext>
             </a:extLst>
           </p:cNvPr>
@@ -14851,7 +15099,7 @@
           <p:cNvPr id="2" name="Titel 1">
             <a:extLst>
               <a:ext uri="{FF2B5EF4-FFF2-40B4-BE49-F238E27FC236}">
-                <a16:creationId xmlns:a16="http://schemas.microsoft.com/office/drawing/2014/main" id="{1DAD4357-F5B8-13E4-9BBF-2CFC5B3260F9}"/>
+                <a16:creationId xmlns:a16="http://schemas.microsoft.com/office/drawing/2014/main" xmlns="" id="{1DAD4357-F5B8-13E4-9BBF-2CFC5B3260F9}"/>
               </a:ext>
             </a:extLst>
           </p:cNvPr>
@@ -14888,7 +15136,7 @@
           <p:cNvPr id="3" name="Textplatzhalter 2">
             <a:extLst>
               <a:ext uri="{FF2B5EF4-FFF2-40B4-BE49-F238E27FC236}">
-                <a16:creationId xmlns:a16="http://schemas.microsoft.com/office/drawing/2014/main" id="{7F99BDEC-1658-A2B4-8459-06F2DFA75BA4}"/>
+                <a16:creationId xmlns:a16="http://schemas.microsoft.com/office/drawing/2014/main" xmlns="" id="{7F99BDEC-1658-A2B4-8459-06F2DFA75BA4}"/>
               </a:ext>
             </a:extLst>
           </p:cNvPr>
@@ -15013,7 +15261,7 @@
           <p:cNvPr id="4" name="Datumsplatzhalter 3">
             <a:extLst>
               <a:ext uri="{FF2B5EF4-FFF2-40B4-BE49-F238E27FC236}">
-                <a16:creationId xmlns:a16="http://schemas.microsoft.com/office/drawing/2014/main" id="{1E450905-0164-CFAE-854D-A313BEDA7C1B}"/>
+                <a16:creationId xmlns:a16="http://schemas.microsoft.com/office/drawing/2014/main" xmlns="" id="{1E450905-0164-CFAE-854D-A313BEDA7C1B}"/>
               </a:ext>
             </a:extLst>
           </p:cNvPr>
@@ -15031,7 +15279,7 @@
           <a:p>
             <a:fld id="{F03D0D1F-6BF6-194C-A78C-DBDDA79CC997}" type="datetimeFigureOut">
               <a:rPr lang="de-DE" smtClean="0"/>
-              <a:t>17.05.23</a:t>
+              <a:t>18.05.2023</a:t>
             </a:fld>
             <a:endParaRPr lang="de-DE"/>
           </a:p>
@@ -15042,7 +15290,7 @@
           <p:cNvPr id="5" name="Fußzeilenplatzhalter 4">
             <a:extLst>
               <a:ext uri="{FF2B5EF4-FFF2-40B4-BE49-F238E27FC236}">
-                <a16:creationId xmlns:a16="http://schemas.microsoft.com/office/drawing/2014/main" id="{E5405853-CAD1-F985-98B1-D81BFC69651C}"/>
+                <a16:creationId xmlns:a16="http://schemas.microsoft.com/office/drawing/2014/main" xmlns="" id="{E5405853-CAD1-F985-98B1-D81BFC69651C}"/>
               </a:ext>
             </a:extLst>
           </p:cNvPr>
@@ -15067,7 +15315,7 @@
           <p:cNvPr id="6" name="Foliennummernplatzhalter 5">
             <a:extLst>
               <a:ext uri="{FF2B5EF4-FFF2-40B4-BE49-F238E27FC236}">
-                <a16:creationId xmlns:a16="http://schemas.microsoft.com/office/drawing/2014/main" id="{5606182E-AD50-176F-DAB1-0D59897EEDA9}"/>
+                <a16:creationId xmlns:a16="http://schemas.microsoft.com/office/drawing/2014/main" xmlns="" id="{5606182E-AD50-176F-DAB1-0D59897EEDA9}"/>
               </a:ext>
             </a:extLst>
           </p:cNvPr>
@@ -15126,7 +15374,7 @@
           <p:cNvPr id="2" name="Titel 1">
             <a:extLst>
               <a:ext uri="{FF2B5EF4-FFF2-40B4-BE49-F238E27FC236}">
-                <a16:creationId xmlns:a16="http://schemas.microsoft.com/office/drawing/2014/main" id="{37B3DDFB-25E1-528E-9B86-CB27728FD88D}"/>
+                <a16:creationId xmlns:a16="http://schemas.microsoft.com/office/drawing/2014/main" xmlns="" id="{37B3DDFB-25E1-528E-9B86-CB27728FD88D}"/>
               </a:ext>
             </a:extLst>
           </p:cNvPr>
@@ -15154,7 +15402,7 @@
           <p:cNvPr id="3" name="Inhaltsplatzhalter 2">
             <a:extLst>
               <a:ext uri="{FF2B5EF4-FFF2-40B4-BE49-F238E27FC236}">
-                <a16:creationId xmlns:a16="http://schemas.microsoft.com/office/drawing/2014/main" id="{2B1A42CD-3939-0C79-E598-7448E202963A}"/>
+                <a16:creationId xmlns:a16="http://schemas.microsoft.com/office/drawing/2014/main" xmlns="" id="{2B1A42CD-3939-0C79-E598-7448E202963A}"/>
               </a:ext>
             </a:extLst>
           </p:cNvPr>
@@ -15216,7 +15464,7 @@
           <p:cNvPr id="4" name="Inhaltsplatzhalter 3">
             <a:extLst>
               <a:ext uri="{FF2B5EF4-FFF2-40B4-BE49-F238E27FC236}">
-                <a16:creationId xmlns:a16="http://schemas.microsoft.com/office/drawing/2014/main" id="{D1B05862-47B7-E756-C753-94F849332F97}"/>
+                <a16:creationId xmlns:a16="http://schemas.microsoft.com/office/drawing/2014/main" xmlns="" id="{D1B05862-47B7-E756-C753-94F849332F97}"/>
               </a:ext>
             </a:extLst>
           </p:cNvPr>
@@ -15278,7 +15526,7 @@
           <p:cNvPr id="5" name="Datumsplatzhalter 4">
             <a:extLst>
               <a:ext uri="{FF2B5EF4-FFF2-40B4-BE49-F238E27FC236}">
-                <a16:creationId xmlns:a16="http://schemas.microsoft.com/office/drawing/2014/main" id="{FEBC3A50-71F6-816F-268C-5459BF965B73}"/>
+                <a16:creationId xmlns:a16="http://schemas.microsoft.com/office/drawing/2014/main" xmlns="" id="{FEBC3A50-71F6-816F-268C-5459BF965B73}"/>
               </a:ext>
             </a:extLst>
           </p:cNvPr>
@@ -15296,7 +15544,7 @@
           <a:p>
             <a:fld id="{F03D0D1F-6BF6-194C-A78C-DBDDA79CC997}" type="datetimeFigureOut">
               <a:rPr lang="de-DE" smtClean="0"/>
-              <a:t>17.05.23</a:t>
+              <a:t>18.05.2023</a:t>
             </a:fld>
             <a:endParaRPr lang="de-DE"/>
           </a:p>
@@ -15307,7 +15555,7 @@
           <p:cNvPr id="6" name="Fußzeilenplatzhalter 5">
             <a:extLst>
               <a:ext uri="{FF2B5EF4-FFF2-40B4-BE49-F238E27FC236}">
-                <a16:creationId xmlns:a16="http://schemas.microsoft.com/office/drawing/2014/main" id="{3019082D-E79A-3109-9B34-AFE5E9D4A32C}"/>
+                <a16:creationId xmlns:a16="http://schemas.microsoft.com/office/drawing/2014/main" xmlns="" id="{3019082D-E79A-3109-9B34-AFE5E9D4A32C}"/>
               </a:ext>
             </a:extLst>
           </p:cNvPr>
@@ -15332,7 +15580,7 @@
           <p:cNvPr id="7" name="Foliennummernplatzhalter 6">
             <a:extLst>
               <a:ext uri="{FF2B5EF4-FFF2-40B4-BE49-F238E27FC236}">
-                <a16:creationId xmlns:a16="http://schemas.microsoft.com/office/drawing/2014/main" id="{4D404AFC-3EB2-79EE-E628-600B1DB867C1}"/>
+                <a16:creationId xmlns:a16="http://schemas.microsoft.com/office/drawing/2014/main" xmlns="" id="{4D404AFC-3EB2-79EE-E628-600B1DB867C1}"/>
               </a:ext>
             </a:extLst>
           </p:cNvPr>
@@ -15391,7 +15639,7 @@
           <p:cNvPr id="2" name="Titel 1">
             <a:extLst>
               <a:ext uri="{FF2B5EF4-FFF2-40B4-BE49-F238E27FC236}">
-                <a16:creationId xmlns:a16="http://schemas.microsoft.com/office/drawing/2014/main" id="{A19A2D25-C1F1-145B-E5DD-AAAE21672C88}"/>
+                <a16:creationId xmlns:a16="http://schemas.microsoft.com/office/drawing/2014/main" xmlns="" id="{A19A2D25-C1F1-145B-E5DD-AAAE21672C88}"/>
               </a:ext>
             </a:extLst>
           </p:cNvPr>
@@ -15424,7 +15672,7 @@
           <p:cNvPr id="3" name="Textplatzhalter 2">
             <a:extLst>
               <a:ext uri="{FF2B5EF4-FFF2-40B4-BE49-F238E27FC236}">
-                <a16:creationId xmlns:a16="http://schemas.microsoft.com/office/drawing/2014/main" id="{36476EFD-9701-3989-C497-72D6A0A5AF4F}"/>
+                <a16:creationId xmlns:a16="http://schemas.microsoft.com/office/drawing/2014/main" xmlns="" id="{36476EFD-9701-3989-C497-72D6A0A5AF4F}"/>
               </a:ext>
             </a:extLst>
           </p:cNvPr>
@@ -15495,7 +15743,7 @@
           <p:cNvPr id="4" name="Inhaltsplatzhalter 3">
             <a:extLst>
               <a:ext uri="{FF2B5EF4-FFF2-40B4-BE49-F238E27FC236}">
-                <a16:creationId xmlns:a16="http://schemas.microsoft.com/office/drawing/2014/main" id="{A4D39CF7-142B-BA90-881C-791896F0F353}"/>
+                <a16:creationId xmlns:a16="http://schemas.microsoft.com/office/drawing/2014/main" xmlns="" id="{A4D39CF7-142B-BA90-881C-791896F0F353}"/>
               </a:ext>
             </a:extLst>
           </p:cNvPr>
@@ -15557,7 +15805,7 @@
           <p:cNvPr id="5" name="Textplatzhalter 4">
             <a:extLst>
               <a:ext uri="{FF2B5EF4-FFF2-40B4-BE49-F238E27FC236}">
-                <a16:creationId xmlns:a16="http://schemas.microsoft.com/office/drawing/2014/main" id="{831D4CDF-BA3F-0D88-80FB-92E6C26BCB31}"/>
+                <a16:creationId xmlns:a16="http://schemas.microsoft.com/office/drawing/2014/main" xmlns="" id="{831D4CDF-BA3F-0D88-80FB-92E6C26BCB31}"/>
               </a:ext>
             </a:extLst>
           </p:cNvPr>
@@ -15628,7 +15876,7 @@
           <p:cNvPr id="6" name="Inhaltsplatzhalter 5">
             <a:extLst>
               <a:ext uri="{FF2B5EF4-FFF2-40B4-BE49-F238E27FC236}">
-                <a16:creationId xmlns:a16="http://schemas.microsoft.com/office/drawing/2014/main" id="{C318FF91-3CBB-B6B6-38CD-9D718FE12596}"/>
+                <a16:creationId xmlns:a16="http://schemas.microsoft.com/office/drawing/2014/main" xmlns="" id="{C318FF91-3CBB-B6B6-38CD-9D718FE12596}"/>
               </a:ext>
             </a:extLst>
           </p:cNvPr>
@@ -15690,7 +15938,7 @@
           <p:cNvPr id="7" name="Datumsplatzhalter 6">
             <a:extLst>
               <a:ext uri="{FF2B5EF4-FFF2-40B4-BE49-F238E27FC236}">
-                <a16:creationId xmlns:a16="http://schemas.microsoft.com/office/drawing/2014/main" id="{2EC0ADA0-A594-F0FC-08DB-69EF37CB311A}"/>
+                <a16:creationId xmlns:a16="http://schemas.microsoft.com/office/drawing/2014/main" xmlns="" id="{2EC0ADA0-A594-F0FC-08DB-69EF37CB311A}"/>
               </a:ext>
             </a:extLst>
           </p:cNvPr>
@@ -15708,7 +15956,7 @@
           <a:p>
             <a:fld id="{F03D0D1F-6BF6-194C-A78C-DBDDA79CC997}" type="datetimeFigureOut">
               <a:rPr lang="de-DE" smtClean="0"/>
-              <a:t>17.05.23</a:t>
+              <a:t>18.05.2023</a:t>
             </a:fld>
             <a:endParaRPr lang="de-DE"/>
           </a:p>
@@ -15719,7 +15967,7 @@
           <p:cNvPr id="8" name="Fußzeilenplatzhalter 7">
             <a:extLst>
               <a:ext uri="{FF2B5EF4-FFF2-40B4-BE49-F238E27FC236}">
-                <a16:creationId xmlns:a16="http://schemas.microsoft.com/office/drawing/2014/main" id="{78446D23-38BA-171A-7EE5-0FC383753F82}"/>
+                <a16:creationId xmlns:a16="http://schemas.microsoft.com/office/drawing/2014/main" xmlns="" id="{78446D23-38BA-171A-7EE5-0FC383753F82}"/>
               </a:ext>
             </a:extLst>
           </p:cNvPr>
@@ -15744,7 +15992,7 @@
           <p:cNvPr id="9" name="Foliennummernplatzhalter 8">
             <a:extLst>
               <a:ext uri="{FF2B5EF4-FFF2-40B4-BE49-F238E27FC236}">
-                <a16:creationId xmlns:a16="http://schemas.microsoft.com/office/drawing/2014/main" id="{72DE1DBC-8DEF-813F-C653-2BC2A30052F8}"/>
+                <a16:creationId xmlns:a16="http://schemas.microsoft.com/office/drawing/2014/main" xmlns="" id="{72DE1DBC-8DEF-813F-C653-2BC2A30052F8}"/>
               </a:ext>
             </a:extLst>
           </p:cNvPr>
@@ -15803,7 +16051,7 @@
           <p:cNvPr id="2" name="Titel 1">
             <a:extLst>
               <a:ext uri="{FF2B5EF4-FFF2-40B4-BE49-F238E27FC236}">
-                <a16:creationId xmlns:a16="http://schemas.microsoft.com/office/drawing/2014/main" id="{75B814B3-E3AE-2788-DBF3-DEF93644FB15}"/>
+                <a16:creationId xmlns:a16="http://schemas.microsoft.com/office/drawing/2014/main" xmlns="" id="{75B814B3-E3AE-2788-DBF3-DEF93644FB15}"/>
               </a:ext>
             </a:extLst>
           </p:cNvPr>
@@ -15831,7 +16079,7 @@
           <p:cNvPr id="3" name="Datumsplatzhalter 2">
             <a:extLst>
               <a:ext uri="{FF2B5EF4-FFF2-40B4-BE49-F238E27FC236}">
-                <a16:creationId xmlns:a16="http://schemas.microsoft.com/office/drawing/2014/main" id="{D2943610-21F5-29F3-E953-175368855DA9}"/>
+                <a16:creationId xmlns:a16="http://schemas.microsoft.com/office/drawing/2014/main" xmlns="" id="{D2943610-21F5-29F3-E953-175368855DA9}"/>
               </a:ext>
             </a:extLst>
           </p:cNvPr>
@@ -15849,7 +16097,7 @@
           <a:p>
             <a:fld id="{F03D0D1F-6BF6-194C-A78C-DBDDA79CC997}" type="datetimeFigureOut">
               <a:rPr lang="de-DE" smtClean="0"/>
-              <a:t>17.05.23</a:t>
+              <a:t>18.05.2023</a:t>
             </a:fld>
             <a:endParaRPr lang="de-DE"/>
           </a:p>
@@ -15860,7 +16108,7 @@
           <p:cNvPr id="4" name="Fußzeilenplatzhalter 3">
             <a:extLst>
               <a:ext uri="{FF2B5EF4-FFF2-40B4-BE49-F238E27FC236}">
-                <a16:creationId xmlns:a16="http://schemas.microsoft.com/office/drawing/2014/main" id="{DD272049-515A-A46B-81F5-74544F40929E}"/>
+                <a16:creationId xmlns:a16="http://schemas.microsoft.com/office/drawing/2014/main" xmlns="" id="{DD272049-515A-A46B-81F5-74544F40929E}"/>
               </a:ext>
             </a:extLst>
           </p:cNvPr>
@@ -15885,7 +16133,7 @@
           <p:cNvPr id="5" name="Foliennummernplatzhalter 4">
             <a:extLst>
               <a:ext uri="{FF2B5EF4-FFF2-40B4-BE49-F238E27FC236}">
-                <a16:creationId xmlns:a16="http://schemas.microsoft.com/office/drawing/2014/main" id="{24B65753-6C66-6047-9EF1-2C5A3DBEA34F}"/>
+                <a16:creationId xmlns:a16="http://schemas.microsoft.com/office/drawing/2014/main" xmlns="" id="{24B65753-6C66-6047-9EF1-2C5A3DBEA34F}"/>
               </a:ext>
             </a:extLst>
           </p:cNvPr>
@@ -15949,7 +16197,7 @@
           <p:cNvPr id="2" name="Titelplatzhalter 1">
             <a:extLst>
               <a:ext uri="{FF2B5EF4-FFF2-40B4-BE49-F238E27FC236}">
-                <a16:creationId xmlns:a16="http://schemas.microsoft.com/office/drawing/2014/main" id="{95AC1F22-1B55-356E-0E95-06C35EE2DE7A}"/>
+                <a16:creationId xmlns:a16="http://schemas.microsoft.com/office/drawing/2014/main" xmlns="" id="{95AC1F22-1B55-356E-0E95-06C35EE2DE7A}"/>
               </a:ext>
             </a:extLst>
           </p:cNvPr>
@@ -15987,7 +16235,7 @@
           <p:cNvPr id="3" name="Textplatzhalter 2">
             <a:extLst>
               <a:ext uri="{FF2B5EF4-FFF2-40B4-BE49-F238E27FC236}">
-                <a16:creationId xmlns:a16="http://schemas.microsoft.com/office/drawing/2014/main" id="{1782C428-2BDD-A107-43D7-FEE64B62AD8D}"/>
+                <a16:creationId xmlns:a16="http://schemas.microsoft.com/office/drawing/2014/main" xmlns="" id="{1782C428-2BDD-A107-43D7-FEE64B62AD8D}"/>
               </a:ext>
             </a:extLst>
           </p:cNvPr>
@@ -16054,7 +16302,7 @@
           <p:cNvPr id="4" name="Datumsplatzhalter 3">
             <a:extLst>
               <a:ext uri="{FF2B5EF4-FFF2-40B4-BE49-F238E27FC236}">
-                <a16:creationId xmlns:a16="http://schemas.microsoft.com/office/drawing/2014/main" id="{9D2ABA26-4F2C-7312-5D75-166A824AE59C}"/>
+                <a16:creationId xmlns:a16="http://schemas.microsoft.com/office/drawing/2014/main" xmlns="" id="{9D2ABA26-4F2C-7312-5D75-166A824AE59C}"/>
               </a:ext>
             </a:extLst>
           </p:cNvPr>
@@ -16090,7 +16338,7 @@
           <a:p>
             <a:fld id="{F03D0D1F-6BF6-194C-A78C-DBDDA79CC997}" type="datetimeFigureOut">
               <a:rPr lang="de-DE" smtClean="0"/>
-              <a:t>17.05.23</a:t>
+              <a:t>18.05.2023</a:t>
             </a:fld>
             <a:endParaRPr lang="de-DE"/>
           </a:p>
@@ -16101,7 +16349,7 @@
           <p:cNvPr id="5" name="Fußzeilenplatzhalter 4">
             <a:extLst>
               <a:ext uri="{FF2B5EF4-FFF2-40B4-BE49-F238E27FC236}">
-                <a16:creationId xmlns:a16="http://schemas.microsoft.com/office/drawing/2014/main" id="{F175B6FB-32FB-3E95-FF28-4162289D0833}"/>
+                <a16:creationId xmlns:a16="http://schemas.microsoft.com/office/drawing/2014/main" xmlns="" id="{F175B6FB-32FB-3E95-FF28-4162289D0833}"/>
               </a:ext>
             </a:extLst>
           </p:cNvPr>
@@ -16144,7 +16392,7 @@
           <p:cNvPr id="6" name="Foliennummernplatzhalter 5">
             <a:extLst>
               <a:ext uri="{FF2B5EF4-FFF2-40B4-BE49-F238E27FC236}">
-                <a16:creationId xmlns:a16="http://schemas.microsoft.com/office/drawing/2014/main" id="{3D1D2C3D-603D-B830-767F-9C6DE54EB475}"/>
+                <a16:creationId xmlns:a16="http://schemas.microsoft.com/office/drawing/2014/main" xmlns="" id="{3D1D2C3D-603D-B830-767F-9C6DE54EB475}"/>
               </a:ext>
             </a:extLst>
           </p:cNvPr>
@@ -16524,7 +16772,7 @@
           <p:cNvPr id="7" name="Titel 6">
             <a:extLst>
               <a:ext uri="{FF2B5EF4-FFF2-40B4-BE49-F238E27FC236}">
-                <a16:creationId xmlns:a16="http://schemas.microsoft.com/office/drawing/2014/main" id="{BA5D323D-D049-1A51-8F53-A57C44B293F3}"/>
+                <a16:creationId xmlns:a16="http://schemas.microsoft.com/office/drawing/2014/main" xmlns="" id="{BA5D323D-D049-1A51-8F53-A57C44B293F3}"/>
               </a:ext>
             </a:extLst>
           </p:cNvPr>
@@ -16613,7 +16861,7 @@
           <p:cNvPr id="9" name="Textplatzhalter 8">
             <a:extLst>
               <a:ext uri="{FF2B5EF4-FFF2-40B4-BE49-F238E27FC236}">
-                <a16:creationId xmlns:a16="http://schemas.microsoft.com/office/drawing/2014/main" id="{93BA4C67-EC62-2BE2-4602-15239308A84D}"/>
+                <a16:creationId xmlns:a16="http://schemas.microsoft.com/office/drawing/2014/main" xmlns="" id="{93BA4C67-EC62-2BE2-4602-15239308A84D}"/>
               </a:ext>
             </a:extLst>
           </p:cNvPr>
@@ -16669,7 +16917,7 @@
           <p:cNvPr id="2050" name="Picture 2">
             <a:extLst>
               <a:ext uri="{FF2B5EF4-FFF2-40B4-BE49-F238E27FC236}">
-                <a16:creationId xmlns:a16="http://schemas.microsoft.com/office/drawing/2014/main" id="{776CC2D0-645A-B12C-838F-616AA6EDE38A}"/>
+                <a16:creationId xmlns:a16="http://schemas.microsoft.com/office/drawing/2014/main" xmlns="" id="{776CC2D0-645A-B12C-838F-616AA6EDE38A}"/>
               </a:ext>
             </a:extLst>
           </p:cNvPr>
@@ -16716,7 +16964,7 @@
           <p:cNvPr id="10" name="Textplatzhalter 8">
             <a:extLst>
               <a:ext uri="{FF2B5EF4-FFF2-40B4-BE49-F238E27FC236}">
-                <a16:creationId xmlns:a16="http://schemas.microsoft.com/office/drawing/2014/main" id="{075933CF-2FE5-BA61-D9E1-78404267A904}"/>
+                <a16:creationId xmlns:a16="http://schemas.microsoft.com/office/drawing/2014/main" xmlns="" id="{075933CF-2FE5-BA61-D9E1-78404267A904}"/>
               </a:ext>
             </a:extLst>
           </p:cNvPr>
@@ -16921,7 +17169,7 @@
           <p:cNvPr id="11" name="Textfeld 10">
             <a:extLst>
               <a:ext uri="{FF2B5EF4-FFF2-40B4-BE49-F238E27FC236}">
-                <a16:creationId xmlns:a16="http://schemas.microsoft.com/office/drawing/2014/main" id="{F15E062E-4361-BCAF-19CE-A629F091B62C}"/>
+                <a16:creationId xmlns:a16="http://schemas.microsoft.com/office/drawing/2014/main" xmlns="" id="{F15E062E-4361-BCAF-19CE-A629F091B62C}"/>
               </a:ext>
             </a:extLst>
           </p:cNvPr>
@@ -17014,6 +17262,1068 @@
     <p:extLst>
       <p:ext uri="{BB962C8B-B14F-4D97-AF65-F5344CB8AC3E}">
         <p14:creationId xmlns:p14="http://schemas.microsoft.com/office/powerpoint/2010/main" val="1112295549"/>
+      </p:ext>
+    </p:extLst>
+  </p:cSld>
+  <p:clrMapOvr>
+    <a:masterClrMapping/>
+  </p:clrMapOvr>
+</p:sld>
+</file>
+
+<file path=ppt/slides/slide10.xml><?xml version="1.0" encoding="utf-8"?>
+<p:sld xmlns:a="http://schemas.openxmlformats.org/drawingml/2006/main" xmlns:r="http://schemas.openxmlformats.org/officeDocument/2006/relationships" xmlns:p="http://schemas.openxmlformats.org/presentationml/2006/main">
+  <p:cSld>
+    <p:spTree>
+      <p:nvGrpSpPr>
+        <p:cNvPr id="1" name=""/>
+        <p:cNvGrpSpPr/>
+        <p:nvPr/>
+      </p:nvGrpSpPr>
+      <p:grpSpPr>
+        <a:xfrm>
+          <a:off x="0" y="0"/>
+          <a:ext cx="0" cy="0"/>
+          <a:chOff x="0" y="0"/>
+          <a:chExt cx="0" cy="0"/>
+        </a:xfrm>
+      </p:grpSpPr>
+      <p:sp>
+        <p:nvSpPr>
+          <p:cNvPr id="4" name="Titel 3">
+            <a:extLst>
+              <a:ext uri="{FF2B5EF4-FFF2-40B4-BE49-F238E27FC236}">
+                <a16:creationId xmlns:a16="http://schemas.microsoft.com/office/drawing/2014/main" xmlns="" id="{D8D10377-3C07-810A-4029-62F9C13690E8}"/>
+              </a:ext>
+            </a:extLst>
+          </p:cNvPr>
+          <p:cNvSpPr>
+            <a:spLocks noGrp="1"/>
+          </p:cNvSpPr>
+          <p:nvPr>
+            <p:ph type="title"/>
+          </p:nvPr>
+        </p:nvSpPr>
+        <p:spPr/>
+        <p:txBody>
+          <a:bodyPr/>
+          <a:lstStyle/>
+          <a:p>
+            <a:r>
+              <a:rPr lang="de-DE" dirty="0"/>
+              <a:t>Sources</a:t>
+            </a:r>
+          </a:p>
+        </p:txBody>
+      </p:sp>
+      <p:sp>
+        <p:nvSpPr>
+          <p:cNvPr id="5" name="Inhaltsplatzhalter 4">
+            <a:extLst>
+              <a:ext uri="{FF2B5EF4-FFF2-40B4-BE49-F238E27FC236}">
+                <a16:creationId xmlns:a16="http://schemas.microsoft.com/office/drawing/2014/main" xmlns="" id="{A894A3BF-4653-9518-6BF3-4D88347B3A73}"/>
+              </a:ext>
+            </a:extLst>
+          </p:cNvPr>
+          <p:cNvSpPr>
+            <a:spLocks noGrp="1"/>
+          </p:cNvSpPr>
+          <p:nvPr>
+            <p:ph idx="1"/>
+          </p:nvPr>
+        </p:nvSpPr>
+        <p:spPr/>
+        <p:txBody>
+          <a:bodyPr/>
+          <a:lstStyle/>
+          <a:p>
+            <a:r>
+              <a:rPr lang="de-DE" dirty="0"/>
+              <a:t>Masud, M. B., </a:t>
+            </a:r>
+            <a:r>
+              <a:rPr lang="de-DE" dirty="0" err="1"/>
+              <a:t>Soni</a:t>
+            </a:r>
+            <a:r>
+              <a:rPr lang="de-DE" dirty="0"/>
+              <a:t>, P., Shrestha, S., &amp; </a:t>
+            </a:r>
+            <a:r>
+              <a:rPr lang="de-DE" dirty="0" err="1"/>
+              <a:t>Tripathi</a:t>
+            </a:r>
+            <a:r>
+              <a:rPr lang="de-DE" dirty="0"/>
+              <a:t>, N. K. (2016). </a:t>
+            </a:r>
+            <a:r>
+              <a:rPr lang="de-DE" dirty="0" err="1"/>
+              <a:t>Changes</a:t>
+            </a:r>
+            <a:r>
+              <a:rPr lang="de-DE" dirty="0"/>
+              <a:t> in </a:t>
+            </a:r>
+            <a:r>
+              <a:rPr lang="de-DE" dirty="0" err="1"/>
+              <a:t>climate</a:t>
+            </a:r>
+            <a:r>
+              <a:rPr lang="de-DE" dirty="0"/>
+              <a:t> extremes </a:t>
+            </a:r>
+            <a:r>
+              <a:rPr lang="de-DE" dirty="0" err="1"/>
+              <a:t>over</a:t>
+            </a:r>
+            <a:r>
+              <a:rPr lang="de-DE" dirty="0"/>
+              <a:t> North Thailand, 1960–2099. </a:t>
+            </a:r>
+            <a:r>
+              <a:rPr lang="de-DE" i="1" dirty="0" err="1"/>
+              <a:t>Downloads.Hindawi.Com</a:t>
+            </a:r>
+            <a:r>
+              <a:rPr lang="de-DE" dirty="0"/>
+              <a:t>, 1960–2099. </a:t>
+            </a:r>
+          </a:p>
+          <a:p>
+            <a:r>
+              <a:rPr lang="de-DE" dirty="0"/>
+              <a:t>*</a:t>
+            </a:r>
+            <a:r>
+              <a:rPr lang="de-DE" dirty="0" err="1"/>
+              <a:t>dengue</a:t>
+            </a:r>
+            <a:r>
+              <a:rPr lang="de-DE" dirty="0"/>
+              <a:t> source*</a:t>
+            </a:r>
+          </a:p>
+        </p:txBody>
+      </p:sp>
+    </p:spTree>
+    <p:extLst>
+      <p:ext uri="{BB962C8B-B14F-4D97-AF65-F5344CB8AC3E}">
+        <p14:creationId xmlns:p14="http://schemas.microsoft.com/office/powerpoint/2010/main" val="1500306745"/>
+      </p:ext>
+    </p:extLst>
+  </p:cSld>
+  <p:clrMapOvr>
+    <a:masterClrMapping/>
+  </p:clrMapOvr>
+</p:sld>
+</file>
+
+<file path=ppt/slides/slide11.xml><?xml version="1.0" encoding="utf-8"?>
+<p:sld xmlns:a="http://schemas.openxmlformats.org/drawingml/2006/main" xmlns:r="http://schemas.openxmlformats.org/officeDocument/2006/relationships" xmlns:p="http://schemas.openxmlformats.org/presentationml/2006/main">
+  <p:cSld>
+    <p:spTree>
+      <p:nvGrpSpPr>
+        <p:cNvPr id="1" name=""/>
+        <p:cNvGrpSpPr/>
+        <p:nvPr/>
+      </p:nvGrpSpPr>
+      <p:grpSpPr>
+        <a:xfrm>
+          <a:off x="0" y="0"/>
+          <a:ext cx="0" cy="0"/>
+          <a:chOff x="0" y="0"/>
+          <a:chExt cx="0" cy="0"/>
+        </a:xfrm>
+      </p:grpSpPr>
+      <p:sp>
+        <p:nvSpPr>
+          <p:cNvPr id="2" name="Titel 1">
+            <a:extLst>
+              <a:ext uri="{FF2B5EF4-FFF2-40B4-BE49-F238E27FC236}">
+                <a16:creationId xmlns:a16="http://schemas.microsoft.com/office/drawing/2014/main" xmlns="" id="{51869768-F163-65EB-9C87-29362BEE2FB0}"/>
+              </a:ext>
+            </a:extLst>
+          </p:cNvPr>
+          <p:cNvSpPr>
+            <a:spLocks noGrp="1"/>
+          </p:cNvSpPr>
+          <p:nvPr>
+            <p:ph type="title"/>
+          </p:nvPr>
+        </p:nvSpPr>
+        <p:spPr/>
+        <p:txBody>
+          <a:bodyPr/>
+          <a:lstStyle/>
+          <a:p>
+            <a:r>
+              <a:rPr lang="de-DE" dirty="0" smtClean="0"/>
+              <a:t>The </a:t>
+            </a:r>
+            <a:r>
+              <a:rPr lang="de-DE" dirty="0" err="1" smtClean="0"/>
+              <a:t>effect</a:t>
+            </a:r>
+            <a:r>
+              <a:rPr lang="de-DE" dirty="0" smtClean="0"/>
+              <a:t> </a:t>
+            </a:r>
+            <a:r>
+              <a:rPr lang="de-DE" dirty="0" err="1" smtClean="0"/>
+              <a:t>of</a:t>
+            </a:r>
+            <a:r>
+              <a:rPr lang="de-DE" dirty="0" smtClean="0"/>
+              <a:t> </a:t>
+            </a:r>
+            <a:r>
+              <a:rPr lang="de-DE" dirty="0" err="1" smtClean="0"/>
+              <a:t>higher</a:t>
+            </a:r>
+            <a:r>
+              <a:rPr lang="de-DE" dirty="0" smtClean="0"/>
+              <a:t> </a:t>
+            </a:r>
+            <a:r>
+              <a:rPr lang="de-DE" dirty="0" err="1" smtClean="0"/>
+              <a:t>Temperatures</a:t>
+            </a:r>
+            <a:r>
+              <a:rPr lang="de-DE" dirty="0" smtClean="0"/>
+              <a:t> on </a:t>
+            </a:r>
+            <a:r>
+              <a:rPr lang="de-DE" dirty="0" err="1" smtClean="0"/>
+              <a:t>Aedes</a:t>
+            </a:r>
+            <a:r>
+              <a:rPr lang="de-DE" dirty="0" smtClean="0"/>
+              <a:t> </a:t>
+            </a:r>
+            <a:r>
+              <a:rPr lang="de-DE" dirty="0" err="1" smtClean="0"/>
+              <a:t>mosquitoes</a:t>
+            </a:r>
+            <a:r>
+              <a:rPr lang="de-DE" dirty="0" smtClean="0"/>
+              <a:t> </a:t>
+            </a:r>
+            <a:endParaRPr lang="de-DE" dirty="0"/>
+          </a:p>
+        </p:txBody>
+      </p:sp>
+      <p:sp>
+        <p:nvSpPr>
+          <p:cNvPr id="3" name="Inhaltsplatzhalter 2">
+            <a:extLst>
+              <a:ext uri="{FF2B5EF4-FFF2-40B4-BE49-F238E27FC236}">
+                <a16:creationId xmlns:a16="http://schemas.microsoft.com/office/drawing/2014/main" xmlns="" id="{5DE0BF4F-0298-067A-9F94-D71CBA67BCA6}"/>
+              </a:ext>
+            </a:extLst>
+          </p:cNvPr>
+          <p:cNvSpPr>
+            <a:spLocks noGrp="1"/>
+          </p:cNvSpPr>
+          <p:nvPr>
+            <p:ph idx="1"/>
+          </p:nvPr>
+        </p:nvSpPr>
+        <p:spPr>
+          <a:xfrm>
+            <a:off x="838200" y="1825625"/>
+            <a:ext cx="6295373" cy="2984370"/>
+          </a:xfrm>
+        </p:spPr>
+        <p:txBody>
+          <a:bodyPr>
+            <a:normAutofit/>
+          </a:bodyPr>
+          <a:lstStyle/>
+          <a:p>
+            <a:r>
+              <a:rPr lang="de-DE" dirty="0" err="1" smtClean="0"/>
+              <a:t>Increased</a:t>
+            </a:r>
+            <a:r>
+              <a:rPr lang="de-DE" dirty="0" smtClean="0"/>
+              <a:t> larval </a:t>
+            </a:r>
+            <a:r>
+              <a:rPr lang="de-DE" dirty="0" err="1" smtClean="0"/>
+              <a:t>development</a:t>
+            </a:r>
+            <a:r>
+              <a:rPr lang="de-DE" dirty="0" smtClean="0"/>
+              <a:t> </a:t>
+            </a:r>
+          </a:p>
+          <a:p>
+            <a:r>
+              <a:rPr lang="de-DE" dirty="0" smtClean="0"/>
+              <a:t>Higher rate </a:t>
+            </a:r>
+            <a:r>
+              <a:rPr lang="de-DE" dirty="0" err="1" smtClean="0"/>
+              <a:t>of</a:t>
+            </a:r>
+            <a:r>
+              <a:rPr lang="de-DE" dirty="0" smtClean="0"/>
+              <a:t> multiple </a:t>
+            </a:r>
+            <a:r>
+              <a:rPr lang="de-DE" dirty="0" err="1" smtClean="0"/>
+              <a:t>feeding</a:t>
+            </a:r>
+            <a:r>
+              <a:rPr lang="de-DE" dirty="0" smtClean="0"/>
+              <a:t> </a:t>
+            </a:r>
+          </a:p>
+          <a:p>
+            <a:r>
+              <a:rPr lang="de-DE" dirty="0" err="1" smtClean="0"/>
+              <a:t>Extrinsic</a:t>
+            </a:r>
+            <a:r>
+              <a:rPr lang="de-DE" dirty="0" smtClean="0"/>
+              <a:t> </a:t>
+            </a:r>
+            <a:r>
+              <a:rPr lang="de-DE" dirty="0" err="1" smtClean="0"/>
+              <a:t>incubation</a:t>
+            </a:r>
+            <a:r>
+              <a:rPr lang="de-DE" dirty="0" smtClean="0"/>
+              <a:t> </a:t>
+            </a:r>
+            <a:r>
+              <a:rPr lang="de-DE" dirty="0" err="1" smtClean="0"/>
+              <a:t>period</a:t>
+            </a:r>
+            <a:r>
+              <a:rPr lang="de-DE" dirty="0" smtClean="0"/>
+              <a:t> </a:t>
+            </a:r>
+            <a:r>
+              <a:rPr lang="de-DE" dirty="0" err="1" smtClean="0"/>
+              <a:t>declines</a:t>
+            </a:r>
+            <a:r>
+              <a:rPr lang="de-DE" dirty="0" smtClean="0"/>
+              <a:t> </a:t>
+            </a:r>
+          </a:p>
+          <a:p>
+            <a:pPr marL="457200" lvl="1" indent="0">
+              <a:buNone/>
+            </a:pPr>
+            <a:r>
+              <a:rPr lang="de-DE" dirty="0" smtClean="0"/>
+              <a:t>-&gt; </a:t>
+            </a:r>
+            <a:r>
+              <a:rPr lang="de-DE" dirty="0" err="1" smtClean="0"/>
+              <a:t>more</a:t>
+            </a:r>
+            <a:r>
+              <a:rPr lang="de-DE" dirty="0" smtClean="0"/>
+              <a:t> </a:t>
+            </a:r>
+            <a:r>
+              <a:rPr lang="de-DE" dirty="0" err="1" smtClean="0"/>
+              <a:t>infectious</a:t>
+            </a:r>
+            <a:r>
+              <a:rPr lang="de-DE" dirty="0" smtClean="0"/>
+              <a:t> </a:t>
+            </a:r>
+            <a:r>
+              <a:rPr lang="de-DE" dirty="0" err="1" smtClean="0"/>
+              <a:t>mosquitoes</a:t>
+            </a:r>
+            <a:endParaRPr lang="de-DE" dirty="0" smtClean="0"/>
+          </a:p>
+          <a:p>
+            <a:r>
+              <a:rPr lang="de-DE" dirty="0" smtClean="0"/>
+              <a:t>Enhanced viral </a:t>
+            </a:r>
+            <a:r>
+              <a:rPr lang="de-DE" dirty="0" err="1" smtClean="0"/>
+              <a:t>replication</a:t>
+            </a:r>
+            <a:r>
+              <a:rPr lang="de-DE" dirty="0" smtClean="0"/>
+              <a:t> in </a:t>
+            </a:r>
+            <a:r>
+              <a:rPr lang="de-DE" dirty="0" err="1" smtClean="0"/>
+              <a:t>the</a:t>
+            </a:r>
+            <a:r>
+              <a:rPr lang="de-DE" dirty="0" smtClean="0"/>
+              <a:t> </a:t>
+            </a:r>
+            <a:r>
+              <a:rPr lang="de-DE" dirty="0" err="1" smtClean="0"/>
+              <a:t>mosquitoes</a:t>
+            </a:r>
+            <a:r>
+              <a:rPr lang="de-DE" dirty="0" smtClean="0"/>
+              <a:t> </a:t>
+            </a:r>
+          </a:p>
+        </p:txBody>
+      </p:sp>
+      <p:sp>
+        <p:nvSpPr>
+          <p:cNvPr id="5" name="Textfeld 4"/>
+          <p:cNvSpPr txBox="1"/>
+          <p:nvPr/>
+        </p:nvSpPr>
+        <p:spPr>
+          <a:xfrm>
+            <a:off x="124216" y="6311900"/>
+            <a:ext cx="7241087" cy="523220"/>
+          </a:xfrm>
+          <a:prstGeom prst="rect">
+            <a:avLst/>
+          </a:prstGeom>
+          <a:noFill/>
+        </p:spPr>
+        <p:txBody>
+          <a:bodyPr wrap="square" rtlCol="0">
+            <a:spAutoFit/>
+          </a:bodyPr>
+          <a:lstStyle/>
+          <a:p>
+            <a:r>
+              <a:rPr lang="en-US" sz="1400" dirty="0">
+                <a:solidFill>
+                  <a:schemeClr val="bg1">
+                    <a:lumMod val="50000"/>
+                  </a:schemeClr>
+                </a:solidFill>
+              </a:rPr>
+              <a:t>Morin, C.W., </a:t>
+            </a:r>
+            <a:r>
+              <a:rPr lang="en-US" sz="1400" dirty="0" err="1">
+                <a:solidFill>
+                  <a:schemeClr val="bg1">
+                    <a:lumMod val="50000"/>
+                  </a:schemeClr>
+                </a:solidFill>
+              </a:rPr>
+              <a:t>Comrie</a:t>
+            </a:r>
+            <a:r>
+              <a:rPr lang="en-US" sz="1400" dirty="0">
+                <a:solidFill>
+                  <a:schemeClr val="bg1">
+                    <a:lumMod val="50000"/>
+                  </a:schemeClr>
+                </a:solidFill>
+              </a:rPr>
+              <a:t>, A.C., and Ernst, K. (2013). Climate and Dengue Transmission: Evidence and Implications. Environmental Health Perspectives 121, 1264-1272. 10.1289/ehp.1306556.</a:t>
+            </a:r>
+            <a:endParaRPr lang="de-DE" sz="1400" dirty="0">
+              <a:solidFill>
+                <a:schemeClr val="bg1">
+                  <a:lumMod val="50000"/>
+                </a:schemeClr>
+              </a:solidFill>
+            </a:endParaRPr>
+          </a:p>
+        </p:txBody>
+      </p:sp>
+      <p:sp>
+        <p:nvSpPr>
+          <p:cNvPr id="6" name="Pfeil nach rechts 5"/>
+          <p:cNvSpPr/>
+          <p:nvPr/>
+        </p:nvSpPr>
+        <p:spPr>
+          <a:xfrm>
+            <a:off x="2467628" y="5195673"/>
+            <a:ext cx="1027134" cy="651353"/>
+          </a:xfrm>
+          <a:prstGeom prst="rightArrow">
+            <a:avLst/>
+          </a:prstGeom>
+          <a:solidFill>
+            <a:schemeClr val="accent2">
+              <a:lumMod val="75000"/>
+            </a:schemeClr>
+          </a:solidFill>
+        </p:spPr>
+        <p:style>
+          <a:lnRef idx="2">
+            <a:schemeClr val="accent1">
+              <a:shade val="50000"/>
+            </a:schemeClr>
+          </a:lnRef>
+          <a:fillRef idx="1">
+            <a:schemeClr val="accent1"/>
+          </a:fillRef>
+          <a:effectRef idx="0">
+            <a:schemeClr val="accent1"/>
+          </a:effectRef>
+          <a:fontRef idx="minor">
+            <a:schemeClr val="lt1"/>
+          </a:fontRef>
+        </p:style>
+        <p:txBody>
+          <a:bodyPr rtlCol="0" anchor="ctr"/>
+          <a:lstStyle/>
+          <a:p>
+            <a:pPr algn="ctr"/>
+            <a:endParaRPr lang="de-DE"/>
+          </a:p>
+        </p:txBody>
+      </p:sp>
+      <p:sp>
+        <p:nvSpPr>
+          <p:cNvPr id="8" name="Textfeld 7"/>
+          <p:cNvSpPr txBox="1"/>
+          <p:nvPr/>
+        </p:nvSpPr>
+        <p:spPr>
+          <a:xfrm>
+            <a:off x="3687871" y="5259740"/>
+            <a:ext cx="4816258" cy="523220"/>
+          </a:xfrm>
+          <a:prstGeom prst="rect">
+            <a:avLst/>
+          </a:prstGeom>
+          <a:noFill/>
+        </p:spPr>
+        <p:txBody>
+          <a:bodyPr wrap="square" rtlCol="0">
+            <a:spAutoFit/>
+          </a:bodyPr>
+          <a:lstStyle/>
+          <a:p>
+            <a:r>
+              <a:rPr lang="de-DE" sz="2800" dirty="0" err="1">
+                <a:solidFill>
+                  <a:schemeClr val="accent2">
+                    <a:lumMod val="75000"/>
+                  </a:schemeClr>
+                </a:solidFill>
+              </a:rPr>
+              <a:t>higher</a:t>
+            </a:r>
+            <a:r>
+              <a:rPr lang="de-DE" sz="2800" dirty="0">
+                <a:solidFill>
+                  <a:schemeClr val="accent2">
+                    <a:lumMod val="75000"/>
+                  </a:schemeClr>
+                </a:solidFill>
+              </a:rPr>
+              <a:t> </a:t>
+            </a:r>
+            <a:r>
+              <a:rPr lang="de-DE" sz="2800" dirty="0" err="1">
+                <a:solidFill>
+                  <a:schemeClr val="accent2">
+                    <a:lumMod val="75000"/>
+                  </a:schemeClr>
+                </a:solidFill>
+              </a:rPr>
+              <a:t>transmission</a:t>
+            </a:r>
+            <a:r>
+              <a:rPr lang="de-DE" sz="2800" dirty="0">
+                <a:solidFill>
+                  <a:schemeClr val="accent2">
+                    <a:lumMod val="75000"/>
+                  </a:schemeClr>
+                </a:solidFill>
+              </a:rPr>
+              <a:t> potential</a:t>
+            </a:r>
+            <a:endParaRPr lang="de-DE" sz="2800" dirty="0"/>
+          </a:p>
+        </p:txBody>
+      </p:sp>
+      <p:pic>
+        <p:nvPicPr>
+          <p:cNvPr id="9" name="Grafik 8"/>
+          <p:cNvPicPr>
+            <a:picLocks noChangeAspect="1"/>
+          </p:cNvPicPr>
+          <p:nvPr/>
+        </p:nvPicPr>
+        <p:blipFill rotWithShape="1">
+          <a:blip r:embed="rId3"/>
+          <a:srcRect b="37713"/>
+          <a:stretch/>
+        </p:blipFill>
+        <p:spPr>
+          <a:xfrm>
+            <a:off x="6720213" y="1690687"/>
+            <a:ext cx="4915437" cy="3119307"/>
+          </a:xfrm>
+          <a:prstGeom prst="rect">
+            <a:avLst/>
+          </a:prstGeom>
+        </p:spPr>
+      </p:pic>
+    </p:spTree>
+    <p:extLst>
+      <p:ext uri="{BB962C8B-B14F-4D97-AF65-F5344CB8AC3E}">
+        <p14:creationId xmlns:p14="http://schemas.microsoft.com/office/powerpoint/2010/main" val="2324578527"/>
+      </p:ext>
+    </p:extLst>
+  </p:cSld>
+  <p:clrMapOvr>
+    <a:masterClrMapping/>
+  </p:clrMapOvr>
+  <p:timing>
+    <p:tnLst>
+      <p:par>
+        <p:cTn id="1" dur="indefinite" restart="never" nodeType="tmRoot"/>
+      </p:par>
+    </p:tnLst>
+  </p:timing>
+</p:sld>
+</file>
+
+<file path=ppt/slides/slide12.xml><?xml version="1.0" encoding="utf-8"?>
+<p:sld xmlns:a="http://schemas.openxmlformats.org/drawingml/2006/main" xmlns:r="http://schemas.openxmlformats.org/officeDocument/2006/relationships" xmlns:p="http://schemas.openxmlformats.org/presentationml/2006/main">
+  <p:cSld>
+    <p:spTree>
+      <p:nvGrpSpPr>
+        <p:cNvPr id="1" name=""/>
+        <p:cNvGrpSpPr/>
+        <p:nvPr/>
+      </p:nvGrpSpPr>
+      <p:grpSpPr>
+        <a:xfrm>
+          <a:off x="0" y="0"/>
+          <a:ext cx="0" cy="0"/>
+          <a:chOff x="0" y="0"/>
+          <a:chExt cx="0" cy="0"/>
+        </a:xfrm>
+      </p:grpSpPr>
+      <p:sp>
+        <p:nvSpPr>
+          <p:cNvPr id="2" name="Titel 1">
+            <a:extLst>
+              <a:ext uri="{FF2B5EF4-FFF2-40B4-BE49-F238E27FC236}">
+                <a16:creationId xmlns:a16="http://schemas.microsoft.com/office/drawing/2014/main" xmlns="" id="{51869768-F163-65EB-9C87-29362BEE2FB0}"/>
+              </a:ext>
+            </a:extLst>
+          </p:cNvPr>
+          <p:cNvSpPr>
+            <a:spLocks noGrp="1"/>
+          </p:cNvSpPr>
+          <p:nvPr>
+            <p:ph type="title"/>
+          </p:nvPr>
+        </p:nvSpPr>
+        <p:spPr/>
+        <p:txBody>
+          <a:bodyPr/>
+          <a:lstStyle/>
+          <a:p>
+            <a:r>
+              <a:rPr lang="de-DE" dirty="0" err="1" smtClean="0"/>
+              <a:t>Intrinsic</a:t>
+            </a:r>
+            <a:r>
+              <a:rPr lang="de-DE" dirty="0" smtClean="0"/>
+              <a:t> </a:t>
+            </a:r>
+            <a:r>
+              <a:rPr lang="de-DE" dirty="0" err="1" smtClean="0"/>
+              <a:t>and</a:t>
+            </a:r>
+            <a:r>
+              <a:rPr lang="de-DE" dirty="0" smtClean="0"/>
+              <a:t> </a:t>
+            </a:r>
+            <a:r>
+              <a:rPr lang="de-DE" dirty="0" err="1" smtClean="0"/>
+              <a:t>extrinsic</a:t>
+            </a:r>
+            <a:r>
+              <a:rPr lang="de-DE" dirty="0" smtClean="0"/>
+              <a:t> </a:t>
+            </a:r>
+            <a:r>
+              <a:rPr lang="de-DE" dirty="0" err="1" smtClean="0"/>
+              <a:t>incubation</a:t>
+            </a:r>
+            <a:r>
+              <a:rPr lang="de-DE" dirty="0" smtClean="0"/>
+              <a:t> </a:t>
+            </a:r>
+            <a:r>
+              <a:rPr lang="de-DE" dirty="0" err="1" smtClean="0"/>
+              <a:t>period</a:t>
+            </a:r>
+            <a:endParaRPr lang="de-DE" dirty="0"/>
+          </a:p>
+        </p:txBody>
+      </p:sp>
+      <p:sp>
+        <p:nvSpPr>
+          <p:cNvPr id="3" name="Inhaltsplatzhalter 2">
+            <a:extLst>
+              <a:ext uri="{FF2B5EF4-FFF2-40B4-BE49-F238E27FC236}">
+                <a16:creationId xmlns:a16="http://schemas.microsoft.com/office/drawing/2014/main" xmlns="" id="{5DE0BF4F-0298-067A-9F94-D71CBA67BCA6}"/>
+              </a:ext>
+            </a:extLst>
+          </p:cNvPr>
+          <p:cNvSpPr>
+            <a:spLocks noGrp="1"/>
+          </p:cNvSpPr>
+          <p:nvPr>
+            <p:ph idx="1"/>
+          </p:nvPr>
+        </p:nvSpPr>
+        <p:spPr/>
+        <p:txBody>
+          <a:bodyPr/>
+          <a:lstStyle/>
+          <a:p>
+            <a:pPr marL="0" indent="0">
+              <a:buNone/>
+            </a:pPr>
+            <a:endParaRPr lang="de-DE" dirty="0" smtClean="0"/>
+          </a:p>
+        </p:txBody>
+      </p:sp>
+      <p:sp>
+        <p:nvSpPr>
+          <p:cNvPr id="5" name="Textfeld 4"/>
+          <p:cNvSpPr txBox="1"/>
+          <p:nvPr/>
+        </p:nvSpPr>
+        <p:spPr>
+          <a:xfrm>
+            <a:off x="124217" y="6311900"/>
+            <a:ext cx="5243186" cy="307777"/>
+          </a:xfrm>
+          <a:prstGeom prst="rect">
+            <a:avLst/>
+          </a:prstGeom>
+          <a:noFill/>
+        </p:spPr>
+        <p:txBody>
+          <a:bodyPr wrap="square" rtlCol="0">
+            <a:spAutoFit/>
+          </a:bodyPr>
+          <a:lstStyle/>
+          <a:p>
+            <a:r>
+              <a:rPr lang="de-DE" sz="1400" dirty="0">
+                <a:solidFill>
+                  <a:schemeClr val="bg1">
+                    <a:lumMod val="50000"/>
+                  </a:schemeClr>
+                </a:solidFill>
+              </a:rPr>
+              <a:t>https://www.cdc.gov/dengue/training/cme/ccm/page45915.html</a:t>
+            </a:r>
+          </a:p>
+        </p:txBody>
+      </p:sp>
+      <p:pic>
+        <p:nvPicPr>
+          <p:cNvPr id="4" name="Grafik 3"/>
+          <p:cNvPicPr>
+            <a:picLocks noChangeAspect="1"/>
+          </p:cNvPicPr>
+          <p:nvPr/>
+        </p:nvPicPr>
+        <p:blipFill>
+          <a:blip r:embed="rId3"/>
+          <a:stretch>
+            <a:fillRect/>
+          </a:stretch>
+        </p:blipFill>
+        <p:spPr>
+          <a:xfrm>
+            <a:off x="2457745" y="1518737"/>
+            <a:ext cx="6337056" cy="4100448"/>
+          </a:xfrm>
+          <a:prstGeom prst="rect">
+            <a:avLst/>
+          </a:prstGeom>
+        </p:spPr>
+      </p:pic>
+    </p:spTree>
+    <p:extLst>
+      <p:ext uri="{BB962C8B-B14F-4D97-AF65-F5344CB8AC3E}">
+        <p14:creationId xmlns:p14="http://schemas.microsoft.com/office/powerpoint/2010/main" val="2089372650"/>
+      </p:ext>
+    </p:extLst>
+  </p:cSld>
+  <p:clrMapOvr>
+    <a:masterClrMapping/>
+  </p:clrMapOvr>
+  <p:timing>
+    <p:tnLst>
+      <p:par>
+        <p:cTn id="1" dur="indefinite" restart="never" nodeType="tmRoot"/>
+      </p:par>
+    </p:tnLst>
+  </p:timing>
+</p:sld>
+</file>
+
+<file path=ppt/slides/slide13.xml><?xml version="1.0" encoding="utf-8"?>
+<p:sld xmlns:a="http://schemas.openxmlformats.org/drawingml/2006/main" xmlns:r="http://schemas.openxmlformats.org/officeDocument/2006/relationships" xmlns:p="http://schemas.openxmlformats.org/presentationml/2006/main">
+  <p:cSld>
+    <p:spTree>
+      <p:nvGrpSpPr>
+        <p:cNvPr id="1" name=""/>
+        <p:cNvGrpSpPr/>
+        <p:nvPr/>
+      </p:nvGrpSpPr>
+      <p:grpSpPr>
+        <a:xfrm>
+          <a:off x="0" y="0"/>
+          <a:ext cx="0" cy="0"/>
+          <a:chOff x="0" y="0"/>
+          <a:chExt cx="0" cy="0"/>
+        </a:xfrm>
+      </p:grpSpPr>
+      <p:sp>
+        <p:nvSpPr>
+          <p:cNvPr id="2" name="Titel 1">
+            <a:extLst>
+              <a:ext uri="{FF2B5EF4-FFF2-40B4-BE49-F238E27FC236}">
+                <a16:creationId xmlns:a16="http://schemas.microsoft.com/office/drawing/2014/main" xmlns="" id="{51869768-F163-65EB-9C87-29362BEE2FB0}"/>
+              </a:ext>
+            </a:extLst>
+          </p:cNvPr>
+          <p:cNvSpPr>
+            <a:spLocks noGrp="1"/>
+          </p:cNvSpPr>
+          <p:nvPr>
+            <p:ph type="title"/>
+          </p:nvPr>
+        </p:nvSpPr>
+        <p:spPr/>
+        <p:txBody>
+          <a:bodyPr/>
+          <a:lstStyle/>
+          <a:p>
+            <a:r>
+              <a:rPr lang="de-DE" dirty="0" smtClean="0"/>
+              <a:t>Replication </a:t>
+            </a:r>
+            <a:r>
+              <a:rPr lang="de-DE" dirty="0" err="1" smtClean="0"/>
+              <a:t>cycle</a:t>
+            </a:r>
+            <a:r>
+              <a:rPr lang="de-DE" dirty="0" smtClean="0"/>
+              <a:t> </a:t>
+            </a:r>
+            <a:r>
+              <a:rPr lang="de-DE" dirty="0" err="1" smtClean="0"/>
+              <a:t>of</a:t>
+            </a:r>
+            <a:r>
+              <a:rPr lang="de-DE" dirty="0" smtClean="0"/>
+              <a:t> </a:t>
+            </a:r>
+            <a:r>
+              <a:rPr lang="de-DE" dirty="0" err="1" smtClean="0"/>
+              <a:t>the</a:t>
+            </a:r>
+            <a:r>
+              <a:rPr lang="de-DE" dirty="0" smtClean="0"/>
+              <a:t> </a:t>
+            </a:r>
+            <a:r>
+              <a:rPr lang="de-DE" dirty="0" err="1" smtClean="0"/>
+              <a:t>aedes</a:t>
+            </a:r>
+            <a:r>
+              <a:rPr lang="de-DE" dirty="0" smtClean="0"/>
+              <a:t> </a:t>
+            </a:r>
+            <a:r>
+              <a:rPr lang="de-DE" dirty="0" err="1" smtClean="0"/>
+              <a:t>mosquitoes</a:t>
+            </a:r>
+            <a:r>
+              <a:rPr lang="de-DE" dirty="0" smtClean="0"/>
+              <a:t> </a:t>
+            </a:r>
+            <a:endParaRPr lang="de-DE" dirty="0"/>
+          </a:p>
+        </p:txBody>
+      </p:sp>
+      <p:pic>
+        <p:nvPicPr>
+          <p:cNvPr id="9" name="Inhaltsplatzhalter 8"/>
+          <p:cNvPicPr>
+            <a:picLocks noGrp="1" noChangeAspect="1"/>
+          </p:cNvPicPr>
+          <p:nvPr>
+            <p:ph idx="1"/>
+          </p:nvPr>
+        </p:nvPicPr>
+        <p:blipFill>
+          <a:blip r:embed="rId3"/>
+          <a:stretch>
+            <a:fillRect/>
+          </a:stretch>
+        </p:blipFill>
+        <p:spPr>
+          <a:xfrm>
+            <a:off x="3501415" y="1922745"/>
+            <a:ext cx="5194050" cy="3632997"/>
+          </a:xfrm>
+          <a:prstGeom prst="rect">
+            <a:avLst/>
+          </a:prstGeom>
+        </p:spPr>
+      </p:pic>
+      <p:sp>
+        <p:nvSpPr>
+          <p:cNvPr id="10" name="Textfeld 9"/>
+          <p:cNvSpPr txBox="1"/>
+          <p:nvPr/>
+        </p:nvSpPr>
+        <p:spPr>
+          <a:xfrm>
+            <a:off x="225468" y="6306855"/>
+            <a:ext cx="6563639" cy="523220"/>
+          </a:xfrm>
+          <a:prstGeom prst="rect">
+            <a:avLst/>
+          </a:prstGeom>
+          <a:noFill/>
+        </p:spPr>
+        <p:txBody>
+          <a:bodyPr wrap="square" rtlCol="0">
+            <a:spAutoFit/>
+          </a:bodyPr>
+          <a:lstStyle/>
+          <a:p>
+            <a:r>
+              <a:rPr lang="de-DE" sz="1400" dirty="0">
+                <a:solidFill>
+                  <a:schemeClr val="bg1">
+                    <a:lumMod val="50000"/>
+                  </a:schemeClr>
+                </a:solidFill>
+              </a:rPr>
+              <a:t>https://www.cdc.gov/mosquitoes/about/life-cycles/aedes.html</a:t>
+            </a:r>
+          </a:p>
+          <a:p>
+            <a:endParaRPr lang="de-DE" sz="1400" dirty="0">
+              <a:solidFill>
+                <a:schemeClr val="bg1">
+                  <a:lumMod val="50000"/>
+                </a:schemeClr>
+              </a:solidFill>
+            </a:endParaRPr>
+          </a:p>
+        </p:txBody>
+      </p:sp>
+    </p:spTree>
+    <p:extLst>
+      <p:ext uri="{BB962C8B-B14F-4D97-AF65-F5344CB8AC3E}">
+        <p14:creationId xmlns:p14="http://schemas.microsoft.com/office/powerpoint/2010/main" val="203781153"/>
+      </p:ext>
+    </p:extLst>
+  </p:cSld>
+  <p:clrMapOvr>
+    <a:masterClrMapping/>
+  </p:clrMapOvr>
+  <p:timing>
+    <p:tnLst>
+      <p:par>
+        <p:cTn id="1" dur="indefinite" restart="never" nodeType="tmRoot"/>
+      </p:par>
+    </p:tnLst>
+  </p:timing>
+</p:sld>
+</file>
+
+<file path=ppt/slides/slide14.xml><?xml version="1.0" encoding="utf-8"?>
+<p:sld xmlns:a="http://schemas.openxmlformats.org/drawingml/2006/main" xmlns:r="http://schemas.openxmlformats.org/officeDocument/2006/relationships" xmlns:p="http://schemas.openxmlformats.org/presentationml/2006/main">
+  <p:cSld>
+    <p:spTree>
+      <p:nvGrpSpPr>
+        <p:cNvPr id="1" name=""/>
+        <p:cNvGrpSpPr/>
+        <p:nvPr/>
+      </p:nvGrpSpPr>
+      <p:grpSpPr>
+        <a:xfrm>
+          <a:off x="0" y="0"/>
+          <a:ext cx="0" cy="0"/>
+          <a:chOff x="0" y="0"/>
+          <a:chExt cx="0" cy="0"/>
+        </a:xfrm>
+      </p:grpSpPr>
+      <p:sp>
+        <p:nvSpPr>
+          <p:cNvPr id="2" name="Titel 1">
+            <a:extLst>
+              <a:ext uri="{FF2B5EF4-FFF2-40B4-BE49-F238E27FC236}">
+                <a16:creationId xmlns:a16="http://schemas.microsoft.com/office/drawing/2014/main" xmlns="" id="{18D19EAC-00EA-9987-976D-52A7A7DC0171}"/>
+              </a:ext>
+            </a:extLst>
+          </p:cNvPr>
+          <p:cNvSpPr>
+            <a:spLocks noGrp="1"/>
+          </p:cNvSpPr>
+          <p:nvPr>
+            <p:ph type="title"/>
+          </p:nvPr>
+        </p:nvSpPr>
+        <p:spPr/>
+        <p:txBody>
+          <a:bodyPr/>
+          <a:lstStyle/>
+          <a:p>
+            <a:endParaRPr lang="de-DE"/>
+          </a:p>
+        </p:txBody>
+      </p:sp>
+      <p:sp>
+        <p:nvSpPr>
+          <p:cNvPr id="6" name="Inhaltsplatzhalter 5">
+            <a:extLst>
+              <a:ext uri="{FF2B5EF4-FFF2-40B4-BE49-F238E27FC236}">
+                <a16:creationId xmlns:a16="http://schemas.microsoft.com/office/drawing/2014/main" xmlns="" id="{266937A2-A8CA-9C35-ADD4-F43D500DDC7F}"/>
+              </a:ext>
+            </a:extLst>
+          </p:cNvPr>
+          <p:cNvSpPr>
+            <a:spLocks noGrp="1"/>
+          </p:cNvSpPr>
+          <p:nvPr>
+            <p:ph idx="1"/>
+          </p:nvPr>
+        </p:nvSpPr>
+        <p:spPr/>
+        <p:txBody>
+          <a:bodyPr/>
+          <a:lstStyle/>
+          <a:p>
+            <a:endParaRPr lang="de-DE"/>
+          </a:p>
+        </p:txBody>
+      </p:sp>
+    </p:spTree>
+    <p:extLst>
+      <p:ext uri="{BB962C8B-B14F-4D97-AF65-F5344CB8AC3E}">
+        <p14:creationId xmlns:p14="http://schemas.microsoft.com/office/powerpoint/2010/main" val="3568912412"/>
       </p:ext>
     </p:extLst>
   </p:cSld>
@@ -17055,7 +18365,7 @@
           <p:cNvPr id="5" name="Titel 4">
             <a:extLst>
               <a:ext uri="{FF2B5EF4-FFF2-40B4-BE49-F238E27FC236}">
-                <a16:creationId xmlns:a16="http://schemas.microsoft.com/office/drawing/2014/main" id="{76E5E993-4C5B-4528-A383-2A56744EE22A}"/>
+                <a16:creationId xmlns:a16="http://schemas.microsoft.com/office/drawing/2014/main" xmlns="" id="{76E5E993-4C5B-4528-A383-2A56744EE22A}"/>
               </a:ext>
             </a:extLst>
           </p:cNvPr>
@@ -17089,7 +18399,7 @@
           <p:cNvPr id="7" name="Inhaltsplatzhalter 6">
             <a:extLst>
               <a:ext uri="{FF2B5EF4-FFF2-40B4-BE49-F238E27FC236}">
-                <a16:creationId xmlns:a16="http://schemas.microsoft.com/office/drawing/2014/main" id="{A5122575-3839-6A14-C8FE-396601E0BF39}"/>
+                <a16:creationId xmlns:a16="http://schemas.microsoft.com/office/drawing/2014/main" xmlns="" id="{A5122575-3839-6A14-C8FE-396601E0BF39}"/>
               </a:ext>
             </a:extLst>
           </p:cNvPr>
@@ -17150,7 +18460,7 @@
           <p:cNvPr id="2" name="Titel 1">
             <a:extLst>
               <a:ext uri="{FF2B5EF4-FFF2-40B4-BE49-F238E27FC236}">
-                <a16:creationId xmlns:a16="http://schemas.microsoft.com/office/drawing/2014/main" id="{1672F52A-860A-3F9C-A902-1F380A99323F}"/>
+                <a16:creationId xmlns:a16="http://schemas.microsoft.com/office/drawing/2014/main" xmlns="" id="{1672F52A-860A-3F9C-A902-1F380A99323F}"/>
               </a:ext>
             </a:extLst>
           </p:cNvPr>
@@ -17181,7 +18491,7 @@
           <p:cNvPr id="7" name="Inhaltsplatzhalter 6" descr="Ein Bild, das Text, Diagramm, Reihe, Screenshot enthält.&#10;&#10;Automatisch generierte Beschreibung">
             <a:extLst>
               <a:ext uri="{FF2B5EF4-FFF2-40B4-BE49-F238E27FC236}">
-                <a16:creationId xmlns:a16="http://schemas.microsoft.com/office/drawing/2014/main" id="{FE4AAAD3-5B49-CFA6-1731-7B8ACE781B21}"/>
+                <a16:creationId xmlns:a16="http://schemas.microsoft.com/office/drawing/2014/main" xmlns="" id="{FE4AAAD3-5B49-CFA6-1731-7B8ACE781B21}"/>
               </a:ext>
             </a:extLst>
           </p:cNvPr>
@@ -17210,7 +18520,7 @@
           <p:cNvPr id="10" name="Grafik 9">
             <a:extLst>
               <a:ext uri="{FF2B5EF4-FFF2-40B4-BE49-F238E27FC236}">
-                <a16:creationId xmlns:a16="http://schemas.microsoft.com/office/drawing/2014/main" id="{99DB00CB-6B3C-CA8B-9198-E610592D85F9}"/>
+                <a16:creationId xmlns:a16="http://schemas.microsoft.com/office/drawing/2014/main" xmlns="" id="{99DB00CB-6B3C-CA8B-9198-E610592D85F9}"/>
               </a:ext>
             </a:extLst>
           </p:cNvPr>
@@ -17345,7 +18655,7 @@
           <p:cNvPr id="2" name="Titel 1">
             <a:extLst>
               <a:ext uri="{FF2B5EF4-FFF2-40B4-BE49-F238E27FC236}">
-                <a16:creationId xmlns:a16="http://schemas.microsoft.com/office/drawing/2014/main" id="{1672F52A-860A-3F9C-A902-1F380A99323F}"/>
+                <a16:creationId xmlns:a16="http://schemas.microsoft.com/office/drawing/2014/main" xmlns="" id="{1672F52A-860A-3F9C-A902-1F380A99323F}"/>
               </a:ext>
             </a:extLst>
           </p:cNvPr>
@@ -17379,7 +18689,7 @@
           <p:cNvPr id="34" name="Inhaltsplatzhalter 33" descr="Ein Bild, das Text, Reihe, Schrift, Diagramm enthält.&#10;&#10;Automatisch generierte Beschreibung">
             <a:extLst>
               <a:ext uri="{FF2B5EF4-FFF2-40B4-BE49-F238E27FC236}">
-                <a16:creationId xmlns:a16="http://schemas.microsoft.com/office/drawing/2014/main" id="{E1B00D42-55E8-1E3C-5C46-2A3BEB81D3C7}"/>
+                <a16:creationId xmlns:a16="http://schemas.microsoft.com/office/drawing/2014/main" xmlns="" id="{E1B00D42-55E8-1E3C-5C46-2A3BEB81D3C7}"/>
               </a:ext>
             </a:extLst>
           </p:cNvPr>
@@ -17438,7 +18748,7 @@
           <p:cNvPr id="2" name="Titel 1">
             <a:extLst>
               <a:ext uri="{FF2B5EF4-FFF2-40B4-BE49-F238E27FC236}">
-                <a16:creationId xmlns:a16="http://schemas.microsoft.com/office/drawing/2014/main" id="{51869768-F163-65EB-9C87-29362BEE2FB0}"/>
+                <a16:creationId xmlns:a16="http://schemas.microsoft.com/office/drawing/2014/main" xmlns="" id="{51869768-F163-65EB-9C87-29362BEE2FB0}"/>
               </a:ext>
             </a:extLst>
           </p:cNvPr>
@@ -17472,7 +18782,7 @@
           <p:cNvPr id="3074" name="Picture 2" descr="Dengue virus, computer model – Bild kaufen – 13405951 ❘ Science Photo  Library">
             <a:extLst>
               <a:ext uri="{FF2B5EF4-FFF2-40B4-BE49-F238E27FC236}">
-                <a16:creationId xmlns:a16="http://schemas.microsoft.com/office/drawing/2014/main" id="{18BB0095-121C-7F48-0CC5-0AACC2982FBB}"/>
+                <a16:creationId xmlns:a16="http://schemas.microsoft.com/office/drawing/2014/main" xmlns="" id="{18BB0095-121C-7F48-0CC5-0AACC2982FBB}"/>
               </a:ext>
             </a:extLst>
           </p:cNvPr>
@@ -17521,7 +18831,7 @@
           <p:cNvPr id="5" name="Textfeld 4">
             <a:extLst>
               <a:ext uri="{FF2B5EF4-FFF2-40B4-BE49-F238E27FC236}">
-                <a16:creationId xmlns:a16="http://schemas.microsoft.com/office/drawing/2014/main" id="{D017F4AE-1EE3-F48B-B6FB-B89A774D9C1D}"/>
+                <a16:creationId xmlns:a16="http://schemas.microsoft.com/office/drawing/2014/main" xmlns="" id="{D017F4AE-1EE3-F48B-B6FB-B89A774D9C1D}"/>
               </a:ext>
             </a:extLst>
           </p:cNvPr>
@@ -17570,7 +18880,7 @@
           <p:cNvPr id="3076" name="Picture 4" descr="Aedes Aegypti Mosquito Pernilongo Mit Weißen Flecken Und Weißem Hintergrund  Stockfoto und mehr Bilder von Dengue-Fieber - iStock">
             <a:extLst>
               <a:ext uri="{FF2B5EF4-FFF2-40B4-BE49-F238E27FC236}">
-                <a16:creationId xmlns:a16="http://schemas.microsoft.com/office/drawing/2014/main" id="{39F636DD-D161-870C-657B-0F1E4993ED92}"/>
+                <a16:creationId xmlns:a16="http://schemas.microsoft.com/office/drawing/2014/main" xmlns="" id="{39F636DD-D161-870C-657B-0F1E4993ED92}"/>
               </a:ext>
             </a:extLst>
           </p:cNvPr>
@@ -17617,7 +18927,7 @@
           <p:cNvPr id="6" name="Pfeil nach rechts 5">
             <a:extLst>
               <a:ext uri="{FF2B5EF4-FFF2-40B4-BE49-F238E27FC236}">
-                <a16:creationId xmlns:a16="http://schemas.microsoft.com/office/drawing/2014/main" id="{45A33A3C-A1CE-5680-1D63-621F52BD2853}"/>
+                <a16:creationId xmlns:a16="http://schemas.microsoft.com/office/drawing/2014/main" xmlns="" id="{45A33A3C-A1CE-5680-1D63-621F52BD2853}"/>
               </a:ext>
             </a:extLst>
           </p:cNvPr>
@@ -17677,7 +18987,7 @@
           <p:cNvPr id="8" name="Textfeld 7">
             <a:extLst>
               <a:ext uri="{FF2B5EF4-FFF2-40B4-BE49-F238E27FC236}">
-                <a16:creationId xmlns:a16="http://schemas.microsoft.com/office/drawing/2014/main" id="{A0E25E64-70F3-846D-6B93-C347312F386A}"/>
+                <a16:creationId xmlns:a16="http://schemas.microsoft.com/office/drawing/2014/main" xmlns="" id="{A0E25E64-70F3-846D-6B93-C347312F386A}"/>
               </a:ext>
             </a:extLst>
           </p:cNvPr>
@@ -17750,7 +19060,7 @@
           <p:cNvPr id="10" name="Grafik 9" descr="Gruppe von Personen mit einfarbiger Füllung">
             <a:extLst>
               <a:ext uri="{FF2B5EF4-FFF2-40B4-BE49-F238E27FC236}">
-                <a16:creationId xmlns:a16="http://schemas.microsoft.com/office/drawing/2014/main" id="{FB938136-D51A-55C9-1018-E75714175401}"/>
+                <a16:creationId xmlns:a16="http://schemas.microsoft.com/office/drawing/2014/main" xmlns="" id="{FB938136-D51A-55C9-1018-E75714175401}"/>
               </a:ext>
             </a:extLst>
           </p:cNvPr>
@@ -17763,7 +19073,7 @@
           <a:blip r:embed="rId5">
             <a:extLst>
               <a:ext uri="{96DAC541-7B7A-43D3-8B79-37D633B846F1}">
-                <asvg:svgBlip xmlns:asvg="http://schemas.microsoft.com/office/drawing/2016/SVG/main" r:embed="rId6"/>
+                <asvg:svgBlip xmlns:asvg="http://schemas.microsoft.com/office/drawing/2016/SVG/main" xmlns="" r:embed="rId6"/>
               </a:ext>
             </a:extLst>
           </a:blip>
@@ -17786,7 +19096,7 @@
           <p:cNvPr id="12" name="Pfeil nach rechts 11">
             <a:extLst>
               <a:ext uri="{FF2B5EF4-FFF2-40B4-BE49-F238E27FC236}">
-                <a16:creationId xmlns:a16="http://schemas.microsoft.com/office/drawing/2014/main" id="{080C3A68-08E1-20DC-42CC-002FF2850937}"/>
+                <a16:creationId xmlns:a16="http://schemas.microsoft.com/office/drawing/2014/main" xmlns="" id="{080C3A68-08E1-20DC-42CC-002FF2850937}"/>
               </a:ext>
             </a:extLst>
           </p:cNvPr>
@@ -17846,7 +19156,7 @@
           <p:cNvPr id="15" name="Textfeld 14">
             <a:extLst>
               <a:ext uri="{FF2B5EF4-FFF2-40B4-BE49-F238E27FC236}">
-                <a16:creationId xmlns:a16="http://schemas.microsoft.com/office/drawing/2014/main" id="{D0B168F4-5605-3A3C-F3A2-63011503F585}"/>
+                <a16:creationId xmlns:a16="http://schemas.microsoft.com/office/drawing/2014/main" xmlns="" id="{D0B168F4-5605-3A3C-F3A2-63011503F585}"/>
               </a:ext>
             </a:extLst>
           </p:cNvPr>
@@ -17897,7 +19207,7 @@
           <p:cNvPr id="16" name="Textfeld 15">
             <a:extLst>
               <a:ext uri="{FF2B5EF4-FFF2-40B4-BE49-F238E27FC236}">
-                <a16:creationId xmlns:a16="http://schemas.microsoft.com/office/drawing/2014/main" id="{1F0F964D-D751-568B-5149-B30ADA088FD8}"/>
+                <a16:creationId xmlns:a16="http://schemas.microsoft.com/office/drawing/2014/main" xmlns="" id="{1F0F964D-D751-568B-5149-B30ADA088FD8}"/>
               </a:ext>
             </a:extLst>
           </p:cNvPr>
@@ -17997,12 +19307,42 @@
           <a:chExt cx="0" cy="0"/>
         </a:xfrm>
       </p:grpSpPr>
+      <p:pic>
+        <p:nvPicPr>
+          <p:cNvPr id="4" name="Grafik 3"/>
+          <p:cNvPicPr>
+            <a:picLocks noChangeAspect="1"/>
+          </p:cNvPicPr>
+          <p:nvPr/>
+        </p:nvPicPr>
+        <p:blipFill>
+          <a:blip r:embed="rId3">
+            <a:extLst>
+              <a:ext uri="{28A0092B-C50C-407E-A947-70E740481C1C}">
+                <a14:useLocalDpi xmlns:a14="http://schemas.microsoft.com/office/drawing/2010/main" val="0"/>
+              </a:ext>
+            </a:extLst>
+          </a:blip>
+          <a:stretch>
+            <a:fillRect/>
+          </a:stretch>
+        </p:blipFill>
+        <p:spPr>
+          <a:xfrm>
+            <a:off x="6926893" y="470324"/>
+            <a:ext cx="4248462" cy="2440727"/>
+          </a:xfrm>
+          <a:prstGeom prst="rect">
+            <a:avLst/>
+          </a:prstGeom>
+        </p:spPr>
+      </p:pic>
       <p:sp>
         <p:nvSpPr>
           <p:cNvPr id="2" name="Titel 1">
             <a:extLst>
               <a:ext uri="{FF2B5EF4-FFF2-40B4-BE49-F238E27FC236}">
-                <a16:creationId xmlns:a16="http://schemas.microsoft.com/office/drawing/2014/main" id="{271BBF8E-0631-07FA-658D-0A9AC185B2ED}"/>
+                <a16:creationId xmlns:a16="http://schemas.microsoft.com/office/drawing/2014/main" xmlns="" id="{51869768-F163-65EB-9C87-29362BEE2FB0}"/>
               </a:ext>
             </a:extLst>
           </p:cNvPr>
@@ -18019,11 +19359,10 @@
           <a:lstStyle/>
           <a:p>
             <a:r>
-              <a:rPr lang="de-DE" dirty="0">
-                <a:latin typeface="Cambria" panose="02040503050406030204" pitchFamily="18" charset="0"/>
-              </a:rPr>
-              <a:t>Datasets </a:t>
-            </a:r>
+              <a:rPr lang="de-DE" dirty="0" smtClean="0"/>
+              <a:t>Dengue Virus </a:t>
+            </a:r>
+            <a:endParaRPr lang="de-DE" dirty="0"/>
           </a:p>
         </p:txBody>
       </p:sp>
@@ -18032,7 +19371,949 @@
           <p:cNvPr id="3" name="Inhaltsplatzhalter 2">
             <a:extLst>
               <a:ext uri="{FF2B5EF4-FFF2-40B4-BE49-F238E27FC236}">
-                <a16:creationId xmlns:a16="http://schemas.microsoft.com/office/drawing/2014/main" id="{F9EF591C-ECF0-EF81-A103-19C701887773}"/>
+                <a16:creationId xmlns:a16="http://schemas.microsoft.com/office/drawing/2014/main" xmlns="" id="{5DE0BF4F-0298-067A-9F94-D71CBA67BCA6}"/>
+              </a:ext>
+            </a:extLst>
+          </p:cNvPr>
+          <p:cNvSpPr>
+            <a:spLocks noGrp="1"/>
+          </p:cNvSpPr>
+          <p:nvPr>
+            <p:ph idx="1"/>
+          </p:nvPr>
+        </p:nvSpPr>
+        <p:spPr/>
+        <p:txBody>
+          <a:bodyPr/>
+          <a:lstStyle/>
+          <a:p>
+            <a:r>
+              <a:rPr lang="de-DE" dirty="0" smtClean="0"/>
+              <a:t>Viral </a:t>
+            </a:r>
+            <a:r>
+              <a:rPr lang="de-DE" dirty="0" err="1" smtClean="0"/>
+              <a:t>infection</a:t>
+            </a:r>
+            <a:r>
+              <a:rPr lang="de-DE" dirty="0" smtClean="0"/>
+              <a:t> </a:t>
+            </a:r>
+            <a:r>
+              <a:rPr lang="de-DE" dirty="0" err="1" smtClean="0"/>
+              <a:t>caused</a:t>
+            </a:r>
+            <a:r>
+              <a:rPr lang="de-DE" dirty="0" smtClean="0"/>
+              <a:t> </a:t>
+            </a:r>
+            <a:r>
+              <a:rPr lang="de-DE" dirty="0" err="1" smtClean="0"/>
+              <a:t>by</a:t>
+            </a:r>
+            <a:r>
+              <a:rPr lang="de-DE" dirty="0" smtClean="0"/>
+              <a:t> </a:t>
+            </a:r>
+            <a:r>
+              <a:rPr lang="de-DE" dirty="0" err="1" smtClean="0"/>
+              <a:t>th</a:t>
+            </a:r>
+            <a:r>
+              <a:rPr lang="de-DE" dirty="0" err="1" smtClean="0"/>
+              <a:t>e</a:t>
+            </a:r>
+            <a:r>
+              <a:rPr lang="de-DE" dirty="0" smtClean="0"/>
+              <a:t> </a:t>
+            </a:r>
+            <a:r>
+              <a:rPr lang="de-DE" dirty="0" err="1" smtClean="0"/>
+              <a:t>dengue</a:t>
+            </a:r>
+            <a:r>
+              <a:rPr lang="de-DE" dirty="0" smtClean="0"/>
+              <a:t> </a:t>
+            </a:r>
+            <a:r>
+              <a:rPr lang="de-DE" dirty="0" err="1" smtClean="0"/>
+              <a:t>virus</a:t>
+            </a:r>
+            <a:endParaRPr lang="de-DE" dirty="0" smtClean="0"/>
+          </a:p>
+          <a:p>
+            <a:pPr lvl="1"/>
+            <a:r>
+              <a:rPr lang="de-DE" dirty="0" err="1"/>
+              <a:t>Transmitted</a:t>
+            </a:r>
+            <a:r>
+              <a:rPr lang="de-DE" dirty="0"/>
+              <a:t> </a:t>
+            </a:r>
+            <a:r>
+              <a:rPr lang="de-DE" dirty="0" err="1"/>
+              <a:t>by</a:t>
+            </a:r>
+            <a:r>
+              <a:rPr lang="de-DE" dirty="0"/>
+              <a:t> </a:t>
+            </a:r>
+            <a:r>
+              <a:rPr lang="de-DE" dirty="0" err="1"/>
+              <a:t>the</a:t>
+            </a:r>
+            <a:r>
+              <a:rPr lang="de-DE" dirty="0"/>
+              <a:t> </a:t>
+            </a:r>
+            <a:r>
+              <a:rPr lang="de-DE" dirty="0" err="1"/>
+              <a:t>Aedes</a:t>
+            </a:r>
+            <a:r>
+              <a:rPr lang="de-DE" dirty="0"/>
+              <a:t> </a:t>
+            </a:r>
+            <a:r>
+              <a:rPr lang="de-DE" dirty="0" err="1"/>
+              <a:t>mosquitoes</a:t>
+            </a:r>
+            <a:r>
+              <a:rPr lang="de-DE" dirty="0"/>
+              <a:t>  </a:t>
+            </a:r>
+          </a:p>
+          <a:p>
+            <a:endParaRPr lang="de-DE" dirty="0" smtClean="0"/>
+          </a:p>
+          <a:p>
+            <a:r>
+              <a:rPr lang="de-DE" dirty="0" smtClean="0"/>
+              <a:t>Worldwide </a:t>
+            </a:r>
+            <a:r>
+              <a:rPr lang="de-DE" dirty="0" err="1" smtClean="0"/>
+              <a:t>about</a:t>
+            </a:r>
+            <a:r>
+              <a:rPr lang="de-DE" dirty="0" smtClean="0"/>
+              <a:t> 390 </a:t>
+            </a:r>
+            <a:r>
+              <a:rPr lang="de-DE" dirty="0" err="1" smtClean="0"/>
+              <a:t>million</a:t>
+            </a:r>
+            <a:r>
+              <a:rPr lang="de-DE" dirty="0" smtClean="0"/>
+              <a:t> </a:t>
+            </a:r>
+            <a:r>
+              <a:rPr lang="de-DE" dirty="0" err="1" smtClean="0"/>
+              <a:t>infections</a:t>
+            </a:r>
+            <a:r>
+              <a:rPr lang="de-DE" dirty="0" smtClean="0"/>
+              <a:t> per </a:t>
+            </a:r>
+            <a:r>
+              <a:rPr lang="de-DE" dirty="0" err="1" smtClean="0"/>
+              <a:t>year</a:t>
+            </a:r>
+            <a:endParaRPr lang="de-DE" dirty="0" smtClean="0"/>
+          </a:p>
+          <a:p>
+            <a:pPr lvl="1"/>
+            <a:r>
+              <a:rPr lang="de-DE" dirty="0" smtClean="0"/>
+              <a:t>Major </a:t>
+            </a:r>
+            <a:r>
+              <a:rPr lang="de-DE" dirty="0" err="1" smtClean="0"/>
+              <a:t>public</a:t>
+            </a:r>
+            <a:r>
+              <a:rPr lang="de-DE" dirty="0" smtClean="0"/>
+              <a:t> </a:t>
+            </a:r>
+            <a:r>
+              <a:rPr lang="de-DE" dirty="0" err="1" smtClean="0"/>
+              <a:t>health</a:t>
+            </a:r>
+            <a:r>
+              <a:rPr lang="de-DE" dirty="0" smtClean="0"/>
+              <a:t> </a:t>
+            </a:r>
+            <a:r>
+              <a:rPr lang="de-DE" dirty="0" err="1" smtClean="0"/>
+              <a:t>issue</a:t>
+            </a:r>
+            <a:r>
+              <a:rPr lang="de-DE" dirty="0" smtClean="0"/>
+              <a:t> </a:t>
+            </a:r>
+            <a:r>
+              <a:rPr lang="de-DE" dirty="0" err="1" smtClean="0"/>
+              <a:t>according</a:t>
+            </a:r>
+            <a:r>
+              <a:rPr lang="de-DE" dirty="0" smtClean="0"/>
+              <a:t> </a:t>
+            </a:r>
+            <a:r>
+              <a:rPr lang="de-DE" dirty="0" err="1" smtClean="0"/>
+              <a:t>to</a:t>
+            </a:r>
+            <a:r>
+              <a:rPr lang="de-DE" dirty="0" smtClean="0"/>
+              <a:t> WHO</a:t>
+            </a:r>
+          </a:p>
+          <a:p>
+            <a:pPr lvl="1"/>
+            <a:r>
+              <a:rPr lang="de-DE" dirty="0" smtClean="0"/>
+              <a:t>South-East </a:t>
+            </a:r>
+            <a:r>
+              <a:rPr lang="de-DE" dirty="0" err="1" smtClean="0"/>
+              <a:t>Asia</a:t>
+            </a:r>
+            <a:r>
+              <a:rPr lang="de-DE" dirty="0" smtClean="0"/>
+              <a:t> </a:t>
+            </a:r>
+            <a:r>
+              <a:rPr lang="de-DE" dirty="0" err="1" smtClean="0"/>
+              <a:t>one</a:t>
+            </a:r>
+            <a:r>
+              <a:rPr lang="de-DE" dirty="0" smtClean="0"/>
+              <a:t> </a:t>
+            </a:r>
+            <a:r>
+              <a:rPr lang="de-DE" dirty="0" err="1" smtClean="0"/>
+              <a:t>of</a:t>
+            </a:r>
+            <a:r>
+              <a:rPr lang="de-DE" dirty="0" smtClean="0"/>
+              <a:t> </a:t>
+            </a:r>
+            <a:r>
+              <a:rPr lang="de-DE" dirty="0" err="1" smtClean="0"/>
+              <a:t>the</a:t>
+            </a:r>
+            <a:r>
+              <a:rPr lang="de-DE" dirty="0" smtClean="0"/>
+              <a:t> </a:t>
+            </a:r>
+            <a:r>
+              <a:rPr lang="de-DE" dirty="0" err="1" smtClean="0"/>
+              <a:t>most</a:t>
+            </a:r>
+            <a:r>
+              <a:rPr lang="de-DE" dirty="0" smtClean="0"/>
+              <a:t> </a:t>
+            </a:r>
+            <a:r>
+              <a:rPr lang="de-DE" dirty="0" err="1" smtClean="0"/>
+              <a:t>seriously</a:t>
+            </a:r>
+            <a:r>
+              <a:rPr lang="de-DE" dirty="0" smtClean="0"/>
+              <a:t> </a:t>
+            </a:r>
+            <a:r>
+              <a:rPr lang="de-DE" dirty="0" err="1" smtClean="0"/>
+              <a:t>affected</a:t>
+            </a:r>
+            <a:r>
+              <a:rPr lang="de-DE" dirty="0" smtClean="0"/>
+              <a:t> </a:t>
+            </a:r>
+            <a:r>
+              <a:rPr lang="de-DE" dirty="0" err="1" smtClean="0"/>
+              <a:t>areas</a:t>
+            </a:r>
+            <a:r>
+              <a:rPr lang="de-DE" dirty="0" smtClean="0"/>
+              <a:t> </a:t>
+            </a:r>
+          </a:p>
+          <a:p>
+            <a:endParaRPr lang="de-DE" dirty="0" smtClean="0"/>
+          </a:p>
+          <a:p>
+            <a:r>
+              <a:rPr lang="de-DE" dirty="0" err="1" smtClean="0"/>
+              <a:t>No</a:t>
+            </a:r>
+            <a:r>
+              <a:rPr lang="de-DE" dirty="0" smtClean="0"/>
+              <a:t> </a:t>
+            </a:r>
+            <a:r>
+              <a:rPr lang="de-DE" dirty="0" err="1" smtClean="0"/>
+              <a:t>specific</a:t>
+            </a:r>
+            <a:r>
+              <a:rPr lang="de-DE" dirty="0" smtClean="0"/>
+              <a:t> </a:t>
+            </a:r>
+            <a:r>
+              <a:rPr lang="de-DE" dirty="0" err="1" smtClean="0"/>
+              <a:t>treatment</a:t>
+            </a:r>
+            <a:r>
+              <a:rPr lang="de-DE" dirty="0" smtClean="0"/>
+              <a:t> </a:t>
+            </a:r>
+            <a:r>
+              <a:rPr lang="de-DE" dirty="0" err="1" smtClean="0"/>
+              <a:t>yet</a:t>
+            </a:r>
+            <a:endParaRPr lang="de-DE" dirty="0" smtClean="0"/>
+          </a:p>
+          <a:p>
+            <a:pPr lvl="1">
+              <a:buBlip>
+                <a:blip r:embed="rId4"/>
+              </a:buBlip>
+            </a:pPr>
+            <a:r>
+              <a:rPr lang="de-DE" dirty="0" smtClean="0"/>
+              <a:t>Analysis </a:t>
+            </a:r>
+            <a:r>
+              <a:rPr lang="de-DE" dirty="0" err="1" smtClean="0"/>
+              <a:t>and</a:t>
+            </a:r>
+            <a:r>
+              <a:rPr lang="de-DE" dirty="0" smtClean="0"/>
+              <a:t> </a:t>
+            </a:r>
+            <a:r>
+              <a:rPr lang="de-DE" dirty="0" err="1" smtClean="0"/>
+              <a:t>predicition</a:t>
+            </a:r>
+            <a:r>
+              <a:rPr lang="de-DE" dirty="0" smtClean="0"/>
+              <a:t> </a:t>
+            </a:r>
+            <a:r>
+              <a:rPr lang="de-DE" dirty="0" err="1" smtClean="0"/>
+              <a:t>are</a:t>
+            </a:r>
+            <a:r>
+              <a:rPr lang="de-DE" dirty="0" smtClean="0"/>
+              <a:t> </a:t>
+            </a:r>
+            <a:r>
+              <a:rPr lang="de-DE" dirty="0" err="1" smtClean="0"/>
+              <a:t>important</a:t>
+            </a:r>
+            <a:r>
+              <a:rPr lang="de-DE" dirty="0" smtClean="0"/>
+              <a:t> </a:t>
+            </a:r>
+            <a:r>
+              <a:rPr lang="de-DE" dirty="0" err="1" smtClean="0"/>
+              <a:t>strategies</a:t>
+            </a:r>
+            <a:r>
+              <a:rPr lang="de-DE" dirty="0" smtClean="0"/>
+              <a:t> </a:t>
+            </a:r>
+            <a:r>
+              <a:rPr lang="de-DE" dirty="0" err="1" smtClean="0"/>
+              <a:t>to</a:t>
+            </a:r>
+            <a:r>
+              <a:rPr lang="de-DE" dirty="0" smtClean="0"/>
+              <a:t> </a:t>
+            </a:r>
+            <a:r>
+              <a:rPr lang="de-DE" dirty="0" err="1" smtClean="0"/>
+              <a:t>prevent</a:t>
+            </a:r>
+            <a:r>
+              <a:rPr lang="de-DE" dirty="0" smtClean="0"/>
+              <a:t> </a:t>
+            </a:r>
+            <a:r>
+              <a:rPr lang="de-DE" dirty="0" err="1" smtClean="0"/>
+              <a:t>infections</a:t>
+            </a:r>
+            <a:endParaRPr lang="de-DE" dirty="0" smtClean="0"/>
+          </a:p>
+        </p:txBody>
+      </p:sp>
+      <p:sp>
+        <p:nvSpPr>
+          <p:cNvPr id="5" name="Textfeld 4"/>
+          <p:cNvSpPr txBox="1"/>
+          <p:nvPr/>
+        </p:nvSpPr>
+        <p:spPr>
+          <a:xfrm>
+            <a:off x="124217" y="6311900"/>
+            <a:ext cx="3339230" cy="523220"/>
+          </a:xfrm>
+          <a:prstGeom prst="rect">
+            <a:avLst/>
+          </a:prstGeom>
+          <a:noFill/>
+        </p:spPr>
+        <p:txBody>
+          <a:bodyPr wrap="square" rtlCol="0">
+            <a:spAutoFit/>
+          </a:bodyPr>
+          <a:lstStyle/>
+          <a:p>
+            <a:r>
+              <a:rPr lang="de-DE" sz="1400" dirty="0">
+                <a:solidFill>
+                  <a:schemeClr val="bg1">
+                    <a:lumMod val="50000"/>
+                  </a:schemeClr>
+                </a:solidFill>
+              </a:rPr>
+              <a:t>https://www.euroimmunblog.de/dengue-diagnostizieren/</a:t>
+            </a:r>
+          </a:p>
+        </p:txBody>
+      </p:sp>
+    </p:spTree>
+    <p:extLst>
+      <p:ext uri="{BB962C8B-B14F-4D97-AF65-F5344CB8AC3E}">
+        <p14:creationId xmlns:p14="http://schemas.microsoft.com/office/powerpoint/2010/main" val="2658366028"/>
+      </p:ext>
+    </p:extLst>
+  </p:cSld>
+  <p:clrMapOvr>
+    <a:masterClrMapping/>
+  </p:clrMapOvr>
+  <p:timing>
+    <p:tnLst>
+      <p:par>
+        <p:cTn id="1" dur="indefinite" restart="never" nodeType="tmRoot"/>
+      </p:par>
+    </p:tnLst>
+  </p:timing>
+</p:sld>
+</file>
+
+<file path=ppt/slides/slide7.xml><?xml version="1.0" encoding="utf-8"?>
+<p:sld xmlns:a="http://schemas.openxmlformats.org/drawingml/2006/main" xmlns:r="http://schemas.openxmlformats.org/officeDocument/2006/relationships" xmlns:p="http://schemas.openxmlformats.org/presentationml/2006/main">
+  <p:cSld>
+    <p:spTree>
+      <p:nvGrpSpPr>
+        <p:cNvPr id="1" name=""/>
+        <p:cNvGrpSpPr/>
+        <p:nvPr/>
+      </p:nvGrpSpPr>
+      <p:grpSpPr>
+        <a:xfrm>
+          <a:off x="0" y="0"/>
+          <a:ext cx="0" cy="0"/>
+          <a:chOff x="0" y="0"/>
+          <a:chExt cx="0" cy="0"/>
+        </a:xfrm>
+      </p:grpSpPr>
+      <p:sp>
+        <p:nvSpPr>
+          <p:cNvPr id="2" name="Titel 1">
+            <a:extLst>
+              <a:ext uri="{FF2B5EF4-FFF2-40B4-BE49-F238E27FC236}">
+                <a16:creationId xmlns:a16="http://schemas.microsoft.com/office/drawing/2014/main" xmlns="" id="{51869768-F163-65EB-9C87-29362BEE2FB0}"/>
+              </a:ext>
+            </a:extLst>
+          </p:cNvPr>
+          <p:cNvSpPr>
+            <a:spLocks noGrp="1"/>
+          </p:cNvSpPr>
+          <p:nvPr>
+            <p:ph type="title"/>
+          </p:nvPr>
+        </p:nvSpPr>
+        <p:spPr/>
+        <p:txBody>
+          <a:bodyPr>
+            <a:normAutofit/>
+          </a:bodyPr>
+          <a:lstStyle/>
+          <a:p>
+            <a:r>
+              <a:rPr lang="de-DE" sz="4300" dirty="0" smtClean="0"/>
+              <a:t>The </a:t>
+            </a:r>
+            <a:r>
+              <a:rPr lang="de-DE" sz="4300" dirty="0" err="1" smtClean="0"/>
+              <a:t>relation</a:t>
+            </a:r>
+            <a:r>
+              <a:rPr lang="de-DE" sz="4300" dirty="0" smtClean="0"/>
+              <a:t> </a:t>
+            </a:r>
+            <a:r>
+              <a:rPr lang="de-DE" sz="4300" dirty="0" err="1" smtClean="0"/>
+              <a:t>between</a:t>
+            </a:r>
+            <a:r>
+              <a:rPr lang="de-DE" sz="4300" dirty="0" smtClean="0"/>
+              <a:t> </a:t>
+            </a:r>
+            <a:r>
+              <a:rPr lang="de-DE" sz="4300" dirty="0" err="1" smtClean="0"/>
+              <a:t>temperature</a:t>
+            </a:r>
+            <a:r>
+              <a:rPr lang="de-DE" sz="4300" dirty="0" smtClean="0"/>
+              <a:t> </a:t>
+            </a:r>
+            <a:r>
+              <a:rPr lang="de-DE" sz="4300" dirty="0" err="1" smtClean="0"/>
+              <a:t>and</a:t>
+            </a:r>
+            <a:r>
+              <a:rPr lang="de-DE" sz="4300" dirty="0" smtClean="0"/>
+              <a:t> </a:t>
+            </a:r>
+            <a:r>
+              <a:rPr lang="de-DE" sz="4300" dirty="0" err="1" smtClean="0"/>
+              <a:t>dengue</a:t>
+            </a:r>
+            <a:r>
+              <a:rPr lang="de-DE" sz="4300" dirty="0" smtClean="0"/>
+              <a:t> </a:t>
+            </a:r>
+            <a:r>
+              <a:rPr lang="de-DE" sz="4300" dirty="0" smtClean="0"/>
+              <a:t> </a:t>
+            </a:r>
+            <a:endParaRPr lang="de-DE" sz="4300" dirty="0"/>
+          </a:p>
+        </p:txBody>
+      </p:sp>
+      <p:sp>
+        <p:nvSpPr>
+          <p:cNvPr id="3" name="Inhaltsplatzhalter 2">
+            <a:extLst>
+              <a:ext uri="{FF2B5EF4-FFF2-40B4-BE49-F238E27FC236}">
+                <a16:creationId xmlns:a16="http://schemas.microsoft.com/office/drawing/2014/main" xmlns="" id="{5DE0BF4F-0298-067A-9F94-D71CBA67BCA6}"/>
+              </a:ext>
+            </a:extLst>
+          </p:cNvPr>
+          <p:cNvSpPr>
+            <a:spLocks noGrp="1"/>
+          </p:cNvSpPr>
+          <p:nvPr>
+            <p:ph idx="1"/>
+          </p:nvPr>
+        </p:nvSpPr>
+        <p:spPr/>
+        <p:txBody>
+          <a:bodyPr/>
+          <a:lstStyle/>
+          <a:p>
+            <a:r>
+              <a:rPr lang="de-DE" dirty="0" err="1" smtClean="0"/>
+              <a:t>Climate</a:t>
+            </a:r>
+            <a:r>
+              <a:rPr lang="de-DE" dirty="0" smtClean="0"/>
+              <a:t> variables </a:t>
+            </a:r>
+            <a:r>
+              <a:rPr lang="de-DE" dirty="0" err="1" smtClean="0"/>
+              <a:t>are</a:t>
+            </a:r>
+            <a:r>
+              <a:rPr lang="de-DE" dirty="0" smtClean="0"/>
+              <a:t> potential </a:t>
+            </a:r>
+            <a:r>
+              <a:rPr lang="de-DE" dirty="0" err="1" smtClean="0"/>
+              <a:t>predictors</a:t>
+            </a:r>
+            <a:r>
+              <a:rPr lang="de-DE" dirty="0" smtClean="0"/>
+              <a:t> </a:t>
+            </a:r>
+            <a:r>
+              <a:rPr lang="de-DE" dirty="0" err="1" smtClean="0"/>
+              <a:t>of</a:t>
+            </a:r>
+            <a:r>
+              <a:rPr lang="de-DE" dirty="0" smtClean="0"/>
+              <a:t> </a:t>
+            </a:r>
+            <a:r>
+              <a:rPr lang="de-DE" dirty="0" err="1" smtClean="0"/>
+              <a:t>dengue</a:t>
+            </a:r>
+            <a:r>
+              <a:rPr lang="de-DE" dirty="0" smtClean="0"/>
+              <a:t> </a:t>
+            </a:r>
+            <a:r>
+              <a:rPr lang="de-DE" dirty="0" err="1" smtClean="0"/>
+              <a:t>transmission</a:t>
+            </a:r>
+            <a:endParaRPr lang="de-DE" dirty="0" smtClean="0"/>
+          </a:p>
+          <a:p>
+            <a:r>
+              <a:rPr lang="de-DE" dirty="0" err="1" smtClean="0"/>
+              <a:t>Panichat</a:t>
+            </a:r>
+            <a:r>
+              <a:rPr lang="de-DE" dirty="0" smtClean="0"/>
+              <a:t> et al: </a:t>
+            </a:r>
+          </a:p>
+          <a:p>
+            <a:pPr lvl="1"/>
+            <a:r>
+              <a:rPr lang="de-DE" dirty="0" err="1" smtClean="0"/>
+              <a:t>maximum</a:t>
+            </a:r>
+            <a:r>
+              <a:rPr lang="de-DE" dirty="0" smtClean="0"/>
+              <a:t> </a:t>
+            </a:r>
+            <a:r>
+              <a:rPr lang="de-DE" dirty="0" err="1" smtClean="0"/>
+              <a:t>temperature</a:t>
+            </a:r>
+            <a:r>
+              <a:rPr lang="de-DE" dirty="0" smtClean="0"/>
+              <a:t> </a:t>
+            </a:r>
+            <a:r>
+              <a:rPr lang="de-DE" dirty="0" err="1" smtClean="0"/>
+              <a:t>positively</a:t>
+            </a:r>
+            <a:r>
+              <a:rPr lang="de-DE" dirty="0" smtClean="0"/>
+              <a:t> </a:t>
+            </a:r>
+            <a:r>
+              <a:rPr lang="de-DE" dirty="0" err="1" smtClean="0"/>
+              <a:t>associated</a:t>
+            </a:r>
+            <a:r>
+              <a:rPr lang="de-DE" dirty="0" smtClean="0"/>
+              <a:t> </a:t>
+            </a:r>
+            <a:r>
+              <a:rPr lang="de-DE" dirty="0" err="1" smtClean="0"/>
+              <a:t>with</a:t>
+            </a:r>
+            <a:r>
+              <a:rPr lang="de-DE" dirty="0" smtClean="0"/>
+              <a:t> </a:t>
+            </a:r>
+            <a:r>
+              <a:rPr lang="de-DE" dirty="0" err="1" smtClean="0"/>
+              <a:t>higher</a:t>
+            </a:r>
+            <a:r>
+              <a:rPr lang="de-DE" dirty="0" smtClean="0"/>
+              <a:t> </a:t>
+            </a:r>
+            <a:r>
+              <a:rPr lang="de-DE" dirty="0" err="1" smtClean="0"/>
+              <a:t>incidences</a:t>
+            </a:r>
+            <a:r>
+              <a:rPr lang="de-DE" dirty="0" smtClean="0"/>
+              <a:t> </a:t>
+            </a:r>
+          </a:p>
+          <a:p>
+            <a:pPr lvl="1"/>
+            <a:r>
+              <a:rPr lang="de-DE" dirty="0" smtClean="0"/>
+              <a:t>Most </a:t>
+            </a:r>
+            <a:r>
+              <a:rPr lang="de-DE" dirty="0" err="1" smtClean="0"/>
+              <a:t>dengue</a:t>
+            </a:r>
+            <a:r>
+              <a:rPr lang="de-DE" dirty="0" smtClean="0"/>
+              <a:t> </a:t>
+            </a:r>
+            <a:r>
+              <a:rPr lang="de-DE" dirty="0" err="1" smtClean="0"/>
+              <a:t>cases</a:t>
+            </a:r>
+            <a:r>
+              <a:rPr lang="de-DE" dirty="0" smtClean="0"/>
+              <a:t> </a:t>
+            </a:r>
+            <a:r>
+              <a:rPr lang="de-DE" dirty="0" err="1" smtClean="0"/>
+              <a:t>occur</a:t>
+            </a:r>
+            <a:r>
+              <a:rPr lang="de-DE" dirty="0" smtClean="0"/>
+              <a:t> at </a:t>
+            </a:r>
+            <a:r>
+              <a:rPr lang="de-DE" dirty="0" err="1" smtClean="0"/>
+              <a:t>mean</a:t>
+            </a:r>
+            <a:r>
+              <a:rPr lang="de-DE" dirty="0" smtClean="0"/>
+              <a:t> </a:t>
+            </a:r>
+            <a:r>
+              <a:rPr lang="de-DE" dirty="0" err="1" smtClean="0"/>
+              <a:t>tempuratures</a:t>
+            </a:r>
+            <a:r>
+              <a:rPr lang="de-DE" dirty="0" smtClean="0"/>
+              <a:t> </a:t>
+            </a:r>
+            <a:r>
+              <a:rPr lang="de-DE" dirty="0" err="1" smtClean="0"/>
+              <a:t>beween</a:t>
+            </a:r>
+            <a:r>
+              <a:rPr lang="de-DE" dirty="0" smtClean="0"/>
+              <a:t> 27 °C </a:t>
+            </a:r>
+            <a:r>
+              <a:rPr lang="de-DE" dirty="0" err="1" smtClean="0"/>
+              <a:t>and</a:t>
+            </a:r>
+            <a:r>
+              <a:rPr lang="de-DE" dirty="0" smtClean="0"/>
+              <a:t> 29.5 °C </a:t>
+            </a:r>
+            <a:r>
+              <a:rPr lang="de-DE" dirty="0" err="1" smtClean="0"/>
+              <a:t>with</a:t>
+            </a:r>
+            <a:r>
+              <a:rPr lang="de-DE" dirty="0" smtClean="0"/>
+              <a:t> a </a:t>
+            </a:r>
+            <a:r>
+              <a:rPr lang="de-DE" dirty="0" err="1" smtClean="0"/>
+              <a:t>a</a:t>
+            </a:r>
+            <a:r>
+              <a:rPr lang="de-DE" dirty="0" smtClean="0"/>
+              <a:t> </a:t>
+            </a:r>
+            <a:r>
+              <a:rPr lang="de-DE" dirty="0" err="1" smtClean="0"/>
+              <a:t>maximum</a:t>
+            </a:r>
+            <a:r>
+              <a:rPr lang="de-DE" dirty="0" smtClean="0"/>
+              <a:t> at 29°C </a:t>
+            </a:r>
+          </a:p>
+        </p:txBody>
+      </p:sp>
+      <p:pic>
+        <p:nvPicPr>
+          <p:cNvPr id="9" name="Grafik 8"/>
+          <p:cNvPicPr>
+            <a:picLocks noChangeAspect="1"/>
+          </p:cNvPicPr>
+          <p:nvPr/>
+        </p:nvPicPr>
+        <p:blipFill>
+          <a:blip r:embed="rId3"/>
+          <a:stretch>
+            <a:fillRect/>
+          </a:stretch>
+        </p:blipFill>
+        <p:spPr>
+          <a:xfrm>
+            <a:off x="838200" y="4105538"/>
+            <a:ext cx="7372611" cy="2554001"/>
+          </a:xfrm>
+          <a:prstGeom prst="rect">
+            <a:avLst/>
+          </a:prstGeom>
+        </p:spPr>
+      </p:pic>
+      <p:sp>
+        <p:nvSpPr>
+          <p:cNvPr id="10" name="Textfeld 9"/>
+          <p:cNvSpPr txBox="1"/>
+          <p:nvPr/>
+        </p:nvSpPr>
+        <p:spPr>
+          <a:xfrm>
+            <a:off x="8210811" y="5920875"/>
+            <a:ext cx="2267211" cy="738664"/>
+          </a:xfrm>
+          <a:prstGeom prst="rect">
+            <a:avLst/>
+          </a:prstGeom>
+          <a:noFill/>
+        </p:spPr>
+        <p:txBody>
+          <a:bodyPr wrap="square" rtlCol="0">
+            <a:spAutoFit/>
+          </a:bodyPr>
+          <a:lstStyle/>
+          <a:p>
+            <a:r>
+              <a:rPr lang="de-DE" sz="1400" b="1" dirty="0" smtClean="0"/>
+              <a:t>Development </a:t>
+            </a:r>
+            <a:r>
+              <a:rPr lang="de-DE" sz="1400" b="1" dirty="0" err="1" smtClean="0"/>
+              <a:t>of</a:t>
+            </a:r>
+            <a:r>
+              <a:rPr lang="de-DE" sz="1400" b="1" dirty="0" smtClean="0"/>
+              <a:t> Dengue </a:t>
+            </a:r>
+            <a:r>
+              <a:rPr lang="de-DE" sz="1400" b="1" dirty="0" err="1" smtClean="0"/>
+              <a:t>cases</a:t>
+            </a:r>
+            <a:r>
+              <a:rPr lang="de-DE" sz="1400" b="1" dirty="0" smtClean="0"/>
+              <a:t> </a:t>
+            </a:r>
+            <a:r>
+              <a:rPr lang="de-DE" sz="1400" b="1" dirty="0" err="1" smtClean="0"/>
+              <a:t>and</a:t>
+            </a:r>
+            <a:r>
+              <a:rPr lang="de-DE" sz="1400" b="1" dirty="0" smtClean="0"/>
+              <a:t> </a:t>
+            </a:r>
+            <a:r>
+              <a:rPr lang="de-DE" sz="1400" b="1" dirty="0" err="1" smtClean="0"/>
+              <a:t>temperature</a:t>
+            </a:r>
+            <a:r>
+              <a:rPr lang="de-DE" sz="1400" b="1" dirty="0" smtClean="0"/>
+              <a:t> in Thailand</a:t>
+            </a:r>
+            <a:endParaRPr lang="de-DE" sz="1400" b="1" dirty="0"/>
+          </a:p>
+        </p:txBody>
+      </p:sp>
+      <p:sp>
+        <p:nvSpPr>
+          <p:cNvPr id="11" name="Textfeld 10"/>
+          <p:cNvSpPr txBox="1"/>
+          <p:nvPr/>
+        </p:nvSpPr>
+        <p:spPr>
+          <a:xfrm>
+            <a:off x="87681" y="6581001"/>
+            <a:ext cx="3858877" cy="276999"/>
+          </a:xfrm>
+          <a:prstGeom prst="rect">
+            <a:avLst/>
+          </a:prstGeom>
+          <a:noFill/>
+        </p:spPr>
+        <p:txBody>
+          <a:bodyPr wrap="none" rtlCol="0">
+            <a:spAutoFit/>
+          </a:bodyPr>
+          <a:lstStyle/>
+          <a:p>
+            <a:r>
+              <a:rPr lang="de-DE" sz="1200" dirty="0">
+                <a:solidFill>
+                  <a:schemeClr val="bg1">
+                    <a:lumMod val="50000"/>
+                  </a:schemeClr>
+                </a:solidFill>
+              </a:rPr>
+              <a:t>https://www.ncbi.nlm.nih.gov/pmc/articles/PMC6708185/</a:t>
+            </a:r>
+          </a:p>
+        </p:txBody>
+      </p:sp>
+    </p:spTree>
+    <p:extLst>
+      <p:ext uri="{BB962C8B-B14F-4D97-AF65-F5344CB8AC3E}">
+        <p14:creationId xmlns:p14="http://schemas.microsoft.com/office/powerpoint/2010/main" val="616931760"/>
+      </p:ext>
+    </p:extLst>
+  </p:cSld>
+  <p:clrMapOvr>
+    <a:masterClrMapping/>
+  </p:clrMapOvr>
+  <p:timing>
+    <p:tnLst>
+      <p:par>
+        <p:cTn id="1" dur="indefinite" restart="never" nodeType="tmRoot"/>
+      </p:par>
+    </p:tnLst>
+  </p:timing>
+</p:sld>
+</file>
+
+<file path=ppt/slides/slide8.xml><?xml version="1.0" encoding="utf-8"?>
+<p:sld xmlns:a="http://schemas.openxmlformats.org/drawingml/2006/main" xmlns:r="http://schemas.openxmlformats.org/officeDocument/2006/relationships" xmlns:p="http://schemas.openxmlformats.org/presentationml/2006/main">
+  <p:cSld>
+    <p:spTree>
+      <p:nvGrpSpPr>
+        <p:cNvPr id="1" name=""/>
+        <p:cNvGrpSpPr/>
+        <p:nvPr/>
+      </p:nvGrpSpPr>
+      <p:grpSpPr>
+        <a:xfrm>
+          <a:off x="0" y="0"/>
+          <a:ext cx="0" cy="0"/>
+          <a:chOff x="0" y="0"/>
+          <a:chExt cx="0" cy="0"/>
+        </a:xfrm>
+      </p:grpSpPr>
+      <p:sp>
+        <p:nvSpPr>
+          <p:cNvPr id="2" name="Titel 1">
+            <a:extLst>
+              <a:ext uri="{FF2B5EF4-FFF2-40B4-BE49-F238E27FC236}">
+                <a16:creationId xmlns:a16="http://schemas.microsoft.com/office/drawing/2014/main" xmlns="" id="{271BBF8E-0631-07FA-658D-0A9AC185B2ED}"/>
+              </a:ext>
+            </a:extLst>
+          </p:cNvPr>
+          <p:cNvSpPr>
+            <a:spLocks noGrp="1"/>
+          </p:cNvSpPr>
+          <p:nvPr>
+            <p:ph type="title"/>
+          </p:nvPr>
+        </p:nvSpPr>
+        <p:spPr/>
+        <p:txBody>
+          <a:bodyPr/>
+          <a:lstStyle/>
+          <a:p>
+            <a:r>
+              <a:rPr lang="de-DE" dirty="0">
+                <a:latin typeface="Cambria" panose="02040503050406030204" pitchFamily="18" charset="0"/>
+              </a:rPr>
+              <a:t>Datasets </a:t>
+            </a:r>
+          </a:p>
+        </p:txBody>
+      </p:sp>
+      <p:sp>
+        <p:nvSpPr>
+          <p:cNvPr id="3" name="Inhaltsplatzhalter 2">
+            <a:extLst>
+              <a:ext uri="{FF2B5EF4-FFF2-40B4-BE49-F238E27FC236}">
+                <a16:creationId xmlns:a16="http://schemas.microsoft.com/office/drawing/2014/main" xmlns="" id="{F9EF591C-ECF0-EF81-A103-19C701887773}"/>
               </a:ext>
             </a:extLst>
           </p:cNvPr>
@@ -18180,7 +20461,7 @@
           <p:cNvPr id="4" name="Inhaltsplatzhalter 2">
             <a:extLst>
               <a:ext uri="{FF2B5EF4-FFF2-40B4-BE49-F238E27FC236}">
-                <a16:creationId xmlns:a16="http://schemas.microsoft.com/office/drawing/2014/main" id="{FCDCF0CB-FB2F-C459-14AF-F9A25DB72CD5}"/>
+                <a16:creationId xmlns:a16="http://schemas.microsoft.com/office/drawing/2014/main" xmlns="" id="{FCDCF0CB-FB2F-C459-14AF-F9A25DB72CD5}"/>
               </a:ext>
             </a:extLst>
           </p:cNvPr>
@@ -18513,7 +20794,7 @@
           <p:cNvPr id="5" name="Inhaltsplatzhalter 2">
             <a:extLst>
               <a:ext uri="{FF2B5EF4-FFF2-40B4-BE49-F238E27FC236}">
-                <a16:creationId xmlns:a16="http://schemas.microsoft.com/office/drawing/2014/main" id="{1C88E83E-224F-D8F1-4CFE-BF9BF30FC80B}"/>
+                <a16:creationId xmlns:a16="http://schemas.microsoft.com/office/drawing/2014/main" xmlns="" id="{1C88E83E-224F-D8F1-4CFE-BF9BF30FC80B}"/>
               </a:ext>
             </a:extLst>
           </p:cNvPr>
@@ -18855,7 +21136,7 @@
 </p:sld>
 </file>
 
-<file path=ppt/slides/slide7.xml><?xml version="1.0" encoding="utf-8"?>
+<file path=ppt/slides/slide9.xml><?xml version="1.0" encoding="utf-8"?>
 <p:sld xmlns:a="http://schemas.openxmlformats.org/drawingml/2006/main" xmlns:r="http://schemas.openxmlformats.org/officeDocument/2006/relationships" xmlns:p="http://schemas.openxmlformats.org/presentationml/2006/main">
   <p:cSld>
     <p:spTree>
@@ -18877,7 +21158,7 @@
           <p:cNvPr id="4" name="Titel 3">
             <a:extLst>
               <a:ext uri="{FF2B5EF4-FFF2-40B4-BE49-F238E27FC236}">
-                <a16:creationId xmlns:a16="http://schemas.microsoft.com/office/drawing/2014/main" id="{C696BA8A-370E-F394-AAE2-FBBA1BF694D7}"/>
+                <a16:creationId xmlns:a16="http://schemas.microsoft.com/office/drawing/2014/main" xmlns="" id="{C696BA8A-370E-F394-AAE2-FBBA1BF694D7}"/>
               </a:ext>
             </a:extLst>
           </p:cNvPr>
@@ -18931,7 +21212,7 @@
           <p:cNvPr id="5" name="Inhaltsplatzhalter 4">
             <a:extLst>
               <a:ext uri="{FF2B5EF4-FFF2-40B4-BE49-F238E27FC236}">
-                <a16:creationId xmlns:a16="http://schemas.microsoft.com/office/drawing/2014/main" id="{9B040A2A-2AF4-2587-3E81-1F75C581633F}"/>
+                <a16:creationId xmlns:a16="http://schemas.microsoft.com/office/drawing/2014/main" xmlns="" id="{9B040A2A-2AF4-2587-3E81-1F75C581633F}"/>
               </a:ext>
             </a:extLst>
           </p:cNvPr>
@@ -19103,234 +21384,6 @@
     <p:extLst>
       <p:ext uri="{BB962C8B-B14F-4D97-AF65-F5344CB8AC3E}">
         <p14:creationId xmlns:p14="http://schemas.microsoft.com/office/powerpoint/2010/main" val="2032409732"/>
-      </p:ext>
-    </p:extLst>
-  </p:cSld>
-  <p:clrMapOvr>
-    <a:masterClrMapping/>
-  </p:clrMapOvr>
-</p:sld>
-</file>
-
-<file path=ppt/slides/slide8.xml><?xml version="1.0" encoding="utf-8"?>
-<p:sld xmlns:a="http://schemas.openxmlformats.org/drawingml/2006/main" xmlns:r="http://schemas.openxmlformats.org/officeDocument/2006/relationships" xmlns:p="http://schemas.openxmlformats.org/presentationml/2006/main">
-  <p:cSld>
-    <p:spTree>
-      <p:nvGrpSpPr>
-        <p:cNvPr id="1" name=""/>
-        <p:cNvGrpSpPr/>
-        <p:nvPr/>
-      </p:nvGrpSpPr>
-      <p:grpSpPr>
-        <a:xfrm>
-          <a:off x="0" y="0"/>
-          <a:ext cx="0" cy="0"/>
-          <a:chOff x="0" y="0"/>
-          <a:chExt cx="0" cy="0"/>
-        </a:xfrm>
-      </p:grpSpPr>
-      <p:sp>
-        <p:nvSpPr>
-          <p:cNvPr id="4" name="Titel 3">
-            <a:extLst>
-              <a:ext uri="{FF2B5EF4-FFF2-40B4-BE49-F238E27FC236}">
-                <a16:creationId xmlns:a16="http://schemas.microsoft.com/office/drawing/2014/main" id="{D8D10377-3C07-810A-4029-62F9C13690E8}"/>
-              </a:ext>
-            </a:extLst>
-          </p:cNvPr>
-          <p:cNvSpPr>
-            <a:spLocks noGrp="1"/>
-          </p:cNvSpPr>
-          <p:nvPr>
-            <p:ph type="title"/>
-          </p:nvPr>
-        </p:nvSpPr>
-        <p:spPr/>
-        <p:txBody>
-          <a:bodyPr/>
-          <a:lstStyle/>
-          <a:p>
-            <a:r>
-              <a:rPr lang="de-DE" dirty="0"/>
-              <a:t>Sources</a:t>
-            </a:r>
-          </a:p>
-        </p:txBody>
-      </p:sp>
-      <p:sp>
-        <p:nvSpPr>
-          <p:cNvPr id="5" name="Inhaltsplatzhalter 4">
-            <a:extLst>
-              <a:ext uri="{FF2B5EF4-FFF2-40B4-BE49-F238E27FC236}">
-                <a16:creationId xmlns:a16="http://schemas.microsoft.com/office/drawing/2014/main" id="{A894A3BF-4653-9518-6BF3-4D88347B3A73}"/>
-              </a:ext>
-            </a:extLst>
-          </p:cNvPr>
-          <p:cNvSpPr>
-            <a:spLocks noGrp="1"/>
-          </p:cNvSpPr>
-          <p:nvPr>
-            <p:ph idx="1"/>
-          </p:nvPr>
-        </p:nvSpPr>
-        <p:spPr/>
-        <p:txBody>
-          <a:bodyPr/>
-          <a:lstStyle/>
-          <a:p>
-            <a:r>
-              <a:rPr lang="de-DE" dirty="0"/>
-              <a:t>Masud, M. B., </a:t>
-            </a:r>
-            <a:r>
-              <a:rPr lang="de-DE" dirty="0" err="1"/>
-              <a:t>Soni</a:t>
-            </a:r>
-            <a:r>
-              <a:rPr lang="de-DE" dirty="0"/>
-              <a:t>, P., Shrestha, S., &amp; </a:t>
-            </a:r>
-            <a:r>
-              <a:rPr lang="de-DE" dirty="0" err="1"/>
-              <a:t>Tripathi</a:t>
-            </a:r>
-            <a:r>
-              <a:rPr lang="de-DE" dirty="0"/>
-              <a:t>, N. K. (2016). </a:t>
-            </a:r>
-            <a:r>
-              <a:rPr lang="de-DE" dirty="0" err="1"/>
-              <a:t>Changes</a:t>
-            </a:r>
-            <a:r>
-              <a:rPr lang="de-DE" dirty="0"/>
-              <a:t> in </a:t>
-            </a:r>
-            <a:r>
-              <a:rPr lang="de-DE" dirty="0" err="1"/>
-              <a:t>climate</a:t>
-            </a:r>
-            <a:r>
-              <a:rPr lang="de-DE" dirty="0"/>
-              <a:t> extremes </a:t>
-            </a:r>
-            <a:r>
-              <a:rPr lang="de-DE" dirty="0" err="1"/>
-              <a:t>over</a:t>
-            </a:r>
-            <a:r>
-              <a:rPr lang="de-DE" dirty="0"/>
-              <a:t> North Thailand, 1960–2099. </a:t>
-            </a:r>
-            <a:r>
-              <a:rPr lang="de-DE" i="1" dirty="0" err="1"/>
-              <a:t>Downloads.Hindawi.Com</a:t>
-            </a:r>
-            <a:r>
-              <a:rPr lang="de-DE" dirty="0"/>
-              <a:t>, 1960–2099. </a:t>
-            </a:r>
-          </a:p>
-          <a:p>
-            <a:r>
-              <a:rPr lang="de-DE" dirty="0"/>
-              <a:t>*</a:t>
-            </a:r>
-            <a:r>
-              <a:rPr lang="de-DE" dirty="0" err="1"/>
-              <a:t>dengue</a:t>
-            </a:r>
-            <a:r>
-              <a:rPr lang="de-DE" dirty="0"/>
-              <a:t> source*</a:t>
-            </a:r>
-          </a:p>
-        </p:txBody>
-      </p:sp>
-    </p:spTree>
-    <p:extLst>
-      <p:ext uri="{BB962C8B-B14F-4D97-AF65-F5344CB8AC3E}">
-        <p14:creationId xmlns:p14="http://schemas.microsoft.com/office/powerpoint/2010/main" val="1500306745"/>
-      </p:ext>
-    </p:extLst>
-  </p:cSld>
-  <p:clrMapOvr>
-    <a:masterClrMapping/>
-  </p:clrMapOvr>
-</p:sld>
-</file>
-
-<file path=ppt/slides/slide9.xml><?xml version="1.0" encoding="utf-8"?>
-<p:sld xmlns:a="http://schemas.openxmlformats.org/drawingml/2006/main" xmlns:r="http://schemas.openxmlformats.org/officeDocument/2006/relationships" xmlns:p="http://schemas.openxmlformats.org/presentationml/2006/main">
-  <p:cSld>
-    <p:spTree>
-      <p:nvGrpSpPr>
-        <p:cNvPr id="1" name=""/>
-        <p:cNvGrpSpPr/>
-        <p:nvPr/>
-      </p:nvGrpSpPr>
-      <p:grpSpPr>
-        <a:xfrm>
-          <a:off x="0" y="0"/>
-          <a:ext cx="0" cy="0"/>
-          <a:chOff x="0" y="0"/>
-          <a:chExt cx="0" cy="0"/>
-        </a:xfrm>
-      </p:grpSpPr>
-      <p:sp>
-        <p:nvSpPr>
-          <p:cNvPr id="2" name="Titel 1">
-            <a:extLst>
-              <a:ext uri="{FF2B5EF4-FFF2-40B4-BE49-F238E27FC236}">
-                <a16:creationId xmlns:a16="http://schemas.microsoft.com/office/drawing/2014/main" id="{18D19EAC-00EA-9987-976D-52A7A7DC0171}"/>
-              </a:ext>
-            </a:extLst>
-          </p:cNvPr>
-          <p:cNvSpPr>
-            <a:spLocks noGrp="1"/>
-          </p:cNvSpPr>
-          <p:nvPr>
-            <p:ph type="title"/>
-          </p:nvPr>
-        </p:nvSpPr>
-        <p:spPr/>
-        <p:txBody>
-          <a:bodyPr/>
-          <a:lstStyle/>
-          <a:p>
-            <a:endParaRPr lang="de-DE"/>
-          </a:p>
-        </p:txBody>
-      </p:sp>
-      <p:sp>
-        <p:nvSpPr>
-          <p:cNvPr id="6" name="Inhaltsplatzhalter 5">
-            <a:extLst>
-              <a:ext uri="{FF2B5EF4-FFF2-40B4-BE49-F238E27FC236}">
-                <a16:creationId xmlns:a16="http://schemas.microsoft.com/office/drawing/2014/main" id="{266937A2-A8CA-9C35-ADD4-F43D500DDC7F}"/>
-              </a:ext>
-            </a:extLst>
-          </p:cNvPr>
-          <p:cNvSpPr>
-            <a:spLocks noGrp="1"/>
-          </p:cNvSpPr>
-          <p:nvPr>
-            <p:ph idx="1"/>
-          </p:nvPr>
-        </p:nvSpPr>
-        <p:spPr/>
-        <p:txBody>
-          <a:bodyPr/>
-          <a:lstStyle/>
-          <a:p>
-            <a:endParaRPr lang="de-DE"/>
-          </a:p>
-        </p:txBody>
-      </p:sp>
-    </p:spTree>
-    <p:extLst>
-      <p:ext uri="{BB962C8B-B14F-4D97-AF65-F5344CB8AC3E}">
-        <p14:creationId xmlns:p14="http://schemas.microsoft.com/office/powerpoint/2010/main" val="3568912412"/>
       </p:ext>
     </p:extLst>
   </p:cSld>

--- a/Project Proposal Präsi Draft .pptx
+++ b/Project Proposal Präsi Draft .pptx
@@ -5,7 +5,7 @@
     <p:sldMasterId id="2147483648" r:id="rId1"/>
   </p:sldMasterIdLst>
   <p:notesMasterIdLst>
-    <p:notesMasterId r:id="rId16"/>
+    <p:notesMasterId r:id="rId24"/>
   </p:notesMasterIdLst>
   <p:sldIdLst>
     <p:sldId id="257" r:id="rId2"/>
@@ -16,12 +16,20 @@
     <p:sldId id="266" r:id="rId7"/>
     <p:sldId id="267" r:id="rId8"/>
     <p:sldId id="259" r:id="rId9"/>
-    <p:sldId id="262" r:id="rId10"/>
-    <p:sldId id="263" r:id="rId11"/>
-    <p:sldId id="268" r:id="rId12"/>
-    <p:sldId id="269" r:id="rId13"/>
-    <p:sldId id="270" r:id="rId14"/>
-    <p:sldId id="265" r:id="rId15"/>
+    <p:sldId id="271" r:id="rId10"/>
+    <p:sldId id="272" r:id="rId11"/>
+    <p:sldId id="273" r:id="rId12"/>
+    <p:sldId id="262" r:id="rId13"/>
+    <p:sldId id="256" r:id="rId14"/>
+    <p:sldId id="274" r:id="rId15"/>
+    <p:sldId id="275" r:id="rId16"/>
+    <p:sldId id="276" r:id="rId17"/>
+    <p:sldId id="277" r:id="rId18"/>
+    <p:sldId id="263" r:id="rId19"/>
+    <p:sldId id="268" r:id="rId20"/>
+    <p:sldId id="269" r:id="rId21"/>
+    <p:sldId id="270" r:id="rId22"/>
+    <p:sldId id="265" r:id="rId23"/>
   </p:sldIdLst>
   <p:sldSz cx="12192000" cy="6858000"/>
   <p:notesSz cx="6858000" cy="9144000"/>
@@ -129,6 +137,99 @@
     </p:ext>
   </p:extLst>
 </p:presentation>
+</file>
+
+<file path=ppt/revisionInfo.xml><?xml version="1.0" encoding="utf-8"?>
+<p1510:revInfo xmlns:a="http://schemas.openxmlformats.org/drawingml/2006/main" xmlns:r="http://schemas.openxmlformats.org/officeDocument/2006/relationships" xmlns:p1510="http://schemas.microsoft.com/office/powerpoint/2015/10/main">
+  <p1510:revLst>
+    <p1510:client id="{473C72F3-109A-4206-8F64-6E1F17C51A8B}" v="7" dt="2023-05-18T14:24:24.801"/>
+  </p1510:revLst>
+</p1510:revInfo>
+</file>
+
+<file path=ppt/changesInfos/changesInfo1.xml><?xml version="1.0" encoding="utf-8"?>
+<pc:chgInfo xmlns:a="http://schemas.openxmlformats.org/drawingml/2006/main" xmlns:r="http://schemas.openxmlformats.org/officeDocument/2006/relationships" xmlns:ac="http://schemas.microsoft.com/office/drawing/2013/main/command" xmlns:pc="http://schemas.microsoft.com/office/powerpoint/2013/main/command">
+  <pc:docChgLst>
+    <pc:chgData name="Thaddeus Kühn" userId="e2db956eb42fcc03" providerId="LiveId" clId="{473C72F3-109A-4206-8F64-6E1F17C51A8B}"/>
+    <pc:docChg chg="addSld delSld modSld">
+      <pc:chgData name="Thaddeus Kühn" userId="e2db956eb42fcc03" providerId="LiveId" clId="{473C72F3-109A-4206-8F64-6E1F17C51A8B}" dt="2023-05-18T14:25:08.062" v="12" actId="18131"/>
+      <pc:docMkLst>
+        <pc:docMk/>
+      </pc:docMkLst>
+      <pc:sldChg chg="add">
+        <pc:chgData name="Thaddeus Kühn" userId="e2db956eb42fcc03" providerId="LiveId" clId="{473C72F3-109A-4206-8F64-6E1F17C51A8B}" dt="2023-05-18T14:24:12.329" v="5"/>
+        <pc:sldMkLst>
+          <pc:docMk/>
+          <pc:sldMk cId="622406597" sldId="256"/>
+        </pc:sldMkLst>
+      </pc:sldChg>
+      <pc:sldChg chg="add">
+        <pc:chgData name="Thaddeus Kühn" userId="e2db956eb42fcc03" providerId="LiveId" clId="{473C72F3-109A-4206-8F64-6E1F17C51A8B}" dt="2023-05-18T14:22:51.583" v="0"/>
+        <pc:sldMkLst>
+          <pc:docMk/>
+          <pc:sldMk cId="3007001027" sldId="271"/>
+        </pc:sldMkLst>
+      </pc:sldChg>
+      <pc:sldChg chg="add del">
+        <pc:chgData name="Thaddeus Kühn" userId="e2db956eb42fcc03" providerId="LiveId" clId="{473C72F3-109A-4206-8F64-6E1F17C51A8B}" dt="2023-05-18T14:23:27.077" v="2"/>
+        <pc:sldMkLst>
+          <pc:docMk/>
+          <pc:sldMk cId="2132334580" sldId="272"/>
+        </pc:sldMkLst>
+      </pc:sldChg>
+      <pc:sldChg chg="add">
+        <pc:chgData name="Thaddeus Kühn" userId="e2db956eb42fcc03" providerId="LiveId" clId="{473C72F3-109A-4206-8F64-6E1F17C51A8B}" dt="2023-05-18T14:23:35.431" v="3"/>
+        <pc:sldMkLst>
+          <pc:docMk/>
+          <pc:sldMk cId="4110019737" sldId="272"/>
+        </pc:sldMkLst>
+      </pc:sldChg>
+      <pc:sldChg chg="add">
+        <pc:chgData name="Thaddeus Kühn" userId="e2db956eb42fcc03" providerId="LiveId" clId="{473C72F3-109A-4206-8F64-6E1F17C51A8B}" dt="2023-05-18T14:23:51.020" v="4"/>
+        <pc:sldMkLst>
+          <pc:docMk/>
+          <pc:sldMk cId="787424074" sldId="273"/>
+        </pc:sldMkLst>
+      </pc:sldChg>
+      <pc:sldChg chg="add">
+        <pc:chgData name="Thaddeus Kühn" userId="e2db956eb42fcc03" providerId="LiveId" clId="{473C72F3-109A-4206-8F64-6E1F17C51A8B}" dt="2023-05-18T14:24:24.774" v="6"/>
+        <pc:sldMkLst>
+          <pc:docMk/>
+          <pc:sldMk cId="3943091816" sldId="274"/>
+        </pc:sldMkLst>
+      </pc:sldChg>
+      <pc:sldChg chg="add">
+        <pc:chgData name="Thaddeus Kühn" userId="e2db956eb42fcc03" providerId="LiveId" clId="{473C72F3-109A-4206-8F64-6E1F17C51A8B}" dt="2023-05-18T14:24:24.774" v="6"/>
+        <pc:sldMkLst>
+          <pc:docMk/>
+          <pc:sldMk cId="2337419753" sldId="275"/>
+        </pc:sldMkLst>
+      </pc:sldChg>
+      <pc:sldChg chg="add">
+        <pc:chgData name="Thaddeus Kühn" userId="e2db956eb42fcc03" providerId="LiveId" clId="{473C72F3-109A-4206-8F64-6E1F17C51A8B}" dt="2023-05-18T14:24:24.774" v="6"/>
+        <pc:sldMkLst>
+          <pc:docMk/>
+          <pc:sldMk cId="1905948082" sldId="276"/>
+        </pc:sldMkLst>
+      </pc:sldChg>
+      <pc:sldChg chg="modSp add mod">
+        <pc:chgData name="Thaddeus Kühn" userId="e2db956eb42fcc03" providerId="LiveId" clId="{473C72F3-109A-4206-8F64-6E1F17C51A8B}" dt="2023-05-18T14:25:08.062" v="12" actId="18131"/>
+        <pc:sldMkLst>
+          <pc:docMk/>
+          <pc:sldMk cId="1810839494" sldId="277"/>
+        </pc:sldMkLst>
+        <pc:picChg chg="mod modCrop">
+          <ac:chgData name="Thaddeus Kühn" userId="e2db956eb42fcc03" providerId="LiveId" clId="{473C72F3-109A-4206-8F64-6E1F17C51A8B}" dt="2023-05-18T14:25:08.062" v="12" actId="18131"/>
+          <ac:picMkLst>
+            <pc:docMk/>
+            <pc:sldMk cId="1810839494" sldId="277"/>
+            <ac:picMk id="5" creationId="{256A982A-15EF-672C-5DE9-F837AA11A9BB}"/>
+          </ac:picMkLst>
+        </pc:picChg>
+      </pc:sldChg>
+    </pc:docChg>
+  </pc:docChgLst>
+</pc:chgInfo>
 </file>
 
 <file path=ppt/diagrams/colors1.xml><?xml version="1.0" encoding="utf-8"?>
@@ -3295,13 +3396,6 @@
         </dgm:presLayoutVars>
       </dgm:prSet>
       <dgm:spPr/>
-      <dgm:t>
-        <a:bodyPr/>
-        <a:lstStyle/>
-        <a:p>
-          <a:endParaRPr lang="de-DE"/>
-        </a:p>
-      </dgm:t>
     </dgm:pt>
     <dgm:pt modelId="{D96F0753-DE29-7544-BAAD-F7A55CE59D0E}" type="pres">
       <dgm:prSet presAssocID="{B0395B3E-1C91-184B-A2B7-A21EBF345B36}" presName="parSpace" presStyleCnt="0"/>
@@ -3314,13 +3408,6 @@
         </dgm:presLayoutVars>
       </dgm:prSet>
       <dgm:spPr/>
-      <dgm:t>
-        <a:bodyPr/>
-        <a:lstStyle/>
-        <a:p>
-          <a:endParaRPr lang="de-DE"/>
-        </a:p>
-      </dgm:t>
     </dgm:pt>
     <dgm:pt modelId="{FFE8A8E0-F6B2-FB4D-8C98-4B23F2C658BE}" type="pres">
       <dgm:prSet presAssocID="{3C16356A-4759-7040-9B0B-3A916135148C}" presName="parSpace" presStyleCnt="0"/>
@@ -3333,22 +3420,15 @@
         </dgm:presLayoutVars>
       </dgm:prSet>
       <dgm:spPr/>
-      <dgm:t>
-        <a:bodyPr/>
-        <a:lstStyle/>
-        <a:p>
-          <a:endParaRPr lang="de-DE"/>
-        </a:p>
-      </dgm:t>
     </dgm:pt>
   </dgm:ptLst>
   <dgm:cxnLst>
+    <dgm:cxn modelId="{B2FF2F39-5095-D445-86BC-86332B47E8EB}" type="presOf" srcId="{559E56A3-EAAB-2049-B980-B20F0AA188EA}" destId="{B0830E66-601B-804E-A6E1-810DACB50B77}" srcOrd="0" destOrd="0" presId="urn:microsoft.com/office/officeart/2005/8/layout/hChevron3"/>
     <dgm:cxn modelId="{69FE4692-CFB3-D243-AE1B-5F173150E8A0}" srcId="{2ACAFF71-1A1E-4241-B375-2D08DF064159}" destId="{3813E2BE-F2C8-0E49-8721-1E3C7B2092D8}" srcOrd="2" destOrd="0" parTransId="{5F975D2A-84ED-D94C-AD6C-A189023707D9}" sibTransId="{1C4A5959-9D7F-8544-BAAF-1E6C4DD92B3A}"/>
-    <dgm:cxn modelId="{B2FF2F39-5095-D445-86BC-86332B47E8EB}" type="presOf" srcId="{559E56A3-EAAB-2049-B980-B20F0AA188EA}" destId="{B0830E66-601B-804E-A6E1-810DACB50B77}" srcOrd="0" destOrd="0" presId="urn:microsoft.com/office/officeart/2005/8/layout/hChevron3"/>
     <dgm:cxn modelId="{79DEB692-DBB1-CB4F-B33C-5501B80D297F}" type="presOf" srcId="{3813E2BE-F2C8-0E49-8721-1E3C7B2092D8}" destId="{B56A004B-C0E0-FF42-9574-0EC427394100}" srcOrd="0" destOrd="0" presId="urn:microsoft.com/office/officeart/2005/8/layout/hChevron3"/>
+    <dgm:cxn modelId="{A5123DCB-1647-6642-80D9-CF9AD4C099E6}" type="presOf" srcId="{2ACAFF71-1A1E-4241-B375-2D08DF064159}" destId="{A30AF579-8DBD-3F42-B950-836C9F373015}" srcOrd="0" destOrd="0" presId="urn:microsoft.com/office/officeart/2005/8/layout/hChevron3"/>
+    <dgm:cxn modelId="{02C62CD4-63EB-0342-9CDB-E3681D3F2463}" type="presOf" srcId="{6E8A2133-0457-FA4F-A8B0-7E215DDA3E08}" destId="{52CA5D5C-A339-9F44-8752-99E0140043DD}" srcOrd="0" destOrd="0" presId="urn:microsoft.com/office/officeart/2005/8/layout/hChevron3"/>
     <dgm:cxn modelId="{15833AD4-856C-364C-8F74-A41D300A26FB}" srcId="{2ACAFF71-1A1E-4241-B375-2D08DF064159}" destId="{6E8A2133-0457-FA4F-A8B0-7E215DDA3E08}" srcOrd="0" destOrd="0" parTransId="{65E65161-4587-EA47-B4AB-4952C3495394}" sibTransId="{B0395B3E-1C91-184B-A2B7-A21EBF345B36}"/>
-    <dgm:cxn modelId="{02C62CD4-63EB-0342-9CDB-E3681D3F2463}" type="presOf" srcId="{6E8A2133-0457-FA4F-A8B0-7E215DDA3E08}" destId="{52CA5D5C-A339-9F44-8752-99E0140043DD}" srcOrd="0" destOrd="0" presId="urn:microsoft.com/office/officeart/2005/8/layout/hChevron3"/>
-    <dgm:cxn modelId="{A5123DCB-1647-6642-80D9-CF9AD4C099E6}" type="presOf" srcId="{2ACAFF71-1A1E-4241-B375-2D08DF064159}" destId="{A30AF579-8DBD-3F42-B950-836C9F373015}" srcOrd="0" destOrd="0" presId="urn:microsoft.com/office/officeart/2005/8/layout/hChevron3"/>
     <dgm:cxn modelId="{12C87DFB-707A-F448-8940-CAB509A109AB}" srcId="{2ACAFF71-1A1E-4241-B375-2D08DF064159}" destId="{559E56A3-EAAB-2049-B980-B20F0AA188EA}" srcOrd="1" destOrd="0" parTransId="{638D9D63-A6C2-284F-849F-1078B420529D}" sibTransId="{3C16356A-4759-7040-9B0B-3A916135148C}"/>
     <dgm:cxn modelId="{4092E794-0AC3-D84D-AE18-B3D9B94FE466}" type="presParOf" srcId="{A30AF579-8DBD-3F42-B950-836C9F373015}" destId="{52CA5D5C-A339-9F44-8752-99E0140043DD}" srcOrd="0" destOrd="0" presId="urn:microsoft.com/office/officeart/2005/8/layout/hChevron3"/>
     <dgm:cxn modelId="{31F06698-08B0-964E-8189-E4EFBE478308}" type="presParOf" srcId="{A30AF579-8DBD-3F42-B950-836C9F373015}" destId="{D96F0753-DE29-7544-BAAD-F7A55CE59D0E}" srcOrd="1" destOrd="0" presId="urn:microsoft.com/office/officeart/2005/8/layout/hChevron3"/>
@@ -3544,13 +3624,6 @@
         </dgm:presLayoutVars>
       </dgm:prSet>
       <dgm:spPr/>
-      <dgm:t>
-        <a:bodyPr/>
-        <a:lstStyle/>
-        <a:p>
-          <a:endParaRPr lang="de-DE"/>
-        </a:p>
-      </dgm:t>
     </dgm:pt>
     <dgm:pt modelId="{D96F0753-DE29-7544-BAAD-F7A55CE59D0E}" type="pres">
       <dgm:prSet presAssocID="{B0395B3E-1C91-184B-A2B7-A21EBF345B36}" presName="parSpace" presStyleCnt="0"/>
@@ -3563,13 +3636,6 @@
         </dgm:presLayoutVars>
       </dgm:prSet>
       <dgm:spPr/>
-      <dgm:t>
-        <a:bodyPr/>
-        <a:lstStyle/>
-        <a:p>
-          <a:endParaRPr lang="de-DE"/>
-        </a:p>
-      </dgm:t>
     </dgm:pt>
     <dgm:pt modelId="{FFE8A8E0-F6B2-FB4D-8C98-4B23F2C658BE}" type="pres">
       <dgm:prSet presAssocID="{3C16356A-4759-7040-9B0B-3A916135148C}" presName="parSpace" presStyleCnt="0"/>
@@ -3582,22 +3648,15 @@
         </dgm:presLayoutVars>
       </dgm:prSet>
       <dgm:spPr/>
-      <dgm:t>
-        <a:bodyPr/>
-        <a:lstStyle/>
-        <a:p>
-          <a:endParaRPr lang="de-DE"/>
-        </a:p>
-      </dgm:t>
     </dgm:pt>
   </dgm:ptLst>
   <dgm:cxnLst>
+    <dgm:cxn modelId="{B2FF2F39-5095-D445-86BC-86332B47E8EB}" type="presOf" srcId="{559E56A3-EAAB-2049-B980-B20F0AA188EA}" destId="{B0830E66-601B-804E-A6E1-810DACB50B77}" srcOrd="0" destOrd="0" presId="urn:microsoft.com/office/officeart/2005/8/layout/hChevron3"/>
     <dgm:cxn modelId="{69FE4692-CFB3-D243-AE1B-5F173150E8A0}" srcId="{2ACAFF71-1A1E-4241-B375-2D08DF064159}" destId="{3813E2BE-F2C8-0E49-8721-1E3C7B2092D8}" srcOrd="2" destOrd="0" parTransId="{5F975D2A-84ED-D94C-AD6C-A189023707D9}" sibTransId="{1C4A5959-9D7F-8544-BAAF-1E6C4DD92B3A}"/>
-    <dgm:cxn modelId="{B2FF2F39-5095-D445-86BC-86332B47E8EB}" type="presOf" srcId="{559E56A3-EAAB-2049-B980-B20F0AA188EA}" destId="{B0830E66-601B-804E-A6E1-810DACB50B77}" srcOrd="0" destOrd="0" presId="urn:microsoft.com/office/officeart/2005/8/layout/hChevron3"/>
     <dgm:cxn modelId="{79DEB692-DBB1-CB4F-B33C-5501B80D297F}" type="presOf" srcId="{3813E2BE-F2C8-0E49-8721-1E3C7B2092D8}" destId="{B56A004B-C0E0-FF42-9574-0EC427394100}" srcOrd="0" destOrd="0" presId="urn:microsoft.com/office/officeart/2005/8/layout/hChevron3"/>
+    <dgm:cxn modelId="{A5123DCB-1647-6642-80D9-CF9AD4C099E6}" type="presOf" srcId="{2ACAFF71-1A1E-4241-B375-2D08DF064159}" destId="{A30AF579-8DBD-3F42-B950-836C9F373015}" srcOrd="0" destOrd="0" presId="urn:microsoft.com/office/officeart/2005/8/layout/hChevron3"/>
+    <dgm:cxn modelId="{02C62CD4-63EB-0342-9CDB-E3681D3F2463}" type="presOf" srcId="{6E8A2133-0457-FA4F-A8B0-7E215DDA3E08}" destId="{52CA5D5C-A339-9F44-8752-99E0140043DD}" srcOrd="0" destOrd="0" presId="urn:microsoft.com/office/officeart/2005/8/layout/hChevron3"/>
     <dgm:cxn modelId="{15833AD4-856C-364C-8F74-A41D300A26FB}" srcId="{2ACAFF71-1A1E-4241-B375-2D08DF064159}" destId="{6E8A2133-0457-FA4F-A8B0-7E215DDA3E08}" srcOrd="0" destOrd="0" parTransId="{65E65161-4587-EA47-B4AB-4952C3495394}" sibTransId="{B0395B3E-1C91-184B-A2B7-A21EBF345B36}"/>
-    <dgm:cxn modelId="{02C62CD4-63EB-0342-9CDB-E3681D3F2463}" type="presOf" srcId="{6E8A2133-0457-FA4F-A8B0-7E215DDA3E08}" destId="{52CA5D5C-A339-9F44-8752-99E0140043DD}" srcOrd="0" destOrd="0" presId="urn:microsoft.com/office/officeart/2005/8/layout/hChevron3"/>
-    <dgm:cxn modelId="{A5123DCB-1647-6642-80D9-CF9AD4C099E6}" type="presOf" srcId="{2ACAFF71-1A1E-4241-B375-2D08DF064159}" destId="{A30AF579-8DBD-3F42-B950-836C9F373015}" srcOrd="0" destOrd="0" presId="urn:microsoft.com/office/officeart/2005/8/layout/hChevron3"/>
     <dgm:cxn modelId="{12C87DFB-707A-F448-8940-CAB509A109AB}" srcId="{2ACAFF71-1A1E-4241-B375-2D08DF064159}" destId="{559E56A3-EAAB-2049-B980-B20F0AA188EA}" srcOrd="1" destOrd="0" parTransId="{638D9D63-A6C2-284F-849F-1078B420529D}" sibTransId="{3C16356A-4759-7040-9B0B-3A916135148C}"/>
     <dgm:cxn modelId="{4092E794-0AC3-D84D-AE18-B3D9B94FE466}" type="presParOf" srcId="{A30AF579-8DBD-3F42-B950-836C9F373015}" destId="{52CA5D5C-A339-9F44-8752-99E0140043DD}" srcOrd="0" destOrd="0" presId="urn:microsoft.com/office/officeart/2005/8/layout/hChevron3"/>
     <dgm:cxn modelId="{31F06698-08B0-964E-8189-E4EFBE478308}" type="presParOf" srcId="{A30AF579-8DBD-3F42-B950-836C9F373015}" destId="{D96F0753-DE29-7544-BAAD-F7A55CE59D0E}" srcOrd="1" destOrd="0" presId="urn:microsoft.com/office/officeart/2005/8/layout/hChevron3"/>
@@ -3793,13 +3852,6 @@
         </dgm:presLayoutVars>
       </dgm:prSet>
       <dgm:spPr/>
-      <dgm:t>
-        <a:bodyPr/>
-        <a:lstStyle/>
-        <a:p>
-          <a:endParaRPr lang="de-DE"/>
-        </a:p>
-      </dgm:t>
     </dgm:pt>
     <dgm:pt modelId="{D96F0753-DE29-7544-BAAD-F7A55CE59D0E}" type="pres">
       <dgm:prSet presAssocID="{B0395B3E-1C91-184B-A2B7-A21EBF345B36}" presName="parSpace" presStyleCnt="0"/>
@@ -3812,13 +3864,6 @@
         </dgm:presLayoutVars>
       </dgm:prSet>
       <dgm:spPr/>
-      <dgm:t>
-        <a:bodyPr/>
-        <a:lstStyle/>
-        <a:p>
-          <a:endParaRPr lang="de-DE"/>
-        </a:p>
-      </dgm:t>
     </dgm:pt>
     <dgm:pt modelId="{FFE8A8E0-F6B2-FB4D-8C98-4B23F2C658BE}" type="pres">
       <dgm:prSet presAssocID="{3C16356A-4759-7040-9B0B-3A916135148C}" presName="parSpace" presStyleCnt="0"/>
@@ -3831,22 +3876,15 @@
         </dgm:presLayoutVars>
       </dgm:prSet>
       <dgm:spPr/>
-      <dgm:t>
-        <a:bodyPr/>
-        <a:lstStyle/>
-        <a:p>
-          <a:endParaRPr lang="de-DE"/>
-        </a:p>
-      </dgm:t>
     </dgm:pt>
   </dgm:ptLst>
   <dgm:cxnLst>
+    <dgm:cxn modelId="{B2FF2F39-5095-D445-86BC-86332B47E8EB}" type="presOf" srcId="{559E56A3-EAAB-2049-B980-B20F0AA188EA}" destId="{B0830E66-601B-804E-A6E1-810DACB50B77}" srcOrd="0" destOrd="0" presId="urn:microsoft.com/office/officeart/2005/8/layout/hChevron3"/>
     <dgm:cxn modelId="{69FE4692-CFB3-D243-AE1B-5F173150E8A0}" srcId="{2ACAFF71-1A1E-4241-B375-2D08DF064159}" destId="{3813E2BE-F2C8-0E49-8721-1E3C7B2092D8}" srcOrd="2" destOrd="0" parTransId="{5F975D2A-84ED-D94C-AD6C-A189023707D9}" sibTransId="{1C4A5959-9D7F-8544-BAAF-1E6C4DD92B3A}"/>
-    <dgm:cxn modelId="{B2FF2F39-5095-D445-86BC-86332B47E8EB}" type="presOf" srcId="{559E56A3-EAAB-2049-B980-B20F0AA188EA}" destId="{B0830E66-601B-804E-A6E1-810DACB50B77}" srcOrd="0" destOrd="0" presId="urn:microsoft.com/office/officeart/2005/8/layout/hChevron3"/>
     <dgm:cxn modelId="{79DEB692-DBB1-CB4F-B33C-5501B80D297F}" type="presOf" srcId="{3813E2BE-F2C8-0E49-8721-1E3C7B2092D8}" destId="{B56A004B-C0E0-FF42-9574-0EC427394100}" srcOrd="0" destOrd="0" presId="urn:microsoft.com/office/officeart/2005/8/layout/hChevron3"/>
+    <dgm:cxn modelId="{A5123DCB-1647-6642-80D9-CF9AD4C099E6}" type="presOf" srcId="{2ACAFF71-1A1E-4241-B375-2D08DF064159}" destId="{A30AF579-8DBD-3F42-B950-836C9F373015}" srcOrd="0" destOrd="0" presId="urn:microsoft.com/office/officeart/2005/8/layout/hChevron3"/>
+    <dgm:cxn modelId="{02C62CD4-63EB-0342-9CDB-E3681D3F2463}" type="presOf" srcId="{6E8A2133-0457-FA4F-A8B0-7E215DDA3E08}" destId="{52CA5D5C-A339-9F44-8752-99E0140043DD}" srcOrd="0" destOrd="0" presId="urn:microsoft.com/office/officeart/2005/8/layout/hChevron3"/>
     <dgm:cxn modelId="{15833AD4-856C-364C-8F74-A41D300A26FB}" srcId="{2ACAFF71-1A1E-4241-B375-2D08DF064159}" destId="{6E8A2133-0457-FA4F-A8B0-7E215DDA3E08}" srcOrd="0" destOrd="0" parTransId="{65E65161-4587-EA47-B4AB-4952C3495394}" sibTransId="{B0395B3E-1C91-184B-A2B7-A21EBF345B36}"/>
-    <dgm:cxn modelId="{02C62CD4-63EB-0342-9CDB-E3681D3F2463}" type="presOf" srcId="{6E8A2133-0457-FA4F-A8B0-7E215DDA3E08}" destId="{52CA5D5C-A339-9F44-8752-99E0140043DD}" srcOrd="0" destOrd="0" presId="urn:microsoft.com/office/officeart/2005/8/layout/hChevron3"/>
-    <dgm:cxn modelId="{A5123DCB-1647-6642-80D9-CF9AD4C099E6}" type="presOf" srcId="{2ACAFF71-1A1E-4241-B375-2D08DF064159}" destId="{A30AF579-8DBD-3F42-B950-836C9F373015}" srcOrd="0" destOrd="0" presId="urn:microsoft.com/office/officeart/2005/8/layout/hChevron3"/>
     <dgm:cxn modelId="{12C87DFB-707A-F448-8940-CAB509A109AB}" srcId="{2ACAFF71-1A1E-4241-B375-2D08DF064159}" destId="{559E56A3-EAAB-2049-B980-B20F0AA188EA}" srcOrd="1" destOrd="0" parTransId="{638D9D63-A6C2-284F-849F-1078B420529D}" sibTransId="{3C16356A-4759-7040-9B0B-3A916135148C}"/>
     <dgm:cxn modelId="{4092E794-0AC3-D84D-AE18-B3D9B94FE466}" type="presParOf" srcId="{A30AF579-8DBD-3F42-B950-836C9F373015}" destId="{52CA5D5C-A339-9F44-8752-99E0140043DD}" srcOrd="0" destOrd="0" presId="urn:microsoft.com/office/officeart/2005/8/layout/hChevron3"/>
     <dgm:cxn modelId="{31F06698-08B0-964E-8189-E4EFBE478308}" type="presParOf" srcId="{A30AF579-8DBD-3F42-B950-836C9F373015}" destId="{D96F0753-DE29-7544-BAAD-F7A55CE59D0E}" srcOrd="1" destOrd="0" presId="urn:microsoft.com/office/officeart/2005/8/layout/hChevron3"/>
@@ -4042,13 +4080,6 @@
         </dgm:presLayoutVars>
       </dgm:prSet>
       <dgm:spPr/>
-      <dgm:t>
-        <a:bodyPr/>
-        <a:lstStyle/>
-        <a:p>
-          <a:endParaRPr lang="de-DE"/>
-        </a:p>
-      </dgm:t>
     </dgm:pt>
     <dgm:pt modelId="{D96F0753-DE29-7544-BAAD-F7A55CE59D0E}" type="pres">
       <dgm:prSet presAssocID="{B0395B3E-1C91-184B-A2B7-A21EBF345B36}" presName="parSpace" presStyleCnt="0"/>
@@ -4061,13 +4092,6 @@
         </dgm:presLayoutVars>
       </dgm:prSet>
       <dgm:spPr/>
-      <dgm:t>
-        <a:bodyPr/>
-        <a:lstStyle/>
-        <a:p>
-          <a:endParaRPr lang="de-DE"/>
-        </a:p>
-      </dgm:t>
     </dgm:pt>
     <dgm:pt modelId="{FFE8A8E0-F6B2-FB4D-8C98-4B23F2C658BE}" type="pres">
       <dgm:prSet presAssocID="{3C16356A-4759-7040-9B0B-3A916135148C}" presName="parSpace" presStyleCnt="0"/>
@@ -4080,22 +4104,15 @@
         </dgm:presLayoutVars>
       </dgm:prSet>
       <dgm:spPr/>
-      <dgm:t>
-        <a:bodyPr/>
-        <a:lstStyle/>
-        <a:p>
-          <a:endParaRPr lang="de-DE"/>
-        </a:p>
-      </dgm:t>
     </dgm:pt>
   </dgm:ptLst>
   <dgm:cxnLst>
+    <dgm:cxn modelId="{B2FF2F39-5095-D445-86BC-86332B47E8EB}" type="presOf" srcId="{559E56A3-EAAB-2049-B980-B20F0AA188EA}" destId="{B0830E66-601B-804E-A6E1-810DACB50B77}" srcOrd="0" destOrd="0" presId="urn:microsoft.com/office/officeart/2005/8/layout/hChevron3"/>
     <dgm:cxn modelId="{69FE4692-CFB3-D243-AE1B-5F173150E8A0}" srcId="{2ACAFF71-1A1E-4241-B375-2D08DF064159}" destId="{3813E2BE-F2C8-0E49-8721-1E3C7B2092D8}" srcOrd="2" destOrd="0" parTransId="{5F975D2A-84ED-D94C-AD6C-A189023707D9}" sibTransId="{1C4A5959-9D7F-8544-BAAF-1E6C4DD92B3A}"/>
-    <dgm:cxn modelId="{B2FF2F39-5095-D445-86BC-86332B47E8EB}" type="presOf" srcId="{559E56A3-EAAB-2049-B980-B20F0AA188EA}" destId="{B0830E66-601B-804E-A6E1-810DACB50B77}" srcOrd="0" destOrd="0" presId="urn:microsoft.com/office/officeart/2005/8/layout/hChevron3"/>
     <dgm:cxn modelId="{79DEB692-DBB1-CB4F-B33C-5501B80D297F}" type="presOf" srcId="{3813E2BE-F2C8-0E49-8721-1E3C7B2092D8}" destId="{B56A004B-C0E0-FF42-9574-0EC427394100}" srcOrd="0" destOrd="0" presId="urn:microsoft.com/office/officeart/2005/8/layout/hChevron3"/>
+    <dgm:cxn modelId="{A5123DCB-1647-6642-80D9-CF9AD4C099E6}" type="presOf" srcId="{2ACAFF71-1A1E-4241-B375-2D08DF064159}" destId="{A30AF579-8DBD-3F42-B950-836C9F373015}" srcOrd="0" destOrd="0" presId="urn:microsoft.com/office/officeart/2005/8/layout/hChevron3"/>
+    <dgm:cxn modelId="{02C62CD4-63EB-0342-9CDB-E3681D3F2463}" type="presOf" srcId="{6E8A2133-0457-FA4F-A8B0-7E215DDA3E08}" destId="{52CA5D5C-A339-9F44-8752-99E0140043DD}" srcOrd="0" destOrd="0" presId="urn:microsoft.com/office/officeart/2005/8/layout/hChevron3"/>
     <dgm:cxn modelId="{15833AD4-856C-364C-8F74-A41D300A26FB}" srcId="{2ACAFF71-1A1E-4241-B375-2D08DF064159}" destId="{6E8A2133-0457-FA4F-A8B0-7E215DDA3E08}" srcOrd="0" destOrd="0" parTransId="{65E65161-4587-EA47-B4AB-4952C3495394}" sibTransId="{B0395B3E-1C91-184B-A2B7-A21EBF345B36}"/>
-    <dgm:cxn modelId="{02C62CD4-63EB-0342-9CDB-E3681D3F2463}" type="presOf" srcId="{6E8A2133-0457-FA4F-A8B0-7E215DDA3E08}" destId="{52CA5D5C-A339-9F44-8752-99E0140043DD}" srcOrd="0" destOrd="0" presId="urn:microsoft.com/office/officeart/2005/8/layout/hChevron3"/>
-    <dgm:cxn modelId="{A5123DCB-1647-6642-80D9-CF9AD4C099E6}" type="presOf" srcId="{2ACAFF71-1A1E-4241-B375-2D08DF064159}" destId="{A30AF579-8DBD-3F42-B950-836C9F373015}" srcOrd="0" destOrd="0" presId="urn:microsoft.com/office/officeart/2005/8/layout/hChevron3"/>
     <dgm:cxn modelId="{12C87DFB-707A-F448-8940-CAB509A109AB}" srcId="{2ACAFF71-1A1E-4241-B375-2D08DF064159}" destId="{559E56A3-EAAB-2049-B980-B20F0AA188EA}" srcOrd="1" destOrd="0" parTransId="{638D9D63-A6C2-284F-849F-1078B420529D}" sibTransId="{3C16356A-4759-7040-9B0B-3A916135148C}"/>
     <dgm:cxn modelId="{4092E794-0AC3-D84D-AE18-B3D9B94FE466}" type="presParOf" srcId="{A30AF579-8DBD-3F42-B950-836C9F373015}" destId="{52CA5D5C-A339-9F44-8752-99E0140043DD}" srcOrd="0" destOrd="0" presId="urn:microsoft.com/office/officeart/2005/8/layout/hChevron3"/>
     <dgm:cxn modelId="{31F06698-08B0-964E-8189-E4EFBE478308}" type="presParOf" srcId="{A30AF579-8DBD-3F42-B950-836C9F373015}" destId="{D96F0753-DE29-7544-BAAD-F7A55CE59D0E}" srcOrd="1" destOrd="0" presId="urn:microsoft.com/office/officeart/2005/8/layout/hChevron3"/>
@@ -4176,7 +4193,7 @@
         </a:bodyPr>
         <a:lstStyle/>
         <a:p>
-          <a:pPr lvl="0" algn="ctr" defTabSz="1155700">
+          <a:pPr marL="0" lvl="0" indent="0" algn="ctr" defTabSz="1155700">
             <a:lnSpc>
               <a:spcPct val="90000"/>
             </a:lnSpc>
@@ -4186,6 +4203,7 @@
             <a:spcAft>
               <a:spcPct val="35000"/>
             </a:spcAft>
+            <a:buNone/>
           </a:pPr>
           <a:r>
             <a:rPr lang="de-DE" sz="2600" kern="1200" dirty="0">
@@ -4256,7 +4274,7 @@
         </a:bodyPr>
         <a:lstStyle/>
         <a:p>
-          <a:pPr lvl="0" algn="ctr" defTabSz="1155700">
+          <a:pPr marL="0" lvl="0" indent="0" algn="ctr" defTabSz="1155700">
             <a:lnSpc>
               <a:spcPct val="90000"/>
             </a:lnSpc>
@@ -4266,6 +4284,7 @@
             <a:spcAft>
               <a:spcPct val="35000"/>
             </a:spcAft>
+            <a:buNone/>
           </a:pPr>
           <a:r>
             <a:rPr lang="de-DE" sz="2600" kern="1200" dirty="0">
@@ -4336,7 +4355,7 @@
         </a:bodyPr>
         <a:lstStyle/>
         <a:p>
-          <a:pPr lvl="0" algn="ctr" defTabSz="1155700">
+          <a:pPr marL="0" lvl="0" indent="0" algn="ctr" defTabSz="1155700">
             <a:lnSpc>
               <a:spcPct val="90000"/>
             </a:lnSpc>
@@ -4346,6 +4365,7 @@
             <a:spcAft>
               <a:spcPct val="35000"/>
             </a:spcAft>
+            <a:buNone/>
           </a:pPr>
           <a:r>
             <a:rPr lang="de-DE" sz="2600" kern="1200" dirty="0" err="1">
@@ -4384,6 +4404,258 @@
       <dsp:cNvGrpSpPr/>
     </dsp:nvGrpSpPr>
     <dsp:grpSpPr/>
+    <dsp:sp modelId="{52CA5D5C-A339-9F44-8752-99E0140043DD}">
+      <dsp:nvSpPr>
+        <dsp:cNvPr id="0" name=""/>
+        <dsp:cNvSpPr/>
+      </dsp:nvSpPr>
+      <dsp:spPr>
+        <a:xfrm>
+          <a:off x="1715" y="0"/>
+          <a:ext cx="3938039" cy="497161"/>
+        </a:xfrm>
+        <a:prstGeom prst="homePlate">
+          <a:avLst/>
+        </a:prstGeom>
+        <a:solidFill>
+          <a:schemeClr val="accent2">
+            <a:lumMod val="40000"/>
+            <a:lumOff val="60000"/>
+          </a:schemeClr>
+        </a:solidFill>
+        <a:ln w="12700" cap="flat" cmpd="sng" algn="ctr">
+          <a:solidFill>
+            <a:schemeClr val="lt1">
+              <a:hueOff val="0"/>
+              <a:satOff val="0"/>
+              <a:lumOff val="0"/>
+              <a:alphaOff val="0"/>
+            </a:schemeClr>
+          </a:solidFill>
+          <a:prstDash val="solid"/>
+          <a:miter lim="800000"/>
+        </a:ln>
+        <a:effectLst/>
+      </dsp:spPr>
+      <dsp:style>
+        <a:lnRef idx="2">
+          <a:scrgbClr r="0" g="0" b="0"/>
+        </a:lnRef>
+        <a:fillRef idx="1">
+          <a:scrgbClr r="0" g="0" b="0"/>
+        </a:fillRef>
+        <a:effectRef idx="0">
+          <a:scrgbClr r="0" g="0" b="0"/>
+        </a:effectRef>
+        <a:fontRef idx="minor">
+          <a:schemeClr val="lt1"/>
+        </a:fontRef>
+      </dsp:style>
+      <dsp:txBody>
+        <a:bodyPr spcFirstLastPara="0" vert="horz" wrap="square" lIns="0" tIns="69342" rIns="468000" bIns="69342" numCol="1" spcCol="1270" anchor="ctr" anchorCtr="0">
+          <a:noAutofit/>
+        </a:bodyPr>
+        <a:lstStyle/>
+        <a:p>
+          <a:pPr marL="0" lvl="0" indent="0" algn="ctr" defTabSz="1155700">
+            <a:lnSpc>
+              <a:spcPct val="90000"/>
+            </a:lnSpc>
+            <a:spcBef>
+              <a:spcPct val="0"/>
+            </a:spcBef>
+            <a:spcAft>
+              <a:spcPct val="35000"/>
+            </a:spcAft>
+            <a:buNone/>
+          </a:pPr>
+          <a:r>
+            <a:rPr lang="de-DE" sz="2600" kern="1200" dirty="0">
+              <a:solidFill>
+                <a:schemeClr val="tx1"/>
+              </a:solidFill>
+              <a:latin typeface="Cambria" panose="02040503050406030204" pitchFamily="18" charset="0"/>
+            </a:rPr>
+            <a:t>Background - Data</a:t>
+          </a:r>
+        </a:p>
+      </dsp:txBody>
+      <dsp:txXfrm>
+        <a:off x="1715" y="0"/>
+        <a:ext cx="3813749" cy="497161"/>
+      </dsp:txXfrm>
+    </dsp:sp>
+    <dsp:sp modelId="{B0830E66-601B-804E-A6E1-810DACB50B77}">
+      <dsp:nvSpPr>
+        <dsp:cNvPr id="0" name=""/>
+        <dsp:cNvSpPr/>
+      </dsp:nvSpPr>
+      <dsp:spPr>
+        <a:xfrm>
+          <a:off x="3088636" y="0"/>
+          <a:ext cx="4695874" cy="497161"/>
+        </a:xfrm>
+        <a:prstGeom prst="chevron">
+          <a:avLst/>
+        </a:prstGeom>
+        <a:solidFill>
+          <a:schemeClr val="accent2">
+            <a:lumMod val="75000"/>
+            <a:alpha val="70000"/>
+          </a:schemeClr>
+        </a:solidFill>
+        <a:ln w="12700" cap="flat" cmpd="sng" algn="ctr">
+          <a:solidFill>
+            <a:schemeClr val="lt1">
+              <a:hueOff val="0"/>
+              <a:satOff val="0"/>
+              <a:lumOff val="0"/>
+              <a:alphaOff val="0"/>
+            </a:schemeClr>
+          </a:solidFill>
+          <a:prstDash val="solid"/>
+          <a:miter lim="800000"/>
+        </a:ln>
+        <a:effectLst/>
+      </dsp:spPr>
+      <dsp:style>
+        <a:lnRef idx="2">
+          <a:scrgbClr r="0" g="0" b="0"/>
+        </a:lnRef>
+        <a:fillRef idx="1">
+          <a:scrgbClr r="0" g="0" b="0"/>
+        </a:fillRef>
+        <a:effectRef idx="0">
+          <a:scrgbClr r="0" g="0" b="0"/>
+        </a:effectRef>
+        <a:fontRef idx="minor">
+          <a:schemeClr val="lt1"/>
+        </a:fontRef>
+      </dsp:style>
+      <dsp:txBody>
+        <a:bodyPr spcFirstLastPara="0" vert="horz" wrap="square" lIns="0" tIns="69342" rIns="468000" bIns="69342" numCol="1" spcCol="1270" anchor="ctr" anchorCtr="0">
+          <a:noAutofit/>
+        </a:bodyPr>
+        <a:lstStyle/>
+        <a:p>
+          <a:pPr marL="0" lvl="0" indent="0" algn="ctr" defTabSz="1155700">
+            <a:lnSpc>
+              <a:spcPct val="90000"/>
+            </a:lnSpc>
+            <a:spcBef>
+              <a:spcPct val="0"/>
+            </a:spcBef>
+            <a:spcAft>
+              <a:spcPct val="35000"/>
+            </a:spcAft>
+            <a:buNone/>
+          </a:pPr>
+          <a:r>
+            <a:rPr lang="de-DE" sz="2600" kern="1200" dirty="0">
+              <a:solidFill>
+                <a:schemeClr val="tx1"/>
+              </a:solidFill>
+              <a:latin typeface="Cambria" panose="02040503050406030204" pitchFamily="18" charset="0"/>
+            </a:rPr>
+            <a:t>Methods - Milestones</a:t>
+          </a:r>
+        </a:p>
+      </dsp:txBody>
+      <dsp:txXfrm>
+        <a:off x="3337217" y="0"/>
+        <a:ext cx="4198713" cy="497161"/>
+      </dsp:txXfrm>
+    </dsp:sp>
+    <dsp:sp modelId="{B56A004B-C0E0-FF42-9574-0EC427394100}">
+      <dsp:nvSpPr>
+        <dsp:cNvPr id="0" name=""/>
+        <dsp:cNvSpPr/>
+      </dsp:nvSpPr>
+      <dsp:spPr>
+        <a:xfrm>
+          <a:off x="6933392" y="0"/>
+          <a:ext cx="3428091" cy="497161"/>
+        </a:xfrm>
+        <a:prstGeom prst="chevron">
+          <a:avLst/>
+        </a:prstGeom>
+        <a:solidFill>
+          <a:schemeClr val="accent2">
+            <a:lumMod val="40000"/>
+            <a:lumOff val="60000"/>
+          </a:schemeClr>
+        </a:solidFill>
+        <a:ln w="12700" cap="flat" cmpd="sng" algn="ctr">
+          <a:solidFill>
+            <a:schemeClr val="lt1">
+              <a:hueOff val="0"/>
+              <a:satOff val="0"/>
+              <a:lumOff val="0"/>
+              <a:alphaOff val="0"/>
+            </a:schemeClr>
+          </a:solidFill>
+          <a:prstDash val="solid"/>
+          <a:miter lim="800000"/>
+        </a:ln>
+        <a:effectLst/>
+      </dsp:spPr>
+      <dsp:style>
+        <a:lnRef idx="2">
+          <a:scrgbClr r="0" g="0" b="0"/>
+        </a:lnRef>
+        <a:fillRef idx="1">
+          <a:scrgbClr r="0" g="0" b="0"/>
+        </a:fillRef>
+        <a:effectRef idx="0">
+          <a:scrgbClr r="0" g="0" b="0"/>
+        </a:effectRef>
+        <a:fontRef idx="minor">
+          <a:schemeClr val="lt1"/>
+        </a:fontRef>
+      </dsp:style>
+      <dsp:txBody>
+        <a:bodyPr spcFirstLastPara="0" vert="horz" wrap="square" lIns="104013" tIns="69342" rIns="34671" bIns="69342" numCol="1" spcCol="1270" anchor="ctr" anchorCtr="0">
+          <a:noAutofit/>
+        </a:bodyPr>
+        <a:lstStyle/>
+        <a:p>
+          <a:pPr marL="0" lvl="0" indent="0" algn="ctr" defTabSz="1155700">
+            <a:lnSpc>
+              <a:spcPct val="90000"/>
+            </a:lnSpc>
+            <a:spcBef>
+              <a:spcPct val="0"/>
+            </a:spcBef>
+            <a:spcAft>
+              <a:spcPct val="35000"/>
+            </a:spcAft>
+            <a:buNone/>
+          </a:pPr>
+          <a:r>
+            <a:rPr lang="de-DE" sz="2600" kern="1200" dirty="0" err="1">
+              <a:solidFill>
+                <a:schemeClr val="tx1"/>
+              </a:solidFill>
+              <a:latin typeface="Cambria" panose="02040503050406030204" pitchFamily="18" charset="0"/>
+            </a:rPr>
+            <a:t>Ideas</a:t>
+          </a:r>
+          <a:r>
+            <a:rPr lang="de-DE" sz="2600" kern="1200" dirty="0">
+              <a:solidFill>
+                <a:schemeClr val="tx1"/>
+              </a:solidFill>
+              <a:latin typeface="Cambria" panose="02040503050406030204" pitchFamily="18" charset="0"/>
+            </a:rPr>
+            <a:t> - Timeline </a:t>
+          </a:r>
+        </a:p>
+      </dsp:txBody>
+      <dsp:txXfrm>
+        <a:off x="7181973" y="0"/>
+        <a:ext cx="2930930" cy="497161"/>
+      </dsp:txXfrm>
+    </dsp:sp>
   </dsp:spTree>
 </dsp:drawing>
 </file>
@@ -4449,7 +4721,7 @@
         </a:bodyPr>
         <a:lstStyle/>
         <a:p>
-          <a:pPr lvl="0" algn="ctr" defTabSz="1155700">
+          <a:pPr marL="0" lvl="0" indent="0" algn="ctr" defTabSz="1155700">
             <a:lnSpc>
               <a:spcPct val="90000"/>
             </a:lnSpc>
@@ -4459,6 +4731,7 @@
             <a:spcAft>
               <a:spcPct val="35000"/>
             </a:spcAft>
+            <a:buNone/>
           </a:pPr>
           <a:r>
             <a:rPr lang="de-DE" sz="2600" kern="1200" dirty="0">
@@ -4529,7 +4802,7 @@
         </a:bodyPr>
         <a:lstStyle/>
         <a:p>
-          <a:pPr lvl="0" algn="ctr" defTabSz="1155700">
+          <a:pPr marL="0" lvl="0" indent="0" algn="ctr" defTabSz="1155700">
             <a:lnSpc>
               <a:spcPct val="90000"/>
             </a:lnSpc>
@@ -4539,6 +4812,7 @@
             <a:spcAft>
               <a:spcPct val="35000"/>
             </a:spcAft>
+            <a:buNone/>
           </a:pPr>
           <a:r>
             <a:rPr lang="de-DE" sz="2600" kern="1200" dirty="0">
@@ -4609,7 +4883,7 @@
         </a:bodyPr>
         <a:lstStyle/>
         <a:p>
-          <a:pPr lvl="0" algn="ctr" defTabSz="1155700">
+          <a:pPr marL="0" lvl="0" indent="0" algn="ctr" defTabSz="1155700">
             <a:lnSpc>
               <a:spcPct val="90000"/>
             </a:lnSpc>
@@ -4619,6 +4893,7 @@
             <a:spcAft>
               <a:spcPct val="35000"/>
             </a:spcAft>
+            <a:buNone/>
           </a:pPr>
           <a:r>
             <a:rPr lang="de-DE" sz="2600" kern="1200" dirty="0" err="1">
@@ -4710,7 +4985,7 @@
         </a:bodyPr>
         <a:lstStyle/>
         <a:p>
-          <a:pPr lvl="0" algn="ctr" defTabSz="1644650">
+          <a:pPr marL="0" lvl="0" indent="0" algn="ctr" defTabSz="1644650">
             <a:lnSpc>
               <a:spcPct val="90000"/>
             </a:lnSpc>
@@ -4720,6 +4995,7 @@
             <a:spcAft>
               <a:spcPct val="35000"/>
             </a:spcAft>
+            <a:buNone/>
           </a:pPr>
           <a:r>
             <a:rPr lang="de-DE" sz="3700" kern="1200" dirty="0">
@@ -4790,7 +5066,7 @@
         </a:bodyPr>
         <a:lstStyle/>
         <a:p>
-          <a:pPr lvl="0" algn="ctr" defTabSz="1644650">
+          <a:pPr marL="0" lvl="0" indent="0" algn="ctr" defTabSz="1644650">
             <a:lnSpc>
               <a:spcPct val="90000"/>
             </a:lnSpc>
@@ -4800,6 +5076,7 @@
             <a:spcAft>
               <a:spcPct val="35000"/>
             </a:spcAft>
+            <a:buNone/>
           </a:pPr>
           <a:r>
             <a:rPr lang="de-DE" sz="3700" kern="1200" dirty="0">
@@ -4870,7 +5147,7 @@
         </a:bodyPr>
         <a:lstStyle/>
         <a:p>
-          <a:pPr lvl="0" algn="ctr" defTabSz="1644650">
+          <a:pPr marL="0" lvl="0" indent="0" algn="ctr" defTabSz="1644650">
             <a:lnSpc>
               <a:spcPct val="90000"/>
             </a:lnSpc>
@@ -4880,6 +5157,7 @@
             <a:spcAft>
               <a:spcPct val="35000"/>
             </a:spcAft>
+            <a:buNone/>
           </a:pPr>
           <a:r>
             <a:rPr lang="de-DE" sz="3700" kern="1200" dirty="0" err="1">
@@ -10374,7 +10652,7 @@
           <a:p>
             <a:fld id="{C32FFBED-32DA-134C-988D-9B5AF231614C}" type="slidenum">
               <a:rPr lang="de-DE" smtClean="0"/>
-              <a:t>‹Nr.›</a:t>
+              <a:t>‹#›</a:t>
             </a:fld>
             <a:endParaRPr lang="de-DE"/>
           </a:p>
@@ -10840,7 +11118,7 @@
           <a:p>
             <a:fld id="{C32FFBED-32DA-134C-988D-9B5AF231614C}" type="slidenum">
               <a:rPr lang="de-DE" smtClean="0"/>
-              <a:t>13</a:t>
+              <a:t>21</a:t>
             </a:fld>
             <a:endParaRPr lang="de-DE"/>
           </a:p>
@@ -12502,7 +12780,7 @@
           <a:p>
             <a:fld id="{C32FFBED-32DA-134C-988D-9B5AF231614C}" type="slidenum">
               <a:rPr lang="de-DE" smtClean="0"/>
-              <a:t>9</a:t>
+              <a:t>12</a:t>
             </a:fld>
             <a:endParaRPr lang="de-DE"/>
           </a:p>
@@ -12586,7 +12864,7 @@
           <a:p>
             <a:fld id="{C32FFBED-32DA-134C-988D-9B5AF231614C}" type="slidenum">
               <a:rPr lang="de-DE" smtClean="0"/>
-              <a:t>11</a:t>
+              <a:t>19</a:t>
             </a:fld>
             <a:endParaRPr lang="de-DE"/>
           </a:p>
@@ -12670,7 +12948,7 @@
           <a:p>
             <a:fld id="{C32FFBED-32DA-134C-988D-9B5AF231614C}" type="slidenum">
               <a:rPr lang="de-DE" smtClean="0"/>
-              <a:t>12</a:t>
+              <a:t>20</a:t>
             </a:fld>
             <a:endParaRPr lang="de-DE"/>
           </a:p>
@@ -12711,7 +12989,7 @@
           <p:cNvPr id="2" name="Titel 1">
             <a:extLst>
               <a:ext uri="{FF2B5EF4-FFF2-40B4-BE49-F238E27FC236}">
-                <a16:creationId xmlns:a16="http://schemas.microsoft.com/office/drawing/2014/main" xmlns="" id="{9E07E9B3-8D7A-BC71-F322-64E8471D5847}"/>
+                <a16:creationId xmlns:a16="http://schemas.microsoft.com/office/drawing/2014/main" id="{9E07E9B3-8D7A-BC71-F322-64E8471D5847}"/>
               </a:ext>
             </a:extLst>
           </p:cNvPr>
@@ -12748,7 +13026,7 @@
           <p:cNvPr id="3" name="Untertitel 2">
             <a:extLst>
               <a:ext uri="{FF2B5EF4-FFF2-40B4-BE49-F238E27FC236}">
-                <a16:creationId xmlns:a16="http://schemas.microsoft.com/office/drawing/2014/main" xmlns="" id="{B068E73B-A2D0-294B-1EEB-829302E24E8E}"/>
+                <a16:creationId xmlns:a16="http://schemas.microsoft.com/office/drawing/2014/main" id="{B068E73B-A2D0-294B-1EEB-829302E24E8E}"/>
               </a:ext>
             </a:extLst>
           </p:cNvPr>
@@ -12818,7 +13096,7 @@
           <p:cNvPr id="4" name="Datumsplatzhalter 3">
             <a:extLst>
               <a:ext uri="{FF2B5EF4-FFF2-40B4-BE49-F238E27FC236}">
-                <a16:creationId xmlns:a16="http://schemas.microsoft.com/office/drawing/2014/main" xmlns="" id="{9C545160-51ED-3015-D5EB-D89839ACAED3}"/>
+                <a16:creationId xmlns:a16="http://schemas.microsoft.com/office/drawing/2014/main" id="{9C545160-51ED-3015-D5EB-D89839ACAED3}"/>
               </a:ext>
             </a:extLst>
           </p:cNvPr>
@@ -12847,7 +13125,7 @@
           <p:cNvPr id="5" name="Fußzeilenplatzhalter 4">
             <a:extLst>
               <a:ext uri="{FF2B5EF4-FFF2-40B4-BE49-F238E27FC236}">
-                <a16:creationId xmlns:a16="http://schemas.microsoft.com/office/drawing/2014/main" xmlns="" id="{BA301125-7792-B616-48AB-17D41A049564}"/>
+                <a16:creationId xmlns:a16="http://schemas.microsoft.com/office/drawing/2014/main" id="{BA301125-7792-B616-48AB-17D41A049564}"/>
               </a:ext>
             </a:extLst>
           </p:cNvPr>
@@ -12872,7 +13150,7 @@
           <p:cNvPr id="6" name="Foliennummernplatzhalter 5">
             <a:extLst>
               <a:ext uri="{FF2B5EF4-FFF2-40B4-BE49-F238E27FC236}">
-                <a16:creationId xmlns:a16="http://schemas.microsoft.com/office/drawing/2014/main" xmlns="" id="{D795B80E-A97C-47BF-83D8-C73A59569818}"/>
+                <a16:creationId xmlns:a16="http://schemas.microsoft.com/office/drawing/2014/main" id="{D795B80E-A97C-47BF-83D8-C73A59569818}"/>
               </a:ext>
             </a:extLst>
           </p:cNvPr>
@@ -12890,7 +13168,7 @@
           <a:p>
             <a:fld id="{4D60DA5F-E1FF-4941-A79A-3D656E4ECE3E}" type="slidenum">
               <a:rPr lang="de-DE" smtClean="0"/>
-              <a:t>‹Nr.›</a:t>
+              <a:t>‹#›</a:t>
             </a:fld>
             <a:endParaRPr lang="de-DE"/>
           </a:p>
@@ -12931,7 +13209,7 @@
           <p:cNvPr id="2" name="Datumsplatzhalter 1">
             <a:extLst>
               <a:ext uri="{FF2B5EF4-FFF2-40B4-BE49-F238E27FC236}">
-                <a16:creationId xmlns:a16="http://schemas.microsoft.com/office/drawing/2014/main" xmlns="" id="{313C70D2-80D7-24EC-2E4E-30AE5ACA3CB3}"/>
+                <a16:creationId xmlns:a16="http://schemas.microsoft.com/office/drawing/2014/main" id="{313C70D2-80D7-24EC-2E4E-30AE5ACA3CB3}"/>
               </a:ext>
             </a:extLst>
           </p:cNvPr>
@@ -12960,7 +13238,7 @@
           <p:cNvPr id="3" name="Fußzeilenplatzhalter 2">
             <a:extLst>
               <a:ext uri="{FF2B5EF4-FFF2-40B4-BE49-F238E27FC236}">
-                <a16:creationId xmlns:a16="http://schemas.microsoft.com/office/drawing/2014/main" xmlns="" id="{7489BF8B-E59C-F4DB-66AD-ECC9A7A8A4B2}"/>
+                <a16:creationId xmlns:a16="http://schemas.microsoft.com/office/drawing/2014/main" id="{7489BF8B-E59C-F4DB-66AD-ECC9A7A8A4B2}"/>
               </a:ext>
             </a:extLst>
           </p:cNvPr>
@@ -12985,7 +13263,7 @@
           <p:cNvPr id="4" name="Foliennummernplatzhalter 3">
             <a:extLst>
               <a:ext uri="{FF2B5EF4-FFF2-40B4-BE49-F238E27FC236}">
-                <a16:creationId xmlns:a16="http://schemas.microsoft.com/office/drawing/2014/main" xmlns="" id="{96D23938-A85B-18AD-0103-294E6F7AAC09}"/>
+                <a16:creationId xmlns:a16="http://schemas.microsoft.com/office/drawing/2014/main" id="{96D23938-A85B-18AD-0103-294E6F7AAC09}"/>
               </a:ext>
             </a:extLst>
           </p:cNvPr>
@@ -13003,7 +13281,7 @@
           <a:p>
             <a:fld id="{4D60DA5F-E1FF-4941-A79A-3D656E4ECE3E}" type="slidenum">
               <a:rPr lang="de-DE" smtClean="0"/>
-              <a:t>‹Nr.›</a:t>
+              <a:t>‹#›</a:t>
             </a:fld>
             <a:endParaRPr lang="de-DE"/>
           </a:p>
@@ -13044,7 +13322,7 @@
           <p:cNvPr id="2" name="Titel 1">
             <a:extLst>
               <a:ext uri="{FF2B5EF4-FFF2-40B4-BE49-F238E27FC236}">
-                <a16:creationId xmlns:a16="http://schemas.microsoft.com/office/drawing/2014/main" xmlns="" id="{78754D34-992B-46B6-0ECF-4E87766D2731}"/>
+                <a16:creationId xmlns:a16="http://schemas.microsoft.com/office/drawing/2014/main" id="{78754D34-992B-46B6-0ECF-4E87766D2731}"/>
               </a:ext>
             </a:extLst>
           </p:cNvPr>
@@ -13081,7 +13359,7 @@
           <p:cNvPr id="3" name="Inhaltsplatzhalter 2">
             <a:extLst>
               <a:ext uri="{FF2B5EF4-FFF2-40B4-BE49-F238E27FC236}">
-                <a16:creationId xmlns:a16="http://schemas.microsoft.com/office/drawing/2014/main" xmlns="" id="{9BE32B21-1E4E-B765-1DEB-45A0483D035A}"/>
+                <a16:creationId xmlns:a16="http://schemas.microsoft.com/office/drawing/2014/main" id="{9BE32B21-1E4E-B765-1DEB-45A0483D035A}"/>
               </a:ext>
             </a:extLst>
           </p:cNvPr>
@@ -13171,7 +13449,7 @@
           <p:cNvPr id="4" name="Textplatzhalter 3">
             <a:extLst>
               <a:ext uri="{FF2B5EF4-FFF2-40B4-BE49-F238E27FC236}">
-                <a16:creationId xmlns:a16="http://schemas.microsoft.com/office/drawing/2014/main" xmlns="" id="{FD05CB68-3CE3-5424-22CD-76360466241D}"/>
+                <a16:creationId xmlns:a16="http://schemas.microsoft.com/office/drawing/2014/main" id="{FD05CB68-3CE3-5424-22CD-76360466241D}"/>
               </a:ext>
             </a:extLst>
           </p:cNvPr>
@@ -13242,7 +13520,7 @@
           <p:cNvPr id="5" name="Datumsplatzhalter 4">
             <a:extLst>
               <a:ext uri="{FF2B5EF4-FFF2-40B4-BE49-F238E27FC236}">
-                <a16:creationId xmlns:a16="http://schemas.microsoft.com/office/drawing/2014/main" xmlns="" id="{141E9F53-1B2D-1EE8-1EBD-FAC26197DBA3}"/>
+                <a16:creationId xmlns:a16="http://schemas.microsoft.com/office/drawing/2014/main" id="{141E9F53-1B2D-1EE8-1EBD-FAC26197DBA3}"/>
               </a:ext>
             </a:extLst>
           </p:cNvPr>
@@ -13271,7 +13549,7 @@
           <p:cNvPr id="6" name="Fußzeilenplatzhalter 5">
             <a:extLst>
               <a:ext uri="{FF2B5EF4-FFF2-40B4-BE49-F238E27FC236}">
-                <a16:creationId xmlns:a16="http://schemas.microsoft.com/office/drawing/2014/main" xmlns="" id="{C14F7377-8092-F925-5861-6942800A7A63}"/>
+                <a16:creationId xmlns:a16="http://schemas.microsoft.com/office/drawing/2014/main" id="{C14F7377-8092-F925-5861-6942800A7A63}"/>
               </a:ext>
             </a:extLst>
           </p:cNvPr>
@@ -13296,7 +13574,7 @@
           <p:cNvPr id="7" name="Foliennummernplatzhalter 6">
             <a:extLst>
               <a:ext uri="{FF2B5EF4-FFF2-40B4-BE49-F238E27FC236}">
-                <a16:creationId xmlns:a16="http://schemas.microsoft.com/office/drawing/2014/main" xmlns="" id="{F1CB426B-75B9-60D9-8B78-7FDB2E6FAB6D}"/>
+                <a16:creationId xmlns:a16="http://schemas.microsoft.com/office/drawing/2014/main" id="{F1CB426B-75B9-60D9-8B78-7FDB2E6FAB6D}"/>
               </a:ext>
             </a:extLst>
           </p:cNvPr>
@@ -13314,7 +13592,7 @@
           <a:p>
             <a:fld id="{4D60DA5F-E1FF-4941-A79A-3D656E4ECE3E}" type="slidenum">
               <a:rPr lang="de-DE" smtClean="0"/>
-              <a:t>‹Nr.›</a:t>
+              <a:t>‹#›</a:t>
             </a:fld>
             <a:endParaRPr lang="de-DE"/>
           </a:p>
@@ -13355,7 +13633,7 @@
           <p:cNvPr id="2" name="Titel 1">
             <a:extLst>
               <a:ext uri="{FF2B5EF4-FFF2-40B4-BE49-F238E27FC236}">
-                <a16:creationId xmlns:a16="http://schemas.microsoft.com/office/drawing/2014/main" xmlns="" id="{E2AFFE69-A1D0-6B41-FAB9-23564A602A81}"/>
+                <a16:creationId xmlns:a16="http://schemas.microsoft.com/office/drawing/2014/main" id="{E2AFFE69-A1D0-6B41-FAB9-23564A602A81}"/>
               </a:ext>
             </a:extLst>
           </p:cNvPr>
@@ -13383,7 +13661,7 @@
           <p:cNvPr id="3" name="Datumsplatzhalter 2">
             <a:extLst>
               <a:ext uri="{FF2B5EF4-FFF2-40B4-BE49-F238E27FC236}">
-                <a16:creationId xmlns:a16="http://schemas.microsoft.com/office/drawing/2014/main" xmlns="" id="{96554CDC-DB55-9220-8F53-E1AE7928F666}"/>
+                <a16:creationId xmlns:a16="http://schemas.microsoft.com/office/drawing/2014/main" id="{96554CDC-DB55-9220-8F53-E1AE7928F666}"/>
               </a:ext>
             </a:extLst>
           </p:cNvPr>
@@ -13412,7 +13690,7 @@
           <p:cNvPr id="4" name="Fußzeilenplatzhalter 3">
             <a:extLst>
               <a:ext uri="{FF2B5EF4-FFF2-40B4-BE49-F238E27FC236}">
-                <a16:creationId xmlns:a16="http://schemas.microsoft.com/office/drawing/2014/main" xmlns="" id="{C21EDFD0-53D1-5AE2-8665-7CFD708AA5EB}"/>
+                <a16:creationId xmlns:a16="http://schemas.microsoft.com/office/drawing/2014/main" id="{C21EDFD0-53D1-5AE2-8665-7CFD708AA5EB}"/>
               </a:ext>
             </a:extLst>
           </p:cNvPr>
@@ -13437,7 +13715,7 @@
           <p:cNvPr id="5" name="Foliennummernplatzhalter 4">
             <a:extLst>
               <a:ext uri="{FF2B5EF4-FFF2-40B4-BE49-F238E27FC236}">
-                <a16:creationId xmlns:a16="http://schemas.microsoft.com/office/drawing/2014/main" xmlns="" id="{4F5906FB-D3E7-15FE-E01B-3E2C36C6BBB3}"/>
+                <a16:creationId xmlns:a16="http://schemas.microsoft.com/office/drawing/2014/main" id="{4F5906FB-D3E7-15FE-E01B-3E2C36C6BBB3}"/>
               </a:ext>
             </a:extLst>
           </p:cNvPr>
@@ -13455,7 +13733,7 @@
           <a:p>
             <a:fld id="{4D60DA5F-E1FF-4941-A79A-3D656E4ECE3E}" type="slidenum">
               <a:rPr lang="de-DE" smtClean="0"/>
-              <a:t>‹Nr.›</a:t>
+              <a:t>‹#›</a:t>
             </a:fld>
             <a:endParaRPr lang="de-DE"/>
           </a:p>
@@ -13496,7 +13774,7 @@
           <p:cNvPr id="2" name="Titel 1">
             <a:extLst>
               <a:ext uri="{FF2B5EF4-FFF2-40B4-BE49-F238E27FC236}">
-                <a16:creationId xmlns:a16="http://schemas.microsoft.com/office/drawing/2014/main" xmlns="" id="{9785D6DB-3694-6F32-89F2-A2008FDF99DD}"/>
+                <a16:creationId xmlns:a16="http://schemas.microsoft.com/office/drawing/2014/main" id="{9785D6DB-3694-6F32-89F2-A2008FDF99DD}"/>
               </a:ext>
             </a:extLst>
           </p:cNvPr>
@@ -13533,7 +13811,7 @@
           <p:cNvPr id="3" name="Bildplatzhalter 2">
             <a:extLst>
               <a:ext uri="{FF2B5EF4-FFF2-40B4-BE49-F238E27FC236}">
-                <a16:creationId xmlns:a16="http://schemas.microsoft.com/office/drawing/2014/main" xmlns="" id="{23B60CA8-DC8B-A7FA-BD5D-0E3A2AAFFBEB}"/>
+                <a16:creationId xmlns:a16="http://schemas.microsoft.com/office/drawing/2014/main" id="{23B60CA8-DC8B-A7FA-BD5D-0E3A2AAFFBEB}"/>
               </a:ext>
             </a:extLst>
           </p:cNvPr>
@@ -13600,7 +13878,7 @@
           <p:cNvPr id="4" name="Textplatzhalter 3">
             <a:extLst>
               <a:ext uri="{FF2B5EF4-FFF2-40B4-BE49-F238E27FC236}">
-                <a16:creationId xmlns:a16="http://schemas.microsoft.com/office/drawing/2014/main" xmlns="" id="{B0E3B6E7-35CA-ED9E-0DD6-4CC12BCBB650}"/>
+                <a16:creationId xmlns:a16="http://schemas.microsoft.com/office/drawing/2014/main" id="{B0E3B6E7-35CA-ED9E-0DD6-4CC12BCBB650}"/>
               </a:ext>
             </a:extLst>
           </p:cNvPr>
@@ -13671,7 +13949,7 @@
           <p:cNvPr id="5" name="Datumsplatzhalter 4">
             <a:extLst>
               <a:ext uri="{FF2B5EF4-FFF2-40B4-BE49-F238E27FC236}">
-                <a16:creationId xmlns:a16="http://schemas.microsoft.com/office/drawing/2014/main" xmlns="" id="{415944CF-2D45-DA7F-5185-9C08CCB3AB13}"/>
+                <a16:creationId xmlns:a16="http://schemas.microsoft.com/office/drawing/2014/main" id="{415944CF-2D45-DA7F-5185-9C08CCB3AB13}"/>
               </a:ext>
             </a:extLst>
           </p:cNvPr>
@@ -13700,7 +13978,7 @@
           <p:cNvPr id="6" name="Fußzeilenplatzhalter 5">
             <a:extLst>
               <a:ext uri="{FF2B5EF4-FFF2-40B4-BE49-F238E27FC236}">
-                <a16:creationId xmlns:a16="http://schemas.microsoft.com/office/drawing/2014/main" xmlns="" id="{D069C07B-89A0-5A5A-4C1E-744F07CA7C7D}"/>
+                <a16:creationId xmlns:a16="http://schemas.microsoft.com/office/drawing/2014/main" id="{D069C07B-89A0-5A5A-4C1E-744F07CA7C7D}"/>
               </a:ext>
             </a:extLst>
           </p:cNvPr>
@@ -13725,7 +14003,7 @@
           <p:cNvPr id="7" name="Foliennummernplatzhalter 6">
             <a:extLst>
               <a:ext uri="{FF2B5EF4-FFF2-40B4-BE49-F238E27FC236}">
-                <a16:creationId xmlns:a16="http://schemas.microsoft.com/office/drawing/2014/main" xmlns="" id="{73901B34-83EC-612A-1635-0F2636E19297}"/>
+                <a16:creationId xmlns:a16="http://schemas.microsoft.com/office/drawing/2014/main" id="{73901B34-83EC-612A-1635-0F2636E19297}"/>
               </a:ext>
             </a:extLst>
           </p:cNvPr>
@@ -13743,7 +14021,7 @@
           <a:p>
             <a:fld id="{4D60DA5F-E1FF-4941-A79A-3D656E4ECE3E}" type="slidenum">
               <a:rPr lang="de-DE" smtClean="0"/>
-              <a:t>‹Nr.›</a:t>
+              <a:t>‹#›</a:t>
             </a:fld>
             <a:endParaRPr lang="de-DE"/>
           </a:p>
@@ -13784,7 +14062,7 @@
           <p:cNvPr id="2" name="Titel 1">
             <a:extLst>
               <a:ext uri="{FF2B5EF4-FFF2-40B4-BE49-F238E27FC236}">
-                <a16:creationId xmlns:a16="http://schemas.microsoft.com/office/drawing/2014/main" xmlns="" id="{BC3A4750-E319-6B92-61CC-043C7BF06E8F}"/>
+                <a16:creationId xmlns:a16="http://schemas.microsoft.com/office/drawing/2014/main" id="{BC3A4750-E319-6B92-61CC-043C7BF06E8F}"/>
               </a:ext>
             </a:extLst>
           </p:cNvPr>
@@ -13812,7 +14090,7 @@
           <p:cNvPr id="3" name="Vertikaler Textplatzhalter 2">
             <a:extLst>
               <a:ext uri="{FF2B5EF4-FFF2-40B4-BE49-F238E27FC236}">
-                <a16:creationId xmlns:a16="http://schemas.microsoft.com/office/drawing/2014/main" xmlns="" id="{DD7B306A-F384-3524-342F-16E4A349B3F5}"/>
+                <a16:creationId xmlns:a16="http://schemas.microsoft.com/office/drawing/2014/main" id="{DD7B306A-F384-3524-342F-16E4A349B3F5}"/>
               </a:ext>
             </a:extLst>
           </p:cNvPr>
@@ -13869,7 +14147,7 @@
           <p:cNvPr id="4" name="Datumsplatzhalter 3">
             <a:extLst>
               <a:ext uri="{FF2B5EF4-FFF2-40B4-BE49-F238E27FC236}">
-                <a16:creationId xmlns:a16="http://schemas.microsoft.com/office/drawing/2014/main" xmlns="" id="{903256F9-4EEC-0221-6E57-EF6E14C2AB47}"/>
+                <a16:creationId xmlns:a16="http://schemas.microsoft.com/office/drawing/2014/main" id="{903256F9-4EEC-0221-6E57-EF6E14C2AB47}"/>
               </a:ext>
             </a:extLst>
           </p:cNvPr>
@@ -13898,7 +14176,7 @@
           <p:cNvPr id="5" name="Fußzeilenplatzhalter 4">
             <a:extLst>
               <a:ext uri="{FF2B5EF4-FFF2-40B4-BE49-F238E27FC236}">
-                <a16:creationId xmlns:a16="http://schemas.microsoft.com/office/drawing/2014/main" xmlns="" id="{47135F8E-140C-DB11-D5B5-1F9B72A52198}"/>
+                <a16:creationId xmlns:a16="http://schemas.microsoft.com/office/drawing/2014/main" id="{47135F8E-140C-DB11-D5B5-1F9B72A52198}"/>
               </a:ext>
             </a:extLst>
           </p:cNvPr>
@@ -13923,7 +14201,7 @@
           <p:cNvPr id="6" name="Foliennummernplatzhalter 5">
             <a:extLst>
               <a:ext uri="{FF2B5EF4-FFF2-40B4-BE49-F238E27FC236}">
-                <a16:creationId xmlns:a16="http://schemas.microsoft.com/office/drawing/2014/main" xmlns="" id="{B6CFE336-3710-1B9D-98AA-68B9F48F5FD7}"/>
+                <a16:creationId xmlns:a16="http://schemas.microsoft.com/office/drawing/2014/main" id="{B6CFE336-3710-1B9D-98AA-68B9F48F5FD7}"/>
               </a:ext>
             </a:extLst>
           </p:cNvPr>
@@ -13941,7 +14219,7 @@
           <a:p>
             <a:fld id="{4D60DA5F-E1FF-4941-A79A-3D656E4ECE3E}" type="slidenum">
               <a:rPr lang="de-DE" smtClean="0"/>
-              <a:t>‹Nr.›</a:t>
+              <a:t>‹#›</a:t>
             </a:fld>
             <a:endParaRPr lang="de-DE"/>
           </a:p>
@@ -13982,7 +14260,7 @@
           <p:cNvPr id="2" name="Vertikaler Titel 1">
             <a:extLst>
               <a:ext uri="{FF2B5EF4-FFF2-40B4-BE49-F238E27FC236}">
-                <a16:creationId xmlns:a16="http://schemas.microsoft.com/office/drawing/2014/main" xmlns="" id="{F92D2908-A4DD-9CB5-2CF7-4CE6CB2B1A54}"/>
+                <a16:creationId xmlns:a16="http://schemas.microsoft.com/office/drawing/2014/main" id="{F92D2908-A4DD-9CB5-2CF7-4CE6CB2B1A54}"/>
               </a:ext>
             </a:extLst>
           </p:cNvPr>
@@ -14015,7 +14293,7 @@
           <p:cNvPr id="3" name="Vertikaler Textplatzhalter 2">
             <a:extLst>
               <a:ext uri="{FF2B5EF4-FFF2-40B4-BE49-F238E27FC236}">
-                <a16:creationId xmlns:a16="http://schemas.microsoft.com/office/drawing/2014/main" xmlns="" id="{043A22B6-F7A6-2B8A-945C-043E273109B4}"/>
+                <a16:creationId xmlns:a16="http://schemas.microsoft.com/office/drawing/2014/main" id="{043A22B6-F7A6-2B8A-945C-043E273109B4}"/>
               </a:ext>
             </a:extLst>
           </p:cNvPr>
@@ -14077,7 +14355,7 @@
           <p:cNvPr id="4" name="Datumsplatzhalter 3">
             <a:extLst>
               <a:ext uri="{FF2B5EF4-FFF2-40B4-BE49-F238E27FC236}">
-                <a16:creationId xmlns:a16="http://schemas.microsoft.com/office/drawing/2014/main" xmlns="" id="{5D2E3E6C-D9EE-D89F-1B27-7865F151C4FA}"/>
+                <a16:creationId xmlns:a16="http://schemas.microsoft.com/office/drawing/2014/main" id="{5D2E3E6C-D9EE-D89F-1B27-7865F151C4FA}"/>
               </a:ext>
             </a:extLst>
           </p:cNvPr>
@@ -14106,7 +14384,7 @@
           <p:cNvPr id="5" name="Fußzeilenplatzhalter 4">
             <a:extLst>
               <a:ext uri="{FF2B5EF4-FFF2-40B4-BE49-F238E27FC236}">
-                <a16:creationId xmlns:a16="http://schemas.microsoft.com/office/drawing/2014/main" xmlns="" id="{8F692D83-AF5C-0BBC-4BE6-339171087BCF}"/>
+                <a16:creationId xmlns:a16="http://schemas.microsoft.com/office/drawing/2014/main" id="{8F692D83-AF5C-0BBC-4BE6-339171087BCF}"/>
               </a:ext>
             </a:extLst>
           </p:cNvPr>
@@ -14131,7 +14409,7 @@
           <p:cNvPr id="6" name="Foliennummernplatzhalter 5">
             <a:extLst>
               <a:ext uri="{FF2B5EF4-FFF2-40B4-BE49-F238E27FC236}">
-                <a16:creationId xmlns:a16="http://schemas.microsoft.com/office/drawing/2014/main" xmlns="" id="{0B5F080F-01BA-F769-1C5D-609E14C297B8}"/>
+                <a16:creationId xmlns:a16="http://schemas.microsoft.com/office/drawing/2014/main" id="{0B5F080F-01BA-F769-1C5D-609E14C297B8}"/>
               </a:ext>
             </a:extLst>
           </p:cNvPr>
@@ -14149,7 +14427,7 @@
           <a:p>
             <a:fld id="{4D60DA5F-E1FF-4941-A79A-3D656E4ECE3E}" type="slidenum">
               <a:rPr lang="de-DE" smtClean="0"/>
-              <a:t>‹Nr.›</a:t>
+              <a:t>‹#›</a:t>
             </a:fld>
             <a:endParaRPr lang="de-DE"/>
           </a:p>
@@ -14190,7 +14468,7 @@
           <p:cNvPr id="2" name="Titel 1">
             <a:extLst>
               <a:ext uri="{FF2B5EF4-FFF2-40B4-BE49-F238E27FC236}">
-                <a16:creationId xmlns:a16="http://schemas.microsoft.com/office/drawing/2014/main" xmlns="" id="{5B67D4A3-1460-3908-415C-EB0935795040}"/>
+                <a16:creationId xmlns:a16="http://schemas.microsoft.com/office/drawing/2014/main" id="{5B67D4A3-1460-3908-415C-EB0935795040}"/>
               </a:ext>
             </a:extLst>
           </p:cNvPr>
@@ -14223,7 +14501,7 @@
           <p:cNvPr id="3" name="Datumsplatzhalter 2">
             <a:extLst>
               <a:ext uri="{FF2B5EF4-FFF2-40B4-BE49-F238E27FC236}">
-                <a16:creationId xmlns:a16="http://schemas.microsoft.com/office/drawing/2014/main" xmlns="" id="{F9FB4A3D-7EAB-B0EB-8956-5D2036AA327D}"/>
+                <a16:creationId xmlns:a16="http://schemas.microsoft.com/office/drawing/2014/main" id="{F9FB4A3D-7EAB-B0EB-8956-5D2036AA327D}"/>
               </a:ext>
             </a:extLst>
           </p:cNvPr>
@@ -14252,7 +14530,7 @@
           <p:cNvPr id="4" name="Fußzeilenplatzhalter 3">
             <a:extLst>
               <a:ext uri="{FF2B5EF4-FFF2-40B4-BE49-F238E27FC236}">
-                <a16:creationId xmlns:a16="http://schemas.microsoft.com/office/drawing/2014/main" xmlns="" id="{56F6577F-27CE-91D4-EAE0-569A5A176D6A}"/>
+                <a16:creationId xmlns:a16="http://schemas.microsoft.com/office/drawing/2014/main" id="{56F6577F-27CE-91D4-EAE0-569A5A176D6A}"/>
               </a:ext>
             </a:extLst>
           </p:cNvPr>
@@ -14277,7 +14555,7 @@
           <p:cNvPr id="5" name="Foliennummernplatzhalter 4">
             <a:extLst>
               <a:ext uri="{FF2B5EF4-FFF2-40B4-BE49-F238E27FC236}">
-                <a16:creationId xmlns:a16="http://schemas.microsoft.com/office/drawing/2014/main" xmlns="" id="{2B32AF0D-EE62-4FEA-5B46-CD604E1A7128}"/>
+                <a16:creationId xmlns:a16="http://schemas.microsoft.com/office/drawing/2014/main" id="{2B32AF0D-EE62-4FEA-5B46-CD604E1A7128}"/>
               </a:ext>
             </a:extLst>
           </p:cNvPr>
@@ -14295,7 +14573,7 @@
           <a:p>
             <a:fld id="{4D60DA5F-E1FF-4941-A79A-3D656E4ECE3E}" type="slidenum">
               <a:rPr lang="de-DE" smtClean="0"/>
-              <a:t>‹Nr.›</a:t>
+              <a:t>‹#›</a:t>
             </a:fld>
             <a:endParaRPr lang="de-DE"/>
           </a:p>
@@ -14306,7 +14584,7 @@
           <p:cNvPr id="6" name="Inhaltsplatzhalter 6">
             <a:extLst>
               <a:ext uri="{FF2B5EF4-FFF2-40B4-BE49-F238E27FC236}">
-                <a16:creationId xmlns:a16="http://schemas.microsoft.com/office/drawing/2014/main" xmlns="" id="{9E3337DF-516D-6CE6-7534-348E22023BE7}"/>
+                <a16:creationId xmlns:a16="http://schemas.microsoft.com/office/drawing/2014/main" id="{9E3337DF-516D-6CE6-7534-348E22023BE7}"/>
               </a:ext>
             </a:extLst>
           </p:cNvPr>
@@ -14336,7 +14614,7 @@
           <p:cNvPr id="7" name="Inhaltsplatzhalter 2">
             <a:extLst>
               <a:ext uri="{FF2B5EF4-FFF2-40B4-BE49-F238E27FC236}">
-                <a16:creationId xmlns:a16="http://schemas.microsoft.com/office/drawing/2014/main" xmlns="" id="{F944BB47-6677-4C0A-3861-801654F8A390}"/>
+                <a16:creationId xmlns:a16="http://schemas.microsoft.com/office/drawing/2014/main" id="{F944BB47-6677-4C0A-3861-801654F8A390}"/>
               </a:ext>
             </a:extLst>
           </p:cNvPr>
@@ -14428,7 +14706,7 @@
           <p:cNvPr id="2" name="Titel 1">
             <a:extLst>
               <a:ext uri="{FF2B5EF4-FFF2-40B4-BE49-F238E27FC236}">
-                <a16:creationId xmlns:a16="http://schemas.microsoft.com/office/drawing/2014/main" xmlns="" id="{F3BDEED3-8CD8-5B91-D67A-42AA9D89F53B}"/>
+                <a16:creationId xmlns:a16="http://schemas.microsoft.com/office/drawing/2014/main" id="{F3BDEED3-8CD8-5B91-D67A-42AA9D89F53B}"/>
               </a:ext>
             </a:extLst>
           </p:cNvPr>
@@ -14461,7 +14739,7 @@
           <p:cNvPr id="3" name="Datumsplatzhalter 2">
             <a:extLst>
               <a:ext uri="{FF2B5EF4-FFF2-40B4-BE49-F238E27FC236}">
-                <a16:creationId xmlns:a16="http://schemas.microsoft.com/office/drawing/2014/main" xmlns="" id="{37820136-C2DB-536E-C7FC-D29F5281ED26}"/>
+                <a16:creationId xmlns:a16="http://schemas.microsoft.com/office/drawing/2014/main" id="{37820136-C2DB-536E-C7FC-D29F5281ED26}"/>
               </a:ext>
             </a:extLst>
           </p:cNvPr>
@@ -14490,7 +14768,7 @@
           <p:cNvPr id="4" name="Fußzeilenplatzhalter 3">
             <a:extLst>
               <a:ext uri="{FF2B5EF4-FFF2-40B4-BE49-F238E27FC236}">
-                <a16:creationId xmlns:a16="http://schemas.microsoft.com/office/drawing/2014/main" xmlns="" id="{0DDC2953-A841-0CA8-FADB-10E18F0A9BAD}"/>
+                <a16:creationId xmlns:a16="http://schemas.microsoft.com/office/drawing/2014/main" id="{0DDC2953-A841-0CA8-FADB-10E18F0A9BAD}"/>
               </a:ext>
             </a:extLst>
           </p:cNvPr>
@@ -14515,7 +14793,7 @@
           <p:cNvPr id="5" name="Foliennummernplatzhalter 4">
             <a:extLst>
               <a:ext uri="{FF2B5EF4-FFF2-40B4-BE49-F238E27FC236}">
-                <a16:creationId xmlns:a16="http://schemas.microsoft.com/office/drawing/2014/main" xmlns="" id="{01A99753-CDA4-2EFC-3C37-D666A637A8D5}"/>
+                <a16:creationId xmlns:a16="http://schemas.microsoft.com/office/drawing/2014/main" id="{01A99753-CDA4-2EFC-3C37-D666A637A8D5}"/>
               </a:ext>
             </a:extLst>
           </p:cNvPr>
@@ -14533,7 +14811,7 @@
           <a:p>
             <a:fld id="{4D60DA5F-E1FF-4941-A79A-3D656E4ECE3E}" type="slidenum">
               <a:rPr lang="de-DE" smtClean="0"/>
-              <a:t>‹Nr.›</a:t>
+              <a:t>‹#›</a:t>
             </a:fld>
             <a:endParaRPr lang="de-DE"/>
           </a:p>
@@ -14544,7 +14822,7 @@
           <p:cNvPr id="6" name="Inhaltsplatzhalter 2">
             <a:extLst>
               <a:ext uri="{FF2B5EF4-FFF2-40B4-BE49-F238E27FC236}">
-                <a16:creationId xmlns:a16="http://schemas.microsoft.com/office/drawing/2014/main" xmlns="" id="{C4C0D8F5-8DA2-7FA2-F044-10D4E8CF0913}"/>
+                <a16:creationId xmlns:a16="http://schemas.microsoft.com/office/drawing/2014/main" id="{C4C0D8F5-8DA2-7FA2-F044-10D4E8CF0913}"/>
               </a:ext>
             </a:extLst>
           </p:cNvPr>
@@ -14606,7 +14884,7 @@
           <p:cNvPr id="8" name="Inhaltsplatzhalter 6">
             <a:extLst>
               <a:ext uri="{FF2B5EF4-FFF2-40B4-BE49-F238E27FC236}">
-                <a16:creationId xmlns:a16="http://schemas.microsoft.com/office/drawing/2014/main" xmlns="" id="{21BEBC3B-D4D9-261D-758F-4285E36EE46F}"/>
+                <a16:creationId xmlns:a16="http://schemas.microsoft.com/office/drawing/2014/main" id="{21BEBC3B-D4D9-261D-758F-4285E36EE46F}"/>
               </a:ext>
             </a:extLst>
           </p:cNvPr>
@@ -14666,7 +14944,7 @@
           <p:cNvPr id="2" name="Titel 1">
             <a:extLst>
               <a:ext uri="{FF2B5EF4-FFF2-40B4-BE49-F238E27FC236}">
-                <a16:creationId xmlns:a16="http://schemas.microsoft.com/office/drawing/2014/main" xmlns="" id="{3341EE4B-0F36-0441-ECA0-F60BBB112F61}"/>
+                <a16:creationId xmlns:a16="http://schemas.microsoft.com/office/drawing/2014/main" id="{3341EE4B-0F36-0441-ECA0-F60BBB112F61}"/>
               </a:ext>
             </a:extLst>
           </p:cNvPr>
@@ -14696,7 +14974,7 @@
           <p:cNvPr id="3" name="Inhaltsplatzhalter 2">
             <a:extLst>
               <a:ext uri="{FF2B5EF4-FFF2-40B4-BE49-F238E27FC236}">
-                <a16:creationId xmlns:a16="http://schemas.microsoft.com/office/drawing/2014/main" xmlns="" id="{12B4D63C-2F45-23DF-A8C9-F4C9E36BAD2B}"/>
+                <a16:creationId xmlns:a16="http://schemas.microsoft.com/office/drawing/2014/main" id="{12B4D63C-2F45-23DF-A8C9-F4C9E36BAD2B}"/>
               </a:ext>
             </a:extLst>
           </p:cNvPr>
@@ -14753,7 +15031,7 @@
           <p:cNvPr id="4" name="Datumsplatzhalter 3">
             <a:extLst>
               <a:ext uri="{FF2B5EF4-FFF2-40B4-BE49-F238E27FC236}">
-                <a16:creationId xmlns:a16="http://schemas.microsoft.com/office/drawing/2014/main" xmlns="" id="{D96ED817-55A4-9E80-EAC2-F97B16863CA8}"/>
+                <a16:creationId xmlns:a16="http://schemas.microsoft.com/office/drawing/2014/main" id="{D96ED817-55A4-9E80-EAC2-F97B16863CA8}"/>
               </a:ext>
             </a:extLst>
           </p:cNvPr>
@@ -14782,7 +15060,7 @@
           <p:cNvPr id="5" name="Fußzeilenplatzhalter 4">
             <a:extLst>
               <a:ext uri="{FF2B5EF4-FFF2-40B4-BE49-F238E27FC236}">
-                <a16:creationId xmlns:a16="http://schemas.microsoft.com/office/drawing/2014/main" xmlns="" id="{FF5BD91D-5D49-84CB-759F-90078B40660F}"/>
+                <a16:creationId xmlns:a16="http://schemas.microsoft.com/office/drawing/2014/main" id="{FF5BD91D-5D49-84CB-759F-90078B40660F}"/>
               </a:ext>
             </a:extLst>
           </p:cNvPr>
@@ -14807,7 +15085,7 @@
           <p:cNvPr id="6" name="Foliennummernplatzhalter 5">
             <a:extLst>
               <a:ext uri="{FF2B5EF4-FFF2-40B4-BE49-F238E27FC236}">
-                <a16:creationId xmlns:a16="http://schemas.microsoft.com/office/drawing/2014/main" xmlns="" id="{E45C4B59-E437-E60D-504F-9A9499B1EF53}"/>
+                <a16:creationId xmlns:a16="http://schemas.microsoft.com/office/drawing/2014/main" id="{E45C4B59-E437-E60D-504F-9A9499B1EF53}"/>
               </a:ext>
             </a:extLst>
           </p:cNvPr>
@@ -14825,7 +15103,7 @@
           <a:p>
             <a:fld id="{4D60DA5F-E1FF-4941-A79A-3D656E4ECE3E}" type="slidenum">
               <a:rPr lang="de-DE" smtClean="0"/>
-              <a:t>‹Nr.›</a:t>
+              <a:t>‹#›</a:t>
             </a:fld>
             <a:endParaRPr lang="de-DE"/>
           </a:p>
@@ -14836,7 +15114,7 @@
           <p:cNvPr id="7" name="Inhaltsplatzhalter 6">
             <a:extLst>
               <a:ext uri="{FF2B5EF4-FFF2-40B4-BE49-F238E27FC236}">
-                <a16:creationId xmlns:a16="http://schemas.microsoft.com/office/drawing/2014/main" xmlns="" id="{EC413063-6C97-5F94-2966-644422F98BA4}"/>
+                <a16:creationId xmlns:a16="http://schemas.microsoft.com/office/drawing/2014/main" id="{EC413063-6C97-5F94-2966-644422F98BA4}"/>
               </a:ext>
             </a:extLst>
           </p:cNvPr>
@@ -14896,7 +15174,7 @@
           <p:cNvPr id="2" name="Titel 1">
             <a:extLst>
               <a:ext uri="{FF2B5EF4-FFF2-40B4-BE49-F238E27FC236}">
-                <a16:creationId xmlns:a16="http://schemas.microsoft.com/office/drawing/2014/main" xmlns="" id="{9D2B3A20-3E81-1734-A4D6-0196ABE1C40F}"/>
+                <a16:creationId xmlns:a16="http://schemas.microsoft.com/office/drawing/2014/main" id="{9D2B3A20-3E81-1734-A4D6-0196ABE1C40F}"/>
               </a:ext>
             </a:extLst>
           </p:cNvPr>
@@ -14924,7 +15202,7 @@
           <p:cNvPr id="3" name="Datumsplatzhalter 2">
             <a:extLst>
               <a:ext uri="{FF2B5EF4-FFF2-40B4-BE49-F238E27FC236}">
-                <a16:creationId xmlns:a16="http://schemas.microsoft.com/office/drawing/2014/main" xmlns="" id="{A9F20C6F-DE6C-AC78-0D84-44996E175BA2}"/>
+                <a16:creationId xmlns:a16="http://schemas.microsoft.com/office/drawing/2014/main" id="{A9F20C6F-DE6C-AC78-0D84-44996E175BA2}"/>
               </a:ext>
             </a:extLst>
           </p:cNvPr>
@@ -14953,7 +15231,7 @@
           <p:cNvPr id="4" name="Fußzeilenplatzhalter 3">
             <a:extLst>
               <a:ext uri="{FF2B5EF4-FFF2-40B4-BE49-F238E27FC236}">
-                <a16:creationId xmlns:a16="http://schemas.microsoft.com/office/drawing/2014/main" xmlns="" id="{48561E24-EF53-1BB2-C4C4-DCD631174547}"/>
+                <a16:creationId xmlns:a16="http://schemas.microsoft.com/office/drawing/2014/main" id="{48561E24-EF53-1BB2-C4C4-DCD631174547}"/>
               </a:ext>
             </a:extLst>
           </p:cNvPr>
@@ -14978,7 +15256,7 @@
           <p:cNvPr id="5" name="Foliennummernplatzhalter 4">
             <a:extLst>
               <a:ext uri="{FF2B5EF4-FFF2-40B4-BE49-F238E27FC236}">
-                <a16:creationId xmlns:a16="http://schemas.microsoft.com/office/drawing/2014/main" xmlns="" id="{3D6CE1C6-B041-3F05-67AD-479C13A5204C}"/>
+                <a16:creationId xmlns:a16="http://schemas.microsoft.com/office/drawing/2014/main" id="{3D6CE1C6-B041-3F05-67AD-479C13A5204C}"/>
               </a:ext>
             </a:extLst>
           </p:cNvPr>
@@ -14996,7 +15274,7 @@
           <a:p>
             <a:fld id="{4D60DA5F-E1FF-4941-A79A-3D656E4ECE3E}" type="slidenum">
               <a:rPr lang="de-DE" smtClean="0"/>
-              <a:t>‹Nr.›</a:t>
+              <a:t>‹#›</a:t>
             </a:fld>
             <a:endParaRPr lang="de-DE"/>
           </a:p>
@@ -15007,7 +15285,7 @@
           <p:cNvPr id="6" name="Inhaltsplatzhalter 2">
             <a:extLst>
               <a:ext uri="{FF2B5EF4-FFF2-40B4-BE49-F238E27FC236}">
-                <a16:creationId xmlns:a16="http://schemas.microsoft.com/office/drawing/2014/main" xmlns="" id="{A15637F4-AF2A-E031-676A-E16164A5C9A1}"/>
+                <a16:creationId xmlns:a16="http://schemas.microsoft.com/office/drawing/2014/main" id="{A15637F4-AF2A-E031-676A-E16164A5C9A1}"/>
               </a:ext>
             </a:extLst>
           </p:cNvPr>
@@ -15099,7 +15377,7 @@
           <p:cNvPr id="2" name="Titel 1">
             <a:extLst>
               <a:ext uri="{FF2B5EF4-FFF2-40B4-BE49-F238E27FC236}">
-                <a16:creationId xmlns:a16="http://schemas.microsoft.com/office/drawing/2014/main" xmlns="" id="{1DAD4357-F5B8-13E4-9BBF-2CFC5B3260F9}"/>
+                <a16:creationId xmlns:a16="http://schemas.microsoft.com/office/drawing/2014/main" id="{1DAD4357-F5B8-13E4-9BBF-2CFC5B3260F9}"/>
               </a:ext>
             </a:extLst>
           </p:cNvPr>
@@ -15136,7 +15414,7 @@
           <p:cNvPr id="3" name="Textplatzhalter 2">
             <a:extLst>
               <a:ext uri="{FF2B5EF4-FFF2-40B4-BE49-F238E27FC236}">
-                <a16:creationId xmlns:a16="http://schemas.microsoft.com/office/drawing/2014/main" xmlns="" id="{7F99BDEC-1658-A2B4-8459-06F2DFA75BA4}"/>
+                <a16:creationId xmlns:a16="http://schemas.microsoft.com/office/drawing/2014/main" id="{7F99BDEC-1658-A2B4-8459-06F2DFA75BA4}"/>
               </a:ext>
             </a:extLst>
           </p:cNvPr>
@@ -15261,7 +15539,7 @@
           <p:cNvPr id="4" name="Datumsplatzhalter 3">
             <a:extLst>
               <a:ext uri="{FF2B5EF4-FFF2-40B4-BE49-F238E27FC236}">
-                <a16:creationId xmlns:a16="http://schemas.microsoft.com/office/drawing/2014/main" xmlns="" id="{1E450905-0164-CFAE-854D-A313BEDA7C1B}"/>
+                <a16:creationId xmlns:a16="http://schemas.microsoft.com/office/drawing/2014/main" id="{1E450905-0164-CFAE-854D-A313BEDA7C1B}"/>
               </a:ext>
             </a:extLst>
           </p:cNvPr>
@@ -15290,7 +15568,7 @@
           <p:cNvPr id="5" name="Fußzeilenplatzhalter 4">
             <a:extLst>
               <a:ext uri="{FF2B5EF4-FFF2-40B4-BE49-F238E27FC236}">
-                <a16:creationId xmlns:a16="http://schemas.microsoft.com/office/drawing/2014/main" xmlns="" id="{E5405853-CAD1-F985-98B1-D81BFC69651C}"/>
+                <a16:creationId xmlns:a16="http://schemas.microsoft.com/office/drawing/2014/main" id="{E5405853-CAD1-F985-98B1-D81BFC69651C}"/>
               </a:ext>
             </a:extLst>
           </p:cNvPr>
@@ -15315,7 +15593,7 @@
           <p:cNvPr id="6" name="Foliennummernplatzhalter 5">
             <a:extLst>
               <a:ext uri="{FF2B5EF4-FFF2-40B4-BE49-F238E27FC236}">
-                <a16:creationId xmlns:a16="http://schemas.microsoft.com/office/drawing/2014/main" xmlns="" id="{5606182E-AD50-176F-DAB1-0D59897EEDA9}"/>
+                <a16:creationId xmlns:a16="http://schemas.microsoft.com/office/drawing/2014/main" id="{5606182E-AD50-176F-DAB1-0D59897EEDA9}"/>
               </a:ext>
             </a:extLst>
           </p:cNvPr>
@@ -15333,7 +15611,7 @@
           <a:p>
             <a:fld id="{4D60DA5F-E1FF-4941-A79A-3D656E4ECE3E}" type="slidenum">
               <a:rPr lang="de-DE" smtClean="0"/>
-              <a:t>‹Nr.›</a:t>
+              <a:t>‹#›</a:t>
             </a:fld>
             <a:endParaRPr lang="de-DE"/>
           </a:p>
@@ -15374,7 +15652,7 @@
           <p:cNvPr id="2" name="Titel 1">
             <a:extLst>
               <a:ext uri="{FF2B5EF4-FFF2-40B4-BE49-F238E27FC236}">
-                <a16:creationId xmlns:a16="http://schemas.microsoft.com/office/drawing/2014/main" xmlns="" id="{37B3DDFB-25E1-528E-9B86-CB27728FD88D}"/>
+                <a16:creationId xmlns:a16="http://schemas.microsoft.com/office/drawing/2014/main" id="{37B3DDFB-25E1-528E-9B86-CB27728FD88D}"/>
               </a:ext>
             </a:extLst>
           </p:cNvPr>
@@ -15402,7 +15680,7 @@
           <p:cNvPr id="3" name="Inhaltsplatzhalter 2">
             <a:extLst>
               <a:ext uri="{FF2B5EF4-FFF2-40B4-BE49-F238E27FC236}">
-                <a16:creationId xmlns:a16="http://schemas.microsoft.com/office/drawing/2014/main" xmlns="" id="{2B1A42CD-3939-0C79-E598-7448E202963A}"/>
+                <a16:creationId xmlns:a16="http://schemas.microsoft.com/office/drawing/2014/main" id="{2B1A42CD-3939-0C79-E598-7448E202963A}"/>
               </a:ext>
             </a:extLst>
           </p:cNvPr>
@@ -15464,7 +15742,7 @@
           <p:cNvPr id="4" name="Inhaltsplatzhalter 3">
             <a:extLst>
               <a:ext uri="{FF2B5EF4-FFF2-40B4-BE49-F238E27FC236}">
-                <a16:creationId xmlns:a16="http://schemas.microsoft.com/office/drawing/2014/main" xmlns="" id="{D1B05862-47B7-E756-C753-94F849332F97}"/>
+                <a16:creationId xmlns:a16="http://schemas.microsoft.com/office/drawing/2014/main" id="{D1B05862-47B7-E756-C753-94F849332F97}"/>
               </a:ext>
             </a:extLst>
           </p:cNvPr>
@@ -15526,7 +15804,7 @@
           <p:cNvPr id="5" name="Datumsplatzhalter 4">
             <a:extLst>
               <a:ext uri="{FF2B5EF4-FFF2-40B4-BE49-F238E27FC236}">
-                <a16:creationId xmlns:a16="http://schemas.microsoft.com/office/drawing/2014/main" xmlns="" id="{FEBC3A50-71F6-816F-268C-5459BF965B73}"/>
+                <a16:creationId xmlns:a16="http://schemas.microsoft.com/office/drawing/2014/main" id="{FEBC3A50-71F6-816F-268C-5459BF965B73}"/>
               </a:ext>
             </a:extLst>
           </p:cNvPr>
@@ -15555,7 +15833,7 @@
           <p:cNvPr id="6" name="Fußzeilenplatzhalter 5">
             <a:extLst>
               <a:ext uri="{FF2B5EF4-FFF2-40B4-BE49-F238E27FC236}">
-                <a16:creationId xmlns:a16="http://schemas.microsoft.com/office/drawing/2014/main" xmlns="" id="{3019082D-E79A-3109-9B34-AFE5E9D4A32C}"/>
+                <a16:creationId xmlns:a16="http://schemas.microsoft.com/office/drawing/2014/main" id="{3019082D-E79A-3109-9B34-AFE5E9D4A32C}"/>
               </a:ext>
             </a:extLst>
           </p:cNvPr>
@@ -15580,7 +15858,7 @@
           <p:cNvPr id="7" name="Foliennummernplatzhalter 6">
             <a:extLst>
               <a:ext uri="{FF2B5EF4-FFF2-40B4-BE49-F238E27FC236}">
-                <a16:creationId xmlns:a16="http://schemas.microsoft.com/office/drawing/2014/main" xmlns="" id="{4D404AFC-3EB2-79EE-E628-600B1DB867C1}"/>
+                <a16:creationId xmlns:a16="http://schemas.microsoft.com/office/drawing/2014/main" id="{4D404AFC-3EB2-79EE-E628-600B1DB867C1}"/>
               </a:ext>
             </a:extLst>
           </p:cNvPr>
@@ -15598,7 +15876,7 @@
           <a:p>
             <a:fld id="{4D60DA5F-E1FF-4941-A79A-3D656E4ECE3E}" type="slidenum">
               <a:rPr lang="de-DE" smtClean="0"/>
-              <a:t>‹Nr.›</a:t>
+              <a:t>‹#›</a:t>
             </a:fld>
             <a:endParaRPr lang="de-DE"/>
           </a:p>
@@ -15639,7 +15917,7 @@
           <p:cNvPr id="2" name="Titel 1">
             <a:extLst>
               <a:ext uri="{FF2B5EF4-FFF2-40B4-BE49-F238E27FC236}">
-                <a16:creationId xmlns:a16="http://schemas.microsoft.com/office/drawing/2014/main" xmlns="" id="{A19A2D25-C1F1-145B-E5DD-AAAE21672C88}"/>
+                <a16:creationId xmlns:a16="http://schemas.microsoft.com/office/drawing/2014/main" id="{A19A2D25-C1F1-145B-E5DD-AAAE21672C88}"/>
               </a:ext>
             </a:extLst>
           </p:cNvPr>
@@ -15672,7 +15950,7 @@
           <p:cNvPr id="3" name="Textplatzhalter 2">
             <a:extLst>
               <a:ext uri="{FF2B5EF4-FFF2-40B4-BE49-F238E27FC236}">
-                <a16:creationId xmlns:a16="http://schemas.microsoft.com/office/drawing/2014/main" xmlns="" id="{36476EFD-9701-3989-C497-72D6A0A5AF4F}"/>
+                <a16:creationId xmlns:a16="http://schemas.microsoft.com/office/drawing/2014/main" id="{36476EFD-9701-3989-C497-72D6A0A5AF4F}"/>
               </a:ext>
             </a:extLst>
           </p:cNvPr>
@@ -15743,7 +16021,7 @@
           <p:cNvPr id="4" name="Inhaltsplatzhalter 3">
             <a:extLst>
               <a:ext uri="{FF2B5EF4-FFF2-40B4-BE49-F238E27FC236}">
-                <a16:creationId xmlns:a16="http://schemas.microsoft.com/office/drawing/2014/main" xmlns="" id="{A4D39CF7-142B-BA90-881C-791896F0F353}"/>
+                <a16:creationId xmlns:a16="http://schemas.microsoft.com/office/drawing/2014/main" id="{A4D39CF7-142B-BA90-881C-791896F0F353}"/>
               </a:ext>
             </a:extLst>
           </p:cNvPr>
@@ -15805,7 +16083,7 @@
           <p:cNvPr id="5" name="Textplatzhalter 4">
             <a:extLst>
               <a:ext uri="{FF2B5EF4-FFF2-40B4-BE49-F238E27FC236}">
-                <a16:creationId xmlns:a16="http://schemas.microsoft.com/office/drawing/2014/main" xmlns="" id="{831D4CDF-BA3F-0D88-80FB-92E6C26BCB31}"/>
+                <a16:creationId xmlns:a16="http://schemas.microsoft.com/office/drawing/2014/main" id="{831D4CDF-BA3F-0D88-80FB-92E6C26BCB31}"/>
               </a:ext>
             </a:extLst>
           </p:cNvPr>
@@ -15876,7 +16154,7 @@
           <p:cNvPr id="6" name="Inhaltsplatzhalter 5">
             <a:extLst>
               <a:ext uri="{FF2B5EF4-FFF2-40B4-BE49-F238E27FC236}">
-                <a16:creationId xmlns:a16="http://schemas.microsoft.com/office/drawing/2014/main" xmlns="" id="{C318FF91-3CBB-B6B6-38CD-9D718FE12596}"/>
+                <a16:creationId xmlns:a16="http://schemas.microsoft.com/office/drawing/2014/main" id="{C318FF91-3CBB-B6B6-38CD-9D718FE12596}"/>
               </a:ext>
             </a:extLst>
           </p:cNvPr>
@@ -15938,7 +16216,7 @@
           <p:cNvPr id="7" name="Datumsplatzhalter 6">
             <a:extLst>
               <a:ext uri="{FF2B5EF4-FFF2-40B4-BE49-F238E27FC236}">
-                <a16:creationId xmlns:a16="http://schemas.microsoft.com/office/drawing/2014/main" xmlns="" id="{2EC0ADA0-A594-F0FC-08DB-69EF37CB311A}"/>
+                <a16:creationId xmlns:a16="http://schemas.microsoft.com/office/drawing/2014/main" id="{2EC0ADA0-A594-F0FC-08DB-69EF37CB311A}"/>
               </a:ext>
             </a:extLst>
           </p:cNvPr>
@@ -15967,7 +16245,7 @@
           <p:cNvPr id="8" name="Fußzeilenplatzhalter 7">
             <a:extLst>
               <a:ext uri="{FF2B5EF4-FFF2-40B4-BE49-F238E27FC236}">
-                <a16:creationId xmlns:a16="http://schemas.microsoft.com/office/drawing/2014/main" xmlns="" id="{78446D23-38BA-171A-7EE5-0FC383753F82}"/>
+                <a16:creationId xmlns:a16="http://schemas.microsoft.com/office/drawing/2014/main" id="{78446D23-38BA-171A-7EE5-0FC383753F82}"/>
               </a:ext>
             </a:extLst>
           </p:cNvPr>
@@ -15992,7 +16270,7 @@
           <p:cNvPr id="9" name="Foliennummernplatzhalter 8">
             <a:extLst>
               <a:ext uri="{FF2B5EF4-FFF2-40B4-BE49-F238E27FC236}">
-                <a16:creationId xmlns:a16="http://schemas.microsoft.com/office/drawing/2014/main" xmlns="" id="{72DE1DBC-8DEF-813F-C653-2BC2A30052F8}"/>
+                <a16:creationId xmlns:a16="http://schemas.microsoft.com/office/drawing/2014/main" id="{72DE1DBC-8DEF-813F-C653-2BC2A30052F8}"/>
               </a:ext>
             </a:extLst>
           </p:cNvPr>
@@ -16010,7 +16288,7 @@
           <a:p>
             <a:fld id="{4D60DA5F-E1FF-4941-A79A-3D656E4ECE3E}" type="slidenum">
               <a:rPr lang="de-DE" smtClean="0"/>
-              <a:t>‹Nr.›</a:t>
+              <a:t>‹#›</a:t>
             </a:fld>
             <a:endParaRPr lang="de-DE"/>
           </a:p>
@@ -16051,7 +16329,7 @@
           <p:cNvPr id="2" name="Titel 1">
             <a:extLst>
               <a:ext uri="{FF2B5EF4-FFF2-40B4-BE49-F238E27FC236}">
-                <a16:creationId xmlns:a16="http://schemas.microsoft.com/office/drawing/2014/main" xmlns="" id="{75B814B3-E3AE-2788-DBF3-DEF93644FB15}"/>
+                <a16:creationId xmlns:a16="http://schemas.microsoft.com/office/drawing/2014/main" id="{75B814B3-E3AE-2788-DBF3-DEF93644FB15}"/>
               </a:ext>
             </a:extLst>
           </p:cNvPr>
@@ -16079,7 +16357,7 @@
           <p:cNvPr id="3" name="Datumsplatzhalter 2">
             <a:extLst>
               <a:ext uri="{FF2B5EF4-FFF2-40B4-BE49-F238E27FC236}">
-                <a16:creationId xmlns:a16="http://schemas.microsoft.com/office/drawing/2014/main" xmlns="" id="{D2943610-21F5-29F3-E953-175368855DA9}"/>
+                <a16:creationId xmlns:a16="http://schemas.microsoft.com/office/drawing/2014/main" id="{D2943610-21F5-29F3-E953-175368855DA9}"/>
               </a:ext>
             </a:extLst>
           </p:cNvPr>
@@ -16108,7 +16386,7 @@
           <p:cNvPr id="4" name="Fußzeilenplatzhalter 3">
             <a:extLst>
               <a:ext uri="{FF2B5EF4-FFF2-40B4-BE49-F238E27FC236}">
-                <a16:creationId xmlns:a16="http://schemas.microsoft.com/office/drawing/2014/main" xmlns="" id="{DD272049-515A-A46B-81F5-74544F40929E}"/>
+                <a16:creationId xmlns:a16="http://schemas.microsoft.com/office/drawing/2014/main" id="{DD272049-515A-A46B-81F5-74544F40929E}"/>
               </a:ext>
             </a:extLst>
           </p:cNvPr>
@@ -16133,7 +16411,7 @@
           <p:cNvPr id="5" name="Foliennummernplatzhalter 4">
             <a:extLst>
               <a:ext uri="{FF2B5EF4-FFF2-40B4-BE49-F238E27FC236}">
-                <a16:creationId xmlns:a16="http://schemas.microsoft.com/office/drawing/2014/main" xmlns="" id="{24B65753-6C66-6047-9EF1-2C5A3DBEA34F}"/>
+                <a16:creationId xmlns:a16="http://schemas.microsoft.com/office/drawing/2014/main" id="{24B65753-6C66-6047-9EF1-2C5A3DBEA34F}"/>
               </a:ext>
             </a:extLst>
           </p:cNvPr>
@@ -16151,7 +16429,7 @@
           <a:p>
             <a:fld id="{4D60DA5F-E1FF-4941-A79A-3D656E4ECE3E}" type="slidenum">
               <a:rPr lang="de-DE" smtClean="0"/>
-              <a:t>‹Nr.›</a:t>
+              <a:t>‹#›</a:t>
             </a:fld>
             <a:endParaRPr lang="de-DE"/>
           </a:p>
@@ -16197,7 +16475,7 @@
           <p:cNvPr id="2" name="Titelplatzhalter 1">
             <a:extLst>
               <a:ext uri="{FF2B5EF4-FFF2-40B4-BE49-F238E27FC236}">
-                <a16:creationId xmlns:a16="http://schemas.microsoft.com/office/drawing/2014/main" xmlns="" id="{95AC1F22-1B55-356E-0E95-06C35EE2DE7A}"/>
+                <a16:creationId xmlns:a16="http://schemas.microsoft.com/office/drawing/2014/main" id="{95AC1F22-1B55-356E-0E95-06C35EE2DE7A}"/>
               </a:ext>
             </a:extLst>
           </p:cNvPr>
@@ -16235,7 +16513,7 @@
           <p:cNvPr id="3" name="Textplatzhalter 2">
             <a:extLst>
               <a:ext uri="{FF2B5EF4-FFF2-40B4-BE49-F238E27FC236}">
-                <a16:creationId xmlns:a16="http://schemas.microsoft.com/office/drawing/2014/main" xmlns="" id="{1782C428-2BDD-A107-43D7-FEE64B62AD8D}"/>
+                <a16:creationId xmlns:a16="http://schemas.microsoft.com/office/drawing/2014/main" id="{1782C428-2BDD-A107-43D7-FEE64B62AD8D}"/>
               </a:ext>
             </a:extLst>
           </p:cNvPr>
@@ -16302,7 +16580,7 @@
           <p:cNvPr id="4" name="Datumsplatzhalter 3">
             <a:extLst>
               <a:ext uri="{FF2B5EF4-FFF2-40B4-BE49-F238E27FC236}">
-                <a16:creationId xmlns:a16="http://schemas.microsoft.com/office/drawing/2014/main" xmlns="" id="{9D2ABA26-4F2C-7312-5D75-166A824AE59C}"/>
+                <a16:creationId xmlns:a16="http://schemas.microsoft.com/office/drawing/2014/main" id="{9D2ABA26-4F2C-7312-5D75-166A824AE59C}"/>
               </a:ext>
             </a:extLst>
           </p:cNvPr>
@@ -16349,7 +16627,7 @@
           <p:cNvPr id="5" name="Fußzeilenplatzhalter 4">
             <a:extLst>
               <a:ext uri="{FF2B5EF4-FFF2-40B4-BE49-F238E27FC236}">
-                <a16:creationId xmlns:a16="http://schemas.microsoft.com/office/drawing/2014/main" xmlns="" id="{F175B6FB-32FB-3E95-FF28-4162289D0833}"/>
+                <a16:creationId xmlns:a16="http://schemas.microsoft.com/office/drawing/2014/main" id="{F175B6FB-32FB-3E95-FF28-4162289D0833}"/>
               </a:ext>
             </a:extLst>
           </p:cNvPr>
@@ -16392,7 +16670,7 @@
           <p:cNvPr id="6" name="Foliennummernplatzhalter 5">
             <a:extLst>
               <a:ext uri="{FF2B5EF4-FFF2-40B4-BE49-F238E27FC236}">
-                <a16:creationId xmlns:a16="http://schemas.microsoft.com/office/drawing/2014/main" xmlns="" id="{3D1D2C3D-603D-B830-767F-9C6DE54EB475}"/>
+                <a16:creationId xmlns:a16="http://schemas.microsoft.com/office/drawing/2014/main" id="{3D1D2C3D-603D-B830-767F-9C6DE54EB475}"/>
               </a:ext>
             </a:extLst>
           </p:cNvPr>
@@ -16428,7 +16706,7 @@
           <a:p>
             <a:fld id="{4D60DA5F-E1FF-4941-A79A-3D656E4ECE3E}" type="slidenum">
               <a:rPr lang="de-DE" smtClean="0"/>
-              <a:t>‹Nr.›</a:t>
+              <a:t>‹#›</a:t>
             </a:fld>
             <a:endParaRPr lang="de-DE"/>
           </a:p>
@@ -16772,7 +17050,7 @@
           <p:cNvPr id="7" name="Titel 6">
             <a:extLst>
               <a:ext uri="{FF2B5EF4-FFF2-40B4-BE49-F238E27FC236}">
-                <a16:creationId xmlns:a16="http://schemas.microsoft.com/office/drawing/2014/main" xmlns="" id="{BA5D323D-D049-1A51-8F53-A57C44B293F3}"/>
+                <a16:creationId xmlns:a16="http://schemas.microsoft.com/office/drawing/2014/main" id="{BA5D323D-D049-1A51-8F53-A57C44B293F3}"/>
               </a:ext>
             </a:extLst>
           </p:cNvPr>
@@ -16861,7 +17139,7 @@
           <p:cNvPr id="9" name="Textplatzhalter 8">
             <a:extLst>
               <a:ext uri="{FF2B5EF4-FFF2-40B4-BE49-F238E27FC236}">
-                <a16:creationId xmlns:a16="http://schemas.microsoft.com/office/drawing/2014/main" xmlns="" id="{93BA4C67-EC62-2BE2-4602-15239308A84D}"/>
+                <a16:creationId xmlns:a16="http://schemas.microsoft.com/office/drawing/2014/main" id="{93BA4C67-EC62-2BE2-4602-15239308A84D}"/>
               </a:ext>
             </a:extLst>
           </p:cNvPr>
@@ -16917,7 +17195,7 @@
           <p:cNvPr id="2050" name="Picture 2">
             <a:extLst>
               <a:ext uri="{FF2B5EF4-FFF2-40B4-BE49-F238E27FC236}">
-                <a16:creationId xmlns:a16="http://schemas.microsoft.com/office/drawing/2014/main" xmlns="" id="{776CC2D0-645A-B12C-838F-616AA6EDE38A}"/>
+                <a16:creationId xmlns:a16="http://schemas.microsoft.com/office/drawing/2014/main" id="{776CC2D0-645A-B12C-838F-616AA6EDE38A}"/>
               </a:ext>
             </a:extLst>
           </p:cNvPr>
@@ -16964,7 +17242,7 @@
           <p:cNvPr id="10" name="Textplatzhalter 8">
             <a:extLst>
               <a:ext uri="{FF2B5EF4-FFF2-40B4-BE49-F238E27FC236}">
-                <a16:creationId xmlns:a16="http://schemas.microsoft.com/office/drawing/2014/main" xmlns="" id="{075933CF-2FE5-BA61-D9E1-78404267A904}"/>
+                <a16:creationId xmlns:a16="http://schemas.microsoft.com/office/drawing/2014/main" id="{075933CF-2FE5-BA61-D9E1-78404267A904}"/>
               </a:ext>
             </a:extLst>
           </p:cNvPr>
@@ -17169,7 +17447,7 @@
           <p:cNvPr id="11" name="Textfeld 10">
             <a:extLst>
               <a:ext uri="{FF2B5EF4-FFF2-40B4-BE49-F238E27FC236}">
-                <a16:creationId xmlns:a16="http://schemas.microsoft.com/office/drawing/2014/main" xmlns="" id="{F15E062E-4361-BCAF-19CE-A629F091B62C}"/>
+                <a16:creationId xmlns:a16="http://schemas.microsoft.com/office/drawing/2014/main" id="{F15E062E-4361-BCAF-19CE-A629F091B62C}"/>
               </a:ext>
             </a:extLst>
           </p:cNvPr>
@@ -17290,10 +17568,10 @@
       </p:grpSpPr>
       <p:sp>
         <p:nvSpPr>
-          <p:cNvPr id="4" name="Titel 3">
+          <p:cNvPr id="2" name="Title 1">
             <a:extLst>
               <a:ext uri="{FF2B5EF4-FFF2-40B4-BE49-F238E27FC236}">
-                <a16:creationId xmlns:a16="http://schemas.microsoft.com/office/drawing/2014/main" xmlns="" id="{D8D10377-3C07-810A-4029-62F9C13690E8}"/>
+                <a16:creationId xmlns:a16="http://schemas.microsoft.com/office/drawing/2014/main" id="{FAD6A253-2A78-167C-98FB-71E3C121EB98}"/>
               </a:ext>
             </a:extLst>
           </p:cNvPr>
@@ -17310,98 +17588,2008 @@
           <a:lstStyle/>
           <a:p>
             <a:r>
-              <a:rPr lang="de-DE" dirty="0"/>
-              <a:t>Sources</a:t>
+              <a:rPr lang="en-US" dirty="0"/>
+              <a:t>Population data</a:t>
             </a:r>
           </a:p>
         </p:txBody>
       </p:sp>
-      <p:sp>
-        <p:nvSpPr>
-          <p:cNvPr id="5" name="Inhaltsplatzhalter 4">
+      <p:graphicFrame>
+        <p:nvGraphicFramePr>
+          <p:cNvPr id="4" name="Content Placeholder 3">
             <a:extLst>
               <a:ext uri="{FF2B5EF4-FFF2-40B4-BE49-F238E27FC236}">
-                <a16:creationId xmlns:a16="http://schemas.microsoft.com/office/drawing/2014/main" xmlns="" id="{A894A3BF-4653-9518-6BF3-4D88347B3A73}"/>
+                <a16:creationId xmlns:a16="http://schemas.microsoft.com/office/drawing/2014/main" id="{C1DBA4BF-10E1-13E9-E9BB-A9F7B814D77F}"/>
               </a:ext>
             </a:extLst>
           </p:cNvPr>
-          <p:cNvSpPr>
-            <a:spLocks noGrp="1"/>
-          </p:cNvSpPr>
+          <p:cNvGraphicFramePr>
+            <a:graphicFrameLocks noGrp="1"/>
+          </p:cNvGraphicFramePr>
           <p:nvPr>
             <p:ph idx="1"/>
           </p:nvPr>
+        </p:nvGraphicFramePr>
+        <p:xfrm>
+          <a:off x="7072603" y="1690688"/>
+          <a:ext cx="4068146" cy="4309506"/>
+        </p:xfrm>
+        <a:graphic>
+          <a:graphicData uri="http://schemas.openxmlformats.org/drawingml/2006/table">
+            <a:tbl>
+              <a:tblPr>
+                <a:tableStyleId>{5C22544A-7EE6-4342-B048-85BDC9FD1C3A}</a:tableStyleId>
+              </a:tblPr>
+              <a:tblGrid>
+                <a:gridCol w="1192580">
+                  <a:extLst>
+                    <a:ext uri="{9D8B030D-6E8A-4147-A177-3AD203B41FA5}">
+                      <a16:colId xmlns:a16="http://schemas.microsoft.com/office/drawing/2014/main" val="1397560780"/>
+                    </a:ext>
+                  </a:extLst>
+                </a:gridCol>
+                <a:gridCol w="1192580">
+                  <a:extLst>
+                    <a:ext uri="{9D8B030D-6E8A-4147-A177-3AD203B41FA5}">
+                      <a16:colId xmlns:a16="http://schemas.microsoft.com/office/drawing/2014/main" val="458485020"/>
+                    </a:ext>
+                  </a:extLst>
+                </a:gridCol>
+                <a:gridCol w="590718">
+                  <a:extLst>
+                    <a:ext uri="{9D8B030D-6E8A-4147-A177-3AD203B41FA5}">
+                      <a16:colId xmlns:a16="http://schemas.microsoft.com/office/drawing/2014/main" val="316819912"/>
+                    </a:ext>
+                  </a:extLst>
+                </a:gridCol>
+                <a:gridCol w="546134">
+                  <a:extLst>
+                    <a:ext uri="{9D8B030D-6E8A-4147-A177-3AD203B41FA5}">
+                      <a16:colId xmlns:a16="http://schemas.microsoft.com/office/drawing/2014/main" val="2494901324"/>
+                    </a:ext>
+                  </a:extLst>
+                </a:gridCol>
+                <a:gridCol w="546134">
+                  <a:extLst>
+                    <a:ext uri="{9D8B030D-6E8A-4147-A177-3AD203B41FA5}">
+                      <a16:colId xmlns:a16="http://schemas.microsoft.com/office/drawing/2014/main" val="4092678630"/>
+                    </a:ext>
+                  </a:extLst>
+                </a:gridCol>
+              </a:tblGrid>
+              <a:tr h="256946">
+                <a:tc>
+                  <a:txBody>
+                    <a:bodyPr/>
+                    <a:lstStyle/>
+                    <a:p>
+                      <a:pPr algn="l" fontAlgn="t"/>
+                      <a:r>
+                        <a:rPr lang="en-GB" sz="900" u="none" strike="noStrike">
+                          <a:effectLst/>
+                        </a:rPr>
+                        <a:t> </a:t>
+                      </a:r>
+                      <a:endParaRPr lang="en-GB" sz="900" b="0" i="0" u="none" strike="noStrike">
+                        <a:solidFill>
+                          <a:srgbClr val="000000"/>
+                        </a:solidFill>
+                        <a:effectLst/>
+                        <a:latin typeface="Calibri" panose="020F0502020204030204" pitchFamily="34" charset="0"/>
+                      </a:endParaRPr>
+                    </a:p>
+                  </a:txBody>
+                  <a:tcPr marL="6044" marR="6044" marT="6044" marB="0"/>
+                </a:tc>
+                <a:tc>
+                  <a:txBody>
+                    <a:bodyPr/>
+                    <a:lstStyle/>
+                    <a:p>
+                      <a:pPr algn="l" fontAlgn="t"/>
+                      <a:r>
+                        <a:rPr lang="en-GB" sz="900" u="none" strike="noStrike">
+                          <a:effectLst/>
+                        </a:rPr>
+                        <a:t> </a:t>
+                      </a:r>
+                      <a:endParaRPr lang="en-GB" sz="900" b="0" i="0" u="none" strike="noStrike">
+                        <a:solidFill>
+                          <a:srgbClr val="000000"/>
+                        </a:solidFill>
+                        <a:effectLst/>
+                        <a:latin typeface="Calibri" panose="020F0502020204030204" pitchFamily="34" charset="0"/>
+                      </a:endParaRPr>
+                    </a:p>
+                  </a:txBody>
+                  <a:tcPr marL="6044" marR="6044" marT="6044" marB="0"/>
+                </a:tc>
+                <a:tc gridSpan="3">
+                  <a:txBody>
+                    <a:bodyPr/>
+                    <a:lstStyle/>
+                    <a:p>
+                      <a:pPr algn="ctr" fontAlgn="t"/>
+                      <a:r>
+                        <a:rPr lang="en-GB" sz="600" u="none" strike="noStrike">
+                          <a:effectLst/>
+                        </a:rPr>
+                        <a:t>2012</a:t>
+                      </a:r>
+                      <a:endParaRPr lang="en-GB" sz="600" b="1" i="0" u="none" strike="noStrike">
+                        <a:solidFill>
+                          <a:srgbClr val="000000"/>
+                        </a:solidFill>
+                        <a:effectLst/>
+                        <a:latin typeface="Arial" panose="020B0604020202020204" pitchFamily="34" charset="0"/>
+                      </a:endParaRPr>
+                    </a:p>
+                  </a:txBody>
+                  <a:tcPr marL="6044" marR="6044" marT="6044" marB="0"/>
+                </a:tc>
+                <a:tc hMerge="1">
+                  <a:txBody>
+                    <a:bodyPr/>
+                    <a:lstStyle/>
+                    <a:p>
+                      <a:endParaRPr lang="en-GB"/>
+                    </a:p>
+                  </a:txBody>
+                  <a:tcPr/>
+                </a:tc>
+                <a:tc hMerge="1">
+                  <a:txBody>
+                    <a:bodyPr/>
+                    <a:lstStyle/>
+                    <a:p>
+                      <a:endParaRPr lang="en-GB"/>
+                    </a:p>
+                  </a:txBody>
+                  <a:tcPr/>
+                </a:tc>
+                <a:extLst>
+                  <a:ext uri="{0D108BD9-81ED-4DB2-BD59-A6C34878D82A}">
+                    <a16:rowId xmlns:a16="http://schemas.microsoft.com/office/drawing/2014/main" val="162578780"/>
+                  </a:ext>
+                </a:extLst>
+              </a:tr>
+              <a:tr h="253285">
+                <a:tc>
+                  <a:txBody>
+                    <a:bodyPr/>
+                    <a:lstStyle/>
+                    <a:p>
+                      <a:pPr algn="ctr" fontAlgn="t"/>
+                      <a:r>
+                        <a:rPr lang="en-GB" sz="600" u="none" strike="noStrike">
+                          <a:effectLst/>
+                        </a:rPr>
+                        <a:t>Region</a:t>
+                      </a:r>
+                      <a:endParaRPr lang="en-GB" sz="600" b="1" i="0" u="none" strike="noStrike">
+                        <a:solidFill>
+                          <a:srgbClr val="000000"/>
+                        </a:solidFill>
+                        <a:effectLst/>
+                        <a:latin typeface="Arial" panose="020B0604020202020204" pitchFamily="34" charset="0"/>
+                      </a:endParaRPr>
+                    </a:p>
+                  </a:txBody>
+                  <a:tcPr marL="6044" marR="6044" marT="6044" marB="0"/>
+                </a:tc>
+                <a:tc>
+                  <a:txBody>
+                    <a:bodyPr/>
+                    <a:lstStyle/>
+                    <a:p>
+                      <a:pPr algn="ctr" fontAlgn="t"/>
+                      <a:r>
+                        <a:rPr lang="en-GB" sz="600" u="none" strike="noStrike">
+                          <a:effectLst/>
+                        </a:rPr>
+                        <a:t>Province</a:t>
+                      </a:r>
+                      <a:endParaRPr lang="en-GB" sz="600" b="1" i="0" u="none" strike="noStrike">
+                        <a:solidFill>
+                          <a:srgbClr val="000000"/>
+                        </a:solidFill>
+                        <a:effectLst/>
+                        <a:latin typeface="Arial" panose="020B0604020202020204" pitchFamily="34" charset="0"/>
+                      </a:endParaRPr>
+                    </a:p>
+                  </a:txBody>
+                  <a:tcPr marL="6044" marR="6044" marT="6044" marB="0"/>
+                </a:tc>
+                <a:tc>
+                  <a:txBody>
+                    <a:bodyPr/>
+                    <a:lstStyle/>
+                    <a:p>
+                      <a:pPr algn="ctr" fontAlgn="ctr"/>
+                      <a:r>
+                        <a:rPr lang="en-GB" sz="600" u="none" strike="noStrike">
+                          <a:effectLst/>
+                        </a:rPr>
+                        <a:t>Total</a:t>
+                      </a:r>
+                      <a:endParaRPr lang="en-GB" sz="600" b="1" i="0" u="none" strike="noStrike">
+                        <a:solidFill>
+                          <a:srgbClr val="000000"/>
+                        </a:solidFill>
+                        <a:effectLst/>
+                        <a:latin typeface="Arial" panose="020B0604020202020204" pitchFamily="34" charset="0"/>
+                      </a:endParaRPr>
+                    </a:p>
+                  </a:txBody>
+                  <a:tcPr marL="6044" marR="6044" marT="6044" marB="0" anchor="ctr"/>
+                </a:tc>
+                <a:tc>
+                  <a:txBody>
+                    <a:bodyPr/>
+                    <a:lstStyle/>
+                    <a:p>
+                      <a:pPr algn="ctr" fontAlgn="ctr"/>
+                      <a:r>
+                        <a:rPr lang="en-GB" sz="600" u="none" strike="noStrike">
+                          <a:effectLst/>
+                        </a:rPr>
+                        <a:t>Male</a:t>
+                      </a:r>
+                      <a:endParaRPr lang="en-GB" sz="600" b="1" i="0" u="none" strike="noStrike">
+                        <a:solidFill>
+                          <a:srgbClr val="000000"/>
+                        </a:solidFill>
+                        <a:effectLst/>
+                        <a:latin typeface="Arial" panose="020B0604020202020204" pitchFamily="34" charset="0"/>
+                      </a:endParaRPr>
+                    </a:p>
+                  </a:txBody>
+                  <a:tcPr marL="6044" marR="6044" marT="6044" marB="0" anchor="ctr"/>
+                </a:tc>
+                <a:tc>
+                  <a:txBody>
+                    <a:bodyPr/>
+                    <a:lstStyle/>
+                    <a:p>
+                      <a:pPr algn="ctr" fontAlgn="ctr"/>
+                      <a:r>
+                        <a:rPr lang="en-GB" sz="600" u="none" strike="noStrike">
+                          <a:effectLst/>
+                        </a:rPr>
+                        <a:t>Female</a:t>
+                      </a:r>
+                      <a:endParaRPr lang="en-GB" sz="600" b="1" i="0" u="none" strike="noStrike">
+                        <a:solidFill>
+                          <a:srgbClr val="000000"/>
+                        </a:solidFill>
+                        <a:effectLst/>
+                        <a:latin typeface="Arial" panose="020B0604020202020204" pitchFamily="34" charset="0"/>
+                      </a:endParaRPr>
+                    </a:p>
+                  </a:txBody>
+                  <a:tcPr marL="6044" marR="6044" marT="6044" marB="0" anchor="ctr"/>
+                </a:tc>
+                <a:extLst>
+                  <a:ext uri="{0D108BD9-81ED-4DB2-BD59-A6C34878D82A}">
+                    <a16:rowId xmlns:a16="http://schemas.microsoft.com/office/drawing/2014/main" val="836122393"/>
+                  </a:ext>
+                </a:extLst>
+              </a:tr>
+              <a:tr h="253285">
+                <a:tc>
+                  <a:txBody>
+                    <a:bodyPr/>
+                    <a:lstStyle/>
+                    <a:p>
+                      <a:pPr algn="l" fontAlgn="t"/>
+                      <a:r>
+                        <a:rPr lang="en-GB" sz="600" u="none" strike="noStrike">
+                          <a:effectLst/>
+                        </a:rPr>
+                        <a:t>Whole Kingdom</a:t>
+                      </a:r>
+                      <a:endParaRPr lang="en-GB" sz="600" b="0" i="0" u="none" strike="noStrike">
+                        <a:solidFill>
+                          <a:srgbClr val="000000"/>
+                        </a:solidFill>
+                        <a:effectLst/>
+                        <a:latin typeface="Arial" panose="020B0604020202020204" pitchFamily="34" charset="0"/>
+                      </a:endParaRPr>
+                    </a:p>
+                  </a:txBody>
+                  <a:tcPr marL="6044" marR="6044" marT="6044" marB="0"/>
+                </a:tc>
+                <a:tc>
+                  <a:txBody>
+                    <a:bodyPr/>
+                    <a:lstStyle/>
+                    <a:p>
+                      <a:pPr algn="l" fontAlgn="ctr"/>
+                      <a:r>
+                        <a:rPr lang="en-GB" sz="600" u="none" strike="noStrike">
+                          <a:effectLst/>
+                        </a:rPr>
+                        <a:t>Whole Kingdom</a:t>
+                      </a:r>
+                      <a:endParaRPr lang="en-GB" sz="600" b="0" i="0" u="none" strike="noStrike">
+                        <a:solidFill>
+                          <a:srgbClr val="000000"/>
+                        </a:solidFill>
+                        <a:effectLst/>
+                        <a:latin typeface="Arial" panose="020B0604020202020204" pitchFamily="34" charset="0"/>
+                      </a:endParaRPr>
+                    </a:p>
+                  </a:txBody>
+                  <a:tcPr marL="6044" marR="6044" marT="6044" marB="0" anchor="ctr"/>
+                </a:tc>
+                <a:tc>
+                  <a:txBody>
+                    <a:bodyPr/>
+                    <a:lstStyle/>
+                    <a:p>
+                      <a:pPr algn="r" fontAlgn="ctr"/>
+                      <a:r>
+                        <a:rPr lang="en-GB" sz="600" u="none" strike="noStrike">
+                          <a:effectLst/>
+                        </a:rPr>
+                        <a:t>64.266.365</a:t>
+                      </a:r>
+                      <a:endParaRPr lang="en-GB" sz="600" b="0" i="0" u="none" strike="noStrike">
+                        <a:solidFill>
+                          <a:srgbClr val="000000"/>
+                        </a:solidFill>
+                        <a:effectLst/>
+                        <a:latin typeface="Arial" panose="020B0604020202020204" pitchFamily="34" charset="0"/>
+                      </a:endParaRPr>
+                    </a:p>
+                  </a:txBody>
+                  <a:tcPr marL="6044" marR="6044" marT="6044" marB="0" anchor="ctr"/>
+                </a:tc>
+                <a:tc>
+                  <a:txBody>
+                    <a:bodyPr/>
+                    <a:lstStyle/>
+                    <a:p>
+                      <a:pPr algn="r" fontAlgn="ctr"/>
+                      <a:r>
+                        <a:rPr lang="en-GB" sz="600" u="none" strike="noStrike">
+                          <a:effectLst/>
+                        </a:rPr>
+                        <a:t>31.614.938</a:t>
+                      </a:r>
+                      <a:endParaRPr lang="en-GB" sz="600" b="0" i="0" u="none" strike="noStrike">
+                        <a:solidFill>
+                          <a:srgbClr val="000000"/>
+                        </a:solidFill>
+                        <a:effectLst/>
+                        <a:latin typeface="Arial" panose="020B0604020202020204" pitchFamily="34" charset="0"/>
+                      </a:endParaRPr>
+                    </a:p>
+                  </a:txBody>
+                  <a:tcPr marL="6044" marR="6044" marT="6044" marB="0" anchor="ctr"/>
+                </a:tc>
+                <a:tc>
+                  <a:txBody>
+                    <a:bodyPr/>
+                    <a:lstStyle/>
+                    <a:p>
+                      <a:pPr algn="r" fontAlgn="ctr"/>
+                      <a:r>
+                        <a:rPr lang="en-GB" sz="600" u="none" strike="noStrike">
+                          <a:effectLst/>
+                        </a:rPr>
+                        <a:t>32.651.427</a:t>
+                      </a:r>
+                      <a:endParaRPr lang="en-GB" sz="600" b="0" i="0" u="none" strike="noStrike">
+                        <a:solidFill>
+                          <a:srgbClr val="000000"/>
+                        </a:solidFill>
+                        <a:effectLst/>
+                        <a:latin typeface="Arial" panose="020B0604020202020204" pitchFamily="34" charset="0"/>
+                      </a:endParaRPr>
+                    </a:p>
+                  </a:txBody>
+                  <a:tcPr marL="6044" marR="6044" marT="6044" marB="0" anchor="ctr"/>
+                </a:tc>
+                <a:extLst>
+                  <a:ext uri="{0D108BD9-81ED-4DB2-BD59-A6C34878D82A}">
+                    <a16:rowId xmlns:a16="http://schemas.microsoft.com/office/drawing/2014/main" val="360245367"/>
+                  </a:ext>
+                </a:extLst>
+              </a:tr>
+              <a:tr h="253285">
+                <a:tc>
+                  <a:txBody>
+                    <a:bodyPr/>
+                    <a:lstStyle/>
+                    <a:p>
+                      <a:pPr algn="l" fontAlgn="t"/>
+                      <a:r>
+                        <a:rPr lang="en-GB" sz="600" u="none" strike="noStrike">
+                          <a:effectLst/>
+                        </a:rPr>
+                        <a:t>Bangkok</a:t>
+                      </a:r>
+                      <a:endParaRPr lang="en-GB" sz="600" b="0" i="0" u="none" strike="noStrike">
+                        <a:solidFill>
+                          <a:srgbClr val="000000"/>
+                        </a:solidFill>
+                        <a:effectLst/>
+                        <a:latin typeface="Arial" panose="020B0604020202020204" pitchFamily="34" charset="0"/>
+                      </a:endParaRPr>
+                    </a:p>
+                  </a:txBody>
+                  <a:tcPr marL="6044" marR="6044" marT="6044" marB="0"/>
+                </a:tc>
+                <a:tc>
+                  <a:txBody>
+                    <a:bodyPr/>
+                    <a:lstStyle/>
+                    <a:p>
+                      <a:pPr algn="l" fontAlgn="ctr"/>
+                      <a:r>
+                        <a:rPr lang="en-GB" sz="600" u="none" strike="noStrike">
+                          <a:effectLst/>
+                        </a:rPr>
+                        <a:t>Bangkok</a:t>
+                      </a:r>
+                      <a:endParaRPr lang="en-GB" sz="600" b="0" i="0" u="none" strike="noStrike">
+                        <a:solidFill>
+                          <a:srgbClr val="000000"/>
+                        </a:solidFill>
+                        <a:effectLst/>
+                        <a:latin typeface="Arial" panose="020B0604020202020204" pitchFamily="34" charset="0"/>
+                      </a:endParaRPr>
+                    </a:p>
+                  </a:txBody>
+                  <a:tcPr marL="6044" marR="6044" marT="6044" marB="0" anchor="ctr"/>
+                </a:tc>
+                <a:tc>
+                  <a:txBody>
+                    <a:bodyPr/>
+                    <a:lstStyle/>
+                    <a:p>
+                      <a:pPr algn="r" fontAlgn="ctr"/>
+                      <a:r>
+                        <a:rPr lang="en-GB" sz="600" u="none" strike="noStrike">
+                          <a:effectLst/>
+                        </a:rPr>
+                        <a:t>5.674.202</a:t>
+                      </a:r>
+                      <a:endParaRPr lang="en-GB" sz="600" b="0" i="0" u="none" strike="noStrike">
+                        <a:solidFill>
+                          <a:srgbClr val="000000"/>
+                        </a:solidFill>
+                        <a:effectLst/>
+                        <a:latin typeface="Arial" panose="020B0604020202020204" pitchFamily="34" charset="0"/>
+                      </a:endParaRPr>
+                    </a:p>
+                  </a:txBody>
+                  <a:tcPr marL="6044" marR="6044" marT="6044" marB="0" anchor="ctr"/>
+                </a:tc>
+                <a:tc>
+                  <a:txBody>
+                    <a:bodyPr/>
+                    <a:lstStyle/>
+                    <a:p>
+                      <a:pPr algn="r" fontAlgn="ctr"/>
+                      <a:r>
+                        <a:rPr lang="en-GB" sz="600" u="none" strike="noStrike">
+                          <a:effectLst/>
+                        </a:rPr>
+                        <a:t>2.691.854</a:t>
+                      </a:r>
+                      <a:endParaRPr lang="en-GB" sz="600" b="0" i="0" u="none" strike="noStrike">
+                        <a:solidFill>
+                          <a:srgbClr val="000000"/>
+                        </a:solidFill>
+                        <a:effectLst/>
+                        <a:latin typeface="Arial" panose="020B0604020202020204" pitchFamily="34" charset="0"/>
+                      </a:endParaRPr>
+                    </a:p>
+                  </a:txBody>
+                  <a:tcPr marL="6044" marR="6044" marT="6044" marB="0" anchor="ctr"/>
+                </a:tc>
+                <a:tc>
+                  <a:txBody>
+                    <a:bodyPr/>
+                    <a:lstStyle/>
+                    <a:p>
+                      <a:pPr algn="r" fontAlgn="ctr"/>
+                      <a:r>
+                        <a:rPr lang="en-GB" sz="600" u="none" strike="noStrike" dirty="0">
+                          <a:effectLst/>
+                        </a:rPr>
+                        <a:t>2.982.348</a:t>
+                      </a:r>
+                      <a:endParaRPr lang="en-GB" sz="600" b="0" i="0" u="none" strike="noStrike" dirty="0">
+                        <a:solidFill>
+                          <a:srgbClr val="000000"/>
+                        </a:solidFill>
+                        <a:effectLst/>
+                        <a:latin typeface="Arial" panose="020B0604020202020204" pitchFamily="34" charset="0"/>
+                      </a:endParaRPr>
+                    </a:p>
+                  </a:txBody>
+                  <a:tcPr marL="6044" marR="6044" marT="6044" marB="0" anchor="ctr"/>
+                </a:tc>
+                <a:extLst>
+                  <a:ext uri="{0D108BD9-81ED-4DB2-BD59-A6C34878D82A}">
+                    <a16:rowId xmlns:a16="http://schemas.microsoft.com/office/drawing/2014/main" val="790942008"/>
+                  </a:ext>
+                </a:extLst>
+              </a:tr>
+              <a:tr h="253285">
+                <a:tc rowSpan="13">
+                  <a:txBody>
+                    <a:bodyPr/>
+                    <a:lstStyle/>
+                    <a:p>
+                      <a:pPr algn="l" fontAlgn="t"/>
+                      <a:r>
+                        <a:rPr lang="en-GB" sz="600" u="none" strike="noStrike" dirty="0">
+                          <a:effectLst/>
+                        </a:rPr>
+                        <a:t>Central Region</a:t>
+                      </a:r>
+                      <a:endParaRPr lang="en-GB" sz="600" b="0" i="0" u="none" strike="noStrike" dirty="0">
+                        <a:solidFill>
+                          <a:srgbClr val="000000"/>
+                        </a:solidFill>
+                        <a:effectLst/>
+                        <a:latin typeface="Arial" panose="020B0604020202020204" pitchFamily="34" charset="0"/>
+                      </a:endParaRPr>
+                    </a:p>
+                  </a:txBody>
+                  <a:tcPr marL="6044" marR="6044" marT="6044" marB="0"/>
+                </a:tc>
+                <a:tc>
+                  <a:txBody>
+                    <a:bodyPr/>
+                    <a:lstStyle/>
+                    <a:p>
+                      <a:pPr algn="l" fontAlgn="ctr"/>
+                      <a:r>
+                        <a:rPr lang="en-GB" sz="600" u="none" strike="noStrike">
+                          <a:effectLst/>
+                        </a:rPr>
+                        <a:t>Central Region</a:t>
+                      </a:r>
+                      <a:endParaRPr lang="en-GB" sz="600" b="0" i="0" u="none" strike="noStrike">
+                        <a:solidFill>
+                          <a:srgbClr val="000000"/>
+                        </a:solidFill>
+                        <a:effectLst/>
+                        <a:latin typeface="Arial" panose="020B0604020202020204" pitchFamily="34" charset="0"/>
+                      </a:endParaRPr>
+                    </a:p>
+                  </a:txBody>
+                  <a:tcPr marL="6044" marR="6044" marT="6044" marB="0" anchor="ctr"/>
+                </a:tc>
+                <a:tc>
+                  <a:txBody>
+                    <a:bodyPr/>
+                    <a:lstStyle/>
+                    <a:p>
+                      <a:pPr algn="r" fontAlgn="ctr"/>
+                      <a:r>
+                        <a:rPr lang="en-GB" sz="600" u="none" strike="noStrike">
+                          <a:effectLst/>
+                        </a:rPr>
+                        <a:t>16.141.516</a:t>
+                      </a:r>
+                      <a:endParaRPr lang="en-GB" sz="600" b="0" i="0" u="none" strike="noStrike">
+                        <a:solidFill>
+                          <a:srgbClr val="000000"/>
+                        </a:solidFill>
+                        <a:effectLst/>
+                        <a:latin typeface="Arial" panose="020B0604020202020204" pitchFamily="34" charset="0"/>
+                      </a:endParaRPr>
+                    </a:p>
+                  </a:txBody>
+                  <a:tcPr marL="6044" marR="6044" marT="6044" marB="0" anchor="ctr"/>
+                </a:tc>
+                <a:tc>
+                  <a:txBody>
+                    <a:bodyPr/>
+                    <a:lstStyle/>
+                    <a:p>
+                      <a:pPr algn="r" fontAlgn="ctr"/>
+                      <a:r>
+                        <a:rPr lang="en-GB" sz="600" u="none" strike="noStrike">
+                          <a:effectLst/>
+                        </a:rPr>
+                        <a:t>7.868.275</a:t>
+                      </a:r>
+                      <a:endParaRPr lang="en-GB" sz="600" b="0" i="0" u="none" strike="noStrike">
+                        <a:solidFill>
+                          <a:srgbClr val="000000"/>
+                        </a:solidFill>
+                        <a:effectLst/>
+                        <a:latin typeface="Arial" panose="020B0604020202020204" pitchFamily="34" charset="0"/>
+                      </a:endParaRPr>
+                    </a:p>
+                  </a:txBody>
+                  <a:tcPr marL="6044" marR="6044" marT="6044" marB="0" anchor="ctr"/>
+                </a:tc>
+                <a:tc>
+                  <a:txBody>
+                    <a:bodyPr/>
+                    <a:lstStyle/>
+                    <a:p>
+                      <a:pPr algn="r" fontAlgn="ctr"/>
+                      <a:r>
+                        <a:rPr lang="en-GB" sz="600" u="none" strike="noStrike">
+                          <a:effectLst/>
+                        </a:rPr>
+                        <a:t>8.273.241</a:t>
+                      </a:r>
+                      <a:endParaRPr lang="en-GB" sz="600" b="0" i="0" u="none" strike="noStrike">
+                        <a:solidFill>
+                          <a:srgbClr val="000000"/>
+                        </a:solidFill>
+                        <a:effectLst/>
+                        <a:latin typeface="Arial" panose="020B0604020202020204" pitchFamily="34" charset="0"/>
+                      </a:endParaRPr>
+                    </a:p>
+                  </a:txBody>
+                  <a:tcPr marL="6044" marR="6044" marT="6044" marB="0" anchor="ctr"/>
+                </a:tc>
+                <a:extLst>
+                  <a:ext uri="{0D108BD9-81ED-4DB2-BD59-A6C34878D82A}">
+                    <a16:rowId xmlns:a16="http://schemas.microsoft.com/office/drawing/2014/main" val="713432155"/>
+                  </a:ext>
+                </a:extLst>
+              </a:tr>
+              <a:tr h="253285">
+                <a:tc vMerge="1">
+                  <a:txBody>
+                    <a:bodyPr/>
+                    <a:lstStyle/>
+                    <a:p>
+                      <a:endParaRPr lang="en-GB"/>
+                    </a:p>
+                  </a:txBody>
+                  <a:tcPr/>
+                </a:tc>
+                <a:tc>
+                  <a:txBody>
+                    <a:bodyPr/>
+                    <a:lstStyle/>
+                    <a:p>
+                      <a:pPr algn="l" fontAlgn="ctr"/>
+                      <a:r>
+                        <a:rPr lang="en-GB" sz="600" u="none" strike="noStrike">
+                          <a:effectLst/>
+                        </a:rPr>
+                        <a:t>Samut Prakan</a:t>
+                      </a:r>
+                      <a:endParaRPr lang="en-GB" sz="600" b="0" i="0" u="none" strike="noStrike">
+                        <a:solidFill>
+                          <a:srgbClr val="000000"/>
+                        </a:solidFill>
+                        <a:effectLst/>
+                        <a:latin typeface="Arial" panose="020B0604020202020204" pitchFamily="34" charset="0"/>
+                      </a:endParaRPr>
+                    </a:p>
+                  </a:txBody>
+                  <a:tcPr marL="6044" marR="6044" marT="6044" marB="0" anchor="ctr"/>
+                </a:tc>
+                <a:tc>
+                  <a:txBody>
+                    <a:bodyPr/>
+                    <a:lstStyle/>
+                    <a:p>
+                      <a:pPr algn="r" fontAlgn="ctr"/>
+                      <a:r>
+                        <a:rPr lang="en-GB" sz="600" u="none" strike="noStrike">
+                          <a:effectLst/>
+                        </a:rPr>
+                        <a:t>1.213.262</a:t>
+                      </a:r>
+                      <a:endParaRPr lang="en-GB" sz="600" b="0" i="0" u="none" strike="noStrike">
+                        <a:solidFill>
+                          <a:srgbClr val="000000"/>
+                        </a:solidFill>
+                        <a:effectLst/>
+                        <a:latin typeface="Arial" panose="020B0604020202020204" pitchFamily="34" charset="0"/>
+                      </a:endParaRPr>
+                    </a:p>
+                  </a:txBody>
+                  <a:tcPr marL="6044" marR="6044" marT="6044" marB="0" anchor="ctr"/>
+                </a:tc>
+                <a:tc>
+                  <a:txBody>
+                    <a:bodyPr/>
+                    <a:lstStyle/>
+                    <a:p>
+                      <a:pPr algn="r" fontAlgn="ctr"/>
+                      <a:r>
+                        <a:rPr lang="en-GB" sz="600" u="none" strike="noStrike">
+                          <a:effectLst/>
+                        </a:rPr>
+                        <a:t>584.451</a:t>
+                      </a:r>
+                      <a:endParaRPr lang="en-GB" sz="600" b="0" i="0" u="none" strike="noStrike">
+                        <a:solidFill>
+                          <a:srgbClr val="000000"/>
+                        </a:solidFill>
+                        <a:effectLst/>
+                        <a:latin typeface="Arial" panose="020B0604020202020204" pitchFamily="34" charset="0"/>
+                      </a:endParaRPr>
+                    </a:p>
+                  </a:txBody>
+                  <a:tcPr marL="6044" marR="6044" marT="6044" marB="0" anchor="ctr"/>
+                </a:tc>
+                <a:tc>
+                  <a:txBody>
+                    <a:bodyPr/>
+                    <a:lstStyle/>
+                    <a:p>
+                      <a:pPr algn="r" fontAlgn="ctr"/>
+                      <a:r>
+                        <a:rPr lang="en-GB" sz="600" u="none" strike="noStrike">
+                          <a:effectLst/>
+                        </a:rPr>
+                        <a:t>628.811</a:t>
+                      </a:r>
+                      <a:endParaRPr lang="en-GB" sz="600" b="0" i="0" u="none" strike="noStrike">
+                        <a:solidFill>
+                          <a:srgbClr val="000000"/>
+                        </a:solidFill>
+                        <a:effectLst/>
+                        <a:latin typeface="Arial" panose="020B0604020202020204" pitchFamily="34" charset="0"/>
+                      </a:endParaRPr>
+                    </a:p>
+                  </a:txBody>
+                  <a:tcPr marL="6044" marR="6044" marT="6044" marB="0" anchor="ctr"/>
+                </a:tc>
+                <a:extLst>
+                  <a:ext uri="{0D108BD9-81ED-4DB2-BD59-A6C34878D82A}">
+                    <a16:rowId xmlns:a16="http://schemas.microsoft.com/office/drawing/2014/main" val="3140184081"/>
+                  </a:ext>
+                </a:extLst>
+              </a:tr>
+              <a:tr h="253285">
+                <a:tc vMerge="1">
+                  <a:txBody>
+                    <a:bodyPr/>
+                    <a:lstStyle/>
+                    <a:p>
+                      <a:endParaRPr lang="en-GB"/>
+                    </a:p>
+                  </a:txBody>
+                  <a:tcPr/>
+                </a:tc>
+                <a:tc>
+                  <a:txBody>
+                    <a:bodyPr/>
+                    <a:lstStyle/>
+                    <a:p>
+                      <a:pPr algn="l" fontAlgn="ctr"/>
+                      <a:r>
+                        <a:rPr lang="en-GB" sz="600" u="none" strike="noStrike">
+                          <a:effectLst/>
+                        </a:rPr>
+                        <a:t>Nonthaburi</a:t>
+                      </a:r>
+                      <a:endParaRPr lang="en-GB" sz="600" b="0" i="0" u="none" strike="noStrike">
+                        <a:solidFill>
+                          <a:srgbClr val="000000"/>
+                        </a:solidFill>
+                        <a:effectLst/>
+                        <a:latin typeface="Arial" panose="020B0604020202020204" pitchFamily="34" charset="0"/>
+                      </a:endParaRPr>
+                    </a:p>
+                  </a:txBody>
+                  <a:tcPr marL="6044" marR="6044" marT="6044" marB="0" anchor="ctr"/>
+                </a:tc>
+                <a:tc>
+                  <a:txBody>
+                    <a:bodyPr/>
+                    <a:lstStyle/>
+                    <a:p>
+                      <a:pPr algn="r" fontAlgn="ctr"/>
+                      <a:r>
+                        <a:rPr lang="en-GB" sz="600" u="none" strike="noStrike">
+                          <a:effectLst/>
+                        </a:rPr>
+                        <a:t>1.132.150</a:t>
+                      </a:r>
+                      <a:endParaRPr lang="en-GB" sz="600" b="0" i="0" u="none" strike="noStrike">
+                        <a:solidFill>
+                          <a:srgbClr val="000000"/>
+                        </a:solidFill>
+                        <a:effectLst/>
+                        <a:latin typeface="Arial" panose="020B0604020202020204" pitchFamily="34" charset="0"/>
+                      </a:endParaRPr>
+                    </a:p>
+                  </a:txBody>
+                  <a:tcPr marL="6044" marR="6044" marT="6044" marB="0" anchor="ctr"/>
+                </a:tc>
+                <a:tc>
+                  <a:txBody>
+                    <a:bodyPr/>
+                    <a:lstStyle/>
+                    <a:p>
+                      <a:pPr algn="r" fontAlgn="ctr"/>
+                      <a:r>
+                        <a:rPr lang="en-GB" sz="600" u="none" strike="noStrike">
+                          <a:effectLst/>
+                        </a:rPr>
+                        <a:t>531.490</a:t>
+                      </a:r>
+                      <a:endParaRPr lang="en-GB" sz="600" b="0" i="0" u="none" strike="noStrike">
+                        <a:solidFill>
+                          <a:srgbClr val="000000"/>
+                        </a:solidFill>
+                        <a:effectLst/>
+                        <a:latin typeface="Arial" panose="020B0604020202020204" pitchFamily="34" charset="0"/>
+                      </a:endParaRPr>
+                    </a:p>
+                  </a:txBody>
+                  <a:tcPr marL="6044" marR="6044" marT="6044" marB="0" anchor="ctr"/>
+                </a:tc>
+                <a:tc>
+                  <a:txBody>
+                    <a:bodyPr/>
+                    <a:lstStyle/>
+                    <a:p>
+                      <a:pPr algn="r" fontAlgn="ctr"/>
+                      <a:r>
+                        <a:rPr lang="en-GB" sz="600" u="none" strike="noStrike">
+                          <a:effectLst/>
+                        </a:rPr>
+                        <a:t>600.660</a:t>
+                      </a:r>
+                      <a:endParaRPr lang="en-GB" sz="600" b="0" i="0" u="none" strike="noStrike">
+                        <a:solidFill>
+                          <a:srgbClr val="000000"/>
+                        </a:solidFill>
+                        <a:effectLst/>
+                        <a:latin typeface="Arial" panose="020B0604020202020204" pitchFamily="34" charset="0"/>
+                      </a:endParaRPr>
+                    </a:p>
+                  </a:txBody>
+                  <a:tcPr marL="6044" marR="6044" marT="6044" marB="0" anchor="ctr"/>
+                </a:tc>
+                <a:extLst>
+                  <a:ext uri="{0D108BD9-81ED-4DB2-BD59-A6C34878D82A}">
+                    <a16:rowId xmlns:a16="http://schemas.microsoft.com/office/drawing/2014/main" val="1585775534"/>
+                  </a:ext>
+                </a:extLst>
+              </a:tr>
+              <a:tr h="253285">
+                <a:tc vMerge="1">
+                  <a:txBody>
+                    <a:bodyPr/>
+                    <a:lstStyle/>
+                    <a:p>
+                      <a:endParaRPr lang="en-GB"/>
+                    </a:p>
+                  </a:txBody>
+                  <a:tcPr/>
+                </a:tc>
+                <a:tc>
+                  <a:txBody>
+                    <a:bodyPr/>
+                    <a:lstStyle/>
+                    <a:p>
+                      <a:pPr algn="l" fontAlgn="ctr"/>
+                      <a:r>
+                        <a:rPr lang="en-GB" sz="600" u="none" strike="noStrike">
+                          <a:effectLst/>
+                        </a:rPr>
+                        <a:t>Pathum Thani</a:t>
+                      </a:r>
+                      <a:endParaRPr lang="en-GB" sz="600" b="0" i="0" u="none" strike="noStrike">
+                        <a:solidFill>
+                          <a:srgbClr val="000000"/>
+                        </a:solidFill>
+                        <a:effectLst/>
+                        <a:latin typeface="Arial" panose="020B0604020202020204" pitchFamily="34" charset="0"/>
+                      </a:endParaRPr>
+                    </a:p>
+                  </a:txBody>
+                  <a:tcPr marL="6044" marR="6044" marT="6044" marB="0" anchor="ctr"/>
+                </a:tc>
+                <a:tc>
+                  <a:txBody>
+                    <a:bodyPr/>
+                    <a:lstStyle/>
+                    <a:p>
+                      <a:pPr algn="r" fontAlgn="ctr"/>
+                      <a:r>
+                        <a:rPr lang="en-GB" sz="600" u="none" strike="noStrike">
+                          <a:effectLst/>
+                        </a:rPr>
+                        <a:t>1.022.367</a:t>
+                      </a:r>
+                      <a:endParaRPr lang="en-GB" sz="600" b="0" i="0" u="none" strike="noStrike">
+                        <a:solidFill>
+                          <a:srgbClr val="000000"/>
+                        </a:solidFill>
+                        <a:effectLst/>
+                        <a:latin typeface="Arial" panose="020B0604020202020204" pitchFamily="34" charset="0"/>
+                      </a:endParaRPr>
+                    </a:p>
+                  </a:txBody>
+                  <a:tcPr marL="6044" marR="6044" marT="6044" marB="0" anchor="ctr"/>
+                </a:tc>
+                <a:tc>
+                  <a:txBody>
+                    <a:bodyPr/>
+                    <a:lstStyle/>
+                    <a:p>
+                      <a:pPr algn="r" fontAlgn="ctr"/>
+                      <a:r>
+                        <a:rPr lang="en-GB" sz="600" u="none" strike="noStrike">
+                          <a:effectLst/>
+                        </a:rPr>
+                        <a:t>485.795</a:t>
+                      </a:r>
+                      <a:endParaRPr lang="en-GB" sz="600" b="0" i="0" u="none" strike="noStrike">
+                        <a:solidFill>
+                          <a:srgbClr val="000000"/>
+                        </a:solidFill>
+                        <a:effectLst/>
+                        <a:latin typeface="Arial" panose="020B0604020202020204" pitchFamily="34" charset="0"/>
+                      </a:endParaRPr>
+                    </a:p>
+                  </a:txBody>
+                  <a:tcPr marL="6044" marR="6044" marT="6044" marB="0" anchor="ctr"/>
+                </a:tc>
+                <a:tc>
+                  <a:txBody>
+                    <a:bodyPr/>
+                    <a:lstStyle/>
+                    <a:p>
+                      <a:pPr algn="r" fontAlgn="ctr"/>
+                      <a:r>
+                        <a:rPr lang="en-GB" sz="600" u="none" strike="noStrike">
+                          <a:effectLst/>
+                        </a:rPr>
+                        <a:t>536.572</a:t>
+                      </a:r>
+                      <a:endParaRPr lang="en-GB" sz="600" b="0" i="0" u="none" strike="noStrike">
+                        <a:solidFill>
+                          <a:srgbClr val="000000"/>
+                        </a:solidFill>
+                        <a:effectLst/>
+                        <a:latin typeface="Arial" panose="020B0604020202020204" pitchFamily="34" charset="0"/>
+                      </a:endParaRPr>
+                    </a:p>
+                  </a:txBody>
+                  <a:tcPr marL="6044" marR="6044" marT="6044" marB="0" anchor="ctr"/>
+                </a:tc>
+                <a:extLst>
+                  <a:ext uri="{0D108BD9-81ED-4DB2-BD59-A6C34878D82A}">
+                    <a16:rowId xmlns:a16="http://schemas.microsoft.com/office/drawing/2014/main" val="1680616967"/>
+                  </a:ext>
+                </a:extLst>
+              </a:tr>
+              <a:tr h="253285">
+                <a:tc vMerge="1">
+                  <a:txBody>
+                    <a:bodyPr/>
+                    <a:lstStyle/>
+                    <a:p>
+                      <a:endParaRPr lang="en-GB"/>
+                    </a:p>
+                  </a:txBody>
+                  <a:tcPr/>
+                </a:tc>
+                <a:tc>
+                  <a:txBody>
+                    <a:bodyPr/>
+                    <a:lstStyle/>
+                    <a:p>
+                      <a:pPr algn="l" fontAlgn="ctr"/>
+                      <a:r>
+                        <a:rPr lang="en-GB" sz="600" u="none" strike="noStrike" dirty="0" err="1">
+                          <a:effectLst/>
+                        </a:rPr>
+                        <a:t>Phra</a:t>
+                      </a:r>
+                      <a:r>
+                        <a:rPr lang="en-GB" sz="600" u="none" strike="noStrike" dirty="0">
+                          <a:effectLst/>
+                        </a:rPr>
+                        <a:t> Nakhon Si Ayutthaya</a:t>
+                      </a:r>
+                      <a:endParaRPr lang="en-GB" sz="600" b="0" i="0" u="none" strike="noStrike" dirty="0">
+                        <a:solidFill>
+                          <a:srgbClr val="000000"/>
+                        </a:solidFill>
+                        <a:effectLst/>
+                        <a:latin typeface="Arial" panose="020B0604020202020204" pitchFamily="34" charset="0"/>
+                      </a:endParaRPr>
+                    </a:p>
+                  </a:txBody>
+                  <a:tcPr marL="6044" marR="6044" marT="6044" marB="0" anchor="ctr"/>
+                </a:tc>
+                <a:tc>
+                  <a:txBody>
+                    <a:bodyPr/>
+                    <a:lstStyle/>
+                    <a:p>
+                      <a:pPr algn="r" fontAlgn="ctr"/>
+                      <a:r>
+                        <a:rPr lang="en-GB" sz="600" u="none" strike="noStrike">
+                          <a:effectLst/>
+                        </a:rPr>
+                        <a:t>790.581</a:t>
+                      </a:r>
+                      <a:endParaRPr lang="en-GB" sz="600" b="0" i="0" u="none" strike="noStrike">
+                        <a:solidFill>
+                          <a:srgbClr val="000000"/>
+                        </a:solidFill>
+                        <a:effectLst/>
+                        <a:latin typeface="Arial" panose="020B0604020202020204" pitchFamily="34" charset="0"/>
+                      </a:endParaRPr>
+                    </a:p>
+                  </a:txBody>
+                  <a:tcPr marL="6044" marR="6044" marT="6044" marB="0" anchor="ctr"/>
+                </a:tc>
+                <a:tc>
+                  <a:txBody>
+                    <a:bodyPr/>
+                    <a:lstStyle/>
+                    <a:p>
+                      <a:pPr algn="r" fontAlgn="ctr"/>
+                      <a:r>
+                        <a:rPr lang="en-GB" sz="600" u="none" strike="noStrike">
+                          <a:effectLst/>
+                        </a:rPr>
+                        <a:t>381.626</a:t>
+                      </a:r>
+                      <a:endParaRPr lang="en-GB" sz="600" b="0" i="0" u="none" strike="noStrike">
+                        <a:solidFill>
+                          <a:srgbClr val="000000"/>
+                        </a:solidFill>
+                        <a:effectLst/>
+                        <a:latin typeface="Arial" panose="020B0604020202020204" pitchFamily="34" charset="0"/>
+                      </a:endParaRPr>
+                    </a:p>
+                  </a:txBody>
+                  <a:tcPr marL="6044" marR="6044" marT="6044" marB="0" anchor="ctr"/>
+                </a:tc>
+                <a:tc>
+                  <a:txBody>
+                    <a:bodyPr/>
+                    <a:lstStyle/>
+                    <a:p>
+                      <a:pPr algn="r" fontAlgn="ctr"/>
+                      <a:r>
+                        <a:rPr lang="en-GB" sz="600" u="none" strike="noStrike">
+                          <a:effectLst/>
+                        </a:rPr>
+                        <a:t>408.955</a:t>
+                      </a:r>
+                      <a:endParaRPr lang="en-GB" sz="600" b="0" i="0" u="none" strike="noStrike">
+                        <a:solidFill>
+                          <a:srgbClr val="000000"/>
+                        </a:solidFill>
+                        <a:effectLst/>
+                        <a:latin typeface="Arial" panose="020B0604020202020204" pitchFamily="34" charset="0"/>
+                      </a:endParaRPr>
+                    </a:p>
+                  </a:txBody>
+                  <a:tcPr marL="6044" marR="6044" marT="6044" marB="0" anchor="ctr"/>
+                </a:tc>
+                <a:extLst>
+                  <a:ext uri="{0D108BD9-81ED-4DB2-BD59-A6C34878D82A}">
+                    <a16:rowId xmlns:a16="http://schemas.microsoft.com/office/drawing/2014/main" val="3047531670"/>
+                  </a:ext>
+                </a:extLst>
+              </a:tr>
+              <a:tr h="253285">
+                <a:tc vMerge="1">
+                  <a:txBody>
+                    <a:bodyPr/>
+                    <a:lstStyle/>
+                    <a:p>
+                      <a:endParaRPr lang="en-GB"/>
+                    </a:p>
+                  </a:txBody>
+                  <a:tcPr/>
+                </a:tc>
+                <a:tc>
+                  <a:txBody>
+                    <a:bodyPr/>
+                    <a:lstStyle/>
+                    <a:p>
+                      <a:pPr algn="l" fontAlgn="ctr"/>
+                      <a:r>
+                        <a:rPr lang="en-GB" sz="600" u="none" strike="noStrike">
+                          <a:effectLst/>
+                        </a:rPr>
+                        <a:t>Ang Thong</a:t>
+                      </a:r>
+                      <a:endParaRPr lang="en-GB" sz="600" b="0" i="0" u="none" strike="noStrike">
+                        <a:solidFill>
+                          <a:srgbClr val="000000"/>
+                        </a:solidFill>
+                        <a:effectLst/>
+                        <a:latin typeface="Arial" panose="020B0604020202020204" pitchFamily="34" charset="0"/>
+                      </a:endParaRPr>
+                    </a:p>
+                  </a:txBody>
+                  <a:tcPr marL="6044" marR="6044" marT="6044" marB="0" anchor="ctr"/>
+                </a:tc>
+                <a:tc>
+                  <a:txBody>
+                    <a:bodyPr/>
+                    <a:lstStyle/>
+                    <a:p>
+                      <a:pPr algn="r" fontAlgn="ctr"/>
+                      <a:r>
+                        <a:rPr lang="en-GB" sz="600" u="none" strike="noStrike">
+                          <a:effectLst/>
+                        </a:rPr>
+                        <a:t>283.972</a:t>
+                      </a:r>
+                      <a:endParaRPr lang="en-GB" sz="600" b="0" i="0" u="none" strike="noStrike">
+                        <a:solidFill>
+                          <a:srgbClr val="000000"/>
+                        </a:solidFill>
+                        <a:effectLst/>
+                        <a:latin typeface="Arial" panose="020B0604020202020204" pitchFamily="34" charset="0"/>
+                      </a:endParaRPr>
+                    </a:p>
+                  </a:txBody>
+                  <a:tcPr marL="6044" marR="6044" marT="6044" marB="0" anchor="ctr"/>
+                </a:tc>
+                <a:tc>
+                  <a:txBody>
+                    <a:bodyPr/>
+                    <a:lstStyle/>
+                    <a:p>
+                      <a:pPr algn="r" fontAlgn="ctr"/>
+                      <a:r>
+                        <a:rPr lang="en-GB" sz="600" u="none" strike="noStrike">
+                          <a:effectLst/>
+                        </a:rPr>
+                        <a:t>136.278</a:t>
+                      </a:r>
+                      <a:endParaRPr lang="en-GB" sz="600" b="0" i="0" u="none" strike="noStrike">
+                        <a:solidFill>
+                          <a:srgbClr val="000000"/>
+                        </a:solidFill>
+                        <a:effectLst/>
+                        <a:latin typeface="Arial" panose="020B0604020202020204" pitchFamily="34" charset="0"/>
+                      </a:endParaRPr>
+                    </a:p>
+                  </a:txBody>
+                  <a:tcPr marL="6044" marR="6044" marT="6044" marB="0" anchor="ctr"/>
+                </a:tc>
+                <a:tc>
+                  <a:txBody>
+                    <a:bodyPr/>
+                    <a:lstStyle/>
+                    <a:p>
+                      <a:pPr algn="r" fontAlgn="ctr"/>
+                      <a:r>
+                        <a:rPr lang="en-GB" sz="600" u="none" strike="noStrike">
+                          <a:effectLst/>
+                        </a:rPr>
+                        <a:t>147.694</a:t>
+                      </a:r>
+                      <a:endParaRPr lang="en-GB" sz="600" b="0" i="0" u="none" strike="noStrike">
+                        <a:solidFill>
+                          <a:srgbClr val="000000"/>
+                        </a:solidFill>
+                        <a:effectLst/>
+                        <a:latin typeface="Arial" panose="020B0604020202020204" pitchFamily="34" charset="0"/>
+                      </a:endParaRPr>
+                    </a:p>
+                  </a:txBody>
+                  <a:tcPr marL="6044" marR="6044" marT="6044" marB="0" anchor="ctr"/>
+                </a:tc>
+                <a:extLst>
+                  <a:ext uri="{0D108BD9-81ED-4DB2-BD59-A6C34878D82A}">
+                    <a16:rowId xmlns:a16="http://schemas.microsoft.com/office/drawing/2014/main" val="1793322892"/>
+                  </a:ext>
+                </a:extLst>
+              </a:tr>
+              <a:tr h="253285">
+                <a:tc vMerge="1">
+                  <a:txBody>
+                    <a:bodyPr/>
+                    <a:lstStyle/>
+                    <a:p>
+                      <a:endParaRPr lang="en-GB"/>
+                    </a:p>
+                  </a:txBody>
+                  <a:tcPr/>
+                </a:tc>
+                <a:tc>
+                  <a:txBody>
+                    <a:bodyPr/>
+                    <a:lstStyle/>
+                    <a:p>
+                      <a:pPr algn="l" fontAlgn="ctr"/>
+                      <a:r>
+                        <a:rPr lang="en-GB" sz="600" u="none" strike="noStrike">
+                          <a:effectLst/>
+                        </a:rPr>
+                        <a:t>Lop Buri</a:t>
+                      </a:r>
+                      <a:endParaRPr lang="en-GB" sz="600" b="0" i="0" u="none" strike="noStrike">
+                        <a:solidFill>
+                          <a:srgbClr val="000000"/>
+                        </a:solidFill>
+                        <a:effectLst/>
+                        <a:latin typeface="Arial" panose="020B0604020202020204" pitchFamily="34" charset="0"/>
+                      </a:endParaRPr>
+                    </a:p>
+                  </a:txBody>
+                  <a:tcPr marL="6044" marR="6044" marT="6044" marB="0" anchor="ctr"/>
+                </a:tc>
+                <a:tc>
+                  <a:txBody>
+                    <a:bodyPr/>
+                    <a:lstStyle/>
+                    <a:p>
+                      <a:pPr algn="r" fontAlgn="ctr"/>
+                      <a:r>
+                        <a:rPr lang="en-GB" sz="600" u="none" strike="noStrike">
+                          <a:effectLst/>
+                        </a:rPr>
+                        <a:t>757.093</a:t>
+                      </a:r>
+                      <a:endParaRPr lang="en-GB" sz="600" b="0" i="0" u="none" strike="noStrike">
+                        <a:solidFill>
+                          <a:srgbClr val="000000"/>
+                        </a:solidFill>
+                        <a:effectLst/>
+                        <a:latin typeface="Arial" panose="020B0604020202020204" pitchFamily="34" charset="0"/>
+                      </a:endParaRPr>
+                    </a:p>
+                  </a:txBody>
+                  <a:tcPr marL="6044" marR="6044" marT="6044" marB="0" anchor="ctr"/>
+                </a:tc>
+                <a:tc>
+                  <a:txBody>
+                    <a:bodyPr/>
+                    <a:lstStyle/>
+                    <a:p>
+                      <a:pPr algn="r" fontAlgn="ctr"/>
+                      <a:r>
+                        <a:rPr lang="en-GB" sz="600" u="none" strike="noStrike">
+                          <a:effectLst/>
+                        </a:rPr>
+                        <a:t>380.213</a:t>
+                      </a:r>
+                      <a:endParaRPr lang="en-GB" sz="600" b="0" i="0" u="none" strike="noStrike">
+                        <a:solidFill>
+                          <a:srgbClr val="000000"/>
+                        </a:solidFill>
+                        <a:effectLst/>
+                        <a:latin typeface="Arial" panose="020B0604020202020204" pitchFamily="34" charset="0"/>
+                      </a:endParaRPr>
+                    </a:p>
+                  </a:txBody>
+                  <a:tcPr marL="6044" marR="6044" marT="6044" marB="0" anchor="ctr"/>
+                </a:tc>
+                <a:tc>
+                  <a:txBody>
+                    <a:bodyPr/>
+                    <a:lstStyle/>
+                    <a:p>
+                      <a:pPr algn="r" fontAlgn="ctr"/>
+                      <a:r>
+                        <a:rPr lang="en-GB" sz="600" u="none" strike="noStrike">
+                          <a:effectLst/>
+                        </a:rPr>
+                        <a:t>376.880</a:t>
+                      </a:r>
+                      <a:endParaRPr lang="en-GB" sz="600" b="0" i="0" u="none" strike="noStrike">
+                        <a:solidFill>
+                          <a:srgbClr val="000000"/>
+                        </a:solidFill>
+                        <a:effectLst/>
+                        <a:latin typeface="Arial" panose="020B0604020202020204" pitchFamily="34" charset="0"/>
+                      </a:endParaRPr>
+                    </a:p>
+                  </a:txBody>
+                  <a:tcPr marL="6044" marR="6044" marT="6044" marB="0" anchor="ctr"/>
+                </a:tc>
+                <a:extLst>
+                  <a:ext uri="{0D108BD9-81ED-4DB2-BD59-A6C34878D82A}">
+                    <a16:rowId xmlns:a16="http://schemas.microsoft.com/office/drawing/2014/main" val="1307828188"/>
+                  </a:ext>
+                </a:extLst>
+              </a:tr>
+              <a:tr h="253285">
+                <a:tc vMerge="1">
+                  <a:txBody>
+                    <a:bodyPr/>
+                    <a:lstStyle/>
+                    <a:p>
+                      <a:endParaRPr lang="en-GB"/>
+                    </a:p>
+                  </a:txBody>
+                  <a:tcPr/>
+                </a:tc>
+                <a:tc>
+                  <a:txBody>
+                    <a:bodyPr/>
+                    <a:lstStyle/>
+                    <a:p>
+                      <a:pPr algn="l" fontAlgn="ctr"/>
+                      <a:r>
+                        <a:rPr lang="en-GB" sz="600" u="none" strike="noStrike">
+                          <a:effectLst/>
+                        </a:rPr>
+                        <a:t>Sing Buri</a:t>
+                      </a:r>
+                      <a:endParaRPr lang="en-GB" sz="600" b="0" i="0" u="none" strike="noStrike">
+                        <a:solidFill>
+                          <a:srgbClr val="000000"/>
+                        </a:solidFill>
+                        <a:effectLst/>
+                        <a:latin typeface="Arial" panose="020B0604020202020204" pitchFamily="34" charset="0"/>
+                      </a:endParaRPr>
+                    </a:p>
+                  </a:txBody>
+                  <a:tcPr marL="6044" marR="6044" marT="6044" marB="0" anchor="ctr"/>
+                </a:tc>
+                <a:tc>
+                  <a:txBody>
+                    <a:bodyPr/>
+                    <a:lstStyle/>
+                    <a:p>
+                      <a:pPr algn="r" fontAlgn="ctr"/>
+                      <a:r>
+                        <a:rPr lang="en-GB" sz="600" u="none" strike="noStrike">
+                          <a:effectLst/>
+                        </a:rPr>
+                        <a:t>213.402</a:t>
+                      </a:r>
+                      <a:endParaRPr lang="en-GB" sz="600" b="0" i="0" u="none" strike="noStrike">
+                        <a:solidFill>
+                          <a:srgbClr val="000000"/>
+                        </a:solidFill>
+                        <a:effectLst/>
+                        <a:latin typeface="Arial" panose="020B0604020202020204" pitchFamily="34" charset="0"/>
+                      </a:endParaRPr>
+                    </a:p>
+                  </a:txBody>
+                  <a:tcPr marL="6044" marR="6044" marT="6044" marB="0" anchor="ctr"/>
+                </a:tc>
+                <a:tc>
+                  <a:txBody>
+                    <a:bodyPr/>
+                    <a:lstStyle/>
+                    <a:p>
+                      <a:pPr algn="r" fontAlgn="ctr"/>
+                      <a:r>
+                        <a:rPr lang="en-GB" sz="600" u="none" strike="noStrike">
+                          <a:effectLst/>
+                        </a:rPr>
+                        <a:t>101.838</a:t>
+                      </a:r>
+                      <a:endParaRPr lang="en-GB" sz="600" b="0" i="0" u="none" strike="noStrike">
+                        <a:solidFill>
+                          <a:srgbClr val="000000"/>
+                        </a:solidFill>
+                        <a:effectLst/>
+                        <a:latin typeface="Arial" panose="020B0604020202020204" pitchFamily="34" charset="0"/>
+                      </a:endParaRPr>
+                    </a:p>
+                  </a:txBody>
+                  <a:tcPr marL="6044" marR="6044" marT="6044" marB="0" anchor="ctr"/>
+                </a:tc>
+                <a:tc>
+                  <a:txBody>
+                    <a:bodyPr/>
+                    <a:lstStyle/>
+                    <a:p>
+                      <a:pPr algn="r" fontAlgn="ctr"/>
+                      <a:r>
+                        <a:rPr lang="en-GB" sz="600" u="none" strike="noStrike">
+                          <a:effectLst/>
+                        </a:rPr>
+                        <a:t>111.564</a:t>
+                      </a:r>
+                      <a:endParaRPr lang="en-GB" sz="600" b="0" i="0" u="none" strike="noStrike">
+                        <a:solidFill>
+                          <a:srgbClr val="000000"/>
+                        </a:solidFill>
+                        <a:effectLst/>
+                        <a:latin typeface="Arial" panose="020B0604020202020204" pitchFamily="34" charset="0"/>
+                      </a:endParaRPr>
+                    </a:p>
+                  </a:txBody>
+                  <a:tcPr marL="6044" marR="6044" marT="6044" marB="0" anchor="ctr"/>
+                </a:tc>
+                <a:extLst>
+                  <a:ext uri="{0D108BD9-81ED-4DB2-BD59-A6C34878D82A}">
+                    <a16:rowId xmlns:a16="http://schemas.microsoft.com/office/drawing/2014/main" val="974688544"/>
+                  </a:ext>
+                </a:extLst>
+              </a:tr>
+              <a:tr h="253285">
+                <a:tc vMerge="1">
+                  <a:txBody>
+                    <a:bodyPr/>
+                    <a:lstStyle/>
+                    <a:p>
+                      <a:endParaRPr lang="en-GB"/>
+                    </a:p>
+                  </a:txBody>
+                  <a:tcPr/>
+                </a:tc>
+                <a:tc>
+                  <a:txBody>
+                    <a:bodyPr/>
+                    <a:lstStyle/>
+                    <a:p>
+                      <a:pPr algn="l" fontAlgn="ctr"/>
+                      <a:r>
+                        <a:rPr lang="en-GB" sz="600" u="none" strike="noStrike" dirty="0">
+                          <a:effectLst/>
+                        </a:rPr>
+                        <a:t>Chai Nat</a:t>
+                      </a:r>
+                      <a:endParaRPr lang="en-GB" sz="600" b="0" i="0" u="none" strike="noStrike" dirty="0">
+                        <a:solidFill>
+                          <a:srgbClr val="000000"/>
+                        </a:solidFill>
+                        <a:effectLst/>
+                        <a:latin typeface="Arial" panose="020B0604020202020204" pitchFamily="34" charset="0"/>
+                      </a:endParaRPr>
+                    </a:p>
+                  </a:txBody>
+                  <a:tcPr marL="6044" marR="6044" marT="6044" marB="0" anchor="ctr"/>
+                </a:tc>
+                <a:tc>
+                  <a:txBody>
+                    <a:bodyPr/>
+                    <a:lstStyle/>
+                    <a:p>
+                      <a:pPr algn="r" fontAlgn="ctr"/>
+                      <a:r>
+                        <a:rPr lang="en-GB" sz="600" u="none" strike="noStrike">
+                          <a:effectLst/>
+                        </a:rPr>
+                        <a:t>333.214</a:t>
+                      </a:r>
+                      <a:endParaRPr lang="en-GB" sz="600" b="0" i="0" u="none" strike="noStrike">
+                        <a:solidFill>
+                          <a:srgbClr val="000000"/>
+                        </a:solidFill>
+                        <a:effectLst/>
+                        <a:latin typeface="Arial" panose="020B0604020202020204" pitchFamily="34" charset="0"/>
+                      </a:endParaRPr>
+                    </a:p>
+                  </a:txBody>
+                  <a:tcPr marL="6044" marR="6044" marT="6044" marB="0" anchor="ctr"/>
+                </a:tc>
+                <a:tc>
+                  <a:txBody>
+                    <a:bodyPr/>
+                    <a:lstStyle/>
+                    <a:p>
+                      <a:pPr algn="r" fontAlgn="ctr"/>
+                      <a:r>
+                        <a:rPr lang="en-GB" sz="600" u="none" strike="noStrike">
+                          <a:effectLst/>
+                        </a:rPr>
+                        <a:t>160.827</a:t>
+                      </a:r>
+                      <a:endParaRPr lang="en-GB" sz="600" b="0" i="0" u="none" strike="noStrike">
+                        <a:solidFill>
+                          <a:srgbClr val="000000"/>
+                        </a:solidFill>
+                        <a:effectLst/>
+                        <a:latin typeface="Arial" panose="020B0604020202020204" pitchFamily="34" charset="0"/>
+                      </a:endParaRPr>
+                    </a:p>
+                  </a:txBody>
+                  <a:tcPr marL="6044" marR="6044" marT="6044" marB="0" anchor="ctr"/>
+                </a:tc>
+                <a:tc>
+                  <a:txBody>
+                    <a:bodyPr/>
+                    <a:lstStyle/>
+                    <a:p>
+                      <a:pPr algn="r" fontAlgn="ctr"/>
+                      <a:r>
+                        <a:rPr lang="en-GB" sz="600" u="none" strike="noStrike">
+                          <a:effectLst/>
+                        </a:rPr>
+                        <a:t>172.387</a:t>
+                      </a:r>
+                      <a:endParaRPr lang="en-GB" sz="600" b="0" i="0" u="none" strike="noStrike">
+                        <a:solidFill>
+                          <a:srgbClr val="000000"/>
+                        </a:solidFill>
+                        <a:effectLst/>
+                        <a:latin typeface="Arial" panose="020B0604020202020204" pitchFamily="34" charset="0"/>
+                      </a:endParaRPr>
+                    </a:p>
+                  </a:txBody>
+                  <a:tcPr marL="6044" marR="6044" marT="6044" marB="0" anchor="ctr"/>
+                </a:tc>
+                <a:extLst>
+                  <a:ext uri="{0D108BD9-81ED-4DB2-BD59-A6C34878D82A}">
+                    <a16:rowId xmlns:a16="http://schemas.microsoft.com/office/drawing/2014/main" val="922537515"/>
+                  </a:ext>
+                </a:extLst>
+              </a:tr>
+              <a:tr h="253285">
+                <a:tc vMerge="1">
+                  <a:txBody>
+                    <a:bodyPr/>
+                    <a:lstStyle/>
+                    <a:p>
+                      <a:endParaRPr lang="en-GB"/>
+                    </a:p>
+                  </a:txBody>
+                  <a:tcPr/>
+                </a:tc>
+                <a:tc>
+                  <a:txBody>
+                    <a:bodyPr/>
+                    <a:lstStyle/>
+                    <a:p>
+                      <a:pPr algn="l" fontAlgn="ctr"/>
+                      <a:r>
+                        <a:rPr lang="en-GB" sz="600" u="none" strike="noStrike">
+                          <a:effectLst/>
+                        </a:rPr>
+                        <a:t>Saraburi</a:t>
+                      </a:r>
+                      <a:endParaRPr lang="en-GB" sz="600" b="0" i="0" u="none" strike="noStrike">
+                        <a:solidFill>
+                          <a:srgbClr val="000000"/>
+                        </a:solidFill>
+                        <a:effectLst/>
+                        <a:latin typeface="Arial" panose="020B0604020202020204" pitchFamily="34" charset="0"/>
+                      </a:endParaRPr>
+                    </a:p>
+                  </a:txBody>
+                  <a:tcPr marL="6044" marR="6044" marT="6044" marB="0" anchor="ctr"/>
+                </a:tc>
+                <a:tc>
+                  <a:txBody>
+                    <a:bodyPr/>
+                    <a:lstStyle/>
+                    <a:p>
+                      <a:pPr algn="r" fontAlgn="ctr"/>
+                      <a:r>
+                        <a:rPr lang="en-GB" sz="600" u="none" strike="noStrike">
+                          <a:effectLst/>
+                        </a:rPr>
+                        <a:t>623.071</a:t>
+                      </a:r>
+                      <a:endParaRPr lang="en-GB" sz="600" b="0" i="0" u="none" strike="noStrike">
+                        <a:solidFill>
+                          <a:srgbClr val="000000"/>
+                        </a:solidFill>
+                        <a:effectLst/>
+                        <a:latin typeface="Arial" panose="020B0604020202020204" pitchFamily="34" charset="0"/>
+                      </a:endParaRPr>
+                    </a:p>
+                  </a:txBody>
+                  <a:tcPr marL="6044" marR="6044" marT="6044" marB="0" anchor="ctr"/>
+                </a:tc>
+                <a:tc>
+                  <a:txBody>
+                    <a:bodyPr/>
+                    <a:lstStyle/>
+                    <a:p>
+                      <a:pPr algn="r" fontAlgn="ctr"/>
+                      <a:r>
+                        <a:rPr lang="en-GB" sz="600" u="none" strike="noStrike">
+                          <a:effectLst/>
+                        </a:rPr>
+                        <a:t>308.417</a:t>
+                      </a:r>
+                      <a:endParaRPr lang="en-GB" sz="600" b="0" i="0" u="none" strike="noStrike">
+                        <a:solidFill>
+                          <a:srgbClr val="000000"/>
+                        </a:solidFill>
+                        <a:effectLst/>
+                        <a:latin typeface="Arial" panose="020B0604020202020204" pitchFamily="34" charset="0"/>
+                      </a:endParaRPr>
+                    </a:p>
+                  </a:txBody>
+                  <a:tcPr marL="6044" marR="6044" marT="6044" marB="0" anchor="ctr"/>
+                </a:tc>
+                <a:tc>
+                  <a:txBody>
+                    <a:bodyPr/>
+                    <a:lstStyle/>
+                    <a:p>
+                      <a:pPr algn="r" fontAlgn="ctr"/>
+                      <a:r>
+                        <a:rPr lang="en-GB" sz="600" u="none" strike="noStrike">
+                          <a:effectLst/>
+                        </a:rPr>
+                        <a:t>314.654</a:t>
+                      </a:r>
+                      <a:endParaRPr lang="en-GB" sz="600" b="0" i="0" u="none" strike="noStrike">
+                        <a:solidFill>
+                          <a:srgbClr val="000000"/>
+                        </a:solidFill>
+                        <a:effectLst/>
+                        <a:latin typeface="Arial" panose="020B0604020202020204" pitchFamily="34" charset="0"/>
+                      </a:endParaRPr>
+                    </a:p>
+                  </a:txBody>
+                  <a:tcPr marL="6044" marR="6044" marT="6044" marB="0" anchor="ctr"/>
+                </a:tc>
+                <a:extLst>
+                  <a:ext uri="{0D108BD9-81ED-4DB2-BD59-A6C34878D82A}">
+                    <a16:rowId xmlns:a16="http://schemas.microsoft.com/office/drawing/2014/main" val="2809824151"/>
+                  </a:ext>
+                </a:extLst>
+              </a:tr>
+              <a:tr h="253285">
+                <a:tc vMerge="1">
+                  <a:txBody>
+                    <a:bodyPr/>
+                    <a:lstStyle/>
+                    <a:p>
+                      <a:endParaRPr lang="en-GB"/>
+                    </a:p>
+                  </a:txBody>
+                  <a:tcPr/>
+                </a:tc>
+                <a:tc>
+                  <a:txBody>
+                    <a:bodyPr/>
+                    <a:lstStyle/>
+                    <a:p>
+                      <a:pPr algn="l" fontAlgn="ctr"/>
+                      <a:r>
+                        <a:rPr lang="en-GB" sz="600" u="none" strike="noStrike">
+                          <a:effectLst/>
+                        </a:rPr>
+                        <a:t>Chon Buri</a:t>
+                      </a:r>
+                      <a:endParaRPr lang="en-GB" sz="600" b="0" i="0" u="none" strike="noStrike">
+                        <a:solidFill>
+                          <a:srgbClr val="000000"/>
+                        </a:solidFill>
+                        <a:effectLst/>
+                        <a:latin typeface="Arial" panose="020B0604020202020204" pitchFamily="34" charset="0"/>
+                      </a:endParaRPr>
+                    </a:p>
+                  </a:txBody>
+                  <a:tcPr marL="6044" marR="6044" marT="6044" marB="0" anchor="ctr"/>
+                </a:tc>
+                <a:tc>
+                  <a:txBody>
+                    <a:bodyPr/>
+                    <a:lstStyle/>
+                    <a:p>
+                      <a:pPr algn="r" fontAlgn="ctr"/>
+                      <a:r>
+                        <a:rPr lang="en-GB" sz="600" u="none" strike="noStrike">
+                          <a:effectLst/>
+                        </a:rPr>
+                        <a:t>1.351.329</a:t>
+                      </a:r>
+                      <a:endParaRPr lang="en-GB" sz="600" b="0" i="0" u="none" strike="noStrike">
+                        <a:solidFill>
+                          <a:srgbClr val="000000"/>
+                        </a:solidFill>
+                        <a:effectLst/>
+                        <a:latin typeface="Arial" panose="020B0604020202020204" pitchFamily="34" charset="0"/>
+                      </a:endParaRPr>
+                    </a:p>
+                  </a:txBody>
+                  <a:tcPr marL="6044" marR="6044" marT="6044" marB="0" anchor="ctr"/>
+                </a:tc>
+                <a:tc>
+                  <a:txBody>
+                    <a:bodyPr/>
+                    <a:lstStyle/>
+                    <a:p>
+                      <a:pPr algn="r" fontAlgn="ctr"/>
+                      <a:r>
+                        <a:rPr lang="en-GB" sz="600" u="none" strike="noStrike">
+                          <a:effectLst/>
+                        </a:rPr>
+                        <a:t>662.640</a:t>
+                      </a:r>
+                      <a:endParaRPr lang="en-GB" sz="600" b="0" i="0" u="none" strike="noStrike">
+                        <a:solidFill>
+                          <a:srgbClr val="000000"/>
+                        </a:solidFill>
+                        <a:effectLst/>
+                        <a:latin typeface="Arial" panose="020B0604020202020204" pitchFamily="34" charset="0"/>
+                      </a:endParaRPr>
+                    </a:p>
+                  </a:txBody>
+                  <a:tcPr marL="6044" marR="6044" marT="6044" marB="0" anchor="ctr"/>
+                </a:tc>
+                <a:tc>
+                  <a:txBody>
+                    <a:bodyPr/>
+                    <a:lstStyle/>
+                    <a:p>
+                      <a:pPr algn="r" fontAlgn="ctr"/>
+                      <a:r>
+                        <a:rPr lang="en-GB" sz="600" u="none" strike="noStrike">
+                          <a:effectLst/>
+                        </a:rPr>
+                        <a:t>688.689</a:t>
+                      </a:r>
+                      <a:endParaRPr lang="en-GB" sz="600" b="0" i="0" u="none" strike="noStrike">
+                        <a:solidFill>
+                          <a:srgbClr val="000000"/>
+                        </a:solidFill>
+                        <a:effectLst/>
+                        <a:latin typeface="Arial" panose="020B0604020202020204" pitchFamily="34" charset="0"/>
+                      </a:endParaRPr>
+                    </a:p>
+                  </a:txBody>
+                  <a:tcPr marL="6044" marR="6044" marT="6044" marB="0" anchor="ctr"/>
+                </a:tc>
+                <a:extLst>
+                  <a:ext uri="{0D108BD9-81ED-4DB2-BD59-A6C34878D82A}">
+                    <a16:rowId xmlns:a16="http://schemas.microsoft.com/office/drawing/2014/main" val="317226900"/>
+                  </a:ext>
+                </a:extLst>
+              </a:tr>
+              <a:tr h="253285">
+                <a:tc vMerge="1">
+                  <a:txBody>
+                    <a:bodyPr/>
+                    <a:lstStyle/>
+                    <a:p>
+                      <a:endParaRPr lang="en-GB"/>
+                    </a:p>
+                  </a:txBody>
+                  <a:tcPr/>
+                </a:tc>
+                <a:tc>
+                  <a:txBody>
+                    <a:bodyPr/>
+                    <a:lstStyle/>
+                    <a:p>
+                      <a:pPr algn="l" fontAlgn="ctr"/>
+                      <a:r>
+                        <a:rPr lang="en-GB" sz="600" u="none" strike="noStrike">
+                          <a:effectLst/>
+                        </a:rPr>
+                        <a:t>Rayong</a:t>
+                      </a:r>
+                      <a:endParaRPr lang="en-GB" sz="600" b="0" i="0" u="none" strike="noStrike">
+                        <a:solidFill>
+                          <a:srgbClr val="000000"/>
+                        </a:solidFill>
+                        <a:effectLst/>
+                        <a:latin typeface="Arial" panose="020B0604020202020204" pitchFamily="34" charset="0"/>
+                      </a:endParaRPr>
+                    </a:p>
+                  </a:txBody>
+                  <a:tcPr marL="6044" marR="6044" marT="6044" marB="0" anchor="ctr"/>
+                </a:tc>
+                <a:tc>
+                  <a:txBody>
+                    <a:bodyPr/>
+                    <a:lstStyle/>
+                    <a:p>
+                      <a:pPr algn="r" fontAlgn="ctr"/>
+                      <a:r>
+                        <a:rPr lang="en-GB" sz="600" u="none" strike="noStrike">
+                          <a:effectLst/>
+                        </a:rPr>
+                        <a:t>643.506</a:t>
+                      </a:r>
+                      <a:endParaRPr lang="en-GB" sz="600" b="0" i="0" u="none" strike="noStrike">
+                        <a:solidFill>
+                          <a:srgbClr val="000000"/>
+                        </a:solidFill>
+                        <a:effectLst/>
+                        <a:latin typeface="Arial" panose="020B0604020202020204" pitchFamily="34" charset="0"/>
+                      </a:endParaRPr>
+                    </a:p>
+                  </a:txBody>
+                  <a:tcPr marL="6044" marR="6044" marT="6044" marB="0" anchor="ctr"/>
+                </a:tc>
+                <a:tc>
+                  <a:txBody>
+                    <a:bodyPr/>
+                    <a:lstStyle/>
+                    <a:p>
+                      <a:pPr algn="r" fontAlgn="ctr"/>
+                      <a:r>
+                        <a:rPr lang="en-GB" sz="600" u="none" strike="noStrike">
+                          <a:effectLst/>
+                        </a:rPr>
+                        <a:t>317.131</a:t>
+                      </a:r>
+                      <a:endParaRPr lang="en-GB" sz="600" b="0" i="0" u="none" strike="noStrike">
+                        <a:solidFill>
+                          <a:srgbClr val="000000"/>
+                        </a:solidFill>
+                        <a:effectLst/>
+                        <a:latin typeface="Arial" panose="020B0604020202020204" pitchFamily="34" charset="0"/>
+                      </a:endParaRPr>
+                    </a:p>
+                  </a:txBody>
+                  <a:tcPr marL="6044" marR="6044" marT="6044" marB="0" anchor="ctr"/>
+                </a:tc>
+                <a:tc>
+                  <a:txBody>
+                    <a:bodyPr/>
+                    <a:lstStyle/>
+                    <a:p>
+                      <a:pPr algn="r" fontAlgn="ctr"/>
+                      <a:r>
+                        <a:rPr lang="en-GB" sz="600" u="none" strike="noStrike">
+                          <a:effectLst/>
+                        </a:rPr>
+                        <a:t>326.375</a:t>
+                      </a:r>
+                      <a:endParaRPr lang="en-GB" sz="600" b="0" i="0" u="none" strike="noStrike">
+                        <a:solidFill>
+                          <a:srgbClr val="000000"/>
+                        </a:solidFill>
+                        <a:effectLst/>
+                        <a:latin typeface="Arial" panose="020B0604020202020204" pitchFamily="34" charset="0"/>
+                      </a:endParaRPr>
+                    </a:p>
+                  </a:txBody>
+                  <a:tcPr marL="6044" marR="6044" marT="6044" marB="0" anchor="ctr"/>
+                </a:tc>
+                <a:extLst>
+                  <a:ext uri="{0D108BD9-81ED-4DB2-BD59-A6C34878D82A}">
+                    <a16:rowId xmlns:a16="http://schemas.microsoft.com/office/drawing/2014/main" val="2678218186"/>
+                  </a:ext>
+                </a:extLst>
+              </a:tr>
+              <a:tr h="253285">
+                <a:tc vMerge="1">
+                  <a:txBody>
+                    <a:bodyPr/>
+                    <a:lstStyle/>
+                    <a:p>
+                      <a:endParaRPr lang="en-GB"/>
+                    </a:p>
+                  </a:txBody>
+                  <a:tcPr/>
+                </a:tc>
+                <a:tc>
+                  <a:txBody>
+                    <a:bodyPr/>
+                    <a:lstStyle/>
+                    <a:p>
+                      <a:pPr algn="l" fontAlgn="ctr"/>
+                      <a:r>
+                        <a:rPr lang="en-GB" sz="600" u="none" strike="noStrike">
+                          <a:effectLst/>
+                        </a:rPr>
+                        <a:t>Chanthaburi</a:t>
+                      </a:r>
+                      <a:endParaRPr lang="en-GB" sz="600" b="0" i="0" u="none" strike="noStrike">
+                        <a:solidFill>
+                          <a:srgbClr val="000000"/>
+                        </a:solidFill>
+                        <a:effectLst/>
+                        <a:latin typeface="Arial" panose="020B0604020202020204" pitchFamily="34" charset="0"/>
+                      </a:endParaRPr>
+                    </a:p>
+                  </a:txBody>
+                  <a:tcPr marL="6044" marR="6044" marT="6044" marB="0" anchor="ctr"/>
+                </a:tc>
+                <a:tc>
+                  <a:txBody>
+                    <a:bodyPr/>
+                    <a:lstStyle/>
+                    <a:p>
+                      <a:pPr algn="r" fontAlgn="ctr"/>
+                      <a:r>
+                        <a:rPr lang="en-GB" sz="600" u="none" strike="noStrike">
+                          <a:effectLst/>
+                        </a:rPr>
+                        <a:t>519.333</a:t>
+                      </a:r>
+                      <a:endParaRPr lang="en-GB" sz="600" b="0" i="0" u="none" strike="noStrike">
+                        <a:solidFill>
+                          <a:srgbClr val="000000"/>
+                        </a:solidFill>
+                        <a:effectLst/>
+                        <a:latin typeface="Arial" panose="020B0604020202020204" pitchFamily="34" charset="0"/>
+                      </a:endParaRPr>
+                    </a:p>
+                  </a:txBody>
+                  <a:tcPr marL="6044" marR="6044" marT="6044" marB="0" anchor="ctr"/>
+                </a:tc>
+                <a:tc>
+                  <a:txBody>
+                    <a:bodyPr/>
+                    <a:lstStyle/>
+                    <a:p>
+                      <a:pPr algn="r" fontAlgn="ctr"/>
+                      <a:r>
+                        <a:rPr lang="en-GB" sz="600" u="none" strike="noStrike">
+                          <a:effectLst/>
+                        </a:rPr>
+                        <a:t>255.603</a:t>
+                      </a:r>
+                      <a:endParaRPr lang="en-GB" sz="600" b="0" i="0" u="none" strike="noStrike">
+                        <a:solidFill>
+                          <a:srgbClr val="000000"/>
+                        </a:solidFill>
+                        <a:effectLst/>
+                        <a:latin typeface="Arial" panose="020B0604020202020204" pitchFamily="34" charset="0"/>
+                      </a:endParaRPr>
+                    </a:p>
+                  </a:txBody>
+                  <a:tcPr marL="6044" marR="6044" marT="6044" marB="0" anchor="ctr"/>
+                </a:tc>
+                <a:tc>
+                  <a:txBody>
+                    <a:bodyPr/>
+                    <a:lstStyle/>
+                    <a:p>
+                      <a:pPr algn="r" fontAlgn="ctr"/>
+                      <a:r>
+                        <a:rPr lang="en-GB" sz="600" u="none" strike="noStrike" dirty="0">
+                          <a:effectLst/>
+                        </a:rPr>
+                        <a:t>263.730</a:t>
+                      </a:r>
+                      <a:endParaRPr lang="en-GB" sz="600" b="0" i="0" u="none" strike="noStrike" dirty="0">
+                        <a:solidFill>
+                          <a:srgbClr val="000000"/>
+                        </a:solidFill>
+                        <a:effectLst/>
+                        <a:latin typeface="Arial" panose="020B0604020202020204" pitchFamily="34" charset="0"/>
+                      </a:endParaRPr>
+                    </a:p>
+                  </a:txBody>
+                  <a:tcPr marL="6044" marR="6044" marT="6044" marB="0" anchor="ctr"/>
+                </a:tc>
+                <a:extLst>
+                  <a:ext uri="{0D108BD9-81ED-4DB2-BD59-A6C34878D82A}">
+                    <a16:rowId xmlns:a16="http://schemas.microsoft.com/office/drawing/2014/main" val="1758192354"/>
+                  </a:ext>
+                </a:extLst>
+              </a:tr>
+            </a:tbl>
+          </a:graphicData>
+        </a:graphic>
+      </p:graphicFrame>
+      <p:sp>
+        <p:nvSpPr>
+          <p:cNvPr id="8" name="TextBox 7">
+            <a:extLst>
+              <a:ext uri="{FF2B5EF4-FFF2-40B4-BE49-F238E27FC236}">
+                <a16:creationId xmlns:a16="http://schemas.microsoft.com/office/drawing/2014/main" id="{021E73FB-FF2D-5728-07B5-2A77C8215028}"/>
+              </a:ext>
+            </a:extLst>
+          </p:cNvPr>
+          <p:cNvSpPr txBox="1"/>
+          <p:nvPr/>
         </p:nvSpPr>
-        <p:spPr/>
+        <p:spPr>
+          <a:xfrm>
+            <a:off x="5256246" y="6123543"/>
+            <a:ext cx="6097554" cy="369332"/>
+          </a:xfrm>
+          <a:prstGeom prst="rect">
+            <a:avLst/>
+          </a:prstGeom>
+          <a:noFill/>
+        </p:spPr>
         <p:txBody>
-          <a:bodyPr/>
+          <a:bodyPr wrap="square">
+            <a:spAutoFit/>
+          </a:bodyPr>
           <a:lstStyle/>
           <a:p>
             <a:r>
-              <a:rPr lang="de-DE" dirty="0"/>
-              <a:t>Masud, M. B., </a:t>
-            </a:r>
-            <a:r>
-              <a:rPr lang="de-DE" dirty="0" err="1"/>
-              <a:t>Soni</a:t>
-            </a:r>
-            <a:r>
-              <a:rPr lang="de-DE" dirty="0"/>
-              <a:t>, P., Shrestha, S., &amp; </a:t>
-            </a:r>
-            <a:r>
-              <a:rPr lang="de-DE" dirty="0" err="1"/>
-              <a:t>Tripathi</a:t>
-            </a:r>
-            <a:r>
-              <a:rPr lang="de-DE" dirty="0"/>
-              <a:t>, N. K. (2016). </a:t>
-            </a:r>
-            <a:r>
-              <a:rPr lang="de-DE" dirty="0" err="1"/>
-              <a:t>Changes</a:t>
-            </a:r>
-            <a:r>
-              <a:rPr lang="de-DE" dirty="0"/>
-              <a:t> in </a:t>
-            </a:r>
-            <a:r>
-              <a:rPr lang="de-DE" dirty="0" err="1"/>
-              <a:t>climate</a:t>
-            </a:r>
-            <a:r>
-              <a:rPr lang="de-DE" dirty="0"/>
-              <a:t> extremes </a:t>
-            </a:r>
-            <a:r>
-              <a:rPr lang="de-DE" dirty="0" err="1"/>
-              <a:t>over</a:t>
-            </a:r>
-            <a:r>
-              <a:rPr lang="de-DE" dirty="0"/>
-              <a:t> North Thailand, 1960–2099. </a:t>
-            </a:r>
-            <a:r>
-              <a:rPr lang="de-DE" i="1" dirty="0" err="1"/>
-              <a:t>Downloads.Hindawi.Com</a:t>
-            </a:r>
-            <a:r>
-              <a:rPr lang="de-DE" dirty="0"/>
-              <a:t>, 1960–2099. </a:t>
-            </a:r>
-          </a:p>
-          <a:p>
-            <a:r>
-              <a:rPr lang="de-DE" dirty="0"/>
-              <a:t>*</a:t>
-            </a:r>
-            <a:r>
-              <a:rPr lang="de-DE" dirty="0" err="1"/>
-              <a:t>dengue</a:t>
-            </a:r>
-            <a:r>
-              <a:rPr lang="de-DE" dirty="0"/>
-              <a:t> source*</a:t>
+              <a:rPr lang="en-GB" dirty="0"/>
+              <a:t>http://statbbi.nso.go.th/staticreport/page/sector/en/01.aspx</a:t>
             </a:r>
           </a:p>
         </p:txBody>
@@ -17409,7 +19597,7 @@
     </p:spTree>
     <p:extLst>
       <p:ext uri="{BB962C8B-B14F-4D97-AF65-F5344CB8AC3E}">
-        <p14:creationId xmlns:p14="http://schemas.microsoft.com/office/powerpoint/2010/main" val="1500306745"/>
+        <p14:creationId xmlns:p14="http://schemas.microsoft.com/office/powerpoint/2010/main" val="4110019737"/>
       </p:ext>
     </p:extLst>
   </p:cSld>
@@ -17438,10 +19626,10 @@
       </p:grpSpPr>
       <p:sp>
         <p:nvSpPr>
-          <p:cNvPr id="2" name="Titel 1">
+          <p:cNvPr id="2" name="Title 1">
             <a:extLst>
               <a:ext uri="{FF2B5EF4-FFF2-40B4-BE49-F238E27FC236}">
-                <a16:creationId xmlns:a16="http://schemas.microsoft.com/office/drawing/2014/main" xmlns="" id="{51869768-F163-65EB-9C87-29362BEE2FB0}"/>
+                <a16:creationId xmlns:a16="http://schemas.microsoft.com/office/drawing/2014/main" id="{C0FC34BB-26D6-9415-6B20-5E92BC634612}"/>
               </a:ext>
             </a:extLst>
           </p:cNvPr>
@@ -17458,58 +19646,1915 @@
           <a:lstStyle/>
           <a:p>
             <a:r>
-              <a:rPr lang="de-DE" dirty="0" smtClean="0"/>
+              <a:rPr lang="en-US" dirty="0"/>
+              <a:t>Hypothesis </a:t>
+            </a:r>
+          </a:p>
+        </p:txBody>
+      </p:sp>
+      <p:sp>
+        <p:nvSpPr>
+          <p:cNvPr id="3" name="Content Placeholder 2">
+            <a:extLst>
+              <a:ext uri="{FF2B5EF4-FFF2-40B4-BE49-F238E27FC236}">
+                <a16:creationId xmlns:a16="http://schemas.microsoft.com/office/drawing/2014/main" id="{CBB764F0-0508-3D26-CB24-4A5D40202734}"/>
+              </a:ext>
+            </a:extLst>
+          </p:cNvPr>
+          <p:cNvSpPr>
+            <a:spLocks noGrp="1"/>
+          </p:cNvSpPr>
+          <p:nvPr>
+            <p:ph idx="1"/>
+          </p:nvPr>
+        </p:nvSpPr>
+        <p:spPr/>
+        <p:txBody>
+          <a:bodyPr>
+            <a:normAutofit fontScale="92500" lnSpcReduction="10000"/>
+          </a:bodyPr>
+          <a:lstStyle/>
+          <a:p>
+            <a:pPr marL="0" indent="0">
+              <a:buNone/>
+            </a:pPr>
+            <a:r>
+              <a:rPr lang="en-US" dirty="0"/>
+              <a:t>Do the dengue cases correlate with temperature?</a:t>
+            </a:r>
+          </a:p>
+          <a:p>
+            <a:pPr marL="0" indent="0">
+              <a:buNone/>
+            </a:pPr>
+            <a:r>
+              <a:rPr lang="en-US" dirty="0"/>
+              <a:t>Is this a linear correlation?</a:t>
+            </a:r>
+          </a:p>
+          <a:p>
+            <a:pPr marL="0" indent="0">
+              <a:buNone/>
+            </a:pPr>
+            <a:endParaRPr lang="en-US" dirty="0"/>
+          </a:p>
+          <a:p>
+            <a:pPr marL="0" indent="0">
+              <a:buNone/>
+            </a:pPr>
+            <a:r>
+              <a:rPr lang="en-US" dirty="0"/>
+              <a:t>Are dengue cases per inhabitant higher in regions with higher population density?</a:t>
+            </a:r>
+          </a:p>
+          <a:p>
+            <a:pPr marL="0" indent="0">
+              <a:buNone/>
+            </a:pPr>
+            <a:r>
+              <a:rPr lang="en-US" dirty="0"/>
+              <a:t>Are there extreme climate events which influence dengue cases?</a:t>
+            </a:r>
+          </a:p>
+          <a:p>
+            <a:pPr marL="0" indent="0">
+              <a:buNone/>
+            </a:pPr>
+            <a:r>
+              <a:rPr lang="en-US" dirty="0"/>
+              <a:t>Are hotter month connected with more dengue cases?</a:t>
+            </a:r>
+          </a:p>
+          <a:p>
+            <a:pPr marL="0" indent="0">
+              <a:buNone/>
+            </a:pPr>
+            <a:r>
+              <a:rPr lang="en-US" dirty="0"/>
+              <a:t>Do hotter regions implicate more dengue cases?</a:t>
+            </a:r>
+          </a:p>
+          <a:p>
+            <a:pPr marL="0" indent="0">
+              <a:buNone/>
+            </a:pPr>
+            <a:r>
+              <a:rPr lang="en-US" dirty="0"/>
+              <a:t>Are years with higher temperature in accordance with years of high infection rates?</a:t>
+            </a:r>
+          </a:p>
+          <a:p>
+            <a:pPr marL="0" indent="0">
+              <a:buNone/>
+            </a:pPr>
+            <a:endParaRPr lang="en-US" dirty="0"/>
+          </a:p>
+        </p:txBody>
+      </p:sp>
+    </p:spTree>
+    <p:extLst>
+      <p:ext uri="{BB962C8B-B14F-4D97-AF65-F5344CB8AC3E}">
+        <p14:creationId xmlns:p14="http://schemas.microsoft.com/office/powerpoint/2010/main" val="787424074"/>
+      </p:ext>
+    </p:extLst>
+  </p:cSld>
+  <p:clrMapOvr>
+    <a:masterClrMapping/>
+  </p:clrMapOvr>
+</p:sld>
+</file>
+
+<file path=ppt/slides/slide12.xml><?xml version="1.0" encoding="utf-8"?>
+<p:sld xmlns:a="http://schemas.openxmlformats.org/drawingml/2006/main" xmlns:r="http://schemas.openxmlformats.org/officeDocument/2006/relationships" xmlns:p="http://schemas.openxmlformats.org/presentationml/2006/main">
+  <p:cSld>
+    <p:spTree>
+      <p:nvGrpSpPr>
+        <p:cNvPr id="1" name=""/>
+        <p:cNvGrpSpPr/>
+        <p:nvPr/>
+      </p:nvGrpSpPr>
+      <p:grpSpPr>
+        <a:xfrm>
+          <a:off x="0" y="0"/>
+          <a:ext cx="0" cy="0"/>
+          <a:chOff x="0" y="0"/>
+          <a:chExt cx="0" cy="0"/>
+        </a:xfrm>
+      </p:grpSpPr>
+      <p:sp>
+        <p:nvSpPr>
+          <p:cNvPr id="4" name="Titel 3">
+            <a:extLst>
+              <a:ext uri="{FF2B5EF4-FFF2-40B4-BE49-F238E27FC236}">
+                <a16:creationId xmlns:a16="http://schemas.microsoft.com/office/drawing/2014/main" id="{C696BA8A-370E-F394-AAE2-FBBA1BF694D7}"/>
+              </a:ext>
+            </a:extLst>
+          </p:cNvPr>
+          <p:cNvSpPr>
+            <a:spLocks noGrp="1"/>
+          </p:cNvSpPr>
+          <p:nvPr>
+            <p:ph type="title"/>
+          </p:nvPr>
+        </p:nvSpPr>
+        <p:spPr/>
+        <p:txBody>
+          <a:bodyPr/>
+          <a:lstStyle/>
+          <a:p>
+            <a:r>
+              <a:rPr lang="de-DE" dirty="0">
+                <a:latin typeface="Cambria" panose="02040503050406030204" pitchFamily="18" charset="0"/>
+              </a:rPr>
+              <a:t>Further </a:t>
+            </a:r>
+            <a:r>
+              <a:rPr lang="de-DE" dirty="0" err="1">
+                <a:latin typeface="Cambria" panose="02040503050406030204" pitchFamily="18" charset="0"/>
+              </a:rPr>
+              <a:t>investigation</a:t>
+            </a:r>
+            <a:r>
+              <a:rPr lang="de-DE" dirty="0">
+                <a:latin typeface="Cambria" panose="02040503050406030204" pitchFamily="18" charset="0"/>
+              </a:rPr>
+              <a:t> </a:t>
+            </a:r>
+            <a:r>
+              <a:rPr lang="de-DE" dirty="0" err="1">
+                <a:latin typeface="Cambria" panose="02040503050406030204" pitchFamily="18" charset="0"/>
+              </a:rPr>
+              <a:t>ideas</a:t>
+            </a:r>
+            <a:r>
+              <a:rPr lang="de-DE" dirty="0">
+                <a:latin typeface="Cambria" panose="02040503050406030204" pitchFamily="18" charset="0"/>
+              </a:rPr>
+              <a:t> </a:t>
+            </a:r>
+          </a:p>
+        </p:txBody>
+      </p:sp>
+      <p:sp>
+        <p:nvSpPr>
+          <p:cNvPr id="5" name="Inhaltsplatzhalter 4">
+            <a:extLst>
+              <a:ext uri="{FF2B5EF4-FFF2-40B4-BE49-F238E27FC236}">
+                <a16:creationId xmlns:a16="http://schemas.microsoft.com/office/drawing/2014/main" id="{9B040A2A-2AF4-2587-3E81-1F75C581633F}"/>
+              </a:ext>
+            </a:extLst>
+          </p:cNvPr>
+          <p:cNvSpPr>
+            <a:spLocks noGrp="1"/>
+          </p:cNvSpPr>
+          <p:nvPr>
+            <p:ph idx="1"/>
+          </p:nvPr>
+        </p:nvSpPr>
+        <p:spPr/>
+        <p:txBody>
+          <a:bodyPr/>
+          <a:lstStyle/>
+          <a:p>
+            <a:r>
+              <a:rPr lang="de-DE" dirty="0" err="1">
+                <a:latin typeface="Cambria" panose="02040503050406030204" pitchFamily="18" charset="0"/>
+              </a:rPr>
+              <a:t>How</a:t>
+            </a:r>
+            <a:r>
+              <a:rPr lang="de-DE" dirty="0">
+                <a:latin typeface="Cambria" panose="02040503050406030204" pitchFamily="18" charset="0"/>
+              </a:rPr>
+              <a:t> </a:t>
+            </a:r>
+            <a:r>
+              <a:rPr lang="de-DE" dirty="0" err="1">
+                <a:latin typeface="Cambria" panose="02040503050406030204" pitchFamily="18" charset="0"/>
+              </a:rPr>
+              <a:t>does</a:t>
+            </a:r>
+            <a:r>
+              <a:rPr lang="de-DE" dirty="0">
+                <a:latin typeface="Cambria" panose="02040503050406030204" pitchFamily="18" charset="0"/>
+              </a:rPr>
+              <a:t> </a:t>
+            </a:r>
+            <a:r>
+              <a:rPr lang="de-DE" dirty="0" err="1">
+                <a:latin typeface="Cambria" panose="02040503050406030204" pitchFamily="18" charset="0"/>
+              </a:rPr>
+              <a:t>temperature</a:t>
+            </a:r>
+            <a:r>
+              <a:rPr lang="de-DE" dirty="0">
+                <a:latin typeface="Cambria" panose="02040503050406030204" pitchFamily="18" charset="0"/>
+              </a:rPr>
+              <a:t> </a:t>
+            </a:r>
+            <a:r>
+              <a:rPr lang="de-DE" dirty="0" err="1">
+                <a:latin typeface="Cambria" panose="02040503050406030204" pitchFamily="18" charset="0"/>
+              </a:rPr>
+              <a:t>affect</a:t>
+            </a:r>
+            <a:r>
+              <a:rPr lang="de-DE" dirty="0">
+                <a:latin typeface="Cambria" panose="02040503050406030204" pitchFamily="18" charset="0"/>
+              </a:rPr>
+              <a:t> </a:t>
+            </a:r>
+            <a:r>
+              <a:rPr lang="de-DE" dirty="0" err="1">
+                <a:latin typeface="Cambria" panose="02040503050406030204" pitchFamily="18" charset="0"/>
+              </a:rPr>
+              <a:t>dengue</a:t>
+            </a:r>
+            <a:r>
+              <a:rPr lang="de-DE" dirty="0">
+                <a:latin typeface="Cambria" panose="02040503050406030204" pitchFamily="18" charset="0"/>
+              </a:rPr>
+              <a:t> </a:t>
+            </a:r>
+            <a:r>
+              <a:rPr lang="de-DE" dirty="0" err="1">
+                <a:latin typeface="Cambria" panose="02040503050406030204" pitchFamily="18" charset="0"/>
+              </a:rPr>
+              <a:t>mortality</a:t>
+            </a:r>
+            <a:r>
+              <a:rPr lang="de-DE" dirty="0">
+                <a:latin typeface="Cambria" panose="02040503050406030204" pitchFamily="18" charset="0"/>
+              </a:rPr>
+              <a:t>?</a:t>
+            </a:r>
+          </a:p>
+          <a:p>
+            <a:r>
+              <a:rPr lang="de-DE" dirty="0" err="1">
+                <a:latin typeface="Cambria" panose="02040503050406030204" pitchFamily="18" charset="0"/>
+              </a:rPr>
+              <a:t>How</a:t>
+            </a:r>
+            <a:r>
+              <a:rPr lang="de-DE" dirty="0">
+                <a:latin typeface="Cambria" panose="02040503050406030204" pitchFamily="18" charset="0"/>
+              </a:rPr>
+              <a:t> do </a:t>
+            </a:r>
+            <a:r>
+              <a:rPr lang="de-DE" dirty="0" err="1">
+                <a:latin typeface="Cambria" panose="02040503050406030204" pitchFamily="18" charset="0"/>
+              </a:rPr>
+              <a:t>urbanized</a:t>
+            </a:r>
+            <a:r>
+              <a:rPr lang="de-DE" dirty="0">
+                <a:latin typeface="Cambria" panose="02040503050406030204" pitchFamily="18" charset="0"/>
+              </a:rPr>
+              <a:t> </a:t>
+            </a:r>
+            <a:r>
+              <a:rPr lang="de-DE" dirty="0" err="1">
+                <a:latin typeface="Cambria" panose="02040503050406030204" pitchFamily="18" charset="0"/>
+              </a:rPr>
+              <a:t>areas</a:t>
+            </a:r>
+            <a:r>
+              <a:rPr lang="de-DE" dirty="0">
+                <a:latin typeface="Cambria" panose="02040503050406030204" pitchFamily="18" charset="0"/>
+              </a:rPr>
+              <a:t> </a:t>
+            </a:r>
+            <a:r>
+              <a:rPr lang="de-DE" dirty="0" err="1">
+                <a:latin typeface="Cambria" panose="02040503050406030204" pitchFamily="18" charset="0"/>
+              </a:rPr>
+              <a:t>affect</a:t>
+            </a:r>
+            <a:r>
+              <a:rPr lang="de-DE" dirty="0">
+                <a:latin typeface="Cambria" panose="02040503050406030204" pitchFamily="18" charset="0"/>
+              </a:rPr>
+              <a:t> </a:t>
+            </a:r>
+            <a:r>
+              <a:rPr lang="de-DE" dirty="0" err="1">
+                <a:latin typeface="Cambria" panose="02040503050406030204" pitchFamily="18" charset="0"/>
+              </a:rPr>
+              <a:t>infection</a:t>
+            </a:r>
+            <a:r>
+              <a:rPr lang="de-DE" dirty="0">
+                <a:latin typeface="Cambria" panose="02040503050406030204" pitchFamily="18" charset="0"/>
+              </a:rPr>
+              <a:t> </a:t>
+            </a:r>
+            <a:r>
+              <a:rPr lang="de-DE" dirty="0" err="1">
+                <a:latin typeface="Cambria" panose="02040503050406030204" pitchFamily="18" charset="0"/>
+              </a:rPr>
+              <a:t>rates</a:t>
+            </a:r>
+            <a:r>
+              <a:rPr lang="de-DE" dirty="0">
+                <a:latin typeface="Cambria" panose="02040503050406030204" pitchFamily="18" charset="0"/>
+              </a:rPr>
+              <a:t>?</a:t>
+            </a:r>
+          </a:p>
+          <a:p>
+            <a:endParaRPr lang="de-DE" dirty="0"/>
+          </a:p>
+        </p:txBody>
+      </p:sp>
+    </p:spTree>
+    <p:extLst>
+      <p:ext uri="{BB962C8B-B14F-4D97-AF65-F5344CB8AC3E}">
+        <p14:creationId xmlns:p14="http://schemas.microsoft.com/office/powerpoint/2010/main" val="2032409732"/>
+      </p:ext>
+    </p:extLst>
+  </p:cSld>
+  <p:clrMapOvr>
+    <a:masterClrMapping/>
+  </p:clrMapOvr>
+</p:sld>
+</file>
+
+<file path=ppt/slides/slide13.xml><?xml version="1.0" encoding="utf-8"?>
+<p:sld xmlns:a="http://schemas.openxmlformats.org/drawingml/2006/main" xmlns:r="http://schemas.openxmlformats.org/officeDocument/2006/relationships" xmlns:p="http://schemas.openxmlformats.org/presentationml/2006/main">
+  <p:cSld>
+    <p:spTree>
+      <p:nvGrpSpPr>
+        <p:cNvPr id="1" name=""/>
+        <p:cNvGrpSpPr/>
+        <p:nvPr/>
+      </p:nvGrpSpPr>
+      <p:grpSpPr>
+        <a:xfrm>
+          <a:off x="0" y="0"/>
+          <a:ext cx="0" cy="0"/>
+          <a:chOff x="0" y="0"/>
+          <a:chExt cx="0" cy="0"/>
+        </a:xfrm>
+      </p:grpSpPr>
+      <p:sp>
+        <p:nvSpPr>
+          <p:cNvPr id="4" name="Title 3">
+            <a:extLst>
+              <a:ext uri="{FF2B5EF4-FFF2-40B4-BE49-F238E27FC236}">
+                <a16:creationId xmlns:a16="http://schemas.microsoft.com/office/drawing/2014/main" id="{89315A50-4C1E-4A7C-ABE0-CD02220CD714}"/>
+              </a:ext>
+            </a:extLst>
+          </p:cNvPr>
+          <p:cNvSpPr>
+            <a:spLocks noGrp="1"/>
+          </p:cNvSpPr>
+          <p:nvPr>
+            <p:ph type="title"/>
+          </p:nvPr>
+        </p:nvSpPr>
+        <p:spPr/>
+        <p:txBody>
+          <a:bodyPr/>
+          <a:lstStyle/>
+          <a:p>
+            <a:r>
+              <a:rPr lang="en-US" dirty="0"/>
+              <a:t>Data Analysis Methods</a:t>
+            </a:r>
+          </a:p>
+        </p:txBody>
+      </p:sp>
+      <p:sp>
+        <p:nvSpPr>
+          <p:cNvPr id="5" name="Content Placeholder 4">
+            <a:extLst>
+              <a:ext uri="{FF2B5EF4-FFF2-40B4-BE49-F238E27FC236}">
+                <a16:creationId xmlns:a16="http://schemas.microsoft.com/office/drawing/2014/main" id="{4C26D302-3BF7-2FE5-8076-5403D5073795}"/>
+              </a:ext>
+            </a:extLst>
+          </p:cNvPr>
+          <p:cNvSpPr>
+            <a:spLocks noGrp="1"/>
+          </p:cNvSpPr>
+          <p:nvPr>
+            <p:ph idx="1"/>
+          </p:nvPr>
+        </p:nvSpPr>
+        <p:spPr/>
+        <p:txBody>
+          <a:bodyPr>
+            <a:normAutofit/>
+          </a:bodyPr>
+          <a:lstStyle/>
+          <a:p>
+            <a:pPr marL="514350" indent="-514350">
+              <a:buAutoNum type="arabicPeriod"/>
+            </a:pPr>
+            <a:r>
+              <a:rPr lang="en-GB" dirty="0"/>
+              <a:t>Data Integration</a:t>
+            </a:r>
+          </a:p>
+          <a:p>
+            <a:pPr marL="514350" indent="-514350">
+              <a:buAutoNum type="arabicPeriod"/>
+            </a:pPr>
+            <a:r>
+              <a:rPr lang="en-GB" dirty="0"/>
+              <a:t>Cleaning Data</a:t>
+            </a:r>
+          </a:p>
+          <a:p>
+            <a:pPr marL="514350" indent="-514350">
+              <a:buAutoNum type="arabicPeriod"/>
+            </a:pPr>
+            <a:r>
+              <a:rPr lang="en-GB" dirty="0"/>
+              <a:t>Data exploration</a:t>
+            </a:r>
+          </a:p>
+          <a:p>
+            <a:pPr marL="971550" lvl="1" indent="-514350">
+              <a:buAutoNum type="arabicPeriod"/>
+            </a:pPr>
+            <a:r>
+              <a:rPr lang="en-GB" dirty="0"/>
+              <a:t>Data description</a:t>
+            </a:r>
+          </a:p>
+          <a:p>
+            <a:pPr marL="971550" lvl="1" indent="-514350">
+              <a:buAutoNum type="arabicPeriod"/>
+            </a:pPr>
+            <a:r>
+              <a:rPr lang="en-GB" dirty="0"/>
+              <a:t>Data visualization</a:t>
+            </a:r>
+          </a:p>
+          <a:p>
+            <a:pPr marL="971550" lvl="1" indent="-514350">
+              <a:buAutoNum type="arabicPeriod"/>
+            </a:pPr>
+            <a:r>
+              <a:rPr lang="en-GB" dirty="0"/>
+              <a:t>Dimension reduction</a:t>
+            </a:r>
+          </a:p>
+          <a:p>
+            <a:pPr marL="971550" lvl="1" indent="-514350">
+              <a:buAutoNum type="arabicPeriod"/>
+            </a:pPr>
+            <a:r>
+              <a:rPr lang="en-GB" dirty="0"/>
+              <a:t>Statistical tests</a:t>
+            </a:r>
+          </a:p>
+          <a:p>
+            <a:pPr marL="514350" indent="-514350">
+              <a:buAutoNum type="arabicPeriod"/>
+            </a:pPr>
+            <a:r>
+              <a:rPr lang="en-GB" dirty="0"/>
+              <a:t>Spatial analysis and mapping</a:t>
+            </a:r>
+          </a:p>
+          <a:p>
+            <a:pPr marL="514350" indent="-514350">
+              <a:buAutoNum type="arabicPeriod"/>
+            </a:pPr>
+            <a:r>
+              <a:rPr lang="en-GB" dirty="0"/>
+              <a:t>Spatial-temporal analysis</a:t>
+            </a:r>
+          </a:p>
+          <a:p>
+            <a:pPr marL="514350" indent="-514350">
+              <a:buAutoNum type="arabicPeriod"/>
+            </a:pPr>
+            <a:endParaRPr lang="en-GB" dirty="0"/>
+          </a:p>
+          <a:p>
+            <a:pPr marL="514350" indent="-514350">
+              <a:buAutoNum type="arabicPeriod"/>
+            </a:pPr>
+            <a:endParaRPr lang="en-GB" dirty="0"/>
+          </a:p>
+        </p:txBody>
+      </p:sp>
+    </p:spTree>
+    <p:extLst>
+      <p:ext uri="{BB962C8B-B14F-4D97-AF65-F5344CB8AC3E}">
+        <p14:creationId xmlns:p14="http://schemas.microsoft.com/office/powerpoint/2010/main" val="622406597"/>
+      </p:ext>
+    </p:extLst>
+  </p:cSld>
+  <p:clrMapOvr>
+    <a:masterClrMapping/>
+  </p:clrMapOvr>
+</p:sld>
+</file>
+
+<file path=ppt/slides/slide14.xml><?xml version="1.0" encoding="utf-8"?>
+<p:sld xmlns:a="http://schemas.openxmlformats.org/drawingml/2006/main" xmlns:r="http://schemas.openxmlformats.org/officeDocument/2006/relationships" xmlns:p="http://schemas.openxmlformats.org/presentationml/2006/main">
+  <p:cSld>
+    <p:spTree>
+      <p:nvGrpSpPr>
+        <p:cNvPr id="1" name=""/>
+        <p:cNvGrpSpPr/>
+        <p:nvPr/>
+      </p:nvGrpSpPr>
+      <p:grpSpPr>
+        <a:xfrm>
+          <a:off x="0" y="0"/>
+          <a:ext cx="0" cy="0"/>
+          <a:chOff x="0" y="0"/>
+          <a:chExt cx="0" cy="0"/>
+        </a:xfrm>
+      </p:grpSpPr>
+      <p:sp>
+        <p:nvSpPr>
+          <p:cNvPr id="2" name="Title 1">
+            <a:extLst>
+              <a:ext uri="{FF2B5EF4-FFF2-40B4-BE49-F238E27FC236}">
+                <a16:creationId xmlns:a16="http://schemas.microsoft.com/office/drawing/2014/main" id="{D21F18BD-02DE-301E-B888-F1C1E454FBB9}"/>
+              </a:ext>
+            </a:extLst>
+          </p:cNvPr>
+          <p:cNvSpPr>
+            <a:spLocks noGrp="1"/>
+          </p:cNvSpPr>
+          <p:nvPr>
+            <p:ph type="title"/>
+          </p:nvPr>
+        </p:nvSpPr>
+        <p:spPr/>
+        <p:txBody>
+          <a:bodyPr/>
+          <a:lstStyle/>
+          <a:p>
+            <a:r>
+              <a:rPr lang="en-US" dirty="0"/>
+              <a:t>Data integration</a:t>
+            </a:r>
+          </a:p>
+        </p:txBody>
+      </p:sp>
+      <p:pic>
+        <p:nvPicPr>
+          <p:cNvPr id="5" name="Picture 4" descr="A picture containing symbol, font, sign, traffic sign&#10;&#10;Description automatically generated">
+            <a:extLst>
+              <a:ext uri="{FF2B5EF4-FFF2-40B4-BE49-F238E27FC236}">
+                <a16:creationId xmlns:a16="http://schemas.microsoft.com/office/drawing/2014/main" id="{26720E89-319E-0A57-A818-1F4FFF4F7596}"/>
+              </a:ext>
+            </a:extLst>
+          </p:cNvPr>
+          <p:cNvPicPr>
+            <a:picLocks noChangeAspect="1"/>
+          </p:cNvPicPr>
+          <p:nvPr/>
+        </p:nvPicPr>
+        <p:blipFill>
+          <a:blip r:embed="rId2">
+            <a:extLst>
+              <a:ext uri="{28A0092B-C50C-407E-A947-70E740481C1C}">
+                <a14:useLocalDpi xmlns:a14="http://schemas.microsoft.com/office/drawing/2010/main" val="0"/>
+              </a:ext>
+            </a:extLst>
+          </a:blip>
+          <a:stretch>
+            <a:fillRect/>
+          </a:stretch>
+        </p:blipFill>
+        <p:spPr>
+          <a:xfrm>
+            <a:off x="838200" y="2381861"/>
+            <a:ext cx="1704975" cy="2094278"/>
+          </a:xfrm>
+          <a:prstGeom prst="rect">
+            <a:avLst/>
+          </a:prstGeom>
+        </p:spPr>
+      </p:pic>
+      <p:cxnSp>
+        <p:nvCxnSpPr>
+          <p:cNvPr id="7" name="Straight Arrow Connector 6">
+            <a:extLst>
+              <a:ext uri="{FF2B5EF4-FFF2-40B4-BE49-F238E27FC236}">
+                <a16:creationId xmlns:a16="http://schemas.microsoft.com/office/drawing/2014/main" id="{4C6C5EC2-DE0F-D516-8A75-8E2A083D2CDA}"/>
+              </a:ext>
+            </a:extLst>
+          </p:cNvPr>
+          <p:cNvCxnSpPr>
+            <a:cxnSpLocks/>
+          </p:cNvCxnSpPr>
+          <p:nvPr/>
+        </p:nvCxnSpPr>
+        <p:spPr>
+          <a:xfrm>
+            <a:off x="2743199" y="3429000"/>
+            <a:ext cx="1609726" cy="0"/>
+          </a:xfrm>
+          <a:prstGeom prst="straightConnector1">
+            <a:avLst/>
+          </a:prstGeom>
+          <a:ln w="76200">
+            <a:tailEnd type="triangle"/>
+          </a:ln>
+        </p:spPr>
+        <p:style>
+          <a:lnRef idx="1">
+            <a:schemeClr val="dk1"/>
+          </a:lnRef>
+          <a:fillRef idx="0">
+            <a:schemeClr val="dk1"/>
+          </a:fillRef>
+          <a:effectRef idx="0">
+            <a:schemeClr val="dk1"/>
+          </a:effectRef>
+          <a:fontRef idx="minor">
+            <a:schemeClr val="tx1"/>
+          </a:fontRef>
+        </p:style>
+      </p:cxnSp>
+      <p:pic>
+        <p:nvPicPr>
+          <p:cNvPr id="10" name="Picture 9" descr="A green square with a white x on it&#10;&#10;Description automatically generated with low confidence">
+            <a:extLst>
+              <a:ext uri="{FF2B5EF4-FFF2-40B4-BE49-F238E27FC236}">
+                <a16:creationId xmlns:a16="http://schemas.microsoft.com/office/drawing/2014/main" id="{07145777-07F7-4FE3-6293-2B62DA8A3A9C}"/>
+              </a:ext>
+            </a:extLst>
+          </p:cNvPr>
+          <p:cNvPicPr>
+            <a:picLocks noChangeAspect="1"/>
+          </p:cNvPicPr>
+          <p:nvPr/>
+        </p:nvPicPr>
+        <p:blipFill>
+          <a:blip r:embed="rId3">
+            <a:extLst>
+              <a:ext uri="{28A0092B-C50C-407E-A947-70E740481C1C}">
+                <a14:useLocalDpi xmlns:a14="http://schemas.microsoft.com/office/drawing/2010/main" val="0"/>
+              </a:ext>
+            </a:extLst>
+          </a:blip>
+          <a:stretch>
+            <a:fillRect/>
+          </a:stretch>
+        </p:blipFill>
+        <p:spPr>
+          <a:xfrm>
+            <a:off x="4523705" y="2381862"/>
+            <a:ext cx="2251756" cy="2094277"/>
+          </a:xfrm>
+          <a:prstGeom prst="rect">
+            <a:avLst/>
+          </a:prstGeom>
+        </p:spPr>
+      </p:pic>
+      <p:cxnSp>
+        <p:nvCxnSpPr>
+          <p:cNvPr id="11" name="Straight Arrow Connector 10">
+            <a:extLst>
+              <a:ext uri="{FF2B5EF4-FFF2-40B4-BE49-F238E27FC236}">
+                <a16:creationId xmlns:a16="http://schemas.microsoft.com/office/drawing/2014/main" id="{9943D1BC-DE1D-3BB1-D286-33E7042043EF}"/>
+              </a:ext>
+            </a:extLst>
+          </p:cNvPr>
+          <p:cNvCxnSpPr>
+            <a:cxnSpLocks/>
+          </p:cNvCxnSpPr>
+          <p:nvPr/>
+        </p:nvCxnSpPr>
+        <p:spPr>
+          <a:xfrm>
+            <a:off x="6991349" y="3438525"/>
+            <a:ext cx="1609726" cy="0"/>
+          </a:xfrm>
+          <a:prstGeom prst="straightConnector1">
+            <a:avLst/>
+          </a:prstGeom>
+          <a:ln w="76200">
+            <a:tailEnd type="triangle"/>
+          </a:ln>
+        </p:spPr>
+        <p:style>
+          <a:lnRef idx="1">
+            <a:schemeClr val="dk1"/>
+          </a:lnRef>
+          <a:fillRef idx="0">
+            <a:schemeClr val="dk1"/>
+          </a:fillRef>
+          <a:effectRef idx="0">
+            <a:schemeClr val="dk1"/>
+          </a:effectRef>
+          <a:fontRef idx="minor">
+            <a:schemeClr val="tx1"/>
+          </a:fontRef>
+        </p:style>
+      </p:cxnSp>
+      <p:pic>
+        <p:nvPicPr>
+          <p:cNvPr id="13" name="Picture 12" descr="A blue and grey logo&#10;&#10;Description automatically generated with low confidence">
+            <a:extLst>
+              <a:ext uri="{FF2B5EF4-FFF2-40B4-BE49-F238E27FC236}">
+                <a16:creationId xmlns:a16="http://schemas.microsoft.com/office/drawing/2014/main" id="{5FCA690A-4230-1B2C-6053-1A2A0FFDF4FF}"/>
+              </a:ext>
+            </a:extLst>
+          </p:cNvPr>
+          <p:cNvPicPr>
+            <a:picLocks noChangeAspect="1"/>
+          </p:cNvPicPr>
+          <p:nvPr/>
+        </p:nvPicPr>
+        <p:blipFill>
+          <a:blip r:embed="rId4">
+            <a:extLst>
+              <a:ext uri="{28A0092B-C50C-407E-A947-70E740481C1C}">
+                <a14:useLocalDpi xmlns:a14="http://schemas.microsoft.com/office/drawing/2010/main" val="0"/>
+              </a:ext>
+            </a:extLst>
+          </a:blip>
+          <a:stretch>
+            <a:fillRect/>
+          </a:stretch>
+        </p:blipFill>
+        <p:spPr>
+          <a:xfrm>
+            <a:off x="8816963" y="2719387"/>
+            <a:ext cx="1852323" cy="1438275"/>
+          </a:xfrm>
+          <a:prstGeom prst="rect">
+            <a:avLst/>
+          </a:prstGeom>
+        </p:spPr>
+      </p:pic>
+    </p:spTree>
+    <p:extLst>
+      <p:ext uri="{BB962C8B-B14F-4D97-AF65-F5344CB8AC3E}">
+        <p14:creationId xmlns:p14="http://schemas.microsoft.com/office/powerpoint/2010/main" val="3943091816"/>
+      </p:ext>
+    </p:extLst>
+  </p:cSld>
+  <p:clrMapOvr>
+    <a:masterClrMapping/>
+  </p:clrMapOvr>
+</p:sld>
+</file>
+
+<file path=ppt/slides/slide15.xml><?xml version="1.0" encoding="utf-8"?>
+<p:sld xmlns:a="http://schemas.openxmlformats.org/drawingml/2006/main" xmlns:r="http://schemas.openxmlformats.org/officeDocument/2006/relationships" xmlns:p="http://schemas.openxmlformats.org/presentationml/2006/main">
+  <p:cSld>
+    <p:spTree>
+      <p:nvGrpSpPr>
+        <p:cNvPr id="1" name=""/>
+        <p:cNvGrpSpPr/>
+        <p:nvPr/>
+      </p:nvGrpSpPr>
+      <p:grpSpPr>
+        <a:xfrm>
+          <a:off x="0" y="0"/>
+          <a:ext cx="0" cy="0"/>
+          <a:chOff x="0" y="0"/>
+          <a:chExt cx="0" cy="0"/>
+        </a:xfrm>
+      </p:grpSpPr>
+      <p:sp>
+        <p:nvSpPr>
+          <p:cNvPr id="2" name="Title 1">
+            <a:extLst>
+              <a:ext uri="{FF2B5EF4-FFF2-40B4-BE49-F238E27FC236}">
+                <a16:creationId xmlns:a16="http://schemas.microsoft.com/office/drawing/2014/main" id="{DF3DB594-DA4B-0A1C-1E38-BA7EEF2CB667}"/>
+              </a:ext>
+            </a:extLst>
+          </p:cNvPr>
+          <p:cNvSpPr>
+            <a:spLocks noGrp="1"/>
+          </p:cNvSpPr>
+          <p:nvPr>
+            <p:ph type="title"/>
+          </p:nvPr>
+        </p:nvSpPr>
+        <p:spPr/>
+        <p:txBody>
+          <a:bodyPr/>
+          <a:lstStyle/>
+          <a:p>
+            <a:r>
+              <a:rPr lang="en-US"/>
+              <a:t>Cleaning Data</a:t>
+            </a:r>
+            <a:endParaRPr lang="en-US" dirty="0"/>
+          </a:p>
+        </p:txBody>
+      </p:sp>
+      <p:pic>
+        <p:nvPicPr>
+          <p:cNvPr id="5" name="Content Placeholder 4" descr="A picture containing black, darkness&#10;&#10;Description automatically generated">
+            <a:extLst>
+              <a:ext uri="{FF2B5EF4-FFF2-40B4-BE49-F238E27FC236}">
+                <a16:creationId xmlns:a16="http://schemas.microsoft.com/office/drawing/2014/main" id="{3DA5620F-D694-8E72-1EF6-6879062FDAA9}"/>
+              </a:ext>
+            </a:extLst>
+          </p:cNvPr>
+          <p:cNvPicPr>
+            <a:picLocks noGrp="1" noChangeAspect="1"/>
+          </p:cNvPicPr>
+          <p:nvPr>
+            <p:ph idx="1"/>
+          </p:nvPr>
+        </p:nvPicPr>
+        <p:blipFill>
+          <a:blip r:embed="rId2">
+            <a:extLst>
+              <a:ext uri="{28A0092B-C50C-407E-A947-70E740481C1C}">
+                <a14:useLocalDpi xmlns:a14="http://schemas.microsoft.com/office/drawing/2010/main" val="0"/>
+              </a:ext>
+            </a:extLst>
+          </a:blip>
+          <a:stretch>
+            <a:fillRect/>
+          </a:stretch>
+        </p:blipFill>
+        <p:spPr>
+          <a:xfrm>
+            <a:off x="7002462" y="1253331"/>
+            <a:ext cx="4351338" cy="4351338"/>
+          </a:xfrm>
+        </p:spPr>
+      </p:pic>
+      <p:sp>
+        <p:nvSpPr>
+          <p:cNvPr id="7" name="TextBox 6">
+            <a:extLst>
+              <a:ext uri="{FF2B5EF4-FFF2-40B4-BE49-F238E27FC236}">
+                <a16:creationId xmlns:a16="http://schemas.microsoft.com/office/drawing/2014/main" id="{FEA104FB-C0C3-AFB3-2B48-193EA6AD9718}"/>
+              </a:ext>
+            </a:extLst>
+          </p:cNvPr>
+          <p:cNvSpPr txBox="1"/>
+          <p:nvPr/>
+        </p:nvSpPr>
+        <p:spPr>
+          <a:xfrm>
+            <a:off x="7002462" y="5575680"/>
+            <a:ext cx="4987375" cy="646331"/>
+          </a:xfrm>
+          <a:prstGeom prst="rect">
+            <a:avLst/>
+          </a:prstGeom>
+          <a:noFill/>
+        </p:spPr>
+        <p:txBody>
+          <a:bodyPr wrap="square">
+            <a:spAutoFit/>
+          </a:bodyPr>
+          <a:lstStyle/>
+          <a:p>
+            <a:r>
+              <a:rPr lang="en-GB" dirty="0"/>
+              <a:t>https://www.flaticon.com/free-icon/data-cleaning_5140039</a:t>
+            </a:r>
+          </a:p>
+        </p:txBody>
+      </p:sp>
+      <p:sp>
+        <p:nvSpPr>
+          <p:cNvPr id="3" name="TextBox 2">
+            <a:extLst>
+              <a:ext uri="{FF2B5EF4-FFF2-40B4-BE49-F238E27FC236}">
+                <a16:creationId xmlns:a16="http://schemas.microsoft.com/office/drawing/2014/main" id="{E9D3D005-D333-9578-E232-0AF0A5D68D0C}"/>
+              </a:ext>
+            </a:extLst>
+          </p:cNvPr>
+          <p:cNvSpPr txBox="1"/>
+          <p:nvPr/>
+        </p:nvSpPr>
+        <p:spPr>
+          <a:xfrm>
+            <a:off x="727788" y="1690688"/>
+            <a:ext cx="6097656" cy="4401205"/>
+          </a:xfrm>
+          <a:prstGeom prst="rect">
+            <a:avLst/>
+          </a:prstGeom>
+          <a:noFill/>
+        </p:spPr>
+        <p:txBody>
+          <a:bodyPr wrap="square" rtlCol="0">
+            <a:spAutoFit/>
+          </a:bodyPr>
+          <a:lstStyle/>
+          <a:p>
+            <a:pPr marL="285750" indent="-285750">
+              <a:buFont typeface="Arial" panose="020B0604020202020204" pitchFamily="34" charset="0"/>
+              <a:buChar char="•"/>
+            </a:pPr>
+            <a:r>
+              <a:rPr lang="en-GB" sz="2800" dirty="0">
+                <a:solidFill>
+                  <a:srgbClr val="1F2328"/>
+                </a:solidFill>
+              </a:rPr>
+              <a:t>r</a:t>
+            </a:r>
+            <a:r>
+              <a:rPr lang="en-GB" sz="2800" b="0" i="0" dirty="0">
+                <a:solidFill>
+                  <a:srgbClr val="1F2328"/>
+                </a:solidFill>
+                <a:effectLst/>
+              </a:rPr>
+              <a:t>emoving/Imputing missing values</a:t>
+            </a:r>
+          </a:p>
+          <a:p>
+            <a:pPr marL="285750" indent="-285750">
+              <a:buFont typeface="Arial" panose="020B0604020202020204" pitchFamily="34" charset="0"/>
+              <a:buChar char="•"/>
+            </a:pPr>
+            <a:r>
+              <a:rPr lang="en-GB" sz="2800" dirty="0">
+                <a:solidFill>
+                  <a:srgbClr val="1F2328"/>
+                </a:solidFill>
+              </a:rPr>
+              <a:t>r</a:t>
+            </a:r>
+            <a:r>
+              <a:rPr lang="en-GB" sz="2800" b="0" i="0" dirty="0">
+                <a:solidFill>
+                  <a:srgbClr val="1F2328"/>
+                </a:solidFill>
+                <a:effectLst/>
+              </a:rPr>
+              <a:t>emoving low variance columns/rows</a:t>
+            </a:r>
+          </a:p>
+          <a:p>
+            <a:pPr marL="285750" indent="-285750">
+              <a:buFont typeface="Arial" panose="020B0604020202020204" pitchFamily="34" charset="0"/>
+              <a:buChar char="•"/>
+            </a:pPr>
+            <a:r>
+              <a:rPr lang="en-GB" sz="2800" dirty="0">
+                <a:solidFill>
+                  <a:srgbClr val="1F2328"/>
+                </a:solidFill>
+              </a:rPr>
+              <a:t>r</a:t>
+            </a:r>
+            <a:r>
+              <a:rPr lang="en-GB" sz="2800" b="0" i="0" dirty="0">
+                <a:solidFill>
+                  <a:srgbClr val="1F2328"/>
+                </a:solidFill>
+                <a:effectLst/>
+              </a:rPr>
+              <a:t>emoving batch effects</a:t>
+            </a:r>
+          </a:p>
+          <a:p>
+            <a:pPr marL="285750" indent="-285750">
+              <a:buFont typeface="Arial" panose="020B0604020202020204" pitchFamily="34" charset="0"/>
+              <a:buChar char="•"/>
+            </a:pPr>
+            <a:r>
+              <a:rPr lang="en-GB" sz="2800" b="0" i="0" dirty="0">
+                <a:solidFill>
+                  <a:srgbClr val="1F2328"/>
+                </a:solidFill>
+                <a:effectLst/>
+              </a:rPr>
+              <a:t>correcting format of data</a:t>
+            </a:r>
+          </a:p>
+          <a:p>
+            <a:pPr marL="285750" indent="-285750">
+              <a:buFont typeface="Arial" panose="020B0604020202020204" pitchFamily="34" charset="0"/>
+              <a:buChar char="•"/>
+            </a:pPr>
+            <a:r>
+              <a:rPr lang="en-GB" sz="2800" dirty="0">
+                <a:solidFill>
+                  <a:srgbClr val="1F2328"/>
+                </a:solidFill>
+              </a:rPr>
+              <a:t>r</a:t>
+            </a:r>
+            <a:r>
+              <a:rPr lang="en-GB" sz="2800" b="0" i="0" dirty="0">
+                <a:solidFill>
+                  <a:srgbClr val="1F2328"/>
+                </a:solidFill>
+                <a:effectLst/>
+              </a:rPr>
+              <a:t>e-ordering rows/columns in meaningful and useful ways</a:t>
+            </a:r>
+          </a:p>
+          <a:p>
+            <a:pPr marL="285750" indent="-285750">
+              <a:buFont typeface="Arial" panose="020B0604020202020204" pitchFamily="34" charset="0"/>
+              <a:buChar char="•"/>
+            </a:pPr>
+            <a:endParaRPr lang="en-GB" sz="2800" b="0" i="0" dirty="0">
+              <a:solidFill>
+                <a:srgbClr val="1F2328"/>
+              </a:solidFill>
+              <a:effectLst/>
+            </a:endParaRPr>
+          </a:p>
+          <a:p>
+            <a:pPr marL="285750" indent="-285750">
+              <a:buFont typeface="Arial" panose="020B0604020202020204" pitchFamily="34" charset="0"/>
+              <a:buChar char="•"/>
+            </a:pPr>
+            <a:endParaRPr lang="en-GB" sz="2800" b="0" i="0" dirty="0">
+              <a:solidFill>
+                <a:srgbClr val="1F2328"/>
+              </a:solidFill>
+              <a:effectLst/>
+            </a:endParaRPr>
+          </a:p>
+          <a:p>
+            <a:pPr marL="285750" indent="-285750">
+              <a:buFont typeface="Arial" panose="020B0604020202020204" pitchFamily="34" charset="0"/>
+              <a:buChar char="•"/>
+            </a:pPr>
+            <a:endParaRPr lang="en-GB" sz="2800" b="0" i="0" dirty="0">
+              <a:solidFill>
+                <a:srgbClr val="1F2328"/>
+              </a:solidFill>
+              <a:effectLst/>
+            </a:endParaRPr>
+          </a:p>
+          <a:p>
+            <a:endParaRPr lang="en-GB" sz="2800" dirty="0"/>
+          </a:p>
+        </p:txBody>
+      </p:sp>
+    </p:spTree>
+    <p:extLst>
+      <p:ext uri="{BB962C8B-B14F-4D97-AF65-F5344CB8AC3E}">
+        <p14:creationId xmlns:p14="http://schemas.microsoft.com/office/powerpoint/2010/main" val="2337419753"/>
+      </p:ext>
+    </p:extLst>
+  </p:cSld>
+  <p:clrMapOvr>
+    <a:masterClrMapping/>
+  </p:clrMapOvr>
+</p:sld>
+</file>
+
+<file path=ppt/slides/slide16.xml><?xml version="1.0" encoding="utf-8"?>
+<p:sld xmlns:a="http://schemas.openxmlformats.org/drawingml/2006/main" xmlns:r="http://schemas.openxmlformats.org/officeDocument/2006/relationships" xmlns:p="http://schemas.openxmlformats.org/presentationml/2006/main">
+  <p:cSld>
+    <p:spTree>
+      <p:nvGrpSpPr>
+        <p:cNvPr id="1" name=""/>
+        <p:cNvGrpSpPr/>
+        <p:nvPr/>
+      </p:nvGrpSpPr>
+      <p:grpSpPr>
+        <a:xfrm>
+          <a:off x="0" y="0"/>
+          <a:ext cx="0" cy="0"/>
+          <a:chOff x="0" y="0"/>
+          <a:chExt cx="0" cy="0"/>
+        </a:xfrm>
+      </p:grpSpPr>
+      <p:sp>
+        <p:nvSpPr>
+          <p:cNvPr id="2" name="Title 1">
+            <a:extLst>
+              <a:ext uri="{FF2B5EF4-FFF2-40B4-BE49-F238E27FC236}">
+                <a16:creationId xmlns:a16="http://schemas.microsoft.com/office/drawing/2014/main" id="{08B1225D-0569-3C6C-A531-A591740F517F}"/>
+              </a:ext>
+            </a:extLst>
+          </p:cNvPr>
+          <p:cNvSpPr>
+            <a:spLocks noGrp="1"/>
+          </p:cNvSpPr>
+          <p:nvPr>
+            <p:ph type="title"/>
+          </p:nvPr>
+        </p:nvSpPr>
+        <p:spPr/>
+        <p:txBody>
+          <a:bodyPr/>
+          <a:lstStyle/>
+          <a:p>
+            <a:r>
+              <a:rPr lang="en-GB" dirty="0"/>
+              <a:t>Exploratory data analysis</a:t>
+            </a:r>
+          </a:p>
+        </p:txBody>
+      </p:sp>
+      <p:sp>
+        <p:nvSpPr>
+          <p:cNvPr id="3" name="Content Placeholder 2">
+            <a:extLst>
+              <a:ext uri="{FF2B5EF4-FFF2-40B4-BE49-F238E27FC236}">
+                <a16:creationId xmlns:a16="http://schemas.microsoft.com/office/drawing/2014/main" id="{5F4CFF5E-75B8-42F4-8CC6-7F8AC93D1C48}"/>
+              </a:ext>
+            </a:extLst>
+          </p:cNvPr>
+          <p:cNvSpPr>
+            <a:spLocks noGrp="1"/>
+          </p:cNvSpPr>
+          <p:nvPr>
+            <p:ph idx="1"/>
+          </p:nvPr>
+        </p:nvSpPr>
+        <p:spPr>
+          <a:xfrm>
+            <a:off x="838200" y="1424409"/>
+            <a:ext cx="8991600" cy="1626701"/>
+          </a:xfrm>
+        </p:spPr>
+        <p:txBody>
+          <a:bodyPr>
+            <a:normAutofit lnSpcReduction="10000"/>
+          </a:bodyPr>
+          <a:lstStyle/>
+          <a:p>
+            <a:r>
+              <a:rPr lang="en-US" dirty="0"/>
+              <a:t>data description</a:t>
+            </a:r>
+          </a:p>
+          <a:p>
+            <a:pPr lvl="1"/>
+            <a:r>
+              <a:rPr lang="en-US" dirty="0"/>
+              <a:t>examining the data types, dimensions and summary statistics</a:t>
+            </a:r>
+          </a:p>
+          <a:p>
+            <a:pPr lvl="1"/>
+            <a:r>
+              <a:rPr lang="en-US" dirty="0"/>
+              <a:t>assessing distribution of variables (QQ-plot)</a:t>
+            </a:r>
+          </a:p>
+          <a:p>
+            <a:pPr lvl="1"/>
+            <a:r>
+              <a:rPr lang="en-US" dirty="0"/>
+              <a:t>Identify associations and correlations (Pearson &amp; Spearman)</a:t>
+            </a:r>
+          </a:p>
+        </p:txBody>
+      </p:sp>
+      <p:pic>
+        <p:nvPicPr>
+          <p:cNvPr id="5" name="Picture 4">
+            <a:extLst>
+              <a:ext uri="{FF2B5EF4-FFF2-40B4-BE49-F238E27FC236}">
+                <a16:creationId xmlns:a16="http://schemas.microsoft.com/office/drawing/2014/main" id="{191F0AEA-D8BC-2E46-66F5-DF2D9D5C6C95}"/>
+              </a:ext>
+            </a:extLst>
+          </p:cNvPr>
+          <p:cNvPicPr>
+            <a:picLocks noChangeAspect="1"/>
+          </p:cNvPicPr>
+          <p:nvPr/>
+        </p:nvPicPr>
+        <p:blipFill>
+          <a:blip r:embed="rId2"/>
+          <a:stretch>
+            <a:fillRect/>
+          </a:stretch>
+        </p:blipFill>
+        <p:spPr>
+          <a:xfrm>
+            <a:off x="4686554" y="3051110"/>
+            <a:ext cx="6667246" cy="3441765"/>
+          </a:xfrm>
+          <a:prstGeom prst="rect">
+            <a:avLst/>
+          </a:prstGeom>
+        </p:spPr>
+      </p:pic>
+      <p:sp>
+        <p:nvSpPr>
+          <p:cNvPr id="8" name="Content Placeholder 2">
+            <a:extLst>
+              <a:ext uri="{FF2B5EF4-FFF2-40B4-BE49-F238E27FC236}">
+                <a16:creationId xmlns:a16="http://schemas.microsoft.com/office/drawing/2014/main" id="{E3560CF1-06CE-FB97-A9B2-860B30A05570}"/>
+              </a:ext>
+            </a:extLst>
+          </p:cNvPr>
+          <p:cNvSpPr txBox="1">
+            <a:spLocks/>
+          </p:cNvSpPr>
+          <p:nvPr/>
+        </p:nvSpPr>
+        <p:spPr>
+          <a:xfrm>
+            <a:off x="838200" y="3051110"/>
+            <a:ext cx="3848354" cy="3195832"/>
+          </a:xfrm>
+          <a:prstGeom prst="rect">
+            <a:avLst/>
+          </a:prstGeom>
+        </p:spPr>
+        <p:txBody>
+          <a:bodyPr vert="horz" lIns="91440" tIns="45720" rIns="91440" bIns="45720" rtlCol="0">
+            <a:normAutofit/>
+          </a:bodyPr>
+          <a:lstStyle>
+            <a:lvl1pPr marL="228600" indent="-228600" algn="l" defTabSz="914400" rtl="0" eaLnBrk="1" latinLnBrk="0" hangingPunct="1">
+              <a:lnSpc>
+                <a:spcPct val="90000"/>
+              </a:lnSpc>
+              <a:spcBef>
+                <a:spcPts val="1000"/>
+              </a:spcBef>
+              <a:buFont typeface="Arial" panose="020B0604020202020204" pitchFamily="34" charset="0"/>
+              <a:buChar char="•"/>
+              <a:defRPr sz="2800" kern="1200">
+                <a:solidFill>
+                  <a:schemeClr val="tx1"/>
+                </a:solidFill>
+                <a:latin typeface="+mn-lt"/>
+                <a:ea typeface="+mn-ea"/>
+                <a:cs typeface="+mn-cs"/>
+              </a:defRPr>
+            </a:lvl1pPr>
+            <a:lvl2pPr marL="685800" indent="-228600" algn="l" defTabSz="914400" rtl="0" eaLnBrk="1" latinLnBrk="0" hangingPunct="1">
+              <a:lnSpc>
+                <a:spcPct val="90000"/>
+              </a:lnSpc>
+              <a:spcBef>
+                <a:spcPts val="500"/>
+              </a:spcBef>
+              <a:buFont typeface="Arial" panose="020B0604020202020204" pitchFamily="34" charset="0"/>
+              <a:buChar char="•"/>
+              <a:defRPr sz="2400" kern="1200">
+                <a:solidFill>
+                  <a:schemeClr val="tx1"/>
+                </a:solidFill>
+                <a:latin typeface="+mn-lt"/>
+                <a:ea typeface="+mn-ea"/>
+                <a:cs typeface="+mn-cs"/>
+              </a:defRPr>
+            </a:lvl2pPr>
+            <a:lvl3pPr marL="1143000" indent="-228600" algn="l" defTabSz="914400" rtl="0" eaLnBrk="1" latinLnBrk="0" hangingPunct="1">
+              <a:lnSpc>
+                <a:spcPct val="90000"/>
+              </a:lnSpc>
+              <a:spcBef>
+                <a:spcPts val="500"/>
+              </a:spcBef>
+              <a:buFont typeface="Arial" panose="020B0604020202020204" pitchFamily="34" charset="0"/>
+              <a:buChar char="•"/>
+              <a:defRPr sz="2000" kern="1200">
+                <a:solidFill>
+                  <a:schemeClr val="tx1"/>
+                </a:solidFill>
+                <a:latin typeface="+mn-lt"/>
+                <a:ea typeface="+mn-ea"/>
+                <a:cs typeface="+mn-cs"/>
+              </a:defRPr>
+            </a:lvl3pPr>
+            <a:lvl4pPr marL="1600200" indent="-228600" algn="l" defTabSz="914400" rtl="0" eaLnBrk="1" latinLnBrk="0" hangingPunct="1">
+              <a:lnSpc>
+                <a:spcPct val="90000"/>
+              </a:lnSpc>
+              <a:spcBef>
+                <a:spcPts val="500"/>
+              </a:spcBef>
+              <a:buFont typeface="Arial" panose="020B0604020202020204" pitchFamily="34" charset="0"/>
+              <a:buChar char="•"/>
+              <a:defRPr sz="1800" kern="1200">
+                <a:solidFill>
+                  <a:schemeClr val="tx1"/>
+                </a:solidFill>
+                <a:latin typeface="+mn-lt"/>
+                <a:ea typeface="+mn-ea"/>
+                <a:cs typeface="+mn-cs"/>
+              </a:defRPr>
+            </a:lvl4pPr>
+            <a:lvl5pPr marL="2057400" indent="-228600" algn="l" defTabSz="914400" rtl="0" eaLnBrk="1" latinLnBrk="0" hangingPunct="1">
+              <a:lnSpc>
+                <a:spcPct val="90000"/>
+              </a:lnSpc>
+              <a:spcBef>
+                <a:spcPts val="500"/>
+              </a:spcBef>
+              <a:buFont typeface="Arial" panose="020B0604020202020204" pitchFamily="34" charset="0"/>
+              <a:buChar char="•"/>
+              <a:defRPr sz="1800" kern="1200">
+                <a:solidFill>
+                  <a:schemeClr val="tx1"/>
+                </a:solidFill>
+                <a:latin typeface="+mn-lt"/>
+                <a:ea typeface="+mn-ea"/>
+                <a:cs typeface="+mn-cs"/>
+              </a:defRPr>
+            </a:lvl5pPr>
+            <a:lvl6pPr marL="2514600" indent="-228600" algn="l" defTabSz="914400" rtl="0" eaLnBrk="1" latinLnBrk="0" hangingPunct="1">
+              <a:lnSpc>
+                <a:spcPct val="90000"/>
+              </a:lnSpc>
+              <a:spcBef>
+                <a:spcPts val="500"/>
+              </a:spcBef>
+              <a:buFont typeface="Arial" panose="020B0604020202020204" pitchFamily="34" charset="0"/>
+              <a:buChar char="•"/>
+              <a:defRPr sz="1800" kern="1200">
+                <a:solidFill>
+                  <a:schemeClr val="tx1"/>
+                </a:solidFill>
+                <a:latin typeface="+mn-lt"/>
+                <a:ea typeface="+mn-ea"/>
+                <a:cs typeface="+mn-cs"/>
+              </a:defRPr>
+            </a:lvl6pPr>
+            <a:lvl7pPr marL="2971800" indent="-228600" algn="l" defTabSz="914400" rtl="0" eaLnBrk="1" latinLnBrk="0" hangingPunct="1">
+              <a:lnSpc>
+                <a:spcPct val="90000"/>
+              </a:lnSpc>
+              <a:spcBef>
+                <a:spcPts val="500"/>
+              </a:spcBef>
+              <a:buFont typeface="Arial" panose="020B0604020202020204" pitchFamily="34" charset="0"/>
+              <a:buChar char="•"/>
+              <a:defRPr sz="1800" kern="1200">
+                <a:solidFill>
+                  <a:schemeClr val="tx1"/>
+                </a:solidFill>
+                <a:latin typeface="+mn-lt"/>
+                <a:ea typeface="+mn-ea"/>
+                <a:cs typeface="+mn-cs"/>
+              </a:defRPr>
+            </a:lvl7pPr>
+            <a:lvl8pPr marL="3429000" indent="-228600" algn="l" defTabSz="914400" rtl="0" eaLnBrk="1" latinLnBrk="0" hangingPunct="1">
+              <a:lnSpc>
+                <a:spcPct val="90000"/>
+              </a:lnSpc>
+              <a:spcBef>
+                <a:spcPts val="500"/>
+              </a:spcBef>
+              <a:buFont typeface="Arial" panose="020B0604020202020204" pitchFamily="34" charset="0"/>
+              <a:buChar char="•"/>
+              <a:defRPr sz="1800" kern="1200">
+                <a:solidFill>
+                  <a:schemeClr val="tx1"/>
+                </a:solidFill>
+                <a:latin typeface="+mn-lt"/>
+                <a:ea typeface="+mn-ea"/>
+                <a:cs typeface="+mn-cs"/>
+              </a:defRPr>
+            </a:lvl8pPr>
+            <a:lvl9pPr marL="3886200" indent="-228600" algn="l" defTabSz="914400" rtl="0" eaLnBrk="1" latinLnBrk="0" hangingPunct="1">
+              <a:lnSpc>
+                <a:spcPct val="90000"/>
+              </a:lnSpc>
+              <a:spcBef>
+                <a:spcPts val="500"/>
+              </a:spcBef>
+              <a:buFont typeface="Arial" panose="020B0604020202020204" pitchFamily="34" charset="0"/>
+              <a:buChar char="•"/>
+              <a:defRPr sz="1800" kern="1200">
+                <a:solidFill>
+                  <a:schemeClr val="tx1"/>
+                </a:solidFill>
+                <a:latin typeface="+mn-lt"/>
+                <a:ea typeface="+mn-ea"/>
+                <a:cs typeface="+mn-cs"/>
+              </a:defRPr>
+            </a:lvl9pPr>
+          </a:lstStyle>
+          <a:p>
+            <a:r>
+              <a:rPr lang="en-US" sz="2800" dirty="0"/>
+              <a:t>data visualization</a:t>
+            </a:r>
+          </a:p>
+          <a:p>
+            <a:pPr lvl="1"/>
+            <a:r>
+              <a:rPr lang="en-GB" sz="2400" dirty="0"/>
+              <a:t>histogram, box plots, scatter plots</a:t>
+            </a:r>
+          </a:p>
+          <a:p>
+            <a:r>
+              <a:rPr lang="en-GB" sz="2800" dirty="0"/>
+              <a:t>dimension reduction</a:t>
+            </a:r>
+          </a:p>
+          <a:p>
+            <a:pPr lvl="1"/>
+            <a:r>
+              <a:rPr lang="en-GB" sz="2400" dirty="0"/>
+              <a:t>k-means clustering</a:t>
+            </a:r>
+          </a:p>
+          <a:p>
+            <a:r>
+              <a:rPr lang="en-GB" dirty="0"/>
+              <a:t>statistical test</a:t>
+            </a:r>
+          </a:p>
+          <a:p>
+            <a:pPr lvl="1"/>
+            <a:r>
+              <a:rPr lang="en-GB" dirty="0"/>
+              <a:t>t-test</a:t>
+            </a:r>
+          </a:p>
+          <a:p>
+            <a:pPr lvl="1"/>
+            <a:endParaRPr lang="en-GB" sz="2000" dirty="0"/>
+          </a:p>
+          <a:p>
+            <a:endParaRPr lang="en-GB" dirty="0"/>
+          </a:p>
+        </p:txBody>
+      </p:sp>
+    </p:spTree>
+    <p:extLst>
+      <p:ext uri="{BB962C8B-B14F-4D97-AF65-F5344CB8AC3E}">
+        <p14:creationId xmlns:p14="http://schemas.microsoft.com/office/powerpoint/2010/main" val="1905948082"/>
+      </p:ext>
+    </p:extLst>
+  </p:cSld>
+  <p:clrMapOvr>
+    <a:masterClrMapping/>
+  </p:clrMapOvr>
+</p:sld>
+</file>
+
+<file path=ppt/slides/slide17.xml><?xml version="1.0" encoding="utf-8"?>
+<p:sld xmlns:a="http://schemas.openxmlformats.org/drawingml/2006/main" xmlns:r="http://schemas.openxmlformats.org/officeDocument/2006/relationships" xmlns:p="http://schemas.openxmlformats.org/presentationml/2006/main">
+  <p:cSld>
+    <p:spTree>
+      <p:nvGrpSpPr>
+        <p:cNvPr id="1" name=""/>
+        <p:cNvGrpSpPr/>
+        <p:nvPr/>
+      </p:nvGrpSpPr>
+      <p:grpSpPr>
+        <a:xfrm>
+          <a:off x="0" y="0"/>
+          <a:ext cx="0" cy="0"/>
+          <a:chOff x="0" y="0"/>
+          <a:chExt cx="0" cy="0"/>
+        </a:xfrm>
+      </p:grpSpPr>
+      <p:sp>
+        <p:nvSpPr>
+          <p:cNvPr id="2" name="Title 1">
+            <a:extLst>
+              <a:ext uri="{FF2B5EF4-FFF2-40B4-BE49-F238E27FC236}">
+                <a16:creationId xmlns:a16="http://schemas.microsoft.com/office/drawing/2014/main" id="{E17276DF-1ABE-4018-5F27-73784B8D6C7D}"/>
+              </a:ext>
+            </a:extLst>
+          </p:cNvPr>
+          <p:cNvSpPr>
+            <a:spLocks noGrp="1"/>
+          </p:cNvSpPr>
+          <p:nvPr>
+            <p:ph type="title"/>
+          </p:nvPr>
+        </p:nvSpPr>
+        <p:spPr/>
+        <p:txBody>
+          <a:bodyPr/>
+          <a:lstStyle/>
+          <a:p>
+            <a:r>
+              <a:rPr lang="en-US" dirty="0"/>
+              <a:t>Spatial analysis and mapping</a:t>
+            </a:r>
+          </a:p>
+        </p:txBody>
+      </p:sp>
+      <p:pic>
+        <p:nvPicPr>
+          <p:cNvPr id="5" name="Content Placeholder 4" descr="A picture containing text, map&#10;&#10;Description automatically generated">
+            <a:extLst>
+              <a:ext uri="{FF2B5EF4-FFF2-40B4-BE49-F238E27FC236}">
+                <a16:creationId xmlns:a16="http://schemas.microsoft.com/office/drawing/2014/main" id="{256A982A-15EF-672C-5DE9-F837AA11A9BB}"/>
+              </a:ext>
+            </a:extLst>
+          </p:cNvPr>
+          <p:cNvPicPr>
+            <a:picLocks noGrp="1" noChangeAspect="1"/>
+          </p:cNvPicPr>
+          <p:nvPr>
+            <p:ph idx="1"/>
+          </p:nvPr>
+        </p:nvPicPr>
+        <p:blipFill rotWithShape="1">
+          <a:blip r:embed="rId2">
+            <a:extLst>
+              <a:ext uri="{28A0092B-C50C-407E-A947-70E740481C1C}">
+                <a14:useLocalDpi xmlns:a14="http://schemas.microsoft.com/office/drawing/2010/main" val="0"/>
+              </a:ext>
+            </a:extLst>
+          </a:blip>
+          <a:srcRect t="12747" b="-3090"/>
+          <a:stretch/>
+        </p:blipFill>
+        <p:spPr>
+          <a:xfrm>
+            <a:off x="838200" y="1916113"/>
+            <a:ext cx="2651760" cy="4392096"/>
+          </a:xfrm>
+        </p:spPr>
+      </p:pic>
+      <p:sp>
+        <p:nvSpPr>
+          <p:cNvPr id="7" name="TextBox 6">
+            <a:extLst>
+              <a:ext uri="{FF2B5EF4-FFF2-40B4-BE49-F238E27FC236}">
+                <a16:creationId xmlns:a16="http://schemas.microsoft.com/office/drawing/2014/main" id="{35C55692-6E24-B3DF-2155-3FEEC4B507E2}"/>
+              </a:ext>
+            </a:extLst>
+          </p:cNvPr>
+          <p:cNvSpPr txBox="1"/>
+          <p:nvPr/>
+        </p:nvSpPr>
+        <p:spPr>
+          <a:xfrm>
+            <a:off x="838200" y="6308209"/>
+            <a:ext cx="6097554" cy="369332"/>
+          </a:xfrm>
+          <a:prstGeom prst="rect">
+            <a:avLst/>
+          </a:prstGeom>
+          <a:noFill/>
+        </p:spPr>
+        <p:txBody>
+          <a:bodyPr wrap="square">
+            <a:spAutoFit/>
+          </a:bodyPr>
+          <a:lstStyle/>
+          <a:p>
+            <a:r>
+              <a:rPr lang="en-GB" dirty="0"/>
+              <a:t>https://gadm.org/maps/THA.html</a:t>
+            </a:r>
+          </a:p>
+        </p:txBody>
+      </p:sp>
+      <p:sp>
+        <p:nvSpPr>
+          <p:cNvPr id="3" name="TextBox 2">
+            <a:extLst>
+              <a:ext uri="{FF2B5EF4-FFF2-40B4-BE49-F238E27FC236}">
+                <a16:creationId xmlns:a16="http://schemas.microsoft.com/office/drawing/2014/main" id="{15C9AF57-2241-B891-69CC-F6D0A6825429}"/>
+              </a:ext>
+            </a:extLst>
+          </p:cNvPr>
+          <p:cNvSpPr txBox="1"/>
+          <p:nvPr/>
+        </p:nvSpPr>
+        <p:spPr>
+          <a:xfrm>
+            <a:off x="4783882" y="1957477"/>
+            <a:ext cx="6319547" cy="3539430"/>
+          </a:xfrm>
+          <a:prstGeom prst="rect">
+            <a:avLst/>
+          </a:prstGeom>
+          <a:noFill/>
+        </p:spPr>
+        <p:txBody>
+          <a:bodyPr wrap="square" rtlCol="0">
+            <a:spAutoFit/>
+          </a:bodyPr>
+          <a:lstStyle/>
+          <a:p>
+            <a:pPr marL="285750" indent="-285750">
+              <a:buFont typeface="Arial" panose="020B0604020202020204" pitchFamily="34" charset="0"/>
+              <a:buChar char="•"/>
+            </a:pPr>
+            <a:r>
+              <a:rPr lang="en-GB" sz="2800" dirty="0"/>
+              <a:t>use of Geographic Information System (GIS) techniques to perform spatial analysis</a:t>
+            </a:r>
+          </a:p>
+          <a:p>
+            <a:pPr marL="285750" indent="-285750">
+              <a:buFont typeface="Arial" panose="020B0604020202020204" pitchFamily="34" charset="0"/>
+              <a:buChar char="•"/>
+            </a:pPr>
+            <a:r>
+              <a:rPr lang="en-GB" sz="2800" dirty="0"/>
+              <a:t>identify clusters, spatial trends and relations between temperature and dengue outbreaks</a:t>
+            </a:r>
+          </a:p>
+          <a:p>
+            <a:pPr marL="285750" indent="-285750">
+              <a:buFont typeface="Arial" panose="020B0604020202020204" pitchFamily="34" charset="0"/>
+              <a:buChar char="•"/>
+            </a:pPr>
+            <a:r>
+              <a:rPr lang="en-GB" sz="2800" dirty="0"/>
+              <a:t>visualize disease and temperature patterns</a:t>
+            </a:r>
+          </a:p>
+        </p:txBody>
+      </p:sp>
+    </p:spTree>
+    <p:extLst>
+      <p:ext uri="{BB962C8B-B14F-4D97-AF65-F5344CB8AC3E}">
+        <p14:creationId xmlns:p14="http://schemas.microsoft.com/office/powerpoint/2010/main" val="1810839494"/>
+      </p:ext>
+    </p:extLst>
+  </p:cSld>
+  <p:clrMapOvr>
+    <a:masterClrMapping/>
+  </p:clrMapOvr>
+</p:sld>
+</file>
+
+<file path=ppt/slides/slide18.xml><?xml version="1.0" encoding="utf-8"?>
+<p:sld xmlns:a="http://schemas.openxmlformats.org/drawingml/2006/main" xmlns:r="http://schemas.openxmlformats.org/officeDocument/2006/relationships" xmlns:p="http://schemas.openxmlformats.org/presentationml/2006/main">
+  <p:cSld>
+    <p:spTree>
+      <p:nvGrpSpPr>
+        <p:cNvPr id="1" name=""/>
+        <p:cNvGrpSpPr/>
+        <p:nvPr/>
+      </p:nvGrpSpPr>
+      <p:grpSpPr>
+        <a:xfrm>
+          <a:off x="0" y="0"/>
+          <a:ext cx="0" cy="0"/>
+          <a:chOff x="0" y="0"/>
+          <a:chExt cx="0" cy="0"/>
+        </a:xfrm>
+      </p:grpSpPr>
+      <p:sp>
+        <p:nvSpPr>
+          <p:cNvPr id="4" name="Titel 3">
+            <a:extLst>
+              <a:ext uri="{FF2B5EF4-FFF2-40B4-BE49-F238E27FC236}">
+                <a16:creationId xmlns:a16="http://schemas.microsoft.com/office/drawing/2014/main" id="{D8D10377-3C07-810A-4029-62F9C13690E8}"/>
+              </a:ext>
+            </a:extLst>
+          </p:cNvPr>
+          <p:cNvSpPr>
+            <a:spLocks noGrp="1"/>
+          </p:cNvSpPr>
+          <p:nvPr>
+            <p:ph type="title"/>
+          </p:nvPr>
+        </p:nvSpPr>
+        <p:spPr/>
+        <p:txBody>
+          <a:bodyPr/>
+          <a:lstStyle/>
+          <a:p>
+            <a:r>
+              <a:rPr lang="de-DE" dirty="0"/>
+              <a:t>Sources</a:t>
+            </a:r>
+          </a:p>
+        </p:txBody>
+      </p:sp>
+      <p:sp>
+        <p:nvSpPr>
+          <p:cNvPr id="5" name="Inhaltsplatzhalter 4">
+            <a:extLst>
+              <a:ext uri="{FF2B5EF4-FFF2-40B4-BE49-F238E27FC236}">
+                <a16:creationId xmlns:a16="http://schemas.microsoft.com/office/drawing/2014/main" id="{A894A3BF-4653-9518-6BF3-4D88347B3A73}"/>
+              </a:ext>
+            </a:extLst>
+          </p:cNvPr>
+          <p:cNvSpPr>
+            <a:spLocks noGrp="1"/>
+          </p:cNvSpPr>
+          <p:nvPr>
+            <p:ph idx="1"/>
+          </p:nvPr>
+        </p:nvSpPr>
+        <p:spPr/>
+        <p:txBody>
+          <a:bodyPr/>
+          <a:lstStyle/>
+          <a:p>
+            <a:r>
+              <a:rPr lang="de-DE" dirty="0"/>
+              <a:t>Masud, M. B., </a:t>
+            </a:r>
+            <a:r>
+              <a:rPr lang="de-DE" dirty="0" err="1"/>
+              <a:t>Soni</a:t>
+            </a:r>
+            <a:r>
+              <a:rPr lang="de-DE" dirty="0"/>
+              <a:t>, P., Shrestha, S., &amp; </a:t>
+            </a:r>
+            <a:r>
+              <a:rPr lang="de-DE" dirty="0" err="1"/>
+              <a:t>Tripathi</a:t>
+            </a:r>
+            <a:r>
+              <a:rPr lang="de-DE" dirty="0"/>
+              <a:t>, N. K. (2016). </a:t>
+            </a:r>
+            <a:r>
+              <a:rPr lang="de-DE" dirty="0" err="1"/>
+              <a:t>Changes</a:t>
+            </a:r>
+            <a:r>
+              <a:rPr lang="de-DE" dirty="0"/>
+              <a:t> in </a:t>
+            </a:r>
+            <a:r>
+              <a:rPr lang="de-DE" dirty="0" err="1"/>
+              <a:t>climate</a:t>
+            </a:r>
+            <a:r>
+              <a:rPr lang="de-DE" dirty="0"/>
+              <a:t> extremes </a:t>
+            </a:r>
+            <a:r>
+              <a:rPr lang="de-DE" dirty="0" err="1"/>
+              <a:t>over</a:t>
+            </a:r>
+            <a:r>
+              <a:rPr lang="de-DE" dirty="0"/>
+              <a:t> North Thailand, 1960–2099. </a:t>
+            </a:r>
+            <a:r>
+              <a:rPr lang="de-DE" i="1" dirty="0" err="1"/>
+              <a:t>Downloads.Hindawi.Com</a:t>
+            </a:r>
+            <a:r>
+              <a:rPr lang="de-DE" dirty="0"/>
+              <a:t>, 1960–2099. </a:t>
+            </a:r>
+          </a:p>
+          <a:p>
+            <a:r>
+              <a:rPr lang="de-DE" dirty="0"/>
+              <a:t>*</a:t>
+            </a:r>
+            <a:r>
+              <a:rPr lang="de-DE" dirty="0" err="1"/>
+              <a:t>dengue</a:t>
+            </a:r>
+            <a:r>
+              <a:rPr lang="de-DE" dirty="0"/>
+              <a:t> source*</a:t>
+            </a:r>
+          </a:p>
+        </p:txBody>
+      </p:sp>
+    </p:spTree>
+    <p:extLst>
+      <p:ext uri="{BB962C8B-B14F-4D97-AF65-F5344CB8AC3E}">
+        <p14:creationId xmlns:p14="http://schemas.microsoft.com/office/powerpoint/2010/main" val="1500306745"/>
+      </p:ext>
+    </p:extLst>
+  </p:cSld>
+  <p:clrMapOvr>
+    <a:masterClrMapping/>
+  </p:clrMapOvr>
+</p:sld>
+</file>
+
+<file path=ppt/slides/slide19.xml><?xml version="1.0" encoding="utf-8"?>
+<p:sld xmlns:a="http://schemas.openxmlformats.org/drawingml/2006/main" xmlns:r="http://schemas.openxmlformats.org/officeDocument/2006/relationships" xmlns:p="http://schemas.openxmlformats.org/presentationml/2006/main">
+  <p:cSld>
+    <p:spTree>
+      <p:nvGrpSpPr>
+        <p:cNvPr id="1" name=""/>
+        <p:cNvGrpSpPr/>
+        <p:nvPr/>
+      </p:nvGrpSpPr>
+      <p:grpSpPr>
+        <a:xfrm>
+          <a:off x="0" y="0"/>
+          <a:ext cx="0" cy="0"/>
+          <a:chOff x="0" y="0"/>
+          <a:chExt cx="0" cy="0"/>
+        </a:xfrm>
+      </p:grpSpPr>
+      <p:sp>
+        <p:nvSpPr>
+          <p:cNvPr id="2" name="Titel 1">
+            <a:extLst>
+              <a:ext uri="{FF2B5EF4-FFF2-40B4-BE49-F238E27FC236}">
+                <a16:creationId xmlns:a16="http://schemas.microsoft.com/office/drawing/2014/main" id="{51869768-F163-65EB-9C87-29362BEE2FB0}"/>
+              </a:ext>
+            </a:extLst>
+          </p:cNvPr>
+          <p:cNvSpPr>
+            <a:spLocks noGrp="1"/>
+          </p:cNvSpPr>
+          <p:nvPr>
+            <p:ph type="title"/>
+          </p:nvPr>
+        </p:nvSpPr>
+        <p:spPr/>
+        <p:txBody>
+          <a:bodyPr/>
+          <a:lstStyle/>
+          <a:p>
+            <a:r>
+              <a:rPr lang="de-DE" dirty="0"/>
               <a:t>The </a:t>
             </a:r>
             <a:r>
-              <a:rPr lang="de-DE" dirty="0" err="1" smtClean="0"/>
+              <a:rPr lang="de-DE" dirty="0" err="1"/>
               <a:t>effect</a:t>
             </a:r>
             <a:r>
-              <a:rPr lang="de-DE" dirty="0" smtClean="0"/>
+              <a:rPr lang="de-DE" dirty="0"/>
               <a:t> </a:t>
             </a:r>
             <a:r>
-              <a:rPr lang="de-DE" dirty="0" err="1" smtClean="0"/>
+              <a:rPr lang="de-DE" dirty="0" err="1"/>
               <a:t>of</a:t>
             </a:r>
             <a:r>
-              <a:rPr lang="de-DE" dirty="0" smtClean="0"/>
+              <a:rPr lang="de-DE" dirty="0"/>
               <a:t> </a:t>
             </a:r>
             <a:r>
-              <a:rPr lang="de-DE" dirty="0" err="1" smtClean="0"/>
+              <a:rPr lang="de-DE" dirty="0" err="1"/>
               <a:t>higher</a:t>
             </a:r>
             <a:r>
-              <a:rPr lang="de-DE" dirty="0" smtClean="0"/>
+              <a:rPr lang="de-DE" dirty="0"/>
               <a:t> </a:t>
             </a:r>
             <a:r>
-              <a:rPr lang="de-DE" dirty="0" err="1" smtClean="0"/>
+              <a:rPr lang="de-DE" dirty="0" err="1"/>
               <a:t>Temperatures</a:t>
             </a:r>
             <a:r>
-              <a:rPr lang="de-DE" dirty="0" smtClean="0"/>
+              <a:rPr lang="de-DE" dirty="0"/>
               <a:t> on </a:t>
             </a:r>
             <a:r>
-              <a:rPr lang="de-DE" dirty="0" err="1" smtClean="0"/>
+              <a:rPr lang="de-DE" dirty="0" err="1"/>
               <a:t>Aedes</a:t>
             </a:r>
             <a:r>
-              <a:rPr lang="de-DE" dirty="0" smtClean="0"/>
+              <a:rPr lang="de-DE" dirty="0"/>
               <a:t> </a:t>
             </a:r>
             <a:r>
-              <a:rPr lang="de-DE" dirty="0" err="1" smtClean="0"/>
+              <a:rPr lang="de-DE" dirty="0" err="1"/>
               <a:t>mosquitoes</a:t>
             </a:r>
             <a:r>
-              <a:rPr lang="de-DE" dirty="0" smtClean="0"/>
+              <a:rPr lang="de-DE" dirty="0"/>
               <a:t> </a:t>
             </a:r>
-            <a:endParaRPr lang="de-DE" dirty="0"/>
           </a:p>
         </p:txBody>
       </p:sp>
@@ -17518,7 +21563,7 @@
           <p:cNvPr id="3" name="Inhaltsplatzhalter 2">
             <a:extLst>
               <a:ext uri="{FF2B5EF4-FFF2-40B4-BE49-F238E27FC236}">
-                <a16:creationId xmlns:a16="http://schemas.microsoft.com/office/drawing/2014/main" xmlns="" id="{5DE0BF4F-0298-067A-9F94-D71CBA67BCA6}"/>
+                <a16:creationId xmlns:a16="http://schemas.microsoft.com/office/drawing/2014/main" id="{5DE0BF4F-0298-067A-9F94-D71CBA67BCA6}"/>
               </a:ext>
             </a:extLst>
           </p:cNvPr>
@@ -17542,75 +21587,75 @@
           <a:lstStyle/>
           <a:p>
             <a:r>
-              <a:rPr lang="de-DE" dirty="0" err="1" smtClean="0"/>
+              <a:rPr lang="de-DE" dirty="0" err="1"/>
               <a:t>Increased</a:t>
             </a:r>
             <a:r>
-              <a:rPr lang="de-DE" dirty="0" smtClean="0"/>
+              <a:rPr lang="de-DE" dirty="0"/>
               <a:t> larval </a:t>
             </a:r>
             <a:r>
-              <a:rPr lang="de-DE" dirty="0" err="1" smtClean="0"/>
+              <a:rPr lang="de-DE" dirty="0" err="1"/>
               <a:t>development</a:t>
             </a:r>
             <a:r>
-              <a:rPr lang="de-DE" dirty="0" smtClean="0"/>
+              <a:rPr lang="de-DE" dirty="0"/>
               <a:t> </a:t>
             </a:r>
           </a:p>
           <a:p>
             <a:r>
-              <a:rPr lang="de-DE" dirty="0" smtClean="0"/>
+              <a:rPr lang="de-DE" dirty="0"/>
               <a:t>Higher rate </a:t>
             </a:r>
             <a:r>
-              <a:rPr lang="de-DE" dirty="0" err="1" smtClean="0"/>
+              <a:rPr lang="de-DE" dirty="0" err="1"/>
               <a:t>of</a:t>
             </a:r>
             <a:r>
-              <a:rPr lang="de-DE" dirty="0" smtClean="0"/>
+              <a:rPr lang="de-DE" dirty="0"/>
               <a:t> multiple </a:t>
             </a:r>
             <a:r>
-              <a:rPr lang="de-DE" dirty="0" err="1" smtClean="0"/>
+              <a:rPr lang="de-DE" dirty="0" err="1"/>
               <a:t>feeding</a:t>
             </a:r>
             <a:r>
-              <a:rPr lang="de-DE" dirty="0" smtClean="0"/>
+              <a:rPr lang="de-DE" dirty="0"/>
               <a:t> </a:t>
             </a:r>
           </a:p>
           <a:p>
             <a:r>
-              <a:rPr lang="de-DE" dirty="0" err="1" smtClean="0"/>
+              <a:rPr lang="de-DE" dirty="0" err="1"/>
               <a:t>Extrinsic</a:t>
             </a:r>
             <a:r>
-              <a:rPr lang="de-DE" dirty="0" smtClean="0"/>
+              <a:rPr lang="de-DE" dirty="0"/>
               <a:t> </a:t>
             </a:r>
             <a:r>
-              <a:rPr lang="de-DE" dirty="0" err="1" smtClean="0"/>
+              <a:rPr lang="de-DE" dirty="0" err="1"/>
               <a:t>incubation</a:t>
             </a:r>
             <a:r>
-              <a:rPr lang="de-DE" dirty="0" smtClean="0"/>
+              <a:rPr lang="de-DE" dirty="0"/>
               <a:t> </a:t>
             </a:r>
             <a:r>
-              <a:rPr lang="de-DE" dirty="0" err="1" smtClean="0"/>
+              <a:rPr lang="de-DE" dirty="0" err="1"/>
               <a:t>period</a:t>
             </a:r>
             <a:r>
-              <a:rPr lang="de-DE" dirty="0" smtClean="0"/>
+              <a:rPr lang="de-DE" dirty="0"/>
               <a:t> </a:t>
             </a:r>
             <a:r>
-              <a:rPr lang="de-DE" dirty="0" err="1" smtClean="0"/>
+              <a:rPr lang="de-DE" dirty="0" err="1"/>
               <a:t>declines</a:t>
             </a:r>
             <a:r>
-              <a:rPr lang="de-DE" dirty="0" smtClean="0"/>
+              <a:rPr lang="de-DE" dirty="0"/>
               <a:t> </a:t>
             </a:r>
           </a:p>
@@ -17619,58 +21664,58 @@
               <a:buNone/>
             </a:pPr>
             <a:r>
-              <a:rPr lang="de-DE" dirty="0" smtClean="0"/>
+              <a:rPr lang="de-DE" dirty="0"/>
               <a:t>-&gt; </a:t>
             </a:r>
             <a:r>
-              <a:rPr lang="de-DE" dirty="0" err="1" smtClean="0"/>
+              <a:rPr lang="de-DE" dirty="0" err="1"/>
               <a:t>more</a:t>
             </a:r>
             <a:r>
-              <a:rPr lang="de-DE" dirty="0" smtClean="0"/>
+              <a:rPr lang="de-DE" dirty="0"/>
               <a:t> </a:t>
             </a:r>
             <a:r>
-              <a:rPr lang="de-DE" dirty="0" err="1" smtClean="0"/>
+              <a:rPr lang="de-DE" dirty="0" err="1"/>
               <a:t>infectious</a:t>
             </a:r>
             <a:r>
-              <a:rPr lang="de-DE" dirty="0" smtClean="0"/>
+              <a:rPr lang="de-DE" dirty="0"/>
               <a:t> </a:t>
             </a:r>
             <a:r>
-              <a:rPr lang="de-DE" dirty="0" err="1" smtClean="0"/>
+              <a:rPr lang="de-DE" dirty="0" err="1"/>
               <a:t>mosquitoes</a:t>
             </a:r>
-            <a:endParaRPr lang="de-DE" dirty="0" smtClean="0"/>
-          </a:p>
-          <a:p>
-            <a:r>
-              <a:rPr lang="de-DE" dirty="0" smtClean="0"/>
+            <a:endParaRPr lang="de-DE" dirty="0"/>
+          </a:p>
+          <a:p>
+            <a:r>
+              <a:rPr lang="de-DE" dirty="0"/>
               <a:t>Enhanced viral </a:t>
             </a:r>
             <a:r>
-              <a:rPr lang="de-DE" dirty="0" err="1" smtClean="0"/>
+              <a:rPr lang="de-DE" dirty="0" err="1"/>
               <a:t>replication</a:t>
             </a:r>
             <a:r>
-              <a:rPr lang="de-DE" dirty="0" smtClean="0"/>
+              <a:rPr lang="de-DE" dirty="0"/>
               <a:t> in </a:t>
             </a:r>
             <a:r>
-              <a:rPr lang="de-DE" dirty="0" err="1" smtClean="0"/>
+              <a:rPr lang="de-DE" dirty="0" err="1"/>
               <a:t>the</a:t>
             </a:r>
             <a:r>
-              <a:rPr lang="de-DE" dirty="0" smtClean="0"/>
+              <a:rPr lang="de-DE" dirty="0"/>
               <a:t> </a:t>
             </a:r>
             <a:r>
-              <a:rPr lang="de-DE" dirty="0" err="1" smtClean="0"/>
+              <a:rPr lang="de-DE" dirty="0" err="1"/>
               <a:t>mosquitoes</a:t>
             </a:r>
             <a:r>
-              <a:rPr lang="de-DE" dirty="0" smtClean="0"/>
+              <a:rPr lang="de-DE" dirty="0"/>
               <a:t> </a:t>
             </a:r>
           </a:p>
@@ -17882,17 +21927,115 @@
   <p:clrMapOvr>
     <a:masterClrMapping/>
   </p:clrMapOvr>
-  <p:timing>
-    <p:tnLst>
-      <p:par>
-        <p:cTn id="1" dur="indefinite" restart="never" nodeType="tmRoot"/>
-      </p:par>
-    </p:tnLst>
-  </p:timing>
 </p:sld>
 </file>
 
-<file path=ppt/slides/slide12.xml><?xml version="1.0" encoding="utf-8"?>
+<file path=ppt/slides/slide2.xml><?xml version="1.0" encoding="utf-8"?>
+<p:sld xmlns:a="http://schemas.openxmlformats.org/drawingml/2006/main" xmlns:r="http://schemas.openxmlformats.org/officeDocument/2006/relationships" xmlns:p="http://schemas.openxmlformats.org/presentationml/2006/main">
+  <p:cSld>
+    <p:bg>
+      <p:bgPr>
+        <a:solidFill>
+          <a:schemeClr val="bg1">
+            <a:alpha val="67000"/>
+          </a:schemeClr>
+        </a:solidFill>
+        <a:effectLst/>
+      </p:bgPr>
+    </p:bg>
+    <p:spTree>
+      <p:nvGrpSpPr>
+        <p:cNvPr id="1" name=""/>
+        <p:cNvGrpSpPr/>
+        <p:nvPr/>
+      </p:nvGrpSpPr>
+      <p:grpSpPr>
+        <a:xfrm>
+          <a:off x="0" y="0"/>
+          <a:ext cx="0" cy="0"/>
+          <a:chOff x="0" y="0"/>
+          <a:chExt cx="0" cy="0"/>
+        </a:xfrm>
+      </p:grpSpPr>
+      <p:sp>
+        <p:nvSpPr>
+          <p:cNvPr id="5" name="Titel 4">
+            <a:extLst>
+              <a:ext uri="{FF2B5EF4-FFF2-40B4-BE49-F238E27FC236}">
+                <a16:creationId xmlns:a16="http://schemas.microsoft.com/office/drawing/2014/main" id="{76E5E993-4C5B-4528-A383-2A56744EE22A}"/>
+              </a:ext>
+            </a:extLst>
+          </p:cNvPr>
+          <p:cNvSpPr>
+            <a:spLocks noGrp="1"/>
+          </p:cNvSpPr>
+          <p:nvPr>
+            <p:ph type="title"/>
+          </p:nvPr>
+        </p:nvSpPr>
+        <p:spPr/>
+        <p:txBody>
+          <a:bodyPr/>
+          <a:lstStyle/>
+          <a:p>
+            <a:r>
+              <a:rPr lang="de-DE" dirty="0" err="1">
+                <a:latin typeface="Cambria" panose="02040503050406030204" pitchFamily="18" charset="0"/>
+              </a:rPr>
+              <a:t>Overview</a:t>
+            </a:r>
+            <a:r>
+              <a:rPr lang="de-DE" dirty="0"/>
+              <a:t> </a:t>
+            </a:r>
+          </a:p>
+        </p:txBody>
+      </p:sp>
+      <p:graphicFrame>
+        <p:nvGraphicFramePr>
+          <p:cNvPr id="7" name="Inhaltsplatzhalter 6">
+            <a:extLst>
+              <a:ext uri="{FF2B5EF4-FFF2-40B4-BE49-F238E27FC236}">
+                <a16:creationId xmlns:a16="http://schemas.microsoft.com/office/drawing/2014/main" id="{A5122575-3839-6A14-C8FE-396601E0BF39}"/>
+              </a:ext>
+            </a:extLst>
+          </p:cNvPr>
+          <p:cNvGraphicFramePr>
+            <a:graphicFrameLocks noGrp="1"/>
+          </p:cNvGraphicFramePr>
+          <p:nvPr>
+            <p:ph idx="1"/>
+            <p:extLst>
+              <p:ext uri="{D42A27DB-BD31-4B8C-83A1-F6EECF244321}">
+                <p14:modId xmlns:p14="http://schemas.microsoft.com/office/powerpoint/2010/main" val="1765650911"/>
+              </p:ext>
+            </p:extLst>
+          </p:nvPr>
+        </p:nvGraphicFramePr>
+        <p:xfrm>
+          <a:off x="838200" y="1825625"/>
+          <a:ext cx="10515600" cy="4351338"/>
+        </p:xfrm>
+        <a:graphic>
+          <a:graphicData uri="http://schemas.openxmlformats.org/drawingml/2006/diagram">
+            <dgm:relIds xmlns:dgm="http://schemas.openxmlformats.org/drawingml/2006/diagram" xmlns:r="http://schemas.openxmlformats.org/officeDocument/2006/relationships" r:dm="rId2" r:lo="rId3" r:qs="rId4" r:cs="rId5"/>
+          </a:graphicData>
+        </a:graphic>
+      </p:graphicFrame>
+    </p:spTree>
+    <p:extLst>
+      <p:ext uri="{BB962C8B-B14F-4D97-AF65-F5344CB8AC3E}">
+        <p14:creationId xmlns:p14="http://schemas.microsoft.com/office/powerpoint/2010/main" val="2361514819"/>
+      </p:ext>
+    </p:extLst>
+  </p:cSld>
+  <p:clrMapOvr>
+    <a:masterClrMapping/>
+  </p:clrMapOvr>
+</p:sld>
+</file>
+
+<file path=ppt/slides/slide20.xml><?xml version="1.0" encoding="utf-8"?>
 <p:sld xmlns:a="http://schemas.openxmlformats.org/drawingml/2006/main" xmlns:r="http://schemas.openxmlformats.org/officeDocument/2006/relationships" xmlns:p="http://schemas.openxmlformats.org/presentationml/2006/main">
   <p:cSld>
     <p:spTree>
@@ -17914,7 +22057,7 @@
           <p:cNvPr id="2" name="Titel 1">
             <a:extLst>
               <a:ext uri="{FF2B5EF4-FFF2-40B4-BE49-F238E27FC236}">
-                <a16:creationId xmlns:a16="http://schemas.microsoft.com/office/drawing/2014/main" xmlns="" id="{51869768-F163-65EB-9C87-29362BEE2FB0}"/>
+                <a16:creationId xmlns:a16="http://schemas.microsoft.com/office/drawing/2014/main" id="{51869768-F163-65EB-9C87-29362BEE2FB0}"/>
               </a:ext>
             </a:extLst>
           </p:cNvPr>
@@ -17931,39 +22074,39 @@
           <a:lstStyle/>
           <a:p>
             <a:r>
-              <a:rPr lang="de-DE" dirty="0" err="1" smtClean="0"/>
+              <a:rPr lang="de-DE" dirty="0" err="1"/>
               <a:t>Intrinsic</a:t>
             </a:r>
             <a:r>
-              <a:rPr lang="de-DE" dirty="0" smtClean="0"/>
+              <a:rPr lang="de-DE" dirty="0"/>
               <a:t> </a:t>
             </a:r>
             <a:r>
-              <a:rPr lang="de-DE" dirty="0" err="1" smtClean="0"/>
+              <a:rPr lang="de-DE" dirty="0" err="1"/>
               <a:t>and</a:t>
             </a:r>
             <a:r>
-              <a:rPr lang="de-DE" dirty="0" smtClean="0"/>
+              <a:rPr lang="de-DE" dirty="0"/>
               <a:t> </a:t>
             </a:r>
             <a:r>
-              <a:rPr lang="de-DE" dirty="0" err="1" smtClean="0"/>
+              <a:rPr lang="de-DE" dirty="0" err="1"/>
               <a:t>extrinsic</a:t>
             </a:r>
             <a:r>
-              <a:rPr lang="de-DE" dirty="0" smtClean="0"/>
+              <a:rPr lang="de-DE" dirty="0"/>
               <a:t> </a:t>
             </a:r>
             <a:r>
-              <a:rPr lang="de-DE" dirty="0" err="1" smtClean="0"/>
+              <a:rPr lang="de-DE" dirty="0" err="1"/>
               <a:t>incubation</a:t>
             </a:r>
             <a:r>
-              <a:rPr lang="de-DE" dirty="0" smtClean="0"/>
+              <a:rPr lang="de-DE" dirty="0"/>
               <a:t> </a:t>
             </a:r>
             <a:r>
-              <a:rPr lang="de-DE" dirty="0" err="1" smtClean="0"/>
+              <a:rPr lang="de-DE" dirty="0" err="1"/>
               <a:t>period</a:t>
             </a:r>
             <a:endParaRPr lang="de-DE" dirty="0"/>
@@ -17975,7 +22118,7 @@
           <p:cNvPr id="3" name="Inhaltsplatzhalter 2">
             <a:extLst>
               <a:ext uri="{FF2B5EF4-FFF2-40B4-BE49-F238E27FC236}">
-                <a16:creationId xmlns:a16="http://schemas.microsoft.com/office/drawing/2014/main" xmlns="" id="{5DE0BF4F-0298-067A-9F94-D71CBA67BCA6}"/>
+                <a16:creationId xmlns:a16="http://schemas.microsoft.com/office/drawing/2014/main" id="{5DE0BF4F-0298-067A-9F94-D71CBA67BCA6}"/>
               </a:ext>
             </a:extLst>
           </p:cNvPr>
@@ -17994,7 +22137,7 @@
             <a:pPr marL="0" indent="0">
               <a:buNone/>
             </a:pPr>
-            <a:endParaRPr lang="de-DE" dirty="0" smtClean="0"/>
+            <a:endParaRPr lang="de-DE" dirty="0"/>
           </a:p>
         </p:txBody>
       </p:sp>
@@ -18067,17 +22210,10 @@
   <p:clrMapOvr>
     <a:masterClrMapping/>
   </p:clrMapOvr>
-  <p:timing>
-    <p:tnLst>
-      <p:par>
-        <p:cTn id="1" dur="indefinite" restart="never" nodeType="tmRoot"/>
-      </p:par>
-    </p:tnLst>
-  </p:timing>
 </p:sld>
 </file>
 
-<file path=ppt/slides/slide13.xml><?xml version="1.0" encoding="utf-8"?>
+<file path=ppt/slides/slide21.xml><?xml version="1.0" encoding="utf-8"?>
 <p:sld xmlns:a="http://schemas.openxmlformats.org/drawingml/2006/main" xmlns:r="http://schemas.openxmlformats.org/officeDocument/2006/relationships" xmlns:p="http://schemas.openxmlformats.org/presentationml/2006/main">
   <p:cSld>
     <p:spTree>
@@ -18099,7 +22235,7 @@
           <p:cNvPr id="2" name="Titel 1">
             <a:extLst>
               <a:ext uri="{FF2B5EF4-FFF2-40B4-BE49-F238E27FC236}">
-                <a16:creationId xmlns:a16="http://schemas.microsoft.com/office/drawing/2014/main" xmlns="" id="{51869768-F163-65EB-9C87-29362BEE2FB0}"/>
+                <a16:creationId xmlns:a16="http://schemas.microsoft.com/office/drawing/2014/main" id="{51869768-F163-65EB-9C87-29362BEE2FB0}"/>
               </a:ext>
             </a:extLst>
           </p:cNvPr>
@@ -18116,50 +22252,49 @@
           <a:lstStyle/>
           <a:p>
             <a:r>
-              <a:rPr lang="de-DE" dirty="0" smtClean="0"/>
+              <a:rPr lang="de-DE" dirty="0"/>
               <a:t>Replication </a:t>
             </a:r>
             <a:r>
-              <a:rPr lang="de-DE" dirty="0" err="1" smtClean="0"/>
+              <a:rPr lang="de-DE" dirty="0" err="1"/>
               <a:t>cycle</a:t>
             </a:r>
             <a:r>
-              <a:rPr lang="de-DE" dirty="0" smtClean="0"/>
+              <a:rPr lang="de-DE" dirty="0"/>
               <a:t> </a:t>
             </a:r>
             <a:r>
-              <a:rPr lang="de-DE" dirty="0" err="1" smtClean="0"/>
+              <a:rPr lang="de-DE" dirty="0" err="1"/>
               <a:t>of</a:t>
             </a:r>
             <a:r>
-              <a:rPr lang="de-DE" dirty="0" smtClean="0"/>
+              <a:rPr lang="de-DE" dirty="0"/>
               <a:t> </a:t>
             </a:r>
             <a:r>
-              <a:rPr lang="de-DE" dirty="0" err="1" smtClean="0"/>
+              <a:rPr lang="de-DE" dirty="0" err="1"/>
               <a:t>the</a:t>
             </a:r>
             <a:r>
-              <a:rPr lang="de-DE" dirty="0" smtClean="0"/>
+              <a:rPr lang="de-DE" dirty="0"/>
               <a:t> </a:t>
             </a:r>
             <a:r>
-              <a:rPr lang="de-DE" dirty="0" err="1" smtClean="0"/>
+              <a:rPr lang="de-DE" dirty="0" err="1"/>
               <a:t>aedes</a:t>
             </a:r>
             <a:r>
-              <a:rPr lang="de-DE" dirty="0" smtClean="0"/>
+              <a:rPr lang="de-DE" dirty="0"/>
               <a:t> </a:t>
             </a:r>
             <a:r>
-              <a:rPr lang="de-DE" dirty="0" err="1" smtClean="0"/>
+              <a:rPr lang="de-DE" dirty="0" err="1"/>
               <a:t>mosquitoes</a:t>
             </a:r>
             <a:r>
-              <a:rPr lang="de-DE" dirty="0" smtClean="0"/>
+              <a:rPr lang="de-DE" dirty="0"/>
               <a:t> </a:t>
             </a:r>
-            <a:endParaRPr lang="de-DE" dirty="0"/>
           </a:p>
         </p:txBody>
       </p:sp>
@@ -18243,17 +22378,10 @@
   <p:clrMapOvr>
     <a:masterClrMapping/>
   </p:clrMapOvr>
-  <p:timing>
-    <p:tnLst>
-      <p:par>
-        <p:cTn id="1" dur="indefinite" restart="never" nodeType="tmRoot"/>
-      </p:par>
-    </p:tnLst>
-  </p:timing>
 </p:sld>
 </file>
 
-<file path=ppt/slides/slide14.xml><?xml version="1.0" encoding="utf-8"?>
+<file path=ppt/slides/slide22.xml><?xml version="1.0" encoding="utf-8"?>
 <p:sld xmlns:a="http://schemas.openxmlformats.org/drawingml/2006/main" xmlns:r="http://schemas.openxmlformats.org/officeDocument/2006/relationships" xmlns:p="http://schemas.openxmlformats.org/presentationml/2006/main">
   <p:cSld>
     <p:spTree>
@@ -18275,7 +22403,7 @@
           <p:cNvPr id="2" name="Titel 1">
             <a:extLst>
               <a:ext uri="{FF2B5EF4-FFF2-40B4-BE49-F238E27FC236}">
-                <a16:creationId xmlns:a16="http://schemas.microsoft.com/office/drawing/2014/main" xmlns="" id="{18D19EAC-00EA-9987-976D-52A7A7DC0171}"/>
+                <a16:creationId xmlns:a16="http://schemas.microsoft.com/office/drawing/2014/main" id="{18D19EAC-00EA-9987-976D-52A7A7DC0171}"/>
               </a:ext>
             </a:extLst>
           </p:cNvPr>
@@ -18300,7 +22428,7 @@
           <p:cNvPr id="6" name="Inhaltsplatzhalter 5">
             <a:extLst>
               <a:ext uri="{FF2B5EF4-FFF2-40B4-BE49-F238E27FC236}">
-                <a16:creationId xmlns:a16="http://schemas.microsoft.com/office/drawing/2014/main" xmlns="" id="{266937A2-A8CA-9C35-ADD4-F43D500DDC7F}"/>
+                <a16:creationId xmlns:a16="http://schemas.microsoft.com/office/drawing/2014/main" id="{266937A2-A8CA-9C35-ADD4-F43D500DDC7F}"/>
               </a:ext>
             </a:extLst>
           </p:cNvPr>
@@ -18324,111 +22452,6 @@
     <p:extLst>
       <p:ext uri="{BB962C8B-B14F-4D97-AF65-F5344CB8AC3E}">
         <p14:creationId xmlns:p14="http://schemas.microsoft.com/office/powerpoint/2010/main" val="3568912412"/>
-      </p:ext>
-    </p:extLst>
-  </p:cSld>
-  <p:clrMapOvr>
-    <a:masterClrMapping/>
-  </p:clrMapOvr>
-</p:sld>
-</file>
-
-<file path=ppt/slides/slide2.xml><?xml version="1.0" encoding="utf-8"?>
-<p:sld xmlns:a="http://schemas.openxmlformats.org/drawingml/2006/main" xmlns:r="http://schemas.openxmlformats.org/officeDocument/2006/relationships" xmlns:p="http://schemas.openxmlformats.org/presentationml/2006/main">
-  <p:cSld>
-    <p:bg>
-      <p:bgPr>
-        <a:solidFill>
-          <a:schemeClr val="bg1">
-            <a:alpha val="67000"/>
-          </a:schemeClr>
-        </a:solidFill>
-        <a:effectLst/>
-      </p:bgPr>
-    </p:bg>
-    <p:spTree>
-      <p:nvGrpSpPr>
-        <p:cNvPr id="1" name=""/>
-        <p:cNvGrpSpPr/>
-        <p:nvPr/>
-      </p:nvGrpSpPr>
-      <p:grpSpPr>
-        <a:xfrm>
-          <a:off x="0" y="0"/>
-          <a:ext cx="0" cy="0"/>
-          <a:chOff x="0" y="0"/>
-          <a:chExt cx="0" cy="0"/>
-        </a:xfrm>
-      </p:grpSpPr>
-      <p:sp>
-        <p:nvSpPr>
-          <p:cNvPr id="5" name="Titel 4">
-            <a:extLst>
-              <a:ext uri="{FF2B5EF4-FFF2-40B4-BE49-F238E27FC236}">
-                <a16:creationId xmlns:a16="http://schemas.microsoft.com/office/drawing/2014/main" xmlns="" id="{76E5E993-4C5B-4528-A383-2A56744EE22A}"/>
-              </a:ext>
-            </a:extLst>
-          </p:cNvPr>
-          <p:cNvSpPr>
-            <a:spLocks noGrp="1"/>
-          </p:cNvSpPr>
-          <p:nvPr>
-            <p:ph type="title"/>
-          </p:nvPr>
-        </p:nvSpPr>
-        <p:spPr/>
-        <p:txBody>
-          <a:bodyPr/>
-          <a:lstStyle/>
-          <a:p>
-            <a:r>
-              <a:rPr lang="de-DE" dirty="0" err="1">
-                <a:latin typeface="Cambria" panose="02040503050406030204" pitchFamily="18" charset="0"/>
-              </a:rPr>
-              <a:t>Overview</a:t>
-            </a:r>
-            <a:r>
-              <a:rPr lang="de-DE" dirty="0"/>
-              <a:t> </a:t>
-            </a:r>
-          </a:p>
-        </p:txBody>
-      </p:sp>
-      <p:graphicFrame>
-        <p:nvGraphicFramePr>
-          <p:cNvPr id="7" name="Inhaltsplatzhalter 6">
-            <a:extLst>
-              <a:ext uri="{FF2B5EF4-FFF2-40B4-BE49-F238E27FC236}">
-                <a16:creationId xmlns:a16="http://schemas.microsoft.com/office/drawing/2014/main" xmlns="" id="{A5122575-3839-6A14-C8FE-396601E0BF39}"/>
-              </a:ext>
-            </a:extLst>
-          </p:cNvPr>
-          <p:cNvGraphicFramePr>
-            <a:graphicFrameLocks noGrp="1"/>
-          </p:cNvGraphicFramePr>
-          <p:nvPr>
-            <p:ph idx="1"/>
-            <p:extLst>
-              <p:ext uri="{D42A27DB-BD31-4B8C-83A1-F6EECF244321}">
-                <p14:modId xmlns:p14="http://schemas.microsoft.com/office/powerpoint/2010/main" val="1765650911"/>
-              </p:ext>
-            </p:extLst>
-          </p:nvPr>
-        </p:nvGraphicFramePr>
-        <p:xfrm>
-          <a:off x="838200" y="1825625"/>
-          <a:ext cx="10515600" cy="4351338"/>
-        </p:xfrm>
-        <a:graphic>
-          <a:graphicData uri="http://schemas.openxmlformats.org/drawingml/2006/diagram">
-            <dgm:relIds xmlns:dgm="http://schemas.openxmlformats.org/drawingml/2006/diagram" xmlns:r="http://schemas.openxmlformats.org/officeDocument/2006/relationships" r:dm="rId2" r:lo="rId3" r:qs="rId4" r:cs="rId5"/>
-          </a:graphicData>
-        </a:graphic>
-      </p:graphicFrame>
-    </p:spTree>
-    <p:extLst>
-      <p:ext uri="{BB962C8B-B14F-4D97-AF65-F5344CB8AC3E}">
-        <p14:creationId xmlns:p14="http://schemas.microsoft.com/office/powerpoint/2010/main" val="2361514819"/>
       </p:ext>
     </p:extLst>
   </p:cSld>
@@ -18460,7 +22483,7 @@
           <p:cNvPr id="2" name="Titel 1">
             <a:extLst>
               <a:ext uri="{FF2B5EF4-FFF2-40B4-BE49-F238E27FC236}">
-                <a16:creationId xmlns:a16="http://schemas.microsoft.com/office/drawing/2014/main" xmlns="" id="{1672F52A-860A-3F9C-A902-1F380A99323F}"/>
+                <a16:creationId xmlns:a16="http://schemas.microsoft.com/office/drawing/2014/main" id="{1672F52A-860A-3F9C-A902-1F380A99323F}"/>
               </a:ext>
             </a:extLst>
           </p:cNvPr>
@@ -18491,7 +22514,7 @@
           <p:cNvPr id="7" name="Inhaltsplatzhalter 6" descr="Ein Bild, das Text, Diagramm, Reihe, Screenshot enthält.&#10;&#10;Automatisch generierte Beschreibung">
             <a:extLst>
               <a:ext uri="{FF2B5EF4-FFF2-40B4-BE49-F238E27FC236}">
-                <a16:creationId xmlns:a16="http://schemas.microsoft.com/office/drawing/2014/main" xmlns="" id="{FE4AAAD3-5B49-CFA6-1731-7B8ACE781B21}"/>
+                <a16:creationId xmlns:a16="http://schemas.microsoft.com/office/drawing/2014/main" id="{FE4AAAD3-5B49-CFA6-1731-7B8ACE781B21}"/>
               </a:ext>
             </a:extLst>
           </p:cNvPr>
@@ -18520,7 +22543,7 @@
           <p:cNvPr id="10" name="Grafik 9">
             <a:extLst>
               <a:ext uri="{FF2B5EF4-FFF2-40B4-BE49-F238E27FC236}">
-                <a16:creationId xmlns:a16="http://schemas.microsoft.com/office/drawing/2014/main" xmlns="" id="{99DB00CB-6B3C-CA8B-9198-E610592D85F9}"/>
+                <a16:creationId xmlns:a16="http://schemas.microsoft.com/office/drawing/2014/main" id="{99DB00CB-6B3C-CA8B-9198-E610592D85F9}"/>
               </a:ext>
             </a:extLst>
           </p:cNvPr>
@@ -18655,7 +22678,7 @@
           <p:cNvPr id="2" name="Titel 1">
             <a:extLst>
               <a:ext uri="{FF2B5EF4-FFF2-40B4-BE49-F238E27FC236}">
-                <a16:creationId xmlns:a16="http://schemas.microsoft.com/office/drawing/2014/main" xmlns="" id="{1672F52A-860A-3F9C-A902-1F380A99323F}"/>
+                <a16:creationId xmlns:a16="http://schemas.microsoft.com/office/drawing/2014/main" id="{1672F52A-860A-3F9C-A902-1F380A99323F}"/>
               </a:ext>
             </a:extLst>
           </p:cNvPr>
@@ -18689,7 +22712,7 @@
           <p:cNvPr id="34" name="Inhaltsplatzhalter 33" descr="Ein Bild, das Text, Reihe, Schrift, Diagramm enthält.&#10;&#10;Automatisch generierte Beschreibung">
             <a:extLst>
               <a:ext uri="{FF2B5EF4-FFF2-40B4-BE49-F238E27FC236}">
-                <a16:creationId xmlns:a16="http://schemas.microsoft.com/office/drawing/2014/main" xmlns="" id="{E1B00D42-55E8-1E3C-5C46-2A3BEB81D3C7}"/>
+                <a16:creationId xmlns:a16="http://schemas.microsoft.com/office/drawing/2014/main" id="{E1B00D42-55E8-1E3C-5C46-2A3BEB81D3C7}"/>
               </a:ext>
             </a:extLst>
           </p:cNvPr>
@@ -18748,7 +22771,7 @@
           <p:cNvPr id="2" name="Titel 1">
             <a:extLst>
               <a:ext uri="{FF2B5EF4-FFF2-40B4-BE49-F238E27FC236}">
-                <a16:creationId xmlns:a16="http://schemas.microsoft.com/office/drawing/2014/main" xmlns="" id="{51869768-F163-65EB-9C87-29362BEE2FB0}"/>
+                <a16:creationId xmlns:a16="http://schemas.microsoft.com/office/drawing/2014/main" id="{51869768-F163-65EB-9C87-29362BEE2FB0}"/>
               </a:ext>
             </a:extLst>
           </p:cNvPr>
@@ -18782,7 +22805,7 @@
           <p:cNvPr id="3074" name="Picture 2" descr="Dengue virus, computer model – Bild kaufen – 13405951 ❘ Science Photo  Library">
             <a:extLst>
               <a:ext uri="{FF2B5EF4-FFF2-40B4-BE49-F238E27FC236}">
-                <a16:creationId xmlns:a16="http://schemas.microsoft.com/office/drawing/2014/main" xmlns="" id="{18BB0095-121C-7F48-0CC5-0AACC2982FBB}"/>
+                <a16:creationId xmlns:a16="http://schemas.microsoft.com/office/drawing/2014/main" id="{18BB0095-121C-7F48-0CC5-0AACC2982FBB}"/>
               </a:ext>
             </a:extLst>
           </p:cNvPr>
@@ -18831,7 +22854,7 @@
           <p:cNvPr id="5" name="Textfeld 4">
             <a:extLst>
               <a:ext uri="{FF2B5EF4-FFF2-40B4-BE49-F238E27FC236}">
-                <a16:creationId xmlns:a16="http://schemas.microsoft.com/office/drawing/2014/main" xmlns="" id="{D017F4AE-1EE3-F48B-B6FB-B89A774D9C1D}"/>
+                <a16:creationId xmlns:a16="http://schemas.microsoft.com/office/drawing/2014/main" id="{D017F4AE-1EE3-F48B-B6FB-B89A774D9C1D}"/>
               </a:ext>
             </a:extLst>
           </p:cNvPr>
@@ -18880,7 +22903,7 @@
           <p:cNvPr id="3076" name="Picture 4" descr="Aedes Aegypti Mosquito Pernilongo Mit Weißen Flecken Und Weißem Hintergrund  Stockfoto und mehr Bilder von Dengue-Fieber - iStock">
             <a:extLst>
               <a:ext uri="{FF2B5EF4-FFF2-40B4-BE49-F238E27FC236}">
-                <a16:creationId xmlns:a16="http://schemas.microsoft.com/office/drawing/2014/main" xmlns="" id="{39F636DD-D161-870C-657B-0F1E4993ED92}"/>
+                <a16:creationId xmlns:a16="http://schemas.microsoft.com/office/drawing/2014/main" id="{39F636DD-D161-870C-657B-0F1E4993ED92}"/>
               </a:ext>
             </a:extLst>
           </p:cNvPr>
@@ -18927,7 +22950,7 @@
           <p:cNvPr id="6" name="Pfeil nach rechts 5">
             <a:extLst>
               <a:ext uri="{FF2B5EF4-FFF2-40B4-BE49-F238E27FC236}">
-                <a16:creationId xmlns:a16="http://schemas.microsoft.com/office/drawing/2014/main" xmlns="" id="{45A33A3C-A1CE-5680-1D63-621F52BD2853}"/>
+                <a16:creationId xmlns:a16="http://schemas.microsoft.com/office/drawing/2014/main" id="{45A33A3C-A1CE-5680-1D63-621F52BD2853}"/>
               </a:ext>
             </a:extLst>
           </p:cNvPr>
@@ -18987,7 +23010,7 @@
           <p:cNvPr id="8" name="Textfeld 7">
             <a:extLst>
               <a:ext uri="{FF2B5EF4-FFF2-40B4-BE49-F238E27FC236}">
-                <a16:creationId xmlns:a16="http://schemas.microsoft.com/office/drawing/2014/main" xmlns="" id="{A0E25E64-70F3-846D-6B93-C347312F386A}"/>
+                <a16:creationId xmlns:a16="http://schemas.microsoft.com/office/drawing/2014/main" id="{A0E25E64-70F3-846D-6B93-C347312F386A}"/>
               </a:ext>
             </a:extLst>
           </p:cNvPr>
@@ -19060,7 +23083,7 @@
           <p:cNvPr id="10" name="Grafik 9" descr="Gruppe von Personen mit einfarbiger Füllung">
             <a:extLst>
               <a:ext uri="{FF2B5EF4-FFF2-40B4-BE49-F238E27FC236}">
-                <a16:creationId xmlns:a16="http://schemas.microsoft.com/office/drawing/2014/main" xmlns="" id="{FB938136-D51A-55C9-1018-E75714175401}"/>
+                <a16:creationId xmlns:a16="http://schemas.microsoft.com/office/drawing/2014/main" id="{FB938136-D51A-55C9-1018-E75714175401}"/>
               </a:ext>
             </a:extLst>
           </p:cNvPr>
@@ -19073,7 +23096,7 @@
           <a:blip r:embed="rId5">
             <a:extLst>
               <a:ext uri="{96DAC541-7B7A-43D3-8B79-37D633B846F1}">
-                <asvg:svgBlip xmlns:asvg="http://schemas.microsoft.com/office/drawing/2016/SVG/main" xmlns="" r:embed="rId6"/>
+                <asvg:svgBlip xmlns:asvg="http://schemas.microsoft.com/office/drawing/2016/SVG/main" r:embed="rId6"/>
               </a:ext>
             </a:extLst>
           </a:blip>
@@ -19096,7 +23119,7 @@
           <p:cNvPr id="12" name="Pfeil nach rechts 11">
             <a:extLst>
               <a:ext uri="{FF2B5EF4-FFF2-40B4-BE49-F238E27FC236}">
-                <a16:creationId xmlns:a16="http://schemas.microsoft.com/office/drawing/2014/main" xmlns="" id="{080C3A68-08E1-20DC-42CC-002FF2850937}"/>
+                <a16:creationId xmlns:a16="http://schemas.microsoft.com/office/drawing/2014/main" id="{080C3A68-08E1-20DC-42CC-002FF2850937}"/>
               </a:ext>
             </a:extLst>
           </p:cNvPr>
@@ -19156,7 +23179,7 @@
           <p:cNvPr id="15" name="Textfeld 14">
             <a:extLst>
               <a:ext uri="{FF2B5EF4-FFF2-40B4-BE49-F238E27FC236}">
-                <a16:creationId xmlns:a16="http://schemas.microsoft.com/office/drawing/2014/main" xmlns="" id="{D0B168F4-5605-3A3C-F3A2-63011503F585}"/>
+                <a16:creationId xmlns:a16="http://schemas.microsoft.com/office/drawing/2014/main" id="{D0B168F4-5605-3A3C-F3A2-63011503F585}"/>
               </a:ext>
             </a:extLst>
           </p:cNvPr>
@@ -19207,7 +23230,7 @@
           <p:cNvPr id="16" name="Textfeld 15">
             <a:extLst>
               <a:ext uri="{FF2B5EF4-FFF2-40B4-BE49-F238E27FC236}">
-                <a16:creationId xmlns:a16="http://schemas.microsoft.com/office/drawing/2014/main" xmlns="" id="{1F0F964D-D751-568B-5149-B30ADA088FD8}"/>
+                <a16:creationId xmlns:a16="http://schemas.microsoft.com/office/drawing/2014/main" id="{1F0F964D-D751-568B-5149-B30ADA088FD8}"/>
               </a:ext>
             </a:extLst>
           </p:cNvPr>
@@ -19342,7 +23365,7 @@
           <p:cNvPr id="2" name="Titel 1">
             <a:extLst>
               <a:ext uri="{FF2B5EF4-FFF2-40B4-BE49-F238E27FC236}">
-                <a16:creationId xmlns:a16="http://schemas.microsoft.com/office/drawing/2014/main" xmlns="" id="{51869768-F163-65EB-9C87-29362BEE2FB0}"/>
+                <a16:creationId xmlns:a16="http://schemas.microsoft.com/office/drawing/2014/main" id="{51869768-F163-65EB-9C87-29362BEE2FB0}"/>
               </a:ext>
             </a:extLst>
           </p:cNvPr>
@@ -19359,10 +23382,9 @@
           <a:lstStyle/>
           <a:p>
             <a:r>
-              <a:rPr lang="de-DE" dirty="0" smtClean="0"/>
+              <a:rPr lang="de-DE" dirty="0"/>
               <a:t>Dengue Virus </a:t>
             </a:r>
-            <a:endParaRPr lang="de-DE" dirty="0"/>
           </a:p>
         </p:txBody>
       </p:sp>
@@ -19371,7 +23393,7 @@
           <p:cNvPr id="3" name="Inhaltsplatzhalter 2">
             <a:extLst>
               <a:ext uri="{FF2B5EF4-FFF2-40B4-BE49-F238E27FC236}">
-                <a16:creationId xmlns:a16="http://schemas.microsoft.com/office/drawing/2014/main" xmlns="" id="{5DE0BF4F-0298-067A-9F94-D71CBA67BCA6}"/>
+                <a16:creationId xmlns:a16="http://schemas.microsoft.com/office/drawing/2014/main" id="{5DE0BF4F-0298-067A-9F94-D71CBA67BCA6}"/>
               </a:ext>
             </a:extLst>
           </p:cNvPr>
@@ -19388,58 +23410,54 @@
           <a:lstStyle/>
           <a:p>
             <a:r>
-              <a:rPr lang="de-DE" dirty="0" smtClean="0"/>
+              <a:rPr lang="de-DE" dirty="0"/>
               <a:t>Viral </a:t>
             </a:r>
             <a:r>
-              <a:rPr lang="de-DE" dirty="0" err="1" smtClean="0"/>
+              <a:rPr lang="de-DE" dirty="0" err="1"/>
               <a:t>infection</a:t>
             </a:r>
             <a:r>
-              <a:rPr lang="de-DE" dirty="0" smtClean="0"/>
+              <a:rPr lang="de-DE" dirty="0"/>
               <a:t> </a:t>
             </a:r>
             <a:r>
-              <a:rPr lang="de-DE" dirty="0" err="1" smtClean="0"/>
+              <a:rPr lang="de-DE" dirty="0" err="1"/>
               <a:t>caused</a:t>
             </a:r>
             <a:r>
-              <a:rPr lang="de-DE" dirty="0" smtClean="0"/>
+              <a:rPr lang="de-DE" dirty="0"/>
               <a:t> </a:t>
             </a:r>
             <a:r>
-              <a:rPr lang="de-DE" dirty="0" err="1" smtClean="0"/>
+              <a:rPr lang="de-DE" dirty="0" err="1"/>
               <a:t>by</a:t>
             </a:r>
             <a:r>
-              <a:rPr lang="de-DE" dirty="0" smtClean="0"/>
+              <a:rPr lang="de-DE" dirty="0"/>
               <a:t> </a:t>
             </a:r>
             <a:r>
-              <a:rPr lang="de-DE" dirty="0" err="1" smtClean="0"/>
-              <a:t>th</a:t>
-            </a:r>
-            <a:r>
-              <a:rPr lang="de-DE" dirty="0" err="1" smtClean="0"/>
-              <a:t>e</a:t>
-            </a:r>
-            <a:r>
-              <a:rPr lang="de-DE" dirty="0" smtClean="0"/>
+              <a:rPr lang="de-DE" dirty="0" err="1"/>
+              <a:t>the</a:t>
+            </a:r>
+            <a:r>
+              <a:rPr lang="de-DE" dirty="0"/>
               <a:t> </a:t>
             </a:r>
             <a:r>
-              <a:rPr lang="de-DE" dirty="0" err="1" smtClean="0"/>
+              <a:rPr lang="de-DE" dirty="0" err="1"/>
               <a:t>dengue</a:t>
             </a:r>
             <a:r>
-              <a:rPr lang="de-DE" dirty="0" smtClean="0"/>
+              <a:rPr lang="de-DE" dirty="0"/>
               <a:t> </a:t>
             </a:r>
             <a:r>
-              <a:rPr lang="de-DE" dirty="0" err="1" smtClean="0"/>
+              <a:rPr lang="de-DE" dirty="0" err="1"/>
               <a:t>virus</a:t>
             </a:r>
-            <a:endParaRPr lang="de-DE" dirty="0" smtClean="0"/>
+            <a:endParaRPr lang="de-DE" dirty="0"/>
           </a:p>
           <a:p>
             <a:pPr lvl="1"/>
@@ -19485,194 +23503,194 @@
             </a:r>
           </a:p>
           <a:p>
-            <a:endParaRPr lang="de-DE" dirty="0" smtClean="0"/>
-          </a:p>
-          <a:p>
-            <a:r>
-              <a:rPr lang="de-DE" dirty="0" smtClean="0"/>
+            <a:endParaRPr lang="de-DE" dirty="0"/>
+          </a:p>
+          <a:p>
+            <a:r>
+              <a:rPr lang="de-DE" dirty="0"/>
               <a:t>Worldwide </a:t>
             </a:r>
             <a:r>
-              <a:rPr lang="de-DE" dirty="0" err="1" smtClean="0"/>
+              <a:rPr lang="de-DE" dirty="0" err="1"/>
               <a:t>about</a:t>
             </a:r>
             <a:r>
-              <a:rPr lang="de-DE" dirty="0" smtClean="0"/>
+              <a:rPr lang="de-DE" dirty="0"/>
               <a:t> 390 </a:t>
             </a:r>
             <a:r>
-              <a:rPr lang="de-DE" dirty="0" err="1" smtClean="0"/>
+              <a:rPr lang="de-DE" dirty="0" err="1"/>
               <a:t>million</a:t>
             </a:r>
             <a:r>
-              <a:rPr lang="de-DE" dirty="0" smtClean="0"/>
+              <a:rPr lang="de-DE" dirty="0"/>
               <a:t> </a:t>
             </a:r>
             <a:r>
-              <a:rPr lang="de-DE" dirty="0" err="1" smtClean="0"/>
+              <a:rPr lang="de-DE" dirty="0" err="1"/>
               <a:t>infections</a:t>
             </a:r>
             <a:r>
-              <a:rPr lang="de-DE" dirty="0" smtClean="0"/>
+              <a:rPr lang="de-DE" dirty="0"/>
               <a:t> per </a:t>
             </a:r>
             <a:r>
-              <a:rPr lang="de-DE" dirty="0" err="1" smtClean="0"/>
+              <a:rPr lang="de-DE" dirty="0" err="1"/>
               <a:t>year</a:t>
             </a:r>
-            <a:endParaRPr lang="de-DE" dirty="0" smtClean="0"/>
+            <a:endParaRPr lang="de-DE" dirty="0"/>
           </a:p>
           <a:p>
             <a:pPr lvl="1"/>
             <a:r>
-              <a:rPr lang="de-DE" dirty="0" smtClean="0"/>
+              <a:rPr lang="de-DE" dirty="0"/>
               <a:t>Major </a:t>
             </a:r>
             <a:r>
-              <a:rPr lang="de-DE" dirty="0" err="1" smtClean="0"/>
+              <a:rPr lang="de-DE" dirty="0" err="1"/>
               <a:t>public</a:t>
             </a:r>
             <a:r>
-              <a:rPr lang="de-DE" dirty="0" smtClean="0"/>
+              <a:rPr lang="de-DE" dirty="0"/>
               <a:t> </a:t>
             </a:r>
             <a:r>
-              <a:rPr lang="de-DE" dirty="0" err="1" smtClean="0"/>
+              <a:rPr lang="de-DE" dirty="0" err="1"/>
               <a:t>health</a:t>
             </a:r>
             <a:r>
-              <a:rPr lang="de-DE" dirty="0" smtClean="0"/>
+              <a:rPr lang="de-DE" dirty="0"/>
               <a:t> </a:t>
             </a:r>
             <a:r>
-              <a:rPr lang="de-DE" dirty="0" err="1" smtClean="0"/>
+              <a:rPr lang="de-DE" dirty="0" err="1"/>
               <a:t>issue</a:t>
             </a:r>
             <a:r>
-              <a:rPr lang="de-DE" dirty="0" smtClean="0"/>
+              <a:rPr lang="de-DE" dirty="0"/>
               <a:t> </a:t>
             </a:r>
             <a:r>
-              <a:rPr lang="de-DE" dirty="0" err="1" smtClean="0"/>
+              <a:rPr lang="de-DE" dirty="0" err="1"/>
               <a:t>according</a:t>
             </a:r>
             <a:r>
-              <a:rPr lang="de-DE" dirty="0" smtClean="0"/>
+              <a:rPr lang="de-DE" dirty="0"/>
               <a:t> </a:t>
             </a:r>
             <a:r>
-              <a:rPr lang="de-DE" dirty="0" err="1" smtClean="0"/>
+              <a:rPr lang="de-DE" dirty="0" err="1"/>
               <a:t>to</a:t>
             </a:r>
             <a:r>
-              <a:rPr lang="de-DE" dirty="0" smtClean="0"/>
+              <a:rPr lang="de-DE" dirty="0"/>
               <a:t> WHO</a:t>
             </a:r>
           </a:p>
           <a:p>
             <a:pPr lvl="1"/>
             <a:r>
-              <a:rPr lang="de-DE" dirty="0" smtClean="0"/>
+              <a:rPr lang="de-DE" dirty="0"/>
               <a:t>South-East </a:t>
             </a:r>
             <a:r>
-              <a:rPr lang="de-DE" dirty="0" err="1" smtClean="0"/>
+              <a:rPr lang="de-DE" dirty="0" err="1"/>
               <a:t>Asia</a:t>
             </a:r>
             <a:r>
-              <a:rPr lang="de-DE" dirty="0" smtClean="0"/>
+              <a:rPr lang="de-DE" dirty="0"/>
               <a:t> </a:t>
             </a:r>
             <a:r>
-              <a:rPr lang="de-DE" dirty="0" err="1" smtClean="0"/>
+              <a:rPr lang="de-DE" dirty="0" err="1"/>
               <a:t>one</a:t>
             </a:r>
             <a:r>
-              <a:rPr lang="de-DE" dirty="0" smtClean="0"/>
+              <a:rPr lang="de-DE" dirty="0"/>
               <a:t> </a:t>
             </a:r>
             <a:r>
-              <a:rPr lang="de-DE" dirty="0" err="1" smtClean="0"/>
+              <a:rPr lang="de-DE" dirty="0" err="1"/>
               <a:t>of</a:t>
             </a:r>
             <a:r>
-              <a:rPr lang="de-DE" dirty="0" smtClean="0"/>
+              <a:rPr lang="de-DE" dirty="0"/>
               <a:t> </a:t>
             </a:r>
             <a:r>
-              <a:rPr lang="de-DE" dirty="0" err="1" smtClean="0"/>
+              <a:rPr lang="de-DE" dirty="0" err="1"/>
               <a:t>the</a:t>
             </a:r>
             <a:r>
-              <a:rPr lang="de-DE" dirty="0" smtClean="0"/>
+              <a:rPr lang="de-DE" dirty="0"/>
               <a:t> </a:t>
             </a:r>
             <a:r>
-              <a:rPr lang="de-DE" dirty="0" err="1" smtClean="0"/>
+              <a:rPr lang="de-DE" dirty="0" err="1"/>
               <a:t>most</a:t>
             </a:r>
             <a:r>
-              <a:rPr lang="de-DE" dirty="0" smtClean="0"/>
+              <a:rPr lang="de-DE" dirty="0"/>
               <a:t> </a:t>
             </a:r>
             <a:r>
-              <a:rPr lang="de-DE" dirty="0" err="1" smtClean="0"/>
+              <a:rPr lang="de-DE" dirty="0" err="1"/>
               <a:t>seriously</a:t>
             </a:r>
             <a:r>
-              <a:rPr lang="de-DE" dirty="0" smtClean="0"/>
+              <a:rPr lang="de-DE" dirty="0"/>
               <a:t> </a:t>
             </a:r>
             <a:r>
-              <a:rPr lang="de-DE" dirty="0" err="1" smtClean="0"/>
+              <a:rPr lang="de-DE" dirty="0" err="1"/>
               <a:t>affected</a:t>
             </a:r>
             <a:r>
-              <a:rPr lang="de-DE" dirty="0" smtClean="0"/>
+              <a:rPr lang="de-DE" dirty="0"/>
               <a:t> </a:t>
             </a:r>
             <a:r>
-              <a:rPr lang="de-DE" dirty="0" err="1" smtClean="0"/>
+              <a:rPr lang="de-DE" dirty="0" err="1"/>
               <a:t>areas</a:t>
             </a:r>
             <a:r>
-              <a:rPr lang="de-DE" dirty="0" smtClean="0"/>
+              <a:rPr lang="de-DE" dirty="0"/>
               <a:t> </a:t>
             </a:r>
           </a:p>
           <a:p>
-            <a:endParaRPr lang="de-DE" dirty="0" smtClean="0"/>
-          </a:p>
-          <a:p>
-            <a:r>
-              <a:rPr lang="de-DE" dirty="0" err="1" smtClean="0"/>
+            <a:endParaRPr lang="de-DE" dirty="0"/>
+          </a:p>
+          <a:p>
+            <a:r>
+              <a:rPr lang="de-DE" dirty="0" err="1"/>
               <a:t>No</a:t>
             </a:r>
             <a:r>
-              <a:rPr lang="de-DE" dirty="0" smtClean="0"/>
+              <a:rPr lang="de-DE" dirty="0"/>
               <a:t> </a:t>
             </a:r>
             <a:r>
-              <a:rPr lang="de-DE" dirty="0" err="1" smtClean="0"/>
+              <a:rPr lang="de-DE" dirty="0" err="1"/>
               <a:t>specific</a:t>
             </a:r>
             <a:r>
-              <a:rPr lang="de-DE" dirty="0" smtClean="0"/>
+              <a:rPr lang="de-DE" dirty="0"/>
               <a:t> </a:t>
             </a:r>
             <a:r>
-              <a:rPr lang="de-DE" dirty="0" err="1" smtClean="0"/>
+              <a:rPr lang="de-DE" dirty="0" err="1"/>
               <a:t>treatment</a:t>
             </a:r>
             <a:r>
-              <a:rPr lang="de-DE" dirty="0" smtClean="0"/>
+              <a:rPr lang="de-DE" dirty="0"/>
               <a:t> </a:t>
             </a:r>
             <a:r>
-              <a:rPr lang="de-DE" dirty="0" err="1" smtClean="0"/>
+              <a:rPr lang="de-DE" dirty="0" err="1"/>
               <a:t>yet</a:t>
             </a:r>
-            <a:endParaRPr lang="de-DE" dirty="0" smtClean="0"/>
+            <a:endParaRPr lang="de-DE" dirty="0"/>
           </a:p>
           <a:p>
             <a:pPr lvl="1">
@@ -19681,70 +23699,70 @@
               </a:buBlip>
             </a:pPr>
             <a:r>
-              <a:rPr lang="de-DE" dirty="0" smtClean="0"/>
+              <a:rPr lang="de-DE" dirty="0"/>
               <a:t>Analysis </a:t>
             </a:r>
             <a:r>
-              <a:rPr lang="de-DE" dirty="0" err="1" smtClean="0"/>
+              <a:rPr lang="de-DE" dirty="0" err="1"/>
               <a:t>and</a:t>
             </a:r>
             <a:r>
-              <a:rPr lang="de-DE" dirty="0" smtClean="0"/>
+              <a:rPr lang="de-DE" dirty="0"/>
               <a:t> </a:t>
             </a:r>
             <a:r>
-              <a:rPr lang="de-DE" dirty="0" err="1" smtClean="0"/>
+              <a:rPr lang="de-DE" dirty="0" err="1"/>
               <a:t>predicition</a:t>
             </a:r>
             <a:r>
-              <a:rPr lang="de-DE" dirty="0" smtClean="0"/>
+              <a:rPr lang="de-DE" dirty="0"/>
               <a:t> </a:t>
             </a:r>
             <a:r>
-              <a:rPr lang="de-DE" dirty="0" err="1" smtClean="0"/>
+              <a:rPr lang="de-DE" dirty="0" err="1"/>
               <a:t>are</a:t>
             </a:r>
             <a:r>
-              <a:rPr lang="de-DE" dirty="0" smtClean="0"/>
+              <a:rPr lang="de-DE" dirty="0"/>
               <a:t> </a:t>
             </a:r>
             <a:r>
-              <a:rPr lang="de-DE" dirty="0" err="1" smtClean="0"/>
+              <a:rPr lang="de-DE" dirty="0" err="1"/>
               <a:t>important</a:t>
             </a:r>
             <a:r>
-              <a:rPr lang="de-DE" dirty="0" smtClean="0"/>
+              <a:rPr lang="de-DE" dirty="0"/>
               <a:t> </a:t>
             </a:r>
             <a:r>
-              <a:rPr lang="de-DE" dirty="0" err="1" smtClean="0"/>
+              <a:rPr lang="de-DE" dirty="0" err="1"/>
               <a:t>strategies</a:t>
             </a:r>
             <a:r>
-              <a:rPr lang="de-DE" dirty="0" smtClean="0"/>
+              <a:rPr lang="de-DE" dirty="0"/>
               <a:t> </a:t>
             </a:r>
             <a:r>
-              <a:rPr lang="de-DE" dirty="0" err="1" smtClean="0"/>
+              <a:rPr lang="de-DE" dirty="0" err="1"/>
               <a:t>to</a:t>
             </a:r>
             <a:r>
-              <a:rPr lang="de-DE" dirty="0" smtClean="0"/>
+              <a:rPr lang="de-DE" dirty="0"/>
               <a:t> </a:t>
             </a:r>
             <a:r>
-              <a:rPr lang="de-DE" dirty="0" err="1" smtClean="0"/>
+              <a:rPr lang="de-DE" dirty="0" err="1"/>
               <a:t>prevent</a:t>
             </a:r>
             <a:r>
-              <a:rPr lang="de-DE" dirty="0" smtClean="0"/>
+              <a:rPr lang="de-DE" dirty="0"/>
               <a:t> </a:t>
             </a:r>
             <a:r>
-              <a:rPr lang="de-DE" dirty="0" err="1" smtClean="0"/>
+              <a:rPr lang="de-DE" dirty="0" err="1"/>
               <a:t>infections</a:t>
             </a:r>
-            <a:endParaRPr lang="de-DE" dirty="0" smtClean="0"/>
+            <a:endParaRPr lang="de-DE" dirty="0"/>
           </a:p>
         </p:txBody>
       </p:sp>
@@ -19793,13 +23811,6 @@
   <p:clrMapOvr>
     <a:masterClrMapping/>
   </p:clrMapOvr>
-  <p:timing>
-    <p:tnLst>
-      <p:par>
-        <p:cTn id="1" dur="indefinite" restart="never" nodeType="tmRoot"/>
-      </p:par>
-    </p:tnLst>
-  </p:timing>
 </p:sld>
 </file>
 
@@ -19825,7 +23836,7 @@
           <p:cNvPr id="2" name="Titel 1">
             <a:extLst>
               <a:ext uri="{FF2B5EF4-FFF2-40B4-BE49-F238E27FC236}">
-                <a16:creationId xmlns:a16="http://schemas.microsoft.com/office/drawing/2014/main" xmlns="" id="{51869768-F163-65EB-9C87-29362BEE2FB0}"/>
+                <a16:creationId xmlns:a16="http://schemas.microsoft.com/office/drawing/2014/main" id="{51869768-F163-65EB-9C87-29362BEE2FB0}"/>
               </a:ext>
             </a:extLst>
           </p:cNvPr>
@@ -19844,54 +23855,49 @@
           <a:lstStyle/>
           <a:p>
             <a:r>
-              <a:rPr lang="de-DE" sz="4300" dirty="0" smtClean="0"/>
+              <a:rPr lang="de-DE" sz="4300" dirty="0"/>
               <a:t>The </a:t>
             </a:r>
             <a:r>
-              <a:rPr lang="de-DE" sz="4300" dirty="0" err="1" smtClean="0"/>
+              <a:rPr lang="de-DE" sz="4300" dirty="0" err="1"/>
               <a:t>relation</a:t>
             </a:r>
             <a:r>
-              <a:rPr lang="de-DE" sz="4300" dirty="0" smtClean="0"/>
+              <a:rPr lang="de-DE" sz="4300" dirty="0"/>
               <a:t> </a:t>
             </a:r>
             <a:r>
-              <a:rPr lang="de-DE" sz="4300" dirty="0" err="1" smtClean="0"/>
+              <a:rPr lang="de-DE" sz="4300" dirty="0" err="1"/>
               <a:t>between</a:t>
             </a:r>
             <a:r>
-              <a:rPr lang="de-DE" sz="4300" dirty="0" smtClean="0"/>
+              <a:rPr lang="de-DE" sz="4300" dirty="0"/>
               <a:t> </a:t>
             </a:r>
             <a:r>
-              <a:rPr lang="de-DE" sz="4300" dirty="0" err="1" smtClean="0"/>
+              <a:rPr lang="de-DE" sz="4300" dirty="0" err="1"/>
               <a:t>temperature</a:t>
             </a:r>
             <a:r>
-              <a:rPr lang="de-DE" sz="4300" dirty="0" smtClean="0"/>
+              <a:rPr lang="de-DE" sz="4300" dirty="0"/>
               <a:t> </a:t>
             </a:r>
             <a:r>
-              <a:rPr lang="de-DE" sz="4300" dirty="0" err="1" smtClean="0"/>
+              <a:rPr lang="de-DE" sz="4300" dirty="0" err="1"/>
               <a:t>and</a:t>
             </a:r>
             <a:r>
-              <a:rPr lang="de-DE" sz="4300" dirty="0" smtClean="0"/>
+              <a:rPr lang="de-DE" sz="4300" dirty="0"/>
               <a:t> </a:t>
             </a:r>
             <a:r>
-              <a:rPr lang="de-DE" sz="4300" dirty="0" err="1" smtClean="0"/>
+              <a:rPr lang="de-DE" sz="4300" dirty="0" err="1"/>
               <a:t>dengue</a:t>
             </a:r>
             <a:r>
-              <a:rPr lang="de-DE" sz="4300" dirty="0" smtClean="0"/>
-              <a:t> </a:t>
-            </a:r>
-            <a:r>
-              <a:rPr lang="de-DE" sz="4300" dirty="0" smtClean="0"/>
-              <a:t> </a:t>
-            </a:r>
-            <a:endParaRPr lang="de-DE" sz="4300" dirty="0"/>
+              <a:rPr lang="de-DE" sz="4300" dirty="0"/>
+              <a:t>  </a:t>
+            </a:r>
           </a:p>
         </p:txBody>
       </p:sp>
@@ -19900,7 +23906,7 @@
           <p:cNvPr id="3" name="Inhaltsplatzhalter 2">
             <a:extLst>
               <a:ext uri="{FF2B5EF4-FFF2-40B4-BE49-F238E27FC236}">
-                <a16:creationId xmlns:a16="http://schemas.microsoft.com/office/drawing/2014/main" xmlns="" id="{5DE0BF4F-0298-067A-9F94-D71CBA67BCA6}"/>
+                <a16:creationId xmlns:a16="http://schemas.microsoft.com/office/drawing/2014/main" id="{5DE0BF4F-0298-067A-9F94-D71CBA67BCA6}"/>
               </a:ext>
             </a:extLst>
           </p:cNvPr>
@@ -19917,204 +23923,204 @@
           <a:lstStyle/>
           <a:p>
             <a:r>
-              <a:rPr lang="de-DE" dirty="0" err="1" smtClean="0"/>
+              <a:rPr lang="de-DE" dirty="0" err="1"/>
               <a:t>Climate</a:t>
             </a:r>
             <a:r>
-              <a:rPr lang="de-DE" dirty="0" smtClean="0"/>
+              <a:rPr lang="de-DE" dirty="0"/>
               <a:t> variables </a:t>
             </a:r>
             <a:r>
-              <a:rPr lang="de-DE" dirty="0" err="1" smtClean="0"/>
+              <a:rPr lang="de-DE" dirty="0" err="1"/>
               <a:t>are</a:t>
             </a:r>
             <a:r>
-              <a:rPr lang="de-DE" dirty="0" smtClean="0"/>
+              <a:rPr lang="de-DE" dirty="0"/>
               <a:t> potential </a:t>
             </a:r>
             <a:r>
-              <a:rPr lang="de-DE" dirty="0" err="1" smtClean="0"/>
+              <a:rPr lang="de-DE" dirty="0" err="1"/>
               <a:t>predictors</a:t>
             </a:r>
             <a:r>
-              <a:rPr lang="de-DE" dirty="0" smtClean="0"/>
+              <a:rPr lang="de-DE" dirty="0"/>
               <a:t> </a:t>
             </a:r>
             <a:r>
-              <a:rPr lang="de-DE" dirty="0" err="1" smtClean="0"/>
+              <a:rPr lang="de-DE" dirty="0" err="1"/>
               <a:t>of</a:t>
             </a:r>
             <a:r>
-              <a:rPr lang="de-DE" dirty="0" smtClean="0"/>
+              <a:rPr lang="de-DE" dirty="0"/>
               <a:t> </a:t>
             </a:r>
             <a:r>
-              <a:rPr lang="de-DE" dirty="0" err="1" smtClean="0"/>
+              <a:rPr lang="de-DE" dirty="0" err="1"/>
               <a:t>dengue</a:t>
             </a:r>
             <a:r>
-              <a:rPr lang="de-DE" dirty="0" smtClean="0"/>
+              <a:rPr lang="de-DE" dirty="0"/>
               <a:t> </a:t>
             </a:r>
             <a:r>
-              <a:rPr lang="de-DE" dirty="0" err="1" smtClean="0"/>
+              <a:rPr lang="de-DE" dirty="0" err="1"/>
               <a:t>transmission</a:t>
             </a:r>
-            <a:endParaRPr lang="de-DE" dirty="0" smtClean="0"/>
-          </a:p>
-          <a:p>
-            <a:r>
-              <a:rPr lang="de-DE" dirty="0" err="1" smtClean="0"/>
+            <a:endParaRPr lang="de-DE" dirty="0"/>
+          </a:p>
+          <a:p>
+            <a:r>
+              <a:rPr lang="de-DE" dirty="0" err="1"/>
               <a:t>Panichat</a:t>
             </a:r>
             <a:r>
-              <a:rPr lang="de-DE" dirty="0" smtClean="0"/>
+              <a:rPr lang="de-DE" dirty="0"/>
               <a:t> et al: </a:t>
             </a:r>
           </a:p>
           <a:p>
             <a:pPr lvl="1"/>
             <a:r>
-              <a:rPr lang="de-DE" dirty="0" err="1" smtClean="0"/>
+              <a:rPr lang="de-DE" dirty="0" err="1"/>
               <a:t>maximum</a:t>
             </a:r>
             <a:r>
-              <a:rPr lang="de-DE" dirty="0" smtClean="0"/>
+              <a:rPr lang="de-DE" dirty="0"/>
               <a:t> </a:t>
             </a:r>
             <a:r>
-              <a:rPr lang="de-DE" dirty="0" err="1" smtClean="0"/>
+              <a:rPr lang="de-DE" dirty="0" err="1"/>
               <a:t>temperature</a:t>
             </a:r>
             <a:r>
-              <a:rPr lang="de-DE" dirty="0" smtClean="0"/>
+              <a:rPr lang="de-DE" dirty="0"/>
               <a:t> </a:t>
             </a:r>
             <a:r>
-              <a:rPr lang="de-DE" dirty="0" err="1" smtClean="0"/>
+              <a:rPr lang="de-DE" dirty="0" err="1"/>
               <a:t>positively</a:t>
             </a:r>
             <a:r>
-              <a:rPr lang="de-DE" dirty="0" smtClean="0"/>
+              <a:rPr lang="de-DE" dirty="0"/>
               <a:t> </a:t>
             </a:r>
             <a:r>
-              <a:rPr lang="de-DE" dirty="0" err="1" smtClean="0"/>
+              <a:rPr lang="de-DE" dirty="0" err="1"/>
               <a:t>associated</a:t>
             </a:r>
             <a:r>
-              <a:rPr lang="de-DE" dirty="0" smtClean="0"/>
+              <a:rPr lang="de-DE" dirty="0"/>
               <a:t> </a:t>
             </a:r>
             <a:r>
-              <a:rPr lang="de-DE" dirty="0" err="1" smtClean="0"/>
+              <a:rPr lang="de-DE" dirty="0" err="1"/>
               <a:t>with</a:t>
             </a:r>
             <a:r>
-              <a:rPr lang="de-DE" dirty="0" smtClean="0"/>
+              <a:rPr lang="de-DE" dirty="0"/>
               <a:t> </a:t>
             </a:r>
             <a:r>
-              <a:rPr lang="de-DE" dirty="0" err="1" smtClean="0"/>
+              <a:rPr lang="de-DE" dirty="0" err="1"/>
               <a:t>higher</a:t>
             </a:r>
             <a:r>
-              <a:rPr lang="de-DE" dirty="0" smtClean="0"/>
+              <a:rPr lang="de-DE" dirty="0"/>
               <a:t> </a:t>
             </a:r>
             <a:r>
-              <a:rPr lang="de-DE" dirty="0" err="1" smtClean="0"/>
+              <a:rPr lang="de-DE" dirty="0" err="1"/>
               <a:t>incidences</a:t>
             </a:r>
             <a:r>
-              <a:rPr lang="de-DE" dirty="0" smtClean="0"/>
+              <a:rPr lang="de-DE" dirty="0"/>
               <a:t> </a:t>
             </a:r>
           </a:p>
           <a:p>
             <a:pPr lvl="1"/>
             <a:r>
-              <a:rPr lang="de-DE" dirty="0" smtClean="0"/>
+              <a:rPr lang="de-DE" dirty="0"/>
               <a:t>Most </a:t>
             </a:r>
             <a:r>
-              <a:rPr lang="de-DE" dirty="0" err="1" smtClean="0"/>
+              <a:rPr lang="de-DE" dirty="0" err="1"/>
               <a:t>dengue</a:t>
             </a:r>
             <a:r>
-              <a:rPr lang="de-DE" dirty="0" smtClean="0"/>
+              <a:rPr lang="de-DE" dirty="0"/>
               <a:t> </a:t>
             </a:r>
             <a:r>
-              <a:rPr lang="de-DE" dirty="0" err="1" smtClean="0"/>
+              <a:rPr lang="de-DE" dirty="0" err="1"/>
               <a:t>cases</a:t>
             </a:r>
             <a:r>
-              <a:rPr lang="de-DE" dirty="0" smtClean="0"/>
+              <a:rPr lang="de-DE" dirty="0"/>
               <a:t> </a:t>
             </a:r>
             <a:r>
-              <a:rPr lang="de-DE" dirty="0" err="1" smtClean="0"/>
+              <a:rPr lang="de-DE" dirty="0" err="1"/>
               <a:t>occur</a:t>
             </a:r>
             <a:r>
-              <a:rPr lang="de-DE" dirty="0" smtClean="0"/>
+              <a:rPr lang="de-DE" dirty="0"/>
               <a:t> at </a:t>
             </a:r>
             <a:r>
-              <a:rPr lang="de-DE" dirty="0" err="1" smtClean="0"/>
+              <a:rPr lang="de-DE" dirty="0" err="1"/>
               <a:t>mean</a:t>
             </a:r>
             <a:r>
-              <a:rPr lang="de-DE" dirty="0" smtClean="0"/>
+              <a:rPr lang="de-DE" dirty="0"/>
               <a:t> </a:t>
             </a:r>
             <a:r>
-              <a:rPr lang="de-DE" dirty="0" err="1" smtClean="0"/>
+              <a:rPr lang="de-DE" dirty="0" err="1"/>
               <a:t>tempuratures</a:t>
             </a:r>
             <a:r>
-              <a:rPr lang="de-DE" dirty="0" smtClean="0"/>
+              <a:rPr lang="de-DE" dirty="0"/>
               <a:t> </a:t>
             </a:r>
             <a:r>
-              <a:rPr lang="de-DE" dirty="0" err="1" smtClean="0"/>
+              <a:rPr lang="de-DE" dirty="0" err="1"/>
               <a:t>beween</a:t>
             </a:r>
             <a:r>
-              <a:rPr lang="de-DE" dirty="0" smtClean="0"/>
+              <a:rPr lang="de-DE" dirty="0"/>
               <a:t> 27 °C </a:t>
             </a:r>
             <a:r>
-              <a:rPr lang="de-DE" dirty="0" err="1" smtClean="0"/>
+              <a:rPr lang="de-DE" dirty="0" err="1"/>
               <a:t>and</a:t>
             </a:r>
             <a:r>
-              <a:rPr lang="de-DE" dirty="0" smtClean="0"/>
+              <a:rPr lang="de-DE" dirty="0"/>
               <a:t> 29.5 °C </a:t>
             </a:r>
             <a:r>
-              <a:rPr lang="de-DE" dirty="0" err="1" smtClean="0"/>
+              <a:rPr lang="de-DE" dirty="0" err="1"/>
               <a:t>with</a:t>
             </a:r>
             <a:r>
-              <a:rPr lang="de-DE" dirty="0" smtClean="0"/>
+              <a:rPr lang="de-DE" dirty="0"/>
               <a:t> a </a:t>
             </a:r>
             <a:r>
-              <a:rPr lang="de-DE" dirty="0" err="1" smtClean="0"/>
+              <a:rPr lang="de-DE" dirty="0" err="1"/>
               <a:t>a</a:t>
             </a:r>
             <a:r>
-              <a:rPr lang="de-DE" dirty="0" smtClean="0"/>
+              <a:rPr lang="de-DE" dirty="0"/>
               <a:t> </a:t>
             </a:r>
             <a:r>
-              <a:rPr lang="de-DE" dirty="0" err="1" smtClean="0"/>
+              <a:rPr lang="de-DE" dirty="0" err="1"/>
               <a:t>maximum</a:t>
             </a:r>
             <a:r>
-              <a:rPr lang="de-DE" dirty="0" smtClean="0"/>
+              <a:rPr lang="de-DE" dirty="0"/>
               <a:t> at 29°C </a:t>
             </a:r>
           </a:p>
@@ -20167,42 +24173,41 @@
           <a:lstStyle/>
           <a:p>
             <a:r>
-              <a:rPr lang="de-DE" sz="1400" b="1" dirty="0" smtClean="0"/>
+              <a:rPr lang="de-DE" sz="1400" b="1" dirty="0"/>
               <a:t>Development </a:t>
             </a:r>
             <a:r>
-              <a:rPr lang="de-DE" sz="1400" b="1" dirty="0" err="1" smtClean="0"/>
+              <a:rPr lang="de-DE" sz="1400" b="1" dirty="0" err="1"/>
               <a:t>of</a:t>
             </a:r>
             <a:r>
-              <a:rPr lang="de-DE" sz="1400" b="1" dirty="0" smtClean="0"/>
+              <a:rPr lang="de-DE" sz="1400" b="1" dirty="0"/>
               <a:t> Dengue </a:t>
             </a:r>
             <a:r>
-              <a:rPr lang="de-DE" sz="1400" b="1" dirty="0" err="1" smtClean="0"/>
+              <a:rPr lang="de-DE" sz="1400" b="1" dirty="0" err="1"/>
               <a:t>cases</a:t>
             </a:r>
             <a:r>
-              <a:rPr lang="de-DE" sz="1400" b="1" dirty="0" smtClean="0"/>
+              <a:rPr lang="de-DE" sz="1400" b="1" dirty="0"/>
               <a:t> </a:t>
             </a:r>
             <a:r>
-              <a:rPr lang="de-DE" sz="1400" b="1" dirty="0" err="1" smtClean="0"/>
+              <a:rPr lang="de-DE" sz="1400" b="1" dirty="0" err="1"/>
               <a:t>and</a:t>
             </a:r>
             <a:r>
-              <a:rPr lang="de-DE" sz="1400" b="1" dirty="0" smtClean="0"/>
+              <a:rPr lang="de-DE" sz="1400" b="1" dirty="0"/>
               <a:t> </a:t>
             </a:r>
             <a:r>
-              <a:rPr lang="de-DE" sz="1400" b="1" dirty="0" err="1" smtClean="0"/>
+              <a:rPr lang="de-DE" sz="1400" b="1" dirty="0" err="1"/>
               <a:t>temperature</a:t>
             </a:r>
             <a:r>
-              <a:rPr lang="de-DE" sz="1400" b="1" dirty="0" smtClean="0"/>
+              <a:rPr lang="de-DE" sz="1400" b="1" dirty="0"/>
               <a:t> in Thailand</a:t>
             </a:r>
-            <a:endParaRPr lang="de-DE" sz="1400" b="1" dirty="0"/>
           </a:p>
         </p:txBody>
       </p:sp>
@@ -20251,13 +24256,6 @@
   <p:clrMapOvr>
     <a:masterClrMapping/>
   </p:clrMapOvr>
-  <p:timing>
-    <p:tnLst>
-      <p:par>
-        <p:cTn id="1" dur="indefinite" restart="never" nodeType="tmRoot"/>
-      </p:par>
-    </p:tnLst>
-  </p:timing>
 </p:sld>
 </file>
 
@@ -20283,7 +24281,7 @@
           <p:cNvPr id="2" name="Titel 1">
             <a:extLst>
               <a:ext uri="{FF2B5EF4-FFF2-40B4-BE49-F238E27FC236}">
-                <a16:creationId xmlns:a16="http://schemas.microsoft.com/office/drawing/2014/main" xmlns="" id="{271BBF8E-0631-07FA-658D-0A9AC185B2ED}"/>
+                <a16:creationId xmlns:a16="http://schemas.microsoft.com/office/drawing/2014/main" id="{271BBF8E-0631-07FA-658D-0A9AC185B2ED}"/>
               </a:ext>
             </a:extLst>
           </p:cNvPr>
@@ -20313,7 +24311,7 @@
           <p:cNvPr id="3" name="Inhaltsplatzhalter 2">
             <a:extLst>
               <a:ext uri="{FF2B5EF4-FFF2-40B4-BE49-F238E27FC236}">
-                <a16:creationId xmlns:a16="http://schemas.microsoft.com/office/drawing/2014/main" xmlns="" id="{F9EF591C-ECF0-EF81-A103-19C701887773}"/>
+                <a16:creationId xmlns:a16="http://schemas.microsoft.com/office/drawing/2014/main" id="{F9EF591C-ECF0-EF81-A103-19C701887773}"/>
               </a:ext>
             </a:extLst>
           </p:cNvPr>
@@ -20461,7 +24459,7 @@
           <p:cNvPr id="4" name="Inhaltsplatzhalter 2">
             <a:extLst>
               <a:ext uri="{FF2B5EF4-FFF2-40B4-BE49-F238E27FC236}">
-                <a16:creationId xmlns:a16="http://schemas.microsoft.com/office/drawing/2014/main" xmlns="" id="{FCDCF0CB-FB2F-C459-14AF-F9A25DB72CD5}"/>
+                <a16:creationId xmlns:a16="http://schemas.microsoft.com/office/drawing/2014/main" id="{FCDCF0CB-FB2F-C459-14AF-F9A25DB72CD5}"/>
               </a:ext>
             </a:extLst>
           </p:cNvPr>
@@ -20794,7 +24792,7 @@
           <p:cNvPr id="5" name="Inhaltsplatzhalter 2">
             <a:extLst>
               <a:ext uri="{FF2B5EF4-FFF2-40B4-BE49-F238E27FC236}">
-                <a16:creationId xmlns:a16="http://schemas.microsoft.com/office/drawing/2014/main" xmlns="" id="{1C88E83E-224F-D8F1-4CFE-BF9BF30FC80B}"/>
+                <a16:creationId xmlns:a16="http://schemas.microsoft.com/office/drawing/2014/main" id="{1C88E83E-224F-D8F1-4CFE-BF9BF30FC80B}"/>
               </a:ext>
             </a:extLst>
           </p:cNvPr>
@@ -21155,10 +25153,10 @@
       </p:grpSpPr>
       <p:sp>
         <p:nvSpPr>
-          <p:cNvPr id="4" name="Titel 3">
+          <p:cNvPr id="2" name="Title 1">
             <a:extLst>
               <a:ext uri="{FF2B5EF4-FFF2-40B4-BE49-F238E27FC236}">
-                <a16:creationId xmlns:a16="http://schemas.microsoft.com/office/drawing/2014/main" xmlns="" id="{C696BA8A-370E-F394-AAE2-FBBA1BF694D7}"/>
+                <a16:creationId xmlns:a16="http://schemas.microsoft.com/office/drawing/2014/main" id="{CD81109A-8D17-4540-5C48-07EF9AC4B8E6}"/>
               </a:ext>
             </a:extLst>
           </p:cNvPr>
@@ -21175,215 +25173,218 @@
           <a:lstStyle/>
           <a:p>
             <a:r>
-              <a:rPr lang="de-DE" dirty="0">
-                <a:latin typeface="Cambria" panose="02040503050406030204" pitchFamily="18" charset="0"/>
-              </a:rPr>
-              <a:t>Further </a:t>
-            </a:r>
-            <a:r>
-              <a:rPr lang="de-DE" dirty="0" err="1">
-                <a:latin typeface="Cambria" panose="02040503050406030204" pitchFamily="18" charset="0"/>
-              </a:rPr>
-              <a:t>investigation</a:t>
-            </a:r>
-            <a:r>
-              <a:rPr lang="de-DE" dirty="0">
-                <a:latin typeface="Cambria" panose="02040503050406030204" pitchFamily="18" charset="0"/>
-              </a:rPr>
-              <a:t> </a:t>
-            </a:r>
-            <a:r>
-              <a:rPr lang="de-DE" dirty="0" err="1">
-                <a:latin typeface="Cambria" panose="02040503050406030204" pitchFamily="18" charset="0"/>
-              </a:rPr>
-              <a:t>ideas</a:t>
-            </a:r>
-            <a:r>
-              <a:rPr lang="de-DE" dirty="0">
-                <a:latin typeface="Cambria" panose="02040503050406030204" pitchFamily="18" charset="0"/>
-              </a:rPr>
-              <a:t> </a:t>
+              <a:rPr lang="en-GB" dirty="0"/>
+              <a:t>ERA 5 – Data set</a:t>
+            </a:r>
+          </a:p>
+        </p:txBody>
+      </p:sp>
+      <p:pic>
+        <p:nvPicPr>
+          <p:cNvPr id="5" name="Content Placeholder 4" descr="A picture containing text, screenshot&#10;&#10;Description automatically generated">
+            <a:extLst>
+              <a:ext uri="{FF2B5EF4-FFF2-40B4-BE49-F238E27FC236}">
+                <a16:creationId xmlns:a16="http://schemas.microsoft.com/office/drawing/2014/main" id="{AF195E65-2FB1-9407-5294-0E6BB0ED56D0}"/>
+              </a:ext>
+            </a:extLst>
+          </p:cNvPr>
+          <p:cNvPicPr>
+            <a:picLocks noGrp="1" noChangeAspect="1"/>
+          </p:cNvPicPr>
+          <p:nvPr>
+            <p:ph idx="1"/>
+          </p:nvPr>
+        </p:nvPicPr>
+        <p:blipFill rotWithShape="1">
+          <a:blip r:embed="rId2">
+            <a:extLst>
+              <a:ext uri="{28A0092B-C50C-407E-A947-70E740481C1C}">
+                <a14:useLocalDpi xmlns:a14="http://schemas.microsoft.com/office/drawing/2010/main" val="0"/>
+              </a:ext>
+            </a:extLst>
+          </a:blip>
+          <a:srcRect b="16746"/>
+          <a:stretch/>
+        </p:blipFill>
+        <p:spPr>
+          <a:xfrm>
+            <a:off x="4935894" y="453193"/>
+            <a:ext cx="6529873" cy="4079104"/>
+          </a:xfrm>
+        </p:spPr>
+      </p:pic>
+      <p:sp>
+        <p:nvSpPr>
+          <p:cNvPr id="7" name="TextBox 6">
+            <a:extLst>
+              <a:ext uri="{FF2B5EF4-FFF2-40B4-BE49-F238E27FC236}">
+                <a16:creationId xmlns:a16="http://schemas.microsoft.com/office/drawing/2014/main" id="{D3A21088-2126-07F5-2B97-D8A7D6761296}"/>
+              </a:ext>
+            </a:extLst>
+          </p:cNvPr>
+          <p:cNvSpPr txBox="1"/>
+          <p:nvPr/>
+        </p:nvSpPr>
+        <p:spPr>
+          <a:xfrm>
+            <a:off x="632149" y="6063239"/>
+            <a:ext cx="9511005" cy="646331"/>
+          </a:xfrm>
+          <a:prstGeom prst="rect">
+            <a:avLst/>
+          </a:prstGeom>
+          <a:noFill/>
+        </p:spPr>
+        <p:txBody>
+          <a:bodyPr wrap="square">
+            <a:spAutoFit/>
+          </a:bodyPr>
+          <a:lstStyle/>
+          <a:p>
+            <a:r>
+              <a:rPr lang="en-GB" dirty="0"/>
+              <a:t>https://www.ecmwf.int/en/about/media-centre/science-blog/2017/era5-new-reanalysis-weather-and-climate-data</a:t>
             </a:r>
           </a:p>
         </p:txBody>
       </p:sp>
       <p:sp>
         <p:nvSpPr>
-          <p:cNvPr id="5" name="Inhaltsplatzhalter 4">
+          <p:cNvPr id="4" name="TextBox 3">
             <a:extLst>
               <a:ext uri="{FF2B5EF4-FFF2-40B4-BE49-F238E27FC236}">
-                <a16:creationId xmlns:a16="http://schemas.microsoft.com/office/drawing/2014/main" xmlns="" id="{9B040A2A-2AF4-2587-3E81-1F75C581633F}"/>
+                <a16:creationId xmlns:a16="http://schemas.microsoft.com/office/drawing/2014/main" id="{3B67A02D-2D62-70DF-02FF-70F018E050FD}"/>
               </a:ext>
             </a:extLst>
           </p:cNvPr>
-          <p:cNvSpPr>
-            <a:spLocks noGrp="1"/>
-          </p:cNvSpPr>
-          <p:nvPr>
-            <p:ph idx="1"/>
-          </p:nvPr>
+          <p:cNvSpPr txBox="1"/>
+          <p:nvPr/>
         </p:nvSpPr>
-        <p:spPr/>
+        <p:spPr>
+          <a:xfrm>
+            <a:off x="632149" y="1690688"/>
+            <a:ext cx="4191778" cy="3046988"/>
+          </a:xfrm>
+          <a:prstGeom prst="rect">
+            <a:avLst/>
+          </a:prstGeom>
+          <a:noFill/>
+        </p:spPr>
         <p:txBody>
-          <a:bodyPr/>
+          <a:bodyPr wrap="square">
+            <a:spAutoFit/>
+          </a:bodyPr>
           <a:lstStyle/>
           <a:p>
-            <a:r>
-              <a:rPr lang="de-DE" dirty="0" err="1">
-                <a:latin typeface="Cambria" panose="02040503050406030204" pitchFamily="18" charset="0"/>
+            <a:pPr marL="285750" indent="-285750" algn="l">
+              <a:buFont typeface="Arial" panose="020B0604020202020204" pitchFamily="34" charset="0"/>
+              <a:buChar char="•"/>
+            </a:pPr>
+            <a:r>
+              <a:rPr lang="en-GB" sz="2400" b="0" i="0" dirty="0">
+                <a:solidFill>
+                  <a:srgbClr val="374151"/>
+                </a:solidFill>
+                <a:effectLst/>
               </a:rPr>
-              <a:t>How</a:t>
-            </a:r>
-            <a:r>
-              <a:rPr lang="de-DE" dirty="0">
-                <a:latin typeface="Cambria" panose="02040503050406030204" pitchFamily="18" charset="0"/>
+              <a:t>ERA5 is the 5th generation global climate reanalysis by ECMWF and C3S</a:t>
+            </a:r>
+          </a:p>
+          <a:p>
+            <a:pPr marL="285750" indent="-285750" algn="l">
+              <a:buFont typeface="Arial" panose="020B0604020202020204" pitchFamily="34" charset="0"/>
+              <a:buChar char="•"/>
+            </a:pPr>
+            <a:r>
+              <a:rPr lang="en-GB" sz="2400" b="0" i="0" dirty="0">
+                <a:solidFill>
+                  <a:srgbClr val="374151"/>
+                </a:solidFill>
+                <a:effectLst/>
               </a:rPr>
-              <a:t> </a:t>
-            </a:r>
-            <a:r>
-              <a:rPr lang="de-DE" dirty="0" err="1">
-                <a:latin typeface="Cambria" panose="02040503050406030204" pitchFamily="18" charset="0"/>
+              <a:t>Covers January 1940 to present with hourly estimates of climate variables</a:t>
+            </a:r>
+          </a:p>
+          <a:p>
+            <a:pPr marL="285750" indent="-285750" algn="l">
+              <a:buFont typeface="Arial" panose="020B0604020202020204" pitchFamily="34" charset="0"/>
+              <a:buChar char="•"/>
+            </a:pPr>
+            <a:r>
+              <a:rPr lang="en-GB" sz="2400" b="0" i="0" dirty="0">
+                <a:solidFill>
+                  <a:srgbClr val="374151"/>
+                </a:solidFill>
+                <a:effectLst/>
               </a:rPr>
-              <a:t>does</a:t>
-            </a:r>
-            <a:r>
-              <a:rPr lang="de-DE" dirty="0">
-                <a:latin typeface="Cambria" panose="02040503050406030204" pitchFamily="18" charset="0"/>
+              <a:t>Data on 30 km grid, including uncertainty information</a:t>
+            </a:r>
+          </a:p>
+        </p:txBody>
+      </p:sp>
+      <p:sp>
+        <p:nvSpPr>
+          <p:cNvPr id="8" name="TextBox 7">
+            <a:extLst>
+              <a:ext uri="{FF2B5EF4-FFF2-40B4-BE49-F238E27FC236}">
+                <a16:creationId xmlns:a16="http://schemas.microsoft.com/office/drawing/2014/main" id="{EDD7240A-8C6B-E113-EB7B-F34441354BE2}"/>
+              </a:ext>
+            </a:extLst>
+          </p:cNvPr>
+          <p:cNvSpPr txBox="1"/>
+          <p:nvPr/>
+        </p:nvSpPr>
+        <p:spPr>
+          <a:xfrm>
+            <a:off x="632149" y="4604667"/>
+            <a:ext cx="10172700" cy="1200329"/>
+          </a:xfrm>
+          <a:prstGeom prst="rect">
+            <a:avLst/>
+          </a:prstGeom>
+          <a:noFill/>
+        </p:spPr>
+        <p:txBody>
+          <a:bodyPr wrap="square">
+            <a:spAutoFit/>
+          </a:bodyPr>
+          <a:lstStyle/>
+          <a:p>
+            <a:pPr marL="285750" indent="-285750" algn="l">
+              <a:buFont typeface="Arial" panose="020B0604020202020204" pitchFamily="34" charset="0"/>
+              <a:buChar char="•"/>
+            </a:pPr>
+            <a:r>
+              <a:rPr lang="en-GB" sz="2400" b="0" i="0" dirty="0">
+                <a:solidFill>
+                  <a:srgbClr val="374151"/>
+                </a:solidFill>
+                <a:effectLst/>
               </a:rPr>
-              <a:t> </a:t>
-            </a:r>
-            <a:r>
-              <a:rPr lang="de-DE" dirty="0" err="1">
-                <a:latin typeface="Cambria" panose="02040503050406030204" pitchFamily="18" charset="0"/>
+              <a:t>Temperature is defined as air temperature at 2m above land, sea, or inland waters</a:t>
+            </a:r>
+          </a:p>
+          <a:p>
+            <a:pPr marL="285750" indent="-285750" algn="l">
+              <a:buFont typeface="Arial" panose="020B0604020202020204" pitchFamily="34" charset="0"/>
+              <a:buChar char="•"/>
+            </a:pPr>
+            <a:r>
+              <a:rPr lang="en-GB" sz="2400" b="0" i="0" dirty="0">
+                <a:solidFill>
+                  <a:srgbClr val="374151"/>
+                </a:solidFill>
+                <a:effectLst/>
               </a:rPr>
-              <a:t>temperature</a:t>
-            </a:r>
-            <a:r>
-              <a:rPr lang="de-DE" dirty="0">
-                <a:latin typeface="Cambria" panose="02040503050406030204" pitchFamily="18" charset="0"/>
-              </a:rPr>
-              <a:t> </a:t>
-            </a:r>
-            <a:r>
-              <a:rPr lang="de-DE" dirty="0" err="1">
-                <a:latin typeface="Cambria" panose="02040503050406030204" pitchFamily="18" charset="0"/>
-              </a:rPr>
-              <a:t>affect</a:t>
-            </a:r>
-            <a:r>
-              <a:rPr lang="de-DE" dirty="0">
-                <a:latin typeface="Cambria" panose="02040503050406030204" pitchFamily="18" charset="0"/>
-              </a:rPr>
-              <a:t> </a:t>
-            </a:r>
-            <a:r>
-              <a:rPr lang="de-DE" dirty="0" err="1">
-                <a:latin typeface="Cambria" panose="02040503050406030204" pitchFamily="18" charset="0"/>
-              </a:rPr>
-              <a:t>dengue</a:t>
-            </a:r>
-            <a:r>
-              <a:rPr lang="de-DE" dirty="0">
-                <a:latin typeface="Cambria" panose="02040503050406030204" pitchFamily="18" charset="0"/>
-              </a:rPr>
-              <a:t> </a:t>
-            </a:r>
-            <a:r>
-              <a:rPr lang="de-DE" dirty="0" err="1">
-                <a:latin typeface="Cambria" panose="02040503050406030204" pitchFamily="18" charset="0"/>
-              </a:rPr>
-              <a:t>mortality</a:t>
-            </a:r>
-            <a:r>
-              <a:rPr lang="de-DE" dirty="0">
-                <a:latin typeface="Cambria" panose="02040503050406030204" pitchFamily="18" charset="0"/>
-              </a:rPr>
-              <a:t>?</a:t>
-            </a:r>
-          </a:p>
-          <a:p>
-            <a:r>
-              <a:rPr lang="de-DE" dirty="0" err="1">
-                <a:latin typeface="Cambria" panose="02040503050406030204" pitchFamily="18" charset="0"/>
-              </a:rPr>
-              <a:t>How</a:t>
-            </a:r>
-            <a:r>
-              <a:rPr lang="de-DE" dirty="0">
-                <a:latin typeface="Cambria" panose="02040503050406030204" pitchFamily="18" charset="0"/>
-              </a:rPr>
-              <a:t> do </a:t>
-            </a:r>
-            <a:r>
-              <a:rPr lang="de-DE" dirty="0" err="1">
-                <a:latin typeface="Cambria" panose="02040503050406030204" pitchFamily="18" charset="0"/>
-              </a:rPr>
-              <a:t>urbanized</a:t>
-            </a:r>
-            <a:r>
-              <a:rPr lang="de-DE" dirty="0">
-                <a:latin typeface="Cambria" panose="02040503050406030204" pitchFamily="18" charset="0"/>
-              </a:rPr>
-              <a:t> </a:t>
-            </a:r>
-            <a:r>
-              <a:rPr lang="de-DE" dirty="0" err="1">
-                <a:latin typeface="Cambria" panose="02040503050406030204" pitchFamily="18" charset="0"/>
-              </a:rPr>
-              <a:t>areas</a:t>
-            </a:r>
-            <a:r>
-              <a:rPr lang="de-DE" dirty="0">
-                <a:latin typeface="Cambria" panose="02040503050406030204" pitchFamily="18" charset="0"/>
-              </a:rPr>
-              <a:t> </a:t>
-            </a:r>
-            <a:r>
-              <a:rPr lang="de-DE" dirty="0" err="1">
-                <a:latin typeface="Cambria" panose="02040503050406030204" pitchFamily="18" charset="0"/>
-              </a:rPr>
-              <a:t>affect</a:t>
-            </a:r>
-            <a:r>
-              <a:rPr lang="de-DE" dirty="0">
-                <a:latin typeface="Cambria" panose="02040503050406030204" pitchFamily="18" charset="0"/>
-              </a:rPr>
-              <a:t> </a:t>
-            </a:r>
-            <a:r>
-              <a:rPr lang="de-DE" dirty="0" err="1">
-                <a:latin typeface="Cambria" panose="02040503050406030204" pitchFamily="18" charset="0"/>
-              </a:rPr>
-              <a:t>infection</a:t>
-            </a:r>
-            <a:r>
-              <a:rPr lang="de-DE" dirty="0">
-                <a:latin typeface="Cambria" panose="02040503050406030204" pitchFamily="18" charset="0"/>
-              </a:rPr>
-              <a:t> </a:t>
-            </a:r>
-            <a:r>
-              <a:rPr lang="de-DE" dirty="0" err="1">
-                <a:latin typeface="Cambria" panose="02040503050406030204" pitchFamily="18" charset="0"/>
-              </a:rPr>
-              <a:t>rates</a:t>
-            </a:r>
-            <a:r>
-              <a:rPr lang="de-DE" dirty="0">
-                <a:latin typeface="Cambria" panose="02040503050406030204" pitchFamily="18" charset="0"/>
-              </a:rPr>
-              <a:t>?</a:t>
-            </a:r>
-          </a:p>
-          <a:p>
-            <a:endParaRPr lang="de-DE" dirty="0"/>
+              <a:t>Generated using advanced assimilation techniques and numerical models</a:t>
+            </a:r>
           </a:p>
         </p:txBody>
       </p:sp>
     </p:spTree>
     <p:extLst>
       <p:ext uri="{BB962C8B-B14F-4D97-AF65-F5344CB8AC3E}">
-        <p14:creationId xmlns:p14="http://schemas.microsoft.com/office/powerpoint/2010/main" val="2032409732"/>
+        <p14:creationId xmlns:p14="http://schemas.microsoft.com/office/powerpoint/2010/main" val="3007001027"/>
       </p:ext>
     </p:extLst>
   </p:cSld>

--- a/Project Proposal Präsi Draft .pptx
+++ b/Project Proposal Präsi Draft .pptx
@@ -35396,33 +35396,15 @@
                                   </p:childTnLst>
                                 </p:cTn>
                               </p:par>
-                            </p:childTnLst>
-                          </p:cTn>
-                        </p:par>
-                      </p:childTnLst>
-                    </p:cTn>
-                  </p:par>
-                  <p:par>
-                    <p:cTn id="7" fill="hold">
-                      <p:stCondLst>
-                        <p:cond delay="indefinite"/>
-                      </p:stCondLst>
-                      <p:childTnLst>
-                        <p:par>
-                          <p:cTn id="8" fill="hold">
-                            <p:stCondLst>
-                              <p:cond delay="0"/>
-                            </p:stCondLst>
-                            <p:childTnLst>
                               <p:par>
-                                <p:cTn id="9" presetID="1" presetClass="entr" presetSubtype="0" fill="hold" nodeType="clickEffect">
+                                <p:cTn id="7" presetID="1" presetClass="entr" presetSubtype="0" fill="hold" nodeType="withEffect">
                                   <p:stCondLst>
                                     <p:cond delay="0"/>
                                   </p:stCondLst>
                                   <p:childTnLst>
                                     <p:set>
                                       <p:cBhvr>
-                                        <p:cTn id="10" dur="1" fill="hold">
+                                        <p:cTn id="8" dur="1" fill="hold">
                                           <p:stCondLst>
                                             <p:cond delay="0"/>
                                           </p:stCondLst>
@@ -35610,7 +35592,7 @@
         <p:spPr>
           <a:xfrm>
             <a:off x="4783882" y="1957477"/>
-            <a:ext cx="6319547" cy="3108543"/>
+            <a:ext cx="6319547" cy="3539430"/>
           </a:xfrm>
           <a:prstGeom prst="rect">
             <a:avLst/>
@@ -35623,9 +35605,9 @@
           </a:bodyPr>
           <a:lstStyle/>
           <a:p>
-            <a:pPr marL="285750" indent="-285750">
-              <a:buFont typeface="Arial" panose="020B0604020202020204" pitchFamily="34" charset="0"/>
-              <a:buChar char="•"/>
+            <a:pPr marL="457200" indent="-457200">
+              <a:buFont typeface="Wingdings" pitchFamily="2" charset="2"/>
+              <a:buChar char="Ø"/>
             </a:pPr>
             <a:r>
               <a:rPr lang="en-GB" sz="2800" dirty="0">
@@ -35635,9 +35617,9 @@
             </a:r>
           </a:p>
           <a:p>
-            <a:pPr marL="285750" indent="-285750">
-              <a:buFont typeface="Arial" panose="020B0604020202020204" pitchFamily="34" charset="0"/>
-              <a:buChar char="•"/>
+            <a:pPr marL="457200" indent="-457200">
+              <a:buFont typeface="Wingdings" pitchFamily="2" charset="2"/>
+              <a:buChar char="Ø"/>
             </a:pPr>
             <a:r>
               <a:rPr lang="en-GB" sz="2800" dirty="0">
@@ -35647,9 +35629,9 @@
             </a:r>
           </a:p>
           <a:p>
-            <a:pPr marL="285750" indent="-285750">
-              <a:buFont typeface="Arial" panose="020B0604020202020204" pitchFamily="34" charset="0"/>
-              <a:buChar char="•"/>
+            <a:pPr marL="457200" indent="-457200">
+              <a:buFont typeface="Wingdings" pitchFamily="2" charset="2"/>
+              <a:buChar char="Ø"/>
             </a:pPr>
             <a:r>
               <a:rPr lang="en-GB" sz="2800" dirty="0">
@@ -35807,7 +35789,9 @@
           <a:lstStyle/>
           <a:p>
             <a:r>
-              <a:rPr lang="de-DE" dirty="0"/>
+              <a:rPr lang="de-DE" dirty="0">
+                <a:latin typeface="Cambria" panose="02040503050406030204" pitchFamily="18" charset="0"/>
+              </a:rPr>
               <a:t>Sources</a:t>
             </a:r>
           </a:p>
@@ -35831,107 +35815,424 @@
         </p:nvSpPr>
         <p:spPr/>
         <p:txBody>
-          <a:bodyPr/>
+          <a:bodyPr>
+            <a:normAutofit/>
+          </a:bodyPr>
           <a:lstStyle/>
           <a:p>
-            <a:r>
-              <a:rPr lang="de-DE" dirty="0">
+            <a:pPr marL="0" indent="0">
+              <a:buNone/>
+            </a:pPr>
+            <a:r>
+              <a:rPr lang="de-DE" sz="1600" dirty="0">
                 <a:latin typeface="Cambria" panose="02040503050406030204" pitchFamily="18" charset="0"/>
               </a:rPr>
               <a:t>Masud, M. B., </a:t>
             </a:r>
             <a:r>
-              <a:rPr lang="de-DE" dirty="0" err="1">
+              <a:rPr lang="de-DE" sz="1600" dirty="0" err="1">
                 <a:latin typeface="Cambria" panose="02040503050406030204" pitchFamily="18" charset="0"/>
               </a:rPr>
               <a:t>Soni</a:t>
             </a:r>
             <a:r>
-              <a:rPr lang="de-DE" dirty="0">
+              <a:rPr lang="de-DE" sz="1600" dirty="0">
                 <a:latin typeface="Cambria" panose="02040503050406030204" pitchFamily="18" charset="0"/>
               </a:rPr>
               <a:t>, P., Shrestha, S., &amp; </a:t>
             </a:r>
             <a:r>
-              <a:rPr lang="de-DE" dirty="0" err="1">
+              <a:rPr lang="de-DE" sz="1600" dirty="0" err="1">
                 <a:latin typeface="Cambria" panose="02040503050406030204" pitchFamily="18" charset="0"/>
               </a:rPr>
               <a:t>Tripathi</a:t>
             </a:r>
             <a:r>
-              <a:rPr lang="de-DE" dirty="0">
+              <a:rPr lang="de-DE" sz="1600" dirty="0">
                 <a:latin typeface="Cambria" panose="02040503050406030204" pitchFamily="18" charset="0"/>
               </a:rPr>
               <a:t>, N. K. (2016). </a:t>
             </a:r>
             <a:r>
-              <a:rPr lang="de-DE" dirty="0" err="1">
+              <a:rPr lang="de-DE" sz="1600" dirty="0" err="1">
                 <a:latin typeface="Cambria" panose="02040503050406030204" pitchFamily="18" charset="0"/>
               </a:rPr>
               <a:t>Changes</a:t>
             </a:r>
             <a:r>
-              <a:rPr lang="de-DE" dirty="0">
+              <a:rPr lang="de-DE" sz="1600" dirty="0">
                 <a:latin typeface="Cambria" panose="02040503050406030204" pitchFamily="18" charset="0"/>
               </a:rPr>
               <a:t> in </a:t>
             </a:r>
             <a:r>
-              <a:rPr lang="de-DE" dirty="0" err="1">
+              <a:rPr lang="de-DE" sz="1600" dirty="0" err="1">
                 <a:latin typeface="Cambria" panose="02040503050406030204" pitchFamily="18" charset="0"/>
               </a:rPr>
               <a:t>climate</a:t>
             </a:r>
             <a:r>
-              <a:rPr lang="de-DE" dirty="0">
+              <a:rPr lang="de-DE" sz="1600" dirty="0">
                 <a:latin typeface="Cambria" panose="02040503050406030204" pitchFamily="18" charset="0"/>
               </a:rPr>
               <a:t> extremes </a:t>
             </a:r>
             <a:r>
-              <a:rPr lang="de-DE" dirty="0" err="1">
+              <a:rPr lang="de-DE" sz="1600" dirty="0" err="1">
                 <a:latin typeface="Cambria" panose="02040503050406030204" pitchFamily="18" charset="0"/>
               </a:rPr>
               <a:t>over</a:t>
             </a:r>
             <a:r>
-              <a:rPr lang="de-DE" dirty="0">
+              <a:rPr lang="de-DE" sz="1600" dirty="0">
                 <a:latin typeface="Cambria" panose="02040503050406030204" pitchFamily="18" charset="0"/>
               </a:rPr>
               <a:t> North Thailand, 1960–2099. </a:t>
             </a:r>
             <a:r>
-              <a:rPr lang="de-DE" i="1" dirty="0" err="1">
+              <a:rPr lang="de-DE" sz="1600" i="1" dirty="0" err="1">
                 <a:latin typeface="Cambria" panose="02040503050406030204" pitchFamily="18" charset="0"/>
               </a:rPr>
               <a:t>Downloads.Hindawi.Com</a:t>
             </a:r>
             <a:r>
-              <a:rPr lang="de-DE" dirty="0">
+              <a:rPr lang="de-DE" sz="1600" dirty="0">
                 <a:latin typeface="Cambria" panose="02040503050406030204" pitchFamily="18" charset="0"/>
               </a:rPr>
               <a:t>, 1960–2099. </a:t>
             </a:r>
           </a:p>
           <a:p>
-            <a:r>
-              <a:rPr lang="de-DE" dirty="0">
+            <a:pPr marL="0" indent="0">
+              <a:buNone/>
+            </a:pPr>
+            <a:r>
+              <a:rPr lang="de-DE" sz="1600" dirty="0" err="1">
                 <a:latin typeface="Cambria" panose="02040503050406030204" pitchFamily="18" charset="0"/>
               </a:rPr>
-              <a:t>*</a:t>
-            </a:r>
-            <a:r>
-              <a:rPr lang="de-DE" dirty="0" err="1">
+              <a:t>Hersbach</a:t>
+            </a:r>
+            <a:r>
+              <a:rPr lang="de-DE" sz="1600" dirty="0">
+                <a:latin typeface="Cambria" panose="02040503050406030204" pitchFamily="18" charset="0"/>
+              </a:rPr>
+              <a:t> et al. (2020). The ERA5 global </a:t>
+            </a:r>
+            <a:r>
+              <a:rPr lang="de-DE" sz="1600" dirty="0" err="1">
+                <a:latin typeface="Cambria" panose="02040503050406030204" pitchFamily="18" charset="0"/>
+              </a:rPr>
+              <a:t>reanalysis</a:t>
+            </a:r>
+            <a:r>
+              <a:rPr lang="de-DE" sz="1600" dirty="0">
+                <a:latin typeface="Cambria" panose="02040503050406030204" pitchFamily="18" charset="0"/>
+              </a:rPr>
+              <a:t>. Quarterly Journal </a:t>
+            </a:r>
+            <a:r>
+              <a:rPr lang="de-DE" sz="1600" dirty="0" err="1">
+                <a:latin typeface="Cambria" panose="02040503050406030204" pitchFamily="18" charset="0"/>
+              </a:rPr>
+              <a:t>of</a:t>
+            </a:r>
+            <a:r>
+              <a:rPr lang="de-DE" sz="1600" dirty="0">
+                <a:latin typeface="Cambria" panose="02040503050406030204" pitchFamily="18" charset="0"/>
+              </a:rPr>
+              <a:t> </a:t>
+            </a:r>
+            <a:r>
+              <a:rPr lang="de-DE" sz="1600" dirty="0" err="1">
+                <a:latin typeface="Cambria" panose="02040503050406030204" pitchFamily="18" charset="0"/>
+              </a:rPr>
+              <a:t>the</a:t>
+            </a:r>
+            <a:r>
+              <a:rPr lang="de-DE" sz="1600" dirty="0">
+                <a:latin typeface="Cambria" panose="02040503050406030204" pitchFamily="18" charset="0"/>
+              </a:rPr>
+              <a:t> Royal </a:t>
+            </a:r>
+            <a:r>
+              <a:rPr lang="de-DE" sz="1600" dirty="0" err="1">
+                <a:latin typeface="Cambria" panose="02040503050406030204" pitchFamily="18" charset="0"/>
+              </a:rPr>
+              <a:t>Meteorological</a:t>
+            </a:r>
+            <a:r>
+              <a:rPr lang="de-DE" sz="1600" dirty="0">
+                <a:latin typeface="Cambria" panose="02040503050406030204" pitchFamily="18" charset="0"/>
+              </a:rPr>
+              <a:t> Society 146, 1999-2049. 10.1002/qj.3803.</a:t>
+            </a:r>
+          </a:p>
+          <a:p>
+            <a:pPr marL="0" indent="0">
+              <a:buNone/>
+            </a:pPr>
+            <a:r>
+              <a:rPr lang="de-DE" sz="1600" dirty="0">
+                <a:latin typeface="Cambria" panose="02040503050406030204" pitchFamily="18" charset="0"/>
+              </a:rPr>
+              <a:t>Morin, C.W., </a:t>
+            </a:r>
+            <a:r>
+              <a:rPr lang="de-DE" sz="1600" dirty="0" err="1">
+                <a:latin typeface="Cambria" panose="02040503050406030204" pitchFamily="18" charset="0"/>
+              </a:rPr>
+              <a:t>Comrie</a:t>
+            </a:r>
+            <a:r>
+              <a:rPr lang="de-DE" sz="1600" dirty="0">
+                <a:latin typeface="Cambria" panose="02040503050406030204" pitchFamily="18" charset="0"/>
+              </a:rPr>
+              <a:t>, A.C., and Ernst, K. (2013). Climate and Dengue Transmission: </a:t>
+            </a:r>
+            <a:r>
+              <a:rPr lang="de-DE" sz="1600" dirty="0" err="1">
+                <a:latin typeface="Cambria" panose="02040503050406030204" pitchFamily="18" charset="0"/>
+              </a:rPr>
+              <a:t>Evidence</a:t>
+            </a:r>
+            <a:r>
+              <a:rPr lang="de-DE" sz="1600" dirty="0">
+                <a:latin typeface="Cambria" panose="02040503050406030204" pitchFamily="18" charset="0"/>
+              </a:rPr>
+              <a:t> and </a:t>
+            </a:r>
+            <a:r>
+              <a:rPr lang="de-DE" sz="1600" dirty="0" err="1">
+                <a:latin typeface="Cambria" panose="02040503050406030204" pitchFamily="18" charset="0"/>
+              </a:rPr>
+              <a:t>Implications</a:t>
+            </a:r>
+            <a:r>
+              <a:rPr lang="de-DE" sz="1600" dirty="0">
+                <a:latin typeface="Cambria" panose="02040503050406030204" pitchFamily="18" charset="0"/>
+              </a:rPr>
+              <a:t>. Environmental Health </a:t>
+            </a:r>
+            <a:r>
+              <a:rPr lang="de-DE" sz="1600" dirty="0" err="1">
+                <a:latin typeface="Cambria" panose="02040503050406030204" pitchFamily="18" charset="0"/>
+              </a:rPr>
+              <a:t>Perspectives</a:t>
+            </a:r>
+            <a:r>
+              <a:rPr lang="de-DE" sz="1600" dirty="0">
+                <a:latin typeface="Cambria" panose="02040503050406030204" pitchFamily="18" charset="0"/>
+              </a:rPr>
+              <a:t> 121, 1264-1272. 10.1289/ehp.1306556.</a:t>
+            </a:r>
+          </a:p>
+          <a:p>
+            <a:pPr marL="0" indent="0">
+              <a:buNone/>
+            </a:pPr>
+            <a:r>
+              <a:rPr lang="de-DE" sz="1600" dirty="0" err="1">
+                <a:latin typeface="Cambria" panose="02040503050406030204" pitchFamily="18" charset="0"/>
+              </a:rPr>
+              <a:t>Phanitchat</a:t>
+            </a:r>
+            <a:r>
+              <a:rPr lang="de-DE" sz="1600" dirty="0">
+                <a:latin typeface="Cambria" panose="02040503050406030204" pitchFamily="18" charset="0"/>
+              </a:rPr>
+              <a:t> T, Zhao B, Haque U, </a:t>
+            </a:r>
+            <a:r>
+              <a:rPr lang="de-DE" sz="1600" dirty="0" err="1">
+                <a:latin typeface="Cambria" panose="02040503050406030204" pitchFamily="18" charset="0"/>
+              </a:rPr>
+              <a:t>Pientong</a:t>
+            </a:r>
+            <a:r>
+              <a:rPr lang="de-DE" sz="1600" dirty="0">
+                <a:latin typeface="Cambria" panose="02040503050406030204" pitchFamily="18" charset="0"/>
+              </a:rPr>
+              <a:t> C, </a:t>
+            </a:r>
+            <a:r>
+              <a:rPr lang="de-DE" sz="1600" dirty="0" err="1">
+                <a:latin typeface="Cambria" panose="02040503050406030204" pitchFamily="18" charset="0"/>
+              </a:rPr>
+              <a:t>Ekalaksananan</a:t>
+            </a:r>
+            <a:r>
+              <a:rPr lang="de-DE" sz="1600" dirty="0">
+                <a:latin typeface="Cambria" panose="02040503050406030204" pitchFamily="18" charset="0"/>
+              </a:rPr>
+              <a:t> T, </a:t>
+            </a:r>
+            <a:r>
+              <a:rPr lang="de-DE" sz="1600" dirty="0" err="1">
+                <a:latin typeface="Cambria" panose="02040503050406030204" pitchFamily="18" charset="0"/>
+              </a:rPr>
+              <a:t>Aromseree</a:t>
+            </a:r>
+            <a:r>
+              <a:rPr lang="de-DE" sz="1600" dirty="0">
+                <a:latin typeface="Cambria" panose="02040503050406030204" pitchFamily="18" charset="0"/>
+              </a:rPr>
+              <a:t> S, </a:t>
+            </a:r>
+            <a:r>
+              <a:rPr lang="de-DE" sz="1600" dirty="0" err="1">
+                <a:latin typeface="Cambria" panose="02040503050406030204" pitchFamily="18" charset="0"/>
+              </a:rPr>
+              <a:t>Thaewnongiew</a:t>
+            </a:r>
+            <a:r>
+              <a:rPr lang="de-DE" sz="1600" dirty="0">
+                <a:latin typeface="Cambria" panose="02040503050406030204" pitchFamily="18" charset="0"/>
+              </a:rPr>
+              <a:t> K, </a:t>
+            </a:r>
+            <a:r>
+              <a:rPr lang="de-DE" sz="1600" dirty="0" err="1">
+                <a:latin typeface="Cambria" panose="02040503050406030204" pitchFamily="18" charset="0"/>
+              </a:rPr>
+              <a:t>Fustec</a:t>
+            </a:r>
+            <a:r>
+              <a:rPr lang="de-DE" sz="1600" dirty="0">
+                <a:latin typeface="Cambria" panose="02040503050406030204" pitchFamily="18" charset="0"/>
+              </a:rPr>
+              <a:t> B, Bangs MJ, Alexander N, </a:t>
+            </a:r>
+            <a:r>
+              <a:rPr lang="de-DE" sz="1600" dirty="0" err="1">
+                <a:latin typeface="Cambria" panose="02040503050406030204" pitchFamily="18" charset="0"/>
+              </a:rPr>
+              <a:t>Overgaard</a:t>
+            </a:r>
+            <a:r>
+              <a:rPr lang="de-DE" sz="1600" dirty="0">
+                <a:latin typeface="Cambria" panose="02040503050406030204" pitchFamily="18" charset="0"/>
+              </a:rPr>
+              <a:t> HJ. </a:t>
+            </a:r>
+            <a:r>
+              <a:rPr lang="de-DE" sz="1600" dirty="0" err="1">
+                <a:latin typeface="Cambria" panose="02040503050406030204" pitchFamily="18" charset="0"/>
+              </a:rPr>
+              <a:t>Spatial</a:t>
+            </a:r>
+            <a:r>
+              <a:rPr lang="de-DE" sz="1600" dirty="0">
+                <a:latin typeface="Cambria" panose="02040503050406030204" pitchFamily="18" charset="0"/>
+              </a:rPr>
+              <a:t> and temporal </a:t>
+            </a:r>
+            <a:r>
+              <a:rPr lang="de-DE" sz="1600" dirty="0" err="1">
+                <a:latin typeface="Cambria" panose="02040503050406030204" pitchFamily="18" charset="0"/>
+              </a:rPr>
+              <a:t>patterns</a:t>
+            </a:r>
+            <a:r>
+              <a:rPr lang="de-DE" sz="1600" dirty="0">
+                <a:latin typeface="Cambria" panose="02040503050406030204" pitchFamily="18" charset="0"/>
+              </a:rPr>
+              <a:t> </a:t>
+            </a:r>
+            <a:r>
+              <a:rPr lang="de-DE" sz="1600" dirty="0" err="1">
+                <a:latin typeface="Cambria" panose="02040503050406030204" pitchFamily="18" charset="0"/>
+              </a:rPr>
+              <a:t>of</a:t>
+            </a:r>
+            <a:r>
+              <a:rPr lang="de-DE" sz="1600" dirty="0">
+                <a:latin typeface="Cambria" panose="02040503050406030204" pitchFamily="18" charset="0"/>
+              </a:rPr>
+              <a:t> </a:t>
+            </a:r>
+            <a:r>
+              <a:rPr lang="de-DE" sz="1600" dirty="0" err="1">
                 <a:latin typeface="Cambria" panose="02040503050406030204" pitchFamily="18" charset="0"/>
               </a:rPr>
               <a:t>dengue</a:t>
             </a:r>
             <a:r>
-              <a:rPr lang="de-DE" dirty="0">
+              <a:rPr lang="de-DE" sz="1600" dirty="0">
                 <a:latin typeface="Cambria" panose="02040503050406030204" pitchFamily="18" charset="0"/>
               </a:rPr>
-              <a:t> source*</a:t>
-            </a:r>
+              <a:t> </a:t>
+            </a:r>
+            <a:r>
+              <a:rPr lang="de-DE" sz="1600" dirty="0" err="1">
+                <a:latin typeface="Cambria" panose="02040503050406030204" pitchFamily="18" charset="0"/>
+              </a:rPr>
+              <a:t>incidence</a:t>
+            </a:r>
+            <a:r>
+              <a:rPr lang="de-DE" sz="1600" dirty="0">
+                <a:latin typeface="Cambria" panose="02040503050406030204" pitchFamily="18" charset="0"/>
+              </a:rPr>
+              <a:t> in </a:t>
+            </a:r>
+            <a:r>
+              <a:rPr lang="de-DE" sz="1600" dirty="0" err="1">
+                <a:latin typeface="Cambria" panose="02040503050406030204" pitchFamily="18" charset="0"/>
+              </a:rPr>
+              <a:t>northeastern</a:t>
+            </a:r>
+            <a:r>
+              <a:rPr lang="de-DE" sz="1600" dirty="0">
+                <a:latin typeface="Cambria" panose="02040503050406030204" pitchFamily="18" charset="0"/>
+              </a:rPr>
+              <a:t> Thailand 2006-2016. BMC </a:t>
+            </a:r>
+            <a:r>
+              <a:rPr lang="de-DE" sz="1600" dirty="0" err="1">
+                <a:latin typeface="Cambria" panose="02040503050406030204" pitchFamily="18" charset="0"/>
+              </a:rPr>
+              <a:t>Infect</a:t>
+            </a:r>
+            <a:r>
+              <a:rPr lang="de-DE" sz="1600" dirty="0">
+                <a:latin typeface="Cambria" panose="02040503050406030204" pitchFamily="18" charset="0"/>
+              </a:rPr>
+              <a:t> Dis. 2019 Aug 23;19(1):743. </a:t>
+            </a:r>
+            <a:r>
+              <a:rPr lang="de-DE" sz="1600" dirty="0" err="1">
+                <a:latin typeface="Cambria" panose="02040503050406030204" pitchFamily="18" charset="0"/>
+              </a:rPr>
+              <a:t>doi</a:t>
+            </a:r>
+            <a:r>
+              <a:rPr lang="de-DE" sz="1600" dirty="0">
+                <a:latin typeface="Cambria" panose="02040503050406030204" pitchFamily="18" charset="0"/>
+              </a:rPr>
+              <a:t>: 10.1186/s12879-019-4379-3</a:t>
+            </a:r>
+          </a:p>
+          <a:p>
+            <a:pPr marL="0" indent="0">
+              <a:buNone/>
+            </a:pPr>
+            <a:r>
+              <a:rPr lang="de-DE" sz="1600" dirty="0">
+                <a:latin typeface="Cambria" panose="02040503050406030204" pitchFamily="18" charset="0"/>
+                <a:hlinkClick r:id="rId2"/>
+              </a:rPr>
+              <a:t>https://www.who.int/news-room/fact-sheets/detail/dengue-and-severe-dengue</a:t>
+            </a:r>
+            <a:endParaRPr lang="de-DE" sz="1600" dirty="0">
+              <a:latin typeface="Cambria" panose="02040503050406030204" pitchFamily="18" charset="0"/>
+            </a:endParaRPr>
+          </a:p>
+          <a:p>
+            <a:pPr marL="0" indent="0">
+              <a:buNone/>
+            </a:pPr>
+            <a:endParaRPr lang="de-DE" sz="1600" dirty="0">
+              <a:latin typeface="Cambria" panose="02040503050406030204" pitchFamily="18" charset="0"/>
+            </a:endParaRPr>
           </a:p>
         </p:txBody>
       </p:sp>
@@ -36032,19 +36333,7 @@
               <a:rPr lang="de-DE" dirty="0">
                 <a:latin typeface="Cambria" panose="02040503050406030204" pitchFamily="18" charset="0"/>
               </a:rPr>
-              <a:t> on </a:t>
-            </a:r>
-            <a:r>
-              <a:rPr lang="de-DE" dirty="0" err="1">
-                <a:latin typeface="Cambria" panose="02040503050406030204" pitchFamily="18" charset="0"/>
-              </a:rPr>
-              <a:t>Aedes</a:t>
-            </a:r>
-            <a:r>
-              <a:rPr lang="de-DE" dirty="0">
-                <a:latin typeface="Cambria" panose="02040503050406030204" pitchFamily="18" charset="0"/>
-              </a:rPr>
-              <a:t> </a:t>
+              <a:t> on Aedes </a:t>
             </a:r>
             <a:r>
               <a:rPr lang="de-DE" dirty="0" err="1">
@@ -36875,8 +37164,25 @@
                   </a:schemeClr>
                 </a:solidFill>
               </a:rPr>
-              <a:t>https://www.cdc.gov/mosquitoes/about/life-cycles/aedes.html</a:t>
-            </a:r>
+              <a:t>https://www.cdc.gov/mosquitoes/about/life-cycles/</a:t>
+            </a:r>
+            <a:r>
+              <a:rPr lang="de-DE" sz="1400" dirty="0" err="1">
+                <a:solidFill>
+                  <a:schemeClr val="bg1">
+                    <a:lumMod val="50000"/>
+                  </a:schemeClr>
+                </a:solidFill>
+              </a:rPr>
+              <a:t>aedes.html</a:t>
+            </a:r>
+            <a:endParaRPr lang="de-DE" sz="1400" dirty="0">
+              <a:solidFill>
+                <a:schemeClr val="bg1">
+                  <a:lumMod val="50000"/>
+                </a:schemeClr>
+              </a:solidFill>
+            </a:endParaRPr>
           </a:p>
           <a:p>
             <a:endParaRPr lang="de-DE" sz="1400" dirty="0">
@@ -39794,16 +40100,10 @@
           <a:lstStyle/>
           <a:p>
             <a:r>
-              <a:rPr lang="de-DE" sz="2800" dirty="0" err="1">
-                <a:latin typeface="Cambria" panose="02040503050406030204" pitchFamily="18" charset="0"/>
-              </a:rPr>
-              <a:t>Serotypes</a:t>
-            </a:r>
-            <a:r>
               <a:rPr lang="de-DE" sz="2800" dirty="0">
                 <a:latin typeface="Cambria" panose="02040503050406030204" pitchFamily="18" charset="0"/>
               </a:rPr>
-              <a:t>:</a:t>
+              <a:t>Serotypes:</a:t>
             </a:r>
           </a:p>
           <a:p>
@@ -39845,49 +40145,56 @@
           <a:lstStyle/>
           <a:p>
             <a:r>
-              <a:rPr lang="de-DE" sz="2800" dirty="0" err="1">
-                <a:latin typeface="Cambria" panose="02040503050406030204" pitchFamily="18" charset="0"/>
-              </a:rPr>
-              <a:t>Aedes</a:t>
-            </a:r>
-            <a:r>
               <a:rPr lang="de-DE" sz="2800" dirty="0">
                 <a:latin typeface="Cambria" panose="02040503050406030204" pitchFamily="18" charset="0"/>
               </a:rPr>
-              <a:t> </a:t>
-            </a:r>
-            <a:r>
-              <a:rPr lang="de-DE" sz="2800" dirty="0" err="1">
-                <a:latin typeface="Cambria" panose="02040503050406030204" pitchFamily="18" charset="0"/>
-              </a:rPr>
-              <a:t>albopictus</a:t>
-            </a:r>
-            <a:endParaRPr lang="de-DE" sz="2800" dirty="0">
-              <a:latin typeface="Cambria" panose="02040503050406030204" pitchFamily="18" charset="0"/>
-            </a:endParaRPr>
+              <a:t>Aedes albopictus</a:t>
+            </a:r>
           </a:p>
           <a:p>
-            <a:r>
-              <a:rPr lang="de-DE" sz="2800" dirty="0" err="1">
-                <a:latin typeface="Cambria" panose="02040503050406030204" pitchFamily="18" charset="0"/>
-              </a:rPr>
-              <a:t>Aedes</a:t>
-            </a:r>
             <a:r>
               <a:rPr lang="de-DE" sz="2800" dirty="0">
                 <a:latin typeface="Cambria" panose="02040503050406030204" pitchFamily="18" charset="0"/>
               </a:rPr>
-              <a:t> </a:t>
-            </a:r>
-            <a:r>
-              <a:rPr lang="de-DE" sz="2800" dirty="0" err="1">
+              <a:t>Aedes aegypti</a:t>
+            </a:r>
+          </a:p>
+        </p:txBody>
+      </p:sp>
+      <p:sp>
+        <p:nvSpPr>
+          <p:cNvPr id="3" name="Textfeld 2">
+            <a:extLst>
+              <a:ext uri="{FF2B5EF4-FFF2-40B4-BE49-F238E27FC236}">
+                <a16:creationId xmlns:a16="http://schemas.microsoft.com/office/drawing/2014/main" id="{271D9A99-710B-ABE3-9304-A01E0D5B1B38}"/>
+              </a:ext>
+            </a:extLst>
+          </p:cNvPr>
+          <p:cNvSpPr txBox="1"/>
+          <p:nvPr/>
+        </p:nvSpPr>
+        <p:spPr>
+          <a:xfrm>
+            <a:off x="8751863" y="4297277"/>
+            <a:ext cx="3053785" cy="523220"/>
+          </a:xfrm>
+          <a:prstGeom prst="rect">
+            <a:avLst/>
+          </a:prstGeom>
+          <a:noFill/>
+        </p:spPr>
+        <p:txBody>
+          <a:bodyPr wrap="none" rtlCol="0">
+            <a:spAutoFit/>
+          </a:bodyPr>
+          <a:lstStyle/>
+          <a:p>
+            <a:r>
+              <a:rPr lang="de-DE" sz="2800" dirty="0">
                 <a:latin typeface="Cambria" panose="02040503050406030204" pitchFamily="18" charset="0"/>
               </a:rPr>
-              <a:t>aegypti</a:t>
-            </a:r>
-            <a:endParaRPr lang="de-DE" sz="2800" dirty="0">
-              <a:latin typeface="Cambria" panose="02040503050406030204" pitchFamily="18" charset="0"/>
-            </a:endParaRPr>
+              <a:t>Human Population</a:t>
+            </a:r>
           </a:p>
         </p:txBody>
       </p:sp>
@@ -41785,33 +42092,15 @@
                                   </p:childTnLst>
                                 </p:cTn>
                               </p:par>
-                            </p:childTnLst>
-                          </p:cTn>
-                        </p:par>
-                      </p:childTnLst>
-                    </p:cTn>
-                  </p:par>
-                  <p:par>
-                    <p:cTn id="19" fill="hold">
-                      <p:stCondLst>
-                        <p:cond delay="indefinite"/>
-                      </p:stCondLst>
-                      <p:childTnLst>
-                        <p:par>
-                          <p:cTn id="20" fill="hold">
-                            <p:stCondLst>
-                              <p:cond delay="0"/>
-                            </p:stCondLst>
-                            <p:childTnLst>
                               <p:par>
-                                <p:cTn id="21" presetID="1" presetClass="entr" presetSubtype="0" fill="hold" nodeType="clickEffect">
+                                <p:cTn id="19" presetID="1" presetClass="entr" presetSubtype="0" fill="hold" nodeType="withEffect">
                                   <p:stCondLst>
                                     <p:cond delay="0"/>
                                   </p:stCondLst>
                                   <p:childTnLst>
                                     <p:set>
                                       <p:cBhvr>
-                                        <p:cTn id="22" dur="1" fill="hold">
+                                        <p:cTn id="20" dur="1" fill="hold">
                                           <p:stCondLst>
                                             <p:cond delay="0"/>
                                           </p:stCondLst>
@@ -41834,33 +42123,15 @@
                                   </p:childTnLst>
                                 </p:cTn>
                               </p:par>
-                            </p:childTnLst>
-                          </p:cTn>
-                        </p:par>
-                      </p:childTnLst>
-                    </p:cTn>
-                  </p:par>
-                  <p:par>
-                    <p:cTn id="23" fill="hold">
-                      <p:stCondLst>
-                        <p:cond delay="indefinite"/>
-                      </p:stCondLst>
-                      <p:childTnLst>
-                        <p:par>
-                          <p:cTn id="24" fill="hold">
-                            <p:stCondLst>
-                              <p:cond delay="0"/>
-                            </p:stCondLst>
-                            <p:childTnLst>
                               <p:par>
-                                <p:cTn id="25" presetID="1" presetClass="entr" presetSubtype="0" fill="hold" nodeType="clickEffect">
+                                <p:cTn id="21" presetID="1" presetClass="entr" presetSubtype="0" fill="hold" nodeType="withEffect">
                                   <p:stCondLst>
                                     <p:cond delay="0"/>
                                   </p:stCondLst>
                                   <p:childTnLst>
                                     <p:set>
                                       <p:cBhvr>
-                                        <p:cTn id="26" dur="1" fill="hold">
+                                        <p:cTn id="22" dur="1" fill="hold">
                                           <p:stCondLst>
                                             <p:cond delay="0"/>
                                           </p:stCondLst>

--- a/Project Proposal Präsi Draft .pptx
+++ b/Project Proposal Präsi Draft .pptx
@@ -26453,7 +26453,7 @@
           <a:p>
             <a:fld id="{B1EDDCE5-D48E-DA43-B444-DDF71E7751E7}" type="datetimeFigureOut">
               <a:rPr lang="de-DE" smtClean="0"/>
-              <a:t>18.05.23</a:t>
+              <a:t>19.05.23</a:t>
             </a:fld>
             <a:endParaRPr lang="de-DE"/>
           </a:p>
@@ -28180,6 +28180,55 @@
           <a:p>
             <a:r>
               <a:rPr lang="de-DE" dirty="0"/>
+              <a:t>Timeline: </a:t>
+            </a:r>
+            <a:r>
+              <a:rPr lang="de-DE" dirty="0" err="1"/>
+              <a:t>climate</a:t>
+            </a:r>
+            <a:r>
+              <a:rPr lang="de-DE" dirty="0"/>
+              <a:t> </a:t>
+            </a:r>
+            <a:r>
+              <a:rPr lang="de-DE" dirty="0" err="1"/>
+              <a:t>consists</a:t>
+            </a:r>
+            <a:r>
+              <a:rPr lang="de-DE" dirty="0"/>
+              <a:t> </a:t>
+            </a:r>
+            <a:r>
+              <a:rPr lang="de-DE" dirty="0" err="1"/>
+              <a:t>of</a:t>
+            </a:r>
+            <a:r>
+              <a:rPr lang="de-DE" dirty="0"/>
+              <a:t> 2 </a:t>
+            </a:r>
+            <a:r>
+              <a:rPr lang="de-DE" dirty="0" err="1"/>
+              <a:t>main</a:t>
+            </a:r>
+            <a:r>
+              <a:rPr lang="de-DE" dirty="0"/>
+              <a:t> </a:t>
+            </a:r>
+            <a:r>
+              <a:rPr lang="de-DE" dirty="0" err="1"/>
+              <a:t>seasons</a:t>
+            </a:r>
+            <a:r>
+              <a:rPr lang="de-DE" dirty="0"/>
+              <a:t>:</a:t>
+            </a:r>
+          </a:p>
+          <a:p>
+            <a:endParaRPr lang="de-DE" dirty="0"/>
+          </a:p>
+          <a:p>
+            <a:r>
+              <a:rPr lang="de-DE" dirty="0"/>
               <a:t>Dry </a:t>
             </a:r>
             <a:r>
@@ -28480,7 +28529,7 @@
             </a:r>
             <a:r>
               <a:rPr lang="de-DE" dirty="0"/>
-              <a:t> -&gt; </a:t>
+              <a:t> 1960-2099 -&gt; </a:t>
             </a:r>
             <a:r>
               <a:rPr lang="de-DE" dirty="0">
@@ -29281,7 +29330,7 @@
             </a:r>
             <a:r>
               <a:rPr lang="de-DE" dirty="0"/>
-              <a:t> 1959 (</a:t>
+              <a:t> 1950 (</a:t>
             </a:r>
             <a:r>
               <a:rPr lang="de-DE" dirty="0" err="1"/>
@@ -29723,7 +29772,7 @@
           <a:p>
             <a:fld id="{F03D0D1F-6BF6-194C-A78C-DBDDA79CC997}" type="datetimeFigureOut">
               <a:rPr lang="de-DE" smtClean="0"/>
-              <a:t>18.05.23</a:t>
+              <a:t>19.05.23</a:t>
             </a:fld>
             <a:endParaRPr lang="de-DE"/>
           </a:p>
@@ -30135,7 +30184,7 @@
           <a:p>
             <a:fld id="{F03D0D1F-6BF6-194C-A78C-DBDDA79CC997}" type="datetimeFigureOut">
               <a:rPr lang="de-DE" smtClean="0"/>
-              <a:t>18.05.23</a:t>
+              <a:t>19.05.23</a:t>
             </a:fld>
             <a:endParaRPr lang="de-DE"/>
           </a:p>
@@ -30276,7 +30325,7 @@
           <a:p>
             <a:fld id="{F03D0D1F-6BF6-194C-A78C-DBDDA79CC997}" type="datetimeFigureOut">
               <a:rPr lang="de-DE" smtClean="0"/>
-              <a:t>18.05.23</a:t>
+              <a:t>19.05.23</a:t>
             </a:fld>
             <a:endParaRPr lang="de-DE"/>
           </a:p>
@@ -30389,7 +30438,7 @@
           <a:p>
             <a:fld id="{F03D0D1F-6BF6-194C-A78C-DBDDA79CC997}" type="datetimeFigureOut">
               <a:rPr lang="de-DE" smtClean="0"/>
-              <a:t>18.05.23</a:t>
+              <a:t>19.05.23</a:t>
             </a:fld>
             <a:endParaRPr lang="de-DE"/>
           </a:p>
@@ -30700,7 +30749,7 @@
           <a:p>
             <a:fld id="{F03D0D1F-6BF6-194C-A78C-DBDDA79CC997}" type="datetimeFigureOut">
               <a:rPr lang="de-DE" smtClean="0"/>
-              <a:t>18.05.23</a:t>
+              <a:t>19.05.23</a:t>
             </a:fld>
             <a:endParaRPr lang="de-DE"/>
           </a:p>
@@ -30841,7 +30890,7 @@
           <a:p>
             <a:fld id="{F03D0D1F-6BF6-194C-A78C-DBDDA79CC997}" type="datetimeFigureOut">
               <a:rPr lang="de-DE" smtClean="0"/>
-              <a:t>18.05.23</a:t>
+              <a:t>19.05.23</a:t>
             </a:fld>
             <a:endParaRPr lang="de-DE"/>
           </a:p>
@@ -31129,7 +31178,7 @@
           <a:p>
             <a:fld id="{F03D0D1F-6BF6-194C-A78C-DBDDA79CC997}" type="datetimeFigureOut">
               <a:rPr lang="de-DE" smtClean="0"/>
-              <a:t>18.05.23</a:t>
+              <a:t>19.05.23</a:t>
             </a:fld>
             <a:endParaRPr lang="de-DE"/>
           </a:p>
@@ -31327,7 +31376,7 @@
           <a:p>
             <a:fld id="{F03D0D1F-6BF6-194C-A78C-DBDDA79CC997}" type="datetimeFigureOut">
               <a:rPr lang="de-DE" smtClean="0"/>
-              <a:t>18.05.23</a:t>
+              <a:t>19.05.23</a:t>
             </a:fld>
             <a:endParaRPr lang="de-DE"/>
           </a:p>
@@ -31535,7 +31584,7 @@
           <a:p>
             <a:fld id="{F03D0D1F-6BF6-194C-A78C-DBDDA79CC997}" type="datetimeFigureOut">
               <a:rPr lang="de-DE" smtClean="0"/>
-              <a:t>18.05.23</a:t>
+              <a:t>19.05.23</a:t>
             </a:fld>
             <a:endParaRPr lang="de-DE"/>
           </a:p>
@@ -31681,7 +31730,7 @@
           <a:p>
             <a:fld id="{F03D0D1F-6BF6-194C-A78C-DBDDA79CC997}" type="datetimeFigureOut">
               <a:rPr lang="de-DE" smtClean="0"/>
-              <a:t>18.05.23</a:t>
+              <a:t>19.05.23</a:t>
             </a:fld>
             <a:endParaRPr lang="de-DE"/>
           </a:p>
@@ -31857,7 +31906,7 @@
           <a:p>
             <a:fld id="{F03D0D1F-6BF6-194C-A78C-DBDDA79CC997}" type="datetimeFigureOut">
               <a:rPr lang="de-DE" smtClean="0"/>
-              <a:t>18.05.23</a:t>
+              <a:t>19.05.23</a:t>
             </a:fld>
             <a:endParaRPr lang="de-DE"/>
           </a:p>
@@ -32033,7 +32082,7 @@
           <a:p>
             <a:fld id="{F03D0D1F-6BF6-194C-A78C-DBDDA79CC997}" type="datetimeFigureOut">
               <a:rPr lang="de-DE" smtClean="0"/>
-              <a:t>18.05.23</a:t>
+              <a:t>19.05.23</a:t>
             </a:fld>
             <a:endParaRPr lang="de-DE"/>
           </a:p>
@@ -32209,7 +32258,7 @@
           <a:p>
             <a:fld id="{F03D0D1F-6BF6-194C-A78C-DBDDA79CC997}" type="datetimeFigureOut">
               <a:rPr lang="de-DE" smtClean="0"/>
-              <a:t>18.05.23</a:t>
+              <a:t>19.05.23</a:t>
             </a:fld>
             <a:endParaRPr lang="de-DE"/>
           </a:p>
@@ -32501,7 +32550,7 @@
           <a:p>
             <a:fld id="{F03D0D1F-6BF6-194C-A78C-DBDDA79CC997}" type="datetimeFigureOut">
               <a:rPr lang="de-DE" smtClean="0"/>
-              <a:t>18.05.23</a:t>
+              <a:t>19.05.23</a:t>
             </a:fld>
             <a:endParaRPr lang="de-DE"/>
           </a:p>
@@ -32672,7 +32721,7 @@
           <a:p>
             <a:fld id="{F03D0D1F-6BF6-194C-A78C-DBDDA79CC997}" type="datetimeFigureOut">
               <a:rPr lang="de-DE" smtClean="0"/>
-              <a:t>18.05.23</a:t>
+              <a:t>19.05.23</a:t>
             </a:fld>
             <a:endParaRPr lang="de-DE"/>
           </a:p>
@@ -33009,7 +33058,7 @@
           <a:p>
             <a:fld id="{F03D0D1F-6BF6-194C-A78C-DBDDA79CC997}" type="datetimeFigureOut">
               <a:rPr lang="de-DE" smtClean="0"/>
-              <a:t>18.05.23</a:t>
+              <a:t>19.05.23</a:t>
             </a:fld>
             <a:endParaRPr lang="de-DE"/>
           </a:p>
@@ -33274,7 +33323,7 @@
           <a:p>
             <a:fld id="{F03D0D1F-6BF6-194C-A78C-DBDDA79CC997}" type="datetimeFigureOut">
               <a:rPr lang="de-DE" smtClean="0"/>
-              <a:t>18.05.23</a:t>
+              <a:t>19.05.23</a:t>
             </a:fld>
             <a:endParaRPr lang="de-DE"/>
           </a:p>
@@ -33515,7 +33564,7 @@
           <a:p>
             <a:fld id="{F03D0D1F-6BF6-194C-A78C-DBDDA79CC997}" type="datetimeFigureOut">
               <a:rPr lang="de-DE" smtClean="0"/>
-              <a:t>18.05.23</a:t>
+              <a:t>19.05.23</a:t>
             </a:fld>
             <a:endParaRPr lang="de-DE"/>
           </a:p>
@@ -39551,7 +39600,7 @@
                 <a:effectLst/>
                 <a:latin typeface="Cambria" panose="02040503050406030204" pitchFamily="18" charset="0"/>
               </a:rPr>
-              <a:t>Covers January 1940 to present with hourly estimates of climate variables</a:t>
+              <a:t>Covers January 1950 to present with hourly estimates of climate variables</a:t>
             </a:r>
           </a:p>
           <a:p>
